--- a/slides/2_oo_background.pptx
+++ b/slides/2_oo_background.pptx
@@ -5,10 +5,10 @@
     <p:sldMasterId id="2147483704" r:id="rId1"/>
   </p:sldMasterIdLst>
   <p:notesMasterIdLst>
-    <p:notesMasterId r:id="rId45"/>
+    <p:notesMasterId r:id="rId47"/>
   </p:notesMasterIdLst>
   <p:handoutMasterIdLst>
-    <p:handoutMasterId r:id="rId46"/>
+    <p:handoutMasterId r:id="rId48"/>
   </p:handoutMasterIdLst>
   <p:sldIdLst>
     <p:sldId id="256" r:id="rId2"/>
@@ -27,33 +27,35 @@
     <p:sldId id="282" r:id="rId15"/>
     <p:sldId id="286" r:id="rId16"/>
     <p:sldId id="283" r:id="rId17"/>
-    <p:sldId id="330" r:id="rId18"/>
-    <p:sldId id="331" r:id="rId19"/>
-    <p:sldId id="332" r:id="rId20"/>
-    <p:sldId id="333" r:id="rId21"/>
-    <p:sldId id="335" r:id="rId22"/>
-    <p:sldId id="336" r:id="rId23"/>
-    <p:sldId id="337" r:id="rId24"/>
-    <p:sldId id="338" r:id="rId25"/>
-    <p:sldId id="339" r:id="rId26"/>
-    <p:sldId id="340" r:id="rId27"/>
-    <p:sldId id="341" r:id="rId28"/>
-    <p:sldId id="342" r:id="rId29"/>
-    <p:sldId id="328" r:id="rId30"/>
-    <p:sldId id="343" r:id="rId31"/>
-    <p:sldId id="345" r:id="rId32"/>
-    <p:sldId id="346" r:id="rId33"/>
-    <p:sldId id="347" r:id="rId34"/>
-    <p:sldId id="348" r:id="rId35"/>
-    <p:sldId id="349" r:id="rId36"/>
-    <p:sldId id="344" r:id="rId37"/>
-    <p:sldId id="316" r:id="rId38"/>
-    <p:sldId id="317" r:id="rId39"/>
-    <p:sldId id="318" r:id="rId40"/>
-    <p:sldId id="321" r:id="rId41"/>
-    <p:sldId id="320" r:id="rId42"/>
-    <p:sldId id="287" r:id="rId43"/>
-    <p:sldId id="260" r:id="rId44"/>
+    <p:sldId id="351" r:id="rId18"/>
+    <p:sldId id="330" r:id="rId19"/>
+    <p:sldId id="331" r:id="rId20"/>
+    <p:sldId id="332" r:id="rId21"/>
+    <p:sldId id="333" r:id="rId22"/>
+    <p:sldId id="335" r:id="rId23"/>
+    <p:sldId id="336" r:id="rId24"/>
+    <p:sldId id="337" r:id="rId25"/>
+    <p:sldId id="338" r:id="rId26"/>
+    <p:sldId id="339" r:id="rId27"/>
+    <p:sldId id="340" r:id="rId28"/>
+    <p:sldId id="341" r:id="rId29"/>
+    <p:sldId id="342" r:id="rId30"/>
+    <p:sldId id="328" r:id="rId31"/>
+    <p:sldId id="343" r:id="rId32"/>
+    <p:sldId id="345" r:id="rId33"/>
+    <p:sldId id="346" r:id="rId34"/>
+    <p:sldId id="347" r:id="rId35"/>
+    <p:sldId id="348" r:id="rId36"/>
+    <p:sldId id="349" r:id="rId37"/>
+    <p:sldId id="344" r:id="rId38"/>
+    <p:sldId id="316" r:id="rId39"/>
+    <p:sldId id="317" r:id="rId40"/>
+    <p:sldId id="318" r:id="rId41"/>
+    <p:sldId id="321" r:id="rId42"/>
+    <p:sldId id="320" r:id="rId43"/>
+    <p:sldId id="350" r:id="rId44"/>
+    <p:sldId id="287" r:id="rId45"/>
+    <p:sldId id="260" r:id="rId46"/>
   </p:sldIdLst>
   <p:sldSz cx="12192000" cy="6858000"/>
   <p:notesSz cx="6858000" cy="9144000"/>
@@ -303,7 +305,7 @@
           <a:p>
             <a:fld id="{E1249EDF-C441-401E-BE19-3A9BC3A020D4}" type="datetimeFigureOut">
               <a:rPr lang="en-US" smtClean="0"/>
-              <a:t>9/25/2025</a:t>
+              <a:t>9/26/2025</a:t>
             </a:fld>
             <a:endParaRPr lang="en-US"/>
           </a:p>
@@ -481,7 +483,7 @@
           <a:p>
             <a:fld id="{EC53C71B-473E-4814-B444-77926C773EE5}" type="datetimeFigureOut">
               <a:rPr lang="en-US" smtClean="0"/>
-              <a:t>9/25/2025</a:t>
+              <a:t>9/26/2025</a:t>
             </a:fld>
             <a:endParaRPr lang="en-US"/>
           </a:p>
@@ -1485,7 +1487,7 @@
               <a:pPr>
                 <a:defRPr/>
               </a:pPr>
-              <a:t>Thursday, September 25, 2025</a:t>
+              <a:t>Friday, September 26, 2025</a:t>
             </a:fld>
             <a:endParaRPr lang="en-US" dirty="0"/>
           </a:p>
@@ -1699,7 +1701,7 @@
               <a:pPr>
                 <a:defRPr/>
               </a:pPr>
-              <a:t>Thursday, September 25, 2025</a:t>
+              <a:t>Friday, September 26, 2025</a:t>
             </a:fld>
             <a:endParaRPr lang="en-US" dirty="0"/>
           </a:p>
@@ -2114,7 +2116,7 @@
               <a:pPr>
                 <a:defRPr/>
               </a:pPr>
-              <a:t>Thursday, September 25, 2025</a:t>
+              <a:t>Friday, September 26, 2025</a:t>
             </a:fld>
             <a:endParaRPr lang="en-US" dirty="0"/>
           </a:p>
@@ -2474,7 +2476,7 @@
               <a:pPr>
                 <a:defRPr/>
               </a:pPr>
-              <a:t>Thursday, September 25, 2025</a:t>
+              <a:t>Friday, September 26, 2025</a:t>
             </a:fld>
             <a:endParaRPr lang="en-US" dirty="0"/>
           </a:p>
@@ -2752,7 +2754,7 @@
               <a:pPr>
                 <a:defRPr/>
               </a:pPr>
-              <a:t>Thursday, September 25, 2025</a:t>
+              <a:t>Friday, September 26, 2025</a:t>
             </a:fld>
             <a:endParaRPr lang="en-US" dirty="0"/>
           </a:p>
@@ -3036,7 +3038,7 @@
               <a:pPr>
                 <a:defRPr/>
               </a:pPr>
-              <a:t>Thursday, September 25, 2025</a:t>
+              <a:t>Friday, September 26, 2025</a:t>
             </a:fld>
             <a:endParaRPr lang="en-US" dirty="0"/>
           </a:p>
@@ -3861,7 +3863,7 @@
               <a:pPr>
                 <a:defRPr/>
               </a:pPr>
-              <a:t>Thursday, September 25, 2025</a:t>
+              <a:t>Friday, September 26, 2025</a:t>
             </a:fld>
             <a:endParaRPr lang="en-US" dirty="0"/>
           </a:p>
@@ -10122,6 +10124,232 @@
       </p:grpSpPr>
       <p:sp>
         <p:nvSpPr>
+          <p:cNvPr id="5" name="Content Placeholder 4">
+            <a:extLst>
+              <a:ext uri="{FF2B5EF4-FFF2-40B4-BE49-F238E27FC236}">
+                <a16:creationId xmlns:a16="http://schemas.microsoft.com/office/drawing/2014/main" id="{5E378CC6-882E-4694-944C-D68105AC20D9}"/>
+              </a:ext>
+            </a:extLst>
+          </p:cNvPr>
+          <p:cNvSpPr>
+            <a:spLocks noGrp="1"/>
+          </p:cNvSpPr>
+          <p:nvPr>
+            <p:ph idx="1"/>
+          </p:nvPr>
+        </p:nvSpPr>
+        <p:spPr/>
+        <p:txBody>
+          <a:bodyPr/>
+          <a:lstStyle/>
+          <a:p>
+            <a:r>
+              <a:rPr lang="en-US" dirty="0"/>
+              <a:t>What is a library?</a:t>
+            </a:r>
+          </a:p>
+          <a:p>
+            <a:r>
+              <a:rPr lang="en-US" dirty="0"/>
+              <a:t>How is it different from an application?</a:t>
+            </a:r>
+          </a:p>
+          <a:p>
+            <a:r>
+              <a:rPr lang="en-US" dirty="0"/>
+              <a:t>What are the challenges of library design vs. application design?</a:t>
+            </a:r>
+          </a:p>
+        </p:txBody>
+      </p:sp>
+      <p:sp>
+        <p:nvSpPr>
+          <p:cNvPr id="4" name="Title 3">
+            <a:extLst>
+              <a:ext uri="{FF2B5EF4-FFF2-40B4-BE49-F238E27FC236}">
+                <a16:creationId xmlns:a16="http://schemas.microsoft.com/office/drawing/2014/main" id="{5BA7E008-FF29-BA69-2090-2D5D4F3C74A8}"/>
+              </a:ext>
+            </a:extLst>
+          </p:cNvPr>
+          <p:cNvSpPr>
+            <a:spLocks noGrp="1"/>
+          </p:cNvSpPr>
+          <p:nvPr>
+            <p:ph type="title"/>
+          </p:nvPr>
+        </p:nvSpPr>
+        <p:spPr/>
+        <p:txBody>
+          <a:bodyPr/>
+          <a:lstStyle/>
+          <a:p>
+            <a:r>
+              <a:rPr lang="en-US" dirty="0"/>
+              <a:t>Library vs application</a:t>
+            </a:r>
+          </a:p>
+        </p:txBody>
+      </p:sp>
+    </p:spTree>
+    <p:extLst>
+      <p:ext uri="{BB962C8B-B14F-4D97-AF65-F5344CB8AC3E}">
+        <p14:creationId xmlns:p14="http://schemas.microsoft.com/office/powerpoint/2010/main" val="3405614452"/>
+      </p:ext>
+    </p:extLst>
+  </p:cSld>
+  <p:clrMapOvr>
+    <a:masterClrMapping/>
+  </p:clrMapOvr>
+  <p:timing>
+    <p:tnLst>
+      <p:par>
+        <p:cTn id="1" dur="indefinite" restart="never" nodeType="tmRoot">
+          <p:childTnLst>
+            <p:seq concurrent="1" nextAc="seek">
+              <p:cTn id="2" dur="indefinite" nodeType="mainSeq">
+                <p:childTnLst>
+                  <p:par>
+                    <p:cTn id="3" fill="hold">
+                      <p:stCondLst>
+                        <p:cond delay="indefinite"/>
+                      </p:stCondLst>
+                      <p:childTnLst>
+                        <p:par>
+                          <p:cTn id="4" fill="hold">
+                            <p:stCondLst>
+                              <p:cond delay="0"/>
+                            </p:stCondLst>
+                            <p:childTnLst>
+                              <p:par>
+                                <p:cTn id="5" presetID="1" presetClass="entr" presetSubtype="0" fill="hold" nodeType="clickEffect">
+                                  <p:stCondLst>
+                                    <p:cond delay="0"/>
+                                  </p:stCondLst>
+                                  <p:childTnLst>
+                                    <p:set>
+                                      <p:cBhvr>
+                                        <p:cTn id="6" dur="1" fill="hold">
+                                          <p:stCondLst>
+                                            <p:cond delay="0"/>
+                                          </p:stCondLst>
+                                        </p:cTn>
+                                        <p:tgtEl>
+                                          <p:spTgt spid="5">
+                                            <p:txEl>
+                                              <p:pRg st="1" end="1"/>
+                                            </p:txEl>
+                                          </p:spTgt>
+                                        </p:tgtEl>
+                                        <p:attrNameLst>
+                                          <p:attrName>style.visibility</p:attrName>
+                                        </p:attrNameLst>
+                                      </p:cBhvr>
+                                      <p:to>
+                                        <p:strVal val="visible"/>
+                                      </p:to>
+                                    </p:set>
+                                  </p:childTnLst>
+                                </p:cTn>
+                              </p:par>
+                            </p:childTnLst>
+                          </p:cTn>
+                        </p:par>
+                      </p:childTnLst>
+                    </p:cTn>
+                  </p:par>
+                  <p:par>
+                    <p:cTn id="7" fill="hold">
+                      <p:stCondLst>
+                        <p:cond delay="indefinite"/>
+                      </p:stCondLst>
+                      <p:childTnLst>
+                        <p:par>
+                          <p:cTn id="8" fill="hold">
+                            <p:stCondLst>
+                              <p:cond delay="0"/>
+                            </p:stCondLst>
+                            <p:childTnLst>
+                              <p:par>
+                                <p:cTn id="9" presetID="1" presetClass="entr" presetSubtype="0" fill="hold" nodeType="clickEffect">
+                                  <p:stCondLst>
+                                    <p:cond delay="0"/>
+                                  </p:stCondLst>
+                                  <p:childTnLst>
+                                    <p:set>
+                                      <p:cBhvr>
+                                        <p:cTn id="10" dur="1" fill="hold">
+                                          <p:stCondLst>
+                                            <p:cond delay="0"/>
+                                          </p:stCondLst>
+                                        </p:cTn>
+                                        <p:tgtEl>
+                                          <p:spTgt spid="5">
+                                            <p:txEl>
+                                              <p:pRg st="2" end="2"/>
+                                            </p:txEl>
+                                          </p:spTgt>
+                                        </p:tgtEl>
+                                        <p:attrNameLst>
+                                          <p:attrName>style.visibility</p:attrName>
+                                        </p:attrNameLst>
+                                      </p:cBhvr>
+                                      <p:to>
+                                        <p:strVal val="visible"/>
+                                      </p:to>
+                                    </p:set>
+                                  </p:childTnLst>
+                                </p:cTn>
+                              </p:par>
+                            </p:childTnLst>
+                          </p:cTn>
+                        </p:par>
+                      </p:childTnLst>
+                    </p:cTn>
+                  </p:par>
+                </p:childTnLst>
+              </p:cTn>
+              <p:prevCondLst>
+                <p:cond evt="onPrev" delay="0">
+                  <p:tgtEl>
+                    <p:sldTgt/>
+                  </p:tgtEl>
+                </p:cond>
+              </p:prevCondLst>
+              <p:nextCondLst>
+                <p:cond evt="onNext" delay="0">
+                  <p:tgtEl>
+                    <p:sldTgt/>
+                  </p:tgtEl>
+                </p:cond>
+              </p:nextCondLst>
+            </p:seq>
+          </p:childTnLst>
+        </p:cTn>
+      </p:par>
+    </p:tnLst>
+  </p:timing>
+</p:sld>
+</file>
+
+<file path=ppt/slides/slide18.xml><?xml version="1.0" encoding="utf-8"?>
+<p:sld xmlns:a="http://schemas.openxmlformats.org/drawingml/2006/main" xmlns:r="http://schemas.openxmlformats.org/officeDocument/2006/relationships" xmlns:p="http://schemas.openxmlformats.org/presentationml/2006/main">
+  <p:cSld>
+    <p:spTree>
+      <p:nvGrpSpPr>
+        <p:cNvPr id="1" name=""/>
+        <p:cNvGrpSpPr/>
+        <p:nvPr/>
+      </p:nvGrpSpPr>
+      <p:grpSpPr>
+        <a:xfrm>
+          <a:off x="0" y="0"/>
+          <a:ext cx="0" cy="0"/>
+          <a:chOff x="0" y="0"/>
+          <a:chExt cx="0" cy="0"/>
+        </a:xfrm>
+      </p:grpSpPr>
+      <p:sp>
+        <p:nvSpPr>
           <p:cNvPr id="6" name="Content Placeholder 5">
             <a:extLst>
               <a:ext uri="{FF2B5EF4-FFF2-40B4-BE49-F238E27FC236}">
@@ -10610,7 +10838,7 @@
 </p:sld>
 </file>
 
-<file path=ppt/slides/slide18.xml><?xml version="1.0" encoding="utf-8"?>
+<file path=ppt/slides/slide19.xml><?xml version="1.0" encoding="utf-8"?>
 <p:sld xmlns:a="http://schemas.openxmlformats.org/drawingml/2006/main" xmlns:r="http://schemas.openxmlformats.org/officeDocument/2006/relationships" xmlns:p="http://schemas.openxmlformats.org/presentationml/2006/main">
   <p:cSld>
     <p:spTree>
@@ -11141,7 +11369,142 @@
 </p:sld>
 </file>
 
-<file path=ppt/slides/slide19.xml><?xml version="1.0" encoding="utf-8"?>
+<file path=ppt/slides/slide2.xml><?xml version="1.0" encoding="utf-8"?>
+<p:sld xmlns:a="http://schemas.openxmlformats.org/drawingml/2006/main" xmlns:r="http://schemas.openxmlformats.org/officeDocument/2006/relationships" xmlns:p="http://schemas.openxmlformats.org/presentationml/2006/main">
+  <p:cSld>
+    <p:spTree>
+      <p:nvGrpSpPr>
+        <p:cNvPr id="1" name=""/>
+        <p:cNvGrpSpPr/>
+        <p:nvPr/>
+      </p:nvGrpSpPr>
+      <p:grpSpPr>
+        <a:xfrm>
+          <a:off x="0" y="0"/>
+          <a:ext cx="0" cy="0"/>
+          <a:chOff x="0" y="0"/>
+          <a:chExt cx="0" cy="0"/>
+        </a:xfrm>
+      </p:grpSpPr>
+      <p:sp>
+        <p:nvSpPr>
+          <p:cNvPr id="5" name="Content Placeholder 4">
+            <a:extLst>
+              <a:ext uri="{FF2B5EF4-FFF2-40B4-BE49-F238E27FC236}">
+                <a16:creationId xmlns:a16="http://schemas.microsoft.com/office/drawing/2014/main" id="{15B35FF2-444E-0C72-D2C7-F4B065A68CCB}"/>
+              </a:ext>
+            </a:extLst>
+          </p:cNvPr>
+          <p:cNvSpPr>
+            <a:spLocks noGrp="1"/>
+          </p:cNvSpPr>
+          <p:nvPr>
+            <p:ph idx="1"/>
+          </p:nvPr>
+        </p:nvSpPr>
+        <p:spPr/>
+        <p:txBody>
+          <a:bodyPr/>
+          <a:lstStyle/>
+          <a:p>
+            <a:r>
+              <a:rPr lang="en-US" dirty="0"/>
+              <a:t>HW1, HW3, and potentially some components of HW2 can be done in Rust, Java, or C++</a:t>
+            </a:r>
+          </a:p>
+          <a:p>
+            <a:pPr lvl="1"/>
+            <a:r>
+              <a:rPr lang="en-US" dirty="0"/>
+              <a:t>Part of HW2 will use Java Reflection and Annotations</a:t>
+            </a:r>
+          </a:p>
+          <a:p>
+            <a:pPr lvl="1"/>
+            <a:r>
+              <a:rPr lang="en-US" dirty="0"/>
+              <a:t>Caveats</a:t>
+            </a:r>
+          </a:p>
+          <a:p>
+            <a:pPr lvl="2"/>
+            <a:r>
+              <a:rPr lang="en-US" dirty="0"/>
+              <a:t>Only Java handout</a:t>
+            </a:r>
+          </a:p>
+          <a:p>
+            <a:pPr lvl="2"/>
+            <a:r>
+              <a:rPr lang="en-US" dirty="0"/>
+              <a:t>Fewer resources if using Rust/C++</a:t>
+            </a:r>
+          </a:p>
+          <a:p>
+            <a:pPr lvl="2"/>
+            <a:r>
+              <a:rPr lang="en-US" dirty="0"/>
+              <a:t>Using more than 95% safe Rust will have a 5% of the HW grade as extra-credit</a:t>
+            </a:r>
+          </a:p>
+          <a:p>
+            <a:r>
+              <a:rPr lang="en-US" dirty="0"/>
+              <a:t>Potentially other EC </a:t>
+            </a:r>
+            <a:r>
+              <a:rPr lang="en-US" dirty="0" err="1"/>
+              <a:t>homeworks</a:t>
+            </a:r>
+            <a:r>
+              <a:rPr lang="en-US" dirty="0"/>
+              <a:t> on Rust</a:t>
+            </a:r>
+          </a:p>
+        </p:txBody>
+      </p:sp>
+      <p:sp>
+        <p:nvSpPr>
+          <p:cNvPr id="4" name="Title 3">
+            <a:extLst>
+              <a:ext uri="{FF2B5EF4-FFF2-40B4-BE49-F238E27FC236}">
+                <a16:creationId xmlns:a16="http://schemas.microsoft.com/office/drawing/2014/main" id="{E19C93AA-7F3B-D081-D2DA-31D9CFFD1879}"/>
+              </a:ext>
+            </a:extLst>
+          </p:cNvPr>
+          <p:cNvSpPr>
+            <a:spLocks noGrp="1"/>
+          </p:cNvSpPr>
+          <p:nvPr>
+            <p:ph type="title"/>
+          </p:nvPr>
+        </p:nvSpPr>
+        <p:spPr/>
+        <p:txBody>
+          <a:bodyPr/>
+          <a:lstStyle/>
+          <a:p>
+            <a:r>
+              <a:rPr lang="en-US" dirty="0"/>
+              <a:t>Announcements</a:t>
+            </a:r>
+          </a:p>
+        </p:txBody>
+      </p:sp>
+    </p:spTree>
+    <p:extLst>
+      <p:ext uri="{BB962C8B-B14F-4D97-AF65-F5344CB8AC3E}">
+        <p14:creationId xmlns:p14="http://schemas.microsoft.com/office/powerpoint/2010/main" val="1555245662"/>
+      </p:ext>
+    </p:extLst>
+  </p:cSld>
+  <p:clrMapOvr>
+    <a:masterClrMapping/>
+  </p:clrMapOvr>
+</p:sld>
+</file>
+
+<file path=ppt/slides/slide20.xml><?xml version="1.0" encoding="utf-8"?>
 <p:sld xmlns:a="http://schemas.openxmlformats.org/drawingml/2006/main" xmlns:r="http://schemas.openxmlformats.org/officeDocument/2006/relationships" xmlns:p="http://schemas.openxmlformats.org/presentationml/2006/main">
   <p:cSld>
     <p:spTree>
@@ -12116,142 +12479,7 @@
 </p:sld>
 </file>
 
-<file path=ppt/slides/slide2.xml><?xml version="1.0" encoding="utf-8"?>
-<p:sld xmlns:a="http://schemas.openxmlformats.org/drawingml/2006/main" xmlns:r="http://schemas.openxmlformats.org/officeDocument/2006/relationships" xmlns:p="http://schemas.openxmlformats.org/presentationml/2006/main">
-  <p:cSld>
-    <p:spTree>
-      <p:nvGrpSpPr>
-        <p:cNvPr id="1" name=""/>
-        <p:cNvGrpSpPr/>
-        <p:nvPr/>
-      </p:nvGrpSpPr>
-      <p:grpSpPr>
-        <a:xfrm>
-          <a:off x="0" y="0"/>
-          <a:ext cx="0" cy="0"/>
-          <a:chOff x="0" y="0"/>
-          <a:chExt cx="0" cy="0"/>
-        </a:xfrm>
-      </p:grpSpPr>
-      <p:sp>
-        <p:nvSpPr>
-          <p:cNvPr id="5" name="Content Placeholder 4">
-            <a:extLst>
-              <a:ext uri="{FF2B5EF4-FFF2-40B4-BE49-F238E27FC236}">
-                <a16:creationId xmlns:a16="http://schemas.microsoft.com/office/drawing/2014/main" id="{15B35FF2-444E-0C72-D2C7-F4B065A68CCB}"/>
-              </a:ext>
-            </a:extLst>
-          </p:cNvPr>
-          <p:cNvSpPr>
-            <a:spLocks noGrp="1"/>
-          </p:cNvSpPr>
-          <p:nvPr>
-            <p:ph idx="1"/>
-          </p:nvPr>
-        </p:nvSpPr>
-        <p:spPr/>
-        <p:txBody>
-          <a:bodyPr/>
-          <a:lstStyle/>
-          <a:p>
-            <a:r>
-              <a:rPr lang="en-US" dirty="0"/>
-              <a:t>HW1, HW3, and potentially some components of HW2 can be done in Rust, Java, or C++</a:t>
-            </a:r>
-          </a:p>
-          <a:p>
-            <a:pPr lvl="1"/>
-            <a:r>
-              <a:rPr lang="en-US" dirty="0"/>
-              <a:t>Part of HW2 will use Java Reflection and Annotations</a:t>
-            </a:r>
-          </a:p>
-          <a:p>
-            <a:pPr lvl="1"/>
-            <a:r>
-              <a:rPr lang="en-US" dirty="0"/>
-              <a:t>Caveats</a:t>
-            </a:r>
-          </a:p>
-          <a:p>
-            <a:pPr lvl="2"/>
-            <a:r>
-              <a:rPr lang="en-US" dirty="0"/>
-              <a:t>Only Java handout</a:t>
-            </a:r>
-          </a:p>
-          <a:p>
-            <a:pPr lvl="2"/>
-            <a:r>
-              <a:rPr lang="en-US" dirty="0"/>
-              <a:t>Fewer resources if using Rust/C++</a:t>
-            </a:r>
-          </a:p>
-          <a:p>
-            <a:pPr lvl="2"/>
-            <a:r>
-              <a:rPr lang="en-US" dirty="0"/>
-              <a:t>Using more than 95% safe Rust will have a 5% of the HW grade as extra-credit</a:t>
-            </a:r>
-          </a:p>
-          <a:p>
-            <a:r>
-              <a:rPr lang="en-US" dirty="0"/>
-              <a:t>Potentially other EC </a:t>
-            </a:r>
-            <a:r>
-              <a:rPr lang="en-US" dirty="0" err="1"/>
-              <a:t>homeworks</a:t>
-            </a:r>
-            <a:r>
-              <a:rPr lang="en-US" dirty="0"/>
-              <a:t> on Rust</a:t>
-            </a:r>
-          </a:p>
-        </p:txBody>
-      </p:sp>
-      <p:sp>
-        <p:nvSpPr>
-          <p:cNvPr id="4" name="Title 3">
-            <a:extLst>
-              <a:ext uri="{FF2B5EF4-FFF2-40B4-BE49-F238E27FC236}">
-                <a16:creationId xmlns:a16="http://schemas.microsoft.com/office/drawing/2014/main" id="{E19C93AA-7F3B-D081-D2DA-31D9CFFD1879}"/>
-              </a:ext>
-            </a:extLst>
-          </p:cNvPr>
-          <p:cNvSpPr>
-            <a:spLocks noGrp="1"/>
-          </p:cNvSpPr>
-          <p:nvPr>
-            <p:ph type="title"/>
-          </p:nvPr>
-        </p:nvSpPr>
-        <p:spPr/>
-        <p:txBody>
-          <a:bodyPr/>
-          <a:lstStyle/>
-          <a:p>
-            <a:r>
-              <a:rPr lang="en-US" dirty="0"/>
-              <a:t>Announcements</a:t>
-            </a:r>
-          </a:p>
-        </p:txBody>
-      </p:sp>
-    </p:spTree>
-    <p:extLst>
-      <p:ext uri="{BB962C8B-B14F-4D97-AF65-F5344CB8AC3E}">
-        <p14:creationId xmlns:p14="http://schemas.microsoft.com/office/powerpoint/2010/main" val="1555245662"/>
-      </p:ext>
-    </p:extLst>
-  </p:cSld>
-  <p:clrMapOvr>
-    <a:masterClrMapping/>
-  </p:clrMapOvr>
-</p:sld>
-</file>
-
-<file path=ppt/slides/slide20.xml><?xml version="1.0" encoding="utf-8"?>
+<file path=ppt/slides/slide21.xml><?xml version="1.0" encoding="utf-8"?>
 <p:sld xmlns:a="http://schemas.openxmlformats.org/drawingml/2006/main" xmlns:r="http://schemas.openxmlformats.org/officeDocument/2006/relationships" xmlns:p="http://schemas.openxmlformats.org/presentationml/2006/main">
   <p:cSld>
     <p:spTree>
@@ -12945,7 +13173,7 @@
 </p:sld>
 </file>
 
-<file path=ppt/slides/slide21.xml><?xml version="1.0" encoding="utf-8"?>
+<file path=ppt/slides/slide22.xml><?xml version="1.0" encoding="utf-8"?>
 <p:sld xmlns:a="http://schemas.openxmlformats.org/drawingml/2006/main" xmlns:r="http://schemas.openxmlformats.org/officeDocument/2006/relationships" xmlns:p="http://schemas.openxmlformats.org/presentationml/2006/main">
   <p:cSld>
     <p:spTree>
@@ -13833,7 +14061,7 @@
 </p:sld>
 </file>
 
-<file path=ppt/slides/slide22.xml><?xml version="1.0" encoding="utf-8"?>
+<file path=ppt/slides/slide23.xml><?xml version="1.0" encoding="utf-8"?>
 <p:sld xmlns:a="http://schemas.openxmlformats.org/drawingml/2006/main" xmlns:r="http://schemas.openxmlformats.org/officeDocument/2006/relationships" xmlns:p="http://schemas.openxmlformats.org/presentationml/2006/main">
   <p:cSld>
     <p:spTree>
@@ -14485,7 +14713,7 @@
 </p:sld>
 </file>
 
-<file path=ppt/slides/slide23.xml><?xml version="1.0" encoding="utf-8"?>
+<file path=ppt/slides/slide24.xml><?xml version="1.0" encoding="utf-8"?>
 <p:sld xmlns:a="http://schemas.openxmlformats.org/drawingml/2006/main" xmlns:r="http://schemas.openxmlformats.org/officeDocument/2006/relationships" xmlns:p="http://schemas.openxmlformats.org/presentationml/2006/main">
   <p:cSld>
     <p:spTree>
@@ -15876,7 +16104,7 @@
 </p:sld>
 </file>
 
-<file path=ppt/slides/slide24.xml><?xml version="1.0" encoding="utf-8"?>
+<file path=ppt/slides/slide25.xml><?xml version="1.0" encoding="utf-8"?>
 <p:sld xmlns:a="http://schemas.openxmlformats.org/drawingml/2006/main" xmlns:r="http://schemas.openxmlformats.org/officeDocument/2006/relationships" xmlns:p="http://schemas.openxmlformats.org/presentationml/2006/main">
   <p:cSld>
     <p:spTree>
@@ -16522,7 +16750,7 @@
 </p:sld>
 </file>
 
-<file path=ppt/slides/slide25.xml><?xml version="1.0" encoding="utf-8"?>
+<file path=ppt/slides/slide26.xml><?xml version="1.0" encoding="utf-8"?>
 <p:sld xmlns:a="http://schemas.openxmlformats.org/drawingml/2006/main" xmlns:r="http://schemas.openxmlformats.org/officeDocument/2006/relationships" xmlns:p="http://schemas.openxmlformats.org/presentationml/2006/main">
   <p:cSld>
     <p:spTree>
@@ -17158,7 +17386,7 @@
 </p:sld>
 </file>
 
-<file path=ppt/slides/slide26.xml><?xml version="1.0" encoding="utf-8"?>
+<file path=ppt/slides/slide27.xml><?xml version="1.0" encoding="utf-8"?>
 <p:sld xmlns:a="http://schemas.openxmlformats.org/drawingml/2006/main" xmlns:r="http://schemas.openxmlformats.org/officeDocument/2006/relationships" xmlns:p="http://schemas.openxmlformats.org/presentationml/2006/main">
   <p:cSld>
     <p:spTree>
@@ -18041,7 +18269,7 @@
 </p:sld>
 </file>
 
-<file path=ppt/slides/slide27.xml><?xml version="1.0" encoding="utf-8"?>
+<file path=ppt/slides/slide28.xml><?xml version="1.0" encoding="utf-8"?>
 <p:sld xmlns:a="http://schemas.openxmlformats.org/drawingml/2006/main" xmlns:r="http://schemas.openxmlformats.org/officeDocument/2006/relationships" xmlns:p="http://schemas.openxmlformats.org/presentationml/2006/main">
   <p:cSld>
     <p:spTree>
@@ -18554,7 +18782,7 @@
 </p:sld>
 </file>
 
-<file path=ppt/slides/slide28.xml><?xml version="1.0" encoding="utf-8"?>
+<file path=ppt/slides/slide29.xml><?xml version="1.0" encoding="utf-8"?>
 <p:sld xmlns:a="http://schemas.openxmlformats.org/drawingml/2006/main" xmlns:r="http://schemas.openxmlformats.org/officeDocument/2006/relationships" xmlns:p="http://schemas.openxmlformats.org/presentationml/2006/main">
   <p:cSld>
     <p:spTree>
@@ -18926,118 +19154,6 @@
     <p:extLst>
       <p:ext uri="{BB962C8B-B14F-4D97-AF65-F5344CB8AC3E}">
         <p14:creationId xmlns:p14="http://schemas.microsoft.com/office/powerpoint/2010/main" val="614988442"/>
-      </p:ext>
-    </p:extLst>
-  </p:cSld>
-  <p:clrMapOvr>
-    <a:masterClrMapping/>
-  </p:clrMapOvr>
-</p:sld>
-</file>
-
-<file path=ppt/slides/slide29.xml><?xml version="1.0" encoding="utf-8"?>
-<p:sld xmlns:a="http://schemas.openxmlformats.org/drawingml/2006/main" xmlns:r="http://schemas.openxmlformats.org/officeDocument/2006/relationships" xmlns:p="http://schemas.openxmlformats.org/presentationml/2006/main">
-  <p:cSld>
-    <p:spTree>
-      <p:nvGrpSpPr>
-        <p:cNvPr id="1" name=""/>
-        <p:cNvGrpSpPr/>
-        <p:nvPr/>
-      </p:nvGrpSpPr>
-      <p:grpSpPr>
-        <a:xfrm>
-          <a:off x="0" y="0"/>
-          <a:ext cx="0" cy="0"/>
-          <a:chOff x="0" y="0"/>
-          <a:chExt cx="0" cy="0"/>
-        </a:xfrm>
-      </p:grpSpPr>
-      <p:sp>
-        <p:nvSpPr>
-          <p:cNvPr id="6" name="Content Placeholder 5">
-            <a:extLst>
-              <a:ext uri="{FF2B5EF4-FFF2-40B4-BE49-F238E27FC236}">
-                <a16:creationId xmlns:a16="http://schemas.microsoft.com/office/drawing/2014/main" id="{00D61577-3A11-9337-C65D-B700080DBDA4}"/>
-              </a:ext>
-            </a:extLst>
-          </p:cNvPr>
-          <p:cNvSpPr>
-            <a:spLocks noGrp="1"/>
-          </p:cNvSpPr>
-          <p:nvPr>
-            <p:ph idx="1"/>
-          </p:nvPr>
-        </p:nvSpPr>
-        <p:spPr/>
-        <p:txBody>
-          <a:bodyPr/>
-          <a:lstStyle/>
-          <a:p>
-            <a:r>
-              <a:rPr lang="en-US" dirty="0"/>
-              <a:t>Rust doesn’t support inheritance, as such</a:t>
-            </a:r>
-          </a:p>
-          <a:p>
-            <a:r>
-              <a:rPr lang="en-US" dirty="0"/>
-              <a:t>Rust only supports Traits, which is similar to Interfaces in Java</a:t>
-            </a:r>
-          </a:p>
-          <a:p>
-            <a:r>
-              <a:rPr lang="en-US" dirty="0"/>
-              <a:t>C++ supports multiple inheritance</a:t>
-            </a:r>
-          </a:p>
-          <a:p>
-            <a:r>
-              <a:rPr lang="en-US" dirty="0"/>
-              <a:t>C++ supports runtime polymorphism only for </a:t>
-            </a:r>
-            <a:r>
-              <a:rPr lang="en-US" b="1" dirty="0"/>
-              <a:t>virtual</a:t>
-            </a:r>
-            <a:r>
-              <a:rPr lang="en-US" dirty="0"/>
-              <a:t> functions</a:t>
-            </a:r>
-          </a:p>
-        </p:txBody>
-      </p:sp>
-      <p:sp>
-        <p:nvSpPr>
-          <p:cNvPr id="5" name="Title 4">
-            <a:extLst>
-              <a:ext uri="{FF2B5EF4-FFF2-40B4-BE49-F238E27FC236}">
-                <a16:creationId xmlns:a16="http://schemas.microsoft.com/office/drawing/2014/main" id="{522764E0-0921-F4CE-20DE-05A869A35C86}"/>
-              </a:ext>
-            </a:extLst>
-          </p:cNvPr>
-          <p:cNvSpPr>
-            <a:spLocks noGrp="1"/>
-          </p:cNvSpPr>
-          <p:nvPr>
-            <p:ph type="title"/>
-          </p:nvPr>
-        </p:nvSpPr>
-        <p:spPr/>
-        <p:txBody>
-          <a:bodyPr/>
-          <a:lstStyle/>
-          <a:p>
-            <a:r>
-              <a:rPr lang="en-US" dirty="0"/>
-              <a:t>Other programming languages</a:t>
-            </a:r>
-          </a:p>
-        </p:txBody>
-      </p:sp>
-    </p:spTree>
-    <p:extLst>
-      <p:ext uri="{BB962C8B-B14F-4D97-AF65-F5344CB8AC3E}">
-        <p14:creationId xmlns:p14="http://schemas.microsoft.com/office/powerpoint/2010/main" val="3133263104"/>
       </p:ext>
     </p:extLst>
   </p:cSld>
@@ -19205,10 +19321,10 @@
       </p:grpSpPr>
       <p:sp>
         <p:nvSpPr>
-          <p:cNvPr id="2" name="Content Placeholder 1">
-            <a:extLst>
-              <a:ext uri="{FF2B5EF4-FFF2-40B4-BE49-F238E27FC236}">
-                <a16:creationId xmlns:a16="http://schemas.microsoft.com/office/drawing/2014/main" id="{6E49DA0F-0AAA-CE6F-37D1-8567EF092C91}"/>
+          <p:cNvPr id="6" name="Content Placeholder 5">
+            <a:extLst>
+              <a:ext uri="{FF2B5EF4-FFF2-40B4-BE49-F238E27FC236}">
+                <a16:creationId xmlns:a16="http://schemas.microsoft.com/office/drawing/2014/main" id="{00D61577-3A11-9337-C65D-B700080DBDA4}"/>
               </a:ext>
             </a:extLst>
           </p:cNvPr>
@@ -19224,16 +19340,45 @@
           <a:bodyPr/>
           <a:lstStyle/>
           <a:p>
-            <a:endParaRPr lang="en-US"/>
+            <a:r>
+              <a:rPr lang="en-US" dirty="0"/>
+              <a:t>Rust doesn’t support inheritance, as such</a:t>
+            </a:r>
+          </a:p>
+          <a:p>
+            <a:r>
+              <a:rPr lang="en-US" dirty="0"/>
+              <a:t>Rust only supports Traits, which is similar to Interfaces in Java</a:t>
+            </a:r>
+          </a:p>
+          <a:p>
+            <a:r>
+              <a:rPr lang="en-US" dirty="0"/>
+              <a:t>C++ supports multiple inheritance</a:t>
+            </a:r>
+          </a:p>
+          <a:p>
+            <a:r>
+              <a:rPr lang="en-US" dirty="0"/>
+              <a:t>C++ supports runtime polymorphism only for </a:t>
+            </a:r>
+            <a:r>
+              <a:rPr lang="en-US" b="1" dirty="0"/>
+              <a:t>virtual</a:t>
+            </a:r>
+            <a:r>
+              <a:rPr lang="en-US" dirty="0"/>
+              <a:t> functions</a:t>
+            </a:r>
           </a:p>
         </p:txBody>
       </p:sp>
       <p:sp>
         <p:nvSpPr>
-          <p:cNvPr id="3" name="Text Placeholder 2">
-            <a:extLst>
-              <a:ext uri="{FF2B5EF4-FFF2-40B4-BE49-F238E27FC236}">
-                <a16:creationId xmlns:a16="http://schemas.microsoft.com/office/drawing/2014/main" id="{162E3F82-F071-1AFC-87DD-F1A6F21DF1CA}"/>
+          <p:cNvPr id="5" name="Title 4">
+            <a:extLst>
+              <a:ext uri="{FF2B5EF4-FFF2-40B4-BE49-F238E27FC236}">
+                <a16:creationId xmlns:a16="http://schemas.microsoft.com/office/drawing/2014/main" id="{522764E0-0921-F4CE-20DE-05A869A35C86}"/>
               </a:ext>
             </a:extLst>
           </p:cNvPr>
@@ -19241,7 +19386,7 @@
             <a:spLocks noGrp="1"/>
           </p:cNvSpPr>
           <p:nvPr>
-            <p:ph type="body" sz="quarter" idx="13"/>
+            <p:ph type="title"/>
           </p:nvPr>
         </p:nvSpPr>
         <p:spPr/>
@@ -19251,7 +19396,7 @@
           <a:p>
             <a:r>
               <a:rPr lang="en-US" dirty="0"/>
-              <a:t>Software design principles (SOLID)</a:t>
+              <a:t>Other programming languages</a:t>
             </a:r>
           </a:p>
         </p:txBody>
@@ -19259,7 +19404,7 @@
     </p:spTree>
     <p:extLst>
       <p:ext uri="{BB962C8B-B14F-4D97-AF65-F5344CB8AC3E}">
-        <p14:creationId xmlns:p14="http://schemas.microsoft.com/office/powerpoint/2010/main" val="673872092"/>
+        <p14:creationId xmlns:p14="http://schemas.microsoft.com/office/powerpoint/2010/main" val="3133263104"/>
       </p:ext>
     </p:extLst>
   </p:cSld>
@@ -19288,10 +19433,10 @@
       </p:grpSpPr>
       <p:sp>
         <p:nvSpPr>
-          <p:cNvPr id="5" name="Content Placeholder 4">
-            <a:extLst>
-              <a:ext uri="{FF2B5EF4-FFF2-40B4-BE49-F238E27FC236}">
-                <a16:creationId xmlns:a16="http://schemas.microsoft.com/office/drawing/2014/main" id="{3E6937B2-2185-7CEE-D376-FFDB29AA8013}"/>
+          <p:cNvPr id="2" name="Content Placeholder 1">
+            <a:extLst>
+              <a:ext uri="{FF2B5EF4-FFF2-40B4-BE49-F238E27FC236}">
+                <a16:creationId xmlns:a16="http://schemas.microsoft.com/office/drawing/2014/main" id="{6E49DA0F-0AAA-CE6F-37D1-8567EF092C91}"/>
               </a:ext>
             </a:extLst>
           </p:cNvPr>
@@ -19307,34 +19452,16 @@
           <a:bodyPr/>
           <a:lstStyle/>
           <a:p>
-            <a:r>
-              <a:rPr lang="en-US" dirty="0"/>
-              <a:t>A class should have only one reason to change</a:t>
-            </a:r>
-          </a:p>
-          <a:p>
-            <a:r>
-              <a:rPr lang="en-US" dirty="0"/>
-              <a:t>Each class handles a single responsibility</a:t>
-            </a:r>
-          </a:p>
-          <a:p>
-            <a:r>
-              <a:rPr lang="en-US" dirty="0"/>
-              <a:t>Leads to clearer, testable code</a:t>
-            </a:r>
-          </a:p>
-          <a:p>
-            <a:endParaRPr lang="en-US" dirty="0"/>
+            <a:endParaRPr lang="en-US"/>
           </a:p>
         </p:txBody>
       </p:sp>
       <p:sp>
         <p:nvSpPr>
-          <p:cNvPr id="4" name="Title 3">
-            <a:extLst>
-              <a:ext uri="{FF2B5EF4-FFF2-40B4-BE49-F238E27FC236}">
-                <a16:creationId xmlns:a16="http://schemas.microsoft.com/office/drawing/2014/main" id="{34477B9E-F85C-F1E6-F790-D8ABCC1007CC}"/>
+          <p:cNvPr id="3" name="Text Placeholder 2">
+            <a:extLst>
+              <a:ext uri="{FF2B5EF4-FFF2-40B4-BE49-F238E27FC236}">
+                <a16:creationId xmlns:a16="http://schemas.microsoft.com/office/drawing/2014/main" id="{162E3F82-F071-1AFC-87DD-F1A6F21DF1CA}"/>
               </a:ext>
             </a:extLst>
           </p:cNvPr>
@@ -19342,7 +19469,7 @@
             <a:spLocks noGrp="1"/>
           </p:cNvSpPr>
           <p:nvPr>
-            <p:ph type="title"/>
+            <p:ph type="body" sz="quarter" idx="13"/>
           </p:nvPr>
         </p:nvSpPr>
         <p:spPr/>
@@ -19352,7 +19479,7 @@
           <a:p>
             <a:r>
               <a:rPr lang="en-US" dirty="0"/>
-              <a:t>Single Responsibility Principle (SRP)</a:t>
+              <a:t>Software design principles (SOLID)</a:t>
             </a:r>
           </a:p>
         </p:txBody>
@@ -19360,7 +19487,7 @@
     </p:spTree>
     <p:extLst>
       <p:ext uri="{BB962C8B-B14F-4D97-AF65-F5344CB8AC3E}">
-        <p14:creationId xmlns:p14="http://schemas.microsoft.com/office/powerpoint/2010/main" val="2359588506"/>
+        <p14:creationId xmlns:p14="http://schemas.microsoft.com/office/powerpoint/2010/main" val="673872092"/>
       </p:ext>
     </p:extLst>
   </p:cSld>
@@ -19392,7 +19519,7 @@
           <p:cNvPr id="5" name="Content Placeholder 4">
             <a:extLst>
               <a:ext uri="{FF2B5EF4-FFF2-40B4-BE49-F238E27FC236}">
-                <a16:creationId xmlns:a16="http://schemas.microsoft.com/office/drawing/2014/main" id="{661F08C2-0A43-749D-0D63-50FA76AF8029}"/>
+                <a16:creationId xmlns:a16="http://schemas.microsoft.com/office/drawing/2014/main" id="{3E6937B2-2185-7CEE-D376-FFDB29AA8013}"/>
               </a:ext>
             </a:extLst>
           </p:cNvPr>
@@ -19410,26 +19537,23 @@
           <a:p>
             <a:r>
               <a:rPr lang="en-US" dirty="0"/>
-              <a:t>Open for extension, closed for modification</a:t>
-            </a:r>
-          </a:p>
-          <a:p>
-            <a:r>
-              <a:rPr lang="en-US" dirty="0"/>
-              <a:t>Add new behavior via inheritance or composition</a:t>
-            </a:r>
-          </a:p>
-          <a:p>
-            <a:r>
-              <a:rPr lang="en-US" dirty="0"/>
-              <a:t>Avoids breaking existing code</a:t>
-            </a:r>
-          </a:p>
-          <a:p>
-            <a:r>
-              <a:rPr lang="en-US" dirty="0"/>
-              <a:t>E.g., make internal logic fields and methods private</a:t>
-            </a:r>
+              <a:t>A class should have only one reason to change</a:t>
+            </a:r>
+          </a:p>
+          <a:p>
+            <a:r>
+              <a:rPr lang="en-US" dirty="0"/>
+              <a:t>Each class handles a single responsibility</a:t>
+            </a:r>
+          </a:p>
+          <a:p>
+            <a:r>
+              <a:rPr lang="en-US" dirty="0"/>
+              <a:t>Leads to clearer, testable code</a:t>
+            </a:r>
+          </a:p>
+          <a:p>
+            <a:endParaRPr lang="en-US" dirty="0"/>
           </a:p>
         </p:txBody>
       </p:sp>
@@ -19438,7 +19562,7 @@
           <p:cNvPr id="4" name="Title 3">
             <a:extLst>
               <a:ext uri="{FF2B5EF4-FFF2-40B4-BE49-F238E27FC236}">
-                <a16:creationId xmlns:a16="http://schemas.microsoft.com/office/drawing/2014/main" id="{9AD302CE-7C55-A93C-1858-9B91603BAF60}"/>
+                <a16:creationId xmlns:a16="http://schemas.microsoft.com/office/drawing/2014/main" id="{34477B9E-F85C-F1E6-F790-D8ABCC1007CC}"/>
               </a:ext>
             </a:extLst>
           </p:cNvPr>
@@ -19456,7 +19580,7 @@
           <a:p>
             <a:r>
               <a:rPr lang="en-US" dirty="0"/>
-              <a:t>Open/Closed Principle (OCP)</a:t>
+              <a:t>Single Responsibility Principle (SRP)</a:t>
             </a:r>
           </a:p>
         </p:txBody>
@@ -19464,7 +19588,7 @@
     </p:spTree>
     <p:extLst>
       <p:ext uri="{BB962C8B-B14F-4D97-AF65-F5344CB8AC3E}">
-        <p14:creationId xmlns:p14="http://schemas.microsoft.com/office/powerpoint/2010/main" val="59484488"/>
+        <p14:creationId xmlns:p14="http://schemas.microsoft.com/office/powerpoint/2010/main" val="2359588506"/>
       </p:ext>
     </p:extLst>
   </p:cSld>
@@ -19496,7 +19620,7 @@
           <p:cNvPr id="5" name="Content Placeholder 4">
             <a:extLst>
               <a:ext uri="{FF2B5EF4-FFF2-40B4-BE49-F238E27FC236}">
-                <a16:creationId xmlns:a16="http://schemas.microsoft.com/office/drawing/2014/main" id="{FC76F009-33DA-5F15-727F-D02B4C2C4314}"/>
+                <a16:creationId xmlns:a16="http://schemas.microsoft.com/office/drawing/2014/main" id="{661F08C2-0A43-749D-0D63-50FA76AF8029}"/>
               </a:ext>
             </a:extLst>
           </p:cNvPr>
@@ -19514,19 +19638,25 @@
           <a:p>
             <a:r>
               <a:rPr lang="en-US" dirty="0"/>
-              <a:t>Subtypes must be substitutable for base types</a:t>
-            </a:r>
-          </a:p>
-          <a:p>
-            <a:r>
-              <a:rPr lang="en-US" dirty="0"/>
-              <a:t>Derived classes shouldn’t break expected behavior</a:t>
-            </a:r>
-          </a:p>
-          <a:p>
-            <a:r>
-              <a:rPr lang="en-US" dirty="0"/>
-              <a:t>Ensures polymorphism works correctly</a:t>
+              <a:t>Open for extension, closed for modification</a:t>
+            </a:r>
+          </a:p>
+          <a:p>
+            <a:r>
+              <a:rPr lang="en-US" dirty="0"/>
+              <a:t>Add new behavior via inheritance or composition</a:t>
+            </a:r>
+          </a:p>
+          <a:p>
+            <a:r>
+              <a:rPr lang="en-US" dirty="0"/>
+              <a:t>Avoids breaking existing code</a:t>
+            </a:r>
+          </a:p>
+          <a:p>
+            <a:r>
+              <a:rPr lang="en-US" dirty="0"/>
+              <a:t>E.g., make internal logic fields and methods private</a:t>
             </a:r>
           </a:p>
         </p:txBody>
@@ -19536,7 +19666,7 @@
           <p:cNvPr id="4" name="Title 3">
             <a:extLst>
               <a:ext uri="{FF2B5EF4-FFF2-40B4-BE49-F238E27FC236}">
-                <a16:creationId xmlns:a16="http://schemas.microsoft.com/office/drawing/2014/main" id="{83B1BA5B-8FCE-7E61-804C-809712D156A5}"/>
+                <a16:creationId xmlns:a16="http://schemas.microsoft.com/office/drawing/2014/main" id="{9AD302CE-7C55-A93C-1858-9B91603BAF60}"/>
               </a:ext>
             </a:extLst>
           </p:cNvPr>
@@ -19553,12 +19683,8 @@
           <a:lstStyle/>
           <a:p>
             <a:r>
-              <a:rPr lang="en-US" dirty="0" err="1"/>
-              <a:t>Liskov</a:t>
-            </a:r>
-            <a:r>
-              <a:rPr lang="en-US" dirty="0"/>
-              <a:t> Substitution Principle (LSP)</a:t>
+              <a:rPr lang="en-US" dirty="0"/>
+              <a:t>Open/Closed Principle (OCP)</a:t>
             </a:r>
           </a:p>
         </p:txBody>
@@ -19566,7 +19692,7 @@
     </p:spTree>
     <p:extLst>
       <p:ext uri="{BB962C8B-B14F-4D97-AF65-F5344CB8AC3E}">
-        <p14:creationId xmlns:p14="http://schemas.microsoft.com/office/powerpoint/2010/main" val="3369244572"/>
+        <p14:creationId xmlns:p14="http://schemas.microsoft.com/office/powerpoint/2010/main" val="59484488"/>
       </p:ext>
     </p:extLst>
   </p:cSld>
@@ -19598,7 +19724,7 @@
           <p:cNvPr id="5" name="Content Placeholder 4">
             <a:extLst>
               <a:ext uri="{FF2B5EF4-FFF2-40B4-BE49-F238E27FC236}">
-                <a16:creationId xmlns:a16="http://schemas.microsoft.com/office/drawing/2014/main" id="{400834FC-E0B1-774E-081B-87ECFD07A47D}"/>
+                <a16:creationId xmlns:a16="http://schemas.microsoft.com/office/drawing/2014/main" id="{FC76F009-33DA-5F15-727F-D02B4C2C4314}"/>
               </a:ext>
             </a:extLst>
           </p:cNvPr>
@@ -19616,19 +19742,19 @@
           <a:p>
             <a:r>
               <a:rPr lang="en-US" dirty="0"/>
-              <a:t>Prefer many small interfaces over one large one</a:t>
-            </a:r>
-          </a:p>
-          <a:p>
-            <a:r>
-              <a:rPr lang="en-US" dirty="0"/>
-              <a:t>Clients only depend on methods they use</a:t>
-            </a:r>
-          </a:p>
-          <a:p>
-            <a:r>
-              <a:rPr lang="en-US" dirty="0"/>
-              <a:t>Avoids “fat” interfaces and reduces side effects</a:t>
+              <a:t>Subtypes must be substitutable for base types</a:t>
+            </a:r>
+          </a:p>
+          <a:p>
+            <a:r>
+              <a:rPr lang="en-US" dirty="0"/>
+              <a:t>Derived classes shouldn’t break expected behavior</a:t>
+            </a:r>
+          </a:p>
+          <a:p>
+            <a:r>
+              <a:rPr lang="en-US" dirty="0"/>
+              <a:t>Ensures polymorphism works correctly</a:t>
             </a:r>
           </a:p>
         </p:txBody>
@@ -19638,7 +19764,7 @@
           <p:cNvPr id="4" name="Title 3">
             <a:extLst>
               <a:ext uri="{FF2B5EF4-FFF2-40B4-BE49-F238E27FC236}">
-                <a16:creationId xmlns:a16="http://schemas.microsoft.com/office/drawing/2014/main" id="{BB7443A4-2331-560F-ED5B-3079204EDCDA}"/>
+                <a16:creationId xmlns:a16="http://schemas.microsoft.com/office/drawing/2014/main" id="{83B1BA5B-8FCE-7E61-804C-809712D156A5}"/>
               </a:ext>
             </a:extLst>
           </p:cNvPr>
@@ -19655,8 +19781,12 @@
           <a:lstStyle/>
           <a:p>
             <a:r>
-              <a:rPr lang="en-US" dirty="0"/>
-              <a:t>Interface Segregation Principle (ISP)</a:t>
+              <a:rPr lang="en-US" dirty="0" err="1"/>
+              <a:t>Liskov</a:t>
+            </a:r>
+            <a:r>
+              <a:rPr lang="en-US" dirty="0"/>
+              <a:t> Substitution Principle (LSP)</a:t>
             </a:r>
           </a:p>
         </p:txBody>
@@ -19664,7 +19794,7 @@
     </p:spTree>
     <p:extLst>
       <p:ext uri="{BB962C8B-B14F-4D97-AF65-F5344CB8AC3E}">
-        <p14:creationId xmlns:p14="http://schemas.microsoft.com/office/powerpoint/2010/main" val="3917255874"/>
+        <p14:creationId xmlns:p14="http://schemas.microsoft.com/office/powerpoint/2010/main" val="3369244572"/>
       </p:ext>
     </p:extLst>
   </p:cSld>
@@ -19696,7 +19826,7 @@
           <p:cNvPr id="5" name="Content Placeholder 4">
             <a:extLst>
               <a:ext uri="{FF2B5EF4-FFF2-40B4-BE49-F238E27FC236}">
-                <a16:creationId xmlns:a16="http://schemas.microsoft.com/office/drawing/2014/main" id="{D47A1F0B-487E-AFB4-6CAD-C4641B68DB5F}"/>
+                <a16:creationId xmlns:a16="http://schemas.microsoft.com/office/drawing/2014/main" id="{400834FC-E0B1-774E-081B-87ECFD07A47D}"/>
               </a:ext>
             </a:extLst>
           </p:cNvPr>
@@ -19714,19 +19844,19 @@
           <a:p>
             <a:r>
               <a:rPr lang="en-US" dirty="0"/>
-              <a:t>Depend on abstractions, not concretions</a:t>
-            </a:r>
-          </a:p>
-          <a:p>
-            <a:r>
-              <a:rPr lang="en-US" dirty="0"/>
-              <a:t>High-level modules should not depend on low-level modules</a:t>
-            </a:r>
-          </a:p>
-          <a:p>
-            <a:r>
-              <a:rPr lang="en-US" dirty="0"/>
-              <a:t>Enables flexible, decoupled architectures</a:t>
+              <a:t>Prefer many small interfaces over one large one</a:t>
+            </a:r>
+          </a:p>
+          <a:p>
+            <a:r>
+              <a:rPr lang="en-US" dirty="0"/>
+              <a:t>Clients only depend on methods they use</a:t>
+            </a:r>
+          </a:p>
+          <a:p>
+            <a:r>
+              <a:rPr lang="en-US" dirty="0"/>
+              <a:t>Avoids “fat” interfaces and reduces side effects</a:t>
             </a:r>
           </a:p>
         </p:txBody>
@@ -19736,7 +19866,7 @@
           <p:cNvPr id="4" name="Title 3">
             <a:extLst>
               <a:ext uri="{FF2B5EF4-FFF2-40B4-BE49-F238E27FC236}">
-                <a16:creationId xmlns:a16="http://schemas.microsoft.com/office/drawing/2014/main" id="{DAC12E22-1D0A-5662-BB5C-D3348E4C863A}"/>
+                <a16:creationId xmlns:a16="http://schemas.microsoft.com/office/drawing/2014/main" id="{BB7443A4-2331-560F-ED5B-3079204EDCDA}"/>
               </a:ext>
             </a:extLst>
           </p:cNvPr>
@@ -19754,7 +19884,7 @@
           <a:p>
             <a:r>
               <a:rPr lang="en-US" dirty="0"/>
-              <a:t>Dependency Inversion Principle (DIP)</a:t>
+              <a:t>Interface Segregation Principle (ISP)</a:t>
             </a:r>
           </a:p>
         </p:txBody>
@@ -19762,7 +19892,7 @@
     </p:spTree>
     <p:extLst>
       <p:ext uri="{BB962C8B-B14F-4D97-AF65-F5344CB8AC3E}">
-        <p14:creationId xmlns:p14="http://schemas.microsoft.com/office/powerpoint/2010/main" val="4267302869"/>
+        <p14:creationId xmlns:p14="http://schemas.microsoft.com/office/powerpoint/2010/main" val="3917255874"/>
       </p:ext>
     </p:extLst>
   </p:cSld>
@@ -19791,6 +19921,104 @@
       </p:grpSpPr>
       <p:sp>
         <p:nvSpPr>
+          <p:cNvPr id="5" name="Content Placeholder 4">
+            <a:extLst>
+              <a:ext uri="{FF2B5EF4-FFF2-40B4-BE49-F238E27FC236}">
+                <a16:creationId xmlns:a16="http://schemas.microsoft.com/office/drawing/2014/main" id="{D47A1F0B-487E-AFB4-6CAD-C4641B68DB5F}"/>
+              </a:ext>
+            </a:extLst>
+          </p:cNvPr>
+          <p:cNvSpPr>
+            <a:spLocks noGrp="1"/>
+          </p:cNvSpPr>
+          <p:nvPr>
+            <p:ph idx="1"/>
+          </p:nvPr>
+        </p:nvSpPr>
+        <p:spPr/>
+        <p:txBody>
+          <a:bodyPr/>
+          <a:lstStyle/>
+          <a:p>
+            <a:r>
+              <a:rPr lang="en-US" dirty="0"/>
+              <a:t>Depend on abstractions, not concretions</a:t>
+            </a:r>
+          </a:p>
+          <a:p>
+            <a:r>
+              <a:rPr lang="en-US" dirty="0"/>
+              <a:t>High-level modules should not depend on low-level modules</a:t>
+            </a:r>
+          </a:p>
+          <a:p>
+            <a:r>
+              <a:rPr lang="en-US" dirty="0"/>
+              <a:t>Enables flexible, decoupled architectures</a:t>
+            </a:r>
+          </a:p>
+        </p:txBody>
+      </p:sp>
+      <p:sp>
+        <p:nvSpPr>
+          <p:cNvPr id="4" name="Title 3">
+            <a:extLst>
+              <a:ext uri="{FF2B5EF4-FFF2-40B4-BE49-F238E27FC236}">
+                <a16:creationId xmlns:a16="http://schemas.microsoft.com/office/drawing/2014/main" id="{DAC12E22-1D0A-5662-BB5C-D3348E4C863A}"/>
+              </a:ext>
+            </a:extLst>
+          </p:cNvPr>
+          <p:cNvSpPr>
+            <a:spLocks noGrp="1"/>
+          </p:cNvSpPr>
+          <p:nvPr>
+            <p:ph type="title"/>
+          </p:nvPr>
+        </p:nvSpPr>
+        <p:spPr/>
+        <p:txBody>
+          <a:bodyPr/>
+          <a:lstStyle/>
+          <a:p>
+            <a:r>
+              <a:rPr lang="en-US" dirty="0"/>
+              <a:t>Dependency Inversion Principle (DIP)</a:t>
+            </a:r>
+          </a:p>
+        </p:txBody>
+      </p:sp>
+    </p:spTree>
+    <p:extLst>
+      <p:ext uri="{BB962C8B-B14F-4D97-AF65-F5344CB8AC3E}">
+        <p14:creationId xmlns:p14="http://schemas.microsoft.com/office/powerpoint/2010/main" val="4267302869"/>
+      </p:ext>
+    </p:extLst>
+  </p:cSld>
+  <p:clrMapOvr>
+    <a:masterClrMapping/>
+  </p:clrMapOvr>
+</p:sld>
+</file>
+
+<file path=ppt/slides/slide37.xml><?xml version="1.0" encoding="utf-8"?>
+<p:sld xmlns:a="http://schemas.openxmlformats.org/drawingml/2006/main" xmlns:r="http://schemas.openxmlformats.org/officeDocument/2006/relationships" xmlns:p="http://schemas.openxmlformats.org/presentationml/2006/main">
+  <p:cSld>
+    <p:spTree>
+      <p:nvGrpSpPr>
+        <p:cNvPr id="1" name=""/>
+        <p:cNvGrpSpPr/>
+        <p:nvPr/>
+      </p:nvGrpSpPr>
+      <p:grpSpPr>
+        <a:xfrm>
+          <a:off x="0" y="0"/>
+          <a:ext cx="0" cy="0"/>
+          <a:chOff x="0" y="0"/>
+          <a:chExt cx="0" cy="0"/>
+        </a:xfrm>
+      </p:grpSpPr>
+      <p:sp>
+        <p:nvSpPr>
           <p:cNvPr id="2" name="Content Placeholder 1">
             <a:extLst>
               <a:ext uri="{FF2B5EF4-FFF2-40B4-BE49-F238E27FC236}">
@@ -19855,7 +20083,7 @@
 </p:sld>
 </file>
 
-<file path=ppt/slides/slide37.xml><?xml version="1.0" encoding="utf-8"?>
+<file path=ppt/slides/slide38.xml><?xml version="1.0" encoding="utf-8"?>
 <p:sld xmlns:a="http://schemas.openxmlformats.org/drawingml/2006/main" xmlns:r="http://schemas.openxmlformats.org/officeDocument/2006/relationships" xmlns:p="http://schemas.openxmlformats.org/presentationml/2006/main">
   <p:cSld>
     <p:spTree>
@@ -20570,7 +20798,7 @@
 </p:sld>
 </file>
 
-<file path=ppt/slides/slide38.xml><?xml version="1.0" encoding="utf-8"?>
+<file path=ppt/slides/slide39.xml><?xml version="1.0" encoding="utf-8"?>
 <p:sld xmlns:a="http://schemas.openxmlformats.org/drawingml/2006/main" xmlns:r="http://schemas.openxmlformats.org/officeDocument/2006/relationships" xmlns:p="http://schemas.openxmlformats.org/presentationml/2006/main">
   <p:cSld>
     <p:spTree>
@@ -21447,7 +21675,412 @@
 </p:sld>
 </file>
 
-<file path=ppt/slides/slide39.xml><?xml version="1.0" encoding="utf-8"?>
+<file path=ppt/slides/slide4.xml><?xml version="1.0" encoding="utf-8"?>
+<p:sld xmlns:a="http://schemas.openxmlformats.org/drawingml/2006/main" xmlns:r="http://schemas.openxmlformats.org/officeDocument/2006/relationships" xmlns:p="http://schemas.openxmlformats.org/presentationml/2006/main">
+  <p:cSld>
+    <p:spTree>
+      <p:nvGrpSpPr>
+        <p:cNvPr id="1" name=""/>
+        <p:cNvGrpSpPr/>
+        <p:nvPr/>
+      </p:nvGrpSpPr>
+      <p:grpSpPr>
+        <a:xfrm>
+          <a:off x="0" y="0"/>
+          <a:ext cx="0" cy="0"/>
+          <a:chOff x="0" y="0"/>
+          <a:chExt cx="0" cy="0"/>
+        </a:xfrm>
+      </p:grpSpPr>
+      <p:sp>
+        <p:nvSpPr>
+          <p:cNvPr id="2" name="Content Placeholder 1">
+            <a:extLst>
+              <a:ext uri="{FF2B5EF4-FFF2-40B4-BE49-F238E27FC236}">
+                <a16:creationId xmlns:a16="http://schemas.microsoft.com/office/drawing/2014/main" id="{8ACF9742-3350-1D65-AB1F-E445C30B36DE}"/>
+              </a:ext>
+            </a:extLst>
+          </p:cNvPr>
+          <p:cNvSpPr>
+            <a:spLocks noGrp="1"/>
+          </p:cNvSpPr>
+          <p:nvPr>
+            <p:ph idx="1"/>
+          </p:nvPr>
+        </p:nvSpPr>
+        <p:spPr>
+          <a:xfrm>
+            <a:off x="360607" y="785004"/>
+            <a:ext cx="11449319" cy="5046453"/>
+          </a:xfrm>
+        </p:spPr>
+        <p:txBody>
+          <a:bodyPr/>
+          <a:lstStyle/>
+          <a:p>
+            <a:r>
+              <a:rPr lang="en-US"/>
+              <a:t>Objects have properties and functions</a:t>
+            </a:r>
+            <a:endParaRPr lang="en-US" dirty="0"/>
+          </a:p>
+        </p:txBody>
+      </p:sp>
+      <p:sp>
+        <p:nvSpPr>
+          <p:cNvPr id="3" name="Title 2">
+            <a:extLst>
+              <a:ext uri="{FF2B5EF4-FFF2-40B4-BE49-F238E27FC236}">
+                <a16:creationId xmlns:a16="http://schemas.microsoft.com/office/drawing/2014/main" id="{6BE0EAE0-FAB3-33AA-DB3C-DDC2394A80CD}"/>
+              </a:ext>
+            </a:extLst>
+          </p:cNvPr>
+          <p:cNvSpPr>
+            <a:spLocks noGrp="1"/>
+          </p:cNvSpPr>
+          <p:nvPr>
+            <p:ph type="title"/>
+          </p:nvPr>
+        </p:nvSpPr>
+        <p:spPr>
+          <a:xfrm>
+            <a:off x="0" y="0"/>
+            <a:ext cx="12192000" cy="696277"/>
+          </a:xfrm>
+        </p:spPr>
+        <p:txBody>
+          <a:bodyPr/>
+          <a:lstStyle/>
+          <a:p>
+            <a:r>
+              <a:rPr lang="en-US"/>
+              <a:t>What is an object?</a:t>
+            </a:r>
+            <a:endParaRPr lang="en-US" dirty="0"/>
+          </a:p>
+        </p:txBody>
+      </p:sp>
+      <p:sp>
+        <p:nvSpPr>
+          <p:cNvPr id="7" name="Subtitle 6">
+            <a:extLst>
+              <a:ext uri="{FF2B5EF4-FFF2-40B4-BE49-F238E27FC236}">
+                <a16:creationId xmlns:a16="http://schemas.microsoft.com/office/drawing/2014/main" id="{CE9159A9-FF0A-B8E9-0C14-2B159D3C6BA6}"/>
+              </a:ext>
+            </a:extLst>
+          </p:cNvPr>
+          <p:cNvSpPr>
+            <a:spLocks noGrp="1"/>
+          </p:cNvSpPr>
+          <p:nvPr>
+            <p:ph type="subTitle" idx="13"/>
+          </p:nvPr>
+        </p:nvSpPr>
+        <p:spPr/>
+        <p:txBody>
+          <a:bodyPr/>
+          <a:lstStyle/>
+          <a:p>
+            <a:endParaRPr lang="en-US"/>
+          </a:p>
+        </p:txBody>
+      </p:sp>
+      <p:pic>
+        <p:nvPicPr>
+          <p:cNvPr id="1026" name="Picture 2" descr="Best Cars of 2024 and 2025 - Top-Rated New Cars Ranked | KBB.com">
+            <a:extLst>
+              <a:ext uri="{FF2B5EF4-FFF2-40B4-BE49-F238E27FC236}">
+                <a16:creationId xmlns:a16="http://schemas.microsoft.com/office/drawing/2014/main" id="{D0B3A394-D3F6-ACDF-9E4D-40D79040B9C8}"/>
+              </a:ext>
+            </a:extLst>
+          </p:cNvPr>
+          <p:cNvPicPr>
+            <a:picLocks noChangeAspect="1" noChangeArrowheads="1"/>
+          </p:cNvPicPr>
+          <p:nvPr/>
+        </p:nvPicPr>
+        <p:blipFill>
+          <a:blip r:embed="rId3" cstate="print">
+            <a:extLst>
+              <a:ext uri="{28A0092B-C50C-407E-A947-70E740481C1C}">
+                <a14:useLocalDpi xmlns:a14="http://schemas.microsoft.com/office/drawing/2010/main" val="0"/>
+              </a:ext>
+            </a:extLst>
+          </a:blip>
+          <a:srcRect/>
+          <a:stretch>
+            <a:fillRect/>
+          </a:stretch>
+        </p:blipFill>
+        <p:spPr bwMode="auto">
+          <a:xfrm>
+            <a:off x="529940" y="1598124"/>
+            <a:ext cx="3330859" cy="1347957"/>
+          </a:xfrm>
+          <a:prstGeom prst="rect">
+            <a:avLst/>
+          </a:prstGeom>
+          <a:noFill/>
+          <a:extLst>
+            <a:ext uri="{909E8E84-426E-40DD-AFC4-6F175D3DCCD1}">
+              <a14:hiddenFill xmlns:a14="http://schemas.microsoft.com/office/drawing/2010/main">
+                <a:solidFill>
+                  <a:srgbClr val="FFFFFF"/>
+                </a:solidFill>
+              </a14:hiddenFill>
+            </a:ext>
+          </a:extLst>
+        </p:spPr>
+      </p:pic>
+      <p:pic>
+        <p:nvPicPr>
+          <p:cNvPr id="1028" name="Picture 4" descr="Understanding Behavioral Changes in Senior Dogs | Dog Aging Project">
+            <a:extLst>
+              <a:ext uri="{FF2B5EF4-FFF2-40B4-BE49-F238E27FC236}">
+                <a16:creationId xmlns:a16="http://schemas.microsoft.com/office/drawing/2014/main" id="{5812A8B1-EF6D-9DC6-4052-4E8A1E1A83C7}"/>
+              </a:ext>
+            </a:extLst>
+          </p:cNvPr>
+          <p:cNvPicPr>
+            <a:picLocks noChangeAspect="1" noChangeArrowheads="1"/>
+          </p:cNvPicPr>
+          <p:nvPr/>
+        </p:nvPicPr>
+        <p:blipFill>
+          <a:blip r:embed="rId4" cstate="print">
+            <a:extLst>
+              <a:ext uri="{28A0092B-C50C-407E-A947-70E740481C1C}">
+                <a14:useLocalDpi xmlns:a14="http://schemas.microsoft.com/office/drawing/2010/main" val="0"/>
+              </a:ext>
+            </a:extLst>
+          </a:blip>
+          <a:srcRect/>
+          <a:stretch>
+            <a:fillRect/>
+          </a:stretch>
+        </p:blipFill>
+        <p:spPr bwMode="auto">
+          <a:xfrm>
+            <a:off x="827897" y="3831255"/>
+            <a:ext cx="2575454" cy="1717234"/>
+          </a:xfrm>
+          <a:prstGeom prst="rect">
+            <a:avLst/>
+          </a:prstGeom>
+          <a:noFill/>
+          <a:extLst>
+            <a:ext uri="{909E8E84-426E-40DD-AFC4-6F175D3DCCD1}">
+              <a14:hiddenFill xmlns:a14="http://schemas.microsoft.com/office/drawing/2010/main">
+                <a:solidFill>
+                  <a:srgbClr val="FFFFFF"/>
+                </a:solidFill>
+              </a14:hiddenFill>
+            </a:ext>
+          </a:extLst>
+        </p:spPr>
+      </p:pic>
+      <p:pic>
+        <p:nvPicPr>
+          <p:cNvPr id="1030" name="Picture 6" descr="Professional Woman Stock Photos, Images and Backgrounds for Free Download">
+            <a:extLst>
+              <a:ext uri="{FF2B5EF4-FFF2-40B4-BE49-F238E27FC236}">
+                <a16:creationId xmlns:a16="http://schemas.microsoft.com/office/drawing/2014/main" id="{C5D996F2-8637-3CFD-2B62-E4DDFD288786}"/>
+              </a:ext>
+            </a:extLst>
+          </p:cNvPr>
+          <p:cNvPicPr>
+            <a:picLocks noChangeAspect="1" noChangeArrowheads="1"/>
+          </p:cNvPicPr>
+          <p:nvPr/>
+        </p:nvPicPr>
+        <p:blipFill>
+          <a:blip r:embed="rId5" cstate="print">
+            <a:extLst>
+              <a:ext uri="{28A0092B-C50C-407E-A947-70E740481C1C}">
+                <a14:useLocalDpi xmlns:a14="http://schemas.microsoft.com/office/drawing/2010/main" val="0"/>
+              </a:ext>
+            </a:extLst>
+          </a:blip>
+          <a:srcRect/>
+          <a:stretch>
+            <a:fillRect/>
+          </a:stretch>
+        </p:blipFill>
+        <p:spPr bwMode="auto">
+          <a:xfrm>
+            <a:off x="4797539" y="1357433"/>
+            <a:ext cx="2575454" cy="1931255"/>
+          </a:xfrm>
+          <a:prstGeom prst="rect">
+            <a:avLst/>
+          </a:prstGeom>
+          <a:noFill/>
+          <a:extLst>
+            <a:ext uri="{909E8E84-426E-40DD-AFC4-6F175D3DCCD1}">
+              <a14:hiddenFill xmlns:a14="http://schemas.microsoft.com/office/drawing/2010/main">
+                <a:solidFill>
+                  <a:srgbClr val="FFFFFF"/>
+                </a:solidFill>
+              </a14:hiddenFill>
+            </a:ext>
+          </a:extLst>
+        </p:spPr>
+      </p:pic>
+      <p:pic>
+        <p:nvPicPr>
+          <p:cNvPr id="1032" name="Picture 8" descr="Roll: Bicycle Company A:1 Adventure Bike">
+            <a:extLst>
+              <a:ext uri="{FF2B5EF4-FFF2-40B4-BE49-F238E27FC236}">
+                <a16:creationId xmlns:a16="http://schemas.microsoft.com/office/drawing/2014/main" id="{A6DEBE71-9A16-E558-68CA-3DBB9959789B}"/>
+              </a:ext>
+            </a:extLst>
+          </p:cNvPr>
+          <p:cNvPicPr>
+            <a:picLocks noChangeAspect="1" noChangeArrowheads="1"/>
+          </p:cNvPicPr>
+          <p:nvPr/>
+        </p:nvPicPr>
+        <p:blipFill>
+          <a:blip r:embed="rId6" cstate="print">
+            <a:extLst>
+              <a:ext uri="{28A0092B-C50C-407E-A947-70E740481C1C}">
+                <a14:useLocalDpi xmlns:a14="http://schemas.microsoft.com/office/drawing/2010/main" val="0"/>
+              </a:ext>
+            </a:extLst>
+          </a:blip>
+          <a:srcRect/>
+          <a:stretch>
+            <a:fillRect/>
+          </a:stretch>
+        </p:blipFill>
+        <p:spPr bwMode="auto">
+          <a:xfrm>
+            <a:off x="8267644" y="3503877"/>
+            <a:ext cx="3527778" cy="2116667"/>
+          </a:xfrm>
+          <a:prstGeom prst="rect">
+            <a:avLst/>
+          </a:prstGeom>
+          <a:noFill/>
+          <a:extLst>
+            <a:ext uri="{909E8E84-426E-40DD-AFC4-6F175D3DCCD1}">
+              <a14:hiddenFill xmlns:a14="http://schemas.microsoft.com/office/drawing/2010/main">
+                <a:solidFill>
+                  <a:srgbClr val="FFFFFF"/>
+                </a:solidFill>
+              </a14:hiddenFill>
+            </a:ext>
+          </a:extLst>
+        </p:spPr>
+      </p:pic>
+      <p:pic>
+        <p:nvPicPr>
+          <p:cNvPr id="1034" name="Picture 10" descr="True Fine 16.5-in Brushed Steel LED Touch Table Lamp with Fabric Shade  20080T-BN at Lowes.com">
+            <a:extLst>
+              <a:ext uri="{FF2B5EF4-FFF2-40B4-BE49-F238E27FC236}">
+                <a16:creationId xmlns:a16="http://schemas.microsoft.com/office/drawing/2014/main" id="{B33B9FBE-636D-877F-1CA6-7513A4E829B6}"/>
+              </a:ext>
+            </a:extLst>
+          </p:cNvPr>
+          <p:cNvPicPr>
+            <a:picLocks noChangeAspect="1" noChangeArrowheads="1"/>
+          </p:cNvPicPr>
+          <p:nvPr/>
+        </p:nvPicPr>
+        <p:blipFill>
+          <a:blip r:embed="rId7" cstate="print">
+            <a:extLst>
+              <a:ext uri="{28A0092B-C50C-407E-A947-70E740481C1C}">
+                <a14:useLocalDpi xmlns:a14="http://schemas.microsoft.com/office/drawing/2010/main" val="0"/>
+              </a:ext>
+            </a:extLst>
+          </a:blip>
+          <a:srcRect/>
+          <a:stretch>
+            <a:fillRect/>
+          </a:stretch>
+        </p:blipFill>
+        <p:spPr bwMode="auto">
+          <a:xfrm>
+            <a:off x="9033822" y="1344072"/>
+            <a:ext cx="1995422" cy="1995422"/>
+          </a:xfrm>
+          <a:prstGeom prst="rect">
+            <a:avLst/>
+          </a:prstGeom>
+          <a:noFill/>
+          <a:extLst>
+            <a:ext uri="{909E8E84-426E-40DD-AFC4-6F175D3DCCD1}">
+              <a14:hiddenFill xmlns:a14="http://schemas.microsoft.com/office/drawing/2010/main">
+                <a:solidFill>
+                  <a:srgbClr val="FFFFFF"/>
+                </a:solidFill>
+              </a14:hiddenFill>
+            </a:ext>
+          </a:extLst>
+        </p:spPr>
+      </p:pic>
+      <p:pic>
+        <p:nvPicPr>
+          <p:cNvPr id="1036" name="Picture 12" descr="Twinkle Twinkle Little Firefly - Humane Gardener">
+            <a:extLst>
+              <a:ext uri="{FF2B5EF4-FFF2-40B4-BE49-F238E27FC236}">
+                <a16:creationId xmlns:a16="http://schemas.microsoft.com/office/drawing/2014/main" id="{DA3A625C-BA86-22D3-9AF0-985AA2A6F3A0}"/>
+              </a:ext>
+            </a:extLst>
+          </p:cNvPr>
+          <p:cNvPicPr>
+            <a:picLocks noChangeAspect="1" noChangeArrowheads="1"/>
+          </p:cNvPicPr>
+          <p:nvPr/>
+        </p:nvPicPr>
+        <p:blipFill>
+          <a:blip r:embed="rId8" cstate="print">
+            <a:extLst>
+              <a:ext uri="{28A0092B-C50C-407E-A947-70E740481C1C}">
+                <a14:useLocalDpi xmlns:a14="http://schemas.microsoft.com/office/drawing/2010/main" val="0"/>
+              </a:ext>
+            </a:extLst>
+          </a:blip>
+          <a:srcRect/>
+          <a:stretch>
+            <a:fillRect/>
+          </a:stretch>
+        </p:blipFill>
+        <p:spPr bwMode="auto">
+          <a:xfrm>
+            <a:off x="4606579" y="3677531"/>
+            <a:ext cx="3330859" cy="1873175"/>
+          </a:xfrm>
+          <a:prstGeom prst="rect">
+            <a:avLst/>
+          </a:prstGeom>
+          <a:noFill/>
+          <a:extLst>
+            <a:ext uri="{909E8E84-426E-40DD-AFC4-6F175D3DCCD1}">
+              <a14:hiddenFill xmlns:a14="http://schemas.microsoft.com/office/drawing/2010/main">
+                <a:solidFill>
+                  <a:srgbClr val="FFFFFF"/>
+                </a:solidFill>
+              </a14:hiddenFill>
+            </a:ext>
+          </a:extLst>
+        </p:spPr>
+      </p:pic>
+    </p:spTree>
+    <p:extLst>
+      <p:ext uri="{BB962C8B-B14F-4D97-AF65-F5344CB8AC3E}">
+        <p14:creationId xmlns:p14="http://schemas.microsoft.com/office/powerpoint/2010/main" val="270900983"/>
+      </p:ext>
+    </p:extLst>
+  </p:cSld>
+  <p:clrMapOvr>
+    <a:masterClrMapping/>
+  </p:clrMapOvr>
+</p:sld>
+</file>
+
+<file path=ppt/slides/slide40.xml><?xml version="1.0" encoding="utf-8"?>
 <p:sld xmlns:a="http://schemas.openxmlformats.org/drawingml/2006/main" xmlns:r="http://schemas.openxmlformats.org/officeDocument/2006/relationships" xmlns:p="http://schemas.openxmlformats.org/presentationml/2006/main">
   <p:cSld>
     <p:spTree>
@@ -22327,412 +22960,7 @@
 </p:sld>
 </file>
 
-<file path=ppt/slides/slide4.xml><?xml version="1.0" encoding="utf-8"?>
-<p:sld xmlns:a="http://schemas.openxmlformats.org/drawingml/2006/main" xmlns:r="http://schemas.openxmlformats.org/officeDocument/2006/relationships" xmlns:p="http://schemas.openxmlformats.org/presentationml/2006/main">
-  <p:cSld>
-    <p:spTree>
-      <p:nvGrpSpPr>
-        <p:cNvPr id="1" name=""/>
-        <p:cNvGrpSpPr/>
-        <p:nvPr/>
-      </p:nvGrpSpPr>
-      <p:grpSpPr>
-        <a:xfrm>
-          <a:off x="0" y="0"/>
-          <a:ext cx="0" cy="0"/>
-          <a:chOff x="0" y="0"/>
-          <a:chExt cx="0" cy="0"/>
-        </a:xfrm>
-      </p:grpSpPr>
-      <p:sp>
-        <p:nvSpPr>
-          <p:cNvPr id="2" name="Content Placeholder 1">
-            <a:extLst>
-              <a:ext uri="{FF2B5EF4-FFF2-40B4-BE49-F238E27FC236}">
-                <a16:creationId xmlns:a16="http://schemas.microsoft.com/office/drawing/2014/main" id="{8ACF9742-3350-1D65-AB1F-E445C30B36DE}"/>
-              </a:ext>
-            </a:extLst>
-          </p:cNvPr>
-          <p:cNvSpPr>
-            <a:spLocks noGrp="1"/>
-          </p:cNvSpPr>
-          <p:nvPr>
-            <p:ph idx="1"/>
-          </p:nvPr>
-        </p:nvSpPr>
-        <p:spPr>
-          <a:xfrm>
-            <a:off x="360607" y="785004"/>
-            <a:ext cx="11449319" cy="5046453"/>
-          </a:xfrm>
-        </p:spPr>
-        <p:txBody>
-          <a:bodyPr/>
-          <a:lstStyle/>
-          <a:p>
-            <a:r>
-              <a:rPr lang="en-US"/>
-              <a:t>Objects have properties and functions</a:t>
-            </a:r>
-            <a:endParaRPr lang="en-US" dirty="0"/>
-          </a:p>
-        </p:txBody>
-      </p:sp>
-      <p:sp>
-        <p:nvSpPr>
-          <p:cNvPr id="3" name="Title 2">
-            <a:extLst>
-              <a:ext uri="{FF2B5EF4-FFF2-40B4-BE49-F238E27FC236}">
-                <a16:creationId xmlns:a16="http://schemas.microsoft.com/office/drawing/2014/main" id="{6BE0EAE0-FAB3-33AA-DB3C-DDC2394A80CD}"/>
-              </a:ext>
-            </a:extLst>
-          </p:cNvPr>
-          <p:cNvSpPr>
-            <a:spLocks noGrp="1"/>
-          </p:cNvSpPr>
-          <p:nvPr>
-            <p:ph type="title"/>
-          </p:nvPr>
-        </p:nvSpPr>
-        <p:spPr>
-          <a:xfrm>
-            <a:off x="0" y="0"/>
-            <a:ext cx="12192000" cy="696277"/>
-          </a:xfrm>
-        </p:spPr>
-        <p:txBody>
-          <a:bodyPr/>
-          <a:lstStyle/>
-          <a:p>
-            <a:r>
-              <a:rPr lang="en-US"/>
-              <a:t>What is an object?</a:t>
-            </a:r>
-            <a:endParaRPr lang="en-US" dirty="0"/>
-          </a:p>
-        </p:txBody>
-      </p:sp>
-      <p:sp>
-        <p:nvSpPr>
-          <p:cNvPr id="7" name="Subtitle 6">
-            <a:extLst>
-              <a:ext uri="{FF2B5EF4-FFF2-40B4-BE49-F238E27FC236}">
-                <a16:creationId xmlns:a16="http://schemas.microsoft.com/office/drawing/2014/main" id="{CE9159A9-FF0A-B8E9-0C14-2B159D3C6BA6}"/>
-              </a:ext>
-            </a:extLst>
-          </p:cNvPr>
-          <p:cNvSpPr>
-            <a:spLocks noGrp="1"/>
-          </p:cNvSpPr>
-          <p:nvPr>
-            <p:ph type="subTitle" idx="13"/>
-          </p:nvPr>
-        </p:nvSpPr>
-        <p:spPr/>
-        <p:txBody>
-          <a:bodyPr/>
-          <a:lstStyle/>
-          <a:p>
-            <a:endParaRPr lang="en-US"/>
-          </a:p>
-        </p:txBody>
-      </p:sp>
-      <p:pic>
-        <p:nvPicPr>
-          <p:cNvPr id="1026" name="Picture 2" descr="Best Cars of 2024 and 2025 - Top-Rated New Cars Ranked | KBB.com">
-            <a:extLst>
-              <a:ext uri="{FF2B5EF4-FFF2-40B4-BE49-F238E27FC236}">
-                <a16:creationId xmlns:a16="http://schemas.microsoft.com/office/drawing/2014/main" id="{D0B3A394-D3F6-ACDF-9E4D-40D79040B9C8}"/>
-              </a:ext>
-            </a:extLst>
-          </p:cNvPr>
-          <p:cNvPicPr>
-            <a:picLocks noChangeAspect="1" noChangeArrowheads="1"/>
-          </p:cNvPicPr>
-          <p:nvPr/>
-        </p:nvPicPr>
-        <p:blipFill>
-          <a:blip r:embed="rId3" cstate="print">
-            <a:extLst>
-              <a:ext uri="{28A0092B-C50C-407E-A947-70E740481C1C}">
-                <a14:useLocalDpi xmlns:a14="http://schemas.microsoft.com/office/drawing/2010/main" val="0"/>
-              </a:ext>
-            </a:extLst>
-          </a:blip>
-          <a:srcRect/>
-          <a:stretch>
-            <a:fillRect/>
-          </a:stretch>
-        </p:blipFill>
-        <p:spPr bwMode="auto">
-          <a:xfrm>
-            <a:off x="529940" y="1598124"/>
-            <a:ext cx="3330859" cy="1347957"/>
-          </a:xfrm>
-          <a:prstGeom prst="rect">
-            <a:avLst/>
-          </a:prstGeom>
-          <a:noFill/>
-          <a:extLst>
-            <a:ext uri="{909E8E84-426E-40DD-AFC4-6F175D3DCCD1}">
-              <a14:hiddenFill xmlns:a14="http://schemas.microsoft.com/office/drawing/2010/main">
-                <a:solidFill>
-                  <a:srgbClr val="FFFFFF"/>
-                </a:solidFill>
-              </a14:hiddenFill>
-            </a:ext>
-          </a:extLst>
-        </p:spPr>
-      </p:pic>
-      <p:pic>
-        <p:nvPicPr>
-          <p:cNvPr id="1028" name="Picture 4" descr="Understanding Behavioral Changes in Senior Dogs | Dog Aging Project">
-            <a:extLst>
-              <a:ext uri="{FF2B5EF4-FFF2-40B4-BE49-F238E27FC236}">
-                <a16:creationId xmlns:a16="http://schemas.microsoft.com/office/drawing/2014/main" id="{5812A8B1-EF6D-9DC6-4052-4E8A1E1A83C7}"/>
-              </a:ext>
-            </a:extLst>
-          </p:cNvPr>
-          <p:cNvPicPr>
-            <a:picLocks noChangeAspect="1" noChangeArrowheads="1"/>
-          </p:cNvPicPr>
-          <p:nvPr/>
-        </p:nvPicPr>
-        <p:blipFill>
-          <a:blip r:embed="rId4" cstate="print">
-            <a:extLst>
-              <a:ext uri="{28A0092B-C50C-407E-A947-70E740481C1C}">
-                <a14:useLocalDpi xmlns:a14="http://schemas.microsoft.com/office/drawing/2010/main" val="0"/>
-              </a:ext>
-            </a:extLst>
-          </a:blip>
-          <a:srcRect/>
-          <a:stretch>
-            <a:fillRect/>
-          </a:stretch>
-        </p:blipFill>
-        <p:spPr bwMode="auto">
-          <a:xfrm>
-            <a:off x="827897" y="3831255"/>
-            <a:ext cx="2575454" cy="1717234"/>
-          </a:xfrm>
-          <a:prstGeom prst="rect">
-            <a:avLst/>
-          </a:prstGeom>
-          <a:noFill/>
-          <a:extLst>
-            <a:ext uri="{909E8E84-426E-40DD-AFC4-6F175D3DCCD1}">
-              <a14:hiddenFill xmlns:a14="http://schemas.microsoft.com/office/drawing/2010/main">
-                <a:solidFill>
-                  <a:srgbClr val="FFFFFF"/>
-                </a:solidFill>
-              </a14:hiddenFill>
-            </a:ext>
-          </a:extLst>
-        </p:spPr>
-      </p:pic>
-      <p:pic>
-        <p:nvPicPr>
-          <p:cNvPr id="1030" name="Picture 6" descr="Professional Woman Stock Photos, Images and Backgrounds for Free Download">
-            <a:extLst>
-              <a:ext uri="{FF2B5EF4-FFF2-40B4-BE49-F238E27FC236}">
-                <a16:creationId xmlns:a16="http://schemas.microsoft.com/office/drawing/2014/main" id="{C5D996F2-8637-3CFD-2B62-E4DDFD288786}"/>
-              </a:ext>
-            </a:extLst>
-          </p:cNvPr>
-          <p:cNvPicPr>
-            <a:picLocks noChangeAspect="1" noChangeArrowheads="1"/>
-          </p:cNvPicPr>
-          <p:nvPr/>
-        </p:nvPicPr>
-        <p:blipFill>
-          <a:blip r:embed="rId5" cstate="print">
-            <a:extLst>
-              <a:ext uri="{28A0092B-C50C-407E-A947-70E740481C1C}">
-                <a14:useLocalDpi xmlns:a14="http://schemas.microsoft.com/office/drawing/2010/main" val="0"/>
-              </a:ext>
-            </a:extLst>
-          </a:blip>
-          <a:srcRect/>
-          <a:stretch>
-            <a:fillRect/>
-          </a:stretch>
-        </p:blipFill>
-        <p:spPr bwMode="auto">
-          <a:xfrm>
-            <a:off x="4797539" y="1357433"/>
-            <a:ext cx="2575454" cy="1931255"/>
-          </a:xfrm>
-          <a:prstGeom prst="rect">
-            <a:avLst/>
-          </a:prstGeom>
-          <a:noFill/>
-          <a:extLst>
-            <a:ext uri="{909E8E84-426E-40DD-AFC4-6F175D3DCCD1}">
-              <a14:hiddenFill xmlns:a14="http://schemas.microsoft.com/office/drawing/2010/main">
-                <a:solidFill>
-                  <a:srgbClr val="FFFFFF"/>
-                </a:solidFill>
-              </a14:hiddenFill>
-            </a:ext>
-          </a:extLst>
-        </p:spPr>
-      </p:pic>
-      <p:pic>
-        <p:nvPicPr>
-          <p:cNvPr id="1032" name="Picture 8" descr="Roll: Bicycle Company A:1 Adventure Bike">
-            <a:extLst>
-              <a:ext uri="{FF2B5EF4-FFF2-40B4-BE49-F238E27FC236}">
-                <a16:creationId xmlns:a16="http://schemas.microsoft.com/office/drawing/2014/main" id="{A6DEBE71-9A16-E558-68CA-3DBB9959789B}"/>
-              </a:ext>
-            </a:extLst>
-          </p:cNvPr>
-          <p:cNvPicPr>
-            <a:picLocks noChangeAspect="1" noChangeArrowheads="1"/>
-          </p:cNvPicPr>
-          <p:nvPr/>
-        </p:nvPicPr>
-        <p:blipFill>
-          <a:blip r:embed="rId6" cstate="print">
-            <a:extLst>
-              <a:ext uri="{28A0092B-C50C-407E-A947-70E740481C1C}">
-                <a14:useLocalDpi xmlns:a14="http://schemas.microsoft.com/office/drawing/2010/main" val="0"/>
-              </a:ext>
-            </a:extLst>
-          </a:blip>
-          <a:srcRect/>
-          <a:stretch>
-            <a:fillRect/>
-          </a:stretch>
-        </p:blipFill>
-        <p:spPr bwMode="auto">
-          <a:xfrm>
-            <a:off x="8267644" y="3503877"/>
-            <a:ext cx="3527778" cy="2116667"/>
-          </a:xfrm>
-          <a:prstGeom prst="rect">
-            <a:avLst/>
-          </a:prstGeom>
-          <a:noFill/>
-          <a:extLst>
-            <a:ext uri="{909E8E84-426E-40DD-AFC4-6F175D3DCCD1}">
-              <a14:hiddenFill xmlns:a14="http://schemas.microsoft.com/office/drawing/2010/main">
-                <a:solidFill>
-                  <a:srgbClr val="FFFFFF"/>
-                </a:solidFill>
-              </a14:hiddenFill>
-            </a:ext>
-          </a:extLst>
-        </p:spPr>
-      </p:pic>
-      <p:pic>
-        <p:nvPicPr>
-          <p:cNvPr id="1034" name="Picture 10" descr="True Fine 16.5-in Brushed Steel LED Touch Table Lamp with Fabric Shade  20080T-BN at Lowes.com">
-            <a:extLst>
-              <a:ext uri="{FF2B5EF4-FFF2-40B4-BE49-F238E27FC236}">
-                <a16:creationId xmlns:a16="http://schemas.microsoft.com/office/drawing/2014/main" id="{B33B9FBE-636D-877F-1CA6-7513A4E829B6}"/>
-              </a:ext>
-            </a:extLst>
-          </p:cNvPr>
-          <p:cNvPicPr>
-            <a:picLocks noChangeAspect="1" noChangeArrowheads="1"/>
-          </p:cNvPicPr>
-          <p:nvPr/>
-        </p:nvPicPr>
-        <p:blipFill>
-          <a:blip r:embed="rId7" cstate="print">
-            <a:extLst>
-              <a:ext uri="{28A0092B-C50C-407E-A947-70E740481C1C}">
-                <a14:useLocalDpi xmlns:a14="http://schemas.microsoft.com/office/drawing/2010/main" val="0"/>
-              </a:ext>
-            </a:extLst>
-          </a:blip>
-          <a:srcRect/>
-          <a:stretch>
-            <a:fillRect/>
-          </a:stretch>
-        </p:blipFill>
-        <p:spPr bwMode="auto">
-          <a:xfrm>
-            <a:off x="9033822" y="1344072"/>
-            <a:ext cx="1995422" cy="1995422"/>
-          </a:xfrm>
-          <a:prstGeom prst="rect">
-            <a:avLst/>
-          </a:prstGeom>
-          <a:noFill/>
-          <a:extLst>
-            <a:ext uri="{909E8E84-426E-40DD-AFC4-6F175D3DCCD1}">
-              <a14:hiddenFill xmlns:a14="http://schemas.microsoft.com/office/drawing/2010/main">
-                <a:solidFill>
-                  <a:srgbClr val="FFFFFF"/>
-                </a:solidFill>
-              </a14:hiddenFill>
-            </a:ext>
-          </a:extLst>
-        </p:spPr>
-      </p:pic>
-      <p:pic>
-        <p:nvPicPr>
-          <p:cNvPr id="1036" name="Picture 12" descr="Twinkle Twinkle Little Firefly - Humane Gardener">
-            <a:extLst>
-              <a:ext uri="{FF2B5EF4-FFF2-40B4-BE49-F238E27FC236}">
-                <a16:creationId xmlns:a16="http://schemas.microsoft.com/office/drawing/2014/main" id="{DA3A625C-BA86-22D3-9AF0-985AA2A6F3A0}"/>
-              </a:ext>
-            </a:extLst>
-          </p:cNvPr>
-          <p:cNvPicPr>
-            <a:picLocks noChangeAspect="1" noChangeArrowheads="1"/>
-          </p:cNvPicPr>
-          <p:nvPr/>
-        </p:nvPicPr>
-        <p:blipFill>
-          <a:blip r:embed="rId8" cstate="print">
-            <a:extLst>
-              <a:ext uri="{28A0092B-C50C-407E-A947-70E740481C1C}">
-                <a14:useLocalDpi xmlns:a14="http://schemas.microsoft.com/office/drawing/2010/main" val="0"/>
-              </a:ext>
-            </a:extLst>
-          </a:blip>
-          <a:srcRect/>
-          <a:stretch>
-            <a:fillRect/>
-          </a:stretch>
-        </p:blipFill>
-        <p:spPr bwMode="auto">
-          <a:xfrm>
-            <a:off x="4606579" y="3677531"/>
-            <a:ext cx="3330859" cy="1873175"/>
-          </a:xfrm>
-          <a:prstGeom prst="rect">
-            <a:avLst/>
-          </a:prstGeom>
-          <a:noFill/>
-          <a:extLst>
-            <a:ext uri="{909E8E84-426E-40DD-AFC4-6F175D3DCCD1}">
-              <a14:hiddenFill xmlns:a14="http://schemas.microsoft.com/office/drawing/2010/main">
-                <a:solidFill>
-                  <a:srgbClr val="FFFFFF"/>
-                </a:solidFill>
-              </a14:hiddenFill>
-            </a:ext>
-          </a:extLst>
-        </p:spPr>
-      </p:pic>
-    </p:spTree>
-    <p:extLst>
-      <p:ext uri="{BB962C8B-B14F-4D97-AF65-F5344CB8AC3E}">
-        <p14:creationId xmlns:p14="http://schemas.microsoft.com/office/powerpoint/2010/main" val="270900983"/>
-      </p:ext>
-    </p:extLst>
-  </p:cSld>
-  <p:clrMapOvr>
-    <a:masterClrMapping/>
-  </p:clrMapOvr>
-</p:sld>
-</file>
-
-<file path=ppt/slides/slide40.xml><?xml version="1.0" encoding="utf-8"?>
+<file path=ppt/slides/slide41.xml><?xml version="1.0" encoding="utf-8"?>
 <p:sld xmlns:a="http://schemas.openxmlformats.org/drawingml/2006/main" xmlns:r="http://schemas.openxmlformats.org/officeDocument/2006/relationships" xmlns:p="http://schemas.openxmlformats.org/presentationml/2006/main">
   <p:cSld>
     <p:spTree>
@@ -23780,7 +24008,7 @@
 </p:sld>
 </file>
 
-<file path=ppt/slides/slide41.xml><?xml version="1.0" encoding="utf-8"?>
+<file path=ppt/slides/slide42.xml><?xml version="1.0" encoding="utf-8"?>
 <p:sld xmlns:a="http://schemas.openxmlformats.org/drawingml/2006/main" xmlns:r="http://schemas.openxmlformats.org/officeDocument/2006/relationships" xmlns:p="http://schemas.openxmlformats.org/presentationml/2006/main">
   <p:cSld>
     <p:spTree>
@@ -23958,7 +24186,115 @@
 </p:sld>
 </file>
 
-<file path=ppt/slides/slide42.xml><?xml version="1.0" encoding="utf-8"?>
+<file path=ppt/slides/slide43.xml><?xml version="1.0" encoding="utf-8"?>
+<p:sld xmlns:a="http://schemas.openxmlformats.org/drawingml/2006/main" xmlns:r="http://schemas.openxmlformats.org/officeDocument/2006/relationships" xmlns:p="http://schemas.openxmlformats.org/presentationml/2006/main">
+  <p:cSld>
+    <p:spTree>
+      <p:nvGrpSpPr>
+        <p:cNvPr id="1" name=""/>
+        <p:cNvGrpSpPr/>
+        <p:nvPr/>
+      </p:nvGrpSpPr>
+      <p:grpSpPr>
+        <a:xfrm>
+          <a:off x="0" y="0"/>
+          <a:ext cx="0" cy="0"/>
+          <a:chOff x="0" y="0"/>
+          <a:chExt cx="0" cy="0"/>
+        </a:xfrm>
+      </p:grpSpPr>
+      <p:sp>
+        <p:nvSpPr>
+          <p:cNvPr id="2" name="Content Placeholder 1">
+            <a:extLst>
+              <a:ext uri="{FF2B5EF4-FFF2-40B4-BE49-F238E27FC236}">
+                <a16:creationId xmlns:a16="http://schemas.microsoft.com/office/drawing/2014/main" id="{A4380504-F2B0-3BC8-121B-E745A513446E}"/>
+              </a:ext>
+            </a:extLst>
+          </p:cNvPr>
+          <p:cNvSpPr>
+            <a:spLocks noGrp="1"/>
+          </p:cNvSpPr>
+          <p:nvPr>
+            <p:ph idx="1"/>
+          </p:nvPr>
+        </p:nvSpPr>
+        <p:spPr/>
+        <p:txBody>
+          <a:bodyPr/>
+          <a:lstStyle/>
+          <a:p>
+            <a:endParaRPr lang="en-US" dirty="0"/>
+          </a:p>
+        </p:txBody>
+      </p:sp>
+      <p:sp>
+        <p:nvSpPr>
+          <p:cNvPr id="3" name="Title 2">
+            <a:extLst>
+              <a:ext uri="{FF2B5EF4-FFF2-40B4-BE49-F238E27FC236}">
+                <a16:creationId xmlns:a16="http://schemas.microsoft.com/office/drawing/2014/main" id="{38D8D1CF-40D8-4B2E-030C-BDC04AA2D74C}"/>
+              </a:ext>
+            </a:extLst>
+          </p:cNvPr>
+          <p:cNvSpPr>
+            <a:spLocks noGrp="1"/>
+          </p:cNvSpPr>
+          <p:nvPr>
+            <p:ph type="title"/>
+          </p:nvPr>
+        </p:nvSpPr>
+        <p:spPr/>
+        <p:txBody>
+          <a:bodyPr/>
+          <a:lstStyle/>
+          <a:p>
+            <a:r>
+              <a:rPr lang="en-US" dirty="0"/>
+              <a:t>Types of memory</a:t>
+            </a:r>
+          </a:p>
+        </p:txBody>
+      </p:sp>
+      <p:sp>
+        <p:nvSpPr>
+          <p:cNvPr id="4" name="Subtitle 3">
+            <a:extLst>
+              <a:ext uri="{FF2B5EF4-FFF2-40B4-BE49-F238E27FC236}">
+                <a16:creationId xmlns:a16="http://schemas.microsoft.com/office/drawing/2014/main" id="{9CA03C7A-A774-D912-A8A8-E346EEB0CB8B}"/>
+              </a:ext>
+            </a:extLst>
+          </p:cNvPr>
+          <p:cNvSpPr>
+            <a:spLocks noGrp="1"/>
+          </p:cNvSpPr>
+          <p:nvPr>
+            <p:ph type="subTitle" idx="13"/>
+          </p:nvPr>
+        </p:nvSpPr>
+        <p:spPr/>
+        <p:txBody>
+          <a:bodyPr/>
+          <a:lstStyle/>
+          <a:p>
+            <a:endParaRPr lang="en-US"/>
+          </a:p>
+        </p:txBody>
+      </p:sp>
+    </p:spTree>
+    <p:extLst>
+      <p:ext uri="{BB962C8B-B14F-4D97-AF65-F5344CB8AC3E}">
+        <p14:creationId xmlns:p14="http://schemas.microsoft.com/office/powerpoint/2010/main" val="469281232"/>
+      </p:ext>
+    </p:extLst>
+  </p:cSld>
+  <p:clrMapOvr>
+    <a:masterClrMapping/>
+  </p:clrMapOvr>
+</p:sld>
+</file>
+
+<file path=ppt/slides/slide44.xml><?xml version="1.0" encoding="utf-8"?>
 <p:sld xmlns:a="http://schemas.openxmlformats.org/drawingml/2006/main" xmlns:r="http://schemas.openxmlformats.org/officeDocument/2006/relationships" xmlns:p="http://schemas.openxmlformats.org/presentationml/2006/main" show="0">
   <p:cSld>
     <p:spTree>
@@ -24824,7 +25160,7 @@
 </p:sld>
 </file>
 
-<file path=ppt/slides/slide43.xml><?xml version="1.0" encoding="utf-8"?>
+<file path=ppt/slides/slide45.xml><?xml version="1.0" encoding="utf-8"?>
 <p:sld xmlns:a="http://schemas.openxmlformats.org/drawingml/2006/main" xmlns:r="http://schemas.openxmlformats.org/officeDocument/2006/relationships" xmlns:p="http://schemas.openxmlformats.org/presentationml/2006/main" show="0">
   <p:cSld>
     <p:spTree>
@@ -26304,6 +26640,218 @@
           </a:p>
         </p:txBody>
       </p:sp>
+      <p:sp>
+        <p:nvSpPr>
+          <p:cNvPr id="2" name="Rectangle 1">
+            <a:extLst>
+              <a:ext uri="{FF2B5EF4-FFF2-40B4-BE49-F238E27FC236}">
+                <a16:creationId xmlns:a16="http://schemas.microsoft.com/office/drawing/2014/main" id="{9C573C7E-6459-9E70-66D9-B94B445816AC}"/>
+              </a:ext>
+            </a:extLst>
+          </p:cNvPr>
+          <p:cNvSpPr/>
+          <p:nvPr/>
+        </p:nvSpPr>
+        <p:spPr>
+          <a:xfrm>
+            <a:off x="6824261" y="3308230"/>
+            <a:ext cx="958065" cy="430281"/>
+          </a:xfrm>
+          <a:prstGeom prst="rect">
+            <a:avLst/>
+          </a:prstGeom>
+          <a:noFill/>
+          <a:ln w="34925" cap="flat" cmpd="sng" algn="ctr">
+            <a:solidFill>
+              <a:schemeClr val="accent1"/>
+            </a:solidFill>
+            <a:prstDash val="solid"/>
+            <a:round/>
+            <a:headEnd type="none" w="med" len="med"/>
+            <a:tailEnd type="none" w="med" len="med"/>
+          </a:ln>
+        </p:spPr>
+        <p:style>
+          <a:lnRef idx="0">
+            <a:scrgbClr r="0" g="0" b="0"/>
+          </a:lnRef>
+          <a:fillRef idx="0">
+            <a:scrgbClr r="0" g="0" b="0"/>
+          </a:fillRef>
+          <a:effectRef idx="0">
+            <a:scrgbClr r="0" g="0" b="0"/>
+          </a:effectRef>
+          <a:fontRef idx="minor">
+            <a:schemeClr val="accent1"/>
+          </a:fontRef>
+        </p:style>
+        <p:txBody>
+          <a:bodyPr rot="0" spcFirstLastPara="0" vertOverflow="overflow" horzOverflow="overflow" vert="horz" wrap="square" lIns="91440" tIns="45720" rIns="91440" bIns="45720" numCol="1" spcCol="0" rtlCol="0" fromWordArt="0" anchor="ctr" anchorCtr="0" forceAA="0" compatLnSpc="1">
+            <a:prstTxWarp prst="textNoShape">
+              <a:avLst/>
+            </a:prstTxWarp>
+            <a:noAutofit/>
+          </a:bodyPr>
+          <a:lstStyle/>
+          <a:p>
+            <a:pPr algn="ctr"/>
+            <a:endParaRPr lang="en-US" dirty="0">
+              <a:ln w="0"/>
+              <a:solidFill>
+                <a:schemeClr val="tx1"/>
+              </a:solidFill>
+              <a:effectLst>
+                <a:outerShdw blurRad="38100" dist="19050" dir="2700000" algn="tl" rotWithShape="0">
+                  <a:schemeClr val="dk1">
+                    <a:alpha val="40000"/>
+                  </a:schemeClr>
+                </a:outerShdw>
+              </a:effectLst>
+            </a:endParaRPr>
+          </a:p>
+        </p:txBody>
+      </p:sp>
+      <p:sp>
+        <p:nvSpPr>
+          <p:cNvPr id="4" name="Rectangle 3">
+            <a:extLst>
+              <a:ext uri="{FF2B5EF4-FFF2-40B4-BE49-F238E27FC236}">
+                <a16:creationId xmlns:a16="http://schemas.microsoft.com/office/drawing/2014/main" id="{4E60E7B5-B7E4-2D07-0432-90CD04022487}"/>
+              </a:ext>
+            </a:extLst>
+          </p:cNvPr>
+          <p:cNvSpPr/>
+          <p:nvPr/>
+        </p:nvSpPr>
+        <p:spPr>
+          <a:xfrm>
+            <a:off x="7939008" y="3308229"/>
+            <a:ext cx="958065" cy="430281"/>
+          </a:xfrm>
+          <a:prstGeom prst="rect">
+            <a:avLst/>
+          </a:prstGeom>
+          <a:noFill/>
+          <a:ln w="34925" cap="flat" cmpd="sng" algn="ctr">
+            <a:solidFill>
+              <a:schemeClr val="accent1"/>
+            </a:solidFill>
+            <a:prstDash val="solid"/>
+            <a:round/>
+            <a:headEnd type="none" w="med" len="med"/>
+            <a:tailEnd type="none" w="med" len="med"/>
+          </a:ln>
+        </p:spPr>
+        <p:style>
+          <a:lnRef idx="0">
+            <a:scrgbClr r="0" g="0" b="0"/>
+          </a:lnRef>
+          <a:fillRef idx="0">
+            <a:scrgbClr r="0" g="0" b="0"/>
+          </a:fillRef>
+          <a:effectRef idx="0">
+            <a:scrgbClr r="0" g="0" b="0"/>
+          </a:effectRef>
+          <a:fontRef idx="minor">
+            <a:schemeClr val="accent1"/>
+          </a:fontRef>
+        </p:style>
+        <p:txBody>
+          <a:bodyPr rot="0" spcFirstLastPara="0" vertOverflow="overflow" horzOverflow="overflow" vert="horz" wrap="square" lIns="91440" tIns="45720" rIns="91440" bIns="45720" numCol="1" spcCol="0" rtlCol="0" fromWordArt="0" anchor="ctr" anchorCtr="0" forceAA="0" compatLnSpc="1">
+            <a:prstTxWarp prst="textNoShape">
+              <a:avLst/>
+            </a:prstTxWarp>
+            <a:noAutofit/>
+          </a:bodyPr>
+          <a:lstStyle/>
+          <a:p>
+            <a:pPr algn="ctr"/>
+            <a:endParaRPr lang="en-US" dirty="0">
+              <a:ln w="0"/>
+              <a:solidFill>
+                <a:schemeClr val="tx1"/>
+              </a:solidFill>
+              <a:effectLst>
+                <a:outerShdw blurRad="38100" dist="19050" dir="2700000" algn="tl" rotWithShape="0">
+                  <a:schemeClr val="dk1">
+                    <a:alpha val="40000"/>
+                  </a:schemeClr>
+                </a:outerShdw>
+              </a:effectLst>
+            </a:endParaRPr>
+          </a:p>
+        </p:txBody>
+      </p:sp>
+      <p:sp>
+        <p:nvSpPr>
+          <p:cNvPr id="5" name="TextBox 4">
+            <a:extLst>
+              <a:ext uri="{FF2B5EF4-FFF2-40B4-BE49-F238E27FC236}">
+                <a16:creationId xmlns:a16="http://schemas.microsoft.com/office/drawing/2014/main" id="{5C4FDAB1-4191-1BA6-86BD-FA7BAD9F11CF}"/>
+              </a:ext>
+            </a:extLst>
+          </p:cNvPr>
+          <p:cNvSpPr txBox="1"/>
+          <p:nvPr/>
+        </p:nvSpPr>
+        <p:spPr>
+          <a:xfrm>
+            <a:off x="6667579" y="3821985"/>
+            <a:ext cx="1238159" cy="400110"/>
+          </a:xfrm>
+          <a:prstGeom prst="rect">
+            <a:avLst/>
+          </a:prstGeom>
+          <a:noFill/>
+        </p:spPr>
+        <p:txBody>
+          <a:bodyPr wrap="none" rtlCol="0">
+            <a:spAutoFit/>
+          </a:bodyPr>
+          <a:lstStyle/>
+          <a:p>
+            <a:r>
+              <a:rPr lang="en-US" sz="2000" b="1" i="1" dirty="0"/>
+              <a:t>Reference</a:t>
+            </a:r>
+          </a:p>
+        </p:txBody>
+      </p:sp>
+      <p:sp>
+        <p:nvSpPr>
+          <p:cNvPr id="6" name="TextBox 5">
+            <a:extLst>
+              <a:ext uri="{FF2B5EF4-FFF2-40B4-BE49-F238E27FC236}">
+                <a16:creationId xmlns:a16="http://schemas.microsoft.com/office/drawing/2014/main" id="{CB42ED99-D662-A210-756E-BCF59839D874}"/>
+              </a:ext>
+            </a:extLst>
+          </p:cNvPr>
+          <p:cNvSpPr txBox="1"/>
+          <p:nvPr/>
+        </p:nvSpPr>
+        <p:spPr>
+          <a:xfrm>
+            <a:off x="7939008" y="3823326"/>
+            <a:ext cx="877163" cy="400110"/>
+          </a:xfrm>
+          <a:prstGeom prst="rect">
+            <a:avLst/>
+          </a:prstGeom>
+          <a:noFill/>
+        </p:spPr>
+        <p:txBody>
+          <a:bodyPr wrap="none" rtlCol="0">
+            <a:spAutoFit/>
+          </a:bodyPr>
+          <a:lstStyle/>
+          <a:p>
+            <a:r>
+              <a:rPr lang="en-US" sz="2000" b="1" i="1" dirty="0"/>
+              <a:t>Object</a:t>
+            </a:r>
+          </a:p>
+        </p:txBody>
+      </p:sp>
     </p:spTree>
     <p:extLst>
       <p:ext uri="{BB962C8B-B14F-4D97-AF65-F5344CB8AC3E}">
@@ -26484,6 +27032,132 @@
                       </p:childTnLst>
                     </p:cTn>
                   </p:par>
+                  <p:par>
+                    <p:cTn id="17" fill="hold">
+                      <p:stCondLst>
+                        <p:cond delay="indefinite"/>
+                      </p:stCondLst>
+                      <p:childTnLst>
+                        <p:par>
+                          <p:cTn id="18" fill="hold">
+                            <p:stCondLst>
+                              <p:cond delay="0"/>
+                            </p:stCondLst>
+                            <p:childTnLst>
+                              <p:par>
+                                <p:cTn id="19" presetID="1" presetClass="entr" presetSubtype="0" fill="hold" grpId="0" nodeType="clickEffect">
+                                  <p:stCondLst>
+                                    <p:cond delay="0"/>
+                                  </p:stCondLst>
+                                  <p:childTnLst>
+                                    <p:set>
+                                      <p:cBhvr>
+                                        <p:cTn id="20" dur="1" fill="hold">
+                                          <p:stCondLst>
+                                            <p:cond delay="0"/>
+                                          </p:stCondLst>
+                                        </p:cTn>
+                                        <p:tgtEl>
+                                          <p:spTgt spid="2"/>
+                                        </p:tgtEl>
+                                        <p:attrNameLst>
+                                          <p:attrName>style.visibility</p:attrName>
+                                        </p:attrNameLst>
+                                      </p:cBhvr>
+                                      <p:to>
+                                        <p:strVal val="visible"/>
+                                      </p:to>
+                                    </p:set>
+                                  </p:childTnLst>
+                                </p:cTn>
+                              </p:par>
+                              <p:par>
+                                <p:cTn id="21" presetID="1" presetClass="entr" presetSubtype="0" fill="hold" grpId="0" nodeType="withEffect">
+                                  <p:stCondLst>
+                                    <p:cond delay="0"/>
+                                  </p:stCondLst>
+                                  <p:childTnLst>
+                                    <p:set>
+                                      <p:cBhvr>
+                                        <p:cTn id="22" dur="1" fill="hold">
+                                          <p:stCondLst>
+                                            <p:cond delay="0"/>
+                                          </p:stCondLst>
+                                        </p:cTn>
+                                        <p:tgtEl>
+                                          <p:spTgt spid="4"/>
+                                        </p:tgtEl>
+                                        <p:attrNameLst>
+                                          <p:attrName>style.visibility</p:attrName>
+                                        </p:attrNameLst>
+                                      </p:cBhvr>
+                                      <p:to>
+                                        <p:strVal val="visible"/>
+                                      </p:to>
+                                    </p:set>
+                                  </p:childTnLst>
+                                </p:cTn>
+                              </p:par>
+                              <p:par>
+                                <p:cTn id="23" presetID="1" presetClass="entr" presetSubtype="0" fill="hold" grpId="0" nodeType="withEffect">
+                                  <p:stCondLst>
+                                    <p:cond delay="0"/>
+                                  </p:stCondLst>
+                                  <p:childTnLst>
+                                    <p:set>
+                                      <p:cBhvr>
+                                        <p:cTn id="24" dur="1" fill="hold">
+                                          <p:stCondLst>
+                                            <p:cond delay="0"/>
+                                          </p:stCondLst>
+                                        </p:cTn>
+                                        <p:tgtEl>
+                                          <p:spTgt spid="5"/>
+                                        </p:tgtEl>
+                                        <p:attrNameLst>
+                                          <p:attrName>style.visibility</p:attrName>
+                                        </p:attrNameLst>
+                                      </p:cBhvr>
+                                      <p:to>
+                                        <p:strVal val="visible"/>
+                                      </p:to>
+                                    </p:set>
+                                  </p:childTnLst>
+                                </p:cTn>
+                              </p:par>
+                              <p:par>
+                                <p:cTn id="25" presetID="1" presetClass="entr" presetSubtype="0" fill="hold" grpId="0" nodeType="withEffect">
+                                  <p:stCondLst>
+                                    <p:cond delay="0"/>
+                                  </p:stCondLst>
+                                  <p:childTnLst>
+                                    <p:set>
+                                      <p:cBhvr>
+                                        <p:cTn id="26" dur="1" fill="hold">
+                                          <p:stCondLst>
+                                            <p:cond delay="0"/>
+                                          </p:stCondLst>
+                                        </p:cTn>
+                                        <p:tgtEl>
+                                          <p:spTgt spid="6"/>
+                                        </p:tgtEl>
+                                        <p:attrNameLst>
+                                          <p:attrName>style.visibility</p:attrName>
+                                        </p:attrNameLst>
+                                      </p:cBhvr>
+                                      <p:to>
+                                        <p:strVal val="visible"/>
+                                      </p:to>
+                                    </p:set>
+                                  </p:childTnLst>
+                                </p:cTn>
+                              </p:par>
+                            </p:childTnLst>
+                          </p:cTn>
+                        </p:par>
+                      </p:childTnLst>
+                    </p:cTn>
+                  </p:par>
                 </p:childTnLst>
               </p:cTn>
               <p:prevCondLst>
@@ -26510,6 +27184,10 @@
       <p:bldP spid="12" grpId="1" animBg="1"/>
       <p:bldP spid="14" grpId="0" animBg="1"/>
       <p:bldP spid="14" grpId="1" animBg="1"/>
+      <p:bldP spid="2" grpId="0" animBg="1"/>
+      <p:bldP spid="4" grpId="0" animBg="1"/>
+      <p:bldP spid="5" grpId="0"/>
+      <p:bldP spid="6" grpId="0"/>
     </p:bldLst>
   </p:timing>
 </p:sld>

--- a/slides/2_oo_background.pptx
+++ b/slides/2_oo_background.pptx
@@ -5,57 +5,59 @@
     <p:sldMasterId id="2147483704" r:id="rId1"/>
   </p:sldMasterIdLst>
   <p:notesMasterIdLst>
-    <p:notesMasterId r:id="rId47"/>
+    <p:notesMasterId r:id="rId49"/>
   </p:notesMasterIdLst>
   <p:handoutMasterIdLst>
-    <p:handoutMasterId r:id="rId48"/>
+    <p:handoutMasterId r:id="rId50"/>
   </p:handoutMasterIdLst>
   <p:sldIdLst>
     <p:sldId id="256" r:id="rId2"/>
     <p:sldId id="324" r:id="rId3"/>
     <p:sldId id="325" r:id="rId4"/>
-    <p:sldId id="275" r:id="rId5"/>
-    <p:sldId id="276" r:id="rId6"/>
-    <p:sldId id="266" r:id="rId7"/>
-    <p:sldId id="278" r:id="rId8"/>
-    <p:sldId id="326" r:id="rId9"/>
-    <p:sldId id="262" r:id="rId10"/>
-    <p:sldId id="263" r:id="rId11"/>
-    <p:sldId id="329" r:id="rId12"/>
-    <p:sldId id="327" r:id="rId13"/>
-    <p:sldId id="280" r:id="rId14"/>
-    <p:sldId id="282" r:id="rId15"/>
-    <p:sldId id="286" r:id="rId16"/>
-    <p:sldId id="283" r:id="rId17"/>
-    <p:sldId id="351" r:id="rId18"/>
-    <p:sldId id="330" r:id="rId19"/>
-    <p:sldId id="331" r:id="rId20"/>
-    <p:sldId id="332" r:id="rId21"/>
-    <p:sldId id="333" r:id="rId22"/>
-    <p:sldId id="335" r:id="rId23"/>
-    <p:sldId id="336" r:id="rId24"/>
-    <p:sldId id="337" r:id="rId25"/>
-    <p:sldId id="338" r:id="rId26"/>
-    <p:sldId id="339" r:id="rId27"/>
-    <p:sldId id="340" r:id="rId28"/>
-    <p:sldId id="341" r:id="rId29"/>
-    <p:sldId id="342" r:id="rId30"/>
-    <p:sldId id="328" r:id="rId31"/>
-    <p:sldId id="343" r:id="rId32"/>
-    <p:sldId id="345" r:id="rId33"/>
-    <p:sldId id="346" r:id="rId34"/>
-    <p:sldId id="347" r:id="rId35"/>
-    <p:sldId id="348" r:id="rId36"/>
-    <p:sldId id="349" r:id="rId37"/>
-    <p:sldId id="344" r:id="rId38"/>
-    <p:sldId id="316" r:id="rId39"/>
-    <p:sldId id="317" r:id="rId40"/>
-    <p:sldId id="318" r:id="rId41"/>
-    <p:sldId id="321" r:id="rId42"/>
-    <p:sldId id="320" r:id="rId43"/>
-    <p:sldId id="350" r:id="rId44"/>
-    <p:sldId id="287" r:id="rId45"/>
-    <p:sldId id="260" r:id="rId46"/>
+    <p:sldId id="352" r:id="rId5"/>
+    <p:sldId id="275" r:id="rId6"/>
+    <p:sldId id="276" r:id="rId7"/>
+    <p:sldId id="266" r:id="rId8"/>
+    <p:sldId id="278" r:id="rId9"/>
+    <p:sldId id="326" r:id="rId10"/>
+    <p:sldId id="262" r:id="rId11"/>
+    <p:sldId id="263" r:id="rId12"/>
+    <p:sldId id="329" r:id="rId13"/>
+    <p:sldId id="327" r:id="rId14"/>
+    <p:sldId id="280" r:id="rId15"/>
+    <p:sldId id="282" r:id="rId16"/>
+    <p:sldId id="286" r:id="rId17"/>
+    <p:sldId id="283" r:id="rId18"/>
+    <p:sldId id="351" r:id="rId19"/>
+    <p:sldId id="330" r:id="rId20"/>
+    <p:sldId id="331" r:id="rId21"/>
+    <p:sldId id="332" r:id="rId22"/>
+    <p:sldId id="333" r:id="rId23"/>
+    <p:sldId id="335" r:id="rId24"/>
+    <p:sldId id="336" r:id="rId25"/>
+    <p:sldId id="337" r:id="rId26"/>
+    <p:sldId id="338" r:id="rId27"/>
+    <p:sldId id="339" r:id="rId28"/>
+    <p:sldId id="353" r:id="rId29"/>
+    <p:sldId id="340" r:id="rId30"/>
+    <p:sldId id="355" r:id="rId31"/>
+    <p:sldId id="342" r:id="rId32"/>
+    <p:sldId id="328" r:id="rId33"/>
+    <p:sldId id="343" r:id="rId34"/>
+    <p:sldId id="345" r:id="rId35"/>
+    <p:sldId id="346" r:id="rId36"/>
+    <p:sldId id="347" r:id="rId37"/>
+    <p:sldId id="348" r:id="rId38"/>
+    <p:sldId id="349" r:id="rId39"/>
+    <p:sldId id="344" r:id="rId40"/>
+    <p:sldId id="316" r:id="rId41"/>
+    <p:sldId id="317" r:id="rId42"/>
+    <p:sldId id="318" r:id="rId43"/>
+    <p:sldId id="321" r:id="rId44"/>
+    <p:sldId id="320" r:id="rId45"/>
+    <p:sldId id="350" r:id="rId46"/>
+    <p:sldId id="287" r:id="rId47"/>
+    <p:sldId id="260" r:id="rId48"/>
   </p:sldIdLst>
   <p:sldSz cx="12192000" cy="6858000"/>
   <p:notesSz cx="6858000" cy="9144000"/>
@@ -812,6 +814,314 @@
 </p:notes>
 </file>
 
+<file path=ppt/notesSlides/notesSlide10.xml><?xml version="1.0" encoding="utf-8"?>
+<p:notes xmlns:a="http://schemas.openxmlformats.org/drawingml/2006/main" xmlns:r="http://schemas.openxmlformats.org/officeDocument/2006/relationships" xmlns:p="http://schemas.openxmlformats.org/presentationml/2006/main">
+  <p:cSld>
+    <p:spTree>
+      <p:nvGrpSpPr>
+        <p:cNvPr id="1" name=""/>
+        <p:cNvGrpSpPr/>
+        <p:nvPr/>
+      </p:nvGrpSpPr>
+      <p:grpSpPr>
+        <a:xfrm>
+          <a:off x="0" y="0"/>
+          <a:ext cx="0" cy="0"/>
+          <a:chOff x="0" y="0"/>
+          <a:chExt cx="0" cy="0"/>
+        </a:xfrm>
+      </p:grpSpPr>
+      <p:sp>
+        <p:nvSpPr>
+          <p:cNvPr id="2" name="Slide Image Placeholder 1"/>
+          <p:cNvSpPr>
+            <a:spLocks noGrp="1" noRot="1" noChangeAspect="1"/>
+          </p:cNvSpPr>
+          <p:nvPr>
+            <p:ph type="sldImg"/>
+          </p:nvPr>
+        </p:nvSpPr>
+        <p:spPr/>
+      </p:sp>
+      <p:sp>
+        <p:nvSpPr>
+          <p:cNvPr id="3" name="Notes Placeholder 2"/>
+          <p:cNvSpPr>
+            <a:spLocks noGrp="1"/>
+          </p:cNvSpPr>
+          <p:nvPr>
+            <p:ph type="body" idx="1"/>
+          </p:nvPr>
+        </p:nvSpPr>
+        <p:spPr/>
+        <p:txBody>
+          <a:bodyPr/>
+          <a:lstStyle/>
+          <a:p>
+            <a:r>
+              <a:rPr lang="en-US" dirty="0"/>
+              <a:t>- Look at an obviously bad solution</a:t>
+            </a:r>
+          </a:p>
+        </p:txBody>
+      </p:sp>
+    </p:spTree>
+    <p:extLst>
+      <p:ext uri="{BB962C8B-B14F-4D97-AF65-F5344CB8AC3E}">
+        <p14:creationId xmlns:p14="http://schemas.microsoft.com/office/powerpoint/2010/main" val="1739602838"/>
+      </p:ext>
+    </p:extLst>
+  </p:cSld>
+  <p:clrMapOvr>
+    <a:masterClrMapping/>
+  </p:clrMapOvr>
+</p:notes>
+</file>
+
+<file path=ppt/notesSlides/notesSlide11.xml><?xml version="1.0" encoding="utf-8"?>
+<p:notes xmlns:a="http://schemas.openxmlformats.org/drawingml/2006/main" xmlns:r="http://schemas.openxmlformats.org/officeDocument/2006/relationships" xmlns:p="http://schemas.openxmlformats.org/presentationml/2006/main">
+  <p:cSld>
+    <p:spTree>
+      <p:nvGrpSpPr>
+        <p:cNvPr id="1" name=""/>
+        <p:cNvGrpSpPr/>
+        <p:nvPr/>
+      </p:nvGrpSpPr>
+      <p:grpSpPr>
+        <a:xfrm>
+          <a:off x="0" y="0"/>
+          <a:ext cx="0" cy="0"/>
+          <a:chOff x="0" y="0"/>
+          <a:chExt cx="0" cy="0"/>
+        </a:xfrm>
+      </p:grpSpPr>
+      <p:sp>
+        <p:nvSpPr>
+          <p:cNvPr id="2" name="Slide Image Placeholder 1"/>
+          <p:cNvSpPr>
+            <a:spLocks noGrp="1" noRot="1" noChangeAspect="1"/>
+          </p:cNvSpPr>
+          <p:nvPr>
+            <p:ph type="sldImg"/>
+          </p:nvPr>
+        </p:nvSpPr>
+        <p:spPr/>
+      </p:sp>
+      <p:sp>
+        <p:nvSpPr>
+          <p:cNvPr id="3" name="Notes Placeholder 2"/>
+          <p:cNvSpPr>
+            <a:spLocks noGrp="1"/>
+          </p:cNvSpPr>
+          <p:nvPr>
+            <p:ph type="body" idx="1"/>
+          </p:nvPr>
+        </p:nvSpPr>
+        <p:spPr/>
+        <p:txBody>
+          <a:bodyPr/>
+          <a:lstStyle/>
+          <a:p>
+            <a:endParaRPr lang="en-US" dirty="0"/>
+          </a:p>
+        </p:txBody>
+      </p:sp>
+    </p:spTree>
+    <p:extLst>
+      <p:ext uri="{BB962C8B-B14F-4D97-AF65-F5344CB8AC3E}">
+        <p14:creationId xmlns:p14="http://schemas.microsoft.com/office/powerpoint/2010/main" val="208798109"/>
+      </p:ext>
+    </p:extLst>
+  </p:cSld>
+  <p:clrMapOvr>
+    <a:masterClrMapping/>
+  </p:clrMapOvr>
+</p:notes>
+</file>
+
+<file path=ppt/notesSlides/notesSlide12.xml><?xml version="1.0" encoding="utf-8"?>
+<p:notes xmlns:a="http://schemas.openxmlformats.org/drawingml/2006/main" xmlns:r="http://schemas.openxmlformats.org/officeDocument/2006/relationships" xmlns:p="http://schemas.openxmlformats.org/presentationml/2006/main">
+  <p:cSld>
+    <p:spTree>
+      <p:nvGrpSpPr>
+        <p:cNvPr id="1" name=""/>
+        <p:cNvGrpSpPr/>
+        <p:nvPr/>
+      </p:nvGrpSpPr>
+      <p:grpSpPr>
+        <a:xfrm>
+          <a:off x="0" y="0"/>
+          <a:ext cx="0" cy="0"/>
+          <a:chOff x="0" y="0"/>
+          <a:chExt cx="0" cy="0"/>
+        </a:xfrm>
+      </p:grpSpPr>
+      <p:sp>
+        <p:nvSpPr>
+          <p:cNvPr id="2" name="Slide Image Placeholder 1"/>
+          <p:cNvSpPr>
+            <a:spLocks noGrp="1" noRot="1" noChangeAspect="1"/>
+          </p:cNvSpPr>
+          <p:nvPr>
+            <p:ph type="sldImg"/>
+          </p:nvPr>
+        </p:nvSpPr>
+        <p:spPr/>
+      </p:sp>
+      <p:sp>
+        <p:nvSpPr>
+          <p:cNvPr id="3" name="Notes Placeholder 2"/>
+          <p:cNvSpPr>
+            <a:spLocks noGrp="1"/>
+          </p:cNvSpPr>
+          <p:nvPr>
+            <p:ph type="body" idx="1"/>
+          </p:nvPr>
+        </p:nvSpPr>
+        <p:spPr/>
+        <p:txBody>
+          <a:bodyPr/>
+          <a:lstStyle/>
+          <a:p>
+            <a:endParaRPr lang="en-US" dirty="0"/>
+          </a:p>
+        </p:txBody>
+      </p:sp>
+    </p:spTree>
+    <p:extLst>
+      <p:ext uri="{BB962C8B-B14F-4D97-AF65-F5344CB8AC3E}">
+        <p14:creationId xmlns:p14="http://schemas.microsoft.com/office/powerpoint/2010/main" val="3198060135"/>
+      </p:ext>
+    </p:extLst>
+  </p:cSld>
+  <p:clrMapOvr>
+    <a:masterClrMapping/>
+  </p:clrMapOvr>
+</p:notes>
+</file>
+
+<file path=ppt/notesSlides/notesSlide13.xml><?xml version="1.0" encoding="utf-8"?>
+<p:notes xmlns:a="http://schemas.openxmlformats.org/drawingml/2006/main" xmlns:r="http://schemas.openxmlformats.org/officeDocument/2006/relationships" xmlns:p="http://schemas.openxmlformats.org/presentationml/2006/main">
+  <p:cSld>
+    <p:spTree>
+      <p:nvGrpSpPr>
+        <p:cNvPr id="1" name=""/>
+        <p:cNvGrpSpPr/>
+        <p:nvPr/>
+      </p:nvGrpSpPr>
+      <p:grpSpPr>
+        <a:xfrm>
+          <a:off x="0" y="0"/>
+          <a:ext cx="0" cy="0"/>
+          <a:chOff x="0" y="0"/>
+          <a:chExt cx="0" cy="0"/>
+        </a:xfrm>
+      </p:grpSpPr>
+      <p:sp>
+        <p:nvSpPr>
+          <p:cNvPr id="2" name="Slide Image Placeholder 1"/>
+          <p:cNvSpPr>
+            <a:spLocks noGrp="1" noRot="1" noChangeAspect="1"/>
+          </p:cNvSpPr>
+          <p:nvPr>
+            <p:ph type="sldImg"/>
+          </p:nvPr>
+        </p:nvSpPr>
+        <p:spPr/>
+      </p:sp>
+      <p:sp>
+        <p:nvSpPr>
+          <p:cNvPr id="3" name="Notes Placeholder 2"/>
+          <p:cNvSpPr>
+            <a:spLocks noGrp="1"/>
+          </p:cNvSpPr>
+          <p:nvPr>
+            <p:ph type="body" idx="1"/>
+          </p:nvPr>
+        </p:nvSpPr>
+        <p:spPr/>
+        <p:txBody>
+          <a:bodyPr/>
+          <a:lstStyle/>
+          <a:p>
+            <a:endParaRPr lang="en-US" dirty="0"/>
+          </a:p>
+        </p:txBody>
+      </p:sp>
+    </p:spTree>
+    <p:extLst>
+      <p:ext uri="{BB962C8B-B14F-4D97-AF65-F5344CB8AC3E}">
+        <p14:creationId xmlns:p14="http://schemas.microsoft.com/office/powerpoint/2010/main" val="3178866938"/>
+      </p:ext>
+    </p:extLst>
+  </p:cSld>
+  <p:clrMapOvr>
+    <a:masterClrMapping/>
+  </p:clrMapOvr>
+</p:notes>
+</file>
+
+<file path=ppt/notesSlides/notesSlide14.xml><?xml version="1.0" encoding="utf-8"?>
+<p:notes xmlns:a="http://schemas.openxmlformats.org/drawingml/2006/main" xmlns:r="http://schemas.openxmlformats.org/officeDocument/2006/relationships" xmlns:p="http://schemas.openxmlformats.org/presentationml/2006/main">
+  <p:cSld>
+    <p:spTree>
+      <p:nvGrpSpPr>
+        <p:cNvPr id="1" name=""/>
+        <p:cNvGrpSpPr/>
+        <p:nvPr/>
+      </p:nvGrpSpPr>
+      <p:grpSpPr>
+        <a:xfrm>
+          <a:off x="0" y="0"/>
+          <a:ext cx="0" cy="0"/>
+          <a:chOff x="0" y="0"/>
+          <a:chExt cx="0" cy="0"/>
+        </a:xfrm>
+      </p:grpSpPr>
+      <p:sp>
+        <p:nvSpPr>
+          <p:cNvPr id="2" name="Slide Image Placeholder 1"/>
+          <p:cNvSpPr>
+            <a:spLocks noGrp="1" noRot="1" noChangeAspect="1"/>
+          </p:cNvSpPr>
+          <p:nvPr>
+            <p:ph type="sldImg"/>
+          </p:nvPr>
+        </p:nvSpPr>
+        <p:spPr/>
+      </p:sp>
+      <p:sp>
+        <p:nvSpPr>
+          <p:cNvPr id="3" name="Notes Placeholder 2"/>
+          <p:cNvSpPr>
+            <a:spLocks noGrp="1"/>
+          </p:cNvSpPr>
+          <p:nvPr>
+            <p:ph type="body" idx="1"/>
+          </p:nvPr>
+        </p:nvSpPr>
+        <p:spPr/>
+        <p:txBody>
+          <a:bodyPr/>
+          <a:lstStyle/>
+          <a:p>
+            <a:endParaRPr lang="en-US" dirty="0"/>
+          </a:p>
+        </p:txBody>
+      </p:sp>
+    </p:spTree>
+    <p:extLst>
+      <p:ext uri="{BB962C8B-B14F-4D97-AF65-F5344CB8AC3E}">
+        <p14:creationId xmlns:p14="http://schemas.microsoft.com/office/powerpoint/2010/main" val="2230215680"/>
+      </p:ext>
+    </p:extLst>
+  </p:cSld>
+  <p:clrMapOvr>
+    <a:masterClrMapping/>
+  </p:clrMapOvr>
+</p:notes>
+</file>
+
 <file path=ppt/notesSlides/notesSlide2.xml><?xml version="1.0" encoding="utf-8"?>
 <p:notes xmlns:a="http://schemas.openxmlformats.org/drawingml/2006/main" xmlns:r="http://schemas.openxmlformats.org/officeDocument/2006/relationships" xmlns:p="http://schemas.openxmlformats.org/presentationml/2006/main">
   <p:cSld>
@@ -856,14 +1166,17 @@
           <a:bodyPr/>
           <a:lstStyle/>
           <a:p>
-            <a:endParaRPr lang="en-US" b="1" dirty="0"/>
+            <a:r>
+              <a:rPr lang="en-US" dirty="0"/>
+              <a:t>- Set you up for HW1</a:t>
+            </a:r>
           </a:p>
         </p:txBody>
       </p:sp>
     </p:spTree>
     <p:extLst>
       <p:ext uri="{BB962C8B-B14F-4D97-AF65-F5344CB8AC3E}">
-        <p14:creationId xmlns:p14="http://schemas.microsoft.com/office/powerpoint/2010/main" val="981832750"/>
+        <p14:creationId xmlns:p14="http://schemas.microsoft.com/office/powerpoint/2010/main" val="1495544565"/>
       </p:ext>
     </p:extLst>
   </p:cSld>
@@ -917,17 +1230,14 @@
           <a:bodyPr/>
           <a:lstStyle/>
           <a:p>
-            <a:r>
-              <a:rPr lang="en-US" dirty="0"/>
-              <a:t>- Will have code … slow down?</a:t>
-            </a:r>
+            <a:endParaRPr lang="en-US" b="1" dirty="0"/>
           </a:p>
         </p:txBody>
       </p:sp>
     </p:spTree>
     <p:extLst>
       <p:ext uri="{BB962C8B-B14F-4D97-AF65-F5344CB8AC3E}">
-        <p14:creationId xmlns:p14="http://schemas.microsoft.com/office/powerpoint/2010/main" val="2565168983"/>
+        <p14:creationId xmlns:p14="http://schemas.microsoft.com/office/powerpoint/2010/main" val="981832750"/>
       </p:ext>
     </p:extLst>
   </p:cSld>
@@ -981,14 +1291,17 @@
           <a:bodyPr/>
           <a:lstStyle/>
           <a:p>
-            <a:endParaRPr lang="en-US" dirty="0"/>
+            <a:r>
+              <a:rPr lang="en-US" dirty="0"/>
+              <a:t>- Will have code … slow down?</a:t>
+            </a:r>
           </a:p>
         </p:txBody>
       </p:sp>
     </p:spTree>
     <p:extLst>
       <p:ext uri="{BB962C8B-B14F-4D97-AF65-F5344CB8AC3E}">
-        <p14:creationId xmlns:p14="http://schemas.microsoft.com/office/powerpoint/2010/main" val="3210556764"/>
+        <p14:creationId xmlns:p14="http://schemas.microsoft.com/office/powerpoint/2010/main" val="2565168983"/>
       </p:ext>
     </p:extLst>
   </p:cSld>
@@ -1049,7 +1362,7 @@
     </p:spTree>
     <p:extLst>
       <p:ext uri="{BB962C8B-B14F-4D97-AF65-F5344CB8AC3E}">
-        <p14:creationId xmlns:p14="http://schemas.microsoft.com/office/powerpoint/2010/main" val="750106617"/>
+        <p14:creationId xmlns:p14="http://schemas.microsoft.com/office/powerpoint/2010/main" val="3210556764"/>
       </p:ext>
     </p:extLst>
   </p:cSld>
@@ -1110,7 +1423,7 @@
     </p:spTree>
     <p:extLst>
       <p:ext uri="{BB962C8B-B14F-4D97-AF65-F5344CB8AC3E}">
-        <p14:creationId xmlns:p14="http://schemas.microsoft.com/office/powerpoint/2010/main" val="2361469570"/>
+        <p14:creationId xmlns:p14="http://schemas.microsoft.com/office/powerpoint/2010/main" val="750106617"/>
       </p:ext>
     </p:extLst>
   </p:cSld>
@@ -1164,14 +1477,31 @@
           <a:bodyPr/>
           <a:lstStyle/>
           <a:p>
-            <a:endParaRPr lang="en-US" dirty="0"/>
+            <a:pPr marL="171450" indent="-171450">
+              <a:buFontTx/>
+              <a:buChar char="-"/>
+            </a:pPr>
+            <a:r>
+              <a:rPr lang="en-US" dirty="0"/>
+              <a:t>For completeness</a:t>
+            </a:r>
+          </a:p>
+          <a:p>
+            <a:pPr marL="171450" indent="-171450">
+              <a:buFontTx/>
+              <a:buChar char="-"/>
+            </a:pPr>
+            <a:r>
+              <a:rPr lang="en-US" dirty="0"/>
+              <a:t>C supports it</a:t>
+            </a:r>
           </a:p>
         </p:txBody>
       </p:sp>
     </p:spTree>
     <p:extLst>
       <p:ext uri="{BB962C8B-B14F-4D97-AF65-F5344CB8AC3E}">
-        <p14:creationId xmlns:p14="http://schemas.microsoft.com/office/powerpoint/2010/main" val="3198060135"/>
+        <p14:creationId xmlns:p14="http://schemas.microsoft.com/office/powerpoint/2010/main" val="878684205"/>
       </p:ext>
     </p:extLst>
   </p:cSld>
@@ -1225,14 +1555,31 @@
           <a:bodyPr/>
           <a:lstStyle/>
           <a:p>
-            <a:endParaRPr lang="en-US" dirty="0"/>
+            <a:pPr marL="171450" indent="-171450">
+              <a:buFontTx/>
+              <a:buChar char="-"/>
+            </a:pPr>
+            <a:r>
+              <a:rPr lang="en-US" dirty="0"/>
+              <a:t>Going back to our code</a:t>
+            </a:r>
+          </a:p>
+          <a:p>
+            <a:pPr marL="171450" indent="-171450">
+              <a:buFontTx/>
+              <a:buChar char="-"/>
+            </a:pPr>
+            <a:r>
+              <a:rPr lang="en-US" dirty="0"/>
+              <a:t>Do we want to prevent the instantiation of Vehicle?</a:t>
+            </a:r>
           </a:p>
         </p:txBody>
       </p:sp>
     </p:spTree>
     <p:extLst>
       <p:ext uri="{BB962C8B-B14F-4D97-AF65-F5344CB8AC3E}">
-        <p14:creationId xmlns:p14="http://schemas.microsoft.com/office/powerpoint/2010/main" val="3178866938"/>
+        <p14:creationId xmlns:p14="http://schemas.microsoft.com/office/powerpoint/2010/main" val="563455655"/>
       </p:ext>
     </p:extLst>
   </p:cSld>
@@ -1293,7 +1640,7 @@
     </p:spTree>
     <p:extLst>
       <p:ext uri="{BB962C8B-B14F-4D97-AF65-F5344CB8AC3E}">
-        <p14:creationId xmlns:p14="http://schemas.microsoft.com/office/powerpoint/2010/main" val="2230215680"/>
+        <p14:creationId xmlns:p14="http://schemas.microsoft.com/office/powerpoint/2010/main" val="2361469570"/>
       </p:ext>
     </p:extLst>
   </p:cSld>
@@ -4499,6 +4846,770 @@
           <p:cNvPr id="2" name="Content Placeholder 1">
             <a:extLst>
               <a:ext uri="{FF2B5EF4-FFF2-40B4-BE49-F238E27FC236}">
+                <a16:creationId xmlns:a16="http://schemas.microsoft.com/office/drawing/2014/main" id="{4B5B0134-08BC-B800-C16A-BF11B1ED52DF}"/>
+              </a:ext>
+            </a:extLst>
+          </p:cNvPr>
+          <p:cNvSpPr>
+            <a:spLocks noGrp="1"/>
+          </p:cNvSpPr>
+          <p:nvPr>
+            <p:ph idx="1"/>
+          </p:nvPr>
+        </p:nvSpPr>
+        <p:spPr/>
+        <p:txBody>
+          <a:bodyPr>
+            <a:normAutofit/>
+          </a:bodyPr>
+          <a:lstStyle/>
+          <a:p>
+            <a:pPr lvl="0"/>
+            <a:r>
+              <a:rPr lang="en-US" noProof="0" dirty="0"/>
+              <a:t>public class Car {</a:t>
+            </a:r>
+          </a:p>
+          <a:p>
+            <a:pPr lvl="0"/>
+            <a:r>
+              <a:rPr lang="en-US" noProof="0" dirty="0"/>
+              <a:t>    private String model;</a:t>
+            </a:r>
+          </a:p>
+          <a:p>
+            <a:pPr lvl="0"/>
+            <a:r>
+              <a:rPr lang="en-US" noProof="0" dirty="0"/>
+              <a:t>    private int year;</a:t>
+            </a:r>
+          </a:p>
+          <a:p>
+            <a:pPr lvl="0"/>
+            <a:r>
+              <a:rPr lang="en-US" noProof="0" dirty="0"/>
+              <a:t>    private int mileage;</a:t>
+            </a:r>
+          </a:p>
+          <a:p>
+            <a:pPr lvl="0"/>
+            <a:r>
+              <a:rPr lang="en-US" dirty="0"/>
+              <a:t>    </a:t>
+            </a:r>
+            <a:r>
+              <a:rPr lang="en-US" noProof="0" dirty="0"/>
+              <a:t>public void start() { …}</a:t>
+            </a:r>
+          </a:p>
+          <a:p>
+            <a:pPr lvl="0"/>
+            <a:r>
+              <a:rPr lang="en-US" noProof="0" dirty="0"/>
+              <a:t>    public void stop() { … }</a:t>
+            </a:r>
+          </a:p>
+          <a:p>
+            <a:pPr lvl="0"/>
+            <a:r>
+              <a:rPr lang="en-US" noProof="0" dirty="0"/>
+              <a:t>    public void accelerate() { … }</a:t>
+            </a:r>
+          </a:p>
+          <a:p>
+            <a:pPr lvl="0"/>
+            <a:r>
+              <a:rPr lang="en-US" noProof="0" dirty="0"/>
+              <a:t>    public void brake() { … }</a:t>
+            </a:r>
+            <a:r>
+              <a:rPr lang="en-US" dirty="0"/>
+              <a:t> </a:t>
+            </a:r>
+          </a:p>
+          <a:p>
+            <a:pPr lvl="0"/>
+            <a:r>
+              <a:rPr lang="en-US" noProof="0" dirty="0"/>
+              <a:t>}</a:t>
+            </a:r>
+          </a:p>
+          <a:p>
+            <a:pPr lvl="0"/>
+            <a:endParaRPr lang="en-US" dirty="0"/>
+          </a:p>
+          <a:p>
+            <a:pPr lvl="0"/>
+            <a:r>
+              <a:rPr lang="en-US" noProof="0" dirty="0"/>
+              <a:t>public class Bicycle {</a:t>
+            </a:r>
+          </a:p>
+          <a:p>
+            <a:pPr lvl="0"/>
+            <a:r>
+              <a:rPr lang="en-US" dirty="0"/>
+              <a:t>    private String model;</a:t>
+            </a:r>
+          </a:p>
+          <a:p>
+            <a:pPr lvl="0"/>
+            <a:r>
+              <a:rPr lang="en-US" noProof="0" dirty="0"/>
+              <a:t>    private int year;</a:t>
+            </a:r>
+            <a:br>
+              <a:rPr lang="en-US" noProof="0" dirty="0"/>
+            </a:br>
+            <a:r>
+              <a:rPr lang="en-US" noProof="0" dirty="0"/>
+              <a:t>    public void start() { …}</a:t>
+            </a:r>
+          </a:p>
+          <a:p>
+            <a:pPr lvl="0"/>
+            <a:r>
+              <a:rPr lang="en-US" noProof="0" dirty="0"/>
+              <a:t>    public void stop() { … }</a:t>
+            </a:r>
+          </a:p>
+          <a:p>
+            <a:pPr lvl="0"/>
+            <a:r>
+              <a:rPr lang="en-US" noProof="0" dirty="0"/>
+              <a:t>    public void accelerate() { … }</a:t>
+            </a:r>
+          </a:p>
+          <a:p>
+            <a:pPr lvl="0"/>
+            <a:r>
+              <a:rPr lang="en-US" noProof="0" dirty="0"/>
+              <a:t>    public void brake() { … }</a:t>
+            </a:r>
+          </a:p>
+          <a:p>
+            <a:pPr lvl="0"/>
+            <a:r>
+              <a:rPr lang="en-US" dirty="0"/>
+              <a:t>    public void </a:t>
+            </a:r>
+            <a:r>
+              <a:rPr lang="en-US" dirty="0" err="1"/>
+              <a:t>ringBell</a:t>
+            </a:r>
+            <a:r>
+              <a:rPr lang="en-US" dirty="0"/>
+              <a:t>() { … }</a:t>
+            </a:r>
+            <a:br>
+              <a:rPr lang="en-US" noProof="0" dirty="0"/>
+            </a:br>
+            <a:r>
+              <a:rPr lang="en-US" noProof="0" dirty="0"/>
+              <a:t>}</a:t>
+            </a:r>
+          </a:p>
+          <a:p>
+            <a:pPr lvl="0"/>
+            <a:r>
+              <a:rPr lang="en-US" noProof="0" dirty="0"/>
+              <a:t>    </a:t>
+            </a:r>
+          </a:p>
+          <a:p>
+            <a:endParaRPr lang="en-US" dirty="0"/>
+          </a:p>
+        </p:txBody>
+      </p:sp>
+      <p:sp>
+        <p:nvSpPr>
+          <p:cNvPr id="3" name="Title 2">
+            <a:extLst>
+              <a:ext uri="{FF2B5EF4-FFF2-40B4-BE49-F238E27FC236}">
+                <a16:creationId xmlns:a16="http://schemas.microsoft.com/office/drawing/2014/main" id="{7B8EF271-C053-1020-1224-2986697AB9FE}"/>
+              </a:ext>
+            </a:extLst>
+          </p:cNvPr>
+          <p:cNvSpPr>
+            <a:spLocks noGrp="1"/>
+          </p:cNvSpPr>
+          <p:nvPr>
+            <p:ph type="title"/>
+          </p:nvPr>
+        </p:nvSpPr>
+        <p:spPr/>
+        <p:txBody>
+          <a:bodyPr/>
+          <a:lstStyle/>
+          <a:p>
+            <a:r>
+              <a:rPr lang="en-US" dirty="0"/>
+              <a:t>Inheritance</a:t>
+            </a:r>
+          </a:p>
+        </p:txBody>
+      </p:sp>
+      <p:sp>
+        <p:nvSpPr>
+          <p:cNvPr id="12" name="Content Placeholder 11">
+            <a:extLst>
+              <a:ext uri="{FF2B5EF4-FFF2-40B4-BE49-F238E27FC236}">
+                <a16:creationId xmlns:a16="http://schemas.microsoft.com/office/drawing/2014/main" id="{867879F0-99C8-237F-F115-36413EFC1AF2}"/>
+              </a:ext>
+            </a:extLst>
+          </p:cNvPr>
+          <p:cNvSpPr>
+            <a:spLocks noGrp="1"/>
+          </p:cNvSpPr>
+          <p:nvPr>
+            <p:ph idx="13"/>
+          </p:nvPr>
+        </p:nvSpPr>
+        <p:spPr/>
+        <p:txBody>
+          <a:bodyPr/>
+          <a:lstStyle/>
+          <a:p>
+            <a:r>
+              <a:rPr lang="en-US" dirty="0"/>
+              <a:t>Reuse code</a:t>
+            </a:r>
+          </a:p>
+        </p:txBody>
+      </p:sp>
+      <p:pic>
+        <p:nvPicPr>
+          <p:cNvPr id="5" name="Picture 2" descr="Best Cars of 2024 and 2025 - Top-Rated New Cars Ranked | KBB.com">
+            <a:extLst>
+              <a:ext uri="{FF2B5EF4-FFF2-40B4-BE49-F238E27FC236}">
+                <a16:creationId xmlns:a16="http://schemas.microsoft.com/office/drawing/2014/main" id="{1EE587AC-F2B5-BD07-E604-11AEF7BD249A}"/>
+              </a:ext>
+            </a:extLst>
+          </p:cNvPr>
+          <p:cNvPicPr>
+            <a:picLocks noChangeAspect="1" noChangeArrowheads="1"/>
+          </p:cNvPicPr>
+          <p:nvPr/>
+        </p:nvPicPr>
+        <p:blipFill>
+          <a:blip r:embed="rId3" cstate="print">
+            <a:extLst>
+              <a:ext uri="{28A0092B-C50C-407E-A947-70E740481C1C}">
+                <a14:useLocalDpi xmlns:a14="http://schemas.microsoft.com/office/drawing/2010/main" val="0"/>
+              </a:ext>
+            </a:extLst>
+          </a:blip>
+          <a:srcRect/>
+          <a:stretch>
+            <a:fillRect/>
+          </a:stretch>
+        </p:blipFill>
+        <p:spPr bwMode="auto">
+          <a:xfrm>
+            <a:off x="872419" y="1900954"/>
+            <a:ext cx="3330859" cy="1347957"/>
+          </a:xfrm>
+          <a:prstGeom prst="rect">
+            <a:avLst/>
+          </a:prstGeom>
+          <a:noFill/>
+          <a:extLst>
+            <a:ext uri="{909E8E84-426E-40DD-AFC4-6F175D3DCCD1}">
+              <a14:hiddenFill xmlns:a14="http://schemas.microsoft.com/office/drawing/2010/main">
+                <a:solidFill>
+                  <a:srgbClr val="FFFFFF"/>
+                </a:solidFill>
+              </a14:hiddenFill>
+            </a:ext>
+          </a:extLst>
+        </p:spPr>
+      </p:pic>
+      <p:pic>
+        <p:nvPicPr>
+          <p:cNvPr id="6" name="Picture 8" descr="Roll: Bicycle Company A:1 Adventure Bike">
+            <a:extLst>
+              <a:ext uri="{FF2B5EF4-FFF2-40B4-BE49-F238E27FC236}">
+                <a16:creationId xmlns:a16="http://schemas.microsoft.com/office/drawing/2014/main" id="{06D4856A-7D4A-354A-263C-FB6B245F16A6}"/>
+              </a:ext>
+            </a:extLst>
+          </p:cNvPr>
+          <p:cNvPicPr>
+            <a:picLocks noChangeAspect="1" noChangeArrowheads="1"/>
+          </p:cNvPicPr>
+          <p:nvPr/>
+        </p:nvPicPr>
+        <p:blipFill>
+          <a:blip r:embed="rId4" cstate="print">
+            <a:extLst>
+              <a:ext uri="{28A0092B-C50C-407E-A947-70E740481C1C}">
+                <a14:useLocalDpi xmlns:a14="http://schemas.microsoft.com/office/drawing/2010/main" val="0"/>
+              </a:ext>
+            </a:extLst>
+          </a:blip>
+          <a:srcRect/>
+          <a:stretch>
+            <a:fillRect/>
+          </a:stretch>
+        </p:blipFill>
+        <p:spPr bwMode="auto">
+          <a:xfrm>
+            <a:off x="727376" y="3609089"/>
+            <a:ext cx="3527778" cy="2116667"/>
+          </a:xfrm>
+          <a:prstGeom prst="rect">
+            <a:avLst/>
+          </a:prstGeom>
+          <a:noFill/>
+          <a:extLst>
+            <a:ext uri="{909E8E84-426E-40DD-AFC4-6F175D3DCCD1}">
+              <a14:hiddenFill xmlns:a14="http://schemas.microsoft.com/office/drawing/2010/main">
+                <a:solidFill>
+                  <a:srgbClr val="FFFFFF"/>
+                </a:solidFill>
+              </a14:hiddenFill>
+            </a:ext>
+          </a:extLst>
+        </p:spPr>
+      </p:pic>
+      <p:sp>
+        <p:nvSpPr>
+          <p:cNvPr id="7" name="TextBox 6">
+            <a:extLst>
+              <a:ext uri="{FF2B5EF4-FFF2-40B4-BE49-F238E27FC236}">
+                <a16:creationId xmlns:a16="http://schemas.microsoft.com/office/drawing/2014/main" id="{0AFB7A62-7546-4251-5907-6F90188952BB}"/>
+              </a:ext>
+            </a:extLst>
+          </p:cNvPr>
+          <p:cNvSpPr txBox="1"/>
+          <p:nvPr/>
+        </p:nvSpPr>
+        <p:spPr>
+          <a:xfrm>
+            <a:off x="9206963" y="1123830"/>
+            <a:ext cx="2485304" cy="914400"/>
+          </a:xfrm>
+          <a:prstGeom prst="rect">
+            <a:avLst/>
+          </a:prstGeom>
+          <a:noFill/>
+        </p:spPr>
+        <p:txBody>
+          <a:bodyPr wrap="none" rtlCol="0">
+            <a:noAutofit/>
+          </a:bodyPr>
+          <a:lstStyle/>
+          <a:p>
+            <a:pPr algn="l"/>
+            <a:r>
+              <a:rPr lang="en-US" sz="2400" b="1" i="1" dirty="0"/>
+              <a:t>Code duplication!</a:t>
+            </a:r>
+          </a:p>
+        </p:txBody>
+      </p:sp>
+      <p:sp>
+        <p:nvSpPr>
+          <p:cNvPr id="13" name="Rectangle 12">
+            <a:extLst>
+              <a:ext uri="{FF2B5EF4-FFF2-40B4-BE49-F238E27FC236}">
+                <a16:creationId xmlns:a16="http://schemas.microsoft.com/office/drawing/2014/main" id="{94B49CC1-72A1-B9AB-1D20-718BD8427A97}"/>
+              </a:ext>
+            </a:extLst>
+          </p:cNvPr>
+          <p:cNvSpPr/>
+          <p:nvPr/>
+        </p:nvSpPr>
+        <p:spPr>
+          <a:xfrm>
+            <a:off x="6505833" y="1045445"/>
+            <a:ext cx="3733190" cy="1979977"/>
+          </a:xfrm>
+          <a:prstGeom prst="rect">
+            <a:avLst/>
+          </a:prstGeom>
+          <a:noFill/>
+          <a:ln w="34925" cap="flat" cmpd="sng" algn="ctr">
+            <a:solidFill>
+              <a:schemeClr val="accent1"/>
+            </a:solidFill>
+            <a:prstDash val="solid"/>
+            <a:round/>
+            <a:headEnd type="none" w="med" len="med"/>
+            <a:tailEnd type="none" w="med" len="med"/>
+          </a:ln>
+        </p:spPr>
+        <p:style>
+          <a:lnRef idx="0">
+            <a:scrgbClr r="0" g="0" b="0"/>
+          </a:lnRef>
+          <a:fillRef idx="0">
+            <a:scrgbClr r="0" g="0" b="0"/>
+          </a:fillRef>
+          <a:effectRef idx="0">
+            <a:scrgbClr r="0" g="0" b="0"/>
+          </a:effectRef>
+          <a:fontRef idx="minor">
+            <a:schemeClr val="accent1"/>
+          </a:fontRef>
+        </p:style>
+        <p:txBody>
+          <a:bodyPr rot="0" spcFirstLastPara="0" vertOverflow="overflow" horzOverflow="overflow" vert="horz" wrap="square" lIns="91440" tIns="45720" rIns="91440" bIns="45720" numCol="1" spcCol="0" rtlCol="0" fromWordArt="0" anchor="ctr" anchorCtr="0" forceAA="0" compatLnSpc="1">
+            <a:prstTxWarp prst="textNoShape">
+              <a:avLst/>
+            </a:prstTxWarp>
+            <a:noAutofit/>
+          </a:bodyPr>
+          <a:lstStyle/>
+          <a:p>
+            <a:pPr algn="ctr"/>
+            <a:endParaRPr lang="en-US" dirty="0">
+              <a:ln w="0"/>
+              <a:solidFill>
+                <a:schemeClr val="tx1"/>
+              </a:solidFill>
+              <a:effectLst>
+                <a:outerShdw blurRad="38100" dist="19050" dir="2700000" algn="tl" rotWithShape="0">
+                  <a:schemeClr val="dk1">
+                    <a:alpha val="40000"/>
+                  </a:schemeClr>
+                </a:outerShdw>
+              </a:effectLst>
+            </a:endParaRPr>
+          </a:p>
+        </p:txBody>
+      </p:sp>
+      <p:sp>
+        <p:nvSpPr>
+          <p:cNvPr id="14" name="Rectangle 13">
+            <a:extLst>
+              <a:ext uri="{FF2B5EF4-FFF2-40B4-BE49-F238E27FC236}">
+                <a16:creationId xmlns:a16="http://schemas.microsoft.com/office/drawing/2014/main" id="{CFD7D678-DD45-40FE-91A0-3950B99922E4}"/>
+              </a:ext>
+            </a:extLst>
+          </p:cNvPr>
+          <p:cNvSpPr/>
+          <p:nvPr/>
+        </p:nvSpPr>
+        <p:spPr>
+          <a:xfrm>
+            <a:off x="6590500" y="3429000"/>
+            <a:ext cx="3733190" cy="1979977"/>
+          </a:xfrm>
+          <a:prstGeom prst="rect">
+            <a:avLst/>
+          </a:prstGeom>
+          <a:noFill/>
+          <a:ln w="34925" cap="flat" cmpd="sng" algn="ctr">
+            <a:solidFill>
+              <a:schemeClr val="accent1"/>
+            </a:solidFill>
+            <a:prstDash val="solid"/>
+            <a:round/>
+            <a:headEnd type="none" w="med" len="med"/>
+            <a:tailEnd type="none" w="med" len="med"/>
+          </a:ln>
+        </p:spPr>
+        <p:style>
+          <a:lnRef idx="0">
+            <a:scrgbClr r="0" g="0" b="0"/>
+          </a:lnRef>
+          <a:fillRef idx="0">
+            <a:scrgbClr r="0" g="0" b="0"/>
+          </a:fillRef>
+          <a:effectRef idx="0">
+            <a:scrgbClr r="0" g="0" b="0"/>
+          </a:effectRef>
+          <a:fontRef idx="minor">
+            <a:schemeClr val="accent1"/>
+          </a:fontRef>
+        </p:style>
+        <p:txBody>
+          <a:bodyPr rot="0" spcFirstLastPara="0" vertOverflow="overflow" horzOverflow="overflow" vert="horz" wrap="square" lIns="91440" tIns="45720" rIns="91440" bIns="45720" numCol="1" spcCol="0" rtlCol="0" fromWordArt="0" anchor="ctr" anchorCtr="0" forceAA="0" compatLnSpc="1">
+            <a:prstTxWarp prst="textNoShape">
+              <a:avLst/>
+            </a:prstTxWarp>
+            <a:noAutofit/>
+          </a:bodyPr>
+          <a:lstStyle/>
+          <a:p>
+            <a:pPr algn="ctr"/>
+            <a:endParaRPr lang="en-US" dirty="0">
+              <a:ln w="0"/>
+              <a:solidFill>
+                <a:schemeClr val="tx1"/>
+              </a:solidFill>
+              <a:effectLst>
+                <a:outerShdw blurRad="38100" dist="19050" dir="2700000" algn="tl" rotWithShape="0">
+                  <a:schemeClr val="dk1">
+                    <a:alpha val="40000"/>
+                  </a:schemeClr>
+                </a:outerShdw>
+              </a:effectLst>
+            </a:endParaRPr>
+          </a:p>
+        </p:txBody>
+      </p:sp>
+    </p:spTree>
+    <p:extLst>
+      <p:ext uri="{BB962C8B-B14F-4D97-AF65-F5344CB8AC3E}">
+        <p14:creationId xmlns:p14="http://schemas.microsoft.com/office/powerpoint/2010/main" val="3336729301"/>
+      </p:ext>
+    </p:extLst>
+  </p:cSld>
+  <p:clrMapOvr>
+    <a:masterClrMapping/>
+  </p:clrMapOvr>
+  <p:timing>
+    <p:tnLst>
+      <p:par>
+        <p:cTn id="1" dur="indefinite" restart="never" nodeType="tmRoot">
+          <p:childTnLst>
+            <p:seq concurrent="1" nextAc="seek">
+              <p:cTn id="2" dur="indefinite" nodeType="mainSeq">
+                <p:childTnLst>
+                  <p:par>
+                    <p:cTn id="3" fill="hold">
+                      <p:stCondLst>
+                        <p:cond delay="indefinite"/>
+                      </p:stCondLst>
+                      <p:childTnLst>
+                        <p:par>
+                          <p:cTn id="4" fill="hold">
+                            <p:stCondLst>
+                              <p:cond delay="0"/>
+                            </p:stCondLst>
+                            <p:childTnLst>
+                              <p:par>
+                                <p:cTn id="5" presetID="1" presetClass="entr" presetSubtype="0" fill="hold" grpId="0" nodeType="clickEffect">
+                                  <p:stCondLst>
+                                    <p:cond delay="0"/>
+                                  </p:stCondLst>
+                                  <p:childTnLst>
+                                    <p:set>
+                                      <p:cBhvr>
+                                        <p:cTn id="6" dur="1" fill="hold">
+                                          <p:stCondLst>
+                                            <p:cond delay="0"/>
+                                          </p:stCondLst>
+                                        </p:cTn>
+                                        <p:tgtEl>
+                                          <p:spTgt spid="7"/>
+                                        </p:tgtEl>
+                                        <p:attrNameLst>
+                                          <p:attrName>style.visibility</p:attrName>
+                                        </p:attrNameLst>
+                                      </p:cBhvr>
+                                      <p:to>
+                                        <p:strVal val="visible"/>
+                                      </p:to>
+                                    </p:set>
+                                  </p:childTnLst>
+                                </p:cTn>
+                              </p:par>
+                            </p:childTnLst>
+                          </p:cTn>
+                        </p:par>
+                      </p:childTnLst>
+                    </p:cTn>
+                  </p:par>
+                  <p:par>
+                    <p:cTn id="7" fill="hold">
+                      <p:stCondLst>
+                        <p:cond delay="indefinite"/>
+                      </p:stCondLst>
+                      <p:childTnLst>
+                        <p:par>
+                          <p:cTn id="8" fill="hold">
+                            <p:stCondLst>
+                              <p:cond delay="0"/>
+                            </p:stCondLst>
+                            <p:childTnLst>
+                              <p:par>
+                                <p:cTn id="9" presetID="1" presetClass="entr" presetSubtype="0" fill="hold" grpId="0" nodeType="clickEffect">
+                                  <p:stCondLst>
+                                    <p:cond delay="0"/>
+                                  </p:stCondLst>
+                                  <p:childTnLst>
+                                    <p:set>
+                                      <p:cBhvr>
+                                        <p:cTn id="10" dur="1" fill="hold">
+                                          <p:stCondLst>
+                                            <p:cond delay="0"/>
+                                          </p:stCondLst>
+                                        </p:cTn>
+                                        <p:tgtEl>
+                                          <p:spTgt spid="13"/>
+                                        </p:tgtEl>
+                                        <p:attrNameLst>
+                                          <p:attrName>style.visibility</p:attrName>
+                                        </p:attrNameLst>
+                                      </p:cBhvr>
+                                      <p:to>
+                                        <p:strVal val="visible"/>
+                                      </p:to>
+                                    </p:set>
+                                  </p:childTnLst>
+                                </p:cTn>
+                              </p:par>
+                              <p:par>
+                                <p:cTn id="11" presetID="1" presetClass="entr" presetSubtype="0" fill="hold" grpId="0" nodeType="withEffect">
+                                  <p:stCondLst>
+                                    <p:cond delay="0"/>
+                                  </p:stCondLst>
+                                  <p:childTnLst>
+                                    <p:set>
+                                      <p:cBhvr>
+                                        <p:cTn id="12" dur="1" fill="hold">
+                                          <p:stCondLst>
+                                            <p:cond delay="0"/>
+                                          </p:stCondLst>
+                                        </p:cTn>
+                                        <p:tgtEl>
+                                          <p:spTgt spid="14"/>
+                                        </p:tgtEl>
+                                        <p:attrNameLst>
+                                          <p:attrName>style.visibility</p:attrName>
+                                        </p:attrNameLst>
+                                      </p:cBhvr>
+                                      <p:to>
+                                        <p:strVal val="visible"/>
+                                      </p:to>
+                                    </p:set>
+                                  </p:childTnLst>
+                                </p:cTn>
+                              </p:par>
+                            </p:childTnLst>
+                          </p:cTn>
+                        </p:par>
+                      </p:childTnLst>
+                    </p:cTn>
+                  </p:par>
+                  <p:par>
+                    <p:cTn id="13" fill="hold">
+                      <p:stCondLst>
+                        <p:cond delay="indefinite"/>
+                      </p:stCondLst>
+                      <p:childTnLst>
+                        <p:par>
+                          <p:cTn id="14" fill="hold">
+                            <p:stCondLst>
+                              <p:cond delay="0"/>
+                            </p:stCondLst>
+                            <p:childTnLst>
+                              <p:par>
+                                <p:cTn id="15" presetID="1" presetClass="exit" presetSubtype="0" fill="hold" grpId="1" nodeType="clickEffect">
+                                  <p:stCondLst>
+                                    <p:cond delay="0"/>
+                                  </p:stCondLst>
+                                  <p:childTnLst>
+                                    <p:set>
+                                      <p:cBhvr>
+                                        <p:cTn id="16" dur="1" fill="hold">
+                                          <p:stCondLst>
+                                            <p:cond delay="0"/>
+                                          </p:stCondLst>
+                                        </p:cTn>
+                                        <p:tgtEl>
+                                          <p:spTgt spid="13"/>
+                                        </p:tgtEl>
+                                        <p:attrNameLst>
+                                          <p:attrName>style.visibility</p:attrName>
+                                        </p:attrNameLst>
+                                      </p:cBhvr>
+                                      <p:to>
+                                        <p:strVal val="hidden"/>
+                                      </p:to>
+                                    </p:set>
+                                  </p:childTnLst>
+                                </p:cTn>
+                              </p:par>
+                              <p:par>
+                                <p:cTn id="17" presetID="1" presetClass="exit" presetSubtype="0" fill="hold" grpId="1" nodeType="withEffect">
+                                  <p:stCondLst>
+                                    <p:cond delay="0"/>
+                                  </p:stCondLst>
+                                  <p:childTnLst>
+                                    <p:set>
+                                      <p:cBhvr>
+                                        <p:cTn id="18" dur="1" fill="hold">
+                                          <p:stCondLst>
+                                            <p:cond delay="0"/>
+                                          </p:stCondLst>
+                                        </p:cTn>
+                                        <p:tgtEl>
+                                          <p:spTgt spid="14"/>
+                                        </p:tgtEl>
+                                        <p:attrNameLst>
+                                          <p:attrName>style.visibility</p:attrName>
+                                        </p:attrNameLst>
+                                      </p:cBhvr>
+                                      <p:to>
+                                        <p:strVal val="hidden"/>
+                                      </p:to>
+                                    </p:set>
+                                  </p:childTnLst>
+                                </p:cTn>
+                              </p:par>
+                            </p:childTnLst>
+                          </p:cTn>
+                        </p:par>
+                      </p:childTnLst>
+                    </p:cTn>
+                  </p:par>
+                </p:childTnLst>
+              </p:cTn>
+              <p:prevCondLst>
+                <p:cond evt="onPrev" delay="0">
+                  <p:tgtEl>
+                    <p:sldTgt/>
+                  </p:tgtEl>
+                </p:cond>
+              </p:prevCondLst>
+              <p:nextCondLst>
+                <p:cond evt="onNext" delay="0">
+                  <p:tgtEl>
+                    <p:sldTgt/>
+                  </p:tgtEl>
+                </p:cond>
+              </p:nextCondLst>
+            </p:seq>
+          </p:childTnLst>
+        </p:cTn>
+      </p:par>
+    </p:tnLst>
+    <p:bldLst>
+      <p:bldP spid="7" grpId="0"/>
+      <p:bldP spid="13" grpId="0" animBg="1"/>
+      <p:bldP spid="13" grpId="1" animBg="1"/>
+      <p:bldP spid="14" grpId="0" animBg="1"/>
+      <p:bldP spid="14" grpId="1" animBg="1"/>
+    </p:bldLst>
+  </p:timing>
+</p:sld>
+</file>
+
+<file path=ppt/slides/slide11.xml><?xml version="1.0" encoding="utf-8"?>
+<p:sld xmlns:a="http://schemas.openxmlformats.org/drawingml/2006/main" xmlns:r="http://schemas.openxmlformats.org/officeDocument/2006/relationships" xmlns:p="http://schemas.openxmlformats.org/presentationml/2006/main">
+  <p:cSld>
+    <p:spTree>
+      <p:nvGrpSpPr>
+        <p:cNvPr id="1" name=""/>
+        <p:cNvGrpSpPr/>
+        <p:nvPr/>
+      </p:nvGrpSpPr>
+      <p:grpSpPr>
+        <a:xfrm>
+          <a:off x="0" y="0"/>
+          <a:ext cx="0" cy="0"/>
+          <a:chOff x="0" y="0"/>
+          <a:chExt cx="0" cy="0"/>
+        </a:xfrm>
+      </p:grpSpPr>
+      <p:sp>
+        <p:nvSpPr>
+          <p:cNvPr id="2" name="Content Placeholder 1">
+            <a:extLst>
+              <a:ext uri="{FF2B5EF4-FFF2-40B4-BE49-F238E27FC236}">
                 <a16:creationId xmlns:a16="http://schemas.microsoft.com/office/drawing/2014/main" id="{F6368D39-23C5-41CE-705E-3134C6A0DB1F}"/>
               </a:ext>
             </a:extLst>
@@ -5277,6 +6388,43 @@
                 </a:outerShdw>
               </a:effectLst>
             </a:endParaRPr>
+          </a:p>
+        </p:txBody>
+      </p:sp>
+      <p:sp>
+        <p:nvSpPr>
+          <p:cNvPr id="4" name="TextBox 3">
+            <a:extLst>
+              <a:ext uri="{FF2B5EF4-FFF2-40B4-BE49-F238E27FC236}">
+                <a16:creationId xmlns:a16="http://schemas.microsoft.com/office/drawing/2014/main" id="{2C4CE1D7-A8BF-C5A5-3E44-F7AEF9D55845}"/>
+              </a:ext>
+            </a:extLst>
+          </p:cNvPr>
+          <p:cNvSpPr txBox="1"/>
+          <p:nvPr/>
+        </p:nvSpPr>
+        <p:spPr>
+          <a:xfrm>
+            <a:off x="5889537" y="5566015"/>
+            <a:ext cx="4481684" cy="461665"/>
+          </a:xfrm>
+          <a:prstGeom prst="rect">
+            <a:avLst/>
+          </a:prstGeom>
+          <a:noFill/>
+        </p:spPr>
+        <p:txBody>
+          <a:bodyPr wrap="square" rtlCol="0">
+            <a:spAutoFit/>
+          </a:bodyPr>
+          <a:lstStyle/>
+          <a:p>
+            <a:pPr algn="ctr"/>
+            <a:r>
+              <a:rPr lang="en-US" sz="2400" b="1" i="1" dirty="0"/>
+              <a:t>Which methods are invoked?</a:t>
+            </a:r>
+            <a:endParaRPr lang="en-US" sz="2000" b="1" i="1" dirty="0"/>
           </a:p>
         </p:txBody>
       </p:sp>
@@ -5562,6 +6710,82 @@
                                   </p:childTnLst>
                                 </p:cTn>
                               </p:par>
+                              <p:par>
+                                <p:cTn id="27" presetID="1" presetClass="entr" presetSubtype="0" fill="hold" grpId="0" nodeType="withEffect">
+                                  <p:stCondLst>
+                                    <p:cond delay="0"/>
+                                  </p:stCondLst>
+                                  <p:childTnLst>
+                                    <p:set>
+                                      <p:cBhvr>
+                                        <p:cTn id="28" dur="1" fill="hold">
+                                          <p:stCondLst>
+                                            <p:cond delay="0"/>
+                                          </p:stCondLst>
+                                        </p:cTn>
+                                        <p:tgtEl>
+                                          <p:spTgt spid="4"/>
+                                        </p:tgtEl>
+                                        <p:attrNameLst>
+                                          <p:attrName>style.visibility</p:attrName>
+                                        </p:attrNameLst>
+                                      </p:cBhvr>
+                                      <p:to>
+                                        <p:strVal val="visible"/>
+                                      </p:to>
+                                    </p:set>
+                                  </p:childTnLst>
+                                </p:cTn>
+                              </p:par>
+                            </p:childTnLst>
+                          </p:cTn>
+                        </p:par>
+                      </p:childTnLst>
+                    </p:cTn>
+                  </p:par>
+                  <p:par>
+                    <p:cTn id="29" fill="hold">
+                      <p:stCondLst>
+                        <p:cond delay="indefinite"/>
+                      </p:stCondLst>
+                      <p:childTnLst>
+                        <p:par>
+                          <p:cTn id="30" fill="hold">
+                            <p:stCondLst>
+                              <p:cond delay="0"/>
+                            </p:stCondLst>
+                            <p:childTnLst>
+                              <p:par>
+                                <p:cTn id="31" presetID="1" presetClass="entr" presetSubtype="0" fill="hold" nodeType="clickEffect">
+                                  <p:stCondLst>
+                                    <p:cond delay="0"/>
+                                  </p:stCondLst>
+                                  <p:childTnLst>
+                                    <p:set>
+                                      <p:cBhvr>
+                                        <p:cTn id="32" dur="1" fill="hold">
+                                          <p:stCondLst>
+                                            <p:cond delay="0"/>
+                                          </p:stCondLst>
+                                        </p:cTn>
+                                        <p:tgtEl>
+                                          <p:spTgt spid="4">
+                                            <p:txEl>
+                                              <p:pRg st="0" end="0"/>
+                                            </p:txEl>
+                                          </p:spTgt>
+                                        </p:tgtEl>
+                                        <p:attrNameLst>
+                                          <p:attrName>style.visibility</p:attrName>
+                                        </p:attrNameLst>
+                                      </p:cBhvr>
+                                      <p:to>
+                                        <p:strVal val="visible"/>
+                                      </p:to>
+                                    </p:set>
+                                  </p:childTnLst>
+                                </p:cTn>
+                              </p:par>
                             </p:childTnLst>
                           </p:cTn>
                         </p:par>
@@ -5596,12 +6820,13 @@
       <p:bldP spid="17" grpId="1" animBg="1"/>
       <p:bldP spid="18" grpId="0" animBg="1"/>
       <p:bldP spid="18" grpId="1" animBg="1"/>
+      <p:bldP spid="4" grpId="0"/>
     </p:bldLst>
   </p:timing>
 </p:sld>
 </file>
 
-<file path=ppt/slides/slide11.xml><?xml version="1.0" encoding="utf-8"?>
+<file path=ppt/slides/slide12.xml><?xml version="1.0" encoding="utf-8"?>
 <p:sld xmlns:a="http://schemas.openxmlformats.org/drawingml/2006/main" xmlns:r="http://schemas.openxmlformats.org/officeDocument/2006/relationships" xmlns:p="http://schemas.openxmlformats.org/presentationml/2006/main">
   <p:cSld>
     <p:spTree>
@@ -6067,7 +7292,7 @@
 </p:sld>
 </file>
 
-<file path=ppt/slides/slide12.xml><?xml version="1.0" encoding="utf-8"?>
+<file path=ppt/slides/slide13.xml><?xml version="1.0" encoding="utf-8"?>
 <p:sld xmlns:a="http://schemas.openxmlformats.org/drawingml/2006/main" xmlns:r="http://schemas.openxmlformats.org/officeDocument/2006/relationships" xmlns:p="http://schemas.openxmlformats.org/presentationml/2006/main">
   <p:cSld>
     <p:spTree>
@@ -6318,7 +7543,7 @@
           <p:nvPr/>
         </p:nvPicPr>
         <p:blipFill>
-          <a:blip r:embed="rId2" cstate="print">
+          <a:blip r:embed="rId3" cstate="print">
             <a:extLst>
               <a:ext uri="{28A0092B-C50C-407E-A947-70E740481C1C}">
                 <a14:useLocalDpi xmlns:a14="http://schemas.microsoft.com/office/drawing/2010/main" val="0"/>
@@ -6365,7 +7590,7 @@
           <p:nvPr/>
         </p:nvPicPr>
         <p:blipFill>
-          <a:blip r:embed="rId3" cstate="print">
+          <a:blip r:embed="rId4" cstate="print">
             <a:extLst>
               <a:ext uri="{28A0092B-C50C-407E-A947-70E740481C1C}">
                 <a14:useLocalDpi xmlns:a14="http://schemas.microsoft.com/office/drawing/2010/main" val="0"/>
@@ -6749,7 +7974,7 @@
 </p:sld>
 </file>
 
-<file path=ppt/slides/slide13.xml><?xml version="1.0" encoding="utf-8"?>
+<file path=ppt/slides/slide14.xml><?xml version="1.0" encoding="utf-8"?>
 <p:sld xmlns:a="http://schemas.openxmlformats.org/drawingml/2006/main" xmlns:r="http://schemas.openxmlformats.org/officeDocument/2006/relationships" xmlns:p="http://schemas.openxmlformats.org/presentationml/2006/main">
   <p:cSld>
     <p:spTree>
@@ -6946,7 +8171,15 @@
             </a:r>
             <a:r>
               <a:rPr lang="en-US" noProof="0" dirty="0"/>
-              <a:t> = new Vehicle(); // Compiler error!!</a:t>
+              <a:t> = new Vehicle(); </a:t>
+            </a:r>
+            <a:r>
+              <a:rPr lang="en-US" b="1" noProof="0" dirty="0">
+                <a:solidFill>
+                  <a:srgbClr val="C00000"/>
+                </a:solidFill>
+              </a:rPr>
+              <a:t>// Compiler error!!</a:t>
             </a:r>
           </a:p>
           <a:p>
@@ -7488,7 +8721,7 @@
 </p:sld>
 </file>
 
-<file path=ppt/slides/slide14.xml><?xml version="1.0" encoding="utf-8"?>
+<file path=ppt/slides/slide15.xml><?xml version="1.0" encoding="utf-8"?>
 <p:sld xmlns:a="http://schemas.openxmlformats.org/drawingml/2006/main" xmlns:r="http://schemas.openxmlformats.org/officeDocument/2006/relationships" xmlns:p="http://schemas.openxmlformats.org/presentationml/2006/main">
   <p:cSld>
     <p:spTree>
@@ -7917,7 +9150,7 @@
 </p:sld>
 </file>
 
-<file path=ppt/slides/slide15.xml><?xml version="1.0" encoding="utf-8"?>
+<file path=ppt/slides/slide16.xml><?xml version="1.0" encoding="utf-8"?>
 <p:sld xmlns:a="http://schemas.openxmlformats.org/drawingml/2006/main" xmlns:r="http://schemas.openxmlformats.org/officeDocument/2006/relationships" xmlns:p="http://schemas.openxmlformats.org/presentationml/2006/main">
   <p:cSld>
     <p:spTree>
@@ -8373,7 +9606,7 @@
 </p:sld>
 </file>
 
-<file path=ppt/slides/slide16.xml><?xml version="1.0" encoding="utf-8"?>
+<file path=ppt/slides/slide17.xml><?xml version="1.0" encoding="utf-8"?>
 <p:sld xmlns:a="http://schemas.openxmlformats.org/drawingml/2006/main" xmlns:r="http://schemas.openxmlformats.org/officeDocument/2006/relationships" xmlns:p="http://schemas.openxmlformats.org/presentationml/2006/main">
   <p:cSld>
     <p:spTree>
@@ -8715,12 +9948,8 @@
           <a:lstStyle/>
           <a:p>
             <a:r>
-              <a:rPr lang="en-US" b="1" i="1" dirty="0"/>
-              <a:t>Real</a:t>
-            </a:r>
-            <a:r>
-              <a:rPr lang="en-US" dirty="0"/>
-              <a:t> use of inheritance</a:t>
+              <a:rPr lang="en-US" dirty="0"/>
+              <a:t>Real power behind inheritance</a:t>
             </a:r>
           </a:p>
           <a:p>
@@ -9076,7 +10305,7 @@
                                         <p:tgtEl>
                                           <p:spTgt spid="9">
                                             <p:txEl>
-                                              <p:pRg st="1" end="1"/>
+                                              <p:pRg st="0" end="0"/>
                                             </p:txEl>
                                           </p:spTgt>
                                         </p:tgtEl>
@@ -9125,7 +10354,7 @@
                                         <p:tgtEl>
                                           <p:spTgt spid="9">
                                             <p:txEl>
-                                              <p:pRg st="2" end="2"/>
+                                              <p:pRg st="1" end="1"/>
                                             </p:txEl>
                                           </p:spTgt>
                                         </p:tgtEl>
@@ -9159,7 +10388,7 @@
                             </p:stCondLst>
                             <p:childTnLst>
                               <p:par>
-                                <p:cTn id="13" presetID="1" presetClass="entr" presetSubtype="0" fill="hold" grpId="0" nodeType="clickEffect">
+                                <p:cTn id="13" presetID="1" presetClass="entr" presetSubtype="0" fill="hold" nodeType="clickEffect">
                                   <p:stCondLst>
                                     <p:cond delay="0"/>
                                   </p:stCondLst>
@@ -9172,9 +10401,9 @@
                                           </p:stCondLst>
                                         </p:cTn>
                                         <p:tgtEl>
-                                          <p:spTgt spid="2">
+                                          <p:spTgt spid="9">
                                             <p:txEl>
-                                              <p:pRg st="0" end="0"/>
+                                              <p:pRg st="2" end="2"/>
                                             </p:txEl>
                                           </p:spTgt>
                                         </p:tgtEl>
@@ -9189,39 +10418,26 @@
                                   </p:childTnLst>
                                 </p:cTn>
                               </p:par>
+                            </p:childTnLst>
+                          </p:cTn>
+                        </p:par>
+                      </p:childTnLst>
+                    </p:cTn>
+                  </p:par>
+                  <p:par>
+                    <p:cTn id="15" fill="hold">
+                      <p:stCondLst>
+                        <p:cond delay="indefinite"/>
+                      </p:stCondLst>
+                      <p:childTnLst>
+                        <p:par>
+                          <p:cTn id="16" fill="hold">
+                            <p:stCondLst>
+                              <p:cond delay="0"/>
+                            </p:stCondLst>
+                            <p:childTnLst>
                               <p:par>
-                                <p:cTn id="15" presetID="1" presetClass="entr" presetSubtype="0" fill="hold" grpId="0" nodeType="withEffect">
-                                  <p:stCondLst>
-                                    <p:cond delay="0"/>
-                                  </p:stCondLst>
-                                  <p:childTnLst>
-                                    <p:set>
-                                      <p:cBhvr>
-                                        <p:cTn id="16" dur="1" fill="hold">
-                                          <p:stCondLst>
-                                            <p:cond delay="0"/>
-                                          </p:stCondLst>
-                                        </p:cTn>
-                                        <p:tgtEl>
-                                          <p:spTgt spid="2">
-                                            <p:txEl>
-                                              <p:pRg st="1" end="1"/>
-                                            </p:txEl>
-                                          </p:spTgt>
-                                        </p:tgtEl>
-                                        <p:attrNameLst>
-                                          <p:attrName>style.visibility</p:attrName>
-                                        </p:attrNameLst>
-                                      </p:cBhvr>
-                                      <p:to>
-                                        <p:strVal val="visible"/>
-                                      </p:to>
-                                    </p:set>
-                                  </p:childTnLst>
-                                </p:cTn>
-                              </p:par>
-                              <p:par>
-                                <p:cTn id="17" presetID="1" presetClass="entr" presetSubtype="0" fill="hold" grpId="0" nodeType="withEffect">
+                                <p:cTn id="17" presetID="1" presetClass="entr" presetSubtype="0" fill="hold" grpId="0" nodeType="clickEffect">
                                   <p:stCondLst>
                                     <p:cond delay="0"/>
                                   </p:stCondLst>
@@ -9236,7 +10452,7 @@
                                         <p:tgtEl>
                                           <p:spTgt spid="2">
                                             <p:txEl>
-                                              <p:pRg st="2" end="2"/>
+                                              <p:pRg st="0" end="0"/>
                                             </p:txEl>
                                           </p:spTgt>
                                         </p:tgtEl>
@@ -9267,7 +10483,7 @@
                                         <p:tgtEl>
                                           <p:spTgt spid="2">
                                             <p:txEl>
-                                              <p:pRg st="3" end="3"/>
+                                              <p:pRg st="1" end="1"/>
                                             </p:txEl>
                                           </p:spTgt>
                                         </p:tgtEl>
@@ -9298,7 +10514,7 @@
                                         <p:tgtEl>
                                           <p:spTgt spid="2">
                                             <p:txEl>
-                                              <p:pRg st="4" end="4"/>
+                                              <p:pRg st="2" end="2"/>
                                             </p:txEl>
                                           </p:spTgt>
                                         </p:tgtEl>
@@ -9329,7 +10545,7 @@
                                         <p:tgtEl>
                                           <p:spTgt spid="2">
                                             <p:txEl>
-                                              <p:pRg st="6" end="6"/>
+                                              <p:pRg st="3" end="3"/>
                                             </p:txEl>
                                           </p:spTgt>
                                         </p:tgtEl>
@@ -9360,7 +10576,7 @@
                                         <p:tgtEl>
                                           <p:spTgt spid="2">
                                             <p:txEl>
-                                              <p:pRg st="7" end="7"/>
+                                              <p:pRg st="4" end="4"/>
                                             </p:txEl>
                                           </p:spTgt>
                                         </p:tgtEl>
@@ -9391,7 +10607,7 @@
                                         <p:tgtEl>
                                           <p:spTgt spid="2">
                                             <p:txEl>
-                                              <p:pRg st="8" end="8"/>
+                                              <p:pRg st="6" end="6"/>
                                             </p:txEl>
                                           </p:spTgt>
                                         </p:tgtEl>
@@ -9422,7 +10638,7 @@
                                         <p:tgtEl>
                                           <p:spTgt spid="2">
                                             <p:txEl>
-                                              <p:pRg st="9" end="9"/>
+                                              <p:pRg st="7" end="7"/>
                                             </p:txEl>
                                           </p:spTgt>
                                         </p:tgtEl>
@@ -9453,7 +10669,7 @@
                                         <p:tgtEl>
                                           <p:spTgt spid="2">
                                             <p:txEl>
-                                              <p:pRg st="10" end="10"/>
+                                              <p:pRg st="8" end="8"/>
                                             </p:txEl>
                                           </p:spTgt>
                                         </p:tgtEl>
@@ -9484,7 +10700,7 @@
                                         <p:tgtEl>
                                           <p:spTgt spid="2">
                                             <p:txEl>
-                                              <p:pRg st="12" end="12"/>
+                                              <p:pRg st="9" end="9"/>
                                             </p:txEl>
                                           </p:spTgt>
                                         </p:tgtEl>
@@ -9515,7 +10731,7 @@
                                         <p:tgtEl>
                                           <p:spTgt spid="2">
                                             <p:txEl>
-                                              <p:pRg st="13" end="13"/>
+                                              <p:pRg st="10" end="10"/>
                                             </p:txEl>
                                           </p:spTgt>
                                         </p:tgtEl>
@@ -9546,7 +10762,7 @@
                                         <p:tgtEl>
                                           <p:spTgt spid="2">
                                             <p:txEl>
-                                              <p:pRg st="14" end="14"/>
+                                              <p:pRg st="12" end="12"/>
                                             </p:txEl>
                                           </p:spTgt>
                                         </p:tgtEl>
@@ -9577,7 +10793,7 @@
                                         <p:tgtEl>
                                           <p:spTgt spid="2">
                                             <p:txEl>
-                                              <p:pRg st="15" end="15"/>
+                                              <p:pRg st="13" end="13"/>
                                             </p:txEl>
                                           </p:spTgt>
                                         </p:tgtEl>
@@ -9608,7 +10824,7 @@
                                         <p:tgtEl>
                                           <p:spTgt spid="2">
                                             <p:txEl>
-                                              <p:pRg st="16" end="16"/>
+                                              <p:pRg st="14" end="14"/>
                                             </p:txEl>
                                           </p:spTgt>
                                         </p:tgtEl>
@@ -9639,7 +10855,7 @@
                                         <p:tgtEl>
                                           <p:spTgt spid="2">
                                             <p:txEl>
-                                              <p:pRg st="17" end="17"/>
+                                              <p:pRg st="15" end="15"/>
                                             </p:txEl>
                                           </p:spTgt>
                                         </p:tgtEl>
@@ -9654,26 +10870,39 @@
                                   </p:childTnLst>
                                 </p:cTn>
                               </p:par>
-                            </p:childTnLst>
-                          </p:cTn>
-                        </p:par>
-                      </p:childTnLst>
-                    </p:cTn>
-                  </p:par>
-                  <p:par>
-                    <p:cTn id="45" fill="hold">
-                      <p:stCondLst>
-                        <p:cond delay="indefinite"/>
-                      </p:stCondLst>
-                      <p:childTnLst>
-                        <p:par>
-                          <p:cTn id="46" fill="hold">
-                            <p:stCondLst>
-                              <p:cond delay="0"/>
-                            </p:stCondLst>
-                            <p:childTnLst>
                               <p:par>
-                                <p:cTn id="47" presetID="1" presetClass="entr" presetSubtype="0" fill="hold" grpId="0" nodeType="clickEffect">
+                                <p:cTn id="45" presetID="1" presetClass="entr" presetSubtype="0" fill="hold" grpId="0" nodeType="withEffect">
+                                  <p:stCondLst>
+                                    <p:cond delay="0"/>
+                                  </p:stCondLst>
+                                  <p:childTnLst>
+                                    <p:set>
+                                      <p:cBhvr>
+                                        <p:cTn id="46" dur="1" fill="hold">
+                                          <p:stCondLst>
+                                            <p:cond delay="0"/>
+                                          </p:stCondLst>
+                                        </p:cTn>
+                                        <p:tgtEl>
+                                          <p:spTgt spid="2">
+                                            <p:txEl>
+                                              <p:pRg st="16" end="16"/>
+                                            </p:txEl>
+                                          </p:spTgt>
+                                        </p:tgtEl>
+                                        <p:attrNameLst>
+                                          <p:attrName>style.visibility</p:attrName>
+                                        </p:attrNameLst>
+                                      </p:cBhvr>
+                                      <p:to>
+                                        <p:strVal val="visible"/>
+                                      </p:to>
+                                    </p:set>
+                                  </p:childTnLst>
+                                </p:cTn>
+                              </p:par>
+                              <p:par>
+                                <p:cTn id="47" presetID="1" presetClass="entr" presetSubtype="0" fill="hold" grpId="0" nodeType="withEffect">
                                   <p:stCondLst>
                                     <p:cond delay="0"/>
                                   </p:stCondLst>
@@ -9686,7 +10915,11 @@
                                           </p:stCondLst>
                                         </p:cTn>
                                         <p:tgtEl>
-                                          <p:spTgt spid="10"/>
+                                          <p:spTgt spid="2">
+                                            <p:txEl>
+                                              <p:pRg st="17" end="17"/>
+                                            </p:txEl>
+                                          </p:spTgt>
                                         </p:tgtEl>
                                         <p:attrNameLst>
                                           <p:attrName>style.visibility</p:attrName>
@@ -9718,7 +10951,7 @@
                             </p:stCondLst>
                             <p:childTnLst>
                               <p:par>
-                                <p:cTn id="51" presetID="1" presetClass="exit" presetSubtype="0" fill="hold" grpId="1" nodeType="clickEffect">
+                                <p:cTn id="51" presetID="1" presetClass="entr" presetSubtype="0" fill="hold" grpId="0" nodeType="clickEffect">
                                   <p:stCondLst>
                                     <p:cond delay="0"/>
                                   </p:stCondLst>
@@ -9726,6 +10959,51 @@
                                     <p:set>
                                       <p:cBhvr>
                                         <p:cTn id="52" dur="1" fill="hold">
+                                          <p:stCondLst>
+                                            <p:cond delay="0"/>
+                                          </p:stCondLst>
+                                        </p:cTn>
+                                        <p:tgtEl>
+                                          <p:spTgt spid="10"/>
+                                        </p:tgtEl>
+                                        <p:attrNameLst>
+                                          <p:attrName>style.visibility</p:attrName>
+                                        </p:attrNameLst>
+                                      </p:cBhvr>
+                                      <p:to>
+                                        <p:strVal val="visible"/>
+                                      </p:to>
+                                    </p:set>
+                                  </p:childTnLst>
+                                </p:cTn>
+                              </p:par>
+                            </p:childTnLst>
+                          </p:cTn>
+                        </p:par>
+                      </p:childTnLst>
+                    </p:cTn>
+                  </p:par>
+                  <p:par>
+                    <p:cTn id="53" fill="hold">
+                      <p:stCondLst>
+                        <p:cond delay="indefinite"/>
+                      </p:stCondLst>
+                      <p:childTnLst>
+                        <p:par>
+                          <p:cTn id="54" fill="hold">
+                            <p:stCondLst>
+                              <p:cond delay="0"/>
+                            </p:stCondLst>
+                            <p:childTnLst>
+                              <p:par>
+                                <p:cTn id="55" presetID="1" presetClass="exit" presetSubtype="0" fill="hold" grpId="1" nodeType="clickEffect">
+                                  <p:stCondLst>
+                                    <p:cond delay="0"/>
+                                  </p:stCondLst>
+                                  <p:childTnLst>
+                                    <p:set>
+                                      <p:cBhvr>
+                                        <p:cTn id="56" dur="1" fill="hold">
                                           <p:stCondLst>
                                             <p:cond delay="0"/>
                                           </p:stCondLst>
@@ -9751,26 +11029,26 @@
                     </p:cTn>
                   </p:par>
                   <p:par>
-                    <p:cTn id="53" fill="hold">
+                    <p:cTn id="57" fill="hold">
                       <p:stCondLst>
                         <p:cond delay="indefinite"/>
                       </p:stCondLst>
                       <p:childTnLst>
                         <p:par>
-                          <p:cTn id="54" fill="hold">
+                          <p:cTn id="58" fill="hold">
                             <p:stCondLst>
                               <p:cond delay="0"/>
                             </p:stCondLst>
                             <p:childTnLst>
                               <p:par>
-                                <p:cTn id="55" presetID="1" presetClass="entr" presetSubtype="0" fill="hold" grpId="0" nodeType="clickEffect">
+                                <p:cTn id="59" presetID="1" presetClass="entr" presetSubtype="0" fill="hold" grpId="0" nodeType="clickEffect">
                                   <p:stCondLst>
                                     <p:cond delay="0"/>
                                   </p:stCondLst>
                                   <p:childTnLst>
                                     <p:set>
                                       <p:cBhvr>
-                                        <p:cTn id="56" dur="1" fill="hold">
+                                        <p:cTn id="60" dur="1" fill="hold">
                                           <p:stCondLst>
                                             <p:cond delay="0"/>
                                           </p:stCondLst>
@@ -9796,26 +11074,26 @@
                     </p:cTn>
                   </p:par>
                   <p:par>
-                    <p:cTn id="57" fill="hold">
+                    <p:cTn id="61" fill="hold">
                       <p:stCondLst>
                         <p:cond delay="indefinite"/>
                       </p:stCondLst>
                       <p:childTnLst>
                         <p:par>
-                          <p:cTn id="58" fill="hold">
+                          <p:cTn id="62" fill="hold">
                             <p:stCondLst>
                               <p:cond delay="0"/>
                             </p:stCondLst>
                             <p:childTnLst>
                               <p:par>
-                                <p:cTn id="59" presetID="1" presetClass="exit" presetSubtype="0" fill="hold" grpId="1" nodeType="clickEffect">
+                                <p:cTn id="63" presetID="1" presetClass="exit" presetSubtype="0" fill="hold" grpId="1" nodeType="clickEffect">
                                   <p:stCondLst>
                                     <p:cond delay="0"/>
                                   </p:stCondLst>
                                   <p:childTnLst>
                                     <p:set>
                                       <p:cBhvr>
-                                        <p:cTn id="60" dur="1" fill="hold">
+                                        <p:cTn id="64" dur="1" fill="hold">
                                           <p:stCondLst>
                                             <p:cond delay="0"/>
                                           </p:stCondLst>
@@ -9841,26 +11119,26 @@
                     </p:cTn>
                   </p:par>
                   <p:par>
-                    <p:cTn id="61" fill="hold">
+                    <p:cTn id="65" fill="hold">
                       <p:stCondLst>
                         <p:cond delay="indefinite"/>
                       </p:stCondLst>
                       <p:childTnLst>
                         <p:par>
-                          <p:cTn id="62" fill="hold">
+                          <p:cTn id="66" fill="hold">
                             <p:stCondLst>
                               <p:cond delay="0"/>
                             </p:stCondLst>
                             <p:childTnLst>
                               <p:par>
-                                <p:cTn id="63" presetID="1" presetClass="entr" presetSubtype="0" fill="hold" grpId="0" nodeType="clickEffect">
+                                <p:cTn id="67" presetID="1" presetClass="entr" presetSubtype="0" fill="hold" grpId="0" nodeType="clickEffect">
                                   <p:stCondLst>
                                     <p:cond delay="0"/>
                                   </p:stCondLst>
                                   <p:childTnLst>
                                     <p:set>
                                       <p:cBhvr>
-                                        <p:cTn id="64" dur="1" fill="hold">
+                                        <p:cTn id="68" dur="1" fill="hold">
                                           <p:stCondLst>
                                             <p:cond delay="0"/>
                                           </p:stCondLst>
@@ -9886,26 +11164,26 @@
                     </p:cTn>
                   </p:par>
                   <p:par>
-                    <p:cTn id="65" fill="hold">
+                    <p:cTn id="69" fill="hold">
                       <p:stCondLst>
                         <p:cond delay="indefinite"/>
                       </p:stCondLst>
                       <p:childTnLst>
                         <p:par>
-                          <p:cTn id="66" fill="hold">
+                          <p:cTn id="70" fill="hold">
                             <p:stCondLst>
                               <p:cond delay="0"/>
                             </p:stCondLst>
                             <p:childTnLst>
                               <p:par>
-                                <p:cTn id="67" presetID="1" presetClass="exit" presetSubtype="0" fill="hold" grpId="1" nodeType="clickEffect">
+                                <p:cTn id="71" presetID="1" presetClass="exit" presetSubtype="0" fill="hold" grpId="1" nodeType="clickEffect">
                                   <p:stCondLst>
                                     <p:cond delay="0"/>
                                   </p:stCondLst>
                                   <p:childTnLst>
                                     <p:set>
                                       <p:cBhvr>
-                                        <p:cTn id="68" dur="1" fill="hold">
+                                        <p:cTn id="72" dur="1" fill="hold">
                                           <p:stCondLst>
                                             <p:cond delay="0"/>
                                           </p:stCondLst>
@@ -9931,26 +11209,26 @@
                     </p:cTn>
                   </p:par>
                   <p:par>
-                    <p:cTn id="69" fill="hold">
+                    <p:cTn id="73" fill="hold">
                       <p:stCondLst>
                         <p:cond delay="indefinite"/>
                       </p:stCondLst>
                       <p:childTnLst>
                         <p:par>
-                          <p:cTn id="70" fill="hold">
+                          <p:cTn id="74" fill="hold">
                             <p:stCondLst>
                               <p:cond delay="0"/>
                             </p:stCondLst>
                             <p:childTnLst>
                               <p:par>
-                                <p:cTn id="71" presetID="1" presetClass="entr" presetSubtype="0" fill="hold" grpId="0" nodeType="clickEffect">
+                                <p:cTn id="75" presetID="1" presetClass="entr" presetSubtype="0" fill="hold" grpId="0" nodeType="clickEffect">
                                   <p:stCondLst>
                                     <p:cond delay="0"/>
                                   </p:stCondLst>
                                   <p:childTnLst>
                                     <p:set>
                                       <p:cBhvr>
-                                        <p:cTn id="72" dur="1" fill="hold">
+                                        <p:cTn id="76" dur="1" fill="hold">
                                           <p:stCondLst>
                                             <p:cond delay="0"/>
                                           </p:stCondLst>
@@ -9976,26 +11254,26 @@
                     </p:cTn>
                   </p:par>
                   <p:par>
-                    <p:cTn id="73" fill="hold">
+                    <p:cTn id="77" fill="hold">
                       <p:stCondLst>
                         <p:cond delay="indefinite"/>
                       </p:stCondLst>
                       <p:childTnLst>
                         <p:par>
-                          <p:cTn id="74" fill="hold">
+                          <p:cTn id="78" fill="hold">
                             <p:stCondLst>
                               <p:cond delay="0"/>
                             </p:stCondLst>
                             <p:childTnLst>
                               <p:par>
-                                <p:cTn id="75" presetID="1" presetClass="exit" presetSubtype="0" fill="hold" grpId="1" nodeType="clickEffect">
+                                <p:cTn id="79" presetID="1" presetClass="exit" presetSubtype="0" fill="hold" grpId="1" nodeType="clickEffect">
                                   <p:stCondLst>
                                     <p:cond delay="0"/>
                                   </p:stCondLst>
                                   <p:childTnLst>
                                     <p:set>
                                       <p:cBhvr>
-                                        <p:cTn id="76" dur="1" fill="hold">
+                                        <p:cTn id="80" dur="1" fill="hold">
                                           <p:stCondLst>
                                             <p:cond delay="0"/>
                                           </p:stCondLst>
@@ -10021,26 +11299,26 @@
                     </p:cTn>
                   </p:par>
                   <p:par>
-                    <p:cTn id="77" fill="hold">
+                    <p:cTn id="81" fill="hold">
                       <p:stCondLst>
                         <p:cond delay="indefinite"/>
                       </p:stCondLst>
                       <p:childTnLst>
                         <p:par>
-                          <p:cTn id="78" fill="hold">
+                          <p:cTn id="82" fill="hold">
                             <p:stCondLst>
                               <p:cond delay="0"/>
                             </p:stCondLst>
                             <p:childTnLst>
                               <p:par>
-                                <p:cTn id="79" presetID="1" presetClass="entr" presetSubtype="0" fill="hold" nodeType="clickEffect">
+                                <p:cTn id="83" presetID="1" presetClass="entr" presetSubtype="0" fill="hold" nodeType="clickEffect">
                                   <p:stCondLst>
                                     <p:cond delay="0"/>
                                   </p:stCondLst>
                                   <p:childTnLst>
                                     <p:set>
                                       <p:cBhvr>
-                                        <p:cTn id="80" dur="1" fill="hold">
+                                        <p:cTn id="84" dur="1" fill="hold">
                                           <p:stCondLst>
                                             <p:cond delay="0"/>
                                           </p:stCondLst>
@@ -10105,7 +11383,7 @@
 </p:sld>
 </file>
 
-<file path=ppt/slides/slide17.xml><?xml version="1.0" encoding="utf-8"?>
+<file path=ppt/slides/slide18.xml><?xml version="1.0" encoding="utf-8"?>
 <p:sld xmlns:a="http://schemas.openxmlformats.org/drawingml/2006/main" xmlns:r="http://schemas.openxmlformats.org/officeDocument/2006/relationships" xmlns:p="http://schemas.openxmlformats.org/presentationml/2006/main">
   <p:cSld>
     <p:spTree>
@@ -10158,6 +11436,25 @@
             <a:r>
               <a:rPr lang="en-US" dirty="0"/>
               <a:t>What are the challenges of library design vs. application design?</a:t>
+            </a:r>
+          </a:p>
+          <a:p>
+            <a:pPr lvl="1"/>
+            <a:r>
+              <a:rPr lang="en-US" dirty="0"/>
+              <a:t>Consider an open-source application and library</a:t>
+            </a:r>
+          </a:p>
+          <a:p>
+            <a:r>
+              <a:rPr lang="en-US" dirty="0"/>
+              <a:t>… REST endpoints?</a:t>
+            </a:r>
+          </a:p>
+          <a:p>
+            <a:r>
+              <a:rPr lang="en-US" dirty="0"/>
+              <a:t>… Frameworks?</a:t>
             </a:r>
           </a:p>
         </p:txBody>
@@ -10306,6 +11603,153 @@
                       </p:childTnLst>
                     </p:cTn>
                   </p:par>
+                  <p:par>
+                    <p:cTn id="11" fill="hold">
+                      <p:stCondLst>
+                        <p:cond delay="indefinite"/>
+                      </p:stCondLst>
+                      <p:childTnLst>
+                        <p:par>
+                          <p:cTn id="12" fill="hold">
+                            <p:stCondLst>
+                              <p:cond delay="0"/>
+                            </p:stCondLst>
+                            <p:childTnLst>
+                              <p:par>
+                                <p:cTn id="13" presetID="1" presetClass="entr" presetSubtype="0" fill="hold" nodeType="clickEffect">
+                                  <p:stCondLst>
+                                    <p:cond delay="0"/>
+                                  </p:stCondLst>
+                                  <p:childTnLst>
+                                    <p:set>
+                                      <p:cBhvr>
+                                        <p:cTn id="14" dur="1" fill="hold">
+                                          <p:stCondLst>
+                                            <p:cond delay="0"/>
+                                          </p:stCondLst>
+                                        </p:cTn>
+                                        <p:tgtEl>
+                                          <p:spTgt spid="5">
+                                            <p:txEl>
+                                              <p:pRg st="3" end="3"/>
+                                            </p:txEl>
+                                          </p:spTgt>
+                                        </p:tgtEl>
+                                        <p:attrNameLst>
+                                          <p:attrName>style.visibility</p:attrName>
+                                        </p:attrNameLst>
+                                      </p:cBhvr>
+                                      <p:to>
+                                        <p:strVal val="visible"/>
+                                      </p:to>
+                                    </p:set>
+                                  </p:childTnLst>
+                                </p:cTn>
+                              </p:par>
+                            </p:childTnLst>
+                          </p:cTn>
+                        </p:par>
+                      </p:childTnLst>
+                    </p:cTn>
+                  </p:par>
+                  <p:par>
+                    <p:cTn id="15" fill="hold">
+                      <p:stCondLst>
+                        <p:cond delay="indefinite"/>
+                      </p:stCondLst>
+                      <p:childTnLst>
+                        <p:par>
+                          <p:cTn id="16" fill="hold">
+                            <p:stCondLst>
+                              <p:cond delay="0"/>
+                            </p:stCondLst>
+                            <p:childTnLst>
+                              <p:par>
+                                <p:cTn id="17" presetID="1" presetClass="entr" presetSubtype="0" fill="hold" nodeType="clickEffect">
+                                  <p:stCondLst>
+                                    <p:cond delay="0"/>
+                                  </p:stCondLst>
+                                  <p:childTnLst>
+                                    <p:set>
+                                      <p:cBhvr>
+                                        <p:cTn id="18" dur="1" fill="hold">
+                                          <p:stCondLst>
+                                            <p:cond delay="0"/>
+                                          </p:stCondLst>
+                                        </p:cTn>
+                                        <p:tgtEl>
+                                          <p:spTgt spid="5">
+                                            <p:txEl>
+                                              <p:pRg st="4" end="4"/>
+                                            </p:txEl>
+                                          </p:spTgt>
+                                        </p:tgtEl>
+                                        <p:attrNameLst>
+                                          <p:attrName>style.visibility</p:attrName>
+                                        </p:attrNameLst>
+                                      </p:cBhvr>
+                                      <p:to>
+                                        <p:strVal val="visible"/>
+                                      </p:to>
+                                    </p:set>
+                                  </p:childTnLst>
+                                </p:cTn>
+                              </p:par>
+                            </p:childTnLst>
+                          </p:cTn>
+                        </p:par>
+                      </p:childTnLst>
+                    </p:cTn>
+                  </p:par>
+                  <p:par>
+                    <p:cTn id="19" fill="hold">
+                      <p:stCondLst>
+                        <p:cond delay="indefinite"/>
+                      </p:stCondLst>
+                      <p:childTnLst>
+                        <p:par>
+                          <p:cTn id="20" fill="hold">
+                            <p:stCondLst>
+                              <p:cond delay="0"/>
+                            </p:stCondLst>
+                            <p:childTnLst>
+                              <p:par>
+                                <p:cTn id="21" presetID="1" presetClass="entr" presetSubtype="0" fill="hold" nodeType="clickEffect">
+                                  <p:stCondLst>
+                                    <p:cond delay="0"/>
+                                  </p:stCondLst>
+                                  <p:childTnLst>
+                                    <p:set>
+                                      <p:cBhvr>
+                                        <p:cTn id="22" dur="1" fill="hold">
+                                          <p:stCondLst>
+                                            <p:cond delay="0"/>
+                                          </p:stCondLst>
+                                        </p:cTn>
+                                        <p:tgtEl>
+                                          <p:spTgt spid="5">
+                                            <p:txEl>
+                                              <p:pRg st="5" end="5"/>
+                                            </p:txEl>
+                                          </p:spTgt>
+                                        </p:tgtEl>
+                                        <p:attrNameLst>
+                                          <p:attrName>style.visibility</p:attrName>
+                                        </p:attrNameLst>
+                                      </p:cBhvr>
+                                      <p:to>
+                                        <p:strVal val="visible"/>
+                                      </p:to>
+                                    </p:set>
+                                  </p:childTnLst>
+                                </p:cTn>
+                              </p:par>
+                            </p:childTnLst>
+                          </p:cTn>
+                        </p:par>
+                      </p:childTnLst>
+                    </p:cTn>
+                  </p:par>
                 </p:childTnLst>
               </p:cTn>
               <p:prevCondLst>
@@ -10331,7 +11775,7 @@
 </p:sld>
 </file>
 
-<file path=ppt/slides/slide18.xml><?xml version="1.0" encoding="utf-8"?>
+<file path=ppt/slides/slide19.xml><?xml version="1.0" encoding="utf-8"?>
 <p:sld xmlns:a="http://schemas.openxmlformats.org/drawingml/2006/main" xmlns:r="http://schemas.openxmlformats.org/officeDocument/2006/relationships" xmlns:p="http://schemas.openxmlformats.org/presentationml/2006/main">
   <p:cSld>
     <p:spTree>
@@ -10838,7 +12282,142 @@
 </p:sld>
 </file>
 
-<file path=ppt/slides/slide19.xml><?xml version="1.0" encoding="utf-8"?>
+<file path=ppt/slides/slide2.xml><?xml version="1.0" encoding="utf-8"?>
+<p:sld xmlns:a="http://schemas.openxmlformats.org/drawingml/2006/main" xmlns:r="http://schemas.openxmlformats.org/officeDocument/2006/relationships" xmlns:p="http://schemas.openxmlformats.org/presentationml/2006/main">
+  <p:cSld>
+    <p:spTree>
+      <p:nvGrpSpPr>
+        <p:cNvPr id="1" name=""/>
+        <p:cNvGrpSpPr/>
+        <p:nvPr/>
+      </p:nvGrpSpPr>
+      <p:grpSpPr>
+        <a:xfrm>
+          <a:off x="0" y="0"/>
+          <a:ext cx="0" cy="0"/>
+          <a:chOff x="0" y="0"/>
+          <a:chExt cx="0" cy="0"/>
+        </a:xfrm>
+      </p:grpSpPr>
+      <p:sp>
+        <p:nvSpPr>
+          <p:cNvPr id="5" name="Content Placeholder 4">
+            <a:extLst>
+              <a:ext uri="{FF2B5EF4-FFF2-40B4-BE49-F238E27FC236}">
+                <a16:creationId xmlns:a16="http://schemas.microsoft.com/office/drawing/2014/main" id="{15B35FF2-444E-0C72-D2C7-F4B065A68CCB}"/>
+              </a:ext>
+            </a:extLst>
+          </p:cNvPr>
+          <p:cNvSpPr>
+            <a:spLocks noGrp="1"/>
+          </p:cNvSpPr>
+          <p:nvPr>
+            <p:ph idx="1"/>
+          </p:nvPr>
+        </p:nvSpPr>
+        <p:spPr/>
+        <p:txBody>
+          <a:bodyPr/>
+          <a:lstStyle/>
+          <a:p>
+            <a:r>
+              <a:rPr lang="en-US" dirty="0"/>
+              <a:t>HW1, HW3, and potentially some components of HW2 can be done in Rust, Java, or C++</a:t>
+            </a:r>
+          </a:p>
+          <a:p>
+            <a:pPr lvl="1"/>
+            <a:r>
+              <a:rPr lang="en-US" dirty="0"/>
+              <a:t>Part of HW2 will use Java Reflection and Annotations</a:t>
+            </a:r>
+          </a:p>
+          <a:p>
+            <a:pPr lvl="1"/>
+            <a:r>
+              <a:rPr lang="en-US" dirty="0"/>
+              <a:t>Caveats</a:t>
+            </a:r>
+          </a:p>
+          <a:p>
+            <a:pPr lvl="2"/>
+            <a:r>
+              <a:rPr lang="en-US" dirty="0"/>
+              <a:t>Only Java handout</a:t>
+            </a:r>
+          </a:p>
+          <a:p>
+            <a:pPr lvl="2"/>
+            <a:r>
+              <a:rPr lang="en-US" dirty="0"/>
+              <a:t>Fewer resources if using Rust/C++</a:t>
+            </a:r>
+          </a:p>
+          <a:p>
+            <a:pPr lvl="2"/>
+            <a:r>
+              <a:rPr lang="en-US" dirty="0"/>
+              <a:t>Using more than 95% safe Rust will have a 5% of the HW grade as extra-credit</a:t>
+            </a:r>
+          </a:p>
+          <a:p>
+            <a:r>
+              <a:rPr lang="en-US" dirty="0"/>
+              <a:t>Potentially other EC </a:t>
+            </a:r>
+            <a:r>
+              <a:rPr lang="en-US" dirty="0" err="1"/>
+              <a:t>homeworks</a:t>
+            </a:r>
+            <a:r>
+              <a:rPr lang="en-US" dirty="0"/>
+              <a:t> on Rust</a:t>
+            </a:r>
+          </a:p>
+        </p:txBody>
+      </p:sp>
+      <p:sp>
+        <p:nvSpPr>
+          <p:cNvPr id="4" name="Title 3">
+            <a:extLst>
+              <a:ext uri="{FF2B5EF4-FFF2-40B4-BE49-F238E27FC236}">
+                <a16:creationId xmlns:a16="http://schemas.microsoft.com/office/drawing/2014/main" id="{E19C93AA-7F3B-D081-D2DA-31D9CFFD1879}"/>
+              </a:ext>
+            </a:extLst>
+          </p:cNvPr>
+          <p:cNvSpPr>
+            <a:spLocks noGrp="1"/>
+          </p:cNvSpPr>
+          <p:nvPr>
+            <p:ph type="title"/>
+          </p:nvPr>
+        </p:nvSpPr>
+        <p:spPr/>
+        <p:txBody>
+          <a:bodyPr/>
+          <a:lstStyle/>
+          <a:p>
+            <a:r>
+              <a:rPr lang="en-US" dirty="0"/>
+              <a:t>Announcements</a:t>
+            </a:r>
+          </a:p>
+        </p:txBody>
+      </p:sp>
+    </p:spTree>
+    <p:extLst>
+      <p:ext uri="{BB962C8B-B14F-4D97-AF65-F5344CB8AC3E}">
+        <p14:creationId xmlns:p14="http://schemas.microsoft.com/office/powerpoint/2010/main" val="1555245662"/>
+      </p:ext>
+    </p:extLst>
+  </p:cSld>
+  <p:clrMapOvr>
+    <a:masterClrMapping/>
+  </p:clrMapOvr>
+</p:sld>
+</file>
+
+<file path=ppt/slides/slide20.xml><?xml version="1.0" encoding="utf-8"?>
 <p:sld xmlns:a="http://schemas.openxmlformats.org/drawingml/2006/main" xmlns:r="http://schemas.openxmlformats.org/officeDocument/2006/relationships" xmlns:p="http://schemas.openxmlformats.org/presentationml/2006/main">
   <p:cSld>
     <p:spTree>
@@ -11369,142 +12948,7 @@
 </p:sld>
 </file>
 
-<file path=ppt/slides/slide2.xml><?xml version="1.0" encoding="utf-8"?>
-<p:sld xmlns:a="http://schemas.openxmlformats.org/drawingml/2006/main" xmlns:r="http://schemas.openxmlformats.org/officeDocument/2006/relationships" xmlns:p="http://schemas.openxmlformats.org/presentationml/2006/main">
-  <p:cSld>
-    <p:spTree>
-      <p:nvGrpSpPr>
-        <p:cNvPr id="1" name=""/>
-        <p:cNvGrpSpPr/>
-        <p:nvPr/>
-      </p:nvGrpSpPr>
-      <p:grpSpPr>
-        <a:xfrm>
-          <a:off x="0" y="0"/>
-          <a:ext cx="0" cy="0"/>
-          <a:chOff x="0" y="0"/>
-          <a:chExt cx="0" cy="0"/>
-        </a:xfrm>
-      </p:grpSpPr>
-      <p:sp>
-        <p:nvSpPr>
-          <p:cNvPr id="5" name="Content Placeholder 4">
-            <a:extLst>
-              <a:ext uri="{FF2B5EF4-FFF2-40B4-BE49-F238E27FC236}">
-                <a16:creationId xmlns:a16="http://schemas.microsoft.com/office/drawing/2014/main" id="{15B35FF2-444E-0C72-D2C7-F4B065A68CCB}"/>
-              </a:ext>
-            </a:extLst>
-          </p:cNvPr>
-          <p:cNvSpPr>
-            <a:spLocks noGrp="1"/>
-          </p:cNvSpPr>
-          <p:nvPr>
-            <p:ph idx="1"/>
-          </p:nvPr>
-        </p:nvSpPr>
-        <p:spPr/>
-        <p:txBody>
-          <a:bodyPr/>
-          <a:lstStyle/>
-          <a:p>
-            <a:r>
-              <a:rPr lang="en-US" dirty="0"/>
-              <a:t>HW1, HW3, and potentially some components of HW2 can be done in Rust, Java, or C++</a:t>
-            </a:r>
-          </a:p>
-          <a:p>
-            <a:pPr lvl="1"/>
-            <a:r>
-              <a:rPr lang="en-US" dirty="0"/>
-              <a:t>Part of HW2 will use Java Reflection and Annotations</a:t>
-            </a:r>
-          </a:p>
-          <a:p>
-            <a:pPr lvl="1"/>
-            <a:r>
-              <a:rPr lang="en-US" dirty="0"/>
-              <a:t>Caveats</a:t>
-            </a:r>
-          </a:p>
-          <a:p>
-            <a:pPr lvl="2"/>
-            <a:r>
-              <a:rPr lang="en-US" dirty="0"/>
-              <a:t>Only Java handout</a:t>
-            </a:r>
-          </a:p>
-          <a:p>
-            <a:pPr lvl="2"/>
-            <a:r>
-              <a:rPr lang="en-US" dirty="0"/>
-              <a:t>Fewer resources if using Rust/C++</a:t>
-            </a:r>
-          </a:p>
-          <a:p>
-            <a:pPr lvl="2"/>
-            <a:r>
-              <a:rPr lang="en-US" dirty="0"/>
-              <a:t>Using more than 95% safe Rust will have a 5% of the HW grade as extra-credit</a:t>
-            </a:r>
-          </a:p>
-          <a:p>
-            <a:r>
-              <a:rPr lang="en-US" dirty="0"/>
-              <a:t>Potentially other EC </a:t>
-            </a:r>
-            <a:r>
-              <a:rPr lang="en-US" dirty="0" err="1"/>
-              <a:t>homeworks</a:t>
-            </a:r>
-            <a:r>
-              <a:rPr lang="en-US" dirty="0"/>
-              <a:t> on Rust</a:t>
-            </a:r>
-          </a:p>
-        </p:txBody>
-      </p:sp>
-      <p:sp>
-        <p:nvSpPr>
-          <p:cNvPr id="4" name="Title 3">
-            <a:extLst>
-              <a:ext uri="{FF2B5EF4-FFF2-40B4-BE49-F238E27FC236}">
-                <a16:creationId xmlns:a16="http://schemas.microsoft.com/office/drawing/2014/main" id="{E19C93AA-7F3B-D081-D2DA-31D9CFFD1879}"/>
-              </a:ext>
-            </a:extLst>
-          </p:cNvPr>
-          <p:cNvSpPr>
-            <a:spLocks noGrp="1"/>
-          </p:cNvSpPr>
-          <p:nvPr>
-            <p:ph type="title"/>
-          </p:nvPr>
-        </p:nvSpPr>
-        <p:spPr/>
-        <p:txBody>
-          <a:bodyPr/>
-          <a:lstStyle/>
-          <a:p>
-            <a:r>
-              <a:rPr lang="en-US" dirty="0"/>
-              <a:t>Announcements</a:t>
-            </a:r>
-          </a:p>
-        </p:txBody>
-      </p:sp>
-    </p:spTree>
-    <p:extLst>
-      <p:ext uri="{BB962C8B-B14F-4D97-AF65-F5344CB8AC3E}">
-        <p14:creationId xmlns:p14="http://schemas.microsoft.com/office/powerpoint/2010/main" val="1555245662"/>
-      </p:ext>
-    </p:extLst>
-  </p:cSld>
-  <p:clrMapOvr>
-    <a:masterClrMapping/>
-  </p:clrMapOvr>
-</p:sld>
-</file>
-
-<file path=ppt/slides/slide20.xml><?xml version="1.0" encoding="utf-8"?>
+<file path=ppt/slides/slide21.xml><?xml version="1.0" encoding="utf-8"?>
 <p:sld xmlns:a="http://schemas.openxmlformats.org/drawingml/2006/main" xmlns:r="http://schemas.openxmlformats.org/officeDocument/2006/relationships" xmlns:p="http://schemas.openxmlformats.org/presentationml/2006/main">
   <p:cSld>
     <p:spTree>
@@ -12383,8 +13827,8 @@
         </p:blipFill>
         <p:spPr>
           <a:xfrm>
-            <a:off x="428978" y="1146101"/>
-            <a:ext cx="11199923" cy="4496084"/>
+            <a:off x="603421" y="1209671"/>
+            <a:ext cx="10666003" cy="4281748"/>
           </a:xfrm>
           <a:prstGeom prst="rect">
             <a:avLst/>
@@ -12479,7 +13923,7 @@
 </p:sld>
 </file>
 
-<file path=ppt/slides/slide21.xml><?xml version="1.0" encoding="utf-8"?>
+<file path=ppt/slides/slide22.xml><?xml version="1.0" encoding="utf-8"?>
 <p:sld xmlns:a="http://schemas.openxmlformats.org/drawingml/2006/main" xmlns:r="http://schemas.openxmlformats.org/officeDocument/2006/relationships" xmlns:p="http://schemas.openxmlformats.org/presentationml/2006/main">
   <p:cSld>
     <p:spTree>
@@ -12545,7 +13989,7 @@
           <p:nvPr/>
         </p:nvPicPr>
         <p:blipFill>
-          <a:blip r:embed="rId2" cstate="print">
+          <a:blip r:embed="rId3" cstate="print">
             <a:extLst>
               <a:ext uri="{28A0092B-C50C-407E-A947-70E740481C1C}">
                 <a14:useLocalDpi xmlns:a14="http://schemas.microsoft.com/office/drawing/2010/main" val="0"/>
@@ -12592,7 +14036,7 @@
           <p:nvPr/>
         </p:nvPicPr>
         <p:blipFill>
-          <a:blip r:embed="rId3" cstate="print">
+          <a:blip r:embed="rId4" cstate="print">
             <a:extLst>
               <a:ext uri="{28A0092B-C50C-407E-A947-70E740481C1C}">
                 <a14:useLocalDpi xmlns:a14="http://schemas.microsoft.com/office/drawing/2010/main" val="0"/>
@@ -12714,7 +14158,7 @@
           <p:nvPr/>
         </p:nvPicPr>
         <p:blipFill>
-          <a:blip r:embed="rId4" cstate="print">
+          <a:blip r:embed="rId5" cstate="print">
             <a:extLst>
               <a:ext uri="{28A0092B-C50C-407E-A947-70E740481C1C}">
                 <a14:useLocalDpi xmlns:a14="http://schemas.microsoft.com/office/drawing/2010/main" val="0"/>
@@ -13173,7 +14617,7 @@
 </p:sld>
 </file>
 
-<file path=ppt/slides/slide22.xml><?xml version="1.0" encoding="utf-8"?>
+<file path=ppt/slides/slide23.xml><?xml version="1.0" encoding="utf-8"?>
 <p:sld xmlns:a="http://schemas.openxmlformats.org/drawingml/2006/main" xmlns:r="http://schemas.openxmlformats.org/officeDocument/2006/relationships" xmlns:p="http://schemas.openxmlformats.org/presentationml/2006/main">
   <p:cSld>
     <p:spTree>
@@ -14061,7 +15505,7 @@
 </p:sld>
 </file>
 
-<file path=ppt/slides/slide23.xml><?xml version="1.0" encoding="utf-8"?>
+<file path=ppt/slides/slide24.xml><?xml version="1.0" encoding="utf-8"?>
 <p:sld xmlns:a="http://schemas.openxmlformats.org/drawingml/2006/main" xmlns:r="http://schemas.openxmlformats.org/officeDocument/2006/relationships" xmlns:p="http://schemas.openxmlformats.org/presentationml/2006/main">
   <p:cSld>
     <p:spTree>
@@ -14191,7 +15635,7 @@
             </a:r>
             <a:r>
               <a:rPr lang="en-US" dirty="0" err="1"/>
-              <a:t>mysqldb</a:t>
+              <a:t>db</a:t>
             </a:r>
             <a:r>
               <a:rPr lang="en-US" dirty="0"/>
@@ -14246,7 +15690,7 @@
             </a:r>
             <a:r>
               <a:rPr lang="en-US" dirty="0" err="1"/>
-              <a:t>mysqldb</a:t>
+              <a:t>db</a:t>
             </a:r>
             <a:r>
               <a:rPr lang="en-US" dirty="0"/>
@@ -14713,7 +16157,7 @@
 </p:sld>
 </file>
 
-<file path=ppt/slides/slide24.xml><?xml version="1.0" encoding="utf-8"?>
+<file path=ppt/slides/slide25.xml><?xml version="1.0" encoding="utf-8"?>
 <p:sld xmlns:a="http://schemas.openxmlformats.org/drawingml/2006/main" xmlns:r="http://schemas.openxmlformats.org/officeDocument/2006/relationships" xmlns:p="http://schemas.openxmlformats.org/presentationml/2006/main">
   <p:cSld>
     <p:spTree>
@@ -14999,6 +16443,12 @@
         <p:txBody>
           <a:bodyPr/>
           <a:lstStyle/>
+          <a:p>
+            <a:r>
+              <a:rPr lang="en-US" dirty="0"/>
+              <a:t>Anticipate potential extensions</a:t>
+            </a:r>
+          </a:p>
           <a:p>
             <a:r>
               <a:rPr lang="en-US" dirty="0"/>
@@ -15256,7 +16706,7 @@
         </p:nvSpPr>
         <p:spPr>
           <a:xfrm>
-            <a:off x="805445" y="3270130"/>
+            <a:off x="887458" y="3880309"/>
             <a:ext cx="900626" cy="533400"/>
           </a:xfrm>
           <a:prstGeom prst="rect">
@@ -15306,7 +16756,7 @@
         </p:nvSpPr>
         <p:spPr>
           <a:xfrm>
-            <a:off x="139036" y="4254500"/>
+            <a:off x="221049" y="4864679"/>
             <a:ext cx="1321464" cy="533400"/>
           </a:xfrm>
           <a:prstGeom prst="rect">
@@ -15356,7 +16806,7 @@
         </p:nvSpPr>
         <p:spPr>
           <a:xfrm>
-            <a:off x="1706071" y="4254500"/>
+            <a:off x="1788084" y="4864679"/>
             <a:ext cx="900626" cy="533400"/>
           </a:xfrm>
           <a:prstGeom prst="rect">
@@ -15409,7 +16859,7 @@
         </p:nvCxnSpPr>
         <p:spPr>
           <a:xfrm flipH="1">
-            <a:off x="799768" y="3803530"/>
+            <a:off x="881781" y="4413709"/>
             <a:ext cx="455990" cy="450970"/>
           </a:xfrm>
           <a:prstGeom prst="straightConnector1">
@@ -15451,7 +16901,7 @@
         </p:nvCxnSpPr>
         <p:spPr>
           <a:xfrm>
-            <a:off x="1255758" y="3803530"/>
+            <a:off x="1337771" y="4413709"/>
             <a:ext cx="900626" cy="450970"/>
           </a:xfrm>
           <a:prstGeom prst="straightConnector1">
@@ -15490,7 +16940,7 @@
         </p:nvSpPr>
         <p:spPr>
           <a:xfrm>
-            <a:off x="3624845" y="3270130"/>
+            <a:off x="3706858" y="3880309"/>
             <a:ext cx="900626" cy="533400"/>
           </a:xfrm>
           <a:prstGeom prst="rect">
@@ -15540,7 +16990,7 @@
         </p:nvSpPr>
         <p:spPr>
           <a:xfrm>
-            <a:off x="2958436" y="4254500"/>
+            <a:off x="3040449" y="4864679"/>
             <a:ext cx="1321464" cy="533400"/>
           </a:xfrm>
           <a:prstGeom prst="rect">
@@ -15590,7 +17040,7 @@
         </p:nvSpPr>
         <p:spPr>
           <a:xfrm>
-            <a:off x="4525471" y="4254500"/>
+            <a:off x="4607484" y="4864679"/>
             <a:ext cx="900626" cy="533400"/>
           </a:xfrm>
           <a:prstGeom prst="rect">
@@ -15643,7 +17093,7 @@
         </p:nvCxnSpPr>
         <p:spPr>
           <a:xfrm flipH="1">
-            <a:off x="3619168" y="3803530"/>
+            <a:off x="3701181" y="4413709"/>
             <a:ext cx="455990" cy="450970"/>
           </a:xfrm>
           <a:prstGeom prst="straightConnector1">
@@ -15685,7 +17135,7 @@
         </p:nvCxnSpPr>
         <p:spPr>
           <a:xfrm>
-            <a:off x="4075158" y="3803530"/>
+            <a:off x="4157171" y="4413709"/>
             <a:ext cx="900626" cy="450970"/>
           </a:xfrm>
           <a:prstGeom prst="straightConnector1">
@@ -15724,7 +17174,7 @@
         </p:nvSpPr>
         <p:spPr>
           <a:xfrm>
-            <a:off x="1943100" y="3803530"/>
+            <a:off x="2025113" y="4413709"/>
             <a:ext cx="1309461" cy="646331"/>
           </a:xfrm>
           <a:prstGeom prst="rect">
@@ -15762,7 +17212,7 @@
         </p:nvSpPr>
         <p:spPr>
           <a:xfrm>
-            <a:off x="4624682" y="3777677"/>
+            <a:off x="4687996" y="4324982"/>
             <a:ext cx="1309461" cy="369332"/>
           </a:xfrm>
           <a:prstGeom prst="rect">
@@ -15814,7 +17264,7 @@
                             </p:stCondLst>
                             <p:childTnLst>
                               <p:par>
-                                <p:cTn id="5" presetID="1" presetClass="entr" presetSubtype="0" fill="hold" grpId="0" nodeType="clickEffect">
+                                <p:cTn id="5" presetID="1" presetClass="entr" presetSubtype="0" fill="hold" nodeType="clickEffect">
                                   <p:stCondLst>
                                     <p:cond delay="0"/>
                                   </p:stCondLst>
@@ -15822,6 +17272,86 @@
                                     <p:set>
                                       <p:cBhvr>
                                         <p:cTn id="6" dur="1" fill="hold">
+                                          <p:stCondLst>
+                                            <p:cond delay="0"/>
+                                          </p:stCondLst>
+                                        </p:cTn>
+                                        <p:tgtEl>
+                                          <p:spTgt spid="4">
+                                            <p:txEl>
+                                              <p:pRg st="1" end="1"/>
+                                            </p:txEl>
+                                          </p:spTgt>
+                                        </p:tgtEl>
+                                        <p:attrNameLst>
+                                          <p:attrName>style.visibility</p:attrName>
+                                        </p:attrNameLst>
+                                      </p:cBhvr>
+                                      <p:to>
+                                        <p:strVal val="visible"/>
+                                      </p:to>
+                                    </p:set>
+                                  </p:childTnLst>
+                                </p:cTn>
+                              </p:par>
+                              <p:par>
+                                <p:cTn id="7" presetID="1" presetClass="entr" presetSubtype="0" fill="hold" nodeType="withEffect">
+                                  <p:stCondLst>
+                                    <p:cond delay="0"/>
+                                  </p:stCondLst>
+                                  <p:childTnLst>
+                                    <p:set>
+                                      <p:cBhvr>
+                                        <p:cTn id="8" dur="1" fill="hold">
+                                          <p:stCondLst>
+                                            <p:cond delay="0"/>
+                                          </p:stCondLst>
+                                        </p:cTn>
+                                        <p:tgtEl>
+                                          <p:spTgt spid="4">
+                                            <p:txEl>
+                                              <p:pRg st="2" end="2"/>
+                                            </p:txEl>
+                                          </p:spTgt>
+                                        </p:tgtEl>
+                                        <p:attrNameLst>
+                                          <p:attrName>style.visibility</p:attrName>
+                                        </p:attrNameLst>
+                                      </p:cBhvr>
+                                      <p:to>
+                                        <p:strVal val="visible"/>
+                                      </p:to>
+                                    </p:set>
+                                  </p:childTnLst>
+                                </p:cTn>
+                              </p:par>
+                            </p:childTnLst>
+                          </p:cTn>
+                        </p:par>
+                      </p:childTnLst>
+                    </p:cTn>
+                  </p:par>
+                  <p:par>
+                    <p:cTn id="9" fill="hold">
+                      <p:stCondLst>
+                        <p:cond delay="indefinite"/>
+                      </p:stCondLst>
+                      <p:childTnLst>
+                        <p:par>
+                          <p:cTn id="10" fill="hold">
+                            <p:stCondLst>
+                              <p:cond delay="0"/>
+                            </p:stCondLst>
+                            <p:childTnLst>
+                              <p:par>
+                                <p:cTn id="11" presetID="1" presetClass="entr" presetSubtype="0" fill="hold" grpId="0" nodeType="clickEffect">
+                                  <p:stCondLst>
+                                    <p:cond delay="0"/>
+                                  </p:stCondLst>
+                                  <p:childTnLst>
+                                    <p:set>
+                                      <p:cBhvr>
+                                        <p:cTn id="12" dur="1" fill="hold">
                                           <p:stCondLst>
                                             <p:cond delay="0"/>
                                           </p:stCondLst>
@@ -15847,26 +17377,26 @@
                     </p:cTn>
                   </p:par>
                   <p:par>
-                    <p:cTn id="7" fill="hold">
+                    <p:cTn id="13" fill="hold">
                       <p:stCondLst>
                         <p:cond delay="indefinite"/>
                       </p:stCondLst>
                       <p:childTnLst>
                         <p:par>
-                          <p:cTn id="8" fill="hold">
+                          <p:cTn id="14" fill="hold">
                             <p:stCondLst>
                               <p:cond delay="0"/>
                             </p:stCondLst>
                             <p:childTnLst>
                               <p:par>
-                                <p:cTn id="9" presetID="1" presetClass="exit" presetSubtype="0" fill="hold" grpId="1" nodeType="clickEffect">
+                                <p:cTn id="15" presetID="1" presetClass="exit" presetSubtype="0" fill="hold" grpId="1" nodeType="clickEffect">
                                   <p:stCondLst>
                                     <p:cond delay="0"/>
                                   </p:stCondLst>
                                   <p:childTnLst>
                                     <p:set>
                                       <p:cBhvr>
-                                        <p:cTn id="10" dur="1" fill="hold">
+                                        <p:cTn id="16" dur="1" fill="hold">
                                           <p:stCondLst>
                                             <p:cond delay="0"/>
                                           </p:stCondLst>
@@ -15892,26 +17422,26 @@
                     </p:cTn>
                   </p:par>
                   <p:par>
-                    <p:cTn id="11" fill="hold">
+                    <p:cTn id="17" fill="hold">
                       <p:stCondLst>
                         <p:cond delay="indefinite"/>
                       </p:stCondLst>
                       <p:childTnLst>
                         <p:par>
-                          <p:cTn id="12" fill="hold">
+                          <p:cTn id="18" fill="hold">
                             <p:stCondLst>
                               <p:cond delay="0"/>
                             </p:stCondLst>
                             <p:childTnLst>
                               <p:par>
-                                <p:cTn id="13" presetID="1" presetClass="entr" presetSubtype="0" fill="hold" grpId="0" nodeType="clickEffect">
+                                <p:cTn id="19" presetID="1" presetClass="entr" presetSubtype="0" fill="hold" grpId="0" nodeType="clickEffect">
                                   <p:stCondLst>
                                     <p:cond delay="0"/>
                                   </p:stCondLst>
                                   <p:childTnLst>
                                     <p:set>
                                       <p:cBhvr>
-                                        <p:cTn id="14" dur="1" fill="hold">
+                                        <p:cTn id="20" dur="1" fill="hold">
                                           <p:stCondLst>
                                             <p:cond delay="0"/>
                                           </p:stCondLst>
@@ -15937,26 +17467,26 @@
                     </p:cTn>
                   </p:par>
                   <p:par>
-                    <p:cTn id="15" fill="hold">
+                    <p:cTn id="21" fill="hold">
                       <p:stCondLst>
                         <p:cond delay="indefinite"/>
                       </p:stCondLst>
                       <p:childTnLst>
                         <p:par>
-                          <p:cTn id="16" fill="hold">
+                          <p:cTn id="22" fill="hold">
                             <p:stCondLst>
                               <p:cond delay="0"/>
                             </p:stCondLst>
                             <p:childTnLst>
                               <p:par>
-                                <p:cTn id="17" presetID="1" presetClass="exit" presetSubtype="0" fill="hold" grpId="1" nodeType="clickEffect">
+                                <p:cTn id="23" presetID="1" presetClass="exit" presetSubtype="0" fill="hold" grpId="1" nodeType="clickEffect">
                                   <p:stCondLst>
                                     <p:cond delay="0"/>
                                   </p:stCondLst>
                                   <p:childTnLst>
                                     <p:set>
                                       <p:cBhvr>
-                                        <p:cTn id="18" dur="1" fill="hold">
+                                        <p:cTn id="24" dur="1" fill="hold">
                                           <p:stCondLst>
                                             <p:cond delay="0"/>
                                           </p:stCondLst>
@@ -15982,26 +17512,26 @@
                     </p:cTn>
                   </p:par>
                   <p:par>
-                    <p:cTn id="19" fill="hold">
+                    <p:cTn id="25" fill="hold">
                       <p:stCondLst>
                         <p:cond delay="indefinite"/>
                       </p:stCondLst>
                       <p:childTnLst>
                         <p:par>
-                          <p:cTn id="20" fill="hold">
+                          <p:cTn id="26" fill="hold">
                             <p:stCondLst>
                               <p:cond delay="0"/>
                             </p:stCondLst>
                             <p:childTnLst>
                               <p:par>
-                                <p:cTn id="21" presetID="1" presetClass="entr" presetSubtype="0" fill="hold" grpId="0" nodeType="clickEffect">
+                                <p:cTn id="27" presetID="1" presetClass="entr" presetSubtype="0" fill="hold" grpId="0" nodeType="clickEffect">
                                   <p:stCondLst>
                                     <p:cond delay="0"/>
                                   </p:stCondLst>
                                   <p:childTnLst>
                                     <p:set>
                                       <p:cBhvr>
-                                        <p:cTn id="22" dur="1" fill="hold">
+                                        <p:cTn id="28" dur="1" fill="hold">
                                           <p:stCondLst>
                                             <p:cond delay="0"/>
                                           </p:stCondLst>
@@ -16027,26 +17557,26 @@
                     </p:cTn>
                   </p:par>
                   <p:par>
-                    <p:cTn id="23" fill="hold">
+                    <p:cTn id="29" fill="hold">
                       <p:stCondLst>
                         <p:cond delay="indefinite"/>
                       </p:stCondLst>
                       <p:childTnLst>
                         <p:par>
-                          <p:cTn id="24" fill="hold">
+                          <p:cTn id="30" fill="hold">
                             <p:stCondLst>
                               <p:cond delay="0"/>
                             </p:stCondLst>
                             <p:childTnLst>
                               <p:par>
-                                <p:cTn id="25" presetID="1" presetClass="exit" presetSubtype="0" fill="hold" grpId="1" nodeType="clickEffect">
+                                <p:cTn id="31" presetID="1" presetClass="exit" presetSubtype="0" fill="hold" grpId="1" nodeType="clickEffect">
                                   <p:stCondLst>
                                     <p:cond delay="0"/>
                                   </p:stCondLst>
                                   <p:childTnLst>
                                     <p:set>
                                       <p:cBhvr>
-                                        <p:cTn id="26" dur="1" fill="hold">
+                                        <p:cTn id="32" dur="1" fill="hold">
                                           <p:stCondLst>
                                             <p:cond delay="0"/>
                                           </p:stCondLst>
@@ -16060,6 +17590,348 @@
                                       </p:cBhvr>
                                       <p:to>
                                         <p:strVal val="hidden"/>
+                                      </p:to>
+                                    </p:set>
+                                  </p:childTnLst>
+                                </p:cTn>
+                              </p:par>
+                            </p:childTnLst>
+                          </p:cTn>
+                        </p:par>
+                      </p:childTnLst>
+                    </p:cTn>
+                  </p:par>
+                  <p:par>
+                    <p:cTn id="33" fill="hold">
+                      <p:stCondLst>
+                        <p:cond delay="indefinite"/>
+                      </p:stCondLst>
+                      <p:childTnLst>
+                        <p:par>
+                          <p:cTn id="34" fill="hold">
+                            <p:stCondLst>
+                              <p:cond delay="0"/>
+                            </p:stCondLst>
+                            <p:childTnLst>
+                              <p:par>
+                                <p:cTn id="35" presetID="1" presetClass="entr" presetSubtype="0" fill="hold" grpId="0" nodeType="clickEffect">
+                                  <p:stCondLst>
+                                    <p:cond delay="0"/>
+                                  </p:stCondLst>
+                                  <p:childTnLst>
+                                    <p:set>
+                                      <p:cBhvr>
+                                        <p:cTn id="36" dur="1" fill="hold">
+                                          <p:stCondLst>
+                                            <p:cond delay="0"/>
+                                          </p:stCondLst>
+                                        </p:cTn>
+                                        <p:tgtEl>
+                                          <p:spTgt spid="8"/>
+                                        </p:tgtEl>
+                                        <p:attrNameLst>
+                                          <p:attrName>style.visibility</p:attrName>
+                                        </p:attrNameLst>
+                                      </p:cBhvr>
+                                      <p:to>
+                                        <p:strVal val="visible"/>
+                                      </p:to>
+                                    </p:set>
+                                  </p:childTnLst>
+                                </p:cTn>
+                              </p:par>
+                              <p:par>
+                                <p:cTn id="37" presetID="1" presetClass="entr" presetSubtype="0" fill="hold" grpId="0" nodeType="withEffect">
+                                  <p:stCondLst>
+                                    <p:cond delay="0"/>
+                                  </p:stCondLst>
+                                  <p:childTnLst>
+                                    <p:set>
+                                      <p:cBhvr>
+                                        <p:cTn id="38" dur="1" fill="hold">
+                                          <p:stCondLst>
+                                            <p:cond delay="0"/>
+                                          </p:stCondLst>
+                                        </p:cTn>
+                                        <p:tgtEl>
+                                          <p:spTgt spid="9"/>
+                                        </p:tgtEl>
+                                        <p:attrNameLst>
+                                          <p:attrName>style.visibility</p:attrName>
+                                        </p:attrNameLst>
+                                      </p:cBhvr>
+                                      <p:to>
+                                        <p:strVal val="visible"/>
+                                      </p:to>
+                                    </p:set>
+                                  </p:childTnLst>
+                                </p:cTn>
+                              </p:par>
+                              <p:par>
+                                <p:cTn id="39" presetID="1" presetClass="entr" presetSubtype="0" fill="hold" grpId="0" nodeType="withEffect">
+                                  <p:stCondLst>
+                                    <p:cond delay="0"/>
+                                  </p:stCondLst>
+                                  <p:childTnLst>
+                                    <p:set>
+                                      <p:cBhvr>
+                                        <p:cTn id="40" dur="1" fill="hold">
+                                          <p:stCondLst>
+                                            <p:cond delay="0"/>
+                                          </p:stCondLst>
+                                        </p:cTn>
+                                        <p:tgtEl>
+                                          <p:spTgt spid="10"/>
+                                        </p:tgtEl>
+                                        <p:attrNameLst>
+                                          <p:attrName>style.visibility</p:attrName>
+                                        </p:attrNameLst>
+                                      </p:cBhvr>
+                                      <p:to>
+                                        <p:strVal val="visible"/>
+                                      </p:to>
+                                    </p:set>
+                                  </p:childTnLst>
+                                </p:cTn>
+                              </p:par>
+                              <p:par>
+                                <p:cTn id="41" presetID="1" presetClass="entr" presetSubtype="0" fill="hold" nodeType="withEffect">
+                                  <p:stCondLst>
+                                    <p:cond delay="0"/>
+                                  </p:stCondLst>
+                                  <p:childTnLst>
+                                    <p:set>
+                                      <p:cBhvr>
+                                        <p:cTn id="42" dur="1" fill="hold">
+                                          <p:stCondLst>
+                                            <p:cond delay="0"/>
+                                          </p:stCondLst>
+                                        </p:cTn>
+                                        <p:tgtEl>
+                                          <p:spTgt spid="12"/>
+                                        </p:tgtEl>
+                                        <p:attrNameLst>
+                                          <p:attrName>style.visibility</p:attrName>
+                                        </p:attrNameLst>
+                                      </p:cBhvr>
+                                      <p:to>
+                                        <p:strVal val="visible"/>
+                                      </p:to>
+                                    </p:set>
+                                  </p:childTnLst>
+                                </p:cTn>
+                              </p:par>
+                              <p:par>
+                                <p:cTn id="43" presetID="1" presetClass="entr" presetSubtype="0" fill="hold" nodeType="withEffect">
+                                  <p:stCondLst>
+                                    <p:cond delay="0"/>
+                                  </p:stCondLst>
+                                  <p:childTnLst>
+                                    <p:set>
+                                      <p:cBhvr>
+                                        <p:cTn id="44" dur="1" fill="hold">
+                                          <p:stCondLst>
+                                            <p:cond delay="0"/>
+                                          </p:stCondLst>
+                                        </p:cTn>
+                                        <p:tgtEl>
+                                          <p:spTgt spid="14"/>
+                                        </p:tgtEl>
+                                        <p:attrNameLst>
+                                          <p:attrName>style.visibility</p:attrName>
+                                        </p:attrNameLst>
+                                      </p:cBhvr>
+                                      <p:to>
+                                        <p:strVal val="visible"/>
+                                      </p:to>
+                                    </p:set>
+                                  </p:childTnLst>
+                                </p:cTn>
+                              </p:par>
+                              <p:par>
+                                <p:cTn id="45" presetID="1" presetClass="entr" presetSubtype="0" fill="hold" grpId="0" nodeType="withEffect">
+                                  <p:stCondLst>
+                                    <p:cond delay="0"/>
+                                  </p:stCondLst>
+                                  <p:childTnLst>
+                                    <p:set>
+                                      <p:cBhvr>
+                                        <p:cTn id="46" dur="1" fill="hold">
+                                          <p:stCondLst>
+                                            <p:cond delay="0"/>
+                                          </p:stCondLst>
+                                        </p:cTn>
+                                        <p:tgtEl>
+                                          <p:spTgt spid="20"/>
+                                        </p:tgtEl>
+                                        <p:attrNameLst>
+                                          <p:attrName>style.visibility</p:attrName>
+                                        </p:attrNameLst>
+                                      </p:cBhvr>
+                                      <p:to>
+                                        <p:strVal val="visible"/>
+                                      </p:to>
+                                    </p:set>
+                                  </p:childTnLst>
+                                </p:cTn>
+                              </p:par>
+                              <p:par>
+                                <p:cTn id="47" presetID="1" presetClass="entr" presetSubtype="0" fill="hold" grpId="0" nodeType="withEffect">
+                                  <p:stCondLst>
+                                    <p:cond delay="0"/>
+                                  </p:stCondLst>
+                                  <p:childTnLst>
+                                    <p:set>
+                                      <p:cBhvr>
+                                        <p:cTn id="48" dur="1" fill="hold">
+                                          <p:stCondLst>
+                                            <p:cond delay="0"/>
+                                          </p:stCondLst>
+                                        </p:cTn>
+                                        <p:tgtEl>
+                                          <p:spTgt spid="21"/>
+                                        </p:tgtEl>
+                                        <p:attrNameLst>
+                                          <p:attrName>style.visibility</p:attrName>
+                                        </p:attrNameLst>
+                                      </p:cBhvr>
+                                      <p:to>
+                                        <p:strVal val="visible"/>
+                                      </p:to>
+                                    </p:set>
+                                  </p:childTnLst>
+                                </p:cTn>
+                              </p:par>
+                              <p:par>
+                                <p:cTn id="49" presetID="1" presetClass="entr" presetSubtype="0" fill="hold" grpId="0" nodeType="withEffect">
+                                  <p:stCondLst>
+                                    <p:cond delay="0"/>
+                                  </p:stCondLst>
+                                  <p:childTnLst>
+                                    <p:set>
+                                      <p:cBhvr>
+                                        <p:cTn id="50" dur="1" fill="hold">
+                                          <p:stCondLst>
+                                            <p:cond delay="0"/>
+                                          </p:stCondLst>
+                                        </p:cTn>
+                                        <p:tgtEl>
+                                          <p:spTgt spid="22"/>
+                                        </p:tgtEl>
+                                        <p:attrNameLst>
+                                          <p:attrName>style.visibility</p:attrName>
+                                        </p:attrNameLst>
+                                      </p:cBhvr>
+                                      <p:to>
+                                        <p:strVal val="visible"/>
+                                      </p:to>
+                                    </p:set>
+                                  </p:childTnLst>
+                                </p:cTn>
+                              </p:par>
+                              <p:par>
+                                <p:cTn id="51" presetID="1" presetClass="entr" presetSubtype="0" fill="hold" nodeType="withEffect">
+                                  <p:stCondLst>
+                                    <p:cond delay="0"/>
+                                  </p:stCondLst>
+                                  <p:childTnLst>
+                                    <p:set>
+                                      <p:cBhvr>
+                                        <p:cTn id="52" dur="1" fill="hold">
+                                          <p:stCondLst>
+                                            <p:cond delay="0"/>
+                                          </p:stCondLst>
+                                        </p:cTn>
+                                        <p:tgtEl>
+                                          <p:spTgt spid="23"/>
+                                        </p:tgtEl>
+                                        <p:attrNameLst>
+                                          <p:attrName>style.visibility</p:attrName>
+                                        </p:attrNameLst>
+                                      </p:cBhvr>
+                                      <p:to>
+                                        <p:strVal val="visible"/>
+                                      </p:to>
+                                    </p:set>
+                                  </p:childTnLst>
+                                </p:cTn>
+                              </p:par>
+                              <p:par>
+                                <p:cTn id="53" presetID="1" presetClass="entr" presetSubtype="0" fill="hold" nodeType="withEffect">
+                                  <p:stCondLst>
+                                    <p:cond delay="0"/>
+                                  </p:stCondLst>
+                                  <p:childTnLst>
+                                    <p:set>
+                                      <p:cBhvr>
+                                        <p:cTn id="54" dur="1" fill="hold">
+                                          <p:stCondLst>
+                                            <p:cond delay="0"/>
+                                          </p:stCondLst>
+                                        </p:cTn>
+                                        <p:tgtEl>
+                                          <p:spTgt spid="24"/>
+                                        </p:tgtEl>
+                                        <p:attrNameLst>
+                                          <p:attrName>style.visibility</p:attrName>
+                                        </p:attrNameLst>
+                                      </p:cBhvr>
+                                      <p:to>
+                                        <p:strVal val="visible"/>
+                                      </p:to>
+                                    </p:set>
+                                  </p:childTnLst>
+                                </p:cTn>
+                              </p:par>
+                              <p:par>
+                                <p:cTn id="55" presetID="1" presetClass="entr" presetSubtype="0" fill="hold" grpId="0" nodeType="withEffect">
+                                  <p:stCondLst>
+                                    <p:cond delay="0"/>
+                                  </p:stCondLst>
+                                  <p:childTnLst>
+                                    <p:set>
+                                      <p:cBhvr>
+                                        <p:cTn id="56" dur="1" fill="hold">
+                                          <p:stCondLst>
+                                            <p:cond delay="0"/>
+                                          </p:stCondLst>
+                                        </p:cTn>
+                                        <p:tgtEl>
+                                          <p:spTgt spid="25"/>
+                                        </p:tgtEl>
+                                        <p:attrNameLst>
+                                          <p:attrName>style.visibility</p:attrName>
+                                        </p:attrNameLst>
+                                      </p:cBhvr>
+                                      <p:to>
+                                        <p:strVal val="visible"/>
+                                      </p:to>
+                                    </p:set>
+                                  </p:childTnLst>
+                                </p:cTn>
+                              </p:par>
+                              <p:par>
+                                <p:cTn id="57" presetID="1" presetClass="entr" presetSubtype="0" fill="hold" grpId="0" nodeType="withEffect">
+                                  <p:stCondLst>
+                                    <p:cond delay="0"/>
+                                  </p:stCondLst>
+                                  <p:childTnLst>
+                                    <p:set>
+                                      <p:cBhvr>
+                                        <p:cTn id="58" dur="1" fill="hold">
+                                          <p:stCondLst>
+                                            <p:cond delay="0"/>
+                                          </p:stCondLst>
+                                        </p:cTn>
+                                        <p:tgtEl>
+                                          <p:spTgt spid="26"/>
+                                        </p:tgtEl>
+                                        <p:attrNameLst>
+                                          <p:attrName>style.visibility</p:attrName>
+                                        </p:attrNameLst>
+                                      </p:cBhvr>
+                                      <p:to>
+                                        <p:strVal val="visible"/>
                                       </p:to>
                                     </p:set>
                                   </p:childTnLst>
@@ -16099,12 +17971,20 @@
       <p:bldP spid="6" grpId="1" animBg="1"/>
       <p:bldP spid="7" grpId="0" animBg="1"/>
       <p:bldP spid="7" grpId="1" animBg="1"/>
+      <p:bldP spid="8" grpId="0" animBg="1"/>
+      <p:bldP spid="9" grpId="0" animBg="1"/>
+      <p:bldP spid="10" grpId="0" animBg="1"/>
+      <p:bldP spid="20" grpId="0" animBg="1"/>
+      <p:bldP spid="21" grpId="0" animBg="1"/>
+      <p:bldP spid="22" grpId="0" animBg="1"/>
+      <p:bldP spid="25" grpId="0"/>
+      <p:bldP spid="26" grpId="0"/>
     </p:bldLst>
   </p:timing>
 </p:sld>
 </file>
 
-<file path=ppt/slides/slide25.xml><?xml version="1.0" encoding="utf-8"?>
+<file path=ppt/slides/slide26.xml><?xml version="1.0" encoding="utf-8"?>
 <p:sld xmlns:a="http://schemas.openxmlformats.org/drawingml/2006/main" xmlns:r="http://schemas.openxmlformats.org/officeDocument/2006/relationships" xmlns:p="http://schemas.openxmlformats.org/presentationml/2006/main">
   <p:cSld>
     <p:spTree>
@@ -16610,6 +18490,77 @@
               <a:rPr lang="en-US" sz="2400" b="1" i="1" dirty="0"/>
               <a:t>Possible because parent type ref can point to child type object</a:t>
             </a:r>
+          </a:p>
+        </p:txBody>
+      </p:sp>
+      <p:sp>
+        <p:nvSpPr>
+          <p:cNvPr id="7" name="Rectangle 6">
+            <a:extLst>
+              <a:ext uri="{FF2B5EF4-FFF2-40B4-BE49-F238E27FC236}">
+                <a16:creationId xmlns:a16="http://schemas.microsoft.com/office/drawing/2014/main" id="{8C56CAFE-B73B-2E59-56A2-3A7384ACAF64}"/>
+              </a:ext>
+            </a:extLst>
+          </p:cNvPr>
+          <p:cNvSpPr/>
+          <p:nvPr/>
+        </p:nvSpPr>
+        <p:spPr>
+          <a:xfrm>
+            <a:off x="6096000" y="852740"/>
+            <a:ext cx="5304160" cy="2135930"/>
+          </a:xfrm>
+          <a:prstGeom prst="rect">
+            <a:avLst/>
+          </a:prstGeom>
+          <a:noFill/>
+          <a:ln w="31750" cap="flat" cmpd="sng" algn="ctr">
+            <a:solidFill>
+              <a:schemeClr val="accent1"/>
+            </a:solidFill>
+            <a:prstDash val="solid"/>
+            <a:round/>
+            <a:headEnd type="none" w="med" len="med"/>
+            <a:tailEnd type="none" w="med" len="med"/>
+          </a:ln>
+        </p:spPr>
+        <p:style>
+          <a:lnRef idx="0">
+            <a:scrgbClr r="0" g="0" b="0"/>
+          </a:lnRef>
+          <a:fillRef idx="0">
+            <a:scrgbClr r="0" g="0" b="0"/>
+          </a:fillRef>
+          <a:effectRef idx="0">
+            <a:scrgbClr r="0" g="0" b="0"/>
+          </a:effectRef>
+          <a:fontRef idx="minor">
+            <a:schemeClr val="accent1"/>
+          </a:fontRef>
+        </p:style>
+        <p:txBody>
+          <a:bodyPr rot="0" spcFirstLastPara="0" vertOverflow="overflow" horzOverflow="overflow" vert="horz" wrap="square" lIns="91440" tIns="45720" rIns="91440" bIns="45720" numCol="1" spcCol="0" rtlCol="0" fromWordArt="0" anchor="ctr" anchorCtr="0" forceAA="0" compatLnSpc="1">
+            <a:prstTxWarp prst="textNoShape">
+              <a:avLst/>
+            </a:prstTxWarp>
+            <a:noAutofit/>
+          </a:bodyPr>
+          <a:lstStyle/>
+          <a:p>
+            <a:pPr algn="ctr"/>
+            <a:endParaRPr lang="en-US" dirty="0">
+              <a:ln w="0"/>
+              <a:solidFill>
+                <a:schemeClr val="tx1"/>
+              </a:solidFill>
+              <a:effectLst>
+                <a:outerShdw blurRad="38100" dist="19050" dir="2700000" algn="tl" rotWithShape="0">
+                  <a:schemeClr val="dk1">
+                    <a:alpha val="40000"/>
+                  </a:schemeClr>
+                </a:outerShdw>
+              </a:effectLst>
+            </a:endParaRPr>
           </a:p>
         </p:txBody>
       </p:sp>
@@ -16657,7 +18608,7 @@
                                           </p:stCondLst>
                                         </p:cTn>
                                         <p:tgtEl>
-                                          <p:spTgt spid="5"/>
+                                          <p:spTgt spid="7"/>
                                         </p:tgtEl>
                                         <p:attrNameLst>
                                           <p:attrName>style.visibility</p:attrName>
@@ -16689,7 +18640,7 @@
                             </p:stCondLst>
                             <p:childTnLst>
                               <p:par>
-                                <p:cTn id="9" presetID="1" presetClass="entr" presetSubtype="0" fill="hold" grpId="0" nodeType="clickEffect">
+                                <p:cTn id="9" presetID="1" presetClass="exit" presetSubtype="0" fill="hold" grpId="1" nodeType="clickEffect">
                                   <p:stCondLst>
                                     <p:cond delay="0"/>
                                   </p:stCondLst>
@@ -16697,6 +18648,96 @@
                                     <p:set>
                                       <p:cBhvr>
                                         <p:cTn id="10" dur="1" fill="hold">
+                                          <p:stCondLst>
+                                            <p:cond delay="0"/>
+                                          </p:stCondLst>
+                                        </p:cTn>
+                                        <p:tgtEl>
+                                          <p:spTgt spid="7"/>
+                                        </p:tgtEl>
+                                        <p:attrNameLst>
+                                          <p:attrName>style.visibility</p:attrName>
+                                        </p:attrNameLst>
+                                      </p:cBhvr>
+                                      <p:to>
+                                        <p:strVal val="hidden"/>
+                                      </p:to>
+                                    </p:set>
+                                  </p:childTnLst>
+                                </p:cTn>
+                              </p:par>
+                            </p:childTnLst>
+                          </p:cTn>
+                        </p:par>
+                      </p:childTnLst>
+                    </p:cTn>
+                  </p:par>
+                  <p:par>
+                    <p:cTn id="11" fill="hold">
+                      <p:stCondLst>
+                        <p:cond delay="indefinite"/>
+                      </p:stCondLst>
+                      <p:childTnLst>
+                        <p:par>
+                          <p:cTn id="12" fill="hold">
+                            <p:stCondLst>
+                              <p:cond delay="0"/>
+                            </p:stCondLst>
+                            <p:childTnLst>
+                              <p:par>
+                                <p:cTn id="13" presetID="1" presetClass="entr" presetSubtype="0" fill="hold" grpId="0" nodeType="clickEffect">
+                                  <p:stCondLst>
+                                    <p:cond delay="0"/>
+                                  </p:stCondLst>
+                                  <p:childTnLst>
+                                    <p:set>
+                                      <p:cBhvr>
+                                        <p:cTn id="14" dur="1" fill="hold">
+                                          <p:stCondLst>
+                                            <p:cond delay="0"/>
+                                          </p:stCondLst>
+                                        </p:cTn>
+                                        <p:tgtEl>
+                                          <p:spTgt spid="5"/>
+                                        </p:tgtEl>
+                                        <p:attrNameLst>
+                                          <p:attrName>style.visibility</p:attrName>
+                                        </p:attrNameLst>
+                                      </p:cBhvr>
+                                      <p:to>
+                                        <p:strVal val="visible"/>
+                                      </p:to>
+                                    </p:set>
+                                  </p:childTnLst>
+                                </p:cTn>
+                              </p:par>
+                            </p:childTnLst>
+                          </p:cTn>
+                        </p:par>
+                      </p:childTnLst>
+                    </p:cTn>
+                  </p:par>
+                  <p:par>
+                    <p:cTn id="15" fill="hold">
+                      <p:stCondLst>
+                        <p:cond delay="indefinite"/>
+                      </p:stCondLst>
+                      <p:childTnLst>
+                        <p:par>
+                          <p:cTn id="16" fill="hold">
+                            <p:stCondLst>
+                              <p:cond delay="0"/>
+                            </p:stCondLst>
+                            <p:childTnLst>
+                              <p:par>
+                                <p:cTn id="17" presetID="1" presetClass="entr" presetSubtype="0" fill="hold" grpId="0" nodeType="clickEffect">
+                                  <p:stCondLst>
+                                    <p:cond delay="0"/>
+                                  </p:stCondLst>
+                                  <p:childTnLst>
+                                    <p:set>
+                                      <p:cBhvr>
+                                        <p:cTn id="18" dur="1" fill="hold">
                                           <p:stCondLst>
                                             <p:cond delay="0"/>
                                           </p:stCondLst>
@@ -16745,12 +18786,14 @@
     <p:bldLst>
       <p:bldP spid="5" grpId="0" animBg="1"/>
       <p:bldP spid="6" grpId="0"/>
+      <p:bldP spid="7" grpId="0" animBg="1"/>
+      <p:bldP spid="7" grpId="1" animBg="1"/>
     </p:bldLst>
   </p:timing>
 </p:sld>
 </file>
 
-<file path=ppt/slides/slide26.xml><?xml version="1.0" encoding="utf-8"?>
+<file path=ppt/slides/slide27.xml><?xml version="1.0" encoding="utf-8"?>
 <p:sld xmlns:a="http://schemas.openxmlformats.org/drawingml/2006/main" xmlns:r="http://schemas.openxmlformats.org/officeDocument/2006/relationships" xmlns:p="http://schemas.openxmlformats.org/presentationml/2006/main">
   <p:cSld>
     <p:spTree>
@@ -17386,12 +19429,18 @@
 </p:sld>
 </file>
 
-<file path=ppt/slides/slide27.xml><?xml version="1.0" encoding="utf-8"?>
+<file path=ppt/slides/slide28.xml><?xml version="1.0" encoding="utf-8"?>
 <p:sld xmlns:a="http://schemas.openxmlformats.org/drawingml/2006/main" xmlns:r="http://schemas.openxmlformats.org/officeDocument/2006/relationships" xmlns:p="http://schemas.openxmlformats.org/presentationml/2006/main">
   <p:cSld>
     <p:spTree>
       <p:nvGrpSpPr>
-        <p:cNvPr id="1" name=""/>
+        <p:cNvPr id="1" name="">
+          <a:extLst>
+            <a:ext uri="{FF2B5EF4-FFF2-40B4-BE49-F238E27FC236}">
+              <a16:creationId xmlns:a16="http://schemas.microsoft.com/office/drawing/2014/main" id="{DD3BEC50-2CC9-284B-955C-A7D90581E0B7}"/>
+            </a:ext>
+          </a:extLst>
+        </p:cNvPr>
         <p:cNvGrpSpPr/>
         <p:nvPr/>
       </p:nvGrpSpPr>
@@ -17408,7 +19457,7 @@
           <p:cNvPr id="9" name="Content Placeholder 8">
             <a:extLst>
               <a:ext uri="{FF2B5EF4-FFF2-40B4-BE49-F238E27FC236}">
-                <a16:creationId xmlns:a16="http://schemas.microsoft.com/office/drawing/2014/main" id="{A247AA49-E17B-64D3-11DF-9ABF3FE4330B}"/>
+                <a16:creationId xmlns:a16="http://schemas.microsoft.com/office/drawing/2014/main" id="{AE021546-3F79-B395-BBA4-A7307E52E980}"/>
               </a:ext>
             </a:extLst>
           </p:cNvPr>
@@ -17426,8 +19475,12 @@
           <a:p>
             <a:r>
               <a:rPr lang="en-US" b="1" dirty="0"/>
-              <a:t>// after</a:t>
-            </a:r>
+              <a:t>// With interface</a:t>
+            </a:r>
+            <a:br>
+              <a:rPr lang="en-US" b="1" dirty="0"/>
+            </a:br>
+            <a:endParaRPr lang="en-US" b="1" dirty="0"/>
           </a:p>
           <a:p>
             <a:r>
@@ -17635,7 +19688,7 @@
           <p:cNvPr id="5" name="Title 4">
             <a:extLst>
               <a:ext uri="{FF2B5EF4-FFF2-40B4-BE49-F238E27FC236}">
-                <a16:creationId xmlns:a16="http://schemas.microsoft.com/office/drawing/2014/main" id="{587F3600-C461-0F2B-C527-526F6EA754C8}"/>
+                <a16:creationId xmlns:a16="http://schemas.microsoft.com/office/drawing/2014/main" id="{2E333032-0035-171C-F338-08DE3901ABA9}"/>
               </a:ext>
             </a:extLst>
           </p:cNvPr>
@@ -17663,7 +19716,7 @@
           <p:cNvPr id="10" name="Content Placeholder 9">
             <a:extLst>
               <a:ext uri="{FF2B5EF4-FFF2-40B4-BE49-F238E27FC236}">
-                <a16:creationId xmlns:a16="http://schemas.microsoft.com/office/drawing/2014/main" id="{6190A91E-2525-5215-DB17-A564429DE12C}"/>
+                <a16:creationId xmlns:a16="http://schemas.microsoft.com/office/drawing/2014/main" id="{5D58F435-4325-C065-B2C5-D082D53CEBFA}"/>
               </a:ext>
             </a:extLst>
           </p:cNvPr>
@@ -17778,7 +19831,7 @@
             </a:r>
             <a:r>
               <a:rPr lang="en-US" dirty="0" err="1"/>
-              <a:t>mysqldb</a:t>
+              <a:t>db</a:t>
             </a:r>
             <a:r>
               <a:rPr lang="en-US" dirty="0"/>
@@ -17873,48 +19926,13 @@
           </a:p>
           <a:p>
             <a:endParaRPr lang="en-US" dirty="0"/>
-          </a:p>
-        </p:txBody>
-      </p:sp>
-      <p:sp>
-        <p:nvSpPr>
-          <p:cNvPr id="11" name="TextBox 10">
-            <a:extLst>
-              <a:ext uri="{FF2B5EF4-FFF2-40B4-BE49-F238E27FC236}">
-                <a16:creationId xmlns:a16="http://schemas.microsoft.com/office/drawing/2014/main" id="{8C72007B-FD3A-6B51-0E58-BC27D0353FC6}"/>
-              </a:ext>
-            </a:extLst>
-          </p:cNvPr>
-          <p:cNvSpPr txBox="1"/>
-          <p:nvPr/>
-        </p:nvSpPr>
-        <p:spPr>
-          <a:xfrm>
-            <a:off x="2365830" y="4657624"/>
-            <a:ext cx="8563428" cy="986603"/>
-          </a:xfrm>
-          <a:prstGeom prst="rect">
-            <a:avLst/>
-          </a:prstGeom>
-          <a:noFill/>
-        </p:spPr>
-        <p:txBody>
-          <a:bodyPr wrap="square" rtlCol="0">
-            <a:noAutofit/>
-          </a:bodyPr>
-          <a:lstStyle/>
-          <a:p>
-            <a:r>
-              <a:rPr lang="en-US" sz="3200" b="1" i="1" dirty="0"/>
-              <a:t>What change is needed to move to Postgres?</a:t>
-            </a:r>
           </a:p>
         </p:txBody>
       </p:sp>
     </p:spTree>
     <p:extLst>
       <p:ext uri="{BB962C8B-B14F-4D97-AF65-F5344CB8AC3E}">
-        <p14:creationId xmlns:p14="http://schemas.microsoft.com/office/powerpoint/2010/main" val="42708652"/>
+        <p14:creationId xmlns:p14="http://schemas.microsoft.com/office/powerpoint/2010/main" val="378329151"/>
       </p:ext>
     </p:extLst>
   </p:cSld>
@@ -18195,27 +20213,1362 @@
                       </p:childTnLst>
                     </p:cTn>
                   </p:par>
+                </p:childTnLst>
+              </p:cTn>
+              <p:prevCondLst>
+                <p:cond evt="onPrev" delay="0">
+                  <p:tgtEl>
+                    <p:sldTgt/>
+                  </p:tgtEl>
+                </p:cond>
+              </p:prevCondLst>
+              <p:nextCondLst>
+                <p:cond evt="onNext" delay="0">
+                  <p:tgtEl>
+                    <p:sldTgt/>
+                  </p:tgtEl>
+                </p:cond>
+              </p:nextCondLst>
+            </p:seq>
+          </p:childTnLst>
+        </p:cTn>
+      </p:par>
+    </p:tnLst>
+    <p:bldLst>
+      <p:bldP spid="9" grpId="0" uiExpand="1" build="p"/>
+    </p:bldLst>
+  </p:timing>
+</p:sld>
+</file>
+
+<file path=ppt/slides/slide29.xml><?xml version="1.0" encoding="utf-8"?>
+<p:sld xmlns:a="http://schemas.openxmlformats.org/drawingml/2006/main" xmlns:r="http://schemas.openxmlformats.org/officeDocument/2006/relationships" xmlns:p="http://schemas.openxmlformats.org/presentationml/2006/main">
+  <p:cSld>
+    <p:spTree>
+      <p:nvGrpSpPr>
+        <p:cNvPr id="1" name=""/>
+        <p:cNvGrpSpPr/>
+        <p:nvPr/>
+      </p:nvGrpSpPr>
+      <p:grpSpPr>
+        <a:xfrm>
+          <a:off x="0" y="0"/>
+          <a:ext cx="0" cy="0"/>
+          <a:chOff x="0" y="0"/>
+          <a:chExt cx="0" cy="0"/>
+        </a:xfrm>
+      </p:grpSpPr>
+      <p:sp>
+        <p:nvSpPr>
+          <p:cNvPr id="9" name="Content Placeholder 8">
+            <a:extLst>
+              <a:ext uri="{FF2B5EF4-FFF2-40B4-BE49-F238E27FC236}">
+                <a16:creationId xmlns:a16="http://schemas.microsoft.com/office/drawing/2014/main" id="{A247AA49-E17B-64D3-11DF-9ABF3FE4330B}"/>
+              </a:ext>
+            </a:extLst>
+          </p:cNvPr>
+          <p:cNvSpPr>
+            <a:spLocks noGrp="1"/>
+          </p:cNvSpPr>
+          <p:nvPr>
+            <p:ph idx="1"/>
+          </p:nvPr>
+        </p:nvSpPr>
+        <p:spPr/>
+        <p:txBody>
+          <a:bodyPr/>
+          <a:lstStyle/>
+          <a:p>
+            <a:r>
+              <a:rPr lang="en-US" b="1" dirty="0"/>
+              <a:t>// With interface</a:t>
+            </a:r>
+            <a:br>
+              <a:rPr lang="en-US" b="1" dirty="0"/>
+            </a:br>
+            <a:endParaRPr lang="en-US" b="1" dirty="0"/>
+          </a:p>
+          <a:p>
+            <a:r>
+              <a:rPr lang="en-US" dirty="0"/>
+              <a:t>class </a:t>
+            </a:r>
+            <a:r>
+              <a:rPr lang="en-US" dirty="0" err="1"/>
+              <a:t>SpotifyClient</a:t>
+            </a:r>
+            <a:r>
+              <a:rPr lang="en-US" dirty="0"/>
+              <a:t> {</a:t>
+            </a:r>
+          </a:p>
+          <a:p>
+            <a:r>
+              <a:rPr lang="en-US" dirty="0"/>
+              <a:t>	private </a:t>
+            </a:r>
+            <a:r>
+              <a:rPr lang="en-US" b="1" dirty="0" err="1">
+                <a:solidFill>
+                  <a:schemeClr val="tx1">
+                    <a:lumMod val="50000"/>
+                    <a:lumOff val="50000"/>
+                  </a:schemeClr>
+                </a:solidFill>
+              </a:rPr>
+              <a:t>DBInterfacer</a:t>
+            </a:r>
+            <a:r>
+              <a:rPr lang="en-US" dirty="0"/>
+              <a:t> </a:t>
+            </a:r>
+            <a:r>
+              <a:rPr lang="en-US" dirty="0" err="1"/>
+              <a:t>dbinterface</a:t>
+            </a:r>
+            <a:endParaRPr lang="en-US" dirty="0"/>
+          </a:p>
+          <a:p>
+            <a:r>
+              <a:rPr lang="en-US" dirty="0"/>
+              <a:t>		= new </a:t>
+            </a:r>
+            <a:r>
+              <a:rPr lang="en-US" dirty="0" err="1"/>
+              <a:t>MySqlInterfacer</a:t>
+            </a:r>
+            <a:r>
+              <a:rPr lang="en-US" dirty="0"/>
+              <a:t>();</a:t>
+            </a:r>
+            <a:br>
+              <a:rPr lang="en-US" dirty="0"/>
+            </a:br>
+            <a:br>
+              <a:rPr lang="en-US" dirty="0"/>
+            </a:br>
+            <a:r>
+              <a:rPr lang="en-US" dirty="0"/>
+              <a:t>	public bool </a:t>
+            </a:r>
+            <a:r>
+              <a:rPr lang="en-US" dirty="0" err="1"/>
+              <a:t>downloadSong</a:t>
+            </a:r>
+            <a:r>
+              <a:rPr lang="en-US" dirty="0"/>
+              <a:t>(String </a:t>
+            </a:r>
+            <a:r>
+              <a:rPr lang="en-US" dirty="0" err="1"/>
+              <a:t>songName</a:t>
+            </a:r>
+            <a:r>
+              <a:rPr lang="en-US" dirty="0"/>
+              <a:t>) {</a:t>
+            </a:r>
+          </a:p>
+          <a:p>
+            <a:r>
+              <a:rPr lang="en-US" dirty="0"/>
+              <a:t>		</a:t>
+            </a:r>
+            <a:r>
+              <a:rPr lang="en-US" b="1" dirty="0">
+                <a:solidFill>
+                  <a:schemeClr val="tx1">
+                    <a:lumMod val="50000"/>
+                    <a:lumOff val="50000"/>
+                  </a:schemeClr>
+                </a:solidFill>
+              </a:rPr>
+              <a:t>DB</a:t>
+            </a:r>
+            <a:r>
+              <a:rPr lang="en-US" dirty="0"/>
+              <a:t> </a:t>
+            </a:r>
+            <a:r>
+              <a:rPr lang="en-US" dirty="0" err="1"/>
+              <a:t>db</a:t>
+            </a:r>
+            <a:r>
+              <a:rPr lang="en-US" dirty="0"/>
+              <a:t> = </a:t>
+            </a:r>
+            <a:r>
+              <a:rPr lang="en-US" dirty="0" err="1"/>
+              <a:t>dbinterface.createDB</a:t>
+            </a:r>
+            <a:r>
+              <a:rPr lang="en-US" dirty="0"/>
+              <a:t>(“</a:t>
+            </a:r>
+            <a:r>
+              <a:rPr lang="en-US" dirty="0" err="1"/>
+              <a:t>sptdb</a:t>
+            </a:r>
+            <a:r>
+              <a:rPr lang="en-US" dirty="0"/>
+              <a:t>”);</a:t>
+            </a:r>
+            <a:br>
+              <a:rPr lang="en-US" dirty="0"/>
+            </a:br>
+            <a:r>
+              <a:rPr lang="en-US" dirty="0"/>
+              <a:t>   		</a:t>
+            </a:r>
+            <a:r>
+              <a:rPr lang="en-US" b="1" dirty="0" err="1">
+                <a:solidFill>
+                  <a:schemeClr val="tx1">
+                    <a:lumMod val="50000"/>
+                    <a:lumOff val="50000"/>
+                  </a:schemeClr>
+                </a:solidFill>
+              </a:rPr>
+              <a:t>Tbl</a:t>
+            </a:r>
+            <a:r>
+              <a:rPr lang="en-US" dirty="0"/>
+              <a:t> </a:t>
+            </a:r>
+            <a:r>
+              <a:rPr lang="en-US" dirty="0" err="1"/>
+              <a:t>tbl</a:t>
+            </a:r>
+            <a:r>
+              <a:rPr lang="en-US" dirty="0"/>
+              <a:t> = </a:t>
+            </a:r>
+            <a:r>
+              <a:rPr lang="en-US" dirty="0" err="1"/>
+              <a:t>dbinterface.createTbl</a:t>
+            </a:r>
+            <a:r>
+              <a:rPr lang="en-US" dirty="0"/>
+              <a:t>(</a:t>
+            </a:r>
+            <a:r>
+              <a:rPr lang="en-US" dirty="0" err="1"/>
+              <a:t>db</a:t>
+            </a:r>
+            <a:r>
+              <a:rPr lang="en-US" dirty="0"/>
+              <a:t>,</a:t>
+            </a:r>
+          </a:p>
+          <a:p>
+            <a:r>
+              <a:rPr lang="en-US" dirty="0"/>
+              <a:t>				“songs”);</a:t>
+            </a:r>
+          </a:p>
+          <a:p>
+            <a:r>
+              <a:rPr lang="en-US" dirty="0"/>
+              <a:t>		// … download and store songs</a:t>
+            </a:r>
+          </a:p>
+          <a:p>
+            <a:r>
+              <a:rPr lang="en-US" dirty="0"/>
+              <a:t>	}</a:t>
+            </a:r>
+            <a:br>
+              <a:rPr lang="en-US" dirty="0"/>
+            </a:br>
+            <a:r>
+              <a:rPr lang="en-US" dirty="0"/>
+              <a:t>}</a:t>
+            </a:r>
+          </a:p>
+          <a:p>
+            <a:endParaRPr lang="en-US" dirty="0"/>
+          </a:p>
+        </p:txBody>
+      </p:sp>
+      <p:sp>
+        <p:nvSpPr>
+          <p:cNvPr id="5" name="Title 4">
+            <a:extLst>
+              <a:ext uri="{FF2B5EF4-FFF2-40B4-BE49-F238E27FC236}">
+                <a16:creationId xmlns:a16="http://schemas.microsoft.com/office/drawing/2014/main" id="{587F3600-C461-0F2B-C527-526F6EA754C8}"/>
+              </a:ext>
+            </a:extLst>
+          </p:cNvPr>
+          <p:cNvSpPr>
+            <a:spLocks noGrp="1"/>
+          </p:cNvSpPr>
+          <p:nvPr>
+            <p:ph type="title"/>
+          </p:nvPr>
+        </p:nvSpPr>
+        <p:spPr/>
+        <p:txBody>
+          <a:bodyPr/>
+          <a:lstStyle/>
+          <a:p>
+            <a:r>
+              <a:rPr lang="en-US" dirty="0"/>
+              <a:t>Client-side changes</a:t>
+            </a:r>
+          </a:p>
+        </p:txBody>
+      </p:sp>
+      <p:sp>
+        <p:nvSpPr>
+          <p:cNvPr id="10" name="Content Placeholder 9">
+            <a:extLst>
+              <a:ext uri="{FF2B5EF4-FFF2-40B4-BE49-F238E27FC236}">
+                <a16:creationId xmlns:a16="http://schemas.microsoft.com/office/drawing/2014/main" id="{6190A91E-2525-5215-DB17-A564429DE12C}"/>
+              </a:ext>
+            </a:extLst>
+          </p:cNvPr>
+          <p:cNvSpPr>
+            <a:spLocks noGrp="1"/>
+          </p:cNvSpPr>
+          <p:nvPr>
+            <p:ph idx="13"/>
+          </p:nvPr>
+        </p:nvSpPr>
+        <p:spPr/>
+        <p:txBody>
+          <a:bodyPr>
+            <a:normAutofit/>
+          </a:bodyPr>
+          <a:lstStyle/>
+          <a:p>
+            <a:r>
+              <a:rPr lang="en-US" dirty="0"/>
+              <a:t>Runtime polymorphism ensures that when </a:t>
+            </a:r>
+            <a:r>
+              <a:rPr lang="en-US" dirty="0" err="1">
+                <a:latin typeface="Consolas" panose="020B0609020204030204" pitchFamily="49" charset="0"/>
+              </a:rPr>
+              <a:t>createDB</a:t>
+            </a:r>
+            <a:r>
+              <a:rPr lang="en-US" dirty="0"/>
+              <a:t> and </a:t>
+            </a:r>
+            <a:r>
+              <a:rPr lang="en-US" dirty="0" err="1">
+                <a:latin typeface="Consolas" panose="020B0609020204030204" pitchFamily="49" charset="0"/>
+              </a:rPr>
+              <a:t>createTbl</a:t>
+            </a:r>
+            <a:r>
+              <a:rPr lang="en-US" dirty="0"/>
+              <a:t> is invoked, the methods in </a:t>
+            </a:r>
+            <a:r>
+              <a:rPr lang="en-US" dirty="0" err="1"/>
+              <a:t>MySql</a:t>
+            </a:r>
+            <a:r>
+              <a:rPr lang="en-US" dirty="0" err="1">
+                <a:latin typeface="Consolas" panose="020B0609020204030204" pitchFamily="49" charset="0"/>
+              </a:rPr>
+              <a:t>Interface</a:t>
+            </a:r>
+            <a:r>
+              <a:rPr lang="en-US" dirty="0"/>
+              <a:t> are called</a:t>
+            </a:r>
+          </a:p>
+          <a:p>
+            <a:r>
+              <a:rPr lang="en-US" dirty="0"/>
+              <a:t>Even though the type of </a:t>
+            </a:r>
+            <a:r>
+              <a:rPr lang="en-US" dirty="0" err="1">
+                <a:latin typeface="Consolas" panose="020B0609020204030204" pitchFamily="49" charset="0"/>
+              </a:rPr>
+              <a:t>dbInterface</a:t>
+            </a:r>
+            <a:r>
+              <a:rPr lang="en-US" dirty="0"/>
+              <a:t> is </a:t>
+            </a:r>
+            <a:r>
+              <a:rPr lang="en-US" dirty="0" err="1">
+                <a:latin typeface="Consolas" panose="020B0609020204030204" pitchFamily="49" charset="0"/>
+              </a:rPr>
+              <a:t>DBInterfacer</a:t>
+            </a:r>
+            <a:r>
+              <a:rPr lang="en-US" dirty="0"/>
+              <a:t> (parent interface)</a:t>
+            </a:r>
+          </a:p>
+          <a:p>
+            <a:endParaRPr lang="en-US" dirty="0"/>
+          </a:p>
+        </p:txBody>
+      </p:sp>
+      <p:sp>
+        <p:nvSpPr>
+          <p:cNvPr id="2" name="Rectangle 1">
+            <a:extLst>
+              <a:ext uri="{FF2B5EF4-FFF2-40B4-BE49-F238E27FC236}">
+                <a16:creationId xmlns:a16="http://schemas.microsoft.com/office/drawing/2014/main" id="{EA1A7E5A-F1D7-FC38-8DF7-0169F2CB36FF}"/>
+              </a:ext>
+            </a:extLst>
+          </p:cNvPr>
+          <p:cNvSpPr/>
+          <p:nvPr/>
+        </p:nvSpPr>
+        <p:spPr>
+          <a:xfrm>
+            <a:off x="6906126" y="2521119"/>
+            <a:ext cx="4644190" cy="326355"/>
+          </a:xfrm>
+          <a:prstGeom prst="rect">
+            <a:avLst/>
+          </a:prstGeom>
+          <a:noFill/>
+          <a:ln w="31750" cap="flat" cmpd="sng" algn="ctr">
+            <a:solidFill>
+              <a:schemeClr val="accent1"/>
+            </a:solidFill>
+            <a:prstDash val="solid"/>
+            <a:round/>
+            <a:headEnd type="none" w="med" len="med"/>
+            <a:tailEnd type="none" w="med" len="med"/>
+          </a:ln>
+        </p:spPr>
+        <p:style>
+          <a:lnRef idx="0">
+            <a:scrgbClr r="0" g="0" b="0"/>
+          </a:lnRef>
+          <a:fillRef idx="0">
+            <a:scrgbClr r="0" g="0" b="0"/>
+          </a:fillRef>
+          <a:effectRef idx="0">
+            <a:scrgbClr r="0" g="0" b="0"/>
+          </a:effectRef>
+          <a:fontRef idx="minor">
+            <a:schemeClr val="accent1"/>
+          </a:fontRef>
+        </p:style>
+        <p:txBody>
+          <a:bodyPr rot="0" spcFirstLastPara="0" vertOverflow="overflow" horzOverflow="overflow" vert="horz" wrap="square" lIns="91440" tIns="45720" rIns="91440" bIns="45720" numCol="1" spcCol="0" rtlCol="0" fromWordArt="0" anchor="ctr" anchorCtr="0" forceAA="0" compatLnSpc="1">
+            <a:prstTxWarp prst="textNoShape">
+              <a:avLst/>
+            </a:prstTxWarp>
+            <a:noAutofit/>
+          </a:bodyPr>
+          <a:lstStyle/>
+          <a:p>
+            <a:pPr algn="ctr"/>
+            <a:endParaRPr lang="en-US" dirty="0">
+              <a:ln w="0"/>
+              <a:solidFill>
+                <a:schemeClr val="tx1"/>
+              </a:solidFill>
+              <a:effectLst>
+                <a:outerShdw blurRad="38100" dist="19050" dir="2700000" algn="tl" rotWithShape="0">
+                  <a:schemeClr val="dk1">
+                    <a:alpha val="40000"/>
+                  </a:schemeClr>
+                </a:outerShdw>
+              </a:effectLst>
+            </a:endParaRPr>
+          </a:p>
+        </p:txBody>
+      </p:sp>
+      <p:sp>
+        <p:nvSpPr>
+          <p:cNvPr id="3" name="Rectangle 2">
+            <a:extLst>
+              <a:ext uri="{FF2B5EF4-FFF2-40B4-BE49-F238E27FC236}">
+                <a16:creationId xmlns:a16="http://schemas.microsoft.com/office/drawing/2014/main" id="{F723A8CB-288E-F5D7-75E8-38588C982E37}"/>
+              </a:ext>
+            </a:extLst>
+          </p:cNvPr>
+          <p:cNvSpPr/>
+          <p:nvPr/>
+        </p:nvSpPr>
+        <p:spPr>
+          <a:xfrm>
+            <a:off x="6906126" y="2783305"/>
+            <a:ext cx="4644190" cy="497305"/>
+          </a:xfrm>
+          <a:prstGeom prst="rect">
+            <a:avLst/>
+          </a:prstGeom>
+          <a:noFill/>
+          <a:ln w="31750" cap="flat" cmpd="sng" algn="ctr">
+            <a:solidFill>
+              <a:schemeClr val="accent1"/>
+            </a:solidFill>
+            <a:prstDash val="solid"/>
+            <a:round/>
+            <a:headEnd type="none" w="med" len="med"/>
+            <a:tailEnd type="none" w="med" len="med"/>
+          </a:ln>
+        </p:spPr>
+        <p:style>
+          <a:lnRef idx="0">
+            <a:scrgbClr r="0" g="0" b="0"/>
+          </a:lnRef>
+          <a:fillRef idx="0">
+            <a:scrgbClr r="0" g="0" b="0"/>
+          </a:fillRef>
+          <a:effectRef idx="0">
+            <a:scrgbClr r="0" g="0" b="0"/>
+          </a:effectRef>
+          <a:fontRef idx="minor">
+            <a:schemeClr val="accent1"/>
+          </a:fontRef>
+        </p:style>
+        <p:txBody>
+          <a:bodyPr rot="0" spcFirstLastPara="0" vertOverflow="overflow" horzOverflow="overflow" vert="horz" wrap="square" lIns="91440" tIns="45720" rIns="91440" bIns="45720" numCol="1" spcCol="0" rtlCol="0" fromWordArt="0" anchor="ctr" anchorCtr="0" forceAA="0" compatLnSpc="1">
+            <a:prstTxWarp prst="textNoShape">
+              <a:avLst/>
+            </a:prstTxWarp>
+            <a:noAutofit/>
+          </a:bodyPr>
+          <a:lstStyle/>
+          <a:p>
+            <a:pPr algn="ctr"/>
+            <a:endParaRPr lang="en-US" dirty="0">
+              <a:ln w="0"/>
+              <a:solidFill>
+                <a:schemeClr val="tx1"/>
+              </a:solidFill>
+              <a:effectLst>
+                <a:outerShdw blurRad="38100" dist="19050" dir="2700000" algn="tl" rotWithShape="0">
+                  <a:schemeClr val="dk1">
+                    <a:alpha val="40000"/>
+                  </a:schemeClr>
+                </a:outerShdw>
+              </a:effectLst>
+            </a:endParaRPr>
+          </a:p>
+        </p:txBody>
+      </p:sp>
+    </p:spTree>
+    <p:extLst>
+      <p:ext uri="{BB962C8B-B14F-4D97-AF65-F5344CB8AC3E}">
+        <p14:creationId xmlns:p14="http://schemas.microsoft.com/office/powerpoint/2010/main" val="42708652"/>
+      </p:ext>
+    </p:extLst>
+  </p:cSld>
+  <p:clrMapOvr>
+    <a:masterClrMapping/>
+  </p:clrMapOvr>
+  <p:timing>
+    <p:tnLst>
+      <p:par>
+        <p:cTn id="1" dur="indefinite" restart="never" nodeType="tmRoot">
+          <p:childTnLst>
+            <p:seq concurrent="1" nextAc="seek">
+              <p:cTn id="2" dur="indefinite" nodeType="mainSeq">
+                <p:childTnLst>
                   <p:par>
-                    <p:cTn id="21" fill="hold">
+                    <p:cTn id="3" fill="hold">
                       <p:stCondLst>
                         <p:cond delay="indefinite"/>
                       </p:stCondLst>
                       <p:childTnLst>
                         <p:par>
-                          <p:cTn id="22" fill="hold">
+                          <p:cTn id="4" fill="hold">
                             <p:stCondLst>
                               <p:cond delay="0"/>
                             </p:stCondLst>
                             <p:childTnLst>
                               <p:par>
-                                <p:cTn id="23" presetID="1" presetClass="entr" presetSubtype="0" fill="hold" grpId="0" nodeType="clickEffect">
+                                <p:cTn id="5" presetID="1" presetClass="entr" presetSubtype="0" fill="hold" grpId="0" nodeType="clickEffect">
                                   <p:stCondLst>
                                     <p:cond delay="0"/>
                                   </p:stCondLst>
                                   <p:childTnLst>
                                     <p:set>
                                       <p:cBhvr>
-                                        <p:cTn id="24" dur="1" fill="hold">
+                                        <p:cTn id="6" dur="1" fill="hold">
+                                          <p:stCondLst>
+                                            <p:cond delay="0"/>
+                                          </p:stCondLst>
+                                        </p:cTn>
+                                        <p:tgtEl>
+                                          <p:spTgt spid="2"/>
+                                        </p:tgtEl>
+                                        <p:attrNameLst>
+                                          <p:attrName>style.visibility</p:attrName>
+                                        </p:attrNameLst>
+                                      </p:cBhvr>
+                                      <p:to>
+                                        <p:strVal val="visible"/>
+                                      </p:to>
+                                    </p:set>
+                                  </p:childTnLst>
+                                </p:cTn>
+                              </p:par>
+                            </p:childTnLst>
+                          </p:cTn>
+                        </p:par>
+                      </p:childTnLst>
+                    </p:cTn>
+                  </p:par>
+                  <p:par>
+                    <p:cTn id="7" fill="hold">
+                      <p:stCondLst>
+                        <p:cond delay="indefinite"/>
+                      </p:stCondLst>
+                      <p:childTnLst>
+                        <p:par>
+                          <p:cTn id="8" fill="hold">
+                            <p:stCondLst>
+                              <p:cond delay="0"/>
+                            </p:stCondLst>
+                            <p:childTnLst>
+                              <p:par>
+                                <p:cTn id="9" presetID="1" presetClass="exit" presetSubtype="0" fill="hold" grpId="1" nodeType="clickEffect">
+                                  <p:stCondLst>
+                                    <p:cond delay="0"/>
+                                  </p:stCondLst>
+                                  <p:childTnLst>
+                                    <p:set>
+                                      <p:cBhvr>
+                                        <p:cTn id="10" dur="1" fill="hold">
+                                          <p:stCondLst>
+                                            <p:cond delay="0"/>
+                                          </p:stCondLst>
+                                        </p:cTn>
+                                        <p:tgtEl>
+                                          <p:spTgt spid="2"/>
+                                        </p:tgtEl>
+                                        <p:attrNameLst>
+                                          <p:attrName>style.visibility</p:attrName>
+                                        </p:attrNameLst>
+                                      </p:cBhvr>
+                                      <p:to>
+                                        <p:strVal val="hidden"/>
+                                      </p:to>
+                                    </p:set>
+                                  </p:childTnLst>
+                                </p:cTn>
+                              </p:par>
+                            </p:childTnLst>
+                          </p:cTn>
+                        </p:par>
+                      </p:childTnLst>
+                    </p:cTn>
+                  </p:par>
+                  <p:par>
+                    <p:cTn id="11" fill="hold">
+                      <p:stCondLst>
+                        <p:cond delay="indefinite"/>
+                      </p:stCondLst>
+                      <p:childTnLst>
+                        <p:par>
+                          <p:cTn id="12" fill="hold">
+                            <p:stCondLst>
+                              <p:cond delay="0"/>
+                            </p:stCondLst>
+                            <p:childTnLst>
+                              <p:par>
+                                <p:cTn id="13" presetID="1" presetClass="entr" presetSubtype="0" fill="hold" grpId="0" nodeType="clickEffect">
+                                  <p:stCondLst>
+                                    <p:cond delay="0"/>
+                                  </p:stCondLst>
+                                  <p:childTnLst>
+                                    <p:set>
+                                      <p:cBhvr>
+                                        <p:cTn id="14" dur="1" fill="hold">
+                                          <p:stCondLst>
+                                            <p:cond delay="0"/>
+                                          </p:stCondLst>
+                                        </p:cTn>
+                                        <p:tgtEl>
+                                          <p:spTgt spid="3"/>
+                                        </p:tgtEl>
+                                        <p:attrNameLst>
+                                          <p:attrName>style.visibility</p:attrName>
+                                        </p:attrNameLst>
+                                      </p:cBhvr>
+                                      <p:to>
+                                        <p:strVal val="visible"/>
+                                      </p:to>
+                                    </p:set>
+                                  </p:childTnLst>
+                                </p:cTn>
+                              </p:par>
+                            </p:childTnLst>
+                          </p:cTn>
+                        </p:par>
+                      </p:childTnLst>
+                    </p:cTn>
+                  </p:par>
+                  <p:par>
+                    <p:cTn id="15" fill="hold">
+                      <p:stCondLst>
+                        <p:cond delay="indefinite"/>
+                      </p:stCondLst>
+                      <p:childTnLst>
+                        <p:par>
+                          <p:cTn id="16" fill="hold">
+                            <p:stCondLst>
+                              <p:cond delay="0"/>
+                            </p:stCondLst>
+                            <p:childTnLst>
+                              <p:par>
+                                <p:cTn id="17" presetID="1" presetClass="exit" presetSubtype="0" fill="hold" grpId="1" nodeType="clickEffect">
+                                  <p:stCondLst>
+                                    <p:cond delay="0"/>
+                                  </p:stCondLst>
+                                  <p:childTnLst>
+                                    <p:set>
+                                      <p:cBhvr>
+                                        <p:cTn id="18" dur="1" fill="hold">
+                                          <p:stCondLst>
+                                            <p:cond delay="0"/>
+                                          </p:stCondLst>
+                                        </p:cTn>
+                                        <p:tgtEl>
+                                          <p:spTgt spid="3"/>
+                                        </p:tgtEl>
+                                        <p:attrNameLst>
+                                          <p:attrName>style.visibility</p:attrName>
+                                        </p:attrNameLst>
+                                      </p:cBhvr>
+                                      <p:to>
+                                        <p:strVal val="hidden"/>
+                                      </p:to>
+                                    </p:set>
+                                  </p:childTnLst>
+                                </p:cTn>
+                              </p:par>
+                            </p:childTnLst>
+                          </p:cTn>
+                        </p:par>
+                      </p:childTnLst>
+                    </p:cTn>
+                  </p:par>
+                </p:childTnLst>
+              </p:cTn>
+              <p:prevCondLst>
+                <p:cond evt="onPrev" delay="0">
+                  <p:tgtEl>
+                    <p:sldTgt/>
+                  </p:tgtEl>
+                </p:cond>
+              </p:prevCondLst>
+              <p:nextCondLst>
+                <p:cond evt="onNext" delay="0">
+                  <p:tgtEl>
+                    <p:sldTgt/>
+                  </p:tgtEl>
+                </p:cond>
+              </p:nextCondLst>
+            </p:seq>
+          </p:childTnLst>
+        </p:cTn>
+      </p:par>
+    </p:tnLst>
+    <p:bldLst>
+      <p:bldP spid="2" grpId="0" animBg="1"/>
+      <p:bldP spid="2" grpId="1" animBg="1"/>
+      <p:bldP spid="3" grpId="0" animBg="1"/>
+      <p:bldP spid="3" grpId="1" animBg="1"/>
+    </p:bldLst>
+  </p:timing>
+</p:sld>
+</file>
+
+<file path=ppt/slides/slide3.xml><?xml version="1.0" encoding="utf-8"?>
+<p:sld xmlns:a="http://schemas.openxmlformats.org/drawingml/2006/main" xmlns:r="http://schemas.openxmlformats.org/officeDocument/2006/relationships" xmlns:p="http://schemas.openxmlformats.org/presentationml/2006/main">
+  <p:cSld>
+    <p:spTree>
+      <p:nvGrpSpPr>
+        <p:cNvPr id="1" name=""/>
+        <p:cNvGrpSpPr/>
+        <p:nvPr/>
+      </p:nvGrpSpPr>
+      <p:grpSpPr>
+        <a:xfrm>
+          <a:off x="0" y="0"/>
+          <a:ext cx="0" cy="0"/>
+          <a:chOff x="0" y="0"/>
+          <a:chExt cx="0" cy="0"/>
+        </a:xfrm>
+      </p:grpSpPr>
+      <p:sp>
+        <p:nvSpPr>
+          <p:cNvPr id="5" name="Content Placeholder 4">
+            <a:extLst>
+              <a:ext uri="{FF2B5EF4-FFF2-40B4-BE49-F238E27FC236}">
+                <a16:creationId xmlns:a16="http://schemas.microsoft.com/office/drawing/2014/main" id="{508DD499-3FDF-9EE9-A2B1-61BBE0F1B146}"/>
+              </a:ext>
+            </a:extLst>
+          </p:cNvPr>
+          <p:cNvSpPr>
+            <a:spLocks noGrp="1"/>
+          </p:cNvSpPr>
+          <p:nvPr>
+            <p:ph idx="1"/>
+          </p:nvPr>
+        </p:nvSpPr>
+        <p:spPr/>
+        <p:txBody>
+          <a:bodyPr/>
+          <a:lstStyle/>
+          <a:p>
+            <a:r>
+              <a:rPr lang="en-US" dirty="0"/>
+              <a:t>OO review</a:t>
+            </a:r>
+          </a:p>
+          <a:p>
+            <a:r>
+              <a:rPr lang="en-US" dirty="0"/>
+              <a:t>Ungraded quiz (15 minutes)</a:t>
+            </a:r>
+          </a:p>
+          <a:p>
+            <a:r>
+              <a:rPr lang="en-US" dirty="0"/>
+              <a:t>Software </a:t>
+            </a:r>
+            <a:r>
+              <a:rPr lang="en-US"/>
+              <a:t>design principles</a:t>
+            </a:r>
+            <a:endParaRPr lang="en-US" dirty="0"/>
+          </a:p>
+        </p:txBody>
+      </p:sp>
+      <p:sp>
+        <p:nvSpPr>
+          <p:cNvPr id="4" name="Title 3">
+            <a:extLst>
+              <a:ext uri="{FF2B5EF4-FFF2-40B4-BE49-F238E27FC236}">
+                <a16:creationId xmlns:a16="http://schemas.microsoft.com/office/drawing/2014/main" id="{B38CC12A-C489-55AE-CA3C-AF7924D4B5C4}"/>
+              </a:ext>
+            </a:extLst>
+          </p:cNvPr>
+          <p:cNvSpPr>
+            <a:spLocks noGrp="1"/>
+          </p:cNvSpPr>
+          <p:nvPr>
+            <p:ph type="title"/>
+          </p:nvPr>
+        </p:nvSpPr>
+        <p:spPr/>
+        <p:txBody>
+          <a:bodyPr/>
+          <a:lstStyle/>
+          <a:p>
+            <a:r>
+              <a:rPr lang="en-US" dirty="0"/>
+              <a:t>Agenda</a:t>
+            </a:r>
+          </a:p>
+        </p:txBody>
+      </p:sp>
+      <p:cxnSp>
+        <p:nvCxnSpPr>
+          <p:cNvPr id="7" name="Straight Connector 6">
+            <a:extLst>
+              <a:ext uri="{FF2B5EF4-FFF2-40B4-BE49-F238E27FC236}">
+                <a16:creationId xmlns:a16="http://schemas.microsoft.com/office/drawing/2014/main" id="{47518CA7-8501-DEEF-9ACA-E8239DDA8BE9}"/>
+              </a:ext>
+            </a:extLst>
+          </p:cNvPr>
+          <p:cNvCxnSpPr/>
+          <p:nvPr/>
+        </p:nvCxnSpPr>
+        <p:spPr>
+          <a:xfrm>
+            <a:off x="0" y="1472394"/>
+            <a:ext cx="12192000" cy="0"/>
+          </a:xfrm>
+          <a:prstGeom prst="line">
+            <a:avLst/>
+          </a:prstGeom>
+        </p:spPr>
+        <p:style>
+          <a:lnRef idx="1">
+            <a:schemeClr val="dk1"/>
+          </a:lnRef>
+          <a:fillRef idx="0">
+            <a:schemeClr val="dk1"/>
+          </a:fillRef>
+          <a:effectRef idx="0">
+            <a:schemeClr val="dk1"/>
+          </a:effectRef>
+          <a:fontRef idx="minor">
+            <a:schemeClr val="tx1"/>
+          </a:fontRef>
+        </p:style>
+      </p:cxnSp>
+    </p:spTree>
+    <p:extLst>
+      <p:ext uri="{BB962C8B-B14F-4D97-AF65-F5344CB8AC3E}">
+        <p14:creationId xmlns:p14="http://schemas.microsoft.com/office/powerpoint/2010/main" val="916169690"/>
+      </p:ext>
+    </p:extLst>
+  </p:cSld>
+  <p:clrMapOvr>
+    <a:masterClrMapping/>
+  </p:clrMapOvr>
+</p:sld>
+</file>
+
+<file path=ppt/slides/slide30.xml><?xml version="1.0" encoding="utf-8"?>
+<p:sld xmlns:a="http://schemas.openxmlformats.org/drawingml/2006/main" xmlns:r="http://schemas.openxmlformats.org/officeDocument/2006/relationships" xmlns:p="http://schemas.openxmlformats.org/presentationml/2006/main">
+  <p:cSld>
+    <p:spTree>
+      <p:nvGrpSpPr>
+        <p:cNvPr id="1" name="">
+          <a:extLst>
+            <a:ext uri="{FF2B5EF4-FFF2-40B4-BE49-F238E27FC236}">
+              <a16:creationId xmlns:a16="http://schemas.microsoft.com/office/drawing/2014/main" id="{C020D72F-6D91-E58A-25DD-93CD846EE995}"/>
+            </a:ext>
+          </a:extLst>
+        </p:cNvPr>
+        <p:cNvGrpSpPr/>
+        <p:nvPr/>
+      </p:nvGrpSpPr>
+      <p:grpSpPr>
+        <a:xfrm>
+          <a:off x="0" y="0"/>
+          <a:ext cx="0" cy="0"/>
+          <a:chOff x="0" y="0"/>
+          <a:chExt cx="0" cy="0"/>
+        </a:xfrm>
+      </p:grpSpPr>
+      <p:sp>
+        <p:nvSpPr>
+          <p:cNvPr id="9" name="Content Placeholder 8">
+            <a:extLst>
+              <a:ext uri="{FF2B5EF4-FFF2-40B4-BE49-F238E27FC236}">
+                <a16:creationId xmlns:a16="http://schemas.microsoft.com/office/drawing/2014/main" id="{DB13F052-FC11-9C47-C0E5-81E7C1C53109}"/>
+              </a:ext>
+            </a:extLst>
+          </p:cNvPr>
+          <p:cNvSpPr>
+            <a:spLocks noGrp="1"/>
+          </p:cNvSpPr>
+          <p:nvPr>
+            <p:ph idx="1"/>
+          </p:nvPr>
+        </p:nvSpPr>
+        <p:spPr/>
+        <p:txBody>
+          <a:bodyPr/>
+          <a:lstStyle/>
+          <a:p>
+            <a:r>
+              <a:rPr lang="en-US" b="1" dirty="0"/>
+              <a:t>// With interface</a:t>
+            </a:r>
+            <a:br>
+              <a:rPr lang="en-US" b="1" dirty="0"/>
+            </a:br>
+            <a:endParaRPr lang="en-US" b="1" dirty="0"/>
+          </a:p>
+          <a:p>
+            <a:r>
+              <a:rPr lang="en-US" dirty="0"/>
+              <a:t>class </a:t>
+            </a:r>
+            <a:r>
+              <a:rPr lang="en-US" dirty="0" err="1"/>
+              <a:t>SpotifyClient</a:t>
+            </a:r>
+            <a:r>
+              <a:rPr lang="en-US" dirty="0"/>
+              <a:t> {</a:t>
+            </a:r>
+          </a:p>
+          <a:p>
+            <a:r>
+              <a:rPr lang="en-US" dirty="0"/>
+              <a:t>	private </a:t>
+            </a:r>
+            <a:r>
+              <a:rPr lang="en-US" b="1" dirty="0" err="1">
+                <a:solidFill>
+                  <a:schemeClr val="tx1">
+                    <a:lumMod val="50000"/>
+                    <a:lumOff val="50000"/>
+                  </a:schemeClr>
+                </a:solidFill>
+              </a:rPr>
+              <a:t>DBInterfacer</a:t>
+            </a:r>
+            <a:r>
+              <a:rPr lang="en-US" dirty="0"/>
+              <a:t> </a:t>
+            </a:r>
+            <a:r>
+              <a:rPr lang="en-US" dirty="0" err="1"/>
+              <a:t>dbinterface</a:t>
+            </a:r>
+            <a:endParaRPr lang="en-US" dirty="0"/>
+          </a:p>
+          <a:p>
+            <a:r>
+              <a:rPr lang="en-US" dirty="0"/>
+              <a:t>		= new </a:t>
+            </a:r>
+            <a:r>
+              <a:rPr lang="en-US" dirty="0" err="1"/>
+              <a:t>MySqlInterfacer</a:t>
+            </a:r>
+            <a:r>
+              <a:rPr lang="en-US" dirty="0"/>
+              <a:t>();</a:t>
+            </a:r>
+            <a:br>
+              <a:rPr lang="en-US" dirty="0"/>
+            </a:br>
+            <a:br>
+              <a:rPr lang="en-US" dirty="0"/>
+            </a:br>
+            <a:r>
+              <a:rPr lang="en-US" dirty="0"/>
+              <a:t>	public bool </a:t>
+            </a:r>
+            <a:r>
+              <a:rPr lang="en-US" dirty="0" err="1"/>
+              <a:t>downloadSong</a:t>
+            </a:r>
+            <a:r>
+              <a:rPr lang="en-US" dirty="0"/>
+              <a:t>(String </a:t>
+            </a:r>
+            <a:r>
+              <a:rPr lang="en-US" dirty="0" err="1"/>
+              <a:t>songName</a:t>
+            </a:r>
+            <a:r>
+              <a:rPr lang="en-US" dirty="0"/>
+              <a:t>) {</a:t>
+            </a:r>
+          </a:p>
+          <a:p>
+            <a:r>
+              <a:rPr lang="en-US" dirty="0"/>
+              <a:t>		</a:t>
+            </a:r>
+            <a:r>
+              <a:rPr lang="en-US" b="1" dirty="0">
+                <a:solidFill>
+                  <a:schemeClr val="tx1">
+                    <a:lumMod val="50000"/>
+                    <a:lumOff val="50000"/>
+                  </a:schemeClr>
+                </a:solidFill>
+              </a:rPr>
+              <a:t>DB</a:t>
+            </a:r>
+            <a:r>
+              <a:rPr lang="en-US" dirty="0"/>
+              <a:t> </a:t>
+            </a:r>
+            <a:r>
+              <a:rPr lang="en-US" dirty="0" err="1"/>
+              <a:t>db</a:t>
+            </a:r>
+            <a:r>
+              <a:rPr lang="en-US" dirty="0"/>
+              <a:t> = </a:t>
+            </a:r>
+            <a:r>
+              <a:rPr lang="en-US" dirty="0" err="1"/>
+              <a:t>dbinterface.createDB</a:t>
+            </a:r>
+            <a:r>
+              <a:rPr lang="en-US" dirty="0"/>
+              <a:t>(“</a:t>
+            </a:r>
+            <a:r>
+              <a:rPr lang="en-US" dirty="0" err="1"/>
+              <a:t>sptdb</a:t>
+            </a:r>
+            <a:r>
+              <a:rPr lang="en-US" dirty="0"/>
+              <a:t>”);</a:t>
+            </a:r>
+            <a:br>
+              <a:rPr lang="en-US" dirty="0"/>
+            </a:br>
+            <a:r>
+              <a:rPr lang="en-US" dirty="0"/>
+              <a:t>   		</a:t>
+            </a:r>
+            <a:r>
+              <a:rPr lang="en-US" b="1" dirty="0" err="1">
+                <a:solidFill>
+                  <a:schemeClr val="tx1">
+                    <a:lumMod val="50000"/>
+                    <a:lumOff val="50000"/>
+                  </a:schemeClr>
+                </a:solidFill>
+              </a:rPr>
+              <a:t>Tbl</a:t>
+            </a:r>
+            <a:r>
+              <a:rPr lang="en-US" dirty="0"/>
+              <a:t> </a:t>
+            </a:r>
+            <a:r>
+              <a:rPr lang="en-US" dirty="0" err="1"/>
+              <a:t>tbl</a:t>
+            </a:r>
+            <a:r>
+              <a:rPr lang="en-US" dirty="0"/>
+              <a:t> = </a:t>
+            </a:r>
+            <a:r>
+              <a:rPr lang="en-US" dirty="0" err="1"/>
+              <a:t>dbinterface.createTbl</a:t>
+            </a:r>
+            <a:r>
+              <a:rPr lang="en-US" dirty="0"/>
+              <a:t>(</a:t>
+            </a:r>
+            <a:r>
+              <a:rPr lang="en-US" dirty="0" err="1"/>
+              <a:t>db</a:t>
+            </a:r>
+            <a:r>
+              <a:rPr lang="en-US" dirty="0"/>
+              <a:t>,</a:t>
+            </a:r>
+          </a:p>
+          <a:p>
+            <a:r>
+              <a:rPr lang="en-US" dirty="0"/>
+              <a:t>				“songs”);</a:t>
+            </a:r>
+          </a:p>
+          <a:p>
+            <a:r>
+              <a:rPr lang="en-US" dirty="0"/>
+              <a:t>		// … download and store songs</a:t>
+            </a:r>
+          </a:p>
+          <a:p>
+            <a:r>
+              <a:rPr lang="en-US" dirty="0"/>
+              <a:t>	}</a:t>
+            </a:r>
+            <a:br>
+              <a:rPr lang="en-US" dirty="0"/>
+            </a:br>
+            <a:r>
+              <a:rPr lang="en-US" dirty="0"/>
+              <a:t>}</a:t>
+            </a:r>
+          </a:p>
+          <a:p>
+            <a:endParaRPr lang="en-US" dirty="0"/>
+          </a:p>
+        </p:txBody>
+      </p:sp>
+      <p:sp>
+        <p:nvSpPr>
+          <p:cNvPr id="5" name="Title 4">
+            <a:extLst>
+              <a:ext uri="{FF2B5EF4-FFF2-40B4-BE49-F238E27FC236}">
+                <a16:creationId xmlns:a16="http://schemas.microsoft.com/office/drawing/2014/main" id="{60BC1B87-C3EF-5E9A-2012-0B73CE888A44}"/>
+              </a:ext>
+            </a:extLst>
+          </p:cNvPr>
+          <p:cNvSpPr>
+            <a:spLocks noGrp="1"/>
+          </p:cNvSpPr>
+          <p:nvPr>
+            <p:ph type="title"/>
+          </p:nvPr>
+        </p:nvSpPr>
+        <p:spPr/>
+        <p:txBody>
+          <a:bodyPr/>
+          <a:lstStyle/>
+          <a:p>
+            <a:r>
+              <a:rPr lang="en-US" dirty="0"/>
+              <a:t>Client-side changes</a:t>
+            </a:r>
+          </a:p>
+        </p:txBody>
+      </p:sp>
+      <p:sp>
+        <p:nvSpPr>
+          <p:cNvPr id="10" name="Content Placeholder 9">
+            <a:extLst>
+              <a:ext uri="{FF2B5EF4-FFF2-40B4-BE49-F238E27FC236}">
+                <a16:creationId xmlns:a16="http://schemas.microsoft.com/office/drawing/2014/main" id="{A3E447C8-1093-BD71-243B-2F6362316030}"/>
+              </a:ext>
+            </a:extLst>
+          </p:cNvPr>
+          <p:cNvSpPr>
+            <a:spLocks noGrp="1"/>
+          </p:cNvSpPr>
+          <p:nvPr>
+            <p:ph idx="13"/>
+          </p:nvPr>
+        </p:nvSpPr>
+        <p:spPr/>
+        <p:txBody>
+          <a:bodyPr>
+            <a:normAutofit/>
+          </a:bodyPr>
+          <a:lstStyle/>
+          <a:p>
+            <a:r>
+              <a:rPr lang="en-US" dirty="0"/>
+              <a:t>Runtime polymorphism ensures that when </a:t>
+            </a:r>
+            <a:r>
+              <a:rPr lang="en-US" dirty="0" err="1">
+                <a:latin typeface="Consolas" panose="020B0609020204030204" pitchFamily="49" charset="0"/>
+              </a:rPr>
+              <a:t>createDB</a:t>
+            </a:r>
+            <a:r>
+              <a:rPr lang="en-US" dirty="0"/>
+              <a:t> and </a:t>
+            </a:r>
+            <a:r>
+              <a:rPr lang="en-US" dirty="0" err="1">
+                <a:latin typeface="Consolas" panose="020B0609020204030204" pitchFamily="49" charset="0"/>
+              </a:rPr>
+              <a:t>createTbl</a:t>
+            </a:r>
+            <a:r>
+              <a:rPr lang="en-US" dirty="0"/>
+              <a:t> is invoked, the methods in </a:t>
+            </a:r>
+            <a:r>
+              <a:rPr lang="en-US" dirty="0" err="1"/>
+              <a:t>MySql</a:t>
+            </a:r>
+            <a:r>
+              <a:rPr lang="en-US" dirty="0" err="1">
+                <a:latin typeface="Consolas" panose="020B0609020204030204" pitchFamily="49" charset="0"/>
+              </a:rPr>
+              <a:t>Interface</a:t>
+            </a:r>
+            <a:r>
+              <a:rPr lang="en-US" dirty="0"/>
+              <a:t> are called</a:t>
+            </a:r>
+          </a:p>
+          <a:p>
+            <a:r>
+              <a:rPr lang="en-US" dirty="0"/>
+              <a:t>Even though the type of </a:t>
+            </a:r>
+            <a:r>
+              <a:rPr lang="en-US" dirty="0" err="1">
+                <a:latin typeface="Consolas" panose="020B0609020204030204" pitchFamily="49" charset="0"/>
+              </a:rPr>
+              <a:t>dbInterface</a:t>
+            </a:r>
+            <a:r>
+              <a:rPr lang="en-US" dirty="0"/>
+              <a:t> is </a:t>
+            </a:r>
+            <a:r>
+              <a:rPr lang="en-US" dirty="0" err="1">
+                <a:latin typeface="Consolas" panose="020B0609020204030204" pitchFamily="49" charset="0"/>
+              </a:rPr>
+              <a:t>DBInterfacer</a:t>
+            </a:r>
+            <a:r>
+              <a:rPr lang="en-US" dirty="0"/>
+              <a:t> (parent interface)</a:t>
+            </a:r>
+          </a:p>
+          <a:p>
+            <a:endParaRPr lang="en-US" dirty="0"/>
+          </a:p>
+        </p:txBody>
+      </p:sp>
+      <p:sp>
+        <p:nvSpPr>
+          <p:cNvPr id="11" name="TextBox 10">
+            <a:extLst>
+              <a:ext uri="{FF2B5EF4-FFF2-40B4-BE49-F238E27FC236}">
+                <a16:creationId xmlns:a16="http://schemas.microsoft.com/office/drawing/2014/main" id="{8131484B-5AD6-C700-4068-3C25AC0A0187}"/>
+              </a:ext>
+            </a:extLst>
+          </p:cNvPr>
+          <p:cNvSpPr txBox="1"/>
+          <p:nvPr/>
+        </p:nvSpPr>
+        <p:spPr>
+          <a:xfrm>
+            <a:off x="2502188" y="5338155"/>
+            <a:ext cx="8563428" cy="986603"/>
+          </a:xfrm>
+          <a:prstGeom prst="rect">
+            <a:avLst/>
+          </a:prstGeom>
+          <a:noFill/>
+        </p:spPr>
+        <p:txBody>
+          <a:bodyPr wrap="square" rtlCol="0">
+            <a:noAutofit/>
+          </a:bodyPr>
+          <a:lstStyle/>
+          <a:p>
+            <a:r>
+              <a:rPr lang="en-US" sz="3200" b="1" i="1" dirty="0"/>
+              <a:t>What change is needed to move to Postgres?</a:t>
+            </a:r>
+          </a:p>
+        </p:txBody>
+      </p:sp>
+    </p:spTree>
+    <p:extLst>
+      <p:ext uri="{BB962C8B-B14F-4D97-AF65-F5344CB8AC3E}">
+        <p14:creationId xmlns:p14="http://schemas.microsoft.com/office/powerpoint/2010/main" val="4097561850"/>
+      </p:ext>
+    </p:extLst>
+  </p:cSld>
+  <p:clrMapOvr>
+    <a:masterClrMapping/>
+  </p:clrMapOvr>
+  <p:timing>
+    <p:tnLst>
+      <p:par>
+        <p:cTn id="1" dur="indefinite" restart="never" nodeType="tmRoot">
+          <p:childTnLst>
+            <p:seq concurrent="1" nextAc="seek">
+              <p:cTn id="2" dur="indefinite" nodeType="mainSeq">
+                <p:childTnLst>
+                  <p:par>
+                    <p:cTn id="3" fill="hold">
+                      <p:stCondLst>
+                        <p:cond delay="indefinite"/>
+                      </p:stCondLst>
+                      <p:childTnLst>
+                        <p:par>
+                          <p:cTn id="4" fill="hold">
+                            <p:stCondLst>
+                              <p:cond delay="0"/>
+                            </p:stCondLst>
+                            <p:childTnLst>
+                              <p:par>
+                                <p:cTn id="5" presetID="1" presetClass="entr" presetSubtype="0" fill="hold" grpId="0" nodeType="clickEffect">
+                                  <p:stCondLst>
+                                    <p:cond delay="0"/>
+                                  </p:stCondLst>
+                                  <p:childTnLst>
+                                    <p:set>
+                                      <p:cBhvr>
+                                        <p:cTn id="6" dur="1" fill="hold">
                                           <p:stCondLst>
                                             <p:cond delay="0"/>
                                           </p:stCondLst>
@@ -18262,527 +21615,13 @@
       </p:par>
     </p:tnLst>
     <p:bldLst>
-      <p:bldP spid="9" grpId="0" uiExpand="1" build="p"/>
       <p:bldP spid="11" grpId="0"/>
     </p:bldLst>
   </p:timing>
 </p:sld>
 </file>
 
-<file path=ppt/slides/slide28.xml><?xml version="1.0" encoding="utf-8"?>
-<p:sld xmlns:a="http://schemas.openxmlformats.org/drawingml/2006/main" xmlns:r="http://schemas.openxmlformats.org/officeDocument/2006/relationships" xmlns:p="http://schemas.openxmlformats.org/presentationml/2006/main">
-  <p:cSld>
-    <p:spTree>
-      <p:nvGrpSpPr>
-        <p:cNvPr id="1" name="">
-          <a:extLst>
-            <a:ext uri="{FF2B5EF4-FFF2-40B4-BE49-F238E27FC236}">
-              <a16:creationId xmlns:a16="http://schemas.microsoft.com/office/drawing/2014/main" id="{F065213C-34CF-7280-02DA-F2B6F6969441}"/>
-            </a:ext>
-          </a:extLst>
-        </p:cNvPr>
-        <p:cNvGrpSpPr/>
-        <p:nvPr/>
-      </p:nvGrpSpPr>
-      <p:grpSpPr>
-        <a:xfrm>
-          <a:off x="0" y="0"/>
-          <a:ext cx="0" cy="0"/>
-          <a:chOff x="0" y="0"/>
-          <a:chExt cx="0" cy="0"/>
-        </a:xfrm>
-      </p:grpSpPr>
-      <p:sp>
-        <p:nvSpPr>
-          <p:cNvPr id="9" name="Content Placeholder 8">
-            <a:extLst>
-              <a:ext uri="{FF2B5EF4-FFF2-40B4-BE49-F238E27FC236}">
-                <a16:creationId xmlns:a16="http://schemas.microsoft.com/office/drawing/2014/main" id="{5BD15AFE-FE4E-CBAF-140F-3358965FE71E}"/>
-              </a:ext>
-            </a:extLst>
-          </p:cNvPr>
-          <p:cNvSpPr>
-            <a:spLocks noGrp="1"/>
-          </p:cNvSpPr>
-          <p:nvPr>
-            <p:ph idx="1"/>
-          </p:nvPr>
-        </p:nvSpPr>
-        <p:spPr/>
-        <p:txBody>
-          <a:bodyPr/>
-          <a:lstStyle/>
-          <a:p>
-            <a:r>
-              <a:rPr lang="en-US" b="1" dirty="0"/>
-              <a:t>// after</a:t>
-            </a:r>
-          </a:p>
-          <a:p>
-            <a:r>
-              <a:rPr lang="en-US" dirty="0"/>
-              <a:t>class </a:t>
-            </a:r>
-            <a:r>
-              <a:rPr lang="en-US" dirty="0" err="1"/>
-              <a:t>SpotifyClient</a:t>
-            </a:r>
-            <a:r>
-              <a:rPr lang="en-US" dirty="0"/>
-              <a:t> {</a:t>
-            </a:r>
-          </a:p>
-          <a:p>
-            <a:r>
-              <a:rPr lang="en-US" dirty="0"/>
-              <a:t>	private </a:t>
-            </a:r>
-            <a:r>
-              <a:rPr lang="en-US" b="1" dirty="0" err="1">
-                <a:solidFill>
-                  <a:schemeClr val="tx1">
-                    <a:lumMod val="50000"/>
-                    <a:lumOff val="50000"/>
-                  </a:schemeClr>
-                </a:solidFill>
-              </a:rPr>
-              <a:t>DBInterfacer</a:t>
-            </a:r>
-            <a:r>
-              <a:rPr lang="en-US" dirty="0"/>
-              <a:t> </a:t>
-            </a:r>
-            <a:r>
-              <a:rPr lang="en-US" dirty="0" err="1"/>
-              <a:t>dbinterface</a:t>
-            </a:r>
-            <a:endParaRPr lang="en-US" dirty="0"/>
-          </a:p>
-          <a:p>
-            <a:r>
-              <a:rPr lang="en-US" dirty="0"/>
-              <a:t>		= new </a:t>
-            </a:r>
-            <a:r>
-              <a:rPr lang="en-US" b="1" dirty="0" err="1">
-                <a:solidFill>
-                  <a:srgbClr val="FF0000"/>
-                </a:solidFill>
-              </a:rPr>
-              <a:t>PgInterfacer</a:t>
-            </a:r>
-            <a:r>
-              <a:rPr lang="en-US" dirty="0"/>
-              <a:t>();</a:t>
-            </a:r>
-            <a:br>
-              <a:rPr lang="en-US" dirty="0"/>
-            </a:br>
-            <a:br>
-              <a:rPr lang="en-US" dirty="0"/>
-            </a:br>
-            <a:r>
-              <a:rPr lang="en-US" dirty="0"/>
-              <a:t>	public bool </a:t>
-            </a:r>
-            <a:r>
-              <a:rPr lang="en-US" dirty="0" err="1"/>
-              <a:t>downloadSong</a:t>
-            </a:r>
-            <a:r>
-              <a:rPr lang="en-US" dirty="0"/>
-              <a:t>(String </a:t>
-            </a:r>
-            <a:r>
-              <a:rPr lang="en-US" dirty="0" err="1"/>
-              <a:t>songName</a:t>
-            </a:r>
-            <a:r>
-              <a:rPr lang="en-US" dirty="0"/>
-              <a:t>) {</a:t>
-            </a:r>
-          </a:p>
-          <a:p>
-            <a:r>
-              <a:rPr lang="en-US" dirty="0"/>
-              <a:t>		</a:t>
-            </a:r>
-            <a:r>
-              <a:rPr lang="en-US" b="1" dirty="0">
-                <a:solidFill>
-                  <a:schemeClr val="tx1">
-                    <a:lumMod val="50000"/>
-                    <a:lumOff val="50000"/>
-                  </a:schemeClr>
-                </a:solidFill>
-              </a:rPr>
-              <a:t>DB</a:t>
-            </a:r>
-            <a:r>
-              <a:rPr lang="en-US" dirty="0"/>
-              <a:t> </a:t>
-            </a:r>
-            <a:r>
-              <a:rPr lang="en-US" dirty="0" err="1"/>
-              <a:t>db</a:t>
-            </a:r>
-            <a:r>
-              <a:rPr lang="en-US" dirty="0"/>
-              <a:t> = </a:t>
-            </a:r>
-            <a:r>
-              <a:rPr lang="en-US" dirty="0" err="1"/>
-              <a:t>dbinterface.createDB</a:t>
-            </a:r>
-            <a:r>
-              <a:rPr lang="en-US" dirty="0"/>
-              <a:t>(“</a:t>
-            </a:r>
-            <a:r>
-              <a:rPr lang="en-US" dirty="0" err="1"/>
-              <a:t>sptdb</a:t>
-            </a:r>
-            <a:r>
-              <a:rPr lang="en-US" dirty="0"/>
-              <a:t>”);</a:t>
-            </a:r>
-            <a:br>
-              <a:rPr lang="en-US" dirty="0"/>
-            </a:br>
-            <a:r>
-              <a:rPr lang="en-US" dirty="0"/>
-              <a:t>   		</a:t>
-            </a:r>
-            <a:r>
-              <a:rPr lang="en-US" b="1" dirty="0" err="1">
-                <a:solidFill>
-                  <a:schemeClr val="tx1">
-                    <a:lumMod val="50000"/>
-                    <a:lumOff val="50000"/>
-                  </a:schemeClr>
-                </a:solidFill>
-              </a:rPr>
-              <a:t>Tbl</a:t>
-            </a:r>
-            <a:r>
-              <a:rPr lang="en-US" dirty="0"/>
-              <a:t> </a:t>
-            </a:r>
-            <a:r>
-              <a:rPr lang="en-US" dirty="0" err="1"/>
-              <a:t>tbl</a:t>
-            </a:r>
-            <a:r>
-              <a:rPr lang="en-US" dirty="0"/>
-              <a:t> = </a:t>
-            </a:r>
-            <a:r>
-              <a:rPr lang="en-US" dirty="0" err="1"/>
-              <a:t>dbinterface.createTbl</a:t>
-            </a:r>
-            <a:r>
-              <a:rPr lang="en-US" dirty="0"/>
-              <a:t>(</a:t>
-            </a:r>
-            <a:r>
-              <a:rPr lang="en-US" dirty="0" err="1"/>
-              <a:t>db</a:t>
-            </a:r>
-            <a:r>
-              <a:rPr lang="en-US" dirty="0"/>
-              <a:t>,</a:t>
-            </a:r>
-          </a:p>
-          <a:p>
-            <a:r>
-              <a:rPr lang="en-US" dirty="0"/>
-              <a:t>				“songs”);</a:t>
-            </a:r>
-          </a:p>
-          <a:p>
-            <a:r>
-              <a:rPr lang="en-US" dirty="0"/>
-              <a:t>		// … download and store songs</a:t>
-            </a:r>
-          </a:p>
-          <a:p>
-            <a:r>
-              <a:rPr lang="en-US" dirty="0"/>
-              <a:t>	}</a:t>
-            </a:r>
-            <a:br>
-              <a:rPr lang="en-US" dirty="0"/>
-            </a:br>
-            <a:r>
-              <a:rPr lang="en-US" dirty="0"/>
-              <a:t>}</a:t>
-            </a:r>
-          </a:p>
-          <a:p>
-            <a:endParaRPr lang="en-US" dirty="0"/>
-          </a:p>
-        </p:txBody>
-      </p:sp>
-      <p:sp>
-        <p:nvSpPr>
-          <p:cNvPr id="5" name="Title 4">
-            <a:extLst>
-              <a:ext uri="{FF2B5EF4-FFF2-40B4-BE49-F238E27FC236}">
-                <a16:creationId xmlns:a16="http://schemas.microsoft.com/office/drawing/2014/main" id="{70665E63-30EA-EF4D-8CBE-3B91C954E7DC}"/>
-              </a:ext>
-            </a:extLst>
-          </p:cNvPr>
-          <p:cNvSpPr>
-            <a:spLocks noGrp="1"/>
-          </p:cNvSpPr>
-          <p:nvPr>
-            <p:ph type="title"/>
-          </p:nvPr>
-        </p:nvSpPr>
-        <p:spPr/>
-        <p:txBody>
-          <a:bodyPr/>
-          <a:lstStyle/>
-          <a:p>
-            <a:r>
-              <a:rPr lang="en-US" dirty="0"/>
-              <a:t>Client-side changes</a:t>
-            </a:r>
-          </a:p>
-        </p:txBody>
-      </p:sp>
-      <p:sp>
-        <p:nvSpPr>
-          <p:cNvPr id="10" name="Content Placeholder 9">
-            <a:extLst>
-              <a:ext uri="{FF2B5EF4-FFF2-40B4-BE49-F238E27FC236}">
-                <a16:creationId xmlns:a16="http://schemas.microsoft.com/office/drawing/2014/main" id="{71231245-CE39-CD81-1210-BDE0AE5F002B}"/>
-              </a:ext>
-            </a:extLst>
-          </p:cNvPr>
-          <p:cNvSpPr>
-            <a:spLocks noGrp="1"/>
-          </p:cNvSpPr>
-          <p:nvPr>
-            <p:ph idx="14"/>
-          </p:nvPr>
-        </p:nvSpPr>
-        <p:spPr/>
-        <p:txBody>
-          <a:bodyPr/>
-          <a:lstStyle/>
-          <a:p>
-            <a:r>
-              <a:rPr lang="en-US" b="1" dirty="0"/>
-              <a:t>// before</a:t>
-            </a:r>
-          </a:p>
-          <a:p>
-            <a:endParaRPr lang="en-US" dirty="0"/>
-          </a:p>
-          <a:p>
-            <a:r>
-              <a:rPr lang="en-US" dirty="0"/>
-              <a:t>class </a:t>
-            </a:r>
-            <a:r>
-              <a:rPr lang="en-US" dirty="0" err="1"/>
-              <a:t>SpotifyClient</a:t>
-            </a:r>
-            <a:r>
-              <a:rPr lang="en-US" dirty="0"/>
-              <a:t> {</a:t>
-            </a:r>
-          </a:p>
-          <a:p>
-            <a:r>
-              <a:rPr lang="en-US" dirty="0"/>
-              <a:t>	private </a:t>
-            </a:r>
-            <a:r>
-              <a:rPr lang="en-US" dirty="0" err="1"/>
-              <a:t>MySqlInterfacer</a:t>
-            </a:r>
-            <a:r>
-              <a:rPr lang="en-US" dirty="0"/>
-              <a:t> </a:t>
-            </a:r>
-            <a:r>
-              <a:rPr lang="en-US" dirty="0" err="1"/>
-              <a:t>dbinterface</a:t>
-            </a:r>
-            <a:r>
-              <a:rPr lang="en-US" dirty="0"/>
-              <a:t> </a:t>
-            </a:r>
-          </a:p>
-          <a:p>
-            <a:r>
-              <a:rPr lang="en-US" dirty="0"/>
-              <a:t>			= new </a:t>
-            </a:r>
-            <a:r>
-              <a:rPr lang="en-US" dirty="0" err="1"/>
-              <a:t>MySqlInterfacer</a:t>
-            </a:r>
-            <a:r>
-              <a:rPr lang="en-US" dirty="0"/>
-              <a:t>();</a:t>
-            </a:r>
-            <a:br>
-              <a:rPr lang="en-US" dirty="0"/>
-            </a:br>
-            <a:br>
-              <a:rPr lang="en-US" dirty="0"/>
-            </a:br>
-            <a:r>
-              <a:rPr lang="en-US" dirty="0"/>
-              <a:t>	public bool </a:t>
-            </a:r>
-            <a:r>
-              <a:rPr lang="en-US" dirty="0" err="1"/>
-              <a:t>downloadSong</a:t>
-            </a:r>
-            <a:r>
-              <a:rPr lang="en-US" dirty="0"/>
-              <a:t>(String </a:t>
-            </a:r>
-            <a:r>
-              <a:rPr lang="en-US" dirty="0" err="1"/>
-              <a:t>songName</a:t>
-            </a:r>
-            <a:r>
-              <a:rPr lang="en-US" dirty="0"/>
-              <a:t>) {</a:t>
-            </a:r>
-          </a:p>
-          <a:p>
-            <a:r>
-              <a:rPr lang="en-US" dirty="0"/>
-              <a:t>		</a:t>
-            </a:r>
-            <a:r>
-              <a:rPr lang="en-US" dirty="0" err="1"/>
-              <a:t>MySqlDb</a:t>
-            </a:r>
-            <a:r>
-              <a:rPr lang="en-US" dirty="0"/>
-              <a:t> </a:t>
-            </a:r>
-            <a:r>
-              <a:rPr lang="en-US" dirty="0" err="1"/>
-              <a:t>mysqldb</a:t>
-            </a:r>
-            <a:r>
-              <a:rPr lang="en-US" dirty="0"/>
-              <a:t> = </a:t>
-            </a:r>
-            <a:r>
-              <a:rPr lang="en-US" dirty="0" err="1"/>
-              <a:t>dbinterface.createDB</a:t>
-            </a:r>
-            <a:r>
-              <a:rPr lang="en-US" dirty="0"/>
-              <a:t>(“</a:t>
-            </a:r>
-            <a:r>
-              <a:rPr lang="en-US" dirty="0" err="1"/>
-              <a:t>sptdb</a:t>
-            </a:r>
-            <a:r>
-              <a:rPr lang="en-US" dirty="0"/>
-              <a:t>”);</a:t>
-            </a:r>
-            <a:br>
-              <a:rPr lang="en-US" dirty="0"/>
-            </a:br>
-            <a:r>
-              <a:rPr lang="en-US" dirty="0"/>
-              <a:t>   		</a:t>
-            </a:r>
-            <a:r>
-              <a:rPr lang="en-US" dirty="0" err="1"/>
-              <a:t>MySqlTbl</a:t>
-            </a:r>
-            <a:r>
-              <a:rPr lang="en-US" dirty="0"/>
-              <a:t> </a:t>
-            </a:r>
-            <a:r>
-              <a:rPr lang="en-US" dirty="0" err="1"/>
-              <a:t>tbl</a:t>
-            </a:r>
-            <a:r>
-              <a:rPr lang="en-US" dirty="0"/>
-              <a:t> = </a:t>
-            </a:r>
-            <a:r>
-              <a:rPr lang="en-US" dirty="0" err="1"/>
-              <a:t>dbinterface.createTbl</a:t>
-            </a:r>
-            <a:r>
-              <a:rPr lang="en-US" dirty="0"/>
-              <a:t>(</a:t>
-            </a:r>
-          </a:p>
-          <a:p>
-            <a:r>
-              <a:rPr lang="en-US" dirty="0"/>
-              <a:t>				</a:t>
-            </a:r>
-            <a:r>
-              <a:rPr lang="en-US" dirty="0" err="1"/>
-              <a:t>mysqldb</a:t>
-            </a:r>
-            <a:r>
-              <a:rPr lang="en-US" dirty="0"/>
-              <a:t>,</a:t>
-            </a:r>
-          </a:p>
-          <a:p>
-            <a:r>
-              <a:rPr lang="en-US" dirty="0"/>
-              <a:t>				“songs”);</a:t>
-            </a:r>
-          </a:p>
-          <a:p>
-            <a:r>
-              <a:rPr lang="en-US" dirty="0"/>
-              <a:t>		// … download and store songs</a:t>
-            </a:r>
-          </a:p>
-          <a:p>
-            <a:r>
-              <a:rPr lang="en-US" dirty="0"/>
-              <a:t>	}</a:t>
-            </a:r>
-            <a:br>
-              <a:rPr lang="en-US" dirty="0"/>
-            </a:br>
-            <a:r>
-              <a:rPr lang="en-US" dirty="0"/>
-              <a:t>}</a:t>
-            </a:r>
-          </a:p>
-          <a:p>
-            <a:endParaRPr lang="en-US" dirty="0"/>
-          </a:p>
-        </p:txBody>
-      </p:sp>
-    </p:spTree>
-    <p:extLst>
-      <p:ext uri="{BB962C8B-B14F-4D97-AF65-F5344CB8AC3E}">
-        <p14:creationId xmlns:p14="http://schemas.microsoft.com/office/powerpoint/2010/main" val="379512571"/>
-      </p:ext>
-    </p:extLst>
-  </p:cSld>
-  <p:clrMapOvr>
-    <a:masterClrMapping/>
-  </p:clrMapOvr>
-</p:sld>
-</file>
-
-<file path=ppt/slides/slide29.xml><?xml version="1.0" encoding="utf-8"?>
+<file path=ppt/slides/slide31.xml><?xml version="1.0" encoding="utf-8"?>
 <p:sld xmlns:a="http://schemas.openxmlformats.org/drawingml/2006/main" xmlns:r="http://schemas.openxmlformats.org/officeDocument/2006/relationships" xmlns:p="http://schemas.openxmlformats.org/presentationml/2006/main">
   <p:cSld>
     <p:spTree>
@@ -18830,6 +21669,10 @@
               <a:rPr lang="en-US" b="1" dirty="0"/>
               <a:t>// after</a:t>
             </a:r>
+            <a:br>
+              <a:rPr lang="en-US" b="1" dirty="0"/>
+            </a:br>
+            <a:endParaRPr lang="en-US" b="1" dirty="0"/>
           </a:p>
           <a:p>
             <a:r>
@@ -19066,10 +21909,10 @@
       </p:sp>
       <p:sp>
         <p:nvSpPr>
-          <p:cNvPr id="10" name="Content Placeholder 9">
+          <p:cNvPr id="6" name="Content Placeholder 5">
             <a:extLst>
               <a:ext uri="{FF2B5EF4-FFF2-40B4-BE49-F238E27FC236}">
-                <a16:creationId xmlns:a16="http://schemas.microsoft.com/office/drawing/2014/main" id="{F8A26A35-4779-0D15-517B-C242AECB7C44}"/>
+                <a16:creationId xmlns:a16="http://schemas.microsoft.com/office/drawing/2014/main" id="{B8F7031B-8660-77ED-93EF-719A85DC2946}"/>
               </a:ext>
             </a:extLst>
           </p:cNvPr>
@@ -19089,7 +21932,7 @@
           <a:p>
             <a:r>
               <a:rPr lang="en-US" dirty="0"/>
-              <a:t>Runtime polymorphism ensures that when </a:t>
+              <a:t>Now, runtime polymorphism ensures that when </a:t>
             </a:r>
             <a:r>
               <a:rPr lang="en-US" dirty="0" err="1">
@@ -19112,10 +21955,14 @@
               <a:t> is invoked, the methods in </a:t>
             </a:r>
             <a:r>
+              <a:rPr lang="en-US" dirty="0" err="1"/>
+              <a:t>Pg</a:t>
+            </a:r>
+            <a:r>
               <a:rPr lang="en-US" dirty="0" err="1">
                 <a:latin typeface="Consolas" panose="020B0609020204030204" pitchFamily="49" charset="0"/>
               </a:rPr>
-              <a:t>PgInterface</a:t>
+              <a:t>Interface</a:t>
             </a:r>
             <a:r>
               <a:rPr lang="en-US" dirty="0"/>
@@ -19146,6 +21993,186 @@
             <a:r>
               <a:rPr lang="en-US" dirty="0"/>
               <a:t> (parent interface)</a:t>
+            </a:r>
+          </a:p>
+          <a:p>
+            <a:endParaRPr lang="en-US" dirty="0"/>
+          </a:p>
+        </p:txBody>
+      </p:sp>
+      <p:sp>
+        <p:nvSpPr>
+          <p:cNvPr id="2" name="Rectangle 1">
+            <a:extLst>
+              <a:ext uri="{FF2B5EF4-FFF2-40B4-BE49-F238E27FC236}">
+                <a16:creationId xmlns:a16="http://schemas.microsoft.com/office/drawing/2014/main" id="{B7F90038-BD59-C66D-B33D-530A27A11C46}"/>
+              </a:ext>
+            </a:extLst>
+          </p:cNvPr>
+          <p:cNvSpPr/>
+          <p:nvPr/>
+        </p:nvSpPr>
+        <p:spPr>
+          <a:xfrm>
+            <a:off x="6906126" y="2521119"/>
+            <a:ext cx="4644190" cy="326355"/>
+          </a:xfrm>
+          <a:prstGeom prst="rect">
+            <a:avLst/>
+          </a:prstGeom>
+          <a:noFill/>
+          <a:ln w="31750" cap="flat" cmpd="sng" algn="ctr">
+            <a:solidFill>
+              <a:schemeClr val="accent1"/>
+            </a:solidFill>
+            <a:prstDash val="solid"/>
+            <a:round/>
+            <a:headEnd type="none" w="med" len="med"/>
+            <a:tailEnd type="none" w="med" len="med"/>
+          </a:ln>
+        </p:spPr>
+        <p:style>
+          <a:lnRef idx="0">
+            <a:scrgbClr r="0" g="0" b="0"/>
+          </a:lnRef>
+          <a:fillRef idx="0">
+            <a:scrgbClr r="0" g="0" b="0"/>
+          </a:fillRef>
+          <a:effectRef idx="0">
+            <a:scrgbClr r="0" g="0" b="0"/>
+          </a:effectRef>
+          <a:fontRef idx="minor">
+            <a:schemeClr val="accent1"/>
+          </a:fontRef>
+        </p:style>
+        <p:txBody>
+          <a:bodyPr rot="0" spcFirstLastPara="0" vertOverflow="overflow" horzOverflow="overflow" vert="horz" wrap="square" lIns="91440" tIns="45720" rIns="91440" bIns="45720" numCol="1" spcCol="0" rtlCol="0" fromWordArt="0" anchor="ctr" anchorCtr="0" forceAA="0" compatLnSpc="1">
+            <a:prstTxWarp prst="textNoShape">
+              <a:avLst/>
+            </a:prstTxWarp>
+            <a:noAutofit/>
+          </a:bodyPr>
+          <a:lstStyle/>
+          <a:p>
+            <a:pPr algn="ctr"/>
+            <a:endParaRPr lang="en-US" dirty="0">
+              <a:ln w="0"/>
+              <a:solidFill>
+                <a:schemeClr val="tx1"/>
+              </a:solidFill>
+              <a:effectLst>
+                <a:outerShdw blurRad="38100" dist="19050" dir="2700000" algn="tl" rotWithShape="0">
+                  <a:schemeClr val="dk1">
+                    <a:alpha val="40000"/>
+                  </a:schemeClr>
+                </a:outerShdw>
+              </a:effectLst>
+            </a:endParaRPr>
+          </a:p>
+        </p:txBody>
+      </p:sp>
+      <p:sp>
+        <p:nvSpPr>
+          <p:cNvPr id="3" name="Rectangle 2">
+            <a:extLst>
+              <a:ext uri="{FF2B5EF4-FFF2-40B4-BE49-F238E27FC236}">
+                <a16:creationId xmlns:a16="http://schemas.microsoft.com/office/drawing/2014/main" id="{D0909A60-44C8-AC11-41BF-5F8B049ACEC1}"/>
+              </a:ext>
+            </a:extLst>
+          </p:cNvPr>
+          <p:cNvSpPr/>
+          <p:nvPr/>
+        </p:nvSpPr>
+        <p:spPr>
+          <a:xfrm>
+            <a:off x="6906126" y="2791326"/>
+            <a:ext cx="4644190" cy="523220"/>
+          </a:xfrm>
+          <a:prstGeom prst="rect">
+            <a:avLst/>
+          </a:prstGeom>
+          <a:noFill/>
+          <a:ln w="31750" cap="flat" cmpd="sng" algn="ctr">
+            <a:solidFill>
+              <a:schemeClr val="accent1"/>
+            </a:solidFill>
+            <a:prstDash val="solid"/>
+            <a:round/>
+            <a:headEnd type="none" w="med" len="med"/>
+            <a:tailEnd type="none" w="med" len="med"/>
+          </a:ln>
+        </p:spPr>
+        <p:style>
+          <a:lnRef idx="0">
+            <a:scrgbClr r="0" g="0" b="0"/>
+          </a:lnRef>
+          <a:fillRef idx="0">
+            <a:scrgbClr r="0" g="0" b="0"/>
+          </a:fillRef>
+          <a:effectRef idx="0">
+            <a:scrgbClr r="0" g="0" b="0"/>
+          </a:effectRef>
+          <a:fontRef idx="minor">
+            <a:schemeClr val="accent1"/>
+          </a:fontRef>
+        </p:style>
+        <p:txBody>
+          <a:bodyPr rot="0" spcFirstLastPara="0" vertOverflow="overflow" horzOverflow="overflow" vert="horz" wrap="square" lIns="91440" tIns="45720" rIns="91440" bIns="45720" numCol="1" spcCol="0" rtlCol="0" fromWordArt="0" anchor="ctr" anchorCtr="0" forceAA="0" compatLnSpc="1">
+            <a:prstTxWarp prst="textNoShape">
+              <a:avLst/>
+            </a:prstTxWarp>
+            <a:noAutofit/>
+          </a:bodyPr>
+          <a:lstStyle/>
+          <a:p>
+            <a:pPr algn="ctr"/>
+            <a:endParaRPr lang="en-US" dirty="0">
+              <a:ln w="0"/>
+              <a:solidFill>
+                <a:schemeClr val="tx1"/>
+              </a:solidFill>
+              <a:effectLst>
+                <a:outerShdw blurRad="38100" dist="19050" dir="2700000" algn="tl" rotWithShape="0">
+                  <a:schemeClr val="dk1">
+                    <a:alpha val="40000"/>
+                  </a:schemeClr>
+                </a:outerShdw>
+              </a:effectLst>
+            </a:endParaRPr>
+          </a:p>
+        </p:txBody>
+      </p:sp>
+      <p:sp>
+        <p:nvSpPr>
+          <p:cNvPr id="4" name="TextBox 3">
+            <a:extLst>
+              <a:ext uri="{FF2B5EF4-FFF2-40B4-BE49-F238E27FC236}">
+                <a16:creationId xmlns:a16="http://schemas.microsoft.com/office/drawing/2014/main" id="{E91D8C84-CC6D-6F09-A0D9-779393F6B2E0}"/>
+              </a:ext>
+            </a:extLst>
+          </p:cNvPr>
+          <p:cNvSpPr txBox="1"/>
+          <p:nvPr/>
+        </p:nvSpPr>
+        <p:spPr>
+          <a:xfrm>
+            <a:off x="2173705" y="5209805"/>
+            <a:ext cx="8895348" cy="523220"/>
+          </a:xfrm>
+          <a:prstGeom prst="rect">
+            <a:avLst/>
+          </a:prstGeom>
+          <a:noFill/>
+        </p:spPr>
+        <p:txBody>
+          <a:bodyPr wrap="square">
+            <a:spAutoFit/>
+          </a:bodyPr>
+          <a:lstStyle/>
+          <a:p>
+            <a:r>
+              <a:rPr lang="en-US" sz="2800" b="1" i="1" dirty="0"/>
+              <a:t>Inheritance and Runtime Polymorphism enable extension</a:t>
             </a:r>
           </a:p>
         </p:txBody>
@@ -19160,340 +22187,268 @@
   <p:clrMapOvr>
     <a:masterClrMapping/>
   </p:clrMapOvr>
-</p:sld>
-</file>
-
-<file path=ppt/slides/slide3.xml><?xml version="1.0" encoding="utf-8"?>
-<p:sld xmlns:a="http://schemas.openxmlformats.org/drawingml/2006/main" xmlns:r="http://schemas.openxmlformats.org/officeDocument/2006/relationships" xmlns:p="http://schemas.openxmlformats.org/presentationml/2006/main">
-  <p:cSld>
-    <p:spTree>
-      <p:nvGrpSpPr>
-        <p:cNvPr id="1" name=""/>
-        <p:cNvGrpSpPr/>
-        <p:nvPr/>
-      </p:nvGrpSpPr>
-      <p:grpSpPr>
-        <a:xfrm>
-          <a:off x="0" y="0"/>
-          <a:ext cx="0" cy="0"/>
-          <a:chOff x="0" y="0"/>
-          <a:chExt cx="0" cy="0"/>
-        </a:xfrm>
-      </p:grpSpPr>
-      <p:sp>
-        <p:nvSpPr>
-          <p:cNvPr id="5" name="Content Placeholder 4">
-            <a:extLst>
-              <a:ext uri="{FF2B5EF4-FFF2-40B4-BE49-F238E27FC236}">
-                <a16:creationId xmlns:a16="http://schemas.microsoft.com/office/drawing/2014/main" id="{508DD499-3FDF-9EE9-A2B1-61BBE0F1B146}"/>
-              </a:ext>
-            </a:extLst>
-          </p:cNvPr>
-          <p:cNvSpPr>
-            <a:spLocks noGrp="1"/>
-          </p:cNvSpPr>
-          <p:nvPr>
-            <p:ph idx="1"/>
-          </p:nvPr>
-        </p:nvSpPr>
-        <p:spPr/>
-        <p:txBody>
-          <a:bodyPr/>
-          <a:lstStyle/>
-          <a:p>
-            <a:r>
-              <a:rPr lang="en-US" dirty="0"/>
-              <a:t>OO review</a:t>
-            </a:r>
-          </a:p>
-          <a:p>
-            <a:r>
-              <a:rPr lang="en-US" dirty="0"/>
-              <a:t>Ungraded quiz (15 minutes)</a:t>
-            </a:r>
-          </a:p>
-          <a:p>
-            <a:r>
-              <a:rPr lang="en-US" dirty="0"/>
-              <a:t>Software </a:t>
-            </a:r>
-            <a:r>
-              <a:rPr lang="en-US"/>
-              <a:t>design principles</a:t>
-            </a:r>
-            <a:endParaRPr lang="en-US" dirty="0"/>
-          </a:p>
-        </p:txBody>
-      </p:sp>
-      <p:sp>
-        <p:nvSpPr>
-          <p:cNvPr id="4" name="Title 3">
-            <a:extLst>
-              <a:ext uri="{FF2B5EF4-FFF2-40B4-BE49-F238E27FC236}">
-                <a16:creationId xmlns:a16="http://schemas.microsoft.com/office/drawing/2014/main" id="{B38CC12A-C489-55AE-CA3C-AF7924D4B5C4}"/>
-              </a:ext>
-            </a:extLst>
-          </p:cNvPr>
-          <p:cNvSpPr>
-            <a:spLocks noGrp="1"/>
-          </p:cNvSpPr>
-          <p:nvPr>
-            <p:ph type="title"/>
-          </p:nvPr>
-        </p:nvSpPr>
-        <p:spPr/>
-        <p:txBody>
-          <a:bodyPr/>
-          <a:lstStyle/>
-          <a:p>
-            <a:r>
-              <a:rPr lang="en-US" dirty="0"/>
-              <a:t>Agenda</a:t>
-            </a:r>
-          </a:p>
-        </p:txBody>
-      </p:sp>
-      <p:cxnSp>
-        <p:nvCxnSpPr>
-          <p:cNvPr id="7" name="Straight Connector 6">
-            <a:extLst>
-              <a:ext uri="{FF2B5EF4-FFF2-40B4-BE49-F238E27FC236}">
-                <a16:creationId xmlns:a16="http://schemas.microsoft.com/office/drawing/2014/main" id="{47518CA7-8501-DEEF-9ACA-E8239DDA8BE9}"/>
-              </a:ext>
-            </a:extLst>
-          </p:cNvPr>
-          <p:cNvCxnSpPr/>
-          <p:nvPr/>
-        </p:nvCxnSpPr>
-        <p:spPr>
-          <a:xfrm>
-            <a:off x="0" y="1472394"/>
-            <a:ext cx="12192000" cy="0"/>
-          </a:xfrm>
-          <a:prstGeom prst="line">
-            <a:avLst/>
-          </a:prstGeom>
-        </p:spPr>
-        <p:style>
-          <a:lnRef idx="1">
-            <a:schemeClr val="dk1"/>
-          </a:lnRef>
-          <a:fillRef idx="0">
-            <a:schemeClr val="dk1"/>
-          </a:fillRef>
-          <a:effectRef idx="0">
-            <a:schemeClr val="dk1"/>
-          </a:effectRef>
-          <a:fontRef idx="minor">
-            <a:schemeClr val="tx1"/>
-          </a:fontRef>
-        </p:style>
-      </p:cxnSp>
-    </p:spTree>
-    <p:extLst>
-      <p:ext uri="{BB962C8B-B14F-4D97-AF65-F5344CB8AC3E}">
-        <p14:creationId xmlns:p14="http://schemas.microsoft.com/office/powerpoint/2010/main" val="916169690"/>
-      </p:ext>
-    </p:extLst>
-  </p:cSld>
-  <p:clrMapOvr>
-    <a:masterClrMapping/>
-  </p:clrMapOvr>
-</p:sld>
-</file>
-
-<file path=ppt/slides/slide30.xml><?xml version="1.0" encoding="utf-8"?>
-<p:sld xmlns:a="http://schemas.openxmlformats.org/drawingml/2006/main" xmlns:r="http://schemas.openxmlformats.org/officeDocument/2006/relationships" xmlns:p="http://schemas.openxmlformats.org/presentationml/2006/main">
-  <p:cSld>
-    <p:spTree>
-      <p:nvGrpSpPr>
-        <p:cNvPr id="1" name=""/>
-        <p:cNvGrpSpPr/>
-        <p:nvPr/>
-      </p:nvGrpSpPr>
-      <p:grpSpPr>
-        <a:xfrm>
-          <a:off x="0" y="0"/>
-          <a:ext cx="0" cy="0"/>
-          <a:chOff x="0" y="0"/>
-          <a:chExt cx="0" cy="0"/>
-        </a:xfrm>
-      </p:grpSpPr>
-      <p:sp>
-        <p:nvSpPr>
-          <p:cNvPr id="6" name="Content Placeholder 5">
-            <a:extLst>
-              <a:ext uri="{FF2B5EF4-FFF2-40B4-BE49-F238E27FC236}">
-                <a16:creationId xmlns:a16="http://schemas.microsoft.com/office/drawing/2014/main" id="{00D61577-3A11-9337-C65D-B700080DBDA4}"/>
-              </a:ext>
-            </a:extLst>
-          </p:cNvPr>
-          <p:cNvSpPr>
-            <a:spLocks noGrp="1"/>
-          </p:cNvSpPr>
-          <p:nvPr>
-            <p:ph idx="1"/>
-          </p:nvPr>
-        </p:nvSpPr>
-        <p:spPr/>
-        <p:txBody>
-          <a:bodyPr/>
-          <a:lstStyle/>
-          <a:p>
-            <a:r>
-              <a:rPr lang="en-US" dirty="0"/>
-              <a:t>Rust doesn’t support inheritance, as such</a:t>
-            </a:r>
-          </a:p>
-          <a:p>
-            <a:r>
-              <a:rPr lang="en-US" dirty="0"/>
-              <a:t>Rust only supports Traits, which is similar to Interfaces in Java</a:t>
-            </a:r>
-          </a:p>
-          <a:p>
-            <a:r>
-              <a:rPr lang="en-US" dirty="0"/>
-              <a:t>C++ supports multiple inheritance</a:t>
-            </a:r>
-          </a:p>
-          <a:p>
-            <a:r>
-              <a:rPr lang="en-US" dirty="0"/>
-              <a:t>C++ supports runtime polymorphism only for </a:t>
-            </a:r>
-            <a:r>
-              <a:rPr lang="en-US" b="1" dirty="0"/>
-              <a:t>virtual</a:t>
-            </a:r>
-            <a:r>
-              <a:rPr lang="en-US" dirty="0"/>
-              <a:t> functions</a:t>
-            </a:r>
-          </a:p>
-        </p:txBody>
-      </p:sp>
-      <p:sp>
-        <p:nvSpPr>
-          <p:cNvPr id="5" name="Title 4">
-            <a:extLst>
-              <a:ext uri="{FF2B5EF4-FFF2-40B4-BE49-F238E27FC236}">
-                <a16:creationId xmlns:a16="http://schemas.microsoft.com/office/drawing/2014/main" id="{522764E0-0921-F4CE-20DE-05A869A35C86}"/>
-              </a:ext>
-            </a:extLst>
-          </p:cNvPr>
-          <p:cNvSpPr>
-            <a:spLocks noGrp="1"/>
-          </p:cNvSpPr>
-          <p:nvPr>
-            <p:ph type="title"/>
-          </p:nvPr>
-        </p:nvSpPr>
-        <p:spPr/>
-        <p:txBody>
-          <a:bodyPr/>
-          <a:lstStyle/>
-          <a:p>
-            <a:r>
-              <a:rPr lang="en-US" dirty="0"/>
-              <a:t>Other programming languages</a:t>
-            </a:r>
-          </a:p>
-        </p:txBody>
-      </p:sp>
-    </p:spTree>
-    <p:extLst>
-      <p:ext uri="{BB962C8B-B14F-4D97-AF65-F5344CB8AC3E}">
-        <p14:creationId xmlns:p14="http://schemas.microsoft.com/office/powerpoint/2010/main" val="3133263104"/>
-      </p:ext>
-    </p:extLst>
-  </p:cSld>
-  <p:clrMapOvr>
-    <a:masterClrMapping/>
-  </p:clrMapOvr>
-</p:sld>
-</file>
-
-<file path=ppt/slides/slide31.xml><?xml version="1.0" encoding="utf-8"?>
-<p:sld xmlns:a="http://schemas.openxmlformats.org/drawingml/2006/main" xmlns:r="http://schemas.openxmlformats.org/officeDocument/2006/relationships" xmlns:p="http://schemas.openxmlformats.org/presentationml/2006/main">
-  <p:cSld>
-    <p:spTree>
-      <p:nvGrpSpPr>
-        <p:cNvPr id="1" name=""/>
-        <p:cNvGrpSpPr/>
-        <p:nvPr/>
-      </p:nvGrpSpPr>
-      <p:grpSpPr>
-        <a:xfrm>
-          <a:off x="0" y="0"/>
-          <a:ext cx="0" cy="0"/>
-          <a:chOff x="0" y="0"/>
-          <a:chExt cx="0" cy="0"/>
-        </a:xfrm>
-      </p:grpSpPr>
-      <p:sp>
-        <p:nvSpPr>
-          <p:cNvPr id="2" name="Content Placeholder 1">
-            <a:extLst>
-              <a:ext uri="{FF2B5EF4-FFF2-40B4-BE49-F238E27FC236}">
-                <a16:creationId xmlns:a16="http://schemas.microsoft.com/office/drawing/2014/main" id="{6E49DA0F-0AAA-CE6F-37D1-8567EF092C91}"/>
-              </a:ext>
-            </a:extLst>
-          </p:cNvPr>
-          <p:cNvSpPr>
-            <a:spLocks noGrp="1"/>
-          </p:cNvSpPr>
-          <p:nvPr>
-            <p:ph idx="1"/>
-          </p:nvPr>
-        </p:nvSpPr>
-        <p:spPr/>
-        <p:txBody>
-          <a:bodyPr/>
-          <a:lstStyle/>
-          <a:p>
-            <a:endParaRPr lang="en-US"/>
-          </a:p>
-        </p:txBody>
-      </p:sp>
-      <p:sp>
-        <p:nvSpPr>
-          <p:cNvPr id="3" name="Text Placeholder 2">
-            <a:extLst>
-              <a:ext uri="{FF2B5EF4-FFF2-40B4-BE49-F238E27FC236}">
-                <a16:creationId xmlns:a16="http://schemas.microsoft.com/office/drawing/2014/main" id="{162E3F82-F071-1AFC-87DD-F1A6F21DF1CA}"/>
-              </a:ext>
-            </a:extLst>
-          </p:cNvPr>
-          <p:cNvSpPr>
-            <a:spLocks noGrp="1"/>
-          </p:cNvSpPr>
-          <p:nvPr>
-            <p:ph type="body" sz="quarter" idx="13"/>
-          </p:nvPr>
-        </p:nvSpPr>
-        <p:spPr/>
-        <p:txBody>
-          <a:bodyPr/>
-          <a:lstStyle/>
-          <a:p>
-            <a:r>
-              <a:rPr lang="en-US" dirty="0"/>
-              <a:t>Software design principles (SOLID)</a:t>
-            </a:r>
-          </a:p>
-        </p:txBody>
-      </p:sp>
-    </p:spTree>
-    <p:extLst>
-      <p:ext uri="{BB962C8B-B14F-4D97-AF65-F5344CB8AC3E}">
-        <p14:creationId xmlns:p14="http://schemas.microsoft.com/office/powerpoint/2010/main" val="673872092"/>
-      </p:ext>
-    </p:extLst>
-  </p:cSld>
-  <p:clrMapOvr>
-    <a:masterClrMapping/>
-  </p:clrMapOvr>
+  <p:timing>
+    <p:tnLst>
+      <p:par>
+        <p:cTn id="1" dur="indefinite" restart="never" nodeType="tmRoot">
+          <p:childTnLst>
+            <p:seq concurrent="1" nextAc="seek">
+              <p:cTn id="2" dur="indefinite" nodeType="mainSeq">
+                <p:childTnLst>
+                  <p:par>
+                    <p:cTn id="3" fill="hold">
+                      <p:stCondLst>
+                        <p:cond delay="indefinite"/>
+                      </p:stCondLst>
+                      <p:childTnLst>
+                        <p:par>
+                          <p:cTn id="4" fill="hold">
+                            <p:stCondLst>
+                              <p:cond delay="0"/>
+                            </p:stCondLst>
+                            <p:childTnLst>
+                              <p:par>
+                                <p:cTn id="5" presetID="1" presetClass="entr" presetSubtype="0" fill="hold" grpId="0" nodeType="clickEffect">
+                                  <p:stCondLst>
+                                    <p:cond delay="0"/>
+                                  </p:stCondLst>
+                                  <p:childTnLst>
+                                    <p:set>
+                                      <p:cBhvr>
+                                        <p:cTn id="6" dur="1" fill="hold">
+                                          <p:stCondLst>
+                                            <p:cond delay="0"/>
+                                          </p:stCondLst>
+                                        </p:cTn>
+                                        <p:tgtEl>
+                                          <p:spTgt spid="2"/>
+                                        </p:tgtEl>
+                                        <p:attrNameLst>
+                                          <p:attrName>style.visibility</p:attrName>
+                                        </p:attrNameLst>
+                                      </p:cBhvr>
+                                      <p:to>
+                                        <p:strVal val="visible"/>
+                                      </p:to>
+                                    </p:set>
+                                  </p:childTnLst>
+                                </p:cTn>
+                              </p:par>
+                            </p:childTnLst>
+                          </p:cTn>
+                        </p:par>
+                      </p:childTnLst>
+                    </p:cTn>
+                  </p:par>
+                  <p:par>
+                    <p:cTn id="7" fill="hold">
+                      <p:stCondLst>
+                        <p:cond delay="indefinite"/>
+                      </p:stCondLst>
+                      <p:childTnLst>
+                        <p:par>
+                          <p:cTn id="8" fill="hold">
+                            <p:stCondLst>
+                              <p:cond delay="0"/>
+                            </p:stCondLst>
+                            <p:childTnLst>
+                              <p:par>
+                                <p:cTn id="9" presetID="1" presetClass="exit" presetSubtype="0" fill="hold" grpId="1" nodeType="clickEffect">
+                                  <p:stCondLst>
+                                    <p:cond delay="0"/>
+                                  </p:stCondLst>
+                                  <p:childTnLst>
+                                    <p:set>
+                                      <p:cBhvr>
+                                        <p:cTn id="10" dur="1" fill="hold">
+                                          <p:stCondLst>
+                                            <p:cond delay="0"/>
+                                          </p:stCondLst>
+                                        </p:cTn>
+                                        <p:tgtEl>
+                                          <p:spTgt spid="2"/>
+                                        </p:tgtEl>
+                                        <p:attrNameLst>
+                                          <p:attrName>style.visibility</p:attrName>
+                                        </p:attrNameLst>
+                                      </p:cBhvr>
+                                      <p:to>
+                                        <p:strVal val="hidden"/>
+                                      </p:to>
+                                    </p:set>
+                                  </p:childTnLst>
+                                </p:cTn>
+                              </p:par>
+                            </p:childTnLst>
+                          </p:cTn>
+                        </p:par>
+                      </p:childTnLst>
+                    </p:cTn>
+                  </p:par>
+                  <p:par>
+                    <p:cTn id="11" fill="hold">
+                      <p:stCondLst>
+                        <p:cond delay="indefinite"/>
+                      </p:stCondLst>
+                      <p:childTnLst>
+                        <p:par>
+                          <p:cTn id="12" fill="hold">
+                            <p:stCondLst>
+                              <p:cond delay="0"/>
+                            </p:stCondLst>
+                            <p:childTnLst>
+                              <p:par>
+                                <p:cTn id="13" presetID="1" presetClass="entr" presetSubtype="0" fill="hold" grpId="0" nodeType="clickEffect">
+                                  <p:stCondLst>
+                                    <p:cond delay="0"/>
+                                  </p:stCondLst>
+                                  <p:childTnLst>
+                                    <p:set>
+                                      <p:cBhvr>
+                                        <p:cTn id="14" dur="1" fill="hold">
+                                          <p:stCondLst>
+                                            <p:cond delay="0"/>
+                                          </p:stCondLst>
+                                        </p:cTn>
+                                        <p:tgtEl>
+                                          <p:spTgt spid="3"/>
+                                        </p:tgtEl>
+                                        <p:attrNameLst>
+                                          <p:attrName>style.visibility</p:attrName>
+                                        </p:attrNameLst>
+                                      </p:cBhvr>
+                                      <p:to>
+                                        <p:strVal val="visible"/>
+                                      </p:to>
+                                    </p:set>
+                                  </p:childTnLst>
+                                </p:cTn>
+                              </p:par>
+                            </p:childTnLst>
+                          </p:cTn>
+                        </p:par>
+                      </p:childTnLst>
+                    </p:cTn>
+                  </p:par>
+                  <p:par>
+                    <p:cTn id="15" fill="hold">
+                      <p:stCondLst>
+                        <p:cond delay="indefinite"/>
+                      </p:stCondLst>
+                      <p:childTnLst>
+                        <p:par>
+                          <p:cTn id="16" fill="hold">
+                            <p:stCondLst>
+                              <p:cond delay="0"/>
+                            </p:stCondLst>
+                            <p:childTnLst>
+                              <p:par>
+                                <p:cTn id="17" presetID="1" presetClass="exit" presetSubtype="0" fill="hold" grpId="1" nodeType="clickEffect">
+                                  <p:stCondLst>
+                                    <p:cond delay="0"/>
+                                  </p:stCondLst>
+                                  <p:childTnLst>
+                                    <p:set>
+                                      <p:cBhvr>
+                                        <p:cTn id="18" dur="1" fill="hold">
+                                          <p:stCondLst>
+                                            <p:cond delay="0"/>
+                                          </p:stCondLst>
+                                        </p:cTn>
+                                        <p:tgtEl>
+                                          <p:spTgt spid="3"/>
+                                        </p:tgtEl>
+                                        <p:attrNameLst>
+                                          <p:attrName>style.visibility</p:attrName>
+                                        </p:attrNameLst>
+                                      </p:cBhvr>
+                                      <p:to>
+                                        <p:strVal val="hidden"/>
+                                      </p:to>
+                                    </p:set>
+                                  </p:childTnLst>
+                                </p:cTn>
+                              </p:par>
+                            </p:childTnLst>
+                          </p:cTn>
+                        </p:par>
+                      </p:childTnLst>
+                    </p:cTn>
+                  </p:par>
+                  <p:par>
+                    <p:cTn id="19" fill="hold">
+                      <p:stCondLst>
+                        <p:cond delay="indefinite"/>
+                      </p:stCondLst>
+                      <p:childTnLst>
+                        <p:par>
+                          <p:cTn id="20" fill="hold">
+                            <p:stCondLst>
+                              <p:cond delay="0"/>
+                            </p:stCondLst>
+                            <p:childTnLst>
+                              <p:par>
+                                <p:cTn id="21" presetID="1" presetClass="entr" presetSubtype="0" fill="hold" grpId="0" nodeType="clickEffect">
+                                  <p:stCondLst>
+                                    <p:cond delay="0"/>
+                                  </p:stCondLst>
+                                  <p:childTnLst>
+                                    <p:set>
+                                      <p:cBhvr>
+                                        <p:cTn id="22" dur="1" fill="hold">
+                                          <p:stCondLst>
+                                            <p:cond delay="0"/>
+                                          </p:stCondLst>
+                                        </p:cTn>
+                                        <p:tgtEl>
+                                          <p:spTgt spid="4"/>
+                                        </p:tgtEl>
+                                        <p:attrNameLst>
+                                          <p:attrName>style.visibility</p:attrName>
+                                        </p:attrNameLst>
+                                      </p:cBhvr>
+                                      <p:to>
+                                        <p:strVal val="visible"/>
+                                      </p:to>
+                                    </p:set>
+                                  </p:childTnLst>
+                                </p:cTn>
+                              </p:par>
+                            </p:childTnLst>
+                          </p:cTn>
+                        </p:par>
+                      </p:childTnLst>
+                    </p:cTn>
+                  </p:par>
+                </p:childTnLst>
+              </p:cTn>
+              <p:prevCondLst>
+                <p:cond evt="onPrev" delay="0">
+                  <p:tgtEl>
+                    <p:sldTgt/>
+                  </p:tgtEl>
+                </p:cond>
+              </p:prevCondLst>
+              <p:nextCondLst>
+                <p:cond evt="onNext" delay="0">
+                  <p:tgtEl>
+                    <p:sldTgt/>
+                  </p:tgtEl>
+                </p:cond>
+              </p:nextCondLst>
+            </p:seq>
+          </p:childTnLst>
+        </p:cTn>
+      </p:par>
+    </p:tnLst>
+    <p:bldLst>
+      <p:bldP spid="2" grpId="0" animBg="1"/>
+      <p:bldP spid="2" grpId="1" animBg="1"/>
+      <p:bldP spid="3" grpId="0" animBg="1"/>
+      <p:bldP spid="3" grpId="1" animBg="1"/>
+      <p:bldP spid="4" grpId="0"/>
+    </p:bldLst>
+  </p:timing>
 </p:sld>
 </file>
 
@@ -19516,10 +22471,10 @@
       </p:grpSpPr>
       <p:sp>
         <p:nvSpPr>
-          <p:cNvPr id="5" name="Content Placeholder 4">
+          <p:cNvPr id="6" name="Content Placeholder 5">
             <a:extLst>
               <a:ext uri="{FF2B5EF4-FFF2-40B4-BE49-F238E27FC236}">
-                <a16:creationId xmlns:a16="http://schemas.microsoft.com/office/drawing/2014/main" id="{3E6937B2-2185-7CEE-D376-FFDB29AA8013}"/>
+                <a16:creationId xmlns:a16="http://schemas.microsoft.com/office/drawing/2014/main" id="{00D61577-3A11-9337-C65D-B700080DBDA4}"/>
               </a:ext>
             </a:extLst>
           </p:cNvPr>
@@ -19537,32 +22492,50 @@
           <a:p>
             <a:r>
               <a:rPr lang="en-US" dirty="0"/>
-              <a:t>A class should have only one reason to change</a:t>
-            </a:r>
-          </a:p>
-          <a:p>
-            <a:r>
-              <a:rPr lang="en-US" dirty="0"/>
-              <a:t>Each class handles a single responsibility</a:t>
-            </a:r>
-          </a:p>
-          <a:p>
-            <a:r>
-              <a:rPr lang="en-US" dirty="0"/>
-              <a:t>Leads to clearer, testable code</a:t>
-            </a:r>
-          </a:p>
-          <a:p>
-            <a:endParaRPr lang="en-US" dirty="0"/>
+              <a:t>Rust doesn’t support inheritance, as such</a:t>
+            </a:r>
+          </a:p>
+          <a:p>
+            <a:r>
+              <a:rPr lang="en-US" dirty="0"/>
+              <a:t>Rust only supports Traits, which is similar to Interfaces in Java</a:t>
+            </a:r>
+          </a:p>
+          <a:p>
+            <a:r>
+              <a:rPr lang="en-US" dirty="0"/>
+              <a:t>C++ supports multiple inheritance</a:t>
+            </a:r>
+          </a:p>
+          <a:p>
+            <a:pPr lvl="1"/>
+            <a:r>
+              <a:rPr lang="en-US" dirty="0"/>
+              <a:t>Some special rules for diamond inheritance</a:t>
+            </a:r>
+          </a:p>
+          <a:p>
+            <a:r>
+              <a:rPr lang="en-US" dirty="0"/>
+              <a:t>C++ supports runtime polymorphism only for </a:t>
+            </a:r>
+            <a:r>
+              <a:rPr lang="en-US" b="1" dirty="0"/>
+              <a:t>virtual</a:t>
+            </a:r>
+            <a:r>
+              <a:rPr lang="en-US" dirty="0"/>
+              <a:t> functions</a:t>
+            </a:r>
           </a:p>
         </p:txBody>
       </p:sp>
       <p:sp>
         <p:nvSpPr>
-          <p:cNvPr id="4" name="Title 3">
+          <p:cNvPr id="5" name="Title 4">
             <a:extLst>
               <a:ext uri="{FF2B5EF4-FFF2-40B4-BE49-F238E27FC236}">
-                <a16:creationId xmlns:a16="http://schemas.microsoft.com/office/drawing/2014/main" id="{34477B9E-F85C-F1E6-F790-D8ABCC1007CC}"/>
+                <a16:creationId xmlns:a16="http://schemas.microsoft.com/office/drawing/2014/main" id="{522764E0-0921-F4CE-20DE-05A869A35C86}"/>
               </a:ext>
             </a:extLst>
           </p:cNvPr>
@@ -19580,7 +22553,7 @@
           <a:p>
             <a:r>
               <a:rPr lang="en-US" dirty="0"/>
-              <a:t>Single Responsibility Principle (SRP)</a:t>
+              <a:t>Other programming languages</a:t>
             </a:r>
           </a:p>
         </p:txBody>
@@ -19588,7 +22561,7 @@
     </p:spTree>
     <p:extLst>
       <p:ext uri="{BB962C8B-B14F-4D97-AF65-F5344CB8AC3E}">
-        <p14:creationId xmlns:p14="http://schemas.microsoft.com/office/powerpoint/2010/main" val="2359588506"/>
+        <p14:creationId xmlns:p14="http://schemas.microsoft.com/office/powerpoint/2010/main" val="3133263104"/>
       </p:ext>
     </p:extLst>
   </p:cSld>
@@ -19617,10 +22590,10 @@
       </p:grpSpPr>
       <p:sp>
         <p:nvSpPr>
-          <p:cNvPr id="5" name="Content Placeholder 4">
+          <p:cNvPr id="2" name="Content Placeholder 1">
             <a:extLst>
               <a:ext uri="{FF2B5EF4-FFF2-40B4-BE49-F238E27FC236}">
-                <a16:creationId xmlns:a16="http://schemas.microsoft.com/office/drawing/2014/main" id="{661F08C2-0A43-749D-0D63-50FA76AF8029}"/>
+                <a16:creationId xmlns:a16="http://schemas.microsoft.com/office/drawing/2014/main" id="{6E49DA0F-0AAA-CE6F-37D1-8567EF092C91}"/>
               </a:ext>
             </a:extLst>
           </p:cNvPr>
@@ -19636,37 +22609,16 @@
           <a:bodyPr/>
           <a:lstStyle/>
           <a:p>
-            <a:r>
-              <a:rPr lang="en-US" dirty="0"/>
-              <a:t>Open for extension, closed for modification</a:t>
-            </a:r>
-          </a:p>
-          <a:p>
-            <a:r>
-              <a:rPr lang="en-US" dirty="0"/>
-              <a:t>Add new behavior via inheritance or composition</a:t>
-            </a:r>
-          </a:p>
-          <a:p>
-            <a:r>
-              <a:rPr lang="en-US" dirty="0"/>
-              <a:t>Avoids breaking existing code</a:t>
-            </a:r>
-          </a:p>
-          <a:p>
-            <a:r>
-              <a:rPr lang="en-US" dirty="0"/>
-              <a:t>E.g., make internal logic fields and methods private</a:t>
-            </a:r>
+            <a:endParaRPr lang="en-US"/>
           </a:p>
         </p:txBody>
       </p:sp>
       <p:sp>
         <p:nvSpPr>
-          <p:cNvPr id="4" name="Title 3">
+          <p:cNvPr id="3" name="Text Placeholder 2">
             <a:extLst>
               <a:ext uri="{FF2B5EF4-FFF2-40B4-BE49-F238E27FC236}">
-                <a16:creationId xmlns:a16="http://schemas.microsoft.com/office/drawing/2014/main" id="{9AD302CE-7C55-A93C-1858-9B91603BAF60}"/>
+                <a16:creationId xmlns:a16="http://schemas.microsoft.com/office/drawing/2014/main" id="{162E3F82-F071-1AFC-87DD-F1A6F21DF1CA}"/>
               </a:ext>
             </a:extLst>
           </p:cNvPr>
@@ -19674,7 +22626,7 @@
             <a:spLocks noGrp="1"/>
           </p:cNvSpPr>
           <p:nvPr>
-            <p:ph type="title"/>
+            <p:ph type="body" sz="quarter" idx="13"/>
           </p:nvPr>
         </p:nvSpPr>
         <p:spPr/>
@@ -19684,7 +22636,7 @@
           <a:p>
             <a:r>
               <a:rPr lang="en-US" dirty="0"/>
-              <a:t>Open/Closed Principle (OCP)</a:t>
+              <a:t>Software design principles (SOLID)</a:t>
             </a:r>
           </a:p>
         </p:txBody>
@@ -19692,7 +22644,7 @@
     </p:spTree>
     <p:extLst>
       <p:ext uri="{BB962C8B-B14F-4D97-AF65-F5344CB8AC3E}">
-        <p14:creationId xmlns:p14="http://schemas.microsoft.com/office/powerpoint/2010/main" val="59484488"/>
+        <p14:creationId xmlns:p14="http://schemas.microsoft.com/office/powerpoint/2010/main" val="673872092"/>
       </p:ext>
     </p:extLst>
   </p:cSld>
@@ -19724,7 +22676,7 @@
           <p:cNvPr id="5" name="Content Placeholder 4">
             <a:extLst>
               <a:ext uri="{FF2B5EF4-FFF2-40B4-BE49-F238E27FC236}">
-                <a16:creationId xmlns:a16="http://schemas.microsoft.com/office/drawing/2014/main" id="{FC76F009-33DA-5F15-727F-D02B4C2C4314}"/>
+                <a16:creationId xmlns:a16="http://schemas.microsoft.com/office/drawing/2014/main" id="{3E6937B2-2185-7CEE-D376-FFDB29AA8013}"/>
               </a:ext>
             </a:extLst>
           </p:cNvPr>
@@ -19742,20 +22694,35 @@
           <a:p>
             <a:r>
               <a:rPr lang="en-US" dirty="0"/>
-              <a:t>Subtypes must be substitutable for base types</a:t>
-            </a:r>
-          </a:p>
-          <a:p>
-            <a:r>
-              <a:rPr lang="en-US" dirty="0"/>
-              <a:t>Derived classes shouldn’t break expected behavior</a:t>
-            </a:r>
-          </a:p>
-          <a:p>
-            <a:r>
-              <a:rPr lang="en-US" dirty="0"/>
-              <a:t>Ensures polymorphism works correctly</a:t>
-            </a:r>
+              <a:t>A class should have only one reason to change</a:t>
+            </a:r>
+          </a:p>
+          <a:p>
+            <a:r>
+              <a:rPr lang="en-US" dirty="0"/>
+              <a:t>Each class handles a single responsibility</a:t>
+            </a:r>
+          </a:p>
+          <a:p>
+            <a:r>
+              <a:rPr lang="en-US" dirty="0"/>
+              <a:t>Leads to clearer, testable code</a:t>
+            </a:r>
+          </a:p>
+          <a:p>
+            <a:r>
+              <a:rPr lang="en-US" b="1" i="1" dirty="0"/>
+              <a:t>… examples?</a:t>
+            </a:r>
+          </a:p>
+          <a:p>
+            <a:r>
+              <a:rPr lang="en-US" b="1" i="1" dirty="0"/>
+              <a:t>… ambiguities?</a:t>
+            </a:r>
+          </a:p>
+          <a:p>
+            <a:endParaRPr lang="en-US" dirty="0"/>
           </a:p>
         </p:txBody>
       </p:sp>
@@ -19764,7 +22731,7 @@
           <p:cNvPr id="4" name="Title 3">
             <a:extLst>
               <a:ext uri="{FF2B5EF4-FFF2-40B4-BE49-F238E27FC236}">
-                <a16:creationId xmlns:a16="http://schemas.microsoft.com/office/drawing/2014/main" id="{83B1BA5B-8FCE-7E61-804C-809712D156A5}"/>
+                <a16:creationId xmlns:a16="http://schemas.microsoft.com/office/drawing/2014/main" id="{34477B9E-F85C-F1E6-F790-D8ABCC1007CC}"/>
               </a:ext>
             </a:extLst>
           </p:cNvPr>
@@ -19781,12 +22748,8 @@
           <a:lstStyle/>
           <a:p>
             <a:r>
-              <a:rPr lang="en-US" dirty="0" err="1"/>
-              <a:t>Liskov</a:t>
-            </a:r>
-            <a:r>
-              <a:rPr lang="en-US" dirty="0"/>
-              <a:t> Substitution Principle (LSP)</a:t>
+              <a:rPr lang="en-US" dirty="0"/>
+              <a:t>Single Responsibility Principle (SRP)</a:t>
             </a:r>
           </a:p>
         </p:txBody>
@@ -19794,13 +22757,141 @@
     </p:spTree>
     <p:extLst>
       <p:ext uri="{BB962C8B-B14F-4D97-AF65-F5344CB8AC3E}">
-        <p14:creationId xmlns:p14="http://schemas.microsoft.com/office/powerpoint/2010/main" val="3369244572"/>
+        <p14:creationId xmlns:p14="http://schemas.microsoft.com/office/powerpoint/2010/main" val="2359588506"/>
       </p:ext>
     </p:extLst>
   </p:cSld>
   <p:clrMapOvr>
     <a:masterClrMapping/>
   </p:clrMapOvr>
+  <p:timing>
+    <p:tnLst>
+      <p:par>
+        <p:cTn id="1" dur="indefinite" restart="never" nodeType="tmRoot">
+          <p:childTnLst>
+            <p:seq concurrent="1" nextAc="seek">
+              <p:cTn id="2" dur="indefinite" nodeType="mainSeq">
+                <p:childTnLst>
+                  <p:par>
+                    <p:cTn id="3" fill="hold">
+                      <p:stCondLst>
+                        <p:cond delay="indefinite"/>
+                      </p:stCondLst>
+                      <p:childTnLst>
+                        <p:par>
+                          <p:cTn id="4" fill="hold">
+                            <p:stCondLst>
+                              <p:cond delay="0"/>
+                            </p:stCondLst>
+                            <p:childTnLst>
+                              <p:par>
+                                <p:cTn id="5" presetID="1" presetClass="entr" presetSubtype="0" fill="hold" nodeType="clickEffect">
+                                  <p:stCondLst>
+                                    <p:cond delay="0"/>
+                                  </p:stCondLst>
+                                  <p:childTnLst>
+                                    <p:set>
+                                      <p:cBhvr>
+                                        <p:cTn id="6" dur="1" fill="hold">
+                                          <p:stCondLst>
+                                            <p:cond delay="0"/>
+                                          </p:stCondLst>
+                                        </p:cTn>
+                                        <p:tgtEl>
+                                          <p:spTgt spid="5">
+                                            <p:txEl>
+                                              <p:pRg st="3" end="3"/>
+                                            </p:txEl>
+                                          </p:spTgt>
+                                        </p:tgtEl>
+                                        <p:attrNameLst>
+                                          <p:attrName>style.visibility</p:attrName>
+                                        </p:attrNameLst>
+                                      </p:cBhvr>
+                                      <p:to>
+                                        <p:strVal val="visible"/>
+                                      </p:to>
+                                    </p:set>
+                                  </p:childTnLst>
+                                </p:cTn>
+                              </p:par>
+                            </p:childTnLst>
+                          </p:cTn>
+                        </p:par>
+                      </p:childTnLst>
+                    </p:cTn>
+                  </p:par>
+                  <p:par>
+                    <p:cTn id="7" fill="hold">
+                      <p:stCondLst>
+                        <p:cond delay="indefinite"/>
+                      </p:stCondLst>
+                      <p:childTnLst>
+                        <p:par>
+                          <p:cTn id="8" fill="hold">
+                            <p:stCondLst>
+                              <p:cond delay="0"/>
+                            </p:stCondLst>
+                            <p:childTnLst>
+                              <p:par>
+                                <p:cTn id="9" presetID="1" presetClass="entr" presetSubtype="0" fill="hold" nodeType="clickEffect">
+                                  <p:stCondLst>
+                                    <p:cond delay="0"/>
+                                  </p:stCondLst>
+                                  <p:childTnLst>
+                                    <p:set>
+                                      <p:cBhvr>
+                                        <p:cTn id="10" dur="1" fill="hold">
+                                          <p:stCondLst>
+                                            <p:cond delay="0"/>
+                                          </p:stCondLst>
+                                        </p:cTn>
+                                        <p:tgtEl>
+                                          <p:spTgt spid="5">
+                                            <p:txEl>
+                                              <p:pRg st="4" end="4"/>
+                                            </p:txEl>
+                                          </p:spTgt>
+                                        </p:tgtEl>
+                                        <p:attrNameLst>
+                                          <p:attrName>style.visibility</p:attrName>
+                                        </p:attrNameLst>
+                                      </p:cBhvr>
+                                      <p:to>
+                                        <p:strVal val="visible"/>
+                                      </p:to>
+                                    </p:set>
+                                  </p:childTnLst>
+                                </p:cTn>
+                              </p:par>
+                            </p:childTnLst>
+                          </p:cTn>
+                        </p:par>
+                      </p:childTnLst>
+                    </p:cTn>
+                  </p:par>
+                </p:childTnLst>
+              </p:cTn>
+              <p:prevCondLst>
+                <p:cond evt="onPrev" delay="0">
+                  <p:tgtEl>
+                    <p:sldTgt/>
+                  </p:tgtEl>
+                </p:cond>
+              </p:prevCondLst>
+              <p:nextCondLst>
+                <p:cond evt="onNext" delay="0">
+                  <p:tgtEl>
+                    <p:sldTgt/>
+                  </p:tgtEl>
+                </p:cond>
+              </p:nextCondLst>
+            </p:seq>
+          </p:childTnLst>
+        </p:cTn>
+      </p:par>
+    </p:tnLst>
+  </p:timing>
 </p:sld>
 </file>
 
@@ -19826,7 +22917,7 @@
           <p:cNvPr id="5" name="Content Placeholder 4">
             <a:extLst>
               <a:ext uri="{FF2B5EF4-FFF2-40B4-BE49-F238E27FC236}">
-                <a16:creationId xmlns:a16="http://schemas.microsoft.com/office/drawing/2014/main" id="{400834FC-E0B1-774E-081B-87ECFD07A47D}"/>
+                <a16:creationId xmlns:a16="http://schemas.microsoft.com/office/drawing/2014/main" id="{661F08C2-0A43-749D-0D63-50FA76AF8029}"/>
               </a:ext>
             </a:extLst>
           </p:cNvPr>
@@ -19844,19 +22935,31 @@
           <a:p>
             <a:r>
               <a:rPr lang="en-US" dirty="0"/>
-              <a:t>Prefer many small interfaces over one large one</a:t>
-            </a:r>
-          </a:p>
-          <a:p>
-            <a:r>
-              <a:rPr lang="en-US" dirty="0"/>
-              <a:t>Clients only depend on methods they use</a:t>
-            </a:r>
-          </a:p>
-          <a:p>
-            <a:r>
-              <a:rPr lang="en-US" dirty="0"/>
-              <a:t>Avoids “fat” interfaces and reduces side effects</a:t>
+              <a:t>Open for extension, closed for modification</a:t>
+            </a:r>
+          </a:p>
+          <a:p>
+            <a:r>
+              <a:rPr lang="en-US" dirty="0"/>
+              <a:t>Add new behavior via inheritance or composition</a:t>
+            </a:r>
+          </a:p>
+          <a:p>
+            <a:r>
+              <a:rPr lang="en-US" dirty="0"/>
+              <a:t>Avoids breaking existing code</a:t>
+            </a:r>
+          </a:p>
+          <a:p>
+            <a:r>
+              <a:rPr lang="en-US" dirty="0"/>
+              <a:t>E.g., make internal logic fields and methods private</a:t>
+            </a:r>
+          </a:p>
+          <a:p>
+            <a:r>
+              <a:rPr lang="en-US" b="1" i="1" dirty="0"/>
+              <a:t>… examples?</a:t>
             </a:r>
           </a:p>
         </p:txBody>
@@ -19866,7 +22969,7 @@
           <p:cNvPr id="4" name="Title 3">
             <a:extLst>
               <a:ext uri="{FF2B5EF4-FFF2-40B4-BE49-F238E27FC236}">
-                <a16:creationId xmlns:a16="http://schemas.microsoft.com/office/drawing/2014/main" id="{BB7443A4-2331-560F-ED5B-3079204EDCDA}"/>
+                <a16:creationId xmlns:a16="http://schemas.microsoft.com/office/drawing/2014/main" id="{9AD302CE-7C55-A93C-1858-9B91603BAF60}"/>
               </a:ext>
             </a:extLst>
           </p:cNvPr>
@@ -19884,7 +22987,7 @@
           <a:p>
             <a:r>
               <a:rPr lang="en-US" dirty="0"/>
-              <a:t>Interface Segregation Principle (ISP)</a:t>
+              <a:t>Open/Closed Principle (OCP)</a:t>
             </a:r>
           </a:p>
         </p:txBody>
@@ -19892,13 +22995,92 @@
     </p:spTree>
     <p:extLst>
       <p:ext uri="{BB962C8B-B14F-4D97-AF65-F5344CB8AC3E}">
-        <p14:creationId xmlns:p14="http://schemas.microsoft.com/office/powerpoint/2010/main" val="3917255874"/>
+        <p14:creationId xmlns:p14="http://schemas.microsoft.com/office/powerpoint/2010/main" val="59484488"/>
       </p:ext>
     </p:extLst>
   </p:cSld>
   <p:clrMapOvr>
     <a:masterClrMapping/>
   </p:clrMapOvr>
+  <p:timing>
+    <p:tnLst>
+      <p:par>
+        <p:cTn id="1" dur="indefinite" restart="never" nodeType="tmRoot">
+          <p:childTnLst>
+            <p:seq concurrent="1" nextAc="seek">
+              <p:cTn id="2" dur="indefinite" nodeType="mainSeq">
+                <p:childTnLst>
+                  <p:par>
+                    <p:cTn id="3" fill="hold">
+                      <p:stCondLst>
+                        <p:cond delay="indefinite"/>
+                      </p:stCondLst>
+                      <p:childTnLst>
+                        <p:par>
+                          <p:cTn id="4" fill="hold">
+                            <p:stCondLst>
+                              <p:cond delay="0"/>
+                            </p:stCondLst>
+                            <p:childTnLst>
+                              <p:par>
+                                <p:cTn id="5" presetID="1" presetClass="entr" presetSubtype="0" fill="hold" nodeType="clickEffect">
+                                  <p:stCondLst>
+                                    <p:cond delay="0"/>
+                                  </p:stCondLst>
+                                  <p:childTnLst>
+                                    <p:set>
+                                      <p:cBhvr>
+                                        <p:cTn id="6" dur="1" fill="hold">
+                                          <p:stCondLst>
+                                            <p:cond delay="0"/>
+                                          </p:stCondLst>
+                                        </p:cTn>
+                                        <p:tgtEl>
+                                          <p:spTgt spid="5">
+                                            <p:txEl>
+                                              <p:pRg st="4" end="4"/>
+                                            </p:txEl>
+                                          </p:spTgt>
+                                        </p:tgtEl>
+                                        <p:attrNameLst>
+                                          <p:attrName>style.visibility</p:attrName>
+                                        </p:attrNameLst>
+                                      </p:cBhvr>
+                                      <p:to>
+                                        <p:strVal val="visible"/>
+                                      </p:to>
+                                    </p:set>
+                                  </p:childTnLst>
+                                </p:cTn>
+                              </p:par>
+                            </p:childTnLst>
+                          </p:cTn>
+                        </p:par>
+                      </p:childTnLst>
+                    </p:cTn>
+                  </p:par>
+                </p:childTnLst>
+              </p:cTn>
+              <p:prevCondLst>
+                <p:cond evt="onPrev" delay="0">
+                  <p:tgtEl>
+                    <p:sldTgt/>
+                  </p:tgtEl>
+                </p:cond>
+              </p:prevCondLst>
+              <p:nextCondLst>
+                <p:cond evt="onNext" delay="0">
+                  <p:tgtEl>
+                    <p:sldTgt/>
+                  </p:tgtEl>
+                </p:cond>
+              </p:nextCondLst>
+            </p:seq>
+          </p:childTnLst>
+        </p:cTn>
+      </p:par>
+    </p:tnLst>
+  </p:timing>
 </p:sld>
 </file>
 
@@ -19924,7 +23106,7 @@
           <p:cNvPr id="5" name="Content Placeholder 4">
             <a:extLst>
               <a:ext uri="{FF2B5EF4-FFF2-40B4-BE49-F238E27FC236}">
-                <a16:creationId xmlns:a16="http://schemas.microsoft.com/office/drawing/2014/main" id="{D47A1F0B-487E-AFB4-6CAD-C4641B68DB5F}"/>
+                <a16:creationId xmlns:a16="http://schemas.microsoft.com/office/drawing/2014/main" id="{FC76F009-33DA-5F15-727F-D02B4C2C4314}"/>
               </a:ext>
             </a:extLst>
           </p:cNvPr>
@@ -19942,19 +23124,25 @@
           <a:p>
             <a:r>
               <a:rPr lang="en-US" dirty="0"/>
-              <a:t>Depend on abstractions, not concretions</a:t>
-            </a:r>
-          </a:p>
-          <a:p>
-            <a:r>
-              <a:rPr lang="en-US" dirty="0"/>
-              <a:t>High-level modules should not depend on low-level modules</a:t>
-            </a:r>
-          </a:p>
-          <a:p>
-            <a:r>
-              <a:rPr lang="en-US" dirty="0"/>
-              <a:t>Enables flexible, decoupled architectures</a:t>
+              <a:t>Subtypes must be substitutable for base types</a:t>
+            </a:r>
+          </a:p>
+          <a:p>
+            <a:r>
+              <a:rPr lang="en-US" dirty="0"/>
+              <a:t>Derived classes shouldn’t break expected behavior</a:t>
+            </a:r>
+          </a:p>
+          <a:p>
+            <a:r>
+              <a:rPr lang="en-US" dirty="0"/>
+              <a:t>Ensures polymorphism works correctly</a:t>
+            </a:r>
+          </a:p>
+          <a:p>
+            <a:r>
+              <a:rPr lang="en-US" b="1" i="1" dirty="0"/>
+              <a:t>… examples?</a:t>
             </a:r>
           </a:p>
         </p:txBody>
@@ -19964,7 +23152,7 @@
           <p:cNvPr id="4" name="Title 3">
             <a:extLst>
               <a:ext uri="{FF2B5EF4-FFF2-40B4-BE49-F238E27FC236}">
-                <a16:creationId xmlns:a16="http://schemas.microsoft.com/office/drawing/2014/main" id="{DAC12E22-1D0A-5662-BB5C-D3348E4C863A}"/>
+                <a16:creationId xmlns:a16="http://schemas.microsoft.com/office/drawing/2014/main" id="{83B1BA5B-8FCE-7E61-804C-809712D156A5}"/>
               </a:ext>
             </a:extLst>
           </p:cNvPr>
@@ -19981,8 +23169,12 @@
           <a:lstStyle/>
           <a:p>
             <a:r>
-              <a:rPr lang="en-US" dirty="0"/>
-              <a:t>Dependency Inversion Principle (DIP)</a:t>
+              <a:rPr lang="en-US" dirty="0" err="1"/>
+              <a:t>Liskov</a:t>
+            </a:r>
+            <a:r>
+              <a:rPr lang="en-US" dirty="0"/>
+              <a:t> Substitution Principle (LSP)</a:t>
             </a:r>
           </a:p>
         </p:txBody>
@@ -19990,13 +23182,92 @@
     </p:spTree>
     <p:extLst>
       <p:ext uri="{BB962C8B-B14F-4D97-AF65-F5344CB8AC3E}">
-        <p14:creationId xmlns:p14="http://schemas.microsoft.com/office/powerpoint/2010/main" val="4267302869"/>
+        <p14:creationId xmlns:p14="http://schemas.microsoft.com/office/powerpoint/2010/main" val="3369244572"/>
       </p:ext>
     </p:extLst>
   </p:cSld>
   <p:clrMapOvr>
     <a:masterClrMapping/>
   </p:clrMapOvr>
+  <p:timing>
+    <p:tnLst>
+      <p:par>
+        <p:cTn id="1" dur="indefinite" restart="never" nodeType="tmRoot">
+          <p:childTnLst>
+            <p:seq concurrent="1" nextAc="seek">
+              <p:cTn id="2" dur="indefinite" nodeType="mainSeq">
+                <p:childTnLst>
+                  <p:par>
+                    <p:cTn id="3" fill="hold">
+                      <p:stCondLst>
+                        <p:cond delay="indefinite"/>
+                      </p:stCondLst>
+                      <p:childTnLst>
+                        <p:par>
+                          <p:cTn id="4" fill="hold">
+                            <p:stCondLst>
+                              <p:cond delay="0"/>
+                            </p:stCondLst>
+                            <p:childTnLst>
+                              <p:par>
+                                <p:cTn id="5" presetID="1" presetClass="entr" presetSubtype="0" fill="hold" nodeType="clickEffect">
+                                  <p:stCondLst>
+                                    <p:cond delay="0"/>
+                                  </p:stCondLst>
+                                  <p:childTnLst>
+                                    <p:set>
+                                      <p:cBhvr>
+                                        <p:cTn id="6" dur="1" fill="hold">
+                                          <p:stCondLst>
+                                            <p:cond delay="0"/>
+                                          </p:stCondLst>
+                                        </p:cTn>
+                                        <p:tgtEl>
+                                          <p:spTgt spid="5">
+                                            <p:txEl>
+                                              <p:pRg st="3" end="3"/>
+                                            </p:txEl>
+                                          </p:spTgt>
+                                        </p:tgtEl>
+                                        <p:attrNameLst>
+                                          <p:attrName>style.visibility</p:attrName>
+                                        </p:attrNameLst>
+                                      </p:cBhvr>
+                                      <p:to>
+                                        <p:strVal val="visible"/>
+                                      </p:to>
+                                    </p:set>
+                                  </p:childTnLst>
+                                </p:cTn>
+                              </p:par>
+                            </p:childTnLst>
+                          </p:cTn>
+                        </p:par>
+                      </p:childTnLst>
+                    </p:cTn>
+                  </p:par>
+                </p:childTnLst>
+              </p:cTn>
+              <p:prevCondLst>
+                <p:cond evt="onPrev" delay="0">
+                  <p:tgtEl>
+                    <p:sldTgt/>
+                  </p:tgtEl>
+                </p:cond>
+              </p:prevCondLst>
+              <p:nextCondLst>
+                <p:cond evt="onNext" delay="0">
+                  <p:tgtEl>
+                    <p:sldTgt/>
+                  </p:tgtEl>
+                </p:cond>
+              </p:nextCondLst>
+            </p:seq>
+          </p:childTnLst>
+        </p:cTn>
+      </p:par>
+    </p:tnLst>
+  </p:timing>
 </p:sld>
 </file>
 
@@ -20019,6 +23290,202 @@
       </p:grpSpPr>
       <p:sp>
         <p:nvSpPr>
+          <p:cNvPr id="5" name="Content Placeholder 4">
+            <a:extLst>
+              <a:ext uri="{FF2B5EF4-FFF2-40B4-BE49-F238E27FC236}">
+                <a16:creationId xmlns:a16="http://schemas.microsoft.com/office/drawing/2014/main" id="{400834FC-E0B1-774E-081B-87ECFD07A47D}"/>
+              </a:ext>
+            </a:extLst>
+          </p:cNvPr>
+          <p:cNvSpPr>
+            <a:spLocks noGrp="1"/>
+          </p:cNvSpPr>
+          <p:nvPr>
+            <p:ph idx="1"/>
+          </p:nvPr>
+        </p:nvSpPr>
+        <p:spPr/>
+        <p:txBody>
+          <a:bodyPr/>
+          <a:lstStyle/>
+          <a:p>
+            <a:r>
+              <a:rPr lang="en-US" dirty="0"/>
+              <a:t>Prefer many small interfaces over one large one</a:t>
+            </a:r>
+          </a:p>
+          <a:p>
+            <a:r>
+              <a:rPr lang="en-US" dirty="0"/>
+              <a:t>Clients only depend on methods they use</a:t>
+            </a:r>
+          </a:p>
+          <a:p>
+            <a:r>
+              <a:rPr lang="en-US" dirty="0"/>
+              <a:t>Avoids “fat” interfaces and reduces side effects</a:t>
+            </a:r>
+          </a:p>
+        </p:txBody>
+      </p:sp>
+      <p:sp>
+        <p:nvSpPr>
+          <p:cNvPr id="4" name="Title 3">
+            <a:extLst>
+              <a:ext uri="{FF2B5EF4-FFF2-40B4-BE49-F238E27FC236}">
+                <a16:creationId xmlns:a16="http://schemas.microsoft.com/office/drawing/2014/main" id="{BB7443A4-2331-560F-ED5B-3079204EDCDA}"/>
+              </a:ext>
+            </a:extLst>
+          </p:cNvPr>
+          <p:cNvSpPr>
+            <a:spLocks noGrp="1"/>
+          </p:cNvSpPr>
+          <p:nvPr>
+            <p:ph type="title"/>
+          </p:nvPr>
+        </p:nvSpPr>
+        <p:spPr/>
+        <p:txBody>
+          <a:bodyPr/>
+          <a:lstStyle/>
+          <a:p>
+            <a:r>
+              <a:rPr lang="en-US" dirty="0"/>
+              <a:t>Interface Segregation Principle (ISP)</a:t>
+            </a:r>
+          </a:p>
+        </p:txBody>
+      </p:sp>
+    </p:spTree>
+    <p:extLst>
+      <p:ext uri="{BB962C8B-B14F-4D97-AF65-F5344CB8AC3E}">
+        <p14:creationId xmlns:p14="http://schemas.microsoft.com/office/powerpoint/2010/main" val="3917255874"/>
+      </p:ext>
+    </p:extLst>
+  </p:cSld>
+  <p:clrMapOvr>
+    <a:masterClrMapping/>
+  </p:clrMapOvr>
+</p:sld>
+</file>
+
+<file path=ppt/slides/slide38.xml><?xml version="1.0" encoding="utf-8"?>
+<p:sld xmlns:a="http://schemas.openxmlformats.org/drawingml/2006/main" xmlns:r="http://schemas.openxmlformats.org/officeDocument/2006/relationships" xmlns:p="http://schemas.openxmlformats.org/presentationml/2006/main">
+  <p:cSld>
+    <p:spTree>
+      <p:nvGrpSpPr>
+        <p:cNvPr id="1" name=""/>
+        <p:cNvGrpSpPr/>
+        <p:nvPr/>
+      </p:nvGrpSpPr>
+      <p:grpSpPr>
+        <a:xfrm>
+          <a:off x="0" y="0"/>
+          <a:ext cx="0" cy="0"/>
+          <a:chOff x="0" y="0"/>
+          <a:chExt cx="0" cy="0"/>
+        </a:xfrm>
+      </p:grpSpPr>
+      <p:sp>
+        <p:nvSpPr>
+          <p:cNvPr id="5" name="Content Placeholder 4">
+            <a:extLst>
+              <a:ext uri="{FF2B5EF4-FFF2-40B4-BE49-F238E27FC236}">
+                <a16:creationId xmlns:a16="http://schemas.microsoft.com/office/drawing/2014/main" id="{D47A1F0B-487E-AFB4-6CAD-C4641B68DB5F}"/>
+              </a:ext>
+            </a:extLst>
+          </p:cNvPr>
+          <p:cNvSpPr>
+            <a:spLocks noGrp="1"/>
+          </p:cNvSpPr>
+          <p:nvPr>
+            <p:ph idx="1"/>
+          </p:nvPr>
+        </p:nvSpPr>
+        <p:spPr/>
+        <p:txBody>
+          <a:bodyPr/>
+          <a:lstStyle/>
+          <a:p>
+            <a:r>
+              <a:rPr lang="en-US" dirty="0"/>
+              <a:t>Depend on abstractions, not concretions</a:t>
+            </a:r>
+          </a:p>
+          <a:p>
+            <a:r>
+              <a:rPr lang="en-US" dirty="0"/>
+              <a:t>High-level modules should not depend on low-level modules</a:t>
+            </a:r>
+          </a:p>
+          <a:p>
+            <a:r>
+              <a:rPr lang="en-US" dirty="0"/>
+              <a:t>Enables flexible, decoupled architectures</a:t>
+            </a:r>
+          </a:p>
+        </p:txBody>
+      </p:sp>
+      <p:sp>
+        <p:nvSpPr>
+          <p:cNvPr id="4" name="Title 3">
+            <a:extLst>
+              <a:ext uri="{FF2B5EF4-FFF2-40B4-BE49-F238E27FC236}">
+                <a16:creationId xmlns:a16="http://schemas.microsoft.com/office/drawing/2014/main" id="{DAC12E22-1D0A-5662-BB5C-D3348E4C863A}"/>
+              </a:ext>
+            </a:extLst>
+          </p:cNvPr>
+          <p:cNvSpPr>
+            <a:spLocks noGrp="1"/>
+          </p:cNvSpPr>
+          <p:nvPr>
+            <p:ph type="title"/>
+          </p:nvPr>
+        </p:nvSpPr>
+        <p:spPr/>
+        <p:txBody>
+          <a:bodyPr/>
+          <a:lstStyle/>
+          <a:p>
+            <a:r>
+              <a:rPr lang="en-US" dirty="0"/>
+              <a:t>Dependency Inversion Principle (DIP)</a:t>
+            </a:r>
+          </a:p>
+        </p:txBody>
+      </p:sp>
+    </p:spTree>
+    <p:extLst>
+      <p:ext uri="{BB962C8B-B14F-4D97-AF65-F5344CB8AC3E}">
+        <p14:creationId xmlns:p14="http://schemas.microsoft.com/office/powerpoint/2010/main" val="4267302869"/>
+      </p:ext>
+    </p:extLst>
+  </p:cSld>
+  <p:clrMapOvr>
+    <a:masterClrMapping/>
+  </p:clrMapOvr>
+</p:sld>
+</file>
+
+<file path=ppt/slides/slide39.xml><?xml version="1.0" encoding="utf-8"?>
+<p:sld xmlns:a="http://schemas.openxmlformats.org/drawingml/2006/main" xmlns:r="http://schemas.openxmlformats.org/officeDocument/2006/relationships" xmlns:p="http://schemas.openxmlformats.org/presentationml/2006/main">
+  <p:cSld>
+    <p:spTree>
+      <p:nvGrpSpPr>
+        <p:cNvPr id="1" name=""/>
+        <p:cNvGrpSpPr/>
+        <p:nvPr/>
+      </p:nvGrpSpPr>
+      <p:grpSpPr>
+        <a:xfrm>
+          <a:off x="0" y="0"/>
+          <a:ext cx="0" cy="0"/>
+          <a:chOff x="0" y="0"/>
+          <a:chExt cx="0" cy="0"/>
+        </a:xfrm>
+      </p:grpSpPr>
+      <p:sp>
+        <p:nvSpPr>
           <p:cNvPr id="2" name="Content Placeholder 1">
             <a:extLst>
               <a:ext uri="{FF2B5EF4-FFF2-40B4-BE49-F238E27FC236}">
@@ -20083,7 +23550,265 @@
 </p:sld>
 </file>
 
-<file path=ppt/slides/slide38.xml><?xml version="1.0" encoding="utf-8"?>
+<file path=ppt/slides/slide4.xml><?xml version="1.0" encoding="utf-8"?>
+<p:sld xmlns:a="http://schemas.openxmlformats.org/drawingml/2006/main" xmlns:r="http://schemas.openxmlformats.org/officeDocument/2006/relationships" xmlns:p="http://schemas.openxmlformats.org/presentationml/2006/main">
+  <p:cSld>
+    <p:spTree>
+      <p:nvGrpSpPr>
+        <p:cNvPr id="1" name="">
+          <a:extLst>
+            <a:ext uri="{FF2B5EF4-FFF2-40B4-BE49-F238E27FC236}">
+              <a16:creationId xmlns:a16="http://schemas.microsoft.com/office/drawing/2014/main" id="{364BEB49-0B9C-2400-85FC-DB5FC33AD1DA}"/>
+            </a:ext>
+          </a:extLst>
+        </p:cNvPr>
+        <p:cNvGrpSpPr/>
+        <p:nvPr/>
+      </p:nvGrpSpPr>
+      <p:grpSpPr>
+        <a:xfrm>
+          <a:off x="0" y="0"/>
+          <a:ext cx="0" cy="0"/>
+          <a:chOff x="0" y="0"/>
+          <a:chExt cx="0" cy="0"/>
+        </a:xfrm>
+      </p:grpSpPr>
+      <p:sp>
+        <p:nvSpPr>
+          <p:cNvPr id="5" name="Content Placeholder 4">
+            <a:extLst>
+              <a:ext uri="{FF2B5EF4-FFF2-40B4-BE49-F238E27FC236}">
+                <a16:creationId xmlns:a16="http://schemas.microsoft.com/office/drawing/2014/main" id="{54DD9A09-16F5-7DBA-3867-76C0EEA4198E}"/>
+              </a:ext>
+            </a:extLst>
+          </p:cNvPr>
+          <p:cNvSpPr>
+            <a:spLocks noGrp="1"/>
+          </p:cNvSpPr>
+          <p:nvPr>
+            <p:ph idx="1"/>
+          </p:nvPr>
+        </p:nvSpPr>
+        <p:spPr/>
+        <p:txBody>
+          <a:bodyPr/>
+          <a:lstStyle/>
+          <a:p>
+            <a:r>
+              <a:rPr lang="en-US" dirty="0"/>
+              <a:t>OO review</a:t>
+            </a:r>
+          </a:p>
+          <a:p>
+            <a:r>
+              <a:rPr lang="en-US" dirty="0"/>
+              <a:t>Ungraded quiz (15 minutes)</a:t>
+            </a:r>
+          </a:p>
+          <a:p>
+            <a:r>
+              <a:rPr lang="en-US" dirty="0"/>
+              <a:t>Software design principles</a:t>
+            </a:r>
+          </a:p>
+          <a:p>
+            <a:r>
+              <a:rPr lang="en-US" dirty="0">
+                <a:solidFill>
+                  <a:srgbClr val="C00000"/>
+                </a:solidFill>
+              </a:rPr>
+              <a:t>Compilation process</a:t>
+            </a:r>
+          </a:p>
+          <a:p>
+            <a:r>
+              <a:rPr lang="en-US" dirty="0">
+                <a:solidFill>
+                  <a:srgbClr val="C00000"/>
+                </a:solidFill>
+              </a:rPr>
+              <a:t>Memory types: stack, heap, global</a:t>
+            </a:r>
+          </a:p>
+          <a:p>
+            <a:r>
+              <a:rPr lang="en-US" dirty="0">
+                <a:solidFill>
+                  <a:srgbClr val="C00000"/>
+                </a:solidFill>
+              </a:rPr>
+              <a:t>Networking fundamentals</a:t>
+            </a:r>
+          </a:p>
+        </p:txBody>
+      </p:sp>
+      <p:sp>
+        <p:nvSpPr>
+          <p:cNvPr id="4" name="Title 3">
+            <a:extLst>
+              <a:ext uri="{FF2B5EF4-FFF2-40B4-BE49-F238E27FC236}">
+                <a16:creationId xmlns:a16="http://schemas.microsoft.com/office/drawing/2014/main" id="{BBDD3CAA-77A3-36D9-D7CC-EF2A2F3523A6}"/>
+              </a:ext>
+            </a:extLst>
+          </p:cNvPr>
+          <p:cNvSpPr>
+            <a:spLocks noGrp="1"/>
+          </p:cNvSpPr>
+          <p:nvPr>
+            <p:ph type="title"/>
+          </p:nvPr>
+        </p:nvSpPr>
+        <p:spPr/>
+        <p:txBody>
+          <a:bodyPr/>
+          <a:lstStyle/>
+          <a:p>
+            <a:r>
+              <a:rPr lang="en-US" dirty="0"/>
+              <a:t>Agenda</a:t>
+            </a:r>
+          </a:p>
+        </p:txBody>
+      </p:sp>
+      <p:cxnSp>
+        <p:nvCxnSpPr>
+          <p:cNvPr id="7" name="Straight Connector 6">
+            <a:extLst>
+              <a:ext uri="{FF2B5EF4-FFF2-40B4-BE49-F238E27FC236}">
+                <a16:creationId xmlns:a16="http://schemas.microsoft.com/office/drawing/2014/main" id="{34391065-96EE-F13A-8911-F795A046A046}"/>
+              </a:ext>
+            </a:extLst>
+          </p:cNvPr>
+          <p:cNvCxnSpPr/>
+          <p:nvPr/>
+        </p:nvCxnSpPr>
+        <p:spPr>
+          <a:xfrm>
+            <a:off x="0" y="1472394"/>
+            <a:ext cx="12192000" cy="0"/>
+          </a:xfrm>
+          <a:prstGeom prst="line">
+            <a:avLst/>
+          </a:prstGeom>
+        </p:spPr>
+        <p:style>
+          <a:lnRef idx="1">
+            <a:schemeClr val="dk1"/>
+          </a:lnRef>
+          <a:fillRef idx="0">
+            <a:schemeClr val="dk1"/>
+          </a:fillRef>
+          <a:effectRef idx="0">
+            <a:schemeClr val="dk1"/>
+          </a:effectRef>
+          <a:fontRef idx="minor">
+            <a:schemeClr val="tx1"/>
+          </a:fontRef>
+        </p:style>
+      </p:cxnSp>
+      <p:sp>
+        <p:nvSpPr>
+          <p:cNvPr id="2" name="Right Brace 1">
+            <a:extLst>
+              <a:ext uri="{FF2B5EF4-FFF2-40B4-BE49-F238E27FC236}">
+                <a16:creationId xmlns:a16="http://schemas.microsoft.com/office/drawing/2014/main" id="{78C9C372-2F54-9E50-944A-7D9C7D869B15}"/>
+              </a:ext>
+            </a:extLst>
+          </p:cNvPr>
+          <p:cNvSpPr/>
+          <p:nvPr/>
+        </p:nvSpPr>
+        <p:spPr>
+          <a:xfrm>
+            <a:off x="7010400" y="2983832"/>
+            <a:ext cx="457200" cy="1876926"/>
+          </a:xfrm>
+          <a:prstGeom prst="rightBrace">
+            <a:avLst/>
+          </a:prstGeom>
+          <a:ln w="19050">
+            <a:solidFill>
+              <a:srgbClr val="C00000"/>
+            </a:solidFill>
+          </a:ln>
+        </p:spPr>
+        <p:style>
+          <a:lnRef idx="1">
+            <a:schemeClr val="accent1"/>
+          </a:lnRef>
+          <a:fillRef idx="0">
+            <a:schemeClr val="accent1"/>
+          </a:fillRef>
+          <a:effectRef idx="0">
+            <a:schemeClr val="accent1"/>
+          </a:effectRef>
+          <a:fontRef idx="minor">
+            <a:schemeClr val="tx1"/>
+          </a:fontRef>
+        </p:style>
+        <p:txBody>
+          <a:bodyPr rtlCol="0" anchor="ctr"/>
+          <a:lstStyle/>
+          <a:p>
+            <a:pPr algn="ctr"/>
+            <a:endParaRPr lang="en-US"/>
+          </a:p>
+        </p:txBody>
+      </p:sp>
+      <p:sp>
+        <p:nvSpPr>
+          <p:cNvPr id="3" name="TextBox 2">
+            <a:extLst>
+              <a:ext uri="{FF2B5EF4-FFF2-40B4-BE49-F238E27FC236}">
+                <a16:creationId xmlns:a16="http://schemas.microsoft.com/office/drawing/2014/main" id="{F0E87737-3DF1-9689-2638-5D76675CA3F7}"/>
+              </a:ext>
+            </a:extLst>
+          </p:cNvPr>
+          <p:cNvSpPr txBox="1"/>
+          <p:nvPr/>
+        </p:nvSpPr>
+        <p:spPr>
+          <a:xfrm>
+            <a:off x="7539789" y="3661609"/>
+            <a:ext cx="2462464" cy="400110"/>
+          </a:xfrm>
+          <a:prstGeom prst="rect">
+            <a:avLst/>
+          </a:prstGeom>
+          <a:noFill/>
+        </p:spPr>
+        <p:txBody>
+          <a:bodyPr wrap="square" rtlCol="0">
+            <a:spAutoFit/>
+          </a:bodyPr>
+          <a:lstStyle/>
+          <a:p>
+            <a:r>
+              <a:rPr lang="en-US" sz="2000" b="1" i="1" dirty="0">
+                <a:solidFill>
+                  <a:srgbClr val="C00000"/>
+                </a:solidFill>
+              </a:rPr>
+              <a:t>Next 3-4 lectures</a:t>
+            </a:r>
+          </a:p>
+        </p:txBody>
+      </p:sp>
+    </p:spTree>
+    <p:extLst>
+      <p:ext uri="{BB962C8B-B14F-4D97-AF65-F5344CB8AC3E}">
+        <p14:creationId xmlns:p14="http://schemas.microsoft.com/office/powerpoint/2010/main" val="4110290869"/>
+      </p:ext>
+    </p:extLst>
+  </p:cSld>
+  <p:clrMapOvr>
+    <a:masterClrMapping/>
+  </p:clrMapOvr>
+</p:sld>
+</file>
+
+<file path=ppt/slides/slide40.xml><?xml version="1.0" encoding="utf-8"?>
 <p:sld xmlns:a="http://schemas.openxmlformats.org/drawingml/2006/main" xmlns:r="http://schemas.openxmlformats.org/officeDocument/2006/relationships" xmlns:p="http://schemas.openxmlformats.org/presentationml/2006/main">
   <p:cSld>
     <p:spTree>
@@ -20798,7 +24523,7 @@
 </p:sld>
 </file>
 
-<file path=ppt/slides/slide39.xml><?xml version="1.0" encoding="utf-8"?>
+<file path=ppt/slides/slide41.xml><?xml version="1.0" encoding="utf-8"?>
 <p:sld xmlns:a="http://schemas.openxmlformats.org/drawingml/2006/main" xmlns:r="http://schemas.openxmlformats.org/officeDocument/2006/relationships" xmlns:p="http://schemas.openxmlformats.org/presentationml/2006/main">
   <p:cSld>
     <p:spTree>
@@ -21675,412 +25400,7 @@
 </p:sld>
 </file>
 
-<file path=ppt/slides/slide4.xml><?xml version="1.0" encoding="utf-8"?>
-<p:sld xmlns:a="http://schemas.openxmlformats.org/drawingml/2006/main" xmlns:r="http://schemas.openxmlformats.org/officeDocument/2006/relationships" xmlns:p="http://schemas.openxmlformats.org/presentationml/2006/main">
-  <p:cSld>
-    <p:spTree>
-      <p:nvGrpSpPr>
-        <p:cNvPr id="1" name=""/>
-        <p:cNvGrpSpPr/>
-        <p:nvPr/>
-      </p:nvGrpSpPr>
-      <p:grpSpPr>
-        <a:xfrm>
-          <a:off x="0" y="0"/>
-          <a:ext cx="0" cy="0"/>
-          <a:chOff x="0" y="0"/>
-          <a:chExt cx="0" cy="0"/>
-        </a:xfrm>
-      </p:grpSpPr>
-      <p:sp>
-        <p:nvSpPr>
-          <p:cNvPr id="2" name="Content Placeholder 1">
-            <a:extLst>
-              <a:ext uri="{FF2B5EF4-FFF2-40B4-BE49-F238E27FC236}">
-                <a16:creationId xmlns:a16="http://schemas.microsoft.com/office/drawing/2014/main" id="{8ACF9742-3350-1D65-AB1F-E445C30B36DE}"/>
-              </a:ext>
-            </a:extLst>
-          </p:cNvPr>
-          <p:cNvSpPr>
-            <a:spLocks noGrp="1"/>
-          </p:cNvSpPr>
-          <p:nvPr>
-            <p:ph idx="1"/>
-          </p:nvPr>
-        </p:nvSpPr>
-        <p:spPr>
-          <a:xfrm>
-            <a:off x="360607" y="785004"/>
-            <a:ext cx="11449319" cy="5046453"/>
-          </a:xfrm>
-        </p:spPr>
-        <p:txBody>
-          <a:bodyPr/>
-          <a:lstStyle/>
-          <a:p>
-            <a:r>
-              <a:rPr lang="en-US"/>
-              <a:t>Objects have properties and functions</a:t>
-            </a:r>
-            <a:endParaRPr lang="en-US" dirty="0"/>
-          </a:p>
-        </p:txBody>
-      </p:sp>
-      <p:sp>
-        <p:nvSpPr>
-          <p:cNvPr id="3" name="Title 2">
-            <a:extLst>
-              <a:ext uri="{FF2B5EF4-FFF2-40B4-BE49-F238E27FC236}">
-                <a16:creationId xmlns:a16="http://schemas.microsoft.com/office/drawing/2014/main" id="{6BE0EAE0-FAB3-33AA-DB3C-DDC2394A80CD}"/>
-              </a:ext>
-            </a:extLst>
-          </p:cNvPr>
-          <p:cNvSpPr>
-            <a:spLocks noGrp="1"/>
-          </p:cNvSpPr>
-          <p:nvPr>
-            <p:ph type="title"/>
-          </p:nvPr>
-        </p:nvSpPr>
-        <p:spPr>
-          <a:xfrm>
-            <a:off x="0" y="0"/>
-            <a:ext cx="12192000" cy="696277"/>
-          </a:xfrm>
-        </p:spPr>
-        <p:txBody>
-          <a:bodyPr/>
-          <a:lstStyle/>
-          <a:p>
-            <a:r>
-              <a:rPr lang="en-US"/>
-              <a:t>What is an object?</a:t>
-            </a:r>
-            <a:endParaRPr lang="en-US" dirty="0"/>
-          </a:p>
-        </p:txBody>
-      </p:sp>
-      <p:sp>
-        <p:nvSpPr>
-          <p:cNvPr id="7" name="Subtitle 6">
-            <a:extLst>
-              <a:ext uri="{FF2B5EF4-FFF2-40B4-BE49-F238E27FC236}">
-                <a16:creationId xmlns:a16="http://schemas.microsoft.com/office/drawing/2014/main" id="{CE9159A9-FF0A-B8E9-0C14-2B159D3C6BA6}"/>
-              </a:ext>
-            </a:extLst>
-          </p:cNvPr>
-          <p:cNvSpPr>
-            <a:spLocks noGrp="1"/>
-          </p:cNvSpPr>
-          <p:nvPr>
-            <p:ph type="subTitle" idx="13"/>
-          </p:nvPr>
-        </p:nvSpPr>
-        <p:spPr/>
-        <p:txBody>
-          <a:bodyPr/>
-          <a:lstStyle/>
-          <a:p>
-            <a:endParaRPr lang="en-US"/>
-          </a:p>
-        </p:txBody>
-      </p:sp>
-      <p:pic>
-        <p:nvPicPr>
-          <p:cNvPr id="1026" name="Picture 2" descr="Best Cars of 2024 and 2025 - Top-Rated New Cars Ranked | KBB.com">
-            <a:extLst>
-              <a:ext uri="{FF2B5EF4-FFF2-40B4-BE49-F238E27FC236}">
-                <a16:creationId xmlns:a16="http://schemas.microsoft.com/office/drawing/2014/main" id="{D0B3A394-D3F6-ACDF-9E4D-40D79040B9C8}"/>
-              </a:ext>
-            </a:extLst>
-          </p:cNvPr>
-          <p:cNvPicPr>
-            <a:picLocks noChangeAspect="1" noChangeArrowheads="1"/>
-          </p:cNvPicPr>
-          <p:nvPr/>
-        </p:nvPicPr>
-        <p:blipFill>
-          <a:blip r:embed="rId3" cstate="print">
-            <a:extLst>
-              <a:ext uri="{28A0092B-C50C-407E-A947-70E740481C1C}">
-                <a14:useLocalDpi xmlns:a14="http://schemas.microsoft.com/office/drawing/2010/main" val="0"/>
-              </a:ext>
-            </a:extLst>
-          </a:blip>
-          <a:srcRect/>
-          <a:stretch>
-            <a:fillRect/>
-          </a:stretch>
-        </p:blipFill>
-        <p:spPr bwMode="auto">
-          <a:xfrm>
-            <a:off x="529940" y="1598124"/>
-            <a:ext cx="3330859" cy="1347957"/>
-          </a:xfrm>
-          <a:prstGeom prst="rect">
-            <a:avLst/>
-          </a:prstGeom>
-          <a:noFill/>
-          <a:extLst>
-            <a:ext uri="{909E8E84-426E-40DD-AFC4-6F175D3DCCD1}">
-              <a14:hiddenFill xmlns:a14="http://schemas.microsoft.com/office/drawing/2010/main">
-                <a:solidFill>
-                  <a:srgbClr val="FFFFFF"/>
-                </a:solidFill>
-              </a14:hiddenFill>
-            </a:ext>
-          </a:extLst>
-        </p:spPr>
-      </p:pic>
-      <p:pic>
-        <p:nvPicPr>
-          <p:cNvPr id="1028" name="Picture 4" descr="Understanding Behavioral Changes in Senior Dogs | Dog Aging Project">
-            <a:extLst>
-              <a:ext uri="{FF2B5EF4-FFF2-40B4-BE49-F238E27FC236}">
-                <a16:creationId xmlns:a16="http://schemas.microsoft.com/office/drawing/2014/main" id="{5812A8B1-EF6D-9DC6-4052-4E8A1E1A83C7}"/>
-              </a:ext>
-            </a:extLst>
-          </p:cNvPr>
-          <p:cNvPicPr>
-            <a:picLocks noChangeAspect="1" noChangeArrowheads="1"/>
-          </p:cNvPicPr>
-          <p:nvPr/>
-        </p:nvPicPr>
-        <p:blipFill>
-          <a:blip r:embed="rId4" cstate="print">
-            <a:extLst>
-              <a:ext uri="{28A0092B-C50C-407E-A947-70E740481C1C}">
-                <a14:useLocalDpi xmlns:a14="http://schemas.microsoft.com/office/drawing/2010/main" val="0"/>
-              </a:ext>
-            </a:extLst>
-          </a:blip>
-          <a:srcRect/>
-          <a:stretch>
-            <a:fillRect/>
-          </a:stretch>
-        </p:blipFill>
-        <p:spPr bwMode="auto">
-          <a:xfrm>
-            <a:off x="827897" y="3831255"/>
-            <a:ext cx="2575454" cy="1717234"/>
-          </a:xfrm>
-          <a:prstGeom prst="rect">
-            <a:avLst/>
-          </a:prstGeom>
-          <a:noFill/>
-          <a:extLst>
-            <a:ext uri="{909E8E84-426E-40DD-AFC4-6F175D3DCCD1}">
-              <a14:hiddenFill xmlns:a14="http://schemas.microsoft.com/office/drawing/2010/main">
-                <a:solidFill>
-                  <a:srgbClr val="FFFFFF"/>
-                </a:solidFill>
-              </a14:hiddenFill>
-            </a:ext>
-          </a:extLst>
-        </p:spPr>
-      </p:pic>
-      <p:pic>
-        <p:nvPicPr>
-          <p:cNvPr id="1030" name="Picture 6" descr="Professional Woman Stock Photos, Images and Backgrounds for Free Download">
-            <a:extLst>
-              <a:ext uri="{FF2B5EF4-FFF2-40B4-BE49-F238E27FC236}">
-                <a16:creationId xmlns:a16="http://schemas.microsoft.com/office/drawing/2014/main" id="{C5D996F2-8637-3CFD-2B62-E4DDFD288786}"/>
-              </a:ext>
-            </a:extLst>
-          </p:cNvPr>
-          <p:cNvPicPr>
-            <a:picLocks noChangeAspect="1" noChangeArrowheads="1"/>
-          </p:cNvPicPr>
-          <p:nvPr/>
-        </p:nvPicPr>
-        <p:blipFill>
-          <a:blip r:embed="rId5" cstate="print">
-            <a:extLst>
-              <a:ext uri="{28A0092B-C50C-407E-A947-70E740481C1C}">
-                <a14:useLocalDpi xmlns:a14="http://schemas.microsoft.com/office/drawing/2010/main" val="0"/>
-              </a:ext>
-            </a:extLst>
-          </a:blip>
-          <a:srcRect/>
-          <a:stretch>
-            <a:fillRect/>
-          </a:stretch>
-        </p:blipFill>
-        <p:spPr bwMode="auto">
-          <a:xfrm>
-            <a:off x="4797539" y="1357433"/>
-            <a:ext cx="2575454" cy="1931255"/>
-          </a:xfrm>
-          <a:prstGeom prst="rect">
-            <a:avLst/>
-          </a:prstGeom>
-          <a:noFill/>
-          <a:extLst>
-            <a:ext uri="{909E8E84-426E-40DD-AFC4-6F175D3DCCD1}">
-              <a14:hiddenFill xmlns:a14="http://schemas.microsoft.com/office/drawing/2010/main">
-                <a:solidFill>
-                  <a:srgbClr val="FFFFFF"/>
-                </a:solidFill>
-              </a14:hiddenFill>
-            </a:ext>
-          </a:extLst>
-        </p:spPr>
-      </p:pic>
-      <p:pic>
-        <p:nvPicPr>
-          <p:cNvPr id="1032" name="Picture 8" descr="Roll: Bicycle Company A:1 Adventure Bike">
-            <a:extLst>
-              <a:ext uri="{FF2B5EF4-FFF2-40B4-BE49-F238E27FC236}">
-                <a16:creationId xmlns:a16="http://schemas.microsoft.com/office/drawing/2014/main" id="{A6DEBE71-9A16-E558-68CA-3DBB9959789B}"/>
-              </a:ext>
-            </a:extLst>
-          </p:cNvPr>
-          <p:cNvPicPr>
-            <a:picLocks noChangeAspect="1" noChangeArrowheads="1"/>
-          </p:cNvPicPr>
-          <p:nvPr/>
-        </p:nvPicPr>
-        <p:blipFill>
-          <a:blip r:embed="rId6" cstate="print">
-            <a:extLst>
-              <a:ext uri="{28A0092B-C50C-407E-A947-70E740481C1C}">
-                <a14:useLocalDpi xmlns:a14="http://schemas.microsoft.com/office/drawing/2010/main" val="0"/>
-              </a:ext>
-            </a:extLst>
-          </a:blip>
-          <a:srcRect/>
-          <a:stretch>
-            <a:fillRect/>
-          </a:stretch>
-        </p:blipFill>
-        <p:spPr bwMode="auto">
-          <a:xfrm>
-            <a:off x="8267644" y="3503877"/>
-            <a:ext cx="3527778" cy="2116667"/>
-          </a:xfrm>
-          <a:prstGeom prst="rect">
-            <a:avLst/>
-          </a:prstGeom>
-          <a:noFill/>
-          <a:extLst>
-            <a:ext uri="{909E8E84-426E-40DD-AFC4-6F175D3DCCD1}">
-              <a14:hiddenFill xmlns:a14="http://schemas.microsoft.com/office/drawing/2010/main">
-                <a:solidFill>
-                  <a:srgbClr val="FFFFFF"/>
-                </a:solidFill>
-              </a14:hiddenFill>
-            </a:ext>
-          </a:extLst>
-        </p:spPr>
-      </p:pic>
-      <p:pic>
-        <p:nvPicPr>
-          <p:cNvPr id="1034" name="Picture 10" descr="True Fine 16.5-in Brushed Steel LED Touch Table Lamp with Fabric Shade  20080T-BN at Lowes.com">
-            <a:extLst>
-              <a:ext uri="{FF2B5EF4-FFF2-40B4-BE49-F238E27FC236}">
-                <a16:creationId xmlns:a16="http://schemas.microsoft.com/office/drawing/2014/main" id="{B33B9FBE-636D-877F-1CA6-7513A4E829B6}"/>
-              </a:ext>
-            </a:extLst>
-          </p:cNvPr>
-          <p:cNvPicPr>
-            <a:picLocks noChangeAspect="1" noChangeArrowheads="1"/>
-          </p:cNvPicPr>
-          <p:nvPr/>
-        </p:nvPicPr>
-        <p:blipFill>
-          <a:blip r:embed="rId7" cstate="print">
-            <a:extLst>
-              <a:ext uri="{28A0092B-C50C-407E-A947-70E740481C1C}">
-                <a14:useLocalDpi xmlns:a14="http://schemas.microsoft.com/office/drawing/2010/main" val="0"/>
-              </a:ext>
-            </a:extLst>
-          </a:blip>
-          <a:srcRect/>
-          <a:stretch>
-            <a:fillRect/>
-          </a:stretch>
-        </p:blipFill>
-        <p:spPr bwMode="auto">
-          <a:xfrm>
-            <a:off x="9033822" y="1344072"/>
-            <a:ext cx="1995422" cy="1995422"/>
-          </a:xfrm>
-          <a:prstGeom prst="rect">
-            <a:avLst/>
-          </a:prstGeom>
-          <a:noFill/>
-          <a:extLst>
-            <a:ext uri="{909E8E84-426E-40DD-AFC4-6F175D3DCCD1}">
-              <a14:hiddenFill xmlns:a14="http://schemas.microsoft.com/office/drawing/2010/main">
-                <a:solidFill>
-                  <a:srgbClr val="FFFFFF"/>
-                </a:solidFill>
-              </a14:hiddenFill>
-            </a:ext>
-          </a:extLst>
-        </p:spPr>
-      </p:pic>
-      <p:pic>
-        <p:nvPicPr>
-          <p:cNvPr id="1036" name="Picture 12" descr="Twinkle Twinkle Little Firefly - Humane Gardener">
-            <a:extLst>
-              <a:ext uri="{FF2B5EF4-FFF2-40B4-BE49-F238E27FC236}">
-                <a16:creationId xmlns:a16="http://schemas.microsoft.com/office/drawing/2014/main" id="{DA3A625C-BA86-22D3-9AF0-985AA2A6F3A0}"/>
-              </a:ext>
-            </a:extLst>
-          </p:cNvPr>
-          <p:cNvPicPr>
-            <a:picLocks noChangeAspect="1" noChangeArrowheads="1"/>
-          </p:cNvPicPr>
-          <p:nvPr/>
-        </p:nvPicPr>
-        <p:blipFill>
-          <a:blip r:embed="rId8" cstate="print">
-            <a:extLst>
-              <a:ext uri="{28A0092B-C50C-407E-A947-70E740481C1C}">
-                <a14:useLocalDpi xmlns:a14="http://schemas.microsoft.com/office/drawing/2010/main" val="0"/>
-              </a:ext>
-            </a:extLst>
-          </a:blip>
-          <a:srcRect/>
-          <a:stretch>
-            <a:fillRect/>
-          </a:stretch>
-        </p:blipFill>
-        <p:spPr bwMode="auto">
-          <a:xfrm>
-            <a:off x="4606579" y="3677531"/>
-            <a:ext cx="3330859" cy="1873175"/>
-          </a:xfrm>
-          <a:prstGeom prst="rect">
-            <a:avLst/>
-          </a:prstGeom>
-          <a:noFill/>
-          <a:extLst>
-            <a:ext uri="{909E8E84-426E-40DD-AFC4-6F175D3DCCD1}">
-              <a14:hiddenFill xmlns:a14="http://schemas.microsoft.com/office/drawing/2010/main">
-                <a:solidFill>
-                  <a:srgbClr val="FFFFFF"/>
-                </a:solidFill>
-              </a14:hiddenFill>
-            </a:ext>
-          </a:extLst>
-        </p:spPr>
-      </p:pic>
-    </p:spTree>
-    <p:extLst>
-      <p:ext uri="{BB962C8B-B14F-4D97-AF65-F5344CB8AC3E}">
-        <p14:creationId xmlns:p14="http://schemas.microsoft.com/office/powerpoint/2010/main" val="270900983"/>
-      </p:ext>
-    </p:extLst>
-  </p:cSld>
-  <p:clrMapOvr>
-    <a:masterClrMapping/>
-  </p:clrMapOvr>
-</p:sld>
-</file>
-
-<file path=ppt/slides/slide40.xml><?xml version="1.0" encoding="utf-8"?>
+<file path=ppt/slides/slide42.xml><?xml version="1.0" encoding="utf-8"?>
 <p:sld xmlns:a="http://schemas.openxmlformats.org/drawingml/2006/main" xmlns:r="http://schemas.openxmlformats.org/officeDocument/2006/relationships" xmlns:p="http://schemas.openxmlformats.org/presentationml/2006/main">
   <p:cSld>
     <p:spTree>
@@ -22960,7 +26280,7 @@
 </p:sld>
 </file>
 
-<file path=ppt/slides/slide41.xml><?xml version="1.0" encoding="utf-8"?>
+<file path=ppt/slides/slide43.xml><?xml version="1.0" encoding="utf-8"?>
 <p:sld xmlns:a="http://schemas.openxmlformats.org/drawingml/2006/main" xmlns:r="http://schemas.openxmlformats.org/officeDocument/2006/relationships" xmlns:p="http://schemas.openxmlformats.org/presentationml/2006/main">
   <p:cSld>
     <p:spTree>
@@ -24008,7 +27328,7 @@
 </p:sld>
 </file>
 
-<file path=ppt/slides/slide42.xml><?xml version="1.0" encoding="utf-8"?>
+<file path=ppt/slides/slide44.xml><?xml version="1.0" encoding="utf-8"?>
 <p:sld xmlns:a="http://schemas.openxmlformats.org/drawingml/2006/main" xmlns:r="http://schemas.openxmlformats.org/officeDocument/2006/relationships" xmlns:p="http://schemas.openxmlformats.org/presentationml/2006/main">
   <p:cSld>
     <p:spTree>
@@ -24186,7 +27506,7 @@
 </p:sld>
 </file>
 
-<file path=ppt/slides/slide43.xml><?xml version="1.0" encoding="utf-8"?>
+<file path=ppt/slides/slide45.xml><?xml version="1.0" encoding="utf-8"?>
 <p:sld xmlns:a="http://schemas.openxmlformats.org/drawingml/2006/main" xmlns:r="http://schemas.openxmlformats.org/officeDocument/2006/relationships" xmlns:p="http://schemas.openxmlformats.org/presentationml/2006/main">
   <p:cSld>
     <p:spTree>
@@ -24224,7 +27544,10 @@
           <a:bodyPr/>
           <a:lstStyle/>
           <a:p>
-            <a:endParaRPr lang="en-US" dirty="0"/>
+            <a:r>
+              <a:rPr lang="en-US" dirty="0"/>
+              <a:t>[TBD]</a:t>
+            </a:r>
           </a:p>
         </p:txBody>
       </p:sp>
@@ -24294,7 +27617,7 @@
 </p:sld>
 </file>
 
-<file path=ppt/slides/slide44.xml><?xml version="1.0" encoding="utf-8"?>
+<file path=ppt/slides/slide46.xml><?xml version="1.0" encoding="utf-8"?>
 <p:sld xmlns:a="http://schemas.openxmlformats.org/drawingml/2006/main" xmlns:r="http://schemas.openxmlformats.org/officeDocument/2006/relationships" xmlns:p="http://schemas.openxmlformats.org/presentationml/2006/main" show="0">
   <p:cSld>
     <p:spTree>
@@ -25160,7 +28483,7 @@
 </p:sld>
 </file>
 
-<file path=ppt/slides/slide45.xml><?xml version="1.0" encoding="utf-8"?>
+<file path=ppt/slides/slide47.xml><?xml version="1.0" encoding="utf-8"?>
 <p:sld xmlns:a="http://schemas.openxmlformats.org/drawingml/2006/main" xmlns:r="http://schemas.openxmlformats.org/officeDocument/2006/relationships" xmlns:p="http://schemas.openxmlformats.org/presentationml/2006/main" show="0">
   <p:cSld>
     <p:spTree>
@@ -25763,6 +29086,411 @@
   <p:cSld>
     <p:spTree>
       <p:nvGrpSpPr>
+        <p:cNvPr id="1" name=""/>
+        <p:cNvGrpSpPr/>
+        <p:nvPr/>
+      </p:nvGrpSpPr>
+      <p:grpSpPr>
+        <a:xfrm>
+          <a:off x="0" y="0"/>
+          <a:ext cx="0" cy="0"/>
+          <a:chOff x="0" y="0"/>
+          <a:chExt cx="0" cy="0"/>
+        </a:xfrm>
+      </p:grpSpPr>
+      <p:sp>
+        <p:nvSpPr>
+          <p:cNvPr id="2" name="Content Placeholder 1">
+            <a:extLst>
+              <a:ext uri="{FF2B5EF4-FFF2-40B4-BE49-F238E27FC236}">
+                <a16:creationId xmlns:a16="http://schemas.microsoft.com/office/drawing/2014/main" id="{8ACF9742-3350-1D65-AB1F-E445C30B36DE}"/>
+              </a:ext>
+            </a:extLst>
+          </p:cNvPr>
+          <p:cNvSpPr>
+            <a:spLocks noGrp="1"/>
+          </p:cNvSpPr>
+          <p:nvPr>
+            <p:ph idx="1"/>
+          </p:nvPr>
+        </p:nvSpPr>
+        <p:spPr>
+          <a:xfrm>
+            <a:off x="360607" y="785004"/>
+            <a:ext cx="11449319" cy="5046453"/>
+          </a:xfrm>
+        </p:spPr>
+        <p:txBody>
+          <a:bodyPr/>
+          <a:lstStyle/>
+          <a:p>
+            <a:r>
+              <a:rPr lang="en-US"/>
+              <a:t>Objects have properties and functions</a:t>
+            </a:r>
+            <a:endParaRPr lang="en-US" dirty="0"/>
+          </a:p>
+        </p:txBody>
+      </p:sp>
+      <p:sp>
+        <p:nvSpPr>
+          <p:cNvPr id="3" name="Title 2">
+            <a:extLst>
+              <a:ext uri="{FF2B5EF4-FFF2-40B4-BE49-F238E27FC236}">
+                <a16:creationId xmlns:a16="http://schemas.microsoft.com/office/drawing/2014/main" id="{6BE0EAE0-FAB3-33AA-DB3C-DDC2394A80CD}"/>
+              </a:ext>
+            </a:extLst>
+          </p:cNvPr>
+          <p:cNvSpPr>
+            <a:spLocks noGrp="1"/>
+          </p:cNvSpPr>
+          <p:nvPr>
+            <p:ph type="title"/>
+          </p:nvPr>
+        </p:nvSpPr>
+        <p:spPr>
+          <a:xfrm>
+            <a:off x="0" y="0"/>
+            <a:ext cx="12192000" cy="696277"/>
+          </a:xfrm>
+        </p:spPr>
+        <p:txBody>
+          <a:bodyPr/>
+          <a:lstStyle/>
+          <a:p>
+            <a:r>
+              <a:rPr lang="en-US"/>
+              <a:t>What is an object?</a:t>
+            </a:r>
+            <a:endParaRPr lang="en-US" dirty="0"/>
+          </a:p>
+        </p:txBody>
+      </p:sp>
+      <p:sp>
+        <p:nvSpPr>
+          <p:cNvPr id="7" name="Subtitle 6">
+            <a:extLst>
+              <a:ext uri="{FF2B5EF4-FFF2-40B4-BE49-F238E27FC236}">
+                <a16:creationId xmlns:a16="http://schemas.microsoft.com/office/drawing/2014/main" id="{CE9159A9-FF0A-B8E9-0C14-2B159D3C6BA6}"/>
+              </a:ext>
+            </a:extLst>
+          </p:cNvPr>
+          <p:cNvSpPr>
+            <a:spLocks noGrp="1"/>
+          </p:cNvSpPr>
+          <p:nvPr>
+            <p:ph type="subTitle" idx="13"/>
+          </p:nvPr>
+        </p:nvSpPr>
+        <p:spPr/>
+        <p:txBody>
+          <a:bodyPr/>
+          <a:lstStyle/>
+          <a:p>
+            <a:endParaRPr lang="en-US"/>
+          </a:p>
+        </p:txBody>
+      </p:sp>
+      <p:pic>
+        <p:nvPicPr>
+          <p:cNvPr id="1026" name="Picture 2" descr="Best Cars of 2024 and 2025 - Top-Rated New Cars Ranked | KBB.com">
+            <a:extLst>
+              <a:ext uri="{FF2B5EF4-FFF2-40B4-BE49-F238E27FC236}">
+                <a16:creationId xmlns:a16="http://schemas.microsoft.com/office/drawing/2014/main" id="{D0B3A394-D3F6-ACDF-9E4D-40D79040B9C8}"/>
+              </a:ext>
+            </a:extLst>
+          </p:cNvPr>
+          <p:cNvPicPr>
+            <a:picLocks noChangeAspect="1" noChangeArrowheads="1"/>
+          </p:cNvPicPr>
+          <p:nvPr/>
+        </p:nvPicPr>
+        <p:blipFill>
+          <a:blip r:embed="rId3" cstate="print">
+            <a:extLst>
+              <a:ext uri="{28A0092B-C50C-407E-A947-70E740481C1C}">
+                <a14:useLocalDpi xmlns:a14="http://schemas.microsoft.com/office/drawing/2010/main" val="0"/>
+              </a:ext>
+            </a:extLst>
+          </a:blip>
+          <a:srcRect/>
+          <a:stretch>
+            <a:fillRect/>
+          </a:stretch>
+        </p:blipFill>
+        <p:spPr bwMode="auto">
+          <a:xfrm>
+            <a:off x="529940" y="1598124"/>
+            <a:ext cx="3330859" cy="1347957"/>
+          </a:xfrm>
+          <a:prstGeom prst="rect">
+            <a:avLst/>
+          </a:prstGeom>
+          <a:noFill/>
+          <a:extLst>
+            <a:ext uri="{909E8E84-426E-40DD-AFC4-6F175D3DCCD1}">
+              <a14:hiddenFill xmlns:a14="http://schemas.microsoft.com/office/drawing/2010/main">
+                <a:solidFill>
+                  <a:srgbClr val="FFFFFF"/>
+                </a:solidFill>
+              </a14:hiddenFill>
+            </a:ext>
+          </a:extLst>
+        </p:spPr>
+      </p:pic>
+      <p:pic>
+        <p:nvPicPr>
+          <p:cNvPr id="1028" name="Picture 4" descr="Understanding Behavioral Changes in Senior Dogs | Dog Aging Project">
+            <a:extLst>
+              <a:ext uri="{FF2B5EF4-FFF2-40B4-BE49-F238E27FC236}">
+                <a16:creationId xmlns:a16="http://schemas.microsoft.com/office/drawing/2014/main" id="{5812A8B1-EF6D-9DC6-4052-4E8A1E1A83C7}"/>
+              </a:ext>
+            </a:extLst>
+          </p:cNvPr>
+          <p:cNvPicPr>
+            <a:picLocks noChangeAspect="1" noChangeArrowheads="1"/>
+          </p:cNvPicPr>
+          <p:nvPr/>
+        </p:nvPicPr>
+        <p:blipFill>
+          <a:blip r:embed="rId4" cstate="print">
+            <a:extLst>
+              <a:ext uri="{28A0092B-C50C-407E-A947-70E740481C1C}">
+                <a14:useLocalDpi xmlns:a14="http://schemas.microsoft.com/office/drawing/2010/main" val="0"/>
+              </a:ext>
+            </a:extLst>
+          </a:blip>
+          <a:srcRect/>
+          <a:stretch>
+            <a:fillRect/>
+          </a:stretch>
+        </p:blipFill>
+        <p:spPr bwMode="auto">
+          <a:xfrm>
+            <a:off x="827897" y="3831255"/>
+            <a:ext cx="2575454" cy="1717234"/>
+          </a:xfrm>
+          <a:prstGeom prst="rect">
+            <a:avLst/>
+          </a:prstGeom>
+          <a:noFill/>
+          <a:extLst>
+            <a:ext uri="{909E8E84-426E-40DD-AFC4-6F175D3DCCD1}">
+              <a14:hiddenFill xmlns:a14="http://schemas.microsoft.com/office/drawing/2010/main">
+                <a:solidFill>
+                  <a:srgbClr val="FFFFFF"/>
+                </a:solidFill>
+              </a14:hiddenFill>
+            </a:ext>
+          </a:extLst>
+        </p:spPr>
+      </p:pic>
+      <p:pic>
+        <p:nvPicPr>
+          <p:cNvPr id="1030" name="Picture 6" descr="Professional Woman Stock Photos, Images and Backgrounds for Free Download">
+            <a:extLst>
+              <a:ext uri="{FF2B5EF4-FFF2-40B4-BE49-F238E27FC236}">
+                <a16:creationId xmlns:a16="http://schemas.microsoft.com/office/drawing/2014/main" id="{C5D996F2-8637-3CFD-2B62-E4DDFD288786}"/>
+              </a:ext>
+            </a:extLst>
+          </p:cNvPr>
+          <p:cNvPicPr>
+            <a:picLocks noChangeAspect="1" noChangeArrowheads="1"/>
+          </p:cNvPicPr>
+          <p:nvPr/>
+        </p:nvPicPr>
+        <p:blipFill>
+          <a:blip r:embed="rId5" cstate="print">
+            <a:extLst>
+              <a:ext uri="{28A0092B-C50C-407E-A947-70E740481C1C}">
+                <a14:useLocalDpi xmlns:a14="http://schemas.microsoft.com/office/drawing/2010/main" val="0"/>
+              </a:ext>
+            </a:extLst>
+          </a:blip>
+          <a:srcRect/>
+          <a:stretch>
+            <a:fillRect/>
+          </a:stretch>
+        </p:blipFill>
+        <p:spPr bwMode="auto">
+          <a:xfrm>
+            <a:off x="4797539" y="1357433"/>
+            <a:ext cx="2575454" cy="1931255"/>
+          </a:xfrm>
+          <a:prstGeom prst="rect">
+            <a:avLst/>
+          </a:prstGeom>
+          <a:noFill/>
+          <a:extLst>
+            <a:ext uri="{909E8E84-426E-40DD-AFC4-6F175D3DCCD1}">
+              <a14:hiddenFill xmlns:a14="http://schemas.microsoft.com/office/drawing/2010/main">
+                <a:solidFill>
+                  <a:srgbClr val="FFFFFF"/>
+                </a:solidFill>
+              </a14:hiddenFill>
+            </a:ext>
+          </a:extLst>
+        </p:spPr>
+      </p:pic>
+      <p:pic>
+        <p:nvPicPr>
+          <p:cNvPr id="1032" name="Picture 8" descr="Roll: Bicycle Company A:1 Adventure Bike">
+            <a:extLst>
+              <a:ext uri="{FF2B5EF4-FFF2-40B4-BE49-F238E27FC236}">
+                <a16:creationId xmlns:a16="http://schemas.microsoft.com/office/drawing/2014/main" id="{A6DEBE71-9A16-E558-68CA-3DBB9959789B}"/>
+              </a:ext>
+            </a:extLst>
+          </p:cNvPr>
+          <p:cNvPicPr>
+            <a:picLocks noChangeAspect="1" noChangeArrowheads="1"/>
+          </p:cNvPicPr>
+          <p:nvPr/>
+        </p:nvPicPr>
+        <p:blipFill>
+          <a:blip r:embed="rId6" cstate="print">
+            <a:extLst>
+              <a:ext uri="{28A0092B-C50C-407E-A947-70E740481C1C}">
+                <a14:useLocalDpi xmlns:a14="http://schemas.microsoft.com/office/drawing/2010/main" val="0"/>
+              </a:ext>
+            </a:extLst>
+          </a:blip>
+          <a:srcRect/>
+          <a:stretch>
+            <a:fillRect/>
+          </a:stretch>
+        </p:blipFill>
+        <p:spPr bwMode="auto">
+          <a:xfrm>
+            <a:off x="8267644" y="3503877"/>
+            <a:ext cx="3527778" cy="2116667"/>
+          </a:xfrm>
+          <a:prstGeom prst="rect">
+            <a:avLst/>
+          </a:prstGeom>
+          <a:noFill/>
+          <a:extLst>
+            <a:ext uri="{909E8E84-426E-40DD-AFC4-6F175D3DCCD1}">
+              <a14:hiddenFill xmlns:a14="http://schemas.microsoft.com/office/drawing/2010/main">
+                <a:solidFill>
+                  <a:srgbClr val="FFFFFF"/>
+                </a:solidFill>
+              </a14:hiddenFill>
+            </a:ext>
+          </a:extLst>
+        </p:spPr>
+      </p:pic>
+      <p:pic>
+        <p:nvPicPr>
+          <p:cNvPr id="1034" name="Picture 10" descr="True Fine 16.5-in Brushed Steel LED Touch Table Lamp with Fabric Shade  20080T-BN at Lowes.com">
+            <a:extLst>
+              <a:ext uri="{FF2B5EF4-FFF2-40B4-BE49-F238E27FC236}">
+                <a16:creationId xmlns:a16="http://schemas.microsoft.com/office/drawing/2014/main" id="{B33B9FBE-636D-877F-1CA6-7513A4E829B6}"/>
+              </a:ext>
+            </a:extLst>
+          </p:cNvPr>
+          <p:cNvPicPr>
+            <a:picLocks noChangeAspect="1" noChangeArrowheads="1"/>
+          </p:cNvPicPr>
+          <p:nvPr/>
+        </p:nvPicPr>
+        <p:blipFill>
+          <a:blip r:embed="rId7" cstate="print">
+            <a:extLst>
+              <a:ext uri="{28A0092B-C50C-407E-A947-70E740481C1C}">
+                <a14:useLocalDpi xmlns:a14="http://schemas.microsoft.com/office/drawing/2010/main" val="0"/>
+              </a:ext>
+            </a:extLst>
+          </a:blip>
+          <a:srcRect/>
+          <a:stretch>
+            <a:fillRect/>
+          </a:stretch>
+        </p:blipFill>
+        <p:spPr bwMode="auto">
+          <a:xfrm>
+            <a:off x="9033822" y="1344072"/>
+            <a:ext cx="1995422" cy="1995422"/>
+          </a:xfrm>
+          <a:prstGeom prst="rect">
+            <a:avLst/>
+          </a:prstGeom>
+          <a:noFill/>
+          <a:extLst>
+            <a:ext uri="{909E8E84-426E-40DD-AFC4-6F175D3DCCD1}">
+              <a14:hiddenFill xmlns:a14="http://schemas.microsoft.com/office/drawing/2010/main">
+                <a:solidFill>
+                  <a:srgbClr val="FFFFFF"/>
+                </a:solidFill>
+              </a14:hiddenFill>
+            </a:ext>
+          </a:extLst>
+        </p:spPr>
+      </p:pic>
+      <p:pic>
+        <p:nvPicPr>
+          <p:cNvPr id="1036" name="Picture 12" descr="Twinkle Twinkle Little Firefly - Humane Gardener">
+            <a:extLst>
+              <a:ext uri="{FF2B5EF4-FFF2-40B4-BE49-F238E27FC236}">
+                <a16:creationId xmlns:a16="http://schemas.microsoft.com/office/drawing/2014/main" id="{DA3A625C-BA86-22D3-9AF0-985AA2A6F3A0}"/>
+              </a:ext>
+            </a:extLst>
+          </p:cNvPr>
+          <p:cNvPicPr>
+            <a:picLocks noChangeAspect="1" noChangeArrowheads="1"/>
+          </p:cNvPicPr>
+          <p:nvPr/>
+        </p:nvPicPr>
+        <p:blipFill>
+          <a:blip r:embed="rId8" cstate="print">
+            <a:extLst>
+              <a:ext uri="{28A0092B-C50C-407E-A947-70E740481C1C}">
+                <a14:useLocalDpi xmlns:a14="http://schemas.microsoft.com/office/drawing/2010/main" val="0"/>
+              </a:ext>
+            </a:extLst>
+          </a:blip>
+          <a:srcRect/>
+          <a:stretch>
+            <a:fillRect/>
+          </a:stretch>
+        </p:blipFill>
+        <p:spPr bwMode="auto">
+          <a:xfrm>
+            <a:off x="4606579" y="3677531"/>
+            <a:ext cx="3330859" cy="1873175"/>
+          </a:xfrm>
+          <a:prstGeom prst="rect">
+            <a:avLst/>
+          </a:prstGeom>
+          <a:noFill/>
+          <a:extLst>
+            <a:ext uri="{909E8E84-426E-40DD-AFC4-6F175D3DCCD1}">
+              <a14:hiddenFill xmlns:a14="http://schemas.microsoft.com/office/drawing/2010/main">
+                <a:solidFill>
+                  <a:srgbClr val="FFFFFF"/>
+                </a:solidFill>
+              </a14:hiddenFill>
+            </a:ext>
+          </a:extLst>
+        </p:spPr>
+      </p:pic>
+    </p:spTree>
+    <p:extLst>
+      <p:ext uri="{BB962C8B-B14F-4D97-AF65-F5344CB8AC3E}">
+        <p14:creationId xmlns:p14="http://schemas.microsoft.com/office/powerpoint/2010/main" val="270900983"/>
+      </p:ext>
+    </p:extLst>
+  </p:cSld>
+  <p:clrMapOvr>
+    <a:masterClrMapping/>
+  </p:clrMapOvr>
+</p:sld>
+</file>
+
+<file path=ppt/slides/slide6.xml><?xml version="1.0" encoding="utf-8"?>
+<p:sld xmlns:a="http://schemas.openxmlformats.org/drawingml/2006/main" xmlns:r="http://schemas.openxmlformats.org/officeDocument/2006/relationships" xmlns:p="http://schemas.openxmlformats.org/presentationml/2006/main">
+  <p:cSld>
+    <p:spTree>
+      <p:nvGrpSpPr>
         <p:cNvPr id="1" name="">
           <a:extLst>
             <a:ext uri="{FF2B5EF4-FFF2-40B4-BE49-F238E27FC236}">
@@ -26195,7 +29923,7 @@
 </p:sld>
 </file>
 
-<file path=ppt/slides/slide6.xml><?xml version="1.0" encoding="utf-8"?>
+<file path=ppt/slides/slide7.xml><?xml version="1.0" encoding="utf-8"?>
 <p:sld xmlns:a="http://schemas.openxmlformats.org/drawingml/2006/main" xmlns:r="http://schemas.openxmlformats.org/officeDocument/2006/relationships" xmlns:p="http://schemas.openxmlformats.org/presentationml/2006/main">
   <p:cSld>
     <p:spTree>
@@ -27193,7 +30921,7 @@
 </p:sld>
 </file>
 
-<file path=ppt/slides/slide7.xml><?xml version="1.0" encoding="utf-8"?>
+<file path=ppt/slides/slide8.xml><?xml version="1.0" encoding="utf-8"?>
 <p:sld xmlns:a="http://schemas.openxmlformats.org/drawingml/2006/main" xmlns:r="http://schemas.openxmlformats.org/officeDocument/2006/relationships" xmlns:p="http://schemas.openxmlformats.org/presentationml/2006/main">
   <p:cSld>
     <p:spTree>
@@ -27319,8 +31047,8 @@
           </a:p>
           <a:p>
             <a:r>
-              <a:rPr lang="en-US" dirty="0"/>
-              <a:t>Enables abstraction</a:t>
+              <a:rPr lang="en-US" b="1" i="1" dirty="0"/>
+              <a:t>… so what?</a:t>
             </a:r>
           </a:p>
           <a:p>
@@ -28109,6 +31837,55 @@
                       </p:childTnLst>
                     </p:cTn>
                   </p:par>
+                  <p:par>
+                    <p:cTn id="17" fill="hold">
+                      <p:stCondLst>
+                        <p:cond delay="indefinite"/>
+                      </p:stCondLst>
+                      <p:childTnLst>
+                        <p:par>
+                          <p:cTn id="18" fill="hold">
+                            <p:stCondLst>
+                              <p:cond delay="0"/>
+                            </p:stCondLst>
+                            <p:childTnLst>
+                              <p:par>
+                                <p:cTn id="19" presetID="1" presetClass="entr" presetSubtype="0" fill="hold" nodeType="clickEffect">
+                                  <p:stCondLst>
+                                    <p:cond delay="0"/>
+                                  </p:stCondLst>
+                                  <p:childTnLst>
+                                    <p:set>
+                                      <p:cBhvr>
+                                        <p:cTn id="20" dur="1" fill="hold">
+                                          <p:stCondLst>
+                                            <p:cond delay="0"/>
+                                          </p:stCondLst>
+                                        </p:cTn>
+                                        <p:tgtEl>
+                                          <p:spTgt spid="13">
+                                            <p:txEl>
+                                              <p:pRg st="4" end="4"/>
+                                            </p:txEl>
+                                          </p:spTgt>
+                                        </p:tgtEl>
+                                        <p:attrNameLst>
+                                          <p:attrName>style.visibility</p:attrName>
+                                        </p:attrNameLst>
+                                      </p:cBhvr>
+                                      <p:to>
+                                        <p:strVal val="visible"/>
+                                      </p:to>
+                                    </p:set>
+                                  </p:childTnLst>
+                                </p:cTn>
+                              </p:par>
+                            </p:childTnLst>
+                          </p:cTn>
+                        </p:par>
+                      </p:childTnLst>
+                    </p:cTn>
+                  </p:par>
                 </p:childTnLst>
               </p:cTn>
               <p:prevCondLst>
@@ -28140,7 +31917,7 @@
 </p:sld>
 </file>
 
-<file path=ppt/slides/slide8.xml><?xml version="1.0" encoding="utf-8"?>
+<file path=ppt/slides/slide9.xml><?xml version="1.0" encoding="utf-8"?>
 <p:sld xmlns:a="http://schemas.openxmlformats.org/drawingml/2006/main" xmlns:r="http://schemas.openxmlformats.org/officeDocument/2006/relationships" xmlns:p="http://schemas.openxmlformats.org/presentationml/2006/main">
   <p:cSld>
     <p:spTree>
@@ -28245,11 +32022,17 @@
             </a:r>
             <a:r>
               <a:rPr lang="en-US" dirty="0"/>
-              <a:t>() &amp;&amp; </a:t>
+              <a:t>() </a:t>
+            </a:r>
+          </a:p>
+          <a:p>
+            <a:r>
+              <a:rPr lang="en-US" dirty="0"/>
+              <a:t>		&amp;&amp; !</a:t>
             </a:r>
             <a:r>
               <a:rPr lang="en-US" dirty="0" err="1"/>
-              <a:t>s.notMinCredits</a:t>
+              <a:t>s.hasMinCredits</a:t>
             </a:r>
             <a:r>
               <a:rPr lang="en-US" dirty="0"/>
@@ -28263,7 +32046,7 @@
             </a:r>
             <a:r>
               <a:rPr lang="en-US" dirty="0" err="1"/>
-              <a:t>s.notifyTooLowCredits</a:t>
+              <a:t>s.notifyEmail</a:t>
             </a:r>
             <a:r>
               <a:rPr lang="en-US" dirty="0"/>
@@ -28395,7 +32178,7 @@
               <a:t>Encapsulation </a:t>
             </a:r>
             <a:r>
-              <a:rPr lang="en-US" i="1" dirty="0"/>
+              <a:rPr lang="en-US" b="1" i="1" dirty="0"/>
               <a:t>enforces</a:t>
             </a:r>
             <a:r>
@@ -28508,7 +32291,7 @@
         <p:spPr>
           <a:xfrm>
             <a:off x="6176512" y="1976831"/>
-            <a:ext cx="3814155" cy="1071169"/>
+            <a:ext cx="4403256" cy="1071169"/>
           </a:xfrm>
           <a:prstGeom prst="rect">
             <a:avLst/>
@@ -28839,7 +32622,7 @@
                                         <p:tgtEl>
                                           <p:spTgt spid="6">
                                             <p:txEl>
-                                              <p:pRg st="5" end="5"/>
+                                              <p:pRg st="6" end="6"/>
                                             </p:txEl>
                                           </p:spTgt>
                                         </p:tgtEl>
@@ -28870,7 +32653,7 @@
                                         <p:tgtEl>
                                           <p:spTgt spid="6">
                                             <p:txEl>
-                                              <p:pRg st="6" end="6"/>
+                                              <p:pRg st="7" end="7"/>
                                             </p:txEl>
                                           </p:spTgt>
                                         </p:tgtEl>
@@ -29015,770 +32798,6 @@
       <p:bldP spid="8" grpId="1" animBg="1"/>
       <p:bldP spid="9" grpId="0" animBg="1"/>
       <p:bldP spid="9" grpId="1" animBg="1"/>
-    </p:bldLst>
-  </p:timing>
-</p:sld>
-</file>
-
-<file path=ppt/slides/slide9.xml><?xml version="1.0" encoding="utf-8"?>
-<p:sld xmlns:a="http://schemas.openxmlformats.org/drawingml/2006/main" xmlns:r="http://schemas.openxmlformats.org/officeDocument/2006/relationships" xmlns:p="http://schemas.openxmlformats.org/presentationml/2006/main">
-  <p:cSld>
-    <p:spTree>
-      <p:nvGrpSpPr>
-        <p:cNvPr id="1" name=""/>
-        <p:cNvGrpSpPr/>
-        <p:nvPr/>
-      </p:nvGrpSpPr>
-      <p:grpSpPr>
-        <a:xfrm>
-          <a:off x="0" y="0"/>
-          <a:ext cx="0" cy="0"/>
-          <a:chOff x="0" y="0"/>
-          <a:chExt cx="0" cy="0"/>
-        </a:xfrm>
-      </p:grpSpPr>
-      <p:sp>
-        <p:nvSpPr>
-          <p:cNvPr id="2" name="Content Placeholder 1">
-            <a:extLst>
-              <a:ext uri="{FF2B5EF4-FFF2-40B4-BE49-F238E27FC236}">
-                <a16:creationId xmlns:a16="http://schemas.microsoft.com/office/drawing/2014/main" id="{4B5B0134-08BC-B800-C16A-BF11B1ED52DF}"/>
-              </a:ext>
-            </a:extLst>
-          </p:cNvPr>
-          <p:cNvSpPr>
-            <a:spLocks noGrp="1"/>
-          </p:cNvSpPr>
-          <p:nvPr>
-            <p:ph idx="1"/>
-          </p:nvPr>
-        </p:nvSpPr>
-        <p:spPr/>
-        <p:txBody>
-          <a:bodyPr>
-            <a:normAutofit/>
-          </a:bodyPr>
-          <a:lstStyle/>
-          <a:p>
-            <a:pPr lvl="0"/>
-            <a:r>
-              <a:rPr lang="en-US" noProof="0" dirty="0"/>
-              <a:t>public class Car {</a:t>
-            </a:r>
-          </a:p>
-          <a:p>
-            <a:pPr lvl="0"/>
-            <a:r>
-              <a:rPr lang="en-US" noProof="0" dirty="0"/>
-              <a:t>    private String model;</a:t>
-            </a:r>
-          </a:p>
-          <a:p>
-            <a:pPr lvl="0"/>
-            <a:r>
-              <a:rPr lang="en-US" noProof="0" dirty="0"/>
-              <a:t>    private int year;</a:t>
-            </a:r>
-          </a:p>
-          <a:p>
-            <a:pPr lvl="0"/>
-            <a:r>
-              <a:rPr lang="en-US" noProof="0" dirty="0"/>
-              <a:t>    private int mileage;</a:t>
-            </a:r>
-          </a:p>
-          <a:p>
-            <a:pPr lvl="0"/>
-            <a:r>
-              <a:rPr lang="en-US" dirty="0"/>
-              <a:t>    </a:t>
-            </a:r>
-            <a:r>
-              <a:rPr lang="en-US" noProof="0" dirty="0"/>
-              <a:t>public void start() { …}</a:t>
-            </a:r>
-          </a:p>
-          <a:p>
-            <a:pPr lvl="0"/>
-            <a:r>
-              <a:rPr lang="en-US" noProof="0" dirty="0"/>
-              <a:t>    public void stop() { … }</a:t>
-            </a:r>
-          </a:p>
-          <a:p>
-            <a:pPr lvl="0"/>
-            <a:r>
-              <a:rPr lang="en-US" noProof="0" dirty="0"/>
-              <a:t>    public void accelerate() { … }</a:t>
-            </a:r>
-          </a:p>
-          <a:p>
-            <a:pPr lvl="0"/>
-            <a:r>
-              <a:rPr lang="en-US" noProof="0" dirty="0"/>
-              <a:t>    public void brake() { … }</a:t>
-            </a:r>
-            <a:r>
-              <a:rPr lang="en-US" dirty="0"/>
-              <a:t> </a:t>
-            </a:r>
-          </a:p>
-          <a:p>
-            <a:pPr lvl="0"/>
-            <a:r>
-              <a:rPr lang="en-US" noProof="0" dirty="0"/>
-              <a:t>}</a:t>
-            </a:r>
-          </a:p>
-          <a:p>
-            <a:pPr lvl="0"/>
-            <a:endParaRPr lang="en-US" dirty="0"/>
-          </a:p>
-          <a:p>
-            <a:pPr lvl="0"/>
-            <a:r>
-              <a:rPr lang="en-US" noProof="0" dirty="0"/>
-              <a:t>public class Bicycle {</a:t>
-            </a:r>
-          </a:p>
-          <a:p>
-            <a:pPr lvl="0"/>
-            <a:r>
-              <a:rPr lang="en-US" dirty="0"/>
-              <a:t>    private String model;</a:t>
-            </a:r>
-          </a:p>
-          <a:p>
-            <a:pPr lvl="0"/>
-            <a:r>
-              <a:rPr lang="en-US" noProof="0" dirty="0"/>
-              <a:t>    private int year;</a:t>
-            </a:r>
-            <a:br>
-              <a:rPr lang="en-US" noProof="0" dirty="0"/>
-            </a:br>
-            <a:r>
-              <a:rPr lang="en-US" noProof="0" dirty="0"/>
-              <a:t>    public void start() { …}</a:t>
-            </a:r>
-          </a:p>
-          <a:p>
-            <a:pPr lvl="0"/>
-            <a:r>
-              <a:rPr lang="en-US" noProof="0" dirty="0"/>
-              <a:t>    public void stop() { … }</a:t>
-            </a:r>
-          </a:p>
-          <a:p>
-            <a:pPr lvl="0"/>
-            <a:r>
-              <a:rPr lang="en-US" noProof="0" dirty="0"/>
-              <a:t>    public void accelerate() { … }</a:t>
-            </a:r>
-          </a:p>
-          <a:p>
-            <a:pPr lvl="0"/>
-            <a:r>
-              <a:rPr lang="en-US" noProof="0" dirty="0"/>
-              <a:t>    public void brake() { … }</a:t>
-            </a:r>
-          </a:p>
-          <a:p>
-            <a:pPr lvl="0"/>
-            <a:r>
-              <a:rPr lang="en-US" dirty="0"/>
-              <a:t>    public void </a:t>
-            </a:r>
-            <a:r>
-              <a:rPr lang="en-US" dirty="0" err="1"/>
-              <a:t>ringBell</a:t>
-            </a:r>
-            <a:r>
-              <a:rPr lang="en-US" dirty="0"/>
-              <a:t>() { … }</a:t>
-            </a:r>
-            <a:br>
-              <a:rPr lang="en-US" noProof="0" dirty="0"/>
-            </a:br>
-            <a:r>
-              <a:rPr lang="en-US" noProof="0" dirty="0"/>
-              <a:t>}</a:t>
-            </a:r>
-          </a:p>
-          <a:p>
-            <a:pPr lvl="0"/>
-            <a:r>
-              <a:rPr lang="en-US" noProof="0" dirty="0"/>
-              <a:t>    </a:t>
-            </a:r>
-          </a:p>
-          <a:p>
-            <a:endParaRPr lang="en-US" dirty="0"/>
-          </a:p>
-        </p:txBody>
-      </p:sp>
-      <p:sp>
-        <p:nvSpPr>
-          <p:cNvPr id="3" name="Title 2">
-            <a:extLst>
-              <a:ext uri="{FF2B5EF4-FFF2-40B4-BE49-F238E27FC236}">
-                <a16:creationId xmlns:a16="http://schemas.microsoft.com/office/drawing/2014/main" id="{7B8EF271-C053-1020-1224-2986697AB9FE}"/>
-              </a:ext>
-            </a:extLst>
-          </p:cNvPr>
-          <p:cNvSpPr>
-            <a:spLocks noGrp="1"/>
-          </p:cNvSpPr>
-          <p:nvPr>
-            <p:ph type="title"/>
-          </p:nvPr>
-        </p:nvSpPr>
-        <p:spPr/>
-        <p:txBody>
-          <a:bodyPr/>
-          <a:lstStyle/>
-          <a:p>
-            <a:r>
-              <a:rPr lang="en-US" dirty="0"/>
-              <a:t>Inheritance</a:t>
-            </a:r>
-          </a:p>
-        </p:txBody>
-      </p:sp>
-      <p:sp>
-        <p:nvSpPr>
-          <p:cNvPr id="12" name="Content Placeholder 11">
-            <a:extLst>
-              <a:ext uri="{FF2B5EF4-FFF2-40B4-BE49-F238E27FC236}">
-                <a16:creationId xmlns:a16="http://schemas.microsoft.com/office/drawing/2014/main" id="{867879F0-99C8-237F-F115-36413EFC1AF2}"/>
-              </a:ext>
-            </a:extLst>
-          </p:cNvPr>
-          <p:cNvSpPr>
-            <a:spLocks noGrp="1"/>
-          </p:cNvSpPr>
-          <p:nvPr>
-            <p:ph idx="13"/>
-          </p:nvPr>
-        </p:nvSpPr>
-        <p:spPr/>
-        <p:txBody>
-          <a:bodyPr/>
-          <a:lstStyle/>
-          <a:p>
-            <a:r>
-              <a:rPr lang="en-US" dirty="0"/>
-              <a:t>Inheritance – typical explanation</a:t>
-            </a:r>
-          </a:p>
-        </p:txBody>
-      </p:sp>
-      <p:pic>
-        <p:nvPicPr>
-          <p:cNvPr id="5" name="Picture 2" descr="Best Cars of 2024 and 2025 - Top-Rated New Cars Ranked | KBB.com">
-            <a:extLst>
-              <a:ext uri="{FF2B5EF4-FFF2-40B4-BE49-F238E27FC236}">
-                <a16:creationId xmlns:a16="http://schemas.microsoft.com/office/drawing/2014/main" id="{1EE587AC-F2B5-BD07-E604-11AEF7BD249A}"/>
-              </a:ext>
-            </a:extLst>
-          </p:cNvPr>
-          <p:cNvPicPr>
-            <a:picLocks noChangeAspect="1" noChangeArrowheads="1"/>
-          </p:cNvPicPr>
-          <p:nvPr/>
-        </p:nvPicPr>
-        <p:blipFill>
-          <a:blip r:embed="rId3" cstate="print">
-            <a:extLst>
-              <a:ext uri="{28A0092B-C50C-407E-A947-70E740481C1C}">
-                <a14:useLocalDpi xmlns:a14="http://schemas.microsoft.com/office/drawing/2010/main" val="0"/>
-              </a:ext>
-            </a:extLst>
-          </a:blip>
-          <a:srcRect/>
-          <a:stretch>
-            <a:fillRect/>
-          </a:stretch>
-        </p:blipFill>
-        <p:spPr bwMode="auto">
-          <a:xfrm>
-            <a:off x="872419" y="1900954"/>
-            <a:ext cx="3330859" cy="1347957"/>
-          </a:xfrm>
-          <a:prstGeom prst="rect">
-            <a:avLst/>
-          </a:prstGeom>
-          <a:noFill/>
-          <a:extLst>
-            <a:ext uri="{909E8E84-426E-40DD-AFC4-6F175D3DCCD1}">
-              <a14:hiddenFill xmlns:a14="http://schemas.microsoft.com/office/drawing/2010/main">
-                <a:solidFill>
-                  <a:srgbClr val="FFFFFF"/>
-                </a:solidFill>
-              </a14:hiddenFill>
-            </a:ext>
-          </a:extLst>
-        </p:spPr>
-      </p:pic>
-      <p:pic>
-        <p:nvPicPr>
-          <p:cNvPr id="6" name="Picture 8" descr="Roll: Bicycle Company A:1 Adventure Bike">
-            <a:extLst>
-              <a:ext uri="{FF2B5EF4-FFF2-40B4-BE49-F238E27FC236}">
-                <a16:creationId xmlns:a16="http://schemas.microsoft.com/office/drawing/2014/main" id="{06D4856A-7D4A-354A-263C-FB6B245F16A6}"/>
-              </a:ext>
-            </a:extLst>
-          </p:cNvPr>
-          <p:cNvPicPr>
-            <a:picLocks noChangeAspect="1" noChangeArrowheads="1"/>
-          </p:cNvPicPr>
-          <p:nvPr/>
-        </p:nvPicPr>
-        <p:blipFill>
-          <a:blip r:embed="rId4" cstate="print">
-            <a:extLst>
-              <a:ext uri="{28A0092B-C50C-407E-A947-70E740481C1C}">
-                <a14:useLocalDpi xmlns:a14="http://schemas.microsoft.com/office/drawing/2010/main" val="0"/>
-              </a:ext>
-            </a:extLst>
-          </a:blip>
-          <a:srcRect/>
-          <a:stretch>
-            <a:fillRect/>
-          </a:stretch>
-        </p:blipFill>
-        <p:spPr bwMode="auto">
-          <a:xfrm>
-            <a:off x="727376" y="3609089"/>
-            <a:ext cx="3527778" cy="2116667"/>
-          </a:xfrm>
-          <a:prstGeom prst="rect">
-            <a:avLst/>
-          </a:prstGeom>
-          <a:noFill/>
-          <a:extLst>
-            <a:ext uri="{909E8E84-426E-40DD-AFC4-6F175D3DCCD1}">
-              <a14:hiddenFill xmlns:a14="http://schemas.microsoft.com/office/drawing/2010/main">
-                <a:solidFill>
-                  <a:srgbClr val="FFFFFF"/>
-                </a:solidFill>
-              </a14:hiddenFill>
-            </a:ext>
-          </a:extLst>
-        </p:spPr>
-      </p:pic>
-      <p:sp>
-        <p:nvSpPr>
-          <p:cNvPr id="7" name="TextBox 6">
-            <a:extLst>
-              <a:ext uri="{FF2B5EF4-FFF2-40B4-BE49-F238E27FC236}">
-                <a16:creationId xmlns:a16="http://schemas.microsoft.com/office/drawing/2014/main" id="{0AFB7A62-7546-4251-5907-6F90188952BB}"/>
-              </a:ext>
-            </a:extLst>
-          </p:cNvPr>
-          <p:cNvSpPr txBox="1"/>
-          <p:nvPr/>
-        </p:nvSpPr>
-        <p:spPr>
-          <a:xfrm>
-            <a:off x="9206963" y="1123830"/>
-            <a:ext cx="2485304" cy="914400"/>
-          </a:xfrm>
-          <a:prstGeom prst="rect">
-            <a:avLst/>
-          </a:prstGeom>
-          <a:noFill/>
-        </p:spPr>
-        <p:txBody>
-          <a:bodyPr wrap="none" rtlCol="0">
-            <a:noAutofit/>
-          </a:bodyPr>
-          <a:lstStyle/>
-          <a:p>
-            <a:pPr algn="l"/>
-            <a:r>
-              <a:rPr lang="en-US" sz="2400" b="1" i="1" dirty="0"/>
-              <a:t>Code duplication!</a:t>
-            </a:r>
-          </a:p>
-        </p:txBody>
-      </p:sp>
-      <p:sp>
-        <p:nvSpPr>
-          <p:cNvPr id="13" name="Rectangle 12">
-            <a:extLst>
-              <a:ext uri="{FF2B5EF4-FFF2-40B4-BE49-F238E27FC236}">
-                <a16:creationId xmlns:a16="http://schemas.microsoft.com/office/drawing/2014/main" id="{94B49CC1-72A1-B9AB-1D20-718BD8427A97}"/>
-              </a:ext>
-            </a:extLst>
-          </p:cNvPr>
-          <p:cNvSpPr/>
-          <p:nvPr/>
-        </p:nvSpPr>
-        <p:spPr>
-          <a:xfrm>
-            <a:off x="6505833" y="1045445"/>
-            <a:ext cx="3733190" cy="1979977"/>
-          </a:xfrm>
-          <a:prstGeom prst="rect">
-            <a:avLst/>
-          </a:prstGeom>
-          <a:noFill/>
-          <a:ln w="34925" cap="flat" cmpd="sng" algn="ctr">
-            <a:solidFill>
-              <a:schemeClr val="accent1"/>
-            </a:solidFill>
-            <a:prstDash val="solid"/>
-            <a:round/>
-            <a:headEnd type="none" w="med" len="med"/>
-            <a:tailEnd type="none" w="med" len="med"/>
-          </a:ln>
-        </p:spPr>
-        <p:style>
-          <a:lnRef idx="0">
-            <a:scrgbClr r="0" g="0" b="0"/>
-          </a:lnRef>
-          <a:fillRef idx="0">
-            <a:scrgbClr r="0" g="0" b="0"/>
-          </a:fillRef>
-          <a:effectRef idx="0">
-            <a:scrgbClr r="0" g="0" b="0"/>
-          </a:effectRef>
-          <a:fontRef idx="minor">
-            <a:schemeClr val="accent1"/>
-          </a:fontRef>
-        </p:style>
-        <p:txBody>
-          <a:bodyPr rot="0" spcFirstLastPara="0" vertOverflow="overflow" horzOverflow="overflow" vert="horz" wrap="square" lIns="91440" tIns="45720" rIns="91440" bIns="45720" numCol="1" spcCol="0" rtlCol="0" fromWordArt="0" anchor="ctr" anchorCtr="0" forceAA="0" compatLnSpc="1">
-            <a:prstTxWarp prst="textNoShape">
-              <a:avLst/>
-            </a:prstTxWarp>
-            <a:noAutofit/>
-          </a:bodyPr>
-          <a:lstStyle/>
-          <a:p>
-            <a:pPr algn="ctr"/>
-            <a:endParaRPr lang="en-US" dirty="0">
-              <a:ln w="0"/>
-              <a:solidFill>
-                <a:schemeClr val="tx1"/>
-              </a:solidFill>
-              <a:effectLst>
-                <a:outerShdw blurRad="38100" dist="19050" dir="2700000" algn="tl" rotWithShape="0">
-                  <a:schemeClr val="dk1">
-                    <a:alpha val="40000"/>
-                  </a:schemeClr>
-                </a:outerShdw>
-              </a:effectLst>
-            </a:endParaRPr>
-          </a:p>
-        </p:txBody>
-      </p:sp>
-      <p:sp>
-        <p:nvSpPr>
-          <p:cNvPr id="14" name="Rectangle 13">
-            <a:extLst>
-              <a:ext uri="{FF2B5EF4-FFF2-40B4-BE49-F238E27FC236}">
-                <a16:creationId xmlns:a16="http://schemas.microsoft.com/office/drawing/2014/main" id="{CFD7D678-DD45-40FE-91A0-3950B99922E4}"/>
-              </a:ext>
-            </a:extLst>
-          </p:cNvPr>
-          <p:cNvSpPr/>
-          <p:nvPr/>
-        </p:nvSpPr>
-        <p:spPr>
-          <a:xfrm>
-            <a:off x="6590500" y="3429000"/>
-            <a:ext cx="3733190" cy="1979977"/>
-          </a:xfrm>
-          <a:prstGeom prst="rect">
-            <a:avLst/>
-          </a:prstGeom>
-          <a:noFill/>
-          <a:ln w="34925" cap="flat" cmpd="sng" algn="ctr">
-            <a:solidFill>
-              <a:schemeClr val="accent1"/>
-            </a:solidFill>
-            <a:prstDash val="solid"/>
-            <a:round/>
-            <a:headEnd type="none" w="med" len="med"/>
-            <a:tailEnd type="none" w="med" len="med"/>
-          </a:ln>
-        </p:spPr>
-        <p:style>
-          <a:lnRef idx="0">
-            <a:scrgbClr r="0" g="0" b="0"/>
-          </a:lnRef>
-          <a:fillRef idx="0">
-            <a:scrgbClr r="0" g="0" b="0"/>
-          </a:fillRef>
-          <a:effectRef idx="0">
-            <a:scrgbClr r="0" g="0" b="0"/>
-          </a:effectRef>
-          <a:fontRef idx="minor">
-            <a:schemeClr val="accent1"/>
-          </a:fontRef>
-        </p:style>
-        <p:txBody>
-          <a:bodyPr rot="0" spcFirstLastPara="0" vertOverflow="overflow" horzOverflow="overflow" vert="horz" wrap="square" lIns="91440" tIns="45720" rIns="91440" bIns="45720" numCol="1" spcCol="0" rtlCol="0" fromWordArt="0" anchor="ctr" anchorCtr="0" forceAA="0" compatLnSpc="1">
-            <a:prstTxWarp prst="textNoShape">
-              <a:avLst/>
-            </a:prstTxWarp>
-            <a:noAutofit/>
-          </a:bodyPr>
-          <a:lstStyle/>
-          <a:p>
-            <a:pPr algn="ctr"/>
-            <a:endParaRPr lang="en-US" dirty="0">
-              <a:ln w="0"/>
-              <a:solidFill>
-                <a:schemeClr val="tx1"/>
-              </a:solidFill>
-              <a:effectLst>
-                <a:outerShdw blurRad="38100" dist="19050" dir="2700000" algn="tl" rotWithShape="0">
-                  <a:schemeClr val="dk1">
-                    <a:alpha val="40000"/>
-                  </a:schemeClr>
-                </a:outerShdw>
-              </a:effectLst>
-            </a:endParaRPr>
-          </a:p>
-        </p:txBody>
-      </p:sp>
-    </p:spTree>
-    <p:extLst>
-      <p:ext uri="{BB962C8B-B14F-4D97-AF65-F5344CB8AC3E}">
-        <p14:creationId xmlns:p14="http://schemas.microsoft.com/office/powerpoint/2010/main" val="3336729301"/>
-      </p:ext>
-    </p:extLst>
-  </p:cSld>
-  <p:clrMapOvr>
-    <a:masterClrMapping/>
-  </p:clrMapOvr>
-  <p:timing>
-    <p:tnLst>
-      <p:par>
-        <p:cTn id="1" dur="indefinite" restart="never" nodeType="tmRoot">
-          <p:childTnLst>
-            <p:seq concurrent="1" nextAc="seek">
-              <p:cTn id="2" dur="indefinite" nodeType="mainSeq">
-                <p:childTnLst>
-                  <p:par>
-                    <p:cTn id="3" fill="hold">
-                      <p:stCondLst>
-                        <p:cond delay="indefinite"/>
-                      </p:stCondLst>
-                      <p:childTnLst>
-                        <p:par>
-                          <p:cTn id="4" fill="hold">
-                            <p:stCondLst>
-                              <p:cond delay="0"/>
-                            </p:stCondLst>
-                            <p:childTnLst>
-                              <p:par>
-                                <p:cTn id="5" presetID="1" presetClass="entr" presetSubtype="0" fill="hold" grpId="0" nodeType="clickEffect">
-                                  <p:stCondLst>
-                                    <p:cond delay="0"/>
-                                  </p:stCondLst>
-                                  <p:childTnLst>
-                                    <p:set>
-                                      <p:cBhvr>
-                                        <p:cTn id="6" dur="1" fill="hold">
-                                          <p:stCondLst>
-                                            <p:cond delay="0"/>
-                                          </p:stCondLst>
-                                        </p:cTn>
-                                        <p:tgtEl>
-                                          <p:spTgt spid="7"/>
-                                        </p:tgtEl>
-                                        <p:attrNameLst>
-                                          <p:attrName>style.visibility</p:attrName>
-                                        </p:attrNameLst>
-                                      </p:cBhvr>
-                                      <p:to>
-                                        <p:strVal val="visible"/>
-                                      </p:to>
-                                    </p:set>
-                                  </p:childTnLst>
-                                </p:cTn>
-                              </p:par>
-                            </p:childTnLst>
-                          </p:cTn>
-                        </p:par>
-                      </p:childTnLst>
-                    </p:cTn>
-                  </p:par>
-                  <p:par>
-                    <p:cTn id="7" fill="hold">
-                      <p:stCondLst>
-                        <p:cond delay="indefinite"/>
-                      </p:stCondLst>
-                      <p:childTnLst>
-                        <p:par>
-                          <p:cTn id="8" fill="hold">
-                            <p:stCondLst>
-                              <p:cond delay="0"/>
-                            </p:stCondLst>
-                            <p:childTnLst>
-                              <p:par>
-                                <p:cTn id="9" presetID="1" presetClass="entr" presetSubtype="0" fill="hold" grpId="0" nodeType="clickEffect">
-                                  <p:stCondLst>
-                                    <p:cond delay="0"/>
-                                  </p:stCondLst>
-                                  <p:childTnLst>
-                                    <p:set>
-                                      <p:cBhvr>
-                                        <p:cTn id="10" dur="1" fill="hold">
-                                          <p:stCondLst>
-                                            <p:cond delay="0"/>
-                                          </p:stCondLst>
-                                        </p:cTn>
-                                        <p:tgtEl>
-                                          <p:spTgt spid="13"/>
-                                        </p:tgtEl>
-                                        <p:attrNameLst>
-                                          <p:attrName>style.visibility</p:attrName>
-                                        </p:attrNameLst>
-                                      </p:cBhvr>
-                                      <p:to>
-                                        <p:strVal val="visible"/>
-                                      </p:to>
-                                    </p:set>
-                                  </p:childTnLst>
-                                </p:cTn>
-                              </p:par>
-                              <p:par>
-                                <p:cTn id="11" presetID="1" presetClass="entr" presetSubtype="0" fill="hold" grpId="0" nodeType="withEffect">
-                                  <p:stCondLst>
-                                    <p:cond delay="0"/>
-                                  </p:stCondLst>
-                                  <p:childTnLst>
-                                    <p:set>
-                                      <p:cBhvr>
-                                        <p:cTn id="12" dur="1" fill="hold">
-                                          <p:stCondLst>
-                                            <p:cond delay="0"/>
-                                          </p:stCondLst>
-                                        </p:cTn>
-                                        <p:tgtEl>
-                                          <p:spTgt spid="14"/>
-                                        </p:tgtEl>
-                                        <p:attrNameLst>
-                                          <p:attrName>style.visibility</p:attrName>
-                                        </p:attrNameLst>
-                                      </p:cBhvr>
-                                      <p:to>
-                                        <p:strVal val="visible"/>
-                                      </p:to>
-                                    </p:set>
-                                  </p:childTnLst>
-                                </p:cTn>
-                              </p:par>
-                            </p:childTnLst>
-                          </p:cTn>
-                        </p:par>
-                      </p:childTnLst>
-                    </p:cTn>
-                  </p:par>
-                  <p:par>
-                    <p:cTn id="13" fill="hold">
-                      <p:stCondLst>
-                        <p:cond delay="indefinite"/>
-                      </p:stCondLst>
-                      <p:childTnLst>
-                        <p:par>
-                          <p:cTn id="14" fill="hold">
-                            <p:stCondLst>
-                              <p:cond delay="0"/>
-                            </p:stCondLst>
-                            <p:childTnLst>
-                              <p:par>
-                                <p:cTn id="15" presetID="1" presetClass="exit" presetSubtype="0" fill="hold" grpId="1" nodeType="clickEffect">
-                                  <p:stCondLst>
-                                    <p:cond delay="0"/>
-                                  </p:stCondLst>
-                                  <p:childTnLst>
-                                    <p:set>
-                                      <p:cBhvr>
-                                        <p:cTn id="16" dur="1" fill="hold">
-                                          <p:stCondLst>
-                                            <p:cond delay="0"/>
-                                          </p:stCondLst>
-                                        </p:cTn>
-                                        <p:tgtEl>
-                                          <p:spTgt spid="13"/>
-                                        </p:tgtEl>
-                                        <p:attrNameLst>
-                                          <p:attrName>style.visibility</p:attrName>
-                                        </p:attrNameLst>
-                                      </p:cBhvr>
-                                      <p:to>
-                                        <p:strVal val="hidden"/>
-                                      </p:to>
-                                    </p:set>
-                                  </p:childTnLst>
-                                </p:cTn>
-                              </p:par>
-                              <p:par>
-                                <p:cTn id="17" presetID="1" presetClass="exit" presetSubtype="0" fill="hold" grpId="1" nodeType="withEffect">
-                                  <p:stCondLst>
-                                    <p:cond delay="0"/>
-                                  </p:stCondLst>
-                                  <p:childTnLst>
-                                    <p:set>
-                                      <p:cBhvr>
-                                        <p:cTn id="18" dur="1" fill="hold">
-                                          <p:stCondLst>
-                                            <p:cond delay="0"/>
-                                          </p:stCondLst>
-                                        </p:cTn>
-                                        <p:tgtEl>
-                                          <p:spTgt spid="14"/>
-                                        </p:tgtEl>
-                                        <p:attrNameLst>
-                                          <p:attrName>style.visibility</p:attrName>
-                                        </p:attrNameLst>
-                                      </p:cBhvr>
-                                      <p:to>
-                                        <p:strVal val="hidden"/>
-                                      </p:to>
-                                    </p:set>
-                                  </p:childTnLst>
-                                </p:cTn>
-                              </p:par>
-                            </p:childTnLst>
-                          </p:cTn>
-                        </p:par>
-                      </p:childTnLst>
-                    </p:cTn>
-                  </p:par>
-                </p:childTnLst>
-              </p:cTn>
-              <p:prevCondLst>
-                <p:cond evt="onPrev" delay="0">
-                  <p:tgtEl>
-                    <p:sldTgt/>
-                  </p:tgtEl>
-                </p:cond>
-              </p:prevCondLst>
-              <p:nextCondLst>
-                <p:cond evt="onNext" delay="0">
-                  <p:tgtEl>
-                    <p:sldTgt/>
-                  </p:tgtEl>
-                </p:cond>
-              </p:nextCondLst>
-            </p:seq>
-          </p:childTnLst>
-        </p:cTn>
-      </p:par>
-    </p:tnLst>
-    <p:bldLst>
-      <p:bldP spid="7" grpId="0"/>
-      <p:bldP spid="13" grpId="0" animBg="1"/>
-      <p:bldP spid="13" grpId="1" animBg="1"/>
-      <p:bldP spid="14" grpId="0" animBg="1"/>
-      <p:bldP spid="14" grpId="1" animBg="1"/>
     </p:bldLst>
   </p:timing>
 </p:sld>

--- a/slides/2_oo_background.pptx
+++ b/slides/2_oo_background.pptx
@@ -5,59 +5,69 @@
     <p:sldMasterId id="2147483704" r:id="rId1"/>
   </p:sldMasterIdLst>
   <p:notesMasterIdLst>
-    <p:notesMasterId r:id="rId49"/>
+    <p:notesMasterId r:id="rId59"/>
   </p:notesMasterIdLst>
   <p:handoutMasterIdLst>
-    <p:handoutMasterId r:id="rId50"/>
+    <p:handoutMasterId r:id="rId60"/>
   </p:handoutMasterIdLst>
   <p:sldIdLst>
     <p:sldId id="256" r:id="rId2"/>
     <p:sldId id="324" r:id="rId3"/>
-    <p:sldId id="325" r:id="rId4"/>
-    <p:sldId id="352" r:id="rId5"/>
-    <p:sldId id="275" r:id="rId6"/>
-    <p:sldId id="276" r:id="rId7"/>
-    <p:sldId id="266" r:id="rId8"/>
-    <p:sldId id="278" r:id="rId9"/>
-    <p:sldId id="326" r:id="rId10"/>
-    <p:sldId id="262" r:id="rId11"/>
-    <p:sldId id="263" r:id="rId12"/>
-    <p:sldId id="329" r:id="rId13"/>
-    <p:sldId id="327" r:id="rId14"/>
-    <p:sldId id="280" r:id="rId15"/>
-    <p:sldId id="282" r:id="rId16"/>
-    <p:sldId id="286" r:id="rId17"/>
-    <p:sldId id="283" r:id="rId18"/>
-    <p:sldId id="351" r:id="rId19"/>
-    <p:sldId id="330" r:id="rId20"/>
-    <p:sldId id="331" r:id="rId21"/>
-    <p:sldId id="332" r:id="rId22"/>
-    <p:sldId id="333" r:id="rId23"/>
-    <p:sldId id="335" r:id="rId24"/>
-    <p:sldId id="336" r:id="rId25"/>
-    <p:sldId id="337" r:id="rId26"/>
-    <p:sldId id="338" r:id="rId27"/>
-    <p:sldId id="339" r:id="rId28"/>
-    <p:sldId id="353" r:id="rId29"/>
-    <p:sldId id="340" r:id="rId30"/>
-    <p:sldId id="355" r:id="rId31"/>
-    <p:sldId id="342" r:id="rId32"/>
-    <p:sldId id="328" r:id="rId33"/>
-    <p:sldId id="343" r:id="rId34"/>
-    <p:sldId id="345" r:id="rId35"/>
-    <p:sldId id="346" r:id="rId36"/>
-    <p:sldId id="347" r:id="rId37"/>
-    <p:sldId id="348" r:id="rId38"/>
-    <p:sldId id="349" r:id="rId39"/>
-    <p:sldId id="344" r:id="rId40"/>
-    <p:sldId id="316" r:id="rId41"/>
-    <p:sldId id="317" r:id="rId42"/>
-    <p:sldId id="318" r:id="rId43"/>
-    <p:sldId id="321" r:id="rId44"/>
-    <p:sldId id="320" r:id="rId45"/>
-    <p:sldId id="350" r:id="rId46"/>
-    <p:sldId id="287" r:id="rId47"/>
-    <p:sldId id="260" r:id="rId48"/>
+    <p:sldId id="356" r:id="rId4"/>
+    <p:sldId id="325" r:id="rId5"/>
+    <p:sldId id="352" r:id="rId6"/>
+    <p:sldId id="275" r:id="rId7"/>
+    <p:sldId id="276" r:id="rId8"/>
+    <p:sldId id="266" r:id="rId9"/>
+    <p:sldId id="278" r:id="rId10"/>
+    <p:sldId id="326" r:id="rId11"/>
+    <p:sldId id="262" r:id="rId12"/>
+    <p:sldId id="263" r:id="rId13"/>
+    <p:sldId id="329" r:id="rId14"/>
+    <p:sldId id="327" r:id="rId15"/>
+    <p:sldId id="280" r:id="rId16"/>
+    <p:sldId id="282" r:id="rId17"/>
+    <p:sldId id="286" r:id="rId18"/>
+    <p:sldId id="283" r:id="rId19"/>
+    <p:sldId id="351" r:id="rId20"/>
+    <p:sldId id="330" r:id="rId21"/>
+    <p:sldId id="331" r:id="rId22"/>
+    <p:sldId id="332" r:id="rId23"/>
+    <p:sldId id="333" r:id="rId24"/>
+    <p:sldId id="335" r:id="rId25"/>
+    <p:sldId id="336" r:id="rId26"/>
+    <p:sldId id="337" r:id="rId27"/>
+    <p:sldId id="338" r:id="rId28"/>
+    <p:sldId id="339" r:id="rId29"/>
+    <p:sldId id="353" r:id="rId30"/>
+    <p:sldId id="340" r:id="rId31"/>
+    <p:sldId id="355" r:id="rId32"/>
+    <p:sldId id="342" r:id="rId33"/>
+    <p:sldId id="328" r:id="rId34"/>
+    <p:sldId id="357" r:id="rId35"/>
+    <p:sldId id="358" r:id="rId36"/>
+    <p:sldId id="359" r:id="rId37"/>
+    <p:sldId id="360" r:id="rId38"/>
+    <p:sldId id="361" r:id="rId39"/>
+    <p:sldId id="362" r:id="rId40"/>
+    <p:sldId id="343" r:id="rId41"/>
+    <p:sldId id="345" r:id="rId42"/>
+    <p:sldId id="363" r:id="rId43"/>
+    <p:sldId id="364" r:id="rId44"/>
+    <p:sldId id="346" r:id="rId45"/>
+    <p:sldId id="347" r:id="rId46"/>
+    <p:sldId id="365" r:id="rId47"/>
+    <p:sldId id="348" r:id="rId48"/>
+    <p:sldId id="349" r:id="rId49"/>
+    <p:sldId id="344" r:id="rId50"/>
+    <p:sldId id="316" r:id="rId51"/>
+    <p:sldId id="317" r:id="rId52"/>
+    <p:sldId id="318" r:id="rId53"/>
+    <p:sldId id="321" r:id="rId54"/>
+    <p:sldId id="320" r:id="rId55"/>
+    <p:sldId id="350" r:id="rId56"/>
+    <p:sldId id="287" r:id="rId57"/>
+    <p:sldId id="260" r:id="rId58"/>
   </p:sldIdLst>
   <p:sldSz cx="12192000" cy="6858000"/>
   <p:notesSz cx="6858000" cy="9144000"/>
@@ -307,7 +317,7 @@
           <a:p>
             <a:fld id="{E1249EDF-C441-401E-BE19-3A9BC3A020D4}" type="datetimeFigureOut">
               <a:rPr lang="en-US" smtClean="0"/>
-              <a:t>9/26/2025</a:t>
+              <a:t>9/28/2025</a:t>
             </a:fld>
             <a:endParaRPr lang="en-US"/>
           </a:p>
@@ -485,7 +495,7 @@
           <a:p>
             <a:fld id="{EC53C71B-473E-4814-B444-77926C773EE5}" type="datetimeFigureOut">
               <a:rPr lang="en-US" smtClean="0"/>
-              <a:t>9/26/2025</a:t>
+              <a:t>9/28/2025</a:t>
             </a:fld>
             <a:endParaRPr lang="en-US"/>
           </a:p>
@@ -944,7 +954,13 @@
   <p:cSld>
     <p:spTree>
       <p:nvGrpSpPr>
-        <p:cNvPr id="1" name=""/>
+        <p:cNvPr id="1" name="">
+          <a:extLst>
+            <a:ext uri="{FF2B5EF4-FFF2-40B4-BE49-F238E27FC236}">
+              <a16:creationId xmlns:a16="http://schemas.microsoft.com/office/drawing/2014/main" id="{A21AF9CC-6CEB-81C2-19E3-1D76884934FF}"/>
+            </a:ext>
+          </a:extLst>
+        </p:cNvPr>
         <p:cNvGrpSpPr/>
         <p:nvPr/>
       </p:nvGrpSpPr>
@@ -958,7 +974,13 @@
       </p:grpSpPr>
       <p:sp>
         <p:nvSpPr>
-          <p:cNvPr id="2" name="Slide Image Placeholder 1"/>
+          <p:cNvPr id="2" name="Slide Image Placeholder 1">
+            <a:extLst>
+              <a:ext uri="{FF2B5EF4-FFF2-40B4-BE49-F238E27FC236}">
+                <a16:creationId xmlns:a16="http://schemas.microsoft.com/office/drawing/2014/main" id="{150FB13E-0660-5D43-1F06-908DA93F6787}"/>
+              </a:ext>
+            </a:extLst>
+          </p:cNvPr>
           <p:cNvSpPr>
             <a:spLocks noGrp="1" noRot="1" noChangeAspect="1"/>
           </p:cNvSpPr>
@@ -970,7 +992,13 @@
       </p:sp>
       <p:sp>
         <p:nvSpPr>
-          <p:cNvPr id="3" name="Notes Placeholder 2"/>
+          <p:cNvPr id="3" name="Notes Placeholder 2">
+            <a:extLst>
+              <a:ext uri="{FF2B5EF4-FFF2-40B4-BE49-F238E27FC236}">
+                <a16:creationId xmlns:a16="http://schemas.microsoft.com/office/drawing/2014/main" id="{D93DA7E3-3F9E-6052-843C-D0BD3F25BA44}"/>
+              </a:ext>
+            </a:extLst>
+          </p:cNvPr>
           <p:cNvSpPr>
             <a:spLocks noGrp="1"/>
           </p:cNvSpPr>
@@ -990,7 +1018,7 @@
     </p:spTree>
     <p:extLst>
       <p:ext uri="{BB962C8B-B14F-4D97-AF65-F5344CB8AC3E}">
-        <p14:creationId xmlns:p14="http://schemas.microsoft.com/office/powerpoint/2010/main" val="3198060135"/>
+        <p14:creationId xmlns:p14="http://schemas.microsoft.com/office/powerpoint/2010/main" val="1714383108"/>
       </p:ext>
     </p:extLst>
   </p:cSld>
@@ -1051,6 +1079,67 @@
     </p:spTree>
     <p:extLst>
       <p:ext uri="{BB962C8B-B14F-4D97-AF65-F5344CB8AC3E}">
+        <p14:creationId xmlns:p14="http://schemas.microsoft.com/office/powerpoint/2010/main" val="3198060135"/>
+      </p:ext>
+    </p:extLst>
+  </p:cSld>
+  <p:clrMapOvr>
+    <a:masterClrMapping/>
+  </p:clrMapOvr>
+</p:notes>
+</file>
+
+<file path=ppt/notesSlides/notesSlide14.xml><?xml version="1.0" encoding="utf-8"?>
+<p:notes xmlns:a="http://schemas.openxmlformats.org/drawingml/2006/main" xmlns:r="http://schemas.openxmlformats.org/officeDocument/2006/relationships" xmlns:p="http://schemas.openxmlformats.org/presentationml/2006/main">
+  <p:cSld>
+    <p:spTree>
+      <p:nvGrpSpPr>
+        <p:cNvPr id="1" name=""/>
+        <p:cNvGrpSpPr/>
+        <p:nvPr/>
+      </p:nvGrpSpPr>
+      <p:grpSpPr>
+        <a:xfrm>
+          <a:off x="0" y="0"/>
+          <a:ext cx="0" cy="0"/>
+          <a:chOff x="0" y="0"/>
+          <a:chExt cx="0" cy="0"/>
+        </a:xfrm>
+      </p:grpSpPr>
+      <p:sp>
+        <p:nvSpPr>
+          <p:cNvPr id="2" name="Slide Image Placeholder 1"/>
+          <p:cNvSpPr>
+            <a:spLocks noGrp="1" noRot="1" noChangeAspect="1"/>
+          </p:cNvSpPr>
+          <p:nvPr>
+            <p:ph type="sldImg"/>
+          </p:nvPr>
+        </p:nvSpPr>
+        <p:spPr/>
+      </p:sp>
+      <p:sp>
+        <p:nvSpPr>
+          <p:cNvPr id="3" name="Notes Placeholder 2"/>
+          <p:cNvSpPr>
+            <a:spLocks noGrp="1"/>
+          </p:cNvSpPr>
+          <p:nvPr>
+            <p:ph type="body" idx="1"/>
+          </p:nvPr>
+        </p:nvSpPr>
+        <p:spPr/>
+        <p:txBody>
+          <a:bodyPr/>
+          <a:lstStyle/>
+          <a:p>
+            <a:endParaRPr lang="en-US" dirty="0"/>
+          </a:p>
+        </p:txBody>
+      </p:sp>
+    </p:spTree>
+    <p:extLst>
+      <p:ext uri="{BB962C8B-B14F-4D97-AF65-F5344CB8AC3E}">
         <p14:creationId xmlns:p14="http://schemas.microsoft.com/office/powerpoint/2010/main" val="3178866938"/>
       </p:ext>
     </p:extLst>
@@ -1061,7 +1150,7 @@
 </p:notes>
 </file>
 
-<file path=ppt/notesSlides/notesSlide14.xml><?xml version="1.0" encoding="utf-8"?>
+<file path=ppt/notesSlides/notesSlide15.xml><?xml version="1.0" encoding="utf-8"?>
 <p:notes xmlns:a="http://schemas.openxmlformats.org/drawingml/2006/main" xmlns:r="http://schemas.openxmlformats.org/officeDocument/2006/relationships" xmlns:p="http://schemas.openxmlformats.org/presentationml/2006/main">
   <p:cSld>
     <p:spTree>
@@ -1834,7 +1923,7 @@
               <a:pPr>
                 <a:defRPr/>
               </a:pPr>
-              <a:t>Friday, September 26, 2025</a:t>
+              <a:t>Sunday, September 28, 2025</a:t>
             </a:fld>
             <a:endParaRPr lang="en-US" dirty="0"/>
           </a:p>
@@ -2048,7 +2137,7 @@
               <a:pPr>
                 <a:defRPr/>
               </a:pPr>
-              <a:t>Friday, September 26, 2025</a:t>
+              <a:t>Sunday, September 28, 2025</a:t>
             </a:fld>
             <a:endParaRPr lang="en-US" dirty="0"/>
           </a:p>
@@ -2463,7 +2552,7 @@
               <a:pPr>
                 <a:defRPr/>
               </a:pPr>
-              <a:t>Friday, September 26, 2025</a:t>
+              <a:t>Sunday, September 28, 2025</a:t>
             </a:fld>
             <a:endParaRPr lang="en-US" dirty="0"/>
           </a:p>
@@ -2823,7 +2912,7 @@
               <a:pPr>
                 <a:defRPr/>
               </a:pPr>
-              <a:t>Friday, September 26, 2025</a:t>
+              <a:t>Sunday, September 28, 2025</a:t>
             </a:fld>
             <a:endParaRPr lang="en-US" dirty="0"/>
           </a:p>
@@ -3101,7 +3190,7 @@
               <a:pPr>
                 <a:defRPr/>
               </a:pPr>
-              <a:t>Friday, September 26, 2025</a:t>
+              <a:t>Sunday, September 28, 2025</a:t>
             </a:fld>
             <a:endParaRPr lang="en-US" dirty="0"/>
           </a:p>
@@ -3385,7 +3474,7 @@
               <a:pPr>
                 <a:defRPr/>
               </a:pPr>
-              <a:t>Friday, September 26, 2025</a:t>
+              <a:t>Sunday, September 28, 2025</a:t>
             </a:fld>
             <a:endParaRPr lang="en-US" dirty="0"/>
           </a:p>
@@ -4210,7 +4299,7 @@
               <a:pPr>
                 <a:defRPr/>
               </a:pPr>
-              <a:t>Friday, September 26, 2025</a:t>
+              <a:t>Sunday, September 28, 2025</a:t>
             </a:fld>
             <a:endParaRPr lang="en-US" dirty="0"/>
           </a:p>
@@ -4843,6 +4932,892 @@
       </p:grpSpPr>
       <p:sp>
         <p:nvSpPr>
+          <p:cNvPr id="6" name="Content Placeholder 5">
+            <a:extLst>
+              <a:ext uri="{FF2B5EF4-FFF2-40B4-BE49-F238E27FC236}">
+                <a16:creationId xmlns:a16="http://schemas.microsoft.com/office/drawing/2014/main" id="{226FD241-D478-845A-77DF-B1DB38B6DC4C}"/>
+              </a:ext>
+            </a:extLst>
+          </p:cNvPr>
+          <p:cNvSpPr>
+            <a:spLocks noGrp="1"/>
+          </p:cNvSpPr>
+          <p:nvPr>
+            <p:ph idx="1"/>
+          </p:nvPr>
+        </p:nvSpPr>
+        <p:spPr/>
+        <p:txBody>
+          <a:bodyPr/>
+          <a:lstStyle/>
+          <a:p>
+            <a:r>
+              <a:rPr lang="en-US" dirty="0"/>
+              <a:t>// Breaking abstractions</a:t>
+            </a:r>
+          </a:p>
+          <a:p>
+            <a:r>
+              <a:rPr lang="en-US" dirty="0"/>
+              <a:t>class </a:t>
+            </a:r>
+            <a:r>
+              <a:rPr lang="en-US" dirty="0" err="1"/>
+              <a:t>ClassDetails</a:t>
+            </a:r>
+            <a:r>
+              <a:rPr lang="en-US" dirty="0"/>
+              <a:t> {</a:t>
+            </a:r>
+            <a:br>
+              <a:rPr lang="en-US" dirty="0"/>
+            </a:br>
+            <a:r>
+              <a:rPr lang="en-US" dirty="0"/>
+              <a:t>  public List&lt;Student&gt; students;</a:t>
+            </a:r>
+            <a:br>
+              <a:rPr lang="en-US" dirty="0"/>
+            </a:br>
+            <a:r>
+              <a:rPr lang="en-US" dirty="0"/>
+              <a:t>  public void </a:t>
+            </a:r>
+            <a:r>
+              <a:rPr lang="en-US" dirty="0" err="1"/>
+              <a:t>dropStudent</a:t>
+            </a:r>
+            <a:r>
+              <a:rPr lang="en-US" dirty="0"/>
+              <a:t>(Student s) {</a:t>
+            </a:r>
+          </a:p>
+          <a:p>
+            <a:r>
+              <a:rPr lang="en-US" dirty="0"/>
+              <a:t>	</a:t>
+            </a:r>
+            <a:r>
+              <a:rPr lang="en-US" dirty="0" err="1"/>
+              <a:t>students.remove</a:t>
+            </a:r>
+            <a:r>
+              <a:rPr lang="en-US" dirty="0"/>
+              <a:t>(s);</a:t>
+            </a:r>
+            <a:br>
+              <a:rPr lang="en-US" dirty="0"/>
+            </a:br>
+            <a:r>
+              <a:rPr lang="en-US" dirty="0"/>
+              <a:t>	if (</a:t>
+            </a:r>
+            <a:r>
+              <a:rPr lang="en-US" dirty="0" err="1"/>
+              <a:t>s.isInternational</a:t>
+            </a:r>
+            <a:r>
+              <a:rPr lang="en-US" dirty="0"/>
+              <a:t>() </a:t>
+            </a:r>
+          </a:p>
+          <a:p>
+            <a:r>
+              <a:rPr lang="en-US" dirty="0"/>
+              <a:t>		&amp;&amp; !</a:t>
+            </a:r>
+            <a:r>
+              <a:rPr lang="en-US" dirty="0" err="1"/>
+              <a:t>s.hasMinCredits</a:t>
+            </a:r>
+            <a:r>
+              <a:rPr lang="en-US" dirty="0"/>
+              <a:t>()) {</a:t>
+            </a:r>
+          </a:p>
+          <a:p>
+            <a:r>
+              <a:rPr lang="en-US" dirty="0"/>
+              <a:t>		</a:t>
+            </a:r>
+            <a:r>
+              <a:rPr lang="en-US" dirty="0" err="1"/>
+              <a:t>s.notifyEmail</a:t>
+            </a:r>
+            <a:r>
+              <a:rPr lang="en-US" dirty="0"/>
+              <a:t>();</a:t>
+            </a:r>
+          </a:p>
+          <a:p>
+            <a:r>
+              <a:rPr lang="en-US" dirty="0"/>
+              <a:t>	}</a:t>
+            </a:r>
+            <a:br>
+              <a:rPr lang="en-US" dirty="0"/>
+            </a:br>
+            <a:r>
+              <a:rPr lang="en-US" dirty="0"/>
+              <a:t>  }</a:t>
+            </a:r>
+            <a:br>
+              <a:rPr lang="en-US" dirty="0"/>
+            </a:br>
+            <a:r>
+              <a:rPr lang="en-US" dirty="0"/>
+              <a:t>}</a:t>
+            </a:r>
+          </a:p>
+          <a:p>
+            <a:br>
+              <a:rPr lang="en-US" dirty="0"/>
+            </a:br>
+            <a:r>
+              <a:rPr lang="en-US" dirty="0"/>
+              <a:t>Student s = …;</a:t>
+            </a:r>
+            <a:br>
+              <a:rPr lang="en-US" dirty="0"/>
+            </a:br>
+            <a:r>
+              <a:rPr lang="en-US" dirty="0" err="1"/>
+              <a:t>ClassDetails</a:t>
+            </a:r>
+            <a:r>
+              <a:rPr lang="en-US" dirty="0"/>
+              <a:t> details = …;</a:t>
+            </a:r>
+          </a:p>
+          <a:p>
+            <a:r>
+              <a:rPr lang="en-US" dirty="0" err="1"/>
+              <a:t>details.students.remove</a:t>
+            </a:r>
+            <a:r>
+              <a:rPr lang="en-US" dirty="0"/>
+              <a:t>(s); </a:t>
+            </a:r>
+            <a:r>
+              <a:rPr lang="en-US" b="1" dirty="0"/>
+              <a:t>// no check!</a:t>
+            </a:r>
+          </a:p>
+        </p:txBody>
+      </p:sp>
+      <p:sp>
+        <p:nvSpPr>
+          <p:cNvPr id="5" name="Title 4">
+            <a:extLst>
+              <a:ext uri="{FF2B5EF4-FFF2-40B4-BE49-F238E27FC236}">
+                <a16:creationId xmlns:a16="http://schemas.microsoft.com/office/drawing/2014/main" id="{93F2E5C6-8F56-6F5C-05EA-6F7E90A72D62}"/>
+              </a:ext>
+            </a:extLst>
+          </p:cNvPr>
+          <p:cNvSpPr>
+            <a:spLocks noGrp="1"/>
+          </p:cNvSpPr>
+          <p:nvPr>
+            <p:ph type="title"/>
+          </p:nvPr>
+        </p:nvSpPr>
+        <p:spPr/>
+        <p:txBody>
+          <a:bodyPr/>
+          <a:lstStyle/>
+          <a:p>
+            <a:r>
+              <a:rPr lang="en-US" dirty="0"/>
+              <a:t>What does encapsulation enable?</a:t>
+            </a:r>
+          </a:p>
+        </p:txBody>
+      </p:sp>
+      <p:sp>
+        <p:nvSpPr>
+          <p:cNvPr id="7" name="Content Placeholder 6">
+            <a:extLst>
+              <a:ext uri="{FF2B5EF4-FFF2-40B4-BE49-F238E27FC236}">
+                <a16:creationId xmlns:a16="http://schemas.microsoft.com/office/drawing/2014/main" id="{85AC793D-21F7-CFF1-8A08-374E129BC63C}"/>
+              </a:ext>
+            </a:extLst>
+          </p:cNvPr>
+          <p:cNvSpPr>
+            <a:spLocks noGrp="1"/>
+          </p:cNvSpPr>
+          <p:nvPr>
+            <p:ph idx="13"/>
+          </p:nvPr>
+        </p:nvSpPr>
+        <p:spPr/>
+        <p:txBody>
+          <a:bodyPr>
+            <a:normAutofit lnSpcReduction="10000"/>
+          </a:bodyPr>
+          <a:lstStyle/>
+          <a:p>
+            <a:r>
+              <a:rPr lang="en-US" dirty="0"/>
+              <a:t>Last lecture – abstraction means hiding details</a:t>
+            </a:r>
+          </a:p>
+          <a:p>
+            <a:pPr lvl="1"/>
+            <a:r>
+              <a:rPr lang="en-US" dirty="0"/>
+              <a:t>Enables user to use component without knowing details</a:t>
+            </a:r>
+          </a:p>
+          <a:p>
+            <a:r>
+              <a:rPr lang="en-US" dirty="0"/>
+              <a:t>Encapsulation </a:t>
+            </a:r>
+            <a:r>
+              <a:rPr lang="en-US" b="1" i="1" dirty="0"/>
+              <a:t>enforces</a:t>
+            </a:r>
+            <a:r>
+              <a:rPr lang="en-US" dirty="0"/>
+              <a:t> abstraction</a:t>
+            </a:r>
+          </a:p>
+          <a:p>
+            <a:r>
+              <a:rPr lang="en-US" b="1" dirty="0"/>
+              <a:t>Critical </a:t>
+            </a:r>
+            <a:r>
+              <a:rPr lang="en-US" dirty="0"/>
+              <a:t>to ensuring users of your code use it in the way you intend!</a:t>
+            </a:r>
+          </a:p>
+          <a:p>
+            <a:pPr lvl="1"/>
+            <a:r>
+              <a:rPr lang="en-US" b="1" dirty="0"/>
+              <a:t>-&gt; Collaboration! </a:t>
+            </a:r>
+          </a:p>
+        </p:txBody>
+      </p:sp>
+      <p:sp>
+        <p:nvSpPr>
+          <p:cNvPr id="8" name="Rectangle 7">
+            <a:extLst>
+              <a:ext uri="{FF2B5EF4-FFF2-40B4-BE49-F238E27FC236}">
+                <a16:creationId xmlns:a16="http://schemas.microsoft.com/office/drawing/2014/main" id="{F52D2CAD-E48D-8758-5C00-A55967422E6E}"/>
+              </a:ext>
+            </a:extLst>
+          </p:cNvPr>
+          <p:cNvSpPr/>
+          <p:nvPr/>
+        </p:nvSpPr>
+        <p:spPr>
+          <a:xfrm>
+            <a:off x="6317304" y="1303120"/>
+            <a:ext cx="885007" cy="311191"/>
+          </a:xfrm>
+          <a:prstGeom prst="rect">
+            <a:avLst/>
+          </a:prstGeom>
+          <a:noFill/>
+          <a:ln w="34925" cap="flat" cmpd="sng" algn="ctr">
+            <a:solidFill>
+              <a:schemeClr val="accent1"/>
+            </a:solidFill>
+            <a:prstDash val="solid"/>
+            <a:round/>
+            <a:headEnd type="none" w="med" len="med"/>
+            <a:tailEnd type="none" w="med" len="med"/>
+          </a:ln>
+        </p:spPr>
+        <p:style>
+          <a:lnRef idx="0">
+            <a:scrgbClr r="0" g="0" b="0"/>
+          </a:lnRef>
+          <a:fillRef idx="0">
+            <a:scrgbClr r="0" g="0" b="0"/>
+          </a:fillRef>
+          <a:effectRef idx="0">
+            <a:scrgbClr r="0" g="0" b="0"/>
+          </a:effectRef>
+          <a:fontRef idx="minor">
+            <a:schemeClr val="accent1"/>
+          </a:fontRef>
+        </p:style>
+        <p:txBody>
+          <a:bodyPr rot="0" spcFirstLastPara="0" vertOverflow="overflow" horzOverflow="overflow" vert="horz" wrap="square" lIns="91440" tIns="45720" rIns="91440" bIns="45720" numCol="1" spcCol="0" rtlCol="0" fromWordArt="0" anchor="ctr" anchorCtr="0" forceAA="0" compatLnSpc="1">
+            <a:prstTxWarp prst="textNoShape">
+              <a:avLst/>
+            </a:prstTxWarp>
+            <a:noAutofit/>
+          </a:bodyPr>
+          <a:lstStyle/>
+          <a:p>
+            <a:pPr algn="ctr"/>
+            <a:endParaRPr lang="en-US" dirty="0">
+              <a:ln w="0"/>
+              <a:solidFill>
+                <a:schemeClr val="tx1"/>
+              </a:solidFill>
+              <a:effectLst>
+                <a:outerShdw blurRad="38100" dist="19050" dir="2700000" algn="tl" rotWithShape="0">
+                  <a:schemeClr val="dk1">
+                    <a:alpha val="40000"/>
+                  </a:schemeClr>
+                </a:outerShdw>
+              </a:effectLst>
+            </a:endParaRPr>
+          </a:p>
+        </p:txBody>
+      </p:sp>
+      <p:sp>
+        <p:nvSpPr>
+          <p:cNvPr id="9" name="Rectangle 8">
+            <a:extLst>
+              <a:ext uri="{FF2B5EF4-FFF2-40B4-BE49-F238E27FC236}">
+                <a16:creationId xmlns:a16="http://schemas.microsoft.com/office/drawing/2014/main" id="{CAE3DD90-D9EF-095D-051A-FC6542CCFE6A}"/>
+              </a:ext>
+            </a:extLst>
+          </p:cNvPr>
+          <p:cNvSpPr/>
+          <p:nvPr/>
+        </p:nvSpPr>
+        <p:spPr>
+          <a:xfrm>
+            <a:off x="6176512" y="1976831"/>
+            <a:ext cx="4403256" cy="1071169"/>
+          </a:xfrm>
+          <a:prstGeom prst="rect">
+            <a:avLst/>
+          </a:prstGeom>
+          <a:noFill/>
+          <a:ln w="34925" cap="flat" cmpd="sng" algn="ctr">
+            <a:solidFill>
+              <a:schemeClr val="accent1"/>
+            </a:solidFill>
+            <a:prstDash val="solid"/>
+            <a:round/>
+            <a:headEnd type="none" w="med" len="med"/>
+            <a:tailEnd type="none" w="med" len="med"/>
+          </a:ln>
+        </p:spPr>
+        <p:style>
+          <a:lnRef idx="0">
+            <a:scrgbClr r="0" g="0" b="0"/>
+          </a:lnRef>
+          <a:fillRef idx="0">
+            <a:scrgbClr r="0" g="0" b="0"/>
+          </a:fillRef>
+          <a:effectRef idx="0">
+            <a:scrgbClr r="0" g="0" b="0"/>
+          </a:effectRef>
+          <a:fontRef idx="minor">
+            <a:schemeClr val="accent1"/>
+          </a:fontRef>
+        </p:style>
+        <p:txBody>
+          <a:bodyPr rot="0" spcFirstLastPara="0" vertOverflow="overflow" horzOverflow="overflow" vert="horz" wrap="square" lIns="91440" tIns="45720" rIns="91440" bIns="45720" numCol="1" spcCol="0" rtlCol="0" fromWordArt="0" anchor="ctr" anchorCtr="0" forceAA="0" compatLnSpc="1">
+            <a:prstTxWarp prst="textNoShape">
+              <a:avLst/>
+            </a:prstTxWarp>
+            <a:noAutofit/>
+          </a:bodyPr>
+          <a:lstStyle/>
+          <a:p>
+            <a:pPr algn="ctr"/>
+            <a:endParaRPr lang="en-US" dirty="0">
+              <a:ln w="0"/>
+              <a:solidFill>
+                <a:schemeClr val="tx1"/>
+              </a:solidFill>
+              <a:effectLst>
+                <a:outerShdw blurRad="38100" dist="19050" dir="2700000" algn="tl" rotWithShape="0">
+                  <a:schemeClr val="dk1">
+                    <a:alpha val="40000"/>
+                  </a:schemeClr>
+                </a:outerShdw>
+              </a:effectLst>
+            </a:endParaRPr>
+          </a:p>
+        </p:txBody>
+      </p:sp>
+    </p:spTree>
+    <p:extLst>
+      <p:ext uri="{BB962C8B-B14F-4D97-AF65-F5344CB8AC3E}">
+        <p14:creationId xmlns:p14="http://schemas.microsoft.com/office/powerpoint/2010/main" val="3207809613"/>
+      </p:ext>
+    </p:extLst>
+  </p:cSld>
+  <p:clrMapOvr>
+    <a:masterClrMapping/>
+  </p:clrMapOvr>
+  <p:timing>
+    <p:tnLst>
+      <p:par>
+        <p:cTn id="1" dur="indefinite" restart="never" nodeType="tmRoot">
+          <p:childTnLst>
+            <p:seq concurrent="1" nextAc="seek">
+              <p:cTn id="2" dur="indefinite" nodeType="mainSeq">
+                <p:childTnLst>
+                  <p:par>
+                    <p:cTn id="3" fill="hold">
+                      <p:stCondLst>
+                        <p:cond delay="indefinite"/>
+                      </p:stCondLst>
+                      <p:childTnLst>
+                        <p:par>
+                          <p:cTn id="4" fill="hold">
+                            <p:stCondLst>
+                              <p:cond delay="0"/>
+                            </p:stCondLst>
+                            <p:childTnLst>
+                              <p:par>
+                                <p:cTn id="5" presetID="1" presetClass="entr" presetSubtype="0" fill="hold" nodeType="clickEffect">
+                                  <p:stCondLst>
+                                    <p:cond delay="0"/>
+                                  </p:stCondLst>
+                                  <p:childTnLst>
+                                    <p:set>
+                                      <p:cBhvr>
+                                        <p:cTn id="6" dur="1" fill="hold">
+                                          <p:stCondLst>
+                                            <p:cond delay="0"/>
+                                          </p:stCondLst>
+                                        </p:cTn>
+                                        <p:tgtEl>
+                                          <p:spTgt spid="7">
+                                            <p:txEl>
+                                              <p:pRg st="2" end="2"/>
+                                            </p:txEl>
+                                          </p:spTgt>
+                                        </p:tgtEl>
+                                        <p:attrNameLst>
+                                          <p:attrName>style.visibility</p:attrName>
+                                        </p:attrNameLst>
+                                      </p:cBhvr>
+                                      <p:to>
+                                        <p:strVal val="visible"/>
+                                      </p:to>
+                                    </p:set>
+                                  </p:childTnLst>
+                                </p:cTn>
+                              </p:par>
+                            </p:childTnLst>
+                          </p:cTn>
+                        </p:par>
+                      </p:childTnLst>
+                    </p:cTn>
+                  </p:par>
+                  <p:par>
+                    <p:cTn id="7" fill="hold">
+                      <p:stCondLst>
+                        <p:cond delay="indefinite"/>
+                      </p:stCondLst>
+                      <p:childTnLst>
+                        <p:par>
+                          <p:cTn id="8" fill="hold">
+                            <p:stCondLst>
+                              <p:cond delay="0"/>
+                            </p:stCondLst>
+                            <p:childTnLst>
+                              <p:par>
+                                <p:cTn id="9" presetID="1" presetClass="entr" presetSubtype="0" fill="hold" grpId="0" nodeType="clickEffect">
+                                  <p:stCondLst>
+                                    <p:cond delay="0"/>
+                                  </p:stCondLst>
+                                  <p:childTnLst>
+                                    <p:set>
+                                      <p:cBhvr>
+                                        <p:cTn id="10" dur="1" fill="hold">
+                                          <p:stCondLst>
+                                            <p:cond delay="0"/>
+                                          </p:stCondLst>
+                                        </p:cTn>
+                                        <p:tgtEl>
+                                          <p:spTgt spid="9"/>
+                                        </p:tgtEl>
+                                        <p:attrNameLst>
+                                          <p:attrName>style.visibility</p:attrName>
+                                        </p:attrNameLst>
+                                      </p:cBhvr>
+                                      <p:to>
+                                        <p:strVal val="visible"/>
+                                      </p:to>
+                                    </p:set>
+                                  </p:childTnLst>
+                                </p:cTn>
+                              </p:par>
+                            </p:childTnLst>
+                          </p:cTn>
+                        </p:par>
+                      </p:childTnLst>
+                    </p:cTn>
+                  </p:par>
+                  <p:par>
+                    <p:cTn id="11" fill="hold">
+                      <p:stCondLst>
+                        <p:cond delay="indefinite"/>
+                      </p:stCondLst>
+                      <p:childTnLst>
+                        <p:par>
+                          <p:cTn id="12" fill="hold">
+                            <p:stCondLst>
+                              <p:cond delay="0"/>
+                            </p:stCondLst>
+                            <p:childTnLst>
+                              <p:par>
+                                <p:cTn id="13" presetID="1" presetClass="exit" presetSubtype="0" fill="hold" grpId="1" nodeType="clickEffect">
+                                  <p:stCondLst>
+                                    <p:cond delay="0"/>
+                                  </p:stCondLst>
+                                  <p:childTnLst>
+                                    <p:set>
+                                      <p:cBhvr>
+                                        <p:cTn id="14" dur="1" fill="hold">
+                                          <p:stCondLst>
+                                            <p:cond delay="0"/>
+                                          </p:stCondLst>
+                                        </p:cTn>
+                                        <p:tgtEl>
+                                          <p:spTgt spid="9"/>
+                                        </p:tgtEl>
+                                        <p:attrNameLst>
+                                          <p:attrName>style.visibility</p:attrName>
+                                        </p:attrNameLst>
+                                      </p:cBhvr>
+                                      <p:to>
+                                        <p:strVal val="hidden"/>
+                                      </p:to>
+                                    </p:set>
+                                  </p:childTnLst>
+                                </p:cTn>
+                              </p:par>
+                            </p:childTnLst>
+                          </p:cTn>
+                        </p:par>
+                      </p:childTnLst>
+                    </p:cTn>
+                  </p:par>
+                  <p:par>
+                    <p:cTn id="15" fill="hold">
+                      <p:stCondLst>
+                        <p:cond delay="indefinite"/>
+                      </p:stCondLst>
+                      <p:childTnLst>
+                        <p:par>
+                          <p:cTn id="16" fill="hold">
+                            <p:stCondLst>
+                              <p:cond delay="0"/>
+                            </p:stCondLst>
+                            <p:childTnLst>
+                              <p:par>
+                                <p:cTn id="17" presetID="1" presetClass="entr" presetSubtype="0" fill="hold" grpId="0" nodeType="clickEffect">
+                                  <p:stCondLst>
+                                    <p:cond delay="0"/>
+                                  </p:stCondLst>
+                                  <p:childTnLst>
+                                    <p:set>
+                                      <p:cBhvr>
+                                        <p:cTn id="18" dur="1" fill="hold">
+                                          <p:stCondLst>
+                                            <p:cond delay="0"/>
+                                          </p:stCondLst>
+                                        </p:cTn>
+                                        <p:tgtEl>
+                                          <p:spTgt spid="8"/>
+                                        </p:tgtEl>
+                                        <p:attrNameLst>
+                                          <p:attrName>style.visibility</p:attrName>
+                                        </p:attrNameLst>
+                                      </p:cBhvr>
+                                      <p:to>
+                                        <p:strVal val="visible"/>
+                                      </p:to>
+                                    </p:set>
+                                  </p:childTnLst>
+                                </p:cTn>
+                              </p:par>
+                            </p:childTnLst>
+                          </p:cTn>
+                        </p:par>
+                      </p:childTnLst>
+                    </p:cTn>
+                  </p:par>
+                  <p:par>
+                    <p:cTn id="19" fill="hold">
+                      <p:stCondLst>
+                        <p:cond delay="indefinite"/>
+                      </p:stCondLst>
+                      <p:childTnLst>
+                        <p:par>
+                          <p:cTn id="20" fill="hold">
+                            <p:stCondLst>
+                              <p:cond delay="0"/>
+                            </p:stCondLst>
+                            <p:childTnLst>
+                              <p:par>
+                                <p:cTn id="21" presetID="1" presetClass="exit" presetSubtype="0" fill="hold" grpId="1" nodeType="clickEffect">
+                                  <p:stCondLst>
+                                    <p:cond delay="0"/>
+                                  </p:stCondLst>
+                                  <p:childTnLst>
+                                    <p:set>
+                                      <p:cBhvr>
+                                        <p:cTn id="22" dur="1" fill="hold">
+                                          <p:stCondLst>
+                                            <p:cond delay="0"/>
+                                          </p:stCondLst>
+                                        </p:cTn>
+                                        <p:tgtEl>
+                                          <p:spTgt spid="8"/>
+                                        </p:tgtEl>
+                                        <p:attrNameLst>
+                                          <p:attrName>style.visibility</p:attrName>
+                                        </p:attrNameLst>
+                                      </p:cBhvr>
+                                      <p:to>
+                                        <p:strVal val="hidden"/>
+                                      </p:to>
+                                    </p:set>
+                                  </p:childTnLst>
+                                </p:cTn>
+                              </p:par>
+                            </p:childTnLst>
+                          </p:cTn>
+                        </p:par>
+                      </p:childTnLst>
+                    </p:cTn>
+                  </p:par>
+                  <p:par>
+                    <p:cTn id="23" fill="hold">
+                      <p:stCondLst>
+                        <p:cond delay="indefinite"/>
+                      </p:stCondLst>
+                      <p:childTnLst>
+                        <p:par>
+                          <p:cTn id="24" fill="hold">
+                            <p:stCondLst>
+                              <p:cond delay="0"/>
+                            </p:stCondLst>
+                            <p:childTnLst>
+                              <p:par>
+                                <p:cTn id="25" presetID="1" presetClass="entr" presetSubtype="0" fill="hold" nodeType="clickEffect">
+                                  <p:stCondLst>
+                                    <p:cond delay="0"/>
+                                  </p:stCondLst>
+                                  <p:childTnLst>
+                                    <p:set>
+                                      <p:cBhvr>
+                                        <p:cTn id="26" dur="1" fill="hold">
+                                          <p:stCondLst>
+                                            <p:cond delay="0"/>
+                                          </p:stCondLst>
+                                        </p:cTn>
+                                        <p:tgtEl>
+                                          <p:spTgt spid="6">
+                                            <p:txEl>
+                                              <p:pRg st="6" end="6"/>
+                                            </p:txEl>
+                                          </p:spTgt>
+                                        </p:tgtEl>
+                                        <p:attrNameLst>
+                                          <p:attrName>style.visibility</p:attrName>
+                                        </p:attrNameLst>
+                                      </p:cBhvr>
+                                      <p:to>
+                                        <p:strVal val="visible"/>
+                                      </p:to>
+                                    </p:set>
+                                  </p:childTnLst>
+                                </p:cTn>
+                              </p:par>
+                              <p:par>
+                                <p:cTn id="27" presetID="1" presetClass="entr" presetSubtype="0" fill="hold" nodeType="withEffect">
+                                  <p:stCondLst>
+                                    <p:cond delay="0"/>
+                                  </p:stCondLst>
+                                  <p:childTnLst>
+                                    <p:set>
+                                      <p:cBhvr>
+                                        <p:cTn id="28" dur="1" fill="hold">
+                                          <p:stCondLst>
+                                            <p:cond delay="0"/>
+                                          </p:stCondLst>
+                                        </p:cTn>
+                                        <p:tgtEl>
+                                          <p:spTgt spid="6">
+                                            <p:txEl>
+                                              <p:pRg st="7" end="7"/>
+                                            </p:txEl>
+                                          </p:spTgt>
+                                        </p:tgtEl>
+                                        <p:attrNameLst>
+                                          <p:attrName>style.visibility</p:attrName>
+                                        </p:attrNameLst>
+                                      </p:cBhvr>
+                                      <p:to>
+                                        <p:strVal val="visible"/>
+                                      </p:to>
+                                    </p:set>
+                                  </p:childTnLst>
+                                </p:cTn>
+                              </p:par>
+                            </p:childTnLst>
+                          </p:cTn>
+                        </p:par>
+                      </p:childTnLst>
+                    </p:cTn>
+                  </p:par>
+                  <p:par>
+                    <p:cTn id="29" fill="hold">
+                      <p:stCondLst>
+                        <p:cond delay="indefinite"/>
+                      </p:stCondLst>
+                      <p:childTnLst>
+                        <p:par>
+                          <p:cTn id="30" fill="hold">
+                            <p:stCondLst>
+                              <p:cond delay="0"/>
+                            </p:stCondLst>
+                            <p:childTnLst>
+                              <p:par>
+                                <p:cTn id="31" presetID="1" presetClass="entr" presetSubtype="0" fill="hold" nodeType="clickEffect">
+                                  <p:stCondLst>
+                                    <p:cond delay="0"/>
+                                  </p:stCondLst>
+                                  <p:childTnLst>
+                                    <p:set>
+                                      <p:cBhvr>
+                                        <p:cTn id="32" dur="1" fill="hold">
+                                          <p:stCondLst>
+                                            <p:cond delay="0"/>
+                                          </p:stCondLst>
+                                        </p:cTn>
+                                        <p:tgtEl>
+                                          <p:spTgt spid="7">
+                                            <p:txEl>
+                                              <p:pRg st="3" end="3"/>
+                                            </p:txEl>
+                                          </p:spTgt>
+                                        </p:tgtEl>
+                                        <p:attrNameLst>
+                                          <p:attrName>style.visibility</p:attrName>
+                                        </p:attrNameLst>
+                                      </p:cBhvr>
+                                      <p:to>
+                                        <p:strVal val="visible"/>
+                                      </p:to>
+                                    </p:set>
+                                  </p:childTnLst>
+                                </p:cTn>
+                              </p:par>
+                            </p:childTnLst>
+                          </p:cTn>
+                        </p:par>
+                      </p:childTnLst>
+                    </p:cTn>
+                  </p:par>
+                  <p:par>
+                    <p:cTn id="33" fill="hold">
+                      <p:stCondLst>
+                        <p:cond delay="indefinite"/>
+                      </p:stCondLst>
+                      <p:childTnLst>
+                        <p:par>
+                          <p:cTn id="34" fill="hold">
+                            <p:stCondLst>
+                              <p:cond delay="0"/>
+                            </p:stCondLst>
+                            <p:childTnLst>
+                              <p:par>
+                                <p:cTn id="35" presetID="1" presetClass="entr" presetSubtype="0" fill="hold" nodeType="clickEffect">
+                                  <p:stCondLst>
+                                    <p:cond delay="0"/>
+                                  </p:stCondLst>
+                                  <p:childTnLst>
+                                    <p:set>
+                                      <p:cBhvr>
+                                        <p:cTn id="36" dur="1" fill="hold">
+                                          <p:stCondLst>
+                                            <p:cond delay="0"/>
+                                          </p:stCondLst>
+                                        </p:cTn>
+                                        <p:tgtEl>
+                                          <p:spTgt spid="7">
+                                            <p:txEl>
+                                              <p:pRg st="4" end="4"/>
+                                            </p:txEl>
+                                          </p:spTgt>
+                                        </p:tgtEl>
+                                        <p:attrNameLst>
+                                          <p:attrName>style.visibility</p:attrName>
+                                        </p:attrNameLst>
+                                      </p:cBhvr>
+                                      <p:to>
+                                        <p:strVal val="visible"/>
+                                      </p:to>
+                                    </p:set>
+                                  </p:childTnLst>
+                                </p:cTn>
+                              </p:par>
+                            </p:childTnLst>
+                          </p:cTn>
+                        </p:par>
+                      </p:childTnLst>
+                    </p:cTn>
+                  </p:par>
+                </p:childTnLst>
+              </p:cTn>
+              <p:prevCondLst>
+                <p:cond evt="onPrev" delay="0">
+                  <p:tgtEl>
+                    <p:sldTgt/>
+                  </p:tgtEl>
+                </p:cond>
+              </p:prevCondLst>
+              <p:nextCondLst>
+                <p:cond evt="onNext" delay="0">
+                  <p:tgtEl>
+                    <p:sldTgt/>
+                  </p:tgtEl>
+                </p:cond>
+              </p:nextCondLst>
+            </p:seq>
+          </p:childTnLst>
+        </p:cTn>
+      </p:par>
+    </p:tnLst>
+    <p:bldLst>
+      <p:bldP spid="8" grpId="0" animBg="1"/>
+      <p:bldP spid="8" grpId="1" animBg="1"/>
+      <p:bldP spid="9" grpId="0" animBg="1"/>
+      <p:bldP spid="9" grpId="1" animBg="1"/>
+    </p:bldLst>
+  </p:timing>
+</p:sld>
+</file>
+
+<file path=ppt/slides/slide11.xml><?xml version="1.0" encoding="utf-8"?>
+<p:sld xmlns:a="http://schemas.openxmlformats.org/drawingml/2006/main" xmlns:r="http://schemas.openxmlformats.org/officeDocument/2006/relationships" xmlns:p="http://schemas.openxmlformats.org/presentationml/2006/main">
+  <p:cSld>
+    <p:spTree>
+      <p:nvGrpSpPr>
+        <p:cNvPr id="1" name=""/>
+        <p:cNvGrpSpPr/>
+        <p:nvPr/>
+      </p:nvGrpSpPr>
+      <p:grpSpPr>
+        <a:xfrm>
+          <a:off x="0" y="0"/>
+          <a:ext cx="0" cy="0"/>
+          <a:chOff x="0" y="0"/>
+          <a:chExt cx="0" cy="0"/>
+        </a:xfrm>
+      </p:grpSpPr>
+      <p:sp>
+        <p:nvSpPr>
           <p:cNvPr id="2" name="Content Placeholder 1">
             <a:extLst>
               <a:ext uri="{FF2B5EF4-FFF2-40B4-BE49-F238E27FC236}">
@@ -5588,7 +6563,7 @@
 </p:sld>
 </file>
 
-<file path=ppt/slides/slide11.xml><?xml version="1.0" encoding="utf-8"?>
+<file path=ppt/slides/slide12.xml><?xml version="1.0" encoding="utf-8"?>
 <p:sld xmlns:a="http://schemas.openxmlformats.org/drawingml/2006/main" xmlns:r="http://schemas.openxmlformats.org/officeDocument/2006/relationships" xmlns:p="http://schemas.openxmlformats.org/presentationml/2006/main">
   <p:cSld>
     <p:spTree>
@@ -6826,7 +7801,7 @@
 </p:sld>
 </file>
 
-<file path=ppt/slides/slide12.xml><?xml version="1.0" encoding="utf-8"?>
+<file path=ppt/slides/slide13.xml><?xml version="1.0" encoding="utf-8"?>
 <p:sld xmlns:a="http://schemas.openxmlformats.org/drawingml/2006/main" xmlns:r="http://schemas.openxmlformats.org/officeDocument/2006/relationships" xmlns:p="http://schemas.openxmlformats.org/presentationml/2006/main">
   <p:cSld>
     <p:spTree>
@@ -7292,7 +8267,7 @@
 </p:sld>
 </file>
 
-<file path=ppt/slides/slide13.xml><?xml version="1.0" encoding="utf-8"?>
+<file path=ppt/slides/slide14.xml><?xml version="1.0" encoding="utf-8"?>
 <p:sld xmlns:a="http://schemas.openxmlformats.org/drawingml/2006/main" xmlns:r="http://schemas.openxmlformats.org/officeDocument/2006/relationships" xmlns:p="http://schemas.openxmlformats.org/presentationml/2006/main">
   <p:cSld>
     <p:spTree>
@@ -7974,7 +8949,7 @@
 </p:sld>
 </file>
 
-<file path=ppt/slides/slide14.xml><?xml version="1.0" encoding="utf-8"?>
+<file path=ppt/slides/slide15.xml><?xml version="1.0" encoding="utf-8"?>
 <p:sld xmlns:a="http://schemas.openxmlformats.org/drawingml/2006/main" xmlns:r="http://schemas.openxmlformats.org/officeDocument/2006/relationships" xmlns:p="http://schemas.openxmlformats.org/presentationml/2006/main">
   <p:cSld>
     <p:spTree>
@@ -8721,7 +9696,7 @@
 </p:sld>
 </file>
 
-<file path=ppt/slides/slide15.xml><?xml version="1.0" encoding="utf-8"?>
+<file path=ppt/slides/slide16.xml><?xml version="1.0" encoding="utf-8"?>
 <p:sld xmlns:a="http://schemas.openxmlformats.org/drawingml/2006/main" xmlns:r="http://schemas.openxmlformats.org/officeDocument/2006/relationships" xmlns:p="http://schemas.openxmlformats.org/presentationml/2006/main">
   <p:cSld>
     <p:spTree>
@@ -9150,7 +10125,7 @@
 </p:sld>
 </file>
 
-<file path=ppt/slides/slide16.xml><?xml version="1.0" encoding="utf-8"?>
+<file path=ppt/slides/slide17.xml><?xml version="1.0" encoding="utf-8"?>
 <p:sld xmlns:a="http://schemas.openxmlformats.org/drawingml/2006/main" xmlns:r="http://schemas.openxmlformats.org/officeDocument/2006/relationships" xmlns:p="http://schemas.openxmlformats.org/presentationml/2006/main">
   <p:cSld>
     <p:spTree>
@@ -9606,7 +10581,7 @@
 </p:sld>
 </file>
 
-<file path=ppt/slides/slide17.xml><?xml version="1.0" encoding="utf-8"?>
+<file path=ppt/slides/slide18.xml><?xml version="1.0" encoding="utf-8"?>
 <p:sld xmlns:a="http://schemas.openxmlformats.org/drawingml/2006/main" xmlns:r="http://schemas.openxmlformats.org/officeDocument/2006/relationships" xmlns:p="http://schemas.openxmlformats.org/presentationml/2006/main">
   <p:cSld>
     <p:spTree>
@@ -9810,7 +10785,7 @@
             </a:pPr>
             <a:r>
               <a:rPr lang="en-US" dirty="0"/>
-              <a:t>    accelerate(b); // prints “Bike accelerating”</a:t>
+              <a:t>    accelerate(b); // call’s Bike</a:t>
             </a:r>
           </a:p>
           <a:p>
@@ -9844,8 +10819,13 @@
             </a:pPr>
             <a:r>
               <a:rPr lang="en-US" dirty="0"/>
-              <a:t>    accelerate(e); // prints “E-bike accelerating”</a:t>
-            </a:r>
+              <a:t>    accelerate(e); // call’s </a:t>
+            </a:r>
+            <a:r>
+              <a:rPr lang="en-US" dirty="0" err="1"/>
+              <a:t>ElectricBike</a:t>
+            </a:r>
+            <a:endParaRPr lang="en-US" dirty="0"/>
           </a:p>
           <a:p>
             <a:pPr>
@@ -11383,7 +12363,7 @@
 </p:sld>
 </file>
 
-<file path=ppt/slides/slide18.xml><?xml version="1.0" encoding="utf-8"?>
+<file path=ppt/slides/slide19.xml><?xml version="1.0" encoding="utf-8"?>
 <p:sld xmlns:a="http://schemas.openxmlformats.org/drawingml/2006/main" xmlns:r="http://schemas.openxmlformats.org/officeDocument/2006/relationships" xmlns:p="http://schemas.openxmlformats.org/presentationml/2006/main">
   <p:cSld>
     <p:spTree>
@@ -11775,7 +12755,142 @@
 </p:sld>
 </file>
 
-<file path=ppt/slides/slide19.xml><?xml version="1.0" encoding="utf-8"?>
+<file path=ppt/slides/slide2.xml><?xml version="1.0" encoding="utf-8"?>
+<p:sld xmlns:a="http://schemas.openxmlformats.org/drawingml/2006/main" xmlns:r="http://schemas.openxmlformats.org/officeDocument/2006/relationships" xmlns:p="http://schemas.openxmlformats.org/presentationml/2006/main">
+  <p:cSld>
+    <p:spTree>
+      <p:nvGrpSpPr>
+        <p:cNvPr id="1" name=""/>
+        <p:cNvGrpSpPr/>
+        <p:nvPr/>
+      </p:nvGrpSpPr>
+      <p:grpSpPr>
+        <a:xfrm>
+          <a:off x="0" y="0"/>
+          <a:ext cx="0" cy="0"/>
+          <a:chOff x="0" y="0"/>
+          <a:chExt cx="0" cy="0"/>
+        </a:xfrm>
+      </p:grpSpPr>
+      <p:sp>
+        <p:nvSpPr>
+          <p:cNvPr id="5" name="Content Placeholder 4">
+            <a:extLst>
+              <a:ext uri="{FF2B5EF4-FFF2-40B4-BE49-F238E27FC236}">
+                <a16:creationId xmlns:a16="http://schemas.microsoft.com/office/drawing/2014/main" id="{15B35FF2-444E-0C72-D2C7-F4B065A68CCB}"/>
+              </a:ext>
+            </a:extLst>
+          </p:cNvPr>
+          <p:cNvSpPr>
+            <a:spLocks noGrp="1"/>
+          </p:cNvSpPr>
+          <p:nvPr>
+            <p:ph idx="1"/>
+          </p:nvPr>
+        </p:nvSpPr>
+        <p:spPr/>
+        <p:txBody>
+          <a:bodyPr/>
+          <a:lstStyle/>
+          <a:p>
+            <a:r>
+              <a:rPr lang="en-US" dirty="0"/>
+              <a:t>HW1, HW3, and potentially some components of HW2 can be done in Rust, Java, or C++</a:t>
+            </a:r>
+          </a:p>
+          <a:p>
+            <a:pPr lvl="1"/>
+            <a:r>
+              <a:rPr lang="en-US" dirty="0"/>
+              <a:t>Part of HW2 will use Java Reflection and Annotations</a:t>
+            </a:r>
+          </a:p>
+          <a:p>
+            <a:pPr lvl="1"/>
+            <a:r>
+              <a:rPr lang="en-US" dirty="0"/>
+              <a:t>Caveats</a:t>
+            </a:r>
+          </a:p>
+          <a:p>
+            <a:pPr lvl="2"/>
+            <a:r>
+              <a:rPr lang="en-US" dirty="0"/>
+              <a:t>Only Java handout</a:t>
+            </a:r>
+          </a:p>
+          <a:p>
+            <a:pPr lvl="2"/>
+            <a:r>
+              <a:rPr lang="en-US" dirty="0"/>
+              <a:t>Fewer resources if using Rust/C++</a:t>
+            </a:r>
+          </a:p>
+          <a:p>
+            <a:pPr lvl="2"/>
+            <a:r>
+              <a:rPr lang="en-US" dirty="0"/>
+              <a:t>Using more than 95% safe Rust will have a 5% of the HW grade as extra-credit</a:t>
+            </a:r>
+          </a:p>
+          <a:p>
+            <a:r>
+              <a:rPr lang="en-US" dirty="0"/>
+              <a:t>Potentially other EC </a:t>
+            </a:r>
+            <a:r>
+              <a:rPr lang="en-US" dirty="0" err="1"/>
+              <a:t>homeworks</a:t>
+            </a:r>
+            <a:r>
+              <a:rPr lang="en-US" dirty="0"/>
+              <a:t> on Rust</a:t>
+            </a:r>
+          </a:p>
+        </p:txBody>
+      </p:sp>
+      <p:sp>
+        <p:nvSpPr>
+          <p:cNvPr id="4" name="Title 3">
+            <a:extLst>
+              <a:ext uri="{FF2B5EF4-FFF2-40B4-BE49-F238E27FC236}">
+                <a16:creationId xmlns:a16="http://schemas.microsoft.com/office/drawing/2014/main" id="{E19C93AA-7F3B-D081-D2DA-31D9CFFD1879}"/>
+              </a:ext>
+            </a:extLst>
+          </p:cNvPr>
+          <p:cNvSpPr>
+            <a:spLocks noGrp="1"/>
+          </p:cNvSpPr>
+          <p:nvPr>
+            <p:ph type="title"/>
+          </p:nvPr>
+        </p:nvSpPr>
+        <p:spPr/>
+        <p:txBody>
+          <a:bodyPr/>
+          <a:lstStyle/>
+          <a:p>
+            <a:r>
+              <a:rPr lang="en-US" dirty="0"/>
+              <a:t>Announcements</a:t>
+            </a:r>
+          </a:p>
+        </p:txBody>
+      </p:sp>
+    </p:spTree>
+    <p:extLst>
+      <p:ext uri="{BB962C8B-B14F-4D97-AF65-F5344CB8AC3E}">
+        <p14:creationId xmlns:p14="http://schemas.microsoft.com/office/powerpoint/2010/main" val="1555245662"/>
+      </p:ext>
+    </p:extLst>
+  </p:cSld>
+  <p:clrMapOvr>
+    <a:masterClrMapping/>
+  </p:clrMapOvr>
+</p:sld>
+</file>
+
+<file path=ppt/slides/slide20.xml><?xml version="1.0" encoding="utf-8"?>
 <p:sld xmlns:a="http://schemas.openxmlformats.org/drawingml/2006/main" xmlns:r="http://schemas.openxmlformats.org/officeDocument/2006/relationships" xmlns:p="http://schemas.openxmlformats.org/presentationml/2006/main">
   <p:cSld>
     <p:spTree>
@@ -12282,142 +13397,7 @@
 </p:sld>
 </file>
 
-<file path=ppt/slides/slide2.xml><?xml version="1.0" encoding="utf-8"?>
-<p:sld xmlns:a="http://schemas.openxmlformats.org/drawingml/2006/main" xmlns:r="http://schemas.openxmlformats.org/officeDocument/2006/relationships" xmlns:p="http://schemas.openxmlformats.org/presentationml/2006/main">
-  <p:cSld>
-    <p:spTree>
-      <p:nvGrpSpPr>
-        <p:cNvPr id="1" name=""/>
-        <p:cNvGrpSpPr/>
-        <p:nvPr/>
-      </p:nvGrpSpPr>
-      <p:grpSpPr>
-        <a:xfrm>
-          <a:off x="0" y="0"/>
-          <a:ext cx="0" cy="0"/>
-          <a:chOff x="0" y="0"/>
-          <a:chExt cx="0" cy="0"/>
-        </a:xfrm>
-      </p:grpSpPr>
-      <p:sp>
-        <p:nvSpPr>
-          <p:cNvPr id="5" name="Content Placeholder 4">
-            <a:extLst>
-              <a:ext uri="{FF2B5EF4-FFF2-40B4-BE49-F238E27FC236}">
-                <a16:creationId xmlns:a16="http://schemas.microsoft.com/office/drawing/2014/main" id="{15B35FF2-444E-0C72-D2C7-F4B065A68CCB}"/>
-              </a:ext>
-            </a:extLst>
-          </p:cNvPr>
-          <p:cNvSpPr>
-            <a:spLocks noGrp="1"/>
-          </p:cNvSpPr>
-          <p:nvPr>
-            <p:ph idx="1"/>
-          </p:nvPr>
-        </p:nvSpPr>
-        <p:spPr/>
-        <p:txBody>
-          <a:bodyPr/>
-          <a:lstStyle/>
-          <a:p>
-            <a:r>
-              <a:rPr lang="en-US" dirty="0"/>
-              <a:t>HW1, HW3, and potentially some components of HW2 can be done in Rust, Java, or C++</a:t>
-            </a:r>
-          </a:p>
-          <a:p>
-            <a:pPr lvl="1"/>
-            <a:r>
-              <a:rPr lang="en-US" dirty="0"/>
-              <a:t>Part of HW2 will use Java Reflection and Annotations</a:t>
-            </a:r>
-          </a:p>
-          <a:p>
-            <a:pPr lvl="1"/>
-            <a:r>
-              <a:rPr lang="en-US" dirty="0"/>
-              <a:t>Caveats</a:t>
-            </a:r>
-          </a:p>
-          <a:p>
-            <a:pPr lvl="2"/>
-            <a:r>
-              <a:rPr lang="en-US" dirty="0"/>
-              <a:t>Only Java handout</a:t>
-            </a:r>
-          </a:p>
-          <a:p>
-            <a:pPr lvl="2"/>
-            <a:r>
-              <a:rPr lang="en-US" dirty="0"/>
-              <a:t>Fewer resources if using Rust/C++</a:t>
-            </a:r>
-          </a:p>
-          <a:p>
-            <a:pPr lvl="2"/>
-            <a:r>
-              <a:rPr lang="en-US" dirty="0"/>
-              <a:t>Using more than 95% safe Rust will have a 5% of the HW grade as extra-credit</a:t>
-            </a:r>
-          </a:p>
-          <a:p>
-            <a:r>
-              <a:rPr lang="en-US" dirty="0"/>
-              <a:t>Potentially other EC </a:t>
-            </a:r>
-            <a:r>
-              <a:rPr lang="en-US" dirty="0" err="1"/>
-              <a:t>homeworks</a:t>
-            </a:r>
-            <a:r>
-              <a:rPr lang="en-US" dirty="0"/>
-              <a:t> on Rust</a:t>
-            </a:r>
-          </a:p>
-        </p:txBody>
-      </p:sp>
-      <p:sp>
-        <p:nvSpPr>
-          <p:cNvPr id="4" name="Title 3">
-            <a:extLst>
-              <a:ext uri="{FF2B5EF4-FFF2-40B4-BE49-F238E27FC236}">
-                <a16:creationId xmlns:a16="http://schemas.microsoft.com/office/drawing/2014/main" id="{E19C93AA-7F3B-D081-D2DA-31D9CFFD1879}"/>
-              </a:ext>
-            </a:extLst>
-          </p:cNvPr>
-          <p:cNvSpPr>
-            <a:spLocks noGrp="1"/>
-          </p:cNvSpPr>
-          <p:nvPr>
-            <p:ph type="title"/>
-          </p:nvPr>
-        </p:nvSpPr>
-        <p:spPr/>
-        <p:txBody>
-          <a:bodyPr/>
-          <a:lstStyle/>
-          <a:p>
-            <a:r>
-              <a:rPr lang="en-US" dirty="0"/>
-              <a:t>Announcements</a:t>
-            </a:r>
-          </a:p>
-        </p:txBody>
-      </p:sp>
-    </p:spTree>
-    <p:extLst>
-      <p:ext uri="{BB962C8B-B14F-4D97-AF65-F5344CB8AC3E}">
-        <p14:creationId xmlns:p14="http://schemas.microsoft.com/office/powerpoint/2010/main" val="1555245662"/>
-      </p:ext>
-    </p:extLst>
-  </p:cSld>
-  <p:clrMapOvr>
-    <a:masterClrMapping/>
-  </p:clrMapOvr>
-</p:sld>
-</file>
-
-<file path=ppt/slides/slide20.xml><?xml version="1.0" encoding="utf-8"?>
+<file path=ppt/slides/slide21.xml><?xml version="1.0" encoding="utf-8"?>
 <p:sld xmlns:a="http://schemas.openxmlformats.org/drawingml/2006/main" xmlns:r="http://schemas.openxmlformats.org/officeDocument/2006/relationships" xmlns:p="http://schemas.openxmlformats.org/presentationml/2006/main">
   <p:cSld>
     <p:spTree>
@@ -12948,7 +13928,7 @@
 </p:sld>
 </file>
 
-<file path=ppt/slides/slide21.xml><?xml version="1.0" encoding="utf-8"?>
+<file path=ppt/slides/slide22.xml><?xml version="1.0" encoding="utf-8"?>
 <p:sld xmlns:a="http://schemas.openxmlformats.org/drawingml/2006/main" xmlns:r="http://schemas.openxmlformats.org/officeDocument/2006/relationships" xmlns:p="http://schemas.openxmlformats.org/presentationml/2006/main">
   <p:cSld>
     <p:spTree>
@@ -13923,7 +14903,7 @@
 </p:sld>
 </file>
 
-<file path=ppt/slides/slide22.xml><?xml version="1.0" encoding="utf-8"?>
+<file path=ppt/slides/slide23.xml><?xml version="1.0" encoding="utf-8"?>
 <p:sld xmlns:a="http://schemas.openxmlformats.org/drawingml/2006/main" xmlns:r="http://schemas.openxmlformats.org/officeDocument/2006/relationships" xmlns:p="http://schemas.openxmlformats.org/presentationml/2006/main">
   <p:cSld>
     <p:spTree>
@@ -14617,7 +15597,7 @@
 </p:sld>
 </file>
 
-<file path=ppt/slides/slide23.xml><?xml version="1.0" encoding="utf-8"?>
+<file path=ppt/slides/slide24.xml><?xml version="1.0" encoding="utf-8"?>
 <p:sld xmlns:a="http://schemas.openxmlformats.org/drawingml/2006/main" xmlns:r="http://schemas.openxmlformats.org/officeDocument/2006/relationships" xmlns:p="http://schemas.openxmlformats.org/presentationml/2006/main">
   <p:cSld>
     <p:spTree>
@@ -15505,7 +16485,7 @@
 </p:sld>
 </file>
 
-<file path=ppt/slides/slide24.xml><?xml version="1.0" encoding="utf-8"?>
+<file path=ppt/slides/slide25.xml><?xml version="1.0" encoding="utf-8"?>
 <p:sld xmlns:a="http://schemas.openxmlformats.org/drawingml/2006/main" xmlns:r="http://schemas.openxmlformats.org/officeDocument/2006/relationships" xmlns:p="http://schemas.openxmlformats.org/presentationml/2006/main">
   <p:cSld>
     <p:spTree>
@@ -16157,7 +17137,7 @@
 </p:sld>
 </file>
 
-<file path=ppt/slides/slide25.xml><?xml version="1.0" encoding="utf-8"?>
+<file path=ppt/slides/slide26.xml><?xml version="1.0" encoding="utf-8"?>
 <p:sld xmlns:a="http://schemas.openxmlformats.org/drawingml/2006/main" xmlns:r="http://schemas.openxmlformats.org/officeDocument/2006/relationships" xmlns:p="http://schemas.openxmlformats.org/presentationml/2006/main">
   <p:cSld>
     <p:spTree>
@@ -17984,7 +18964,7 @@
 </p:sld>
 </file>
 
-<file path=ppt/slides/slide26.xml><?xml version="1.0" encoding="utf-8"?>
+<file path=ppt/slides/slide27.xml><?xml version="1.0" encoding="utf-8"?>
 <p:sld xmlns:a="http://schemas.openxmlformats.org/drawingml/2006/main" xmlns:r="http://schemas.openxmlformats.org/officeDocument/2006/relationships" xmlns:p="http://schemas.openxmlformats.org/presentationml/2006/main">
   <p:cSld>
     <p:spTree>
@@ -18793,7 +19773,7 @@
 </p:sld>
 </file>
 
-<file path=ppt/slides/slide27.xml><?xml version="1.0" encoding="utf-8"?>
+<file path=ppt/slides/slide28.xml><?xml version="1.0" encoding="utf-8"?>
 <p:sld xmlns:a="http://schemas.openxmlformats.org/drawingml/2006/main" xmlns:r="http://schemas.openxmlformats.org/officeDocument/2006/relationships" xmlns:p="http://schemas.openxmlformats.org/presentationml/2006/main">
   <p:cSld>
     <p:spTree>
@@ -19429,7 +20409,7 @@
 </p:sld>
 </file>
 
-<file path=ppt/slides/slide28.xml><?xml version="1.0" encoding="utf-8"?>
+<file path=ppt/slides/slide29.xml><?xml version="1.0" encoding="utf-8"?>
 <p:sld xmlns:a="http://schemas.openxmlformats.org/drawingml/2006/main" xmlns:r="http://schemas.openxmlformats.org/officeDocument/2006/relationships" xmlns:p="http://schemas.openxmlformats.org/presentationml/2006/main">
   <p:cSld>
     <p:spTree>
@@ -20241,7 +21221,124 @@
 </p:sld>
 </file>
 
-<file path=ppt/slides/slide29.xml><?xml version="1.0" encoding="utf-8"?>
+<file path=ppt/slides/slide3.xml><?xml version="1.0" encoding="utf-8"?>
+<p:sld xmlns:a="http://schemas.openxmlformats.org/drawingml/2006/main" xmlns:r="http://schemas.openxmlformats.org/officeDocument/2006/relationships" xmlns:p="http://schemas.openxmlformats.org/presentationml/2006/main">
+  <p:cSld>
+    <p:spTree>
+      <p:nvGrpSpPr>
+        <p:cNvPr id="1" name="">
+          <a:extLst>
+            <a:ext uri="{FF2B5EF4-FFF2-40B4-BE49-F238E27FC236}">
+              <a16:creationId xmlns:a16="http://schemas.microsoft.com/office/drawing/2014/main" id="{BDEE4B5B-D984-5C4B-6963-130DEEBE2C4F}"/>
+            </a:ext>
+          </a:extLst>
+        </p:cNvPr>
+        <p:cNvGrpSpPr/>
+        <p:nvPr/>
+      </p:nvGrpSpPr>
+      <p:grpSpPr>
+        <a:xfrm>
+          <a:off x="0" y="0"/>
+          <a:ext cx="0" cy="0"/>
+          <a:chOff x="0" y="0"/>
+          <a:chExt cx="0" cy="0"/>
+        </a:xfrm>
+      </p:grpSpPr>
+      <p:sp>
+        <p:nvSpPr>
+          <p:cNvPr id="5" name="Content Placeholder 4">
+            <a:extLst>
+              <a:ext uri="{FF2B5EF4-FFF2-40B4-BE49-F238E27FC236}">
+                <a16:creationId xmlns:a16="http://schemas.microsoft.com/office/drawing/2014/main" id="{76F7A51A-C028-2166-D515-F461B4D55DE6}"/>
+              </a:ext>
+            </a:extLst>
+          </p:cNvPr>
+          <p:cNvSpPr>
+            <a:spLocks noGrp="1"/>
+          </p:cNvSpPr>
+          <p:nvPr>
+            <p:ph idx="1"/>
+          </p:nvPr>
+        </p:nvSpPr>
+        <p:spPr/>
+        <p:txBody>
+          <a:bodyPr/>
+          <a:lstStyle/>
+          <a:p>
+            <a:r>
+              <a:rPr lang="en-US" dirty="0"/>
+              <a:t>Oct 13 and Oct 15 lecture-discussion will be swapped</a:t>
+            </a:r>
+          </a:p>
+          <a:p>
+            <a:pPr lvl="1"/>
+            <a:r>
+              <a:rPr lang="en-US" dirty="0"/>
+              <a:t>Colloquium attendance</a:t>
+            </a:r>
+          </a:p>
+          <a:p>
+            <a:pPr lvl="1"/>
+            <a:r>
+              <a:rPr lang="en-US" dirty="0" err="1"/>
+              <a:t>Xingming</a:t>
+            </a:r>
+            <a:r>
+              <a:rPr lang="en-US" dirty="0"/>
+              <a:t> will conduct discussion on Oct 13 during lecture hours</a:t>
+            </a:r>
+          </a:p>
+          <a:p>
+            <a:pPr lvl="1"/>
+            <a:r>
+              <a:rPr lang="en-US" dirty="0"/>
+              <a:t>I will conduct lecture during Oct 15 discussion hours (and lecture hours)</a:t>
+            </a:r>
+          </a:p>
+        </p:txBody>
+      </p:sp>
+      <p:sp>
+        <p:nvSpPr>
+          <p:cNvPr id="4" name="Title 3">
+            <a:extLst>
+              <a:ext uri="{FF2B5EF4-FFF2-40B4-BE49-F238E27FC236}">
+                <a16:creationId xmlns:a16="http://schemas.microsoft.com/office/drawing/2014/main" id="{1D3ABC9B-CC68-00F0-C7E3-5A3C33481276}"/>
+              </a:ext>
+            </a:extLst>
+          </p:cNvPr>
+          <p:cNvSpPr>
+            <a:spLocks noGrp="1"/>
+          </p:cNvSpPr>
+          <p:nvPr>
+            <p:ph type="title"/>
+          </p:nvPr>
+        </p:nvSpPr>
+        <p:spPr/>
+        <p:txBody>
+          <a:bodyPr/>
+          <a:lstStyle/>
+          <a:p>
+            <a:r>
+              <a:rPr lang="en-US" dirty="0"/>
+              <a:t>Announcements</a:t>
+            </a:r>
+          </a:p>
+        </p:txBody>
+      </p:sp>
+    </p:spTree>
+    <p:extLst>
+      <p:ext uri="{BB962C8B-B14F-4D97-AF65-F5344CB8AC3E}">
+        <p14:creationId xmlns:p14="http://schemas.microsoft.com/office/powerpoint/2010/main" val="1210162226"/>
+      </p:ext>
+    </p:extLst>
+  </p:cSld>
+  <p:clrMapOvr>
+    <a:masterClrMapping/>
+  </p:clrMapOvr>
+</p:sld>
+</file>
+
+<file path=ppt/slides/slide30.xml><?xml version="1.0" encoding="utf-8"?>
 <p:sld xmlns:a="http://schemas.openxmlformats.org/drawingml/2006/main" xmlns:r="http://schemas.openxmlformats.org/officeDocument/2006/relationships" xmlns:p="http://schemas.openxmlformats.org/presentationml/2006/main">
   <p:cSld>
     <p:spTree>
@@ -20981,146 +22078,7 @@
 </p:sld>
 </file>
 
-<file path=ppt/slides/slide3.xml><?xml version="1.0" encoding="utf-8"?>
-<p:sld xmlns:a="http://schemas.openxmlformats.org/drawingml/2006/main" xmlns:r="http://schemas.openxmlformats.org/officeDocument/2006/relationships" xmlns:p="http://schemas.openxmlformats.org/presentationml/2006/main">
-  <p:cSld>
-    <p:spTree>
-      <p:nvGrpSpPr>
-        <p:cNvPr id="1" name=""/>
-        <p:cNvGrpSpPr/>
-        <p:nvPr/>
-      </p:nvGrpSpPr>
-      <p:grpSpPr>
-        <a:xfrm>
-          <a:off x="0" y="0"/>
-          <a:ext cx="0" cy="0"/>
-          <a:chOff x="0" y="0"/>
-          <a:chExt cx="0" cy="0"/>
-        </a:xfrm>
-      </p:grpSpPr>
-      <p:sp>
-        <p:nvSpPr>
-          <p:cNvPr id="5" name="Content Placeholder 4">
-            <a:extLst>
-              <a:ext uri="{FF2B5EF4-FFF2-40B4-BE49-F238E27FC236}">
-                <a16:creationId xmlns:a16="http://schemas.microsoft.com/office/drawing/2014/main" id="{508DD499-3FDF-9EE9-A2B1-61BBE0F1B146}"/>
-              </a:ext>
-            </a:extLst>
-          </p:cNvPr>
-          <p:cNvSpPr>
-            <a:spLocks noGrp="1"/>
-          </p:cNvSpPr>
-          <p:nvPr>
-            <p:ph idx="1"/>
-          </p:nvPr>
-        </p:nvSpPr>
-        <p:spPr/>
-        <p:txBody>
-          <a:bodyPr/>
-          <a:lstStyle/>
-          <a:p>
-            <a:r>
-              <a:rPr lang="en-US" dirty="0"/>
-              <a:t>OO review</a:t>
-            </a:r>
-          </a:p>
-          <a:p>
-            <a:r>
-              <a:rPr lang="en-US" dirty="0"/>
-              <a:t>Ungraded quiz (15 minutes)</a:t>
-            </a:r>
-          </a:p>
-          <a:p>
-            <a:r>
-              <a:rPr lang="en-US" dirty="0"/>
-              <a:t>Software </a:t>
-            </a:r>
-            <a:r>
-              <a:rPr lang="en-US"/>
-              <a:t>design principles</a:t>
-            </a:r>
-            <a:endParaRPr lang="en-US" dirty="0"/>
-          </a:p>
-        </p:txBody>
-      </p:sp>
-      <p:sp>
-        <p:nvSpPr>
-          <p:cNvPr id="4" name="Title 3">
-            <a:extLst>
-              <a:ext uri="{FF2B5EF4-FFF2-40B4-BE49-F238E27FC236}">
-                <a16:creationId xmlns:a16="http://schemas.microsoft.com/office/drawing/2014/main" id="{B38CC12A-C489-55AE-CA3C-AF7924D4B5C4}"/>
-              </a:ext>
-            </a:extLst>
-          </p:cNvPr>
-          <p:cNvSpPr>
-            <a:spLocks noGrp="1"/>
-          </p:cNvSpPr>
-          <p:nvPr>
-            <p:ph type="title"/>
-          </p:nvPr>
-        </p:nvSpPr>
-        <p:spPr/>
-        <p:txBody>
-          <a:bodyPr/>
-          <a:lstStyle/>
-          <a:p>
-            <a:r>
-              <a:rPr lang="en-US" dirty="0"/>
-              <a:t>Agenda</a:t>
-            </a:r>
-          </a:p>
-        </p:txBody>
-      </p:sp>
-      <p:cxnSp>
-        <p:nvCxnSpPr>
-          <p:cNvPr id="7" name="Straight Connector 6">
-            <a:extLst>
-              <a:ext uri="{FF2B5EF4-FFF2-40B4-BE49-F238E27FC236}">
-                <a16:creationId xmlns:a16="http://schemas.microsoft.com/office/drawing/2014/main" id="{47518CA7-8501-DEEF-9ACA-E8239DDA8BE9}"/>
-              </a:ext>
-            </a:extLst>
-          </p:cNvPr>
-          <p:cNvCxnSpPr/>
-          <p:nvPr/>
-        </p:nvCxnSpPr>
-        <p:spPr>
-          <a:xfrm>
-            <a:off x="0" y="1472394"/>
-            <a:ext cx="12192000" cy="0"/>
-          </a:xfrm>
-          <a:prstGeom prst="line">
-            <a:avLst/>
-          </a:prstGeom>
-        </p:spPr>
-        <p:style>
-          <a:lnRef idx="1">
-            <a:schemeClr val="dk1"/>
-          </a:lnRef>
-          <a:fillRef idx="0">
-            <a:schemeClr val="dk1"/>
-          </a:fillRef>
-          <a:effectRef idx="0">
-            <a:schemeClr val="dk1"/>
-          </a:effectRef>
-          <a:fontRef idx="minor">
-            <a:schemeClr val="tx1"/>
-          </a:fontRef>
-        </p:style>
-      </p:cxnSp>
-    </p:spTree>
-    <p:extLst>
-      <p:ext uri="{BB962C8B-B14F-4D97-AF65-F5344CB8AC3E}">
-        <p14:creationId xmlns:p14="http://schemas.microsoft.com/office/powerpoint/2010/main" val="916169690"/>
-      </p:ext>
-    </p:extLst>
-  </p:cSld>
-  <p:clrMapOvr>
-    <a:masterClrMapping/>
-  </p:clrMapOvr>
-</p:sld>
-</file>
-
-<file path=ppt/slides/slide30.xml><?xml version="1.0" encoding="utf-8"?>
+<file path=ppt/slides/slide31.xml><?xml version="1.0" encoding="utf-8"?>
 <p:sld xmlns:a="http://schemas.openxmlformats.org/drawingml/2006/main" xmlns:r="http://schemas.openxmlformats.org/officeDocument/2006/relationships" xmlns:p="http://schemas.openxmlformats.org/presentationml/2006/main">
   <p:cSld>
     <p:spTree>
@@ -21621,7 +22579,7 @@
 </p:sld>
 </file>
 
-<file path=ppt/slides/slide31.xml><?xml version="1.0" encoding="utf-8"?>
+<file path=ppt/slides/slide32.xml><?xml version="1.0" encoding="utf-8"?>
 <p:sld xmlns:a="http://schemas.openxmlformats.org/drawingml/2006/main" xmlns:r="http://schemas.openxmlformats.org/officeDocument/2006/relationships" xmlns:p="http://schemas.openxmlformats.org/presentationml/2006/main">
   <p:cSld>
     <p:spTree>
@@ -22452,7 +23410,7 @@
 </p:sld>
 </file>
 
-<file path=ppt/slides/slide32.xml><?xml version="1.0" encoding="utf-8"?>
+<file path=ppt/slides/slide33.xml><?xml version="1.0" encoding="utf-8"?>
 <p:sld xmlns:a="http://schemas.openxmlformats.org/drawingml/2006/main" xmlns:r="http://schemas.openxmlformats.org/officeDocument/2006/relationships" xmlns:p="http://schemas.openxmlformats.org/presentationml/2006/main">
   <p:cSld>
     <p:spTree>
@@ -22571,7 +23529,1480 @@
 </p:sld>
 </file>
 
-<file path=ppt/slides/slide33.xml><?xml version="1.0" encoding="utf-8"?>
+<file path=ppt/slides/slide34.xml><?xml version="1.0" encoding="utf-8"?>
+<p:sld xmlns:a="http://schemas.openxmlformats.org/drawingml/2006/main" xmlns:r="http://schemas.openxmlformats.org/officeDocument/2006/relationships" xmlns:p="http://schemas.openxmlformats.org/presentationml/2006/main">
+  <p:cSld>
+    <p:spTree>
+      <p:nvGrpSpPr>
+        <p:cNvPr id="1" name="">
+          <a:extLst>
+            <a:ext uri="{FF2B5EF4-FFF2-40B4-BE49-F238E27FC236}">
+              <a16:creationId xmlns:a16="http://schemas.microsoft.com/office/drawing/2014/main" id="{1B693AB1-845A-91D5-6DA1-CB01B1797E8F}"/>
+            </a:ext>
+          </a:extLst>
+        </p:cNvPr>
+        <p:cNvGrpSpPr/>
+        <p:nvPr/>
+      </p:nvGrpSpPr>
+      <p:grpSpPr>
+        <a:xfrm>
+          <a:off x="0" y="0"/>
+          <a:ext cx="0" cy="0"/>
+          <a:chOff x="0" y="0"/>
+          <a:chExt cx="0" cy="0"/>
+        </a:xfrm>
+      </p:grpSpPr>
+      <p:sp>
+        <p:nvSpPr>
+          <p:cNvPr id="6" name="Content Placeholder 5">
+            <a:extLst>
+              <a:ext uri="{FF2B5EF4-FFF2-40B4-BE49-F238E27FC236}">
+                <a16:creationId xmlns:a16="http://schemas.microsoft.com/office/drawing/2014/main" id="{056C5201-0846-4D94-593A-B670C8A8859E}"/>
+              </a:ext>
+            </a:extLst>
+          </p:cNvPr>
+          <p:cNvSpPr>
+            <a:spLocks noGrp="1"/>
+          </p:cNvSpPr>
+          <p:nvPr>
+            <p:ph idx="1"/>
+          </p:nvPr>
+        </p:nvSpPr>
+        <p:spPr>
+          <a:xfrm>
+            <a:off x="546101" y="3645157"/>
+            <a:ext cx="9871710" cy="976289"/>
+          </a:xfrm>
+        </p:spPr>
+        <p:txBody>
+          <a:bodyPr/>
+          <a:lstStyle/>
+          <a:p>
+            <a:r>
+              <a:rPr lang="en-US"/>
+              <a:t>Tapti Palit</a:t>
+            </a:r>
+            <a:endParaRPr lang="en-US" dirty="0"/>
+          </a:p>
+        </p:txBody>
+      </p:sp>
+      <p:sp>
+        <p:nvSpPr>
+          <p:cNvPr id="5" name="Text Placeholder 4">
+            <a:extLst>
+              <a:ext uri="{FF2B5EF4-FFF2-40B4-BE49-F238E27FC236}">
+                <a16:creationId xmlns:a16="http://schemas.microsoft.com/office/drawing/2014/main" id="{0EB8A3DE-D49E-31AE-A3E9-FE0847ABE666}"/>
+              </a:ext>
+            </a:extLst>
+          </p:cNvPr>
+          <p:cNvSpPr>
+            <a:spLocks noGrp="1"/>
+          </p:cNvSpPr>
+          <p:nvPr>
+            <p:ph type="body" sz="quarter" idx="13"/>
+          </p:nvPr>
+        </p:nvSpPr>
+        <p:spPr>
+          <a:xfrm>
+            <a:off x="546100" y="1656469"/>
+            <a:ext cx="10814050" cy="914400"/>
+          </a:xfrm>
+        </p:spPr>
+        <p:txBody>
+          <a:bodyPr/>
+          <a:lstStyle/>
+          <a:p>
+            <a:r>
+              <a:rPr lang="en-US" dirty="0"/>
+              <a:t>Background: Object Oriented Programming</a:t>
+            </a:r>
+          </a:p>
+        </p:txBody>
+      </p:sp>
+    </p:spTree>
+    <p:extLst>
+      <p:ext uri="{BB962C8B-B14F-4D97-AF65-F5344CB8AC3E}">
+        <p14:creationId xmlns:p14="http://schemas.microsoft.com/office/powerpoint/2010/main" val="1844541178"/>
+      </p:ext>
+    </p:extLst>
+  </p:cSld>
+  <p:clrMapOvr>
+    <a:masterClrMapping/>
+  </p:clrMapOvr>
+</p:sld>
+</file>
+
+<file path=ppt/slides/slide35.xml><?xml version="1.0" encoding="utf-8"?>
+<p:sld xmlns:a="http://schemas.openxmlformats.org/drawingml/2006/main" xmlns:r="http://schemas.openxmlformats.org/officeDocument/2006/relationships" xmlns:p="http://schemas.openxmlformats.org/presentationml/2006/main">
+  <p:cSld>
+    <p:spTree>
+      <p:nvGrpSpPr>
+        <p:cNvPr id="1" name=""/>
+        <p:cNvGrpSpPr/>
+        <p:nvPr/>
+      </p:nvGrpSpPr>
+      <p:grpSpPr>
+        <a:xfrm>
+          <a:off x="0" y="0"/>
+          <a:ext cx="0" cy="0"/>
+          <a:chOff x="0" y="0"/>
+          <a:chExt cx="0" cy="0"/>
+        </a:xfrm>
+      </p:grpSpPr>
+      <p:sp>
+        <p:nvSpPr>
+          <p:cNvPr id="5" name="Content Placeholder 4">
+            <a:extLst>
+              <a:ext uri="{FF2B5EF4-FFF2-40B4-BE49-F238E27FC236}">
+                <a16:creationId xmlns:a16="http://schemas.microsoft.com/office/drawing/2014/main" id="{1ED2D401-6894-EFF4-65F9-B1F14CE9A483}"/>
+              </a:ext>
+            </a:extLst>
+          </p:cNvPr>
+          <p:cNvSpPr>
+            <a:spLocks noGrp="1"/>
+          </p:cNvSpPr>
+          <p:nvPr>
+            <p:ph idx="1"/>
+          </p:nvPr>
+        </p:nvSpPr>
+        <p:spPr/>
+        <p:txBody>
+          <a:bodyPr/>
+          <a:lstStyle/>
+          <a:p>
+            <a:r>
+              <a:rPr lang="en-US" dirty="0"/>
+              <a:t>HW1 and HW2 handouts uploaded</a:t>
+            </a:r>
+          </a:p>
+          <a:p>
+            <a:r>
+              <a:rPr lang="en-US" dirty="0"/>
+              <a:t>Contents can change slightly, but not by much</a:t>
+            </a:r>
+          </a:p>
+          <a:p>
+            <a:endParaRPr lang="en-US" dirty="0"/>
+          </a:p>
+        </p:txBody>
+      </p:sp>
+      <p:sp>
+        <p:nvSpPr>
+          <p:cNvPr id="4" name="Title 3">
+            <a:extLst>
+              <a:ext uri="{FF2B5EF4-FFF2-40B4-BE49-F238E27FC236}">
+                <a16:creationId xmlns:a16="http://schemas.microsoft.com/office/drawing/2014/main" id="{80922955-2184-8E7C-12E9-7AEF55E395B4}"/>
+              </a:ext>
+            </a:extLst>
+          </p:cNvPr>
+          <p:cNvSpPr>
+            <a:spLocks noGrp="1"/>
+          </p:cNvSpPr>
+          <p:nvPr>
+            <p:ph type="title"/>
+          </p:nvPr>
+        </p:nvSpPr>
+        <p:spPr/>
+        <p:txBody>
+          <a:bodyPr/>
+          <a:lstStyle/>
+          <a:p>
+            <a:r>
+              <a:rPr lang="en-US" dirty="0"/>
+              <a:t>Announcements</a:t>
+            </a:r>
+          </a:p>
+        </p:txBody>
+      </p:sp>
+    </p:spTree>
+    <p:extLst>
+      <p:ext uri="{BB962C8B-B14F-4D97-AF65-F5344CB8AC3E}">
+        <p14:creationId xmlns:p14="http://schemas.microsoft.com/office/powerpoint/2010/main" val="2098519709"/>
+      </p:ext>
+    </p:extLst>
+  </p:cSld>
+  <p:clrMapOvr>
+    <a:masterClrMapping/>
+  </p:clrMapOvr>
+</p:sld>
+</file>
+
+<file path=ppt/slides/slide36.xml><?xml version="1.0" encoding="utf-8"?>
+<p:sld xmlns:a="http://schemas.openxmlformats.org/drawingml/2006/main" xmlns:r="http://schemas.openxmlformats.org/officeDocument/2006/relationships" xmlns:p="http://schemas.openxmlformats.org/presentationml/2006/main">
+  <p:cSld>
+    <p:spTree>
+      <p:nvGrpSpPr>
+        <p:cNvPr id="1" name=""/>
+        <p:cNvGrpSpPr/>
+        <p:nvPr/>
+      </p:nvGrpSpPr>
+      <p:grpSpPr>
+        <a:xfrm>
+          <a:off x="0" y="0"/>
+          <a:ext cx="0" cy="0"/>
+          <a:chOff x="0" y="0"/>
+          <a:chExt cx="0" cy="0"/>
+        </a:xfrm>
+      </p:grpSpPr>
+      <p:sp>
+        <p:nvSpPr>
+          <p:cNvPr id="5" name="Content Placeholder 4">
+            <a:extLst>
+              <a:ext uri="{FF2B5EF4-FFF2-40B4-BE49-F238E27FC236}">
+                <a16:creationId xmlns:a16="http://schemas.microsoft.com/office/drawing/2014/main" id="{0CD17880-15FB-B699-E466-E65CEC4B114D}"/>
+              </a:ext>
+            </a:extLst>
+          </p:cNvPr>
+          <p:cNvSpPr>
+            <a:spLocks noGrp="1"/>
+          </p:cNvSpPr>
+          <p:nvPr>
+            <p:ph idx="1"/>
+          </p:nvPr>
+        </p:nvSpPr>
+        <p:spPr/>
+        <p:txBody>
+          <a:bodyPr/>
+          <a:lstStyle/>
+          <a:p>
+            <a:r>
+              <a:rPr lang="en-US" dirty="0"/>
+              <a:t>Recap</a:t>
+            </a:r>
+          </a:p>
+          <a:p>
+            <a:r>
+              <a:rPr lang="en-US" dirty="0"/>
+              <a:t>Software design principles</a:t>
+            </a:r>
+          </a:p>
+          <a:p>
+            <a:r>
+              <a:rPr lang="en-US" dirty="0"/>
+              <a:t>Networking fundamentals</a:t>
+            </a:r>
+          </a:p>
+          <a:p>
+            <a:r>
+              <a:rPr lang="en-US" dirty="0"/>
+              <a:t>Compilation process recap</a:t>
+            </a:r>
+          </a:p>
+        </p:txBody>
+      </p:sp>
+      <p:sp>
+        <p:nvSpPr>
+          <p:cNvPr id="4" name="Title 3">
+            <a:extLst>
+              <a:ext uri="{FF2B5EF4-FFF2-40B4-BE49-F238E27FC236}">
+                <a16:creationId xmlns:a16="http://schemas.microsoft.com/office/drawing/2014/main" id="{A4D06578-42C6-EEDF-4D1E-18455F2E366E}"/>
+              </a:ext>
+            </a:extLst>
+          </p:cNvPr>
+          <p:cNvSpPr>
+            <a:spLocks noGrp="1"/>
+          </p:cNvSpPr>
+          <p:nvPr>
+            <p:ph type="title"/>
+          </p:nvPr>
+        </p:nvSpPr>
+        <p:spPr/>
+        <p:txBody>
+          <a:bodyPr/>
+          <a:lstStyle/>
+          <a:p>
+            <a:r>
+              <a:rPr lang="en-US" dirty="0"/>
+              <a:t>Agenda</a:t>
+            </a:r>
+          </a:p>
+        </p:txBody>
+      </p:sp>
+      <p:cxnSp>
+        <p:nvCxnSpPr>
+          <p:cNvPr id="6" name="Straight Connector 5">
+            <a:extLst>
+              <a:ext uri="{FF2B5EF4-FFF2-40B4-BE49-F238E27FC236}">
+                <a16:creationId xmlns:a16="http://schemas.microsoft.com/office/drawing/2014/main" id="{4CEDBC72-158B-D175-AD29-791888A21683}"/>
+              </a:ext>
+            </a:extLst>
+          </p:cNvPr>
+          <p:cNvCxnSpPr/>
+          <p:nvPr/>
+        </p:nvCxnSpPr>
+        <p:spPr>
+          <a:xfrm>
+            <a:off x="0" y="2838352"/>
+            <a:ext cx="12192000" cy="0"/>
+          </a:xfrm>
+          <a:prstGeom prst="line">
+            <a:avLst/>
+          </a:prstGeom>
+        </p:spPr>
+        <p:style>
+          <a:lnRef idx="1">
+            <a:schemeClr val="dk1"/>
+          </a:lnRef>
+          <a:fillRef idx="0">
+            <a:schemeClr val="dk1"/>
+          </a:fillRef>
+          <a:effectRef idx="0">
+            <a:schemeClr val="dk1"/>
+          </a:effectRef>
+          <a:fontRef idx="minor">
+            <a:schemeClr val="tx1"/>
+          </a:fontRef>
+        </p:style>
+      </p:cxnSp>
+    </p:spTree>
+    <p:extLst>
+      <p:ext uri="{BB962C8B-B14F-4D97-AF65-F5344CB8AC3E}">
+        <p14:creationId xmlns:p14="http://schemas.microsoft.com/office/powerpoint/2010/main" val="2355978986"/>
+      </p:ext>
+    </p:extLst>
+  </p:cSld>
+  <p:clrMapOvr>
+    <a:masterClrMapping/>
+  </p:clrMapOvr>
+</p:sld>
+</file>
+
+<file path=ppt/slides/slide37.xml><?xml version="1.0" encoding="utf-8"?>
+<p:sld xmlns:a="http://schemas.openxmlformats.org/drawingml/2006/main" xmlns:r="http://schemas.openxmlformats.org/officeDocument/2006/relationships" xmlns:p="http://schemas.openxmlformats.org/presentationml/2006/main">
+  <p:cSld>
+    <p:spTree>
+      <p:nvGrpSpPr>
+        <p:cNvPr id="1" name=""/>
+        <p:cNvGrpSpPr/>
+        <p:nvPr/>
+      </p:nvGrpSpPr>
+      <p:grpSpPr>
+        <a:xfrm>
+          <a:off x="0" y="0"/>
+          <a:ext cx="0" cy="0"/>
+          <a:chOff x="0" y="0"/>
+          <a:chExt cx="0" cy="0"/>
+        </a:xfrm>
+      </p:grpSpPr>
+      <p:sp>
+        <p:nvSpPr>
+          <p:cNvPr id="5" name="Content Placeholder 4">
+            <a:extLst>
+              <a:ext uri="{FF2B5EF4-FFF2-40B4-BE49-F238E27FC236}">
+                <a16:creationId xmlns:a16="http://schemas.microsoft.com/office/drawing/2014/main" id="{0CA6826C-6337-183F-F13A-E09826AA346A}"/>
+              </a:ext>
+            </a:extLst>
+          </p:cNvPr>
+          <p:cNvSpPr>
+            <a:spLocks noGrp="1"/>
+          </p:cNvSpPr>
+          <p:nvPr>
+            <p:ph idx="1"/>
+          </p:nvPr>
+        </p:nvSpPr>
+        <p:spPr/>
+        <p:txBody>
+          <a:bodyPr>
+            <a:normAutofit fontScale="92500" lnSpcReduction="10000"/>
+          </a:bodyPr>
+          <a:lstStyle/>
+          <a:p>
+            <a:r>
+              <a:rPr lang="en-US" dirty="0"/>
+              <a:t>public interface DB {}</a:t>
+            </a:r>
+          </a:p>
+          <a:p>
+            <a:r>
+              <a:rPr lang="en-US" dirty="0"/>
+              <a:t>public class </a:t>
+            </a:r>
+            <a:r>
+              <a:rPr lang="en-US" dirty="0" err="1"/>
+              <a:t>MysqlDB</a:t>
+            </a:r>
+            <a:r>
+              <a:rPr lang="en-US" dirty="0"/>
+              <a:t> implements DB { .. }</a:t>
+            </a:r>
+          </a:p>
+          <a:p>
+            <a:r>
+              <a:rPr lang="en-US" dirty="0"/>
+              <a:t>public class </a:t>
+            </a:r>
+            <a:r>
+              <a:rPr lang="en-US" dirty="0" err="1"/>
+              <a:t>PgDB</a:t>
+            </a:r>
+            <a:r>
+              <a:rPr lang="en-US" dirty="0"/>
+              <a:t> implements DB { .. }</a:t>
+            </a:r>
+          </a:p>
+          <a:p>
+            <a:endParaRPr lang="en-US" dirty="0"/>
+          </a:p>
+          <a:p>
+            <a:r>
+              <a:rPr lang="en-US" dirty="0"/>
+              <a:t>public interface </a:t>
+            </a:r>
+            <a:r>
+              <a:rPr lang="en-US" dirty="0" err="1"/>
+              <a:t>Tbl</a:t>
+            </a:r>
+            <a:r>
+              <a:rPr lang="en-US" dirty="0"/>
+              <a:t> {}</a:t>
+            </a:r>
+            <a:br>
+              <a:rPr lang="en-US" dirty="0"/>
+            </a:br>
+            <a:r>
+              <a:rPr lang="en-US" dirty="0"/>
+              <a:t>public class </a:t>
+            </a:r>
+            <a:r>
+              <a:rPr lang="en-US" dirty="0" err="1"/>
+              <a:t>MysqlTbl</a:t>
+            </a:r>
+            <a:r>
+              <a:rPr lang="en-US" dirty="0"/>
+              <a:t> implements </a:t>
+            </a:r>
+            <a:r>
+              <a:rPr lang="en-US" dirty="0" err="1"/>
+              <a:t>Tbl</a:t>
+            </a:r>
+            <a:r>
+              <a:rPr lang="en-US" dirty="0"/>
+              <a:t> { ...}</a:t>
+            </a:r>
+          </a:p>
+          <a:p>
+            <a:r>
+              <a:rPr lang="en-US" dirty="0"/>
+              <a:t>public class </a:t>
+            </a:r>
+            <a:r>
+              <a:rPr lang="en-US" dirty="0" err="1"/>
+              <a:t>PgTbl</a:t>
+            </a:r>
+            <a:r>
+              <a:rPr lang="en-US" dirty="0"/>
+              <a:t> implements </a:t>
+            </a:r>
+            <a:r>
+              <a:rPr lang="en-US" dirty="0" err="1"/>
+              <a:t>Tbl</a:t>
+            </a:r>
+            <a:r>
+              <a:rPr lang="en-US" dirty="0"/>
+              <a:t> {..}</a:t>
+            </a:r>
+          </a:p>
+          <a:p>
+            <a:endParaRPr lang="en-US" dirty="0"/>
+          </a:p>
+          <a:p>
+            <a:r>
+              <a:rPr lang="en-US" dirty="0"/>
+              <a:t>public interface </a:t>
+            </a:r>
+            <a:r>
+              <a:rPr lang="en-US" dirty="0" err="1"/>
+              <a:t>DBInterfacer</a:t>
+            </a:r>
+            <a:r>
+              <a:rPr lang="en-US" dirty="0"/>
+              <a:t> {</a:t>
+            </a:r>
+          </a:p>
+          <a:p>
+            <a:r>
+              <a:rPr lang="en-US" dirty="0"/>
+              <a:t>	public void DB </a:t>
+            </a:r>
+            <a:r>
+              <a:rPr lang="en-US" dirty="0" err="1"/>
+              <a:t>createDB</a:t>
+            </a:r>
+            <a:r>
+              <a:rPr lang="en-US" dirty="0"/>
+              <a:t>(String </a:t>
+            </a:r>
+            <a:r>
+              <a:rPr lang="en-US" dirty="0" err="1"/>
+              <a:t>dbName</a:t>
+            </a:r>
+            <a:r>
+              <a:rPr lang="en-US" dirty="0"/>
+              <a:t>);</a:t>
+            </a:r>
+          </a:p>
+          <a:p>
+            <a:endParaRPr lang="en-US" dirty="0"/>
+          </a:p>
+          <a:p>
+            <a:r>
+              <a:rPr lang="en-US" dirty="0"/>
+              <a:t>	public </a:t>
+            </a:r>
+            <a:r>
+              <a:rPr lang="en-US" dirty="0" err="1"/>
+              <a:t>Tbl</a:t>
+            </a:r>
+            <a:r>
+              <a:rPr lang="en-US" dirty="0"/>
+              <a:t> </a:t>
+            </a:r>
+            <a:r>
+              <a:rPr lang="en-US" dirty="0" err="1"/>
+              <a:t>createTbl</a:t>
+            </a:r>
+            <a:r>
+              <a:rPr lang="en-US" dirty="0"/>
+              <a:t>(Db </a:t>
+            </a:r>
+            <a:r>
+              <a:rPr lang="en-US" dirty="0" err="1"/>
+              <a:t>db</a:t>
+            </a:r>
+            <a:r>
+              <a:rPr lang="en-US" dirty="0"/>
+              <a:t>, </a:t>
+            </a:r>
+          </a:p>
+          <a:p>
+            <a:r>
+              <a:rPr lang="en-US" dirty="0"/>
+              <a:t>				String </a:t>
+            </a:r>
+            <a:r>
+              <a:rPr lang="en-US" dirty="0" err="1"/>
+              <a:t>tblName</a:t>
+            </a:r>
+            <a:r>
+              <a:rPr lang="en-US" dirty="0"/>
+              <a:t>, ..);</a:t>
+            </a:r>
+            <a:br>
+              <a:rPr lang="en-US" dirty="0"/>
+            </a:br>
+            <a:r>
+              <a:rPr lang="en-US" dirty="0"/>
+              <a:t>}</a:t>
+            </a:r>
+          </a:p>
+          <a:p>
+            <a:endParaRPr lang="en-US" dirty="0"/>
+          </a:p>
+          <a:p>
+            <a:r>
+              <a:rPr lang="en-US" dirty="0"/>
+              <a:t>public class </a:t>
+            </a:r>
+            <a:r>
+              <a:rPr lang="en-US" dirty="0" err="1"/>
+              <a:t>MysqlDBInterfacer</a:t>
+            </a:r>
+            <a:r>
+              <a:rPr lang="en-US" dirty="0"/>
+              <a:t> implements </a:t>
+            </a:r>
+            <a:r>
+              <a:rPr lang="en-US" dirty="0" err="1"/>
+              <a:t>DBInterfacer</a:t>
+            </a:r>
+            <a:r>
+              <a:rPr lang="en-US" dirty="0"/>
+              <a:t> {</a:t>
+            </a:r>
+          </a:p>
+          <a:p>
+            <a:r>
+              <a:rPr lang="en-US" dirty="0"/>
+              <a:t>	// concrete implementation</a:t>
+            </a:r>
+          </a:p>
+          <a:p>
+            <a:r>
+              <a:rPr lang="en-US" dirty="0"/>
+              <a:t>}</a:t>
+            </a:r>
+          </a:p>
+          <a:p>
+            <a:endParaRPr lang="en-US" dirty="0"/>
+          </a:p>
+          <a:p>
+            <a:r>
+              <a:rPr lang="en-US" dirty="0"/>
+              <a:t>public class </a:t>
+            </a:r>
+            <a:r>
+              <a:rPr lang="en-US" dirty="0" err="1"/>
+              <a:t>PgDBInterfacer</a:t>
+            </a:r>
+            <a:r>
+              <a:rPr lang="en-US" dirty="0"/>
+              <a:t> implements </a:t>
+            </a:r>
+            <a:r>
+              <a:rPr lang="en-US" dirty="0" err="1"/>
+              <a:t>DBInterfacer</a:t>
+            </a:r>
+            <a:r>
+              <a:rPr lang="en-US" dirty="0"/>
+              <a:t> {</a:t>
+            </a:r>
+          </a:p>
+          <a:p>
+            <a:r>
+              <a:rPr lang="en-US" dirty="0"/>
+              <a:t>	// concrete implementation</a:t>
+            </a:r>
+            <a:br>
+              <a:rPr lang="en-US" dirty="0"/>
+            </a:br>
+            <a:r>
+              <a:rPr lang="en-US" dirty="0"/>
+              <a:t>}</a:t>
+            </a:r>
+          </a:p>
+          <a:p>
+            <a:endParaRPr lang="en-US" dirty="0"/>
+          </a:p>
+        </p:txBody>
+      </p:sp>
+      <p:sp>
+        <p:nvSpPr>
+          <p:cNvPr id="4" name="Title 3">
+            <a:extLst>
+              <a:ext uri="{FF2B5EF4-FFF2-40B4-BE49-F238E27FC236}">
+                <a16:creationId xmlns:a16="http://schemas.microsoft.com/office/drawing/2014/main" id="{71CFE3A6-A698-D343-1F9B-4D24D4A70110}"/>
+              </a:ext>
+            </a:extLst>
+          </p:cNvPr>
+          <p:cNvSpPr>
+            <a:spLocks noGrp="1"/>
+          </p:cNvSpPr>
+          <p:nvPr>
+            <p:ph type="title"/>
+          </p:nvPr>
+        </p:nvSpPr>
+        <p:spPr/>
+        <p:txBody>
+          <a:bodyPr/>
+          <a:lstStyle/>
+          <a:p>
+            <a:r>
+              <a:rPr lang="en-US" dirty="0"/>
+              <a:t>Recap</a:t>
+            </a:r>
+          </a:p>
+        </p:txBody>
+      </p:sp>
+      <p:sp>
+        <p:nvSpPr>
+          <p:cNvPr id="6" name="Content Placeholder 5">
+            <a:extLst>
+              <a:ext uri="{FF2B5EF4-FFF2-40B4-BE49-F238E27FC236}">
+                <a16:creationId xmlns:a16="http://schemas.microsoft.com/office/drawing/2014/main" id="{3AE7B194-3999-9CB5-88C0-493622E146CE}"/>
+              </a:ext>
+            </a:extLst>
+          </p:cNvPr>
+          <p:cNvSpPr>
+            <a:spLocks noGrp="1"/>
+          </p:cNvSpPr>
+          <p:nvPr>
+            <p:ph idx="13"/>
+          </p:nvPr>
+        </p:nvSpPr>
+        <p:spPr/>
+        <p:txBody>
+          <a:bodyPr/>
+          <a:lstStyle/>
+          <a:p>
+            <a:r>
+              <a:rPr lang="en-US" dirty="0"/>
+              <a:t>OO languages allow inheritance and runtime polymorphism</a:t>
+            </a:r>
+          </a:p>
+          <a:p>
+            <a:r>
+              <a:rPr lang="en-US" dirty="0"/>
+              <a:t>Better to “program to interfaces” than concrete class</a:t>
+            </a:r>
+          </a:p>
+          <a:p>
+            <a:endParaRPr lang="en-US" dirty="0"/>
+          </a:p>
+        </p:txBody>
+      </p:sp>
+    </p:spTree>
+    <p:extLst>
+      <p:ext uri="{BB962C8B-B14F-4D97-AF65-F5344CB8AC3E}">
+        <p14:creationId xmlns:p14="http://schemas.microsoft.com/office/powerpoint/2010/main" val="2362698392"/>
+      </p:ext>
+    </p:extLst>
+  </p:cSld>
+  <p:clrMapOvr>
+    <a:masterClrMapping/>
+  </p:clrMapOvr>
+</p:sld>
+</file>
+
+<file path=ppt/slides/slide38.xml><?xml version="1.0" encoding="utf-8"?>
+<p:sld xmlns:a="http://schemas.openxmlformats.org/drawingml/2006/main" xmlns:r="http://schemas.openxmlformats.org/officeDocument/2006/relationships" xmlns:p="http://schemas.openxmlformats.org/presentationml/2006/main">
+  <p:cSld>
+    <p:spTree>
+      <p:nvGrpSpPr>
+        <p:cNvPr id="1" name="">
+          <a:extLst>
+            <a:ext uri="{FF2B5EF4-FFF2-40B4-BE49-F238E27FC236}">
+              <a16:creationId xmlns:a16="http://schemas.microsoft.com/office/drawing/2014/main" id="{4019A1C3-23C7-9844-639A-8B87E5D378D1}"/>
+            </a:ext>
+          </a:extLst>
+        </p:cNvPr>
+        <p:cNvGrpSpPr/>
+        <p:nvPr/>
+      </p:nvGrpSpPr>
+      <p:grpSpPr>
+        <a:xfrm>
+          <a:off x="0" y="0"/>
+          <a:ext cx="0" cy="0"/>
+          <a:chOff x="0" y="0"/>
+          <a:chExt cx="0" cy="0"/>
+        </a:xfrm>
+      </p:grpSpPr>
+      <p:sp>
+        <p:nvSpPr>
+          <p:cNvPr id="5" name="Content Placeholder 4">
+            <a:extLst>
+              <a:ext uri="{FF2B5EF4-FFF2-40B4-BE49-F238E27FC236}">
+                <a16:creationId xmlns:a16="http://schemas.microsoft.com/office/drawing/2014/main" id="{D33FA9BB-0D6C-125E-4A9B-5A4D13D4837F}"/>
+              </a:ext>
+            </a:extLst>
+          </p:cNvPr>
+          <p:cNvSpPr>
+            <a:spLocks noGrp="1"/>
+          </p:cNvSpPr>
+          <p:nvPr>
+            <p:ph idx="1"/>
+          </p:nvPr>
+        </p:nvSpPr>
+        <p:spPr>
+          <a:xfrm>
+            <a:off x="6176512" y="785004"/>
+            <a:ext cx="5633413" cy="5046453"/>
+          </a:xfrm>
+        </p:spPr>
+        <p:txBody>
+          <a:bodyPr>
+            <a:normAutofit/>
+          </a:bodyPr>
+          <a:lstStyle/>
+          <a:p>
+            <a:r>
+              <a:rPr lang="en-US" dirty="0"/>
+              <a:t>public void </a:t>
+            </a:r>
+            <a:r>
+              <a:rPr lang="en-US" dirty="0" err="1"/>
+              <a:t>downloadSong</a:t>
+            </a:r>
+            <a:r>
+              <a:rPr lang="en-US" dirty="0"/>
+              <a:t>() {</a:t>
+            </a:r>
+          </a:p>
+          <a:p>
+            <a:r>
+              <a:rPr lang="en-US" dirty="0"/>
+              <a:t>  </a:t>
+            </a:r>
+            <a:r>
+              <a:rPr lang="en-US" dirty="0" err="1"/>
+              <a:t>MySqlDBInterface</a:t>
+            </a:r>
+            <a:r>
+              <a:rPr lang="en-US" dirty="0"/>
+              <a:t> </a:t>
+            </a:r>
+            <a:r>
+              <a:rPr lang="en-US" dirty="0" err="1"/>
+              <a:t>mysqlInt</a:t>
+            </a:r>
+            <a:r>
+              <a:rPr lang="en-US" dirty="0"/>
+              <a:t> = </a:t>
+            </a:r>
+          </a:p>
+          <a:p>
+            <a:r>
+              <a:rPr lang="en-US" dirty="0"/>
+              <a:t>			new </a:t>
+            </a:r>
+            <a:r>
+              <a:rPr lang="en-US" dirty="0" err="1"/>
+              <a:t>MySqlDBInterface</a:t>
+            </a:r>
+            <a:r>
+              <a:rPr lang="en-US" dirty="0"/>
+              <a:t>();</a:t>
+            </a:r>
+          </a:p>
+          <a:p>
+            <a:r>
+              <a:rPr lang="en-US" dirty="0"/>
+              <a:t>  </a:t>
+            </a:r>
+            <a:r>
+              <a:rPr lang="en-US" dirty="0" err="1"/>
+              <a:t>PgDBInterface</a:t>
+            </a:r>
+            <a:r>
+              <a:rPr lang="en-US" dirty="0"/>
+              <a:t> </a:t>
+            </a:r>
+            <a:r>
+              <a:rPr lang="en-US" dirty="0" err="1"/>
+              <a:t>pgInt</a:t>
+            </a:r>
+            <a:r>
+              <a:rPr lang="en-US" dirty="0"/>
+              <a:t> = new </a:t>
+            </a:r>
+            <a:r>
+              <a:rPr lang="en-US" dirty="0" err="1"/>
+              <a:t>PgDBInterface</a:t>
+            </a:r>
+            <a:r>
+              <a:rPr lang="en-US" dirty="0"/>
+              <a:t>();</a:t>
+            </a:r>
+          </a:p>
+          <a:p>
+            <a:endParaRPr lang="en-US" dirty="0"/>
+          </a:p>
+          <a:p>
+            <a:r>
+              <a:rPr lang="en-US" dirty="0"/>
+              <a:t>  DB db1 = </a:t>
+            </a:r>
+            <a:r>
+              <a:rPr lang="en-US" dirty="0" err="1"/>
+              <a:t>mySqlInt.createDB</a:t>
+            </a:r>
+            <a:r>
+              <a:rPr lang="en-US" dirty="0"/>
+              <a:t>(..);</a:t>
+            </a:r>
+          </a:p>
+          <a:p>
+            <a:r>
+              <a:rPr lang="en-US" dirty="0"/>
+              <a:t>  DB db2 = </a:t>
+            </a:r>
+            <a:r>
+              <a:rPr lang="en-US" dirty="0" err="1"/>
+              <a:t>pgInt.createDB</a:t>
+            </a:r>
+            <a:r>
+              <a:rPr lang="en-US" dirty="0"/>
+              <a:t>(..);</a:t>
+            </a:r>
+          </a:p>
+          <a:p>
+            <a:endParaRPr lang="en-US" dirty="0"/>
+          </a:p>
+          <a:p>
+            <a:r>
+              <a:rPr lang="en-US" dirty="0"/>
+              <a:t>  // Won’t produce compiler error</a:t>
+            </a:r>
+            <a:br>
+              <a:rPr lang="en-US" dirty="0"/>
+            </a:br>
+            <a:r>
+              <a:rPr lang="en-US" dirty="0"/>
+              <a:t>  </a:t>
+            </a:r>
+            <a:r>
+              <a:rPr lang="en-US" dirty="0" err="1"/>
+              <a:t>Tbl</a:t>
+            </a:r>
+            <a:r>
+              <a:rPr lang="en-US" dirty="0"/>
+              <a:t> tb = </a:t>
+            </a:r>
+            <a:r>
+              <a:rPr lang="en-US" dirty="0" err="1"/>
+              <a:t>mysqlInt.createTbl</a:t>
+            </a:r>
+            <a:r>
+              <a:rPr lang="en-US" dirty="0"/>
+              <a:t>(db2, ..);</a:t>
+            </a:r>
+          </a:p>
+          <a:p>
+            <a:br>
+              <a:rPr lang="en-US" dirty="0"/>
+            </a:br>
+            <a:r>
+              <a:rPr lang="en-US" dirty="0"/>
+              <a:t>}</a:t>
+            </a:r>
+          </a:p>
+        </p:txBody>
+      </p:sp>
+      <p:sp>
+        <p:nvSpPr>
+          <p:cNvPr id="4" name="Title 3">
+            <a:extLst>
+              <a:ext uri="{FF2B5EF4-FFF2-40B4-BE49-F238E27FC236}">
+                <a16:creationId xmlns:a16="http://schemas.microsoft.com/office/drawing/2014/main" id="{4E394404-EA25-828A-1172-2AC1CC6B2604}"/>
+              </a:ext>
+            </a:extLst>
+          </p:cNvPr>
+          <p:cNvSpPr>
+            <a:spLocks noGrp="1"/>
+          </p:cNvSpPr>
+          <p:nvPr>
+            <p:ph type="title"/>
+          </p:nvPr>
+        </p:nvSpPr>
+        <p:spPr>
+          <a:xfrm>
+            <a:off x="0" y="0"/>
+            <a:ext cx="12192000" cy="696277"/>
+          </a:xfrm>
+        </p:spPr>
+        <p:txBody>
+          <a:bodyPr/>
+          <a:lstStyle/>
+          <a:p>
+            <a:r>
+              <a:rPr lang="en-US" dirty="0"/>
+              <a:t>Recap</a:t>
+            </a:r>
+          </a:p>
+        </p:txBody>
+      </p:sp>
+      <p:sp>
+        <p:nvSpPr>
+          <p:cNvPr id="6" name="Content Placeholder 5">
+            <a:extLst>
+              <a:ext uri="{FF2B5EF4-FFF2-40B4-BE49-F238E27FC236}">
+                <a16:creationId xmlns:a16="http://schemas.microsoft.com/office/drawing/2014/main" id="{A5BA4C09-35D1-712B-1A66-837C454E86C3}"/>
+              </a:ext>
+            </a:extLst>
+          </p:cNvPr>
+          <p:cNvSpPr>
+            <a:spLocks noGrp="1"/>
+          </p:cNvSpPr>
+          <p:nvPr>
+            <p:ph idx="13"/>
+          </p:nvPr>
+        </p:nvSpPr>
+        <p:spPr>
+          <a:xfrm>
+            <a:off x="382074" y="785004"/>
+            <a:ext cx="5633413" cy="5046453"/>
+          </a:xfrm>
+        </p:spPr>
+        <p:txBody>
+          <a:bodyPr/>
+          <a:lstStyle/>
+          <a:p>
+            <a:r>
+              <a:rPr lang="en-US" dirty="0"/>
+              <a:t>Having a broader interface can allow certain bugs that narrower interface would not </a:t>
+            </a:r>
+          </a:p>
+          <a:p>
+            <a:r>
+              <a:rPr lang="en-US" dirty="0"/>
+              <a:t>Extensibility vs. correctness tradeoff </a:t>
+            </a:r>
+          </a:p>
+          <a:p>
+            <a:r>
+              <a:rPr lang="en-US" dirty="0"/>
+              <a:t>In real situations – rare to make such errors</a:t>
+            </a:r>
+          </a:p>
+          <a:p>
+            <a:endParaRPr lang="en-US" dirty="0"/>
+          </a:p>
+        </p:txBody>
+      </p:sp>
+      <p:sp>
+        <p:nvSpPr>
+          <p:cNvPr id="8" name="Rectangle 7">
+            <a:extLst>
+              <a:ext uri="{FF2B5EF4-FFF2-40B4-BE49-F238E27FC236}">
+                <a16:creationId xmlns:a16="http://schemas.microsoft.com/office/drawing/2014/main" id="{CC4D24D7-2B39-31B2-33E4-027BFFA22247}"/>
+              </a:ext>
+            </a:extLst>
+          </p:cNvPr>
+          <p:cNvSpPr/>
+          <p:nvPr/>
+        </p:nvSpPr>
+        <p:spPr>
+          <a:xfrm>
+            <a:off x="7391548" y="2957688"/>
+            <a:ext cx="1018674" cy="426156"/>
+          </a:xfrm>
+          <a:prstGeom prst="rect">
+            <a:avLst/>
+          </a:prstGeom>
+          <a:noFill/>
+          <a:ln w="31750" cap="flat" cmpd="sng" algn="ctr">
+            <a:solidFill>
+              <a:schemeClr val="accent1"/>
+            </a:solidFill>
+            <a:prstDash val="solid"/>
+            <a:round/>
+            <a:headEnd type="none" w="med" len="med"/>
+            <a:tailEnd type="none" w="med" len="med"/>
+          </a:ln>
+        </p:spPr>
+        <p:style>
+          <a:lnRef idx="0">
+            <a:scrgbClr r="0" g="0" b="0"/>
+          </a:lnRef>
+          <a:fillRef idx="0">
+            <a:scrgbClr r="0" g="0" b="0"/>
+          </a:fillRef>
+          <a:effectRef idx="0">
+            <a:scrgbClr r="0" g="0" b="0"/>
+          </a:effectRef>
+          <a:fontRef idx="minor">
+            <a:schemeClr val="accent1"/>
+          </a:fontRef>
+        </p:style>
+        <p:txBody>
+          <a:bodyPr rot="0" spcFirstLastPara="0" vertOverflow="overflow" horzOverflow="overflow" vert="horz" wrap="square" lIns="91440" tIns="45720" rIns="91440" bIns="45720" numCol="1" spcCol="0" rtlCol="0" fromWordArt="0" anchor="ctr" anchorCtr="0" forceAA="0" compatLnSpc="1">
+            <a:prstTxWarp prst="textNoShape">
+              <a:avLst/>
+            </a:prstTxWarp>
+            <a:noAutofit/>
+          </a:bodyPr>
+          <a:lstStyle/>
+          <a:p>
+            <a:pPr algn="ctr"/>
+            <a:endParaRPr lang="en-US" dirty="0">
+              <a:ln w="0"/>
+              <a:solidFill>
+                <a:schemeClr val="tx1"/>
+              </a:solidFill>
+              <a:effectLst>
+                <a:outerShdw blurRad="38100" dist="19050" dir="2700000" algn="tl" rotWithShape="0">
+                  <a:schemeClr val="dk1">
+                    <a:alpha val="40000"/>
+                  </a:schemeClr>
+                </a:outerShdw>
+              </a:effectLst>
+            </a:endParaRPr>
+          </a:p>
+        </p:txBody>
+      </p:sp>
+      <p:sp>
+        <p:nvSpPr>
+          <p:cNvPr id="9" name="Rectangle 8">
+            <a:extLst>
+              <a:ext uri="{FF2B5EF4-FFF2-40B4-BE49-F238E27FC236}">
+                <a16:creationId xmlns:a16="http://schemas.microsoft.com/office/drawing/2014/main" id="{A39C6DE3-1E94-B0C5-4758-E479B7ACFE8E}"/>
+              </a:ext>
+            </a:extLst>
+          </p:cNvPr>
+          <p:cNvSpPr/>
+          <p:nvPr/>
+        </p:nvSpPr>
+        <p:spPr>
+          <a:xfrm>
+            <a:off x="9480609" y="2957688"/>
+            <a:ext cx="629208" cy="426156"/>
+          </a:xfrm>
+          <a:prstGeom prst="rect">
+            <a:avLst/>
+          </a:prstGeom>
+          <a:noFill/>
+          <a:ln w="31750" cap="flat" cmpd="sng" algn="ctr">
+            <a:solidFill>
+              <a:schemeClr val="accent1"/>
+            </a:solidFill>
+            <a:prstDash val="solid"/>
+            <a:round/>
+            <a:headEnd type="none" w="med" len="med"/>
+            <a:tailEnd type="none" w="med" len="med"/>
+          </a:ln>
+        </p:spPr>
+        <p:style>
+          <a:lnRef idx="0">
+            <a:scrgbClr r="0" g="0" b="0"/>
+          </a:lnRef>
+          <a:fillRef idx="0">
+            <a:scrgbClr r="0" g="0" b="0"/>
+          </a:fillRef>
+          <a:effectRef idx="0">
+            <a:scrgbClr r="0" g="0" b="0"/>
+          </a:effectRef>
+          <a:fontRef idx="minor">
+            <a:schemeClr val="accent1"/>
+          </a:fontRef>
+        </p:style>
+        <p:txBody>
+          <a:bodyPr rot="0" spcFirstLastPara="0" vertOverflow="overflow" horzOverflow="overflow" vert="horz" wrap="square" lIns="91440" tIns="45720" rIns="91440" bIns="45720" numCol="1" spcCol="0" rtlCol="0" fromWordArt="0" anchor="ctr" anchorCtr="0" forceAA="0" compatLnSpc="1">
+            <a:prstTxWarp prst="textNoShape">
+              <a:avLst/>
+            </a:prstTxWarp>
+            <a:noAutofit/>
+          </a:bodyPr>
+          <a:lstStyle/>
+          <a:p>
+            <a:pPr algn="ctr"/>
+            <a:endParaRPr lang="en-US" dirty="0">
+              <a:ln w="0"/>
+              <a:solidFill>
+                <a:schemeClr val="tx1"/>
+              </a:solidFill>
+              <a:effectLst>
+                <a:outerShdw blurRad="38100" dist="19050" dir="2700000" algn="tl" rotWithShape="0">
+                  <a:schemeClr val="dk1">
+                    <a:alpha val="40000"/>
+                  </a:schemeClr>
+                </a:outerShdw>
+              </a:effectLst>
+            </a:endParaRPr>
+          </a:p>
+        </p:txBody>
+      </p:sp>
+      <p:grpSp>
+        <p:nvGrpSpPr>
+          <p:cNvPr id="12" name="Group 11">
+            <a:extLst>
+              <a:ext uri="{FF2B5EF4-FFF2-40B4-BE49-F238E27FC236}">
+                <a16:creationId xmlns:a16="http://schemas.microsoft.com/office/drawing/2014/main" id="{2D3D2EAF-6C2A-CF37-6A8C-C67307E52018}"/>
+              </a:ext>
+            </a:extLst>
+          </p:cNvPr>
+          <p:cNvGrpSpPr/>
+          <p:nvPr/>
+        </p:nvGrpSpPr>
+        <p:grpSpPr>
+          <a:xfrm>
+            <a:off x="7020419" y="3449799"/>
+            <a:ext cx="3378840" cy="390689"/>
+            <a:chOff x="7020419" y="3449799"/>
+            <a:chExt cx="3378840" cy="390689"/>
+          </a:xfrm>
+        </p:grpSpPr>
+        <p:sp>
+          <p:nvSpPr>
+            <p:cNvPr id="10" name="TextBox 9">
+              <a:extLst>
+                <a:ext uri="{FF2B5EF4-FFF2-40B4-BE49-F238E27FC236}">
+                  <a16:creationId xmlns:a16="http://schemas.microsoft.com/office/drawing/2014/main" id="{094204D9-0FFE-D862-139F-D7FD31CAE0C5}"/>
+                </a:ext>
+              </a:extLst>
+            </p:cNvPr>
+            <p:cNvSpPr txBox="1"/>
+            <p:nvPr/>
+          </p:nvSpPr>
+          <p:spPr>
+            <a:xfrm>
+              <a:off x="7020419" y="3471156"/>
+              <a:ext cx="1760931" cy="369332"/>
+            </a:xfrm>
+            <a:prstGeom prst="rect">
+              <a:avLst/>
+            </a:prstGeom>
+            <a:noFill/>
+          </p:spPr>
+          <p:txBody>
+            <a:bodyPr wrap="none" rtlCol="0">
+              <a:spAutoFit/>
+            </a:bodyPr>
+            <a:lstStyle/>
+            <a:p>
+              <a:r>
+                <a:rPr lang="en-US" b="1" i="1" dirty="0"/>
+                <a:t>MySQL interface</a:t>
+              </a:r>
+            </a:p>
+          </p:txBody>
+        </p:sp>
+        <p:sp>
+          <p:nvSpPr>
+            <p:cNvPr id="11" name="TextBox 10">
+              <a:extLst>
+                <a:ext uri="{FF2B5EF4-FFF2-40B4-BE49-F238E27FC236}">
+                  <a16:creationId xmlns:a16="http://schemas.microsoft.com/office/drawing/2014/main" id="{833024B8-BE89-F5C9-112A-BF61B9A0E228}"/>
+                </a:ext>
+              </a:extLst>
+            </p:cNvPr>
+            <p:cNvSpPr txBox="1"/>
+            <p:nvPr/>
+          </p:nvSpPr>
+          <p:spPr>
+            <a:xfrm>
+              <a:off x="9069536" y="3449799"/>
+              <a:ext cx="1329723" cy="369332"/>
+            </a:xfrm>
+            <a:prstGeom prst="rect">
+              <a:avLst/>
+            </a:prstGeom>
+            <a:noFill/>
+          </p:spPr>
+          <p:txBody>
+            <a:bodyPr wrap="none" rtlCol="0">
+              <a:spAutoFit/>
+            </a:bodyPr>
+            <a:lstStyle/>
+            <a:p>
+              <a:r>
+                <a:rPr lang="en-US" b="1" i="1" dirty="0"/>
+                <a:t>Postgres DB</a:t>
+              </a:r>
+            </a:p>
+          </p:txBody>
+        </p:sp>
+      </p:grpSp>
+    </p:spTree>
+    <p:extLst>
+      <p:ext uri="{BB962C8B-B14F-4D97-AF65-F5344CB8AC3E}">
+        <p14:creationId xmlns:p14="http://schemas.microsoft.com/office/powerpoint/2010/main" val="2429336504"/>
+      </p:ext>
+    </p:extLst>
+  </p:cSld>
+  <p:clrMapOvr>
+    <a:masterClrMapping/>
+  </p:clrMapOvr>
+  <p:timing>
+    <p:tnLst>
+      <p:par>
+        <p:cTn id="1" dur="indefinite" restart="never" nodeType="tmRoot">
+          <p:childTnLst>
+            <p:seq concurrent="1" nextAc="seek">
+              <p:cTn id="2" dur="indefinite" nodeType="mainSeq">
+                <p:childTnLst>
+                  <p:par>
+                    <p:cTn id="3" fill="hold">
+                      <p:stCondLst>
+                        <p:cond delay="indefinite"/>
+                      </p:stCondLst>
+                      <p:childTnLst>
+                        <p:par>
+                          <p:cTn id="4" fill="hold">
+                            <p:stCondLst>
+                              <p:cond delay="0"/>
+                            </p:stCondLst>
+                            <p:childTnLst>
+                              <p:par>
+                                <p:cTn id="5" presetID="1" presetClass="entr" presetSubtype="0" fill="hold" grpId="0" nodeType="clickEffect">
+                                  <p:stCondLst>
+                                    <p:cond delay="0"/>
+                                  </p:stCondLst>
+                                  <p:childTnLst>
+                                    <p:set>
+                                      <p:cBhvr>
+                                        <p:cTn id="6" dur="1" fill="hold">
+                                          <p:stCondLst>
+                                            <p:cond delay="0"/>
+                                          </p:stCondLst>
+                                        </p:cTn>
+                                        <p:tgtEl>
+                                          <p:spTgt spid="8"/>
+                                        </p:tgtEl>
+                                        <p:attrNameLst>
+                                          <p:attrName>style.visibility</p:attrName>
+                                        </p:attrNameLst>
+                                      </p:cBhvr>
+                                      <p:to>
+                                        <p:strVal val="visible"/>
+                                      </p:to>
+                                    </p:set>
+                                  </p:childTnLst>
+                                </p:cTn>
+                              </p:par>
+                            </p:childTnLst>
+                          </p:cTn>
+                        </p:par>
+                      </p:childTnLst>
+                    </p:cTn>
+                  </p:par>
+                  <p:par>
+                    <p:cTn id="7" fill="hold">
+                      <p:stCondLst>
+                        <p:cond delay="indefinite"/>
+                      </p:stCondLst>
+                      <p:childTnLst>
+                        <p:par>
+                          <p:cTn id="8" fill="hold">
+                            <p:stCondLst>
+                              <p:cond delay="0"/>
+                            </p:stCondLst>
+                            <p:childTnLst>
+                              <p:par>
+                                <p:cTn id="9" presetID="1" presetClass="entr" presetSubtype="0" fill="hold" grpId="0" nodeType="clickEffect">
+                                  <p:stCondLst>
+                                    <p:cond delay="0"/>
+                                  </p:stCondLst>
+                                  <p:childTnLst>
+                                    <p:set>
+                                      <p:cBhvr>
+                                        <p:cTn id="10" dur="1" fill="hold">
+                                          <p:stCondLst>
+                                            <p:cond delay="0"/>
+                                          </p:stCondLst>
+                                        </p:cTn>
+                                        <p:tgtEl>
+                                          <p:spTgt spid="9"/>
+                                        </p:tgtEl>
+                                        <p:attrNameLst>
+                                          <p:attrName>style.visibility</p:attrName>
+                                        </p:attrNameLst>
+                                      </p:cBhvr>
+                                      <p:to>
+                                        <p:strVal val="visible"/>
+                                      </p:to>
+                                    </p:set>
+                                  </p:childTnLst>
+                                </p:cTn>
+                              </p:par>
+                            </p:childTnLst>
+                          </p:cTn>
+                        </p:par>
+                      </p:childTnLst>
+                    </p:cTn>
+                  </p:par>
+                  <p:par>
+                    <p:cTn id="11" fill="hold">
+                      <p:stCondLst>
+                        <p:cond delay="indefinite"/>
+                      </p:stCondLst>
+                      <p:childTnLst>
+                        <p:par>
+                          <p:cTn id="12" fill="hold">
+                            <p:stCondLst>
+                              <p:cond delay="0"/>
+                            </p:stCondLst>
+                            <p:childTnLst>
+                              <p:par>
+                                <p:cTn id="13" presetID="1" presetClass="entr" presetSubtype="0" fill="hold" nodeType="clickEffect">
+                                  <p:stCondLst>
+                                    <p:cond delay="0"/>
+                                  </p:stCondLst>
+                                  <p:childTnLst>
+                                    <p:set>
+                                      <p:cBhvr>
+                                        <p:cTn id="14" dur="1" fill="hold">
+                                          <p:stCondLst>
+                                            <p:cond delay="0"/>
+                                          </p:stCondLst>
+                                        </p:cTn>
+                                        <p:tgtEl>
+                                          <p:spTgt spid="12"/>
+                                        </p:tgtEl>
+                                        <p:attrNameLst>
+                                          <p:attrName>style.visibility</p:attrName>
+                                        </p:attrNameLst>
+                                      </p:cBhvr>
+                                      <p:to>
+                                        <p:strVal val="visible"/>
+                                      </p:to>
+                                    </p:set>
+                                  </p:childTnLst>
+                                </p:cTn>
+                              </p:par>
+                            </p:childTnLst>
+                          </p:cTn>
+                        </p:par>
+                      </p:childTnLst>
+                    </p:cTn>
+                  </p:par>
+                  <p:par>
+                    <p:cTn id="15" fill="hold">
+                      <p:stCondLst>
+                        <p:cond delay="indefinite"/>
+                      </p:stCondLst>
+                      <p:childTnLst>
+                        <p:par>
+                          <p:cTn id="16" fill="hold">
+                            <p:stCondLst>
+                              <p:cond delay="0"/>
+                            </p:stCondLst>
+                            <p:childTnLst>
+                              <p:par>
+                                <p:cTn id="17" presetID="1" presetClass="entr" presetSubtype="0" fill="hold" nodeType="clickEffect">
+                                  <p:stCondLst>
+                                    <p:cond delay="0"/>
+                                  </p:stCondLst>
+                                  <p:childTnLst>
+                                    <p:set>
+                                      <p:cBhvr>
+                                        <p:cTn id="18" dur="1" fill="hold">
+                                          <p:stCondLst>
+                                            <p:cond delay="0"/>
+                                          </p:stCondLst>
+                                        </p:cTn>
+                                        <p:tgtEl>
+                                          <p:spTgt spid="6">
+                                            <p:txEl>
+                                              <p:pRg st="2" end="2"/>
+                                            </p:txEl>
+                                          </p:spTgt>
+                                        </p:tgtEl>
+                                        <p:attrNameLst>
+                                          <p:attrName>style.visibility</p:attrName>
+                                        </p:attrNameLst>
+                                      </p:cBhvr>
+                                      <p:to>
+                                        <p:strVal val="visible"/>
+                                      </p:to>
+                                    </p:set>
+                                  </p:childTnLst>
+                                </p:cTn>
+                              </p:par>
+                            </p:childTnLst>
+                          </p:cTn>
+                        </p:par>
+                      </p:childTnLst>
+                    </p:cTn>
+                  </p:par>
+                </p:childTnLst>
+              </p:cTn>
+              <p:prevCondLst>
+                <p:cond evt="onPrev" delay="0">
+                  <p:tgtEl>
+                    <p:sldTgt/>
+                  </p:tgtEl>
+                </p:cond>
+              </p:prevCondLst>
+              <p:nextCondLst>
+                <p:cond evt="onNext" delay="0">
+                  <p:tgtEl>
+                    <p:sldTgt/>
+                  </p:tgtEl>
+                </p:cond>
+              </p:nextCondLst>
+            </p:seq>
+          </p:childTnLst>
+        </p:cTn>
+      </p:par>
+    </p:tnLst>
+    <p:bldLst>
+      <p:bldP spid="8" grpId="0" animBg="1"/>
+      <p:bldP spid="9" grpId="0" animBg="1"/>
+    </p:bldLst>
+  </p:timing>
+</p:sld>
+</file>
+
+<file path=ppt/slides/slide39.xml><?xml version="1.0" encoding="utf-8"?>
 <p:sld xmlns:a="http://schemas.openxmlformats.org/drawingml/2006/main" xmlns:r="http://schemas.openxmlformats.org/officeDocument/2006/relationships" xmlns:p="http://schemas.openxmlformats.org/presentationml/2006/main">
   <p:cSld>
     <p:spTree>
@@ -22593,7 +25024,7 @@
           <p:cNvPr id="2" name="Content Placeholder 1">
             <a:extLst>
               <a:ext uri="{FF2B5EF4-FFF2-40B4-BE49-F238E27FC236}">
-                <a16:creationId xmlns:a16="http://schemas.microsoft.com/office/drawing/2014/main" id="{6E49DA0F-0AAA-CE6F-37D1-8567EF092C91}"/>
+                <a16:creationId xmlns:a16="http://schemas.microsoft.com/office/drawing/2014/main" id="{B5E07DA0-6688-3BCD-46D6-6C64277933C4}"/>
               </a:ext>
             </a:extLst>
           </p:cNvPr>
@@ -22606,19 +25037,296 @@
         </p:nvSpPr>
         <p:spPr/>
         <p:txBody>
-          <a:bodyPr/>
+          <a:bodyPr>
+            <a:normAutofit fontScale="92500" lnSpcReduction="10000"/>
+          </a:bodyPr>
           <a:lstStyle/>
           <a:p>
-            <a:endParaRPr lang="en-US"/>
+            <a:r>
+              <a:rPr lang="en-US" dirty="0"/>
+              <a:t>public </a:t>
+            </a:r>
+            <a:r>
+              <a:rPr lang="en-US" b="1" dirty="0"/>
+              <a:t>[abstract] class</a:t>
+            </a:r>
+            <a:r>
+              <a:rPr lang="en-US" dirty="0"/>
+              <a:t> DB {}</a:t>
+            </a:r>
+          </a:p>
+          <a:p>
+            <a:r>
+              <a:rPr lang="en-US" dirty="0"/>
+              <a:t>public class </a:t>
+            </a:r>
+            <a:r>
+              <a:rPr lang="en-US" dirty="0" err="1"/>
+              <a:t>MysqlDB</a:t>
+            </a:r>
+            <a:r>
+              <a:rPr lang="en-US" dirty="0"/>
+              <a:t> implements DB { .. }</a:t>
+            </a:r>
+          </a:p>
+          <a:p>
+            <a:r>
+              <a:rPr lang="en-US" dirty="0"/>
+              <a:t>public class </a:t>
+            </a:r>
+            <a:r>
+              <a:rPr lang="en-US" dirty="0" err="1"/>
+              <a:t>PgDB</a:t>
+            </a:r>
+            <a:r>
+              <a:rPr lang="en-US" dirty="0"/>
+              <a:t> implements DB { .. }</a:t>
+            </a:r>
+          </a:p>
+          <a:p>
+            <a:endParaRPr lang="en-US" dirty="0"/>
+          </a:p>
+          <a:p>
+            <a:r>
+              <a:rPr lang="en-US" dirty="0"/>
+              <a:t>public interface </a:t>
+            </a:r>
+            <a:r>
+              <a:rPr lang="en-US" dirty="0" err="1"/>
+              <a:t>Tbl</a:t>
+            </a:r>
+            <a:r>
+              <a:rPr lang="en-US" dirty="0"/>
+              <a:t> {}</a:t>
+            </a:r>
+            <a:br>
+              <a:rPr lang="en-US" dirty="0"/>
+            </a:br>
+            <a:r>
+              <a:rPr lang="en-US" dirty="0"/>
+              <a:t>public class </a:t>
+            </a:r>
+            <a:r>
+              <a:rPr lang="en-US" dirty="0" err="1"/>
+              <a:t>MysqlTbl</a:t>
+            </a:r>
+            <a:r>
+              <a:rPr lang="en-US" dirty="0"/>
+              <a:t> implements </a:t>
+            </a:r>
+            <a:r>
+              <a:rPr lang="en-US" dirty="0" err="1"/>
+              <a:t>Tbl</a:t>
+            </a:r>
+            <a:r>
+              <a:rPr lang="en-US" dirty="0"/>
+              <a:t> { ...}</a:t>
+            </a:r>
+          </a:p>
+          <a:p>
+            <a:r>
+              <a:rPr lang="en-US" dirty="0"/>
+              <a:t>public class </a:t>
+            </a:r>
+            <a:r>
+              <a:rPr lang="en-US" dirty="0" err="1"/>
+              <a:t>PgTbl</a:t>
+            </a:r>
+            <a:r>
+              <a:rPr lang="en-US" dirty="0"/>
+              <a:t> implements </a:t>
+            </a:r>
+            <a:r>
+              <a:rPr lang="en-US" dirty="0" err="1"/>
+              <a:t>Tbl</a:t>
+            </a:r>
+            <a:r>
+              <a:rPr lang="en-US" dirty="0"/>
+              <a:t> {..}</a:t>
+            </a:r>
+          </a:p>
+          <a:p>
+            <a:endParaRPr lang="en-US" dirty="0"/>
+          </a:p>
+          <a:p>
+            <a:r>
+              <a:rPr lang="en-US" dirty="0"/>
+              <a:t>public interface </a:t>
+            </a:r>
+            <a:r>
+              <a:rPr lang="en-US" dirty="0" err="1"/>
+              <a:t>DBInterfacer</a:t>
+            </a:r>
+            <a:r>
+              <a:rPr lang="en-US" dirty="0"/>
+              <a:t> {</a:t>
+            </a:r>
+          </a:p>
+          <a:p>
+            <a:r>
+              <a:rPr lang="en-US" dirty="0"/>
+              <a:t>	public void DB </a:t>
+            </a:r>
+            <a:r>
+              <a:rPr lang="en-US" dirty="0" err="1"/>
+              <a:t>createDB</a:t>
+            </a:r>
+            <a:r>
+              <a:rPr lang="en-US" dirty="0"/>
+              <a:t>(String </a:t>
+            </a:r>
+            <a:r>
+              <a:rPr lang="en-US" dirty="0" err="1"/>
+              <a:t>dbName</a:t>
+            </a:r>
+            <a:r>
+              <a:rPr lang="en-US" dirty="0"/>
+              <a:t>);</a:t>
+            </a:r>
+          </a:p>
+          <a:p>
+            <a:endParaRPr lang="en-US" dirty="0"/>
+          </a:p>
+          <a:p>
+            <a:r>
+              <a:rPr lang="en-US" dirty="0"/>
+              <a:t>	public </a:t>
+            </a:r>
+            <a:r>
+              <a:rPr lang="en-US" dirty="0" err="1"/>
+              <a:t>Tbl</a:t>
+            </a:r>
+            <a:r>
+              <a:rPr lang="en-US" dirty="0"/>
+              <a:t> </a:t>
+            </a:r>
+            <a:r>
+              <a:rPr lang="en-US" dirty="0" err="1"/>
+              <a:t>createTbl</a:t>
+            </a:r>
+            <a:r>
+              <a:rPr lang="en-US" dirty="0"/>
+              <a:t>(Db </a:t>
+            </a:r>
+            <a:r>
+              <a:rPr lang="en-US" dirty="0" err="1"/>
+              <a:t>db</a:t>
+            </a:r>
+            <a:r>
+              <a:rPr lang="en-US" dirty="0"/>
+              <a:t>, </a:t>
+            </a:r>
+          </a:p>
+          <a:p>
+            <a:r>
+              <a:rPr lang="en-US" dirty="0"/>
+              <a:t>				String </a:t>
+            </a:r>
+            <a:r>
+              <a:rPr lang="en-US" dirty="0" err="1"/>
+              <a:t>tblName</a:t>
+            </a:r>
+            <a:r>
+              <a:rPr lang="en-US" dirty="0"/>
+              <a:t>, ..);</a:t>
+            </a:r>
+            <a:br>
+              <a:rPr lang="en-US" dirty="0"/>
+            </a:br>
+            <a:r>
+              <a:rPr lang="en-US" dirty="0"/>
+              <a:t>}</a:t>
+            </a:r>
+          </a:p>
+          <a:p>
+            <a:endParaRPr lang="en-US" dirty="0"/>
+          </a:p>
+          <a:p>
+            <a:r>
+              <a:rPr lang="en-US" dirty="0"/>
+              <a:t>public class </a:t>
+            </a:r>
+            <a:r>
+              <a:rPr lang="en-US" dirty="0" err="1"/>
+              <a:t>MysqlDBInterfacer</a:t>
+            </a:r>
+            <a:r>
+              <a:rPr lang="en-US" dirty="0"/>
+              <a:t> implements </a:t>
+            </a:r>
+            <a:r>
+              <a:rPr lang="en-US" dirty="0" err="1"/>
+              <a:t>DBInterfacer</a:t>
+            </a:r>
+            <a:r>
+              <a:rPr lang="en-US" dirty="0"/>
+              <a:t> {</a:t>
+            </a:r>
+          </a:p>
+          <a:p>
+            <a:r>
+              <a:rPr lang="en-US" dirty="0"/>
+              <a:t>	// concrete implementation</a:t>
+            </a:r>
+          </a:p>
+          <a:p>
+            <a:r>
+              <a:rPr lang="en-US" dirty="0"/>
+              <a:t>}</a:t>
+            </a:r>
+          </a:p>
+          <a:p>
+            <a:endParaRPr lang="en-US" dirty="0"/>
+          </a:p>
+          <a:p>
+            <a:r>
+              <a:rPr lang="en-US" dirty="0"/>
+              <a:t>public class </a:t>
+            </a:r>
+            <a:r>
+              <a:rPr lang="en-US" dirty="0" err="1"/>
+              <a:t>PgDBInterfacer</a:t>
+            </a:r>
+            <a:r>
+              <a:rPr lang="en-US" dirty="0"/>
+              <a:t> implements </a:t>
+            </a:r>
+            <a:r>
+              <a:rPr lang="en-US" dirty="0" err="1"/>
+              <a:t>DBInterfacer</a:t>
+            </a:r>
+            <a:r>
+              <a:rPr lang="en-US" dirty="0"/>
+              <a:t> {</a:t>
+            </a:r>
+          </a:p>
+          <a:p>
+            <a:r>
+              <a:rPr lang="en-US" dirty="0"/>
+              <a:t>	// concrete implementation</a:t>
+            </a:r>
+            <a:br>
+              <a:rPr lang="en-US" dirty="0"/>
+            </a:br>
+            <a:r>
+              <a:rPr lang="en-US" dirty="0"/>
+              <a:t>}</a:t>
+            </a:r>
+          </a:p>
+          <a:p>
+            <a:endParaRPr lang="en-US" dirty="0"/>
+          </a:p>
+          <a:p>
+            <a:endParaRPr lang="en-US" dirty="0"/>
           </a:p>
         </p:txBody>
       </p:sp>
       <p:sp>
         <p:nvSpPr>
-          <p:cNvPr id="3" name="Text Placeholder 2">
+          <p:cNvPr id="3" name="Title 2">
             <a:extLst>
               <a:ext uri="{FF2B5EF4-FFF2-40B4-BE49-F238E27FC236}">
-                <a16:creationId xmlns:a16="http://schemas.microsoft.com/office/drawing/2014/main" id="{162E3F82-F071-1AFC-87DD-F1A6F21DF1CA}"/>
+                <a16:creationId xmlns:a16="http://schemas.microsoft.com/office/drawing/2014/main" id="{9F72D2C8-2B1C-3840-02E2-1240E09ED57C}"/>
               </a:ext>
             </a:extLst>
           </p:cNvPr>
@@ -22626,7 +25334,7 @@
             <a:spLocks noGrp="1"/>
           </p:cNvSpPr>
           <p:nvPr>
-            <p:ph type="body" sz="quarter" idx="13"/>
+            <p:ph type="title"/>
           </p:nvPr>
         </p:nvSpPr>
         <p:spPr/>
@@ -22636,7 +25344,35 @@
           <a:p>
             <a:r>
               <a:rPr lang="en-US" dirty="0"/>
-              <a:t>Software design principles (SOLID)</a:t>
+              <a:t>Recap</a:t>
+            </a:r>
+          </a:p>
+        </p:txBody>
+      </p:sp>
+      <p:sp>
+        <p:nvSpPr>
+          <p:cNvPr id="4" name="Content Placeholder 3">
+            <a:extLst>
+              <a:ext uri="{FF2B5EF4-FFF2-40B4-BE49-F238E27FC236}">
+                <a16:creationId xmlns:a16="http://schemas.microsoft.com/office/drawing/2014/main" id="{D7F1E8E9-8824-63C4-490A-4F9179C349E2}"/>
+              </a:ext>
+            </a:extLst>
+          </p:cNvPr>
+          <p:cNvSpPr>
+            <a:spLocks noGrp="1"/>
+          </p:cNvSpPr>
+          <p:nvPr>
+            <p:ph idx="13"/>
+          </p:nvPr>
+        </p:nvSpPr>
+        <p:spPr/>
+        <p:txBody>
+          <a:bodyPr/>
+          <a:lstStyle/>
+          <a:p>
+            <a:r>
+              <a:rPr lang="en-US" dirty="0"/>
+              <a:t>Runtime polymorphism applies to classes too (both, abstract and concrete)</a:t>
             </a:r>
           </a:p>
         </p:txBody>
@@ -22644,7 +25380,7 @@
     </p:spTree>
     <p:extLst>
       <p:ext uri="{BB962C8B-B14F-4D97-AF65-F5344CB8AC3E}">
-        <p14:creationId xmlns:p14="http://schemas.microsoft.com/office/powerpoint/2010/main" val="673872092"/>
+        <p14:creationId xmlns:p14="http://schemas.microsoft.com/office/powerpoint/2010/main" val="3231156417"/>
       </p:ext>
     </p:extLst>
   </p:cSld>
@@ -22654,7 +25390,7 @@
 </p:sld>
 </file>
 
-<file path=ppt/slides/slide34.xml><?xml version="1.0" encoding="utf-8"?>
+<file path=ppt/slides/slide4.xml><?xml version="1.0" encoding="utf-8"?>
 <p:sld xmlns:a="http://schemas.openxmlformats.org/drawingml/2006/main" xmlns:r="http://schemas.openxmlformats.org/officeDocument/2006/relationships" xmlns:p="http://schemas.openxmlformats.org/presentationml/2006/main">
   <p:cSld>
     <p:spTree>
@@ -22676,7 +25412,7 @@
           <p:cNvPr id="5" name="Content Placeholder 4">
             <a:extLst>
               <a:ext uri="{FF2B5EF4-FFF2-40B4-BE49-F238E27FC236}">
-                <a16:creationId xmlns:a16="http://schemas.microsoft.com/office/drawing/2014/main" id="{3E6937B2-2185-7CEE-D376-FFDB29AA8013}"/>
+                <a16:creationId xmlns:a16="http://schemas.microsoft.com/office/drawing/2014/main" id="{508DD499-3FDF-9EE9-A2B1-61BBE0F1B146}"/>
               </a:ext>
             </a:extLst>
           </p:cNvPr>
@@ -22694,34 +25430,24 @@
           <a:p>
             <a:r>
               <a:rPr lang="en-US" dirty="0"/>
-              <a:t>A class should have only one reason to change</a:t>
-            </a:r>
-          </a:p>
-          <a:p>
-            <a:r>
-              <a:rPr lang="en-US" dirty="0"/>
-              <a:t>Each class handles a single responsibility</a:t>
-            </a:r>
-          </a:p>
-          <a:p>
-            <a:r>
-              <a:rPr lang="en-US" dirty="0"/>
-              <a:t>Leads to clearer, testable code</a:t>
-            </a:r>
-          </a:p>
-          <a:p>
-            <a:r>
-              <a:rPr lang="en-US" b="1" i="1" dirty="0"/>
-              <a:t>… examples?</a:t>
-            </a:r>
-          </a:p>
-          <a:p>
-            <a:r>
-              <a:rPr lang="en-US" b="1" i="1" dirty="0"/>
-              <a:t>… ambiguities?</a:t>
-            </a:r>
-          </a:p>
-          <a:p>
+              <a:t>OO review</a:t>
+            </a:r>
+          </a:p>
+          <a:p>
+            <a:r>
+              <a:rPr lang="en-US" dirty="0"/>
+              <a:t>Ungraded quiz (15 minutes)</a:t>
+            </a:r>
+          </a:p>
+          <a:p>
+            <a:r>
+              <a:rPr lang="en-US" dirty="0"/>
+              <a:t>Software </a:t>
+            </a:r>
+            <a:r>
+              <a:rPr lang="en-US"/>
+              <a:t>design principles</a:t>
+            </a:r>
             <a:endParaRPr lang="en-US" dirty="0"/>
           </a:p>
         </p:txBody>
@@ -22731,7 +25457,7 @@
           <p:cNvPr id="4" name="Title 3">
             <a:extLst>
               <a:ext uri="{FF2B5EF4-FFF2-40B4-BE49-F238E27FC236}">
-                <a16:creationId xmlns:a16="http://schemas.microsoft.com/office/drawing/2014/main" id="{34477B9E-F85C-F1E6-F790-D8ABCC1007CC}"/>
+                <a16:creationId xmlns:a16="http://schemas.microsoft.com/office/drawing/2014/main" id="{B38CC12A-C489-55AE-CA3C-AF7924D4B5C4}"/>
               </a:ext>
             </a:extLst>
           </p:cNvPr>
@@ -22749,6 +25475,229 @@
           <a:p>
             <a:r>
               <a:rPr lang="en-US" dirty="0"/>
+              <a:t>Agenda</a:t>
+            </a:r>
+          </a:p>
+        </p:txBody>
+      </p:sp>
+      <p:cxnSp>
+        <p:nvCxnSpPr>
+          <p:cNvPr id="7" name="Straight Connector 6">
+            <a:extLst>
+              <a:ext uri="{FF2B5EF4-FFF2-40B4-BE49-F238E27FC236}">
+                <a16:creationId xmlns:a16="http://schemas.microsoft.com/office/drawing/2014/main" id="{47518CA7-8501-DEEF-9ACA-E8239DDA8BE9}"/>
+              </a:ext>
+            </a:extLst>
+          </p:cNvPr>
+          <p:cNvCxnSpPr/>
+          <p:nvPr/>
+        </p:nvCxnSpPr>
+        <p:spPr>
+          <a:xfrm>
+            <a:off x="0" y="1472394"/>
+            <a:ext cx="12192000" cy="0"/>
+          </a:xfrm>
+          <a:prstGeom prst="line">
+            <a:avLst/>
+          </a:prstGeom>
+        </p:spPr>
+        <p:style>
+          <a:lnRef idx="1">
+            <a:schemeClr val="dk1"/>
+          </a:lnRef>
+          <a:fillRef idx="0">
+            <a:schemeClr val="dk1"/>
+          </a:fillRef>
+          <a:effectRef idx="0">
+            <a:schemeClr val="dk1"/>
+          </a:effectRef>
+          <a:fontRef idx="minor">
+            <a:schemeClr val="tx1"/>
+          </a:fontRef>
+        </p:style>
+      </p:cxnSp>
+    </p:spTree>
+    <p:extLst>
+      <p:ext uri="{BB962C8B-B14F-4D97-AF65-F5344CB8AC3E}">
+        <p14:creationId xmlns:p14="http://schemas.microsoft.com/office/powerpoint/2010/main" val="916169690"/>
+      </p:ext>
+    </p:extLst>
+  </p:cSld>
+  <p:clrMapOvr>
+    <a:masterClrMapping/>
+  </p:clrMapOvr>
+</p:sld>
+</file>
+
+<file path=ppt/slides/slide40.xml><?xml version="1.0" encoding="utf-8"?>
+<p:sld xmlns:a="http://schemas.openxmlformats.org/drawingml/2006/main" xmlns:r="http://schemas.openxmlformats.org/officeDocument/2006/relationships" xmlns:p="http://schemas.openxmlformats.org/presentationml/2006/main">
+  <p:cSld>
+    <p:spTree>
+      <p:nvGrpSpPr>
+        <p:cNvPr id="1" name=""/>
+        <p:cNvGrpSpPr/>
+        <p:nvPr/>
+      </p:nvGrpSpPr>
+      <p:grpSpPr>
+        <a:xfrm>
+          <a:off x="0" y="0"/>
+          <a:ext cx="0" cy="0"/>
+          <a:chOff x="0" y="0"/>
+          <a:chExt cx="0" cy="0"/>
+        </a:xfrm>
+      </p:grpSpPr>
+      <p:sp>
+        <p:nvSpPr>
+          <p:cNvPr id="2" name="Content Placeholder 1">
+            <a:extLst>
+              <a:ext uri="{FF2B5EF4-FFF2-40B4-BE49-F238E27FC236}">
+                <a16:creationId xmlns:a16="http://schemas.microsoft.com/office/drawing/2014/main" id="{6E49DA0F-0AAA-CE6F-37D1-8567EF092C91}"/>
+              </a:ext>
+            </a:extLst>
+          </p:cNvPr>
+          <p:cNvSpPr>
+            <a:spLocks noGrp="1"/>
+          </p:cNvSpPr>
+          <p:nvPr>
+            <p:ph idx="1"/>
+          </p:nvPr>
+        </p:nvSpPr>
+        <p:spPr/>
+        <p:txBody>
+          <a:bodyPr/>
+          <a:lstStyle/>
+          <a:p>
+            <a:endParaRPr lang="en-US"/>
+          </a:p>
+        </p:txBody>
+      </p:sp>
+      <p:sp>
+        <p:nvSpPr>
+          <p:cNvPr id="3" name="Text Placeholder 2">
+            <a:extLst>
+              <a:ext uri="{FF2B5EF4-FFF2-40B4-BE49-F238E27FC236}">
+                <a16:creationId xmlns:a16="http://schemas.microsoft.com/office/drawing/2014/main" id="{162E3F82-F071-1AFC-87DD-F1A6F21DF1CA}"/>
+              </a:ext>
+            </a:extLst>
+          </p:cNvPr>
+          <p:cNvSpPr>
+            <a:spLocks noGrp="1"/>
+          </p:cNvSpPr>
+          <p:nvPr>
+            <p:ph type="body" sz="quarter" idx="13"/>
+          </p:nvPr>
+        </p:nvSpPr>
+        <p:spPr/>
+        <p:txBody>
+          <a:bodyPr/>
+          <a:lstStyle/>
+          <a:p>
+            <a:r>
+              <a:rPr lang="en-US" dirty="0"/>
+              <a:t>Software design principles (SOLID)</a:t>
+            </a:r>
+          </a:p>
+        </p:txBody>
+      </p:sp>
+    </p:spTree>
+    <p:extLst>
+      <p:ext uri="{BB962C8B-B14F-4D97-AF65-F5344CB8AC3E}">
+        <p14:creationId xmlns:p14="http://schemas.microsoft.com/office/powerpoint/2010/main" val="673872092"/>
+      </p:ext>
+    </p:extLst>
+  </p:cSld>
+  <p:clrMapOvr>
+    <a:masterClrMapping/>
+  </p:clrMapOvr>
+</p:sld>
+</file>
+
+<file path=ppt/slides/slide41.xml><?xml version="1.0" encoding="utf-8"?>
+<p:sld xmlns:a="http://schemas.openxmlformats.org/drawingml/2006/main" xmlns:r="http://schemas.openxmlformats.org/officeDocument/2006/relationships" xmlns:p="http://schemas.openxmlformats.org/presentationml/2006/main">
+  <p:cSld>
+    <p:spTree>
+      <p:nvGrpSpPr>
+        <p:cNvPr id="1" name=""/>
+        <p:cNvGrpSpPr/>
+        <p:nvPr/>
+      </p:nvGrpSpPr>
+      <p:grpSpPr>
+        <a:xfrm>
+          <a:off x="0" y="0"/>
+          <a:ext cx="0" cy="0"/>
+          <a:chOff x="0" y="0"/>
+          <a:chExt cx="0" cy="0"/>
+        </a:xfrm>
+      </p:grpSpPr>
+      <p:sp>
+        <p:nvSpPr>
+          <p:cNvPr id="5" name="Content Placeholder 4">
+            <a:extLst>
+              <a:ext uri="{FF2B5EF4-FFF2-40B4-BE49-F238E27FC236}">
+                <a16:creationId xmlns:a16="http://schemas.microsoft.com/office/drawing/2014/main" id="{3E6937B2-2185-7CEE-D376-FFDB29AA8013}"/>
+              </a:ext>
+            </a:extLst>
+          </p:cNvPr>
+          <p:cNvSpPr>
+            <a:spLocks noGrp="1"/>
+          </p:cNvSpPr>
+          <p:nvPr>
+            <p:ph idx="1"/>
+          </p:nvPr>
+        </p:nvSpPr>
+        <p:spPr/>
+        <p:txBody>
+          <a:bodyPr/>
+          <a:lstStyle/>
+          <a:p>
+            <a:r>
+              <a:rPr lang="en-US" dirty="0"/>
+              <a:t>A class should have only one reason to change</a:t>
+            </a:r>
+          </a:p>
+          <a:p>
+            <a:r>
+              <a:rPr lang="en-US" dirty="0"/>
+              <a:t>Each class handles a single responsibility</a:t>
+            </a:r>
+          </a:p>
+          <a:p>
+            <a:r>
+              <a:rPr lang="en-US" dirty="0"/>
+              <a:t>Leads to clearer, testable code</a:t>
+            </a:r>
+          </a:p>
+          <a:p>
+            <a:pPr marL="0" indent="0">
+              <a:buNone/>
+            </a:pPr>
+            <a:endParaRPr lang="en-US" dirty="0"/>
+          </a:p>
+        </p:txBody>
+      </p:sp>
+      <p:sp>
+        <p:nvSpPr>
+          <p:cNvPr id="4" name="Title 3">
+            <a:extLst>
+              <a:ext uri="{FF2B5EF4-FFF2-40B4-BE49-F238E27FC236}">
+                <a16:creationId xmlns:a16="http://schemas.microsoft.com/office/drawing/2014/main" id="{34477B9E-F85C-F1E6-F790-D8ABCC1007CC}"/>
+              </a:ext>
+            </a:extLst>
+          </p:cNvPr>
+          <p:cNvSpPr>
+            <a:spLocks noGrp="1"/>
+          </p:cNvSpPr>
+          <p:nvPr>
+            <p:ph type="title"/>
+          </p:nvPr>
+        </p:nvSpPr>
+        <p:spPr/>
+        <p:txBody>
+          <a:bodyPr/>
+          <a:lstStyle/>
+          <a:p>
+            <a:r>
+              <a:rPr lang="en-US" dirty="0"/>
               <a:t>Single Responsibility Principle (SRP)</a:t>
             </a:r>
           </a:p>
@@ -22758,6 +25707,1371 @@
     <p:extLst>
       <p:ext uri="{BB962C8B-B14F-4D97-AF65-F5344CB8AC3E}">
         <p14:creationId xmlns:p14="http://schemas.microsoft.com/office/powerpoint/2010/main" val="2359588506"/>
+      </p:ext>
+    </p:extLst>
+  </p:cSld>
+  <p:clrMapOvr>
+    <a:masterClrMapping/>
+  </p:clrMapOvr>
+</p:sld>
+</file>
+
+<file path=ppt/slides/slide42.xml><?xml version="1.0" encoding="utf-8"?>
+<p:sld xmlns:a="http://schemas.openxmlformats.org/drawingml/2006/main" xmlns:r="http://schemas.openxmlformats.org/officeDocument/2006/relationships" xmlns:p="http://schemas.openxmlformats.org/presentationml/2006/main">
+  <p:cSld>
+    <p:spTree>
+      <p:nvGrpSpPr>
+        <p:cNvPr id="1" name=""/>
+        <p:cNvGrpSpPr/>
+        <p:nvPr/>
+      </p:nvGrpSpPr>
+      <p:grpSpPr>
+        <a:xfrm>
+          <a:off x="0" y="0"/>
+          <a:ext cx="0" cy="0"/>
+          <a:chOff x="0" y="0"/>
+          <a:chExt cx="0" cy="0"/>
+        </a:xfrm>
+      </p:grpSpPr>
+      <p:sp>
+        <p:nvSpPr>
+          <p:cNvPr id="5" name="Content Placeholder 4">
+            <a:extLst>
+              <a:ext uri="{FF2B5EF4-FFF2-40B4-BE49-F238E27FC236}">
+                <a16:creationId xmlns:a16="http://schemas.microsoft.com/office/drawing/2014/main" id="{5339544E-66C6-BE23-6978-AF4375DF5A8B}"/>
+              </a:ext>
+            </a:extLst>
+          </p:cNvPr>
+          <p:cNvSpPr>
+            <a:spLocks noGrp="1"/>
+          </p:cNvSpPr>
+          <p:nvPr>
+            <p:ph idx="1"/>
+          </p:nvPr>
+        </p:nvSpPr>
+        <p:spPr/>
+        <p:txBody>
+          <a:bodyPr/>
+          <a:lstStyle/>
+          <a:p>
+            <a:r>
+              <a:rPr lang="en-US" dirty="0"/>
+              <a:t>Use case: read student details from a text file and save it to a database</a:t>
+            </a:r>
+          </a:p>
+        </p:txBody>
+      </p:sp>
+      <p:sp>
+        <p:nvSpPr>
+          <p:cNvPr id="4" name="Title 3">
+            <a:extLst>
+              <a:ext uri="{FF2B5EF4-FFF2-40B4-BE49-F238E27FC236}">
+                <a16:creationId xmlns:a16="http://schemas.microsoft.com/office/drawing/2014/main" id="{72E8DC4B-D1CE-7637-3F58-3201B2A89EC7}"/>
+              </a:ext>
+            </a:extLst>
+          </p:cNvPr>
+          <p:cNvSpPr>
+            <a:spLocks noGrp="1"/>
+          </p:cNvSpPr>
+          <p:nvPr>
+            <p:ph type="title"/>
+          </p:nvPr>
+        </p:nvSpPr>
+        <p:spPr/>
+        <p:txBody>
+          <a:bodyPr/>
+          <a:lstStyle/>
+          <a:p>
+            <a:r>
+              <a:rPr lang="en-US" dirty="0"/>
+              <a:t>Single Responsibility Principle (SRP)</a:t>
+            </a:r>
+          </a:p>
+        </p:txBody>
+      </p:sp>
+      <p:grpSp>
+        <p:nvGrpSpPr>
+          <p:cNvPr id="8" name="Group 7">
+            <a:extLst>
+              <a:ext uri="{FF2B5EF4-FFF2-40B4-BE49-F238E27FC236}">
+                <a16:creationId xmlns:a16="http://schemas.microsoft.com/office/drawing/2014/main" id="{87E7D438-5C70-B36A-49D8-3F0B1CCA6292}"/>
+              </a:ext>
+            </a:extLst>
+          </p:cNvPr>
+          <p:cNvGrpSpPr/>
+          <p:nvPr/>
+        </p:nvGrpSpPr>
+        <p:grpSpPr>
+          <a:xfrm>
+            <a:off x="562696" y="3429000"/>
+            <a:ext cx="6570134" cy="1267178"/>
+            <a:chOff x="1128889" y="1885245"/>
+            <a:chExt cx="6570134" cy="1267178"/>
+          </a:xfrm>
+        </p:grpSpPr>
+        <p:sp>
+          <p:nvSpPr>
+            <p:cNvPr id="6" name="Rectangle 5">
+              <a:extLst>
+                <a:ext uri="{FF2B5EF4-FFF2-40B4-BE49-F238E27FC236}">
+                  <a16:creationId xmlns:a16="http://schemas.microsoft.com/office/drawing/2014/main" id="{5F422EAE-A865-0159-C3D2-924E3DEAF956}"/>
+                </a:ext>
+              </a:extLst>
+            </p:cNvPr>
+            <p:cNvSpPr/>
+            <p:nvPr/>
+          </p:nvSpPr>
+          <p:spPr>
+            <a:xfrm>
+              <a:off x="1128889" y="2167467"/>
+              <a:ext cx="6570134" cy="984956"/>
+            </a:xfrm>
+            <a:prstGeom prst="rect">
+              <a:avLst/>
+            </a:prstGeom>
+          </p:spPr>
+          <p:style>
+            <a:lnRef idx="2">
+              <a:schemeClr val="accent1">
+                <a:shade val="15000"/>
+              </a:schemeClr>
+            </a:lnRef>
+            <a:fillRef idx="1">
+              <a:schemeClr val="accent1"/>
+            </a:fillRef>
+            <a:effectRef idx="0">
+              <a:schemeClr val="accent1"/>
+            </a:effectRef>
+            <a:fontRef idx="minor">
+              <a:schemeClr val="lt1"/>
+            </a:fontRef>
+          </p:style>
+          <p:txBody>
+            <a:bodyPr rtlCol="0" anchor="ctr"/>
+            <a:lstStyle/>
+            <a:p>
+              <a:r>
+                <a:rPr lang="en-US" sz="1400" dirty="0">
+                  <a:solidFill>
+                    <a:schemeClr val="tx1"/>
+                  </a:solidFill>
+                  <a:latin typeface="Consolas" panose="020B0609020204030204" pitchFamily="49" charset="0"/>
+                </a:rPr>
+                <a:t>private String </a:t>
+              </a:r>
+              <a:r>
+                <a:rPr lang="en-US" sz="1400" dirty="0" err="1">
+                  <a:solidFill>
+                    <a:schemeClr val="tx1"/>
+                  </a:solidFill>
+                  <a:latin typeface="Consolas" panose="020B0609020204030204" pitchFamily="49" charset="0"/>
+                </a:rPr>
+                <a:t>readFile</a:t>
+              </a:r>
+              <a:r>
+                <a:rPr lang="en-US" sz="1400" dirty="0">
+                  <a:solidFill>
+                    <a:schemeClr val="tx1"/>
+                  </a:solidFill>
+                  <a:latin typeface="Consolas" panose="020B0609020204030204" pitchFamily="49" charset="0"/>
+                </a:rPr>
+                <a:t>();</a:t>
+              </a:r>
+            </a:p>
+            <a:p>
+              <a:r>
+                <a:rPr lang="en-US" sz="1400" dirty="0">
+                  <a:solidFill>
+                    <a:schemeClr val="tx1"/>
+                  </a:solidFill>
+                  <a:latin typeface="Consolas" panose="020B0609020204030204" pitchFamily="49" charset="0"/>
+                </a:rPr>
+                <a:t>public List&lt;Student&gt; students </a:t>
+              </a:r>
+              <a:r>
+                <a:rPr lang="en-US" sz="1400" dirty="0" err="1">
+                  <a:solidFill>
+                    <a:schemeClr val="tx1"/>
+                  </a:solidFill>
+                  <a:latin typeface="Consolas" panose="020B0609020204030204" pitchFamily="49" charset="0"/>
+                </a:rPr>
+                <a:t>parseStudents</a:t>
+              </a:r>
+              <a:r>
+                <a:rPr lang="en-US" sz="1400" dirty="0">
+                  <a:solidFill>
+                    <a:schemeClr val="tx1"/>
+                  </a:solidFill>
+                  <a:latin typeface="Consolas" panose="020B0609020204030204" pitchFamily="49" charset="0"/>
+                </a:rPr>
+                <a:t>(String </a:t>
+              </a:r>
+              <a:r>
+                <a:rPr lang="en-US" sz="1400" dirty="0" err="1">
+                  <a:solidFill>
+                    <a:schemeClr val="tx1"/>
+                  </a:solidFill>
+                  <a:latin typeface="Consolas" panose="020B0609020204030204" pitchFamily="49" charset="0"/>
+                </a:rPr>
+                <a:t>fileContents</a:t>
+              </a:r>
+              <a:r>
+                <a:rPr lang="en-US" sz="1400" dirty="0">
+                  <a:solidFill>
+                    <a:schemeClr val="tx1"/>
+                  </a:solidFill>
+                  <a:latin typeface="Consolas" panose="020B0609020204030204" pitchFamily="49" charset="0"/>
+                </a:rPr>
+                <a:t>)</a:t>
+              </a:r>
+              <a:br>
+                <a:rPr lang="en-US" sz="1400" dirty="0">
+                  <a:solidFill>
+                    <a:schemeClr val="tx1"/>
+                  </a:solidFill>
+                  <a:latin typeface="Consolas" panose="020B0609020204030204" pitchFamily="49" charset="0"/>
+                </a:rPr>
+              </a:br>
+              <a:r>
+                <a:rPr lang="en-US" sz="1400" dirty="0">
+                  <a:solidFill>
+                    <a:schemeClr val="tx1"/>
+                  </a:solidFill>
+                  <a:latin typeface="Consolas" panose="020B0609020204030204" pitchFamily="49" charset="0"/>
+                </a:rPr>
+                <a:t>public void </a:t>
+              </a:r>
+              <a:r>
+                <a:rPr lang="en-US" sz="1400" dirty="0" err="1">
+                  <a:solidFill>
+                    <a:schemeClr val="tx1"/>
+                  </a:solidFill>
+                  <a:latin typeface="Consolas" panose="020B0609020204030204" pitchFamily="49" charset="0"/>
+                </a:rPr>
+                <a:t>saveStudent</a:t>
+              </a:r>
+              <a:r>
+                <a:rPr lang="en-US" sz="1400" dirty="0">
+                  <a:solidFill>
+                    <a:schemeClr val="tx1"/>
+                  </a:solidFill>
+                  <a:latin typeface="Consolas" panose="020B0609020204030204" pitchFamily="49" charset="0"/>
+                </a:rPr>
+                <a:t>(Student s); </a:t>
+              </a:r>
+            </a:p>
+            <a:p>
+              <a:r>
+                <a:rPr lang="en-US" sz="1400" dirty="0">
+                  <a:solidFill>
+                    <a:schemeClr val="tx1"/>
+                  </a:solidFill>
+                  <a:latin typeface="Consolas" panose="020B0609020204030204" pitchFamily="49" charset="0"/>
+                </a:rPr>
+                <a:t>public void </a:t>
+              </a:r>
+              <a:r>
+                <a:rPr lang="en-US" sz="1400" dirty="0" err="1">
+                  <a:solidFill>
+                    <a:schemeClr val="tx1"/>
+                  </a:solidFill>
+                  <a:latin typeface="Consolas" panose="020B0609020204030204" pitchFamily="49" charset="0"/>
+                </a:rPr>
+                <a:t>loadStudent</a:t>
+              </a:r>
+              <a:r>
+                <a:rPr lang="en-US" sz="1400" dirty="0">
+                  <a:solidFill>
+                    <a:schemeClr val="tx1"/>
+                  </a:solidFill>
+                  <a:latin typeface="Consolas" panose="020B0609020204030204" pitchFamily="49" charset="0"/>
+                </a:rPr>
+                <a:t>(int </a:t>
+              </a:r>
+              <a:r>
+                <a:rPr lang="en-US" sz="1400" dirty="0" err="1">
+                  <a:solidFill>
+                    <a:schemeClr val="tx1"/>
+                  </a:solidFill>
+                  <a:latin typeface="Consolas" panose="020B0609020204030204" pitchFamily="49" charset="0"/>
+                </a:rPr>
+                <a:t>studentId</a:t>
+              </a:r>
+              <a:r>
+                <a:rPr lang="en-US" sz="1400" dirty="0">
+                  <a:solidFill>
+                    <a:schemeClr val="tx1"/>
+                  </a:solidFill>
+                  <a:latin typeface="Consolas" panose="020B0609020204030204" pitchFamily="49" charset="0"/>
+                </a:rPr>
+                <a:t>);</a:t>
+              </a:r>
+            </a:p>
+          </p:txBody>
+        </p:sp>
+        <p:sp>
+          <p:nvSpPr>
+            <p:cNvPr id="7" name="Rectangle 6">
+              <a:extLst>
+                <a:ext uri="{FF2B5EF4-FFF2-40B4-BE49-F238E27FC236}">
+                  <a16:creationId xmlns:a16="http://schemas.microsoft.com/office/drawing/2014/main" id="{31FE32C9-E451-AB5C-670C-613686B91A8F}"/>
+                </a:ext>
+              </a:extLst>
+            </p:cNvPr>
+            <p:cNvSpPr/>
+            <p:nvPr/>
+          </p:nvSpPr>
+          <p:spPr>
+            <a:xfrm>
+              <a:off x="1128889" y="1885245"/>
+              <a:ext cx="6570134" cy="282222"/>
+            </a:xfrm>
+            <a:prstGeom prst="rect">
+              <a:avLst/>
+            </a:prstGeom>
+          </p:spPr>
+          <p:style>
+            <a:lnRef idx="2">
+              <a:schemeClr val="dk1">
+                <a:shade val="15000"/>
+              </a:schemeClr>
+            </a:lnRef>
+            <a:fillRef idx="1">
+              <a:schemeClr val="dk1"/>
+            </a:fillRef>
+            <a:effectRef idx="0">
+              <a:schemeClr val="dk1"/>
+            </a:effectRef>
+            <a:fontRef idx="minor">
+              <a:schemeClr val="lt1"/>
+            </a:fontRef>
+          </p:style>
+          <p:txBody>
+            <a:bodyPr rtlCol="0" anchor="ctr"/>
+            <a:lstStyle/>
+            <a:p>
+              <a:pPr algn="ctr"/>
+              <a:r>
+                <a:rPr lang="en-US" sz="1400" dirty="0">
+                  <a:latin typeface="Consolas" panose="020B0609020204030204" pitchFamily="49" charset="0"/>
+                </a:rPr>
+                <a:t>class </a:t>
+              </a:r>
+              <a:r>
+                <a:rPr lang="en-US" sz="1400" dirty="0" err="1">
+                  <a:latin typeface="Consolas" panose="020B0609020204030204" pitchFamily="49" charset="0"/>
+                </a:rPr>
+                <a:t>TextParser</a:t>
+              </a:r>
+              <a:endParaRPr lang="en-US" sz="1400" dirty="0">
+                <a:latin typeface="Consolas" panose="020B0609020204030204" pitchFamily="49" charset="0"/>
+              </a:endParaRPr>
+            </a:p>
+          </p:txBody>
+        </p:sp>
+      </p:grpSp>
+      <p:grpSp>
+        <p:nvGrpSpPr>
+          <p:cNvPr id="9" name="Group 8">
+            <a:extLst>
+              <a:ext uri="{FF2B5EF4-FFF2-40B4-BE49-F238E27FC236}">
+                <a16:creationId xmlns:a16="http://schemas.microsoft.com/office/drawing/2014/main" id="{A93FBF1A-0046-DC34-E953-F817F93A721D}"/>
+              </a:ext>
+            </a:extLst>
+          </p:cNvPr>
+          <p:cNvGrpSpPr/>
+          <p:nvPr/>
+        </p:nvGrpSpPr>
+        <p:grpSpPr>
+          <a:xfrm>
+            <a:off x="562696" y="1875655"/>
+            <a:ext cx="6570134" cy="1151469"/>
+            <a:chOff x="1128889" y="2223911"/>
+            <a:chExt cx="6570134" cy="1151469"/>
+          </a:xfrm>
+        </p:grpSpPr>
+        <p:sp>
+          <p:nvSpPr>
+            <p:cNvPr id="10" name="Rectangle 9">
+              <a:extLst>
+                <a:ext uri="{FF2B5EF4-FFF2-40B4-BE49-F238E27FC236}">
+                  <a16:creationId xmlns:a16="http://schemas.microsoft.com/office/drawing/2014/main" id="{BD6DF1AE-B11C-9233-33A5-24D2DEEB068D}"/>
+                </a:ext>
+              </a:extLst>
+            </p:cNvPr>
+            <p:cNvSpPr/>
+            <p:nvPr/>
+          </p:nvSpPr>
+          <p:spPr>
+            <a:xfrm>
+              <a:off x="1128889" y="2506134"/>
+              <a:ext cx="6570134" cy="869246"/>
+            </a:xfrm>
+            <a:prstGeom prst="rect">
+              <a:avLst/>
+            </a:prstGeom>
+          </p:spPr>
+          <p:style>
+            <a:lnRef idx="2">
+              <a:schemeClr val="accent1">
+                <a:shade val="15000"/>
+              </a:schemeClr>
+            </a:lnRef>
+            <a:fillRef idx="1">
+              <a:schemeClr val="accent1"/>
+            </a:fillRef>
+            <a:effectRef idx="0">
+              <a:schemeClr val="accent1"/>
+            </a:effectRef>
+            <a:fontRef idx="minor">
+              <a:schemeClr val="lt1"/>
+            </a:fontRef>
+          </p:style>
+          <p:txBody>
+            <a:bodyPr rtlCol="0" anchor="ctr"/>
+            <a:lstStyle/>
+            <a:p>
+              <a:r>
+                <a:rPr lang="en-US" sz="1400" dirty="0">
+                  <a:solidFill>
+                    <a:schemeClr val="tx1"/>
+                  </a:solidFill>
+                  <a:latin typeface="Consolas" panose="020B0609020204030204" pitchFamily="49" charset="0"/>
+                </a:rPr>
+                <a:t>private String name;</a:t>
+              </a:r>
+            </a:p>
+            <a:p>
+              <a:r>
+                <a:rPr lang="en-US" sz="1400" dirty="0">
+                  <a:solidFill>
+                    <a:schemeClr val="tx1"/>
+                  </a:solidFill>
+                  <a:latin typeface="Consolas" panose="020B0609020204030204" pitchFamily="49" charset="0"/>
+                </a:rPr>
+                <a:t>private int age;</a:t>
+              </a:r>
+            </a:p>
+            <a:p>
+              <a:endParaRPr lang="en-US" sz="1400" dirty="0">
+                <a:solidFill>
+                  <a:schemeClr val="tx1"/>
+                </a:solidFill>
+                <a:latin typeface="Consolas" panose="020B0609020204030204" pitchFamily="49" charset="0"/>
+              </a:endParaRPr>
+            </a:p>
+            <a:p>
+              <a:r>
+                <a:rPr lang="en-US" sz="1400" dirty="0">
+                  <a:solidFill>
+                    <a:schemeClr val="tx1"/>
+                  </a:solidFill>
+                  <a:latin typeface="Consolas" panose="020B0609020204030204" pitchFamily="49" charset="0"/>
+                </a:rPr>
+                <a:t>// getters and setters</a:t>
+              </a:r>
+            </a:p>
+          </p:txBody>
+        </p:sp>
+        <p:sp>
+          <p:nvSpPr>
+            <p:cNvPr id="11" name="Rectangle 10">
+              <a:extLst>
+                <a:ext uri="{FF2B5EF4-FFF2-40B4-BE49-F238E27FC236}">
+                  <a16:creationId xmlns:a16="http://schemas.microsoft.com/office/drawing/2014/main" id="{02F856C4-BC19-9B5C-7B28-A90833B7E994}"/>
+                </a:ext>
+              </a:extLst>
+            </p:cNvPr>
+            <p:cNvSpPr/>
+            <p:nvPr/>
+          </p:nvSpPr>
+          <p:spPr>
+            <a:xfrm>
+              <a:off x="1128889" y="2223911"/>
+              <a:ext cx="6570134" cy="282222"/>
+            </a:xfrm>
+            <a:prstGeom prst="rect">
+              <a:avLst/>
+            </a:prstGeom>
+          </p:spPr>
+          <p:style>
+            <a:lnRef idx="2">
+              <a:schemeClr val="dk1">
+                <a:shade val="15000"/>
+              </a:schemeClr>
+            </a:lnRef>
+            <a:fillRef idx="1">
+              <a:schemeClr val="dk1"/>
+            </a:fillRef>
+            <a:effectRef idx="0">
+              <a:schemeClr val="dk1"/>
+            </a:effectRef>
+            <a:fontRef idx="minor">
+              <a:schemeClr val="lt1"/>
+            </a:fontRef>
+          </p:style>
+          <p:txBody>
+            <a:bodyPr rtlCol="0" anchor="ctr"/>
+            <a:lstStyle/>
+            <a:p>
+              <a:pPr algn="ctr"/>
+              <a:r>
+                <a:rPr lang="en-US" sz="1400" dirty="0">
+                  <a:latin typeface="Consolas" panose="020B0609020204030204" pitchFamily="49" charset="0"/>
+                </a:rPr>
+                <a:t>class Student</a:t>
+              </a:r>
+            </a:p>
+          </p:txBody>
+        </p:sp>
+      </p:grpSp>
+      <p:grpSp>
+        <p:nvGrpSpPr>
+          <p:cNvPr id="17" name="Group 16">
+            <a:extLst>
+              <a:ext uri="{FF2B5EF4-FFF2-40B4-BE49-F238E27FC236}">
+                <a16:creationId xmlns:a16="http://schemas.microsoft.com/office/drawing/2014/main" id="{A7680179-291A-D702-3056-441A11563D25}"/>
+              </a:ext>
+            </a:extLst>
+          </p:cNvPr>
+          <p:cNvGrpSpPr/>
+          <p:nvPr/>
+        </p:nvGrpSpPr>
+        <p:grpSpPr>
+          <a:xfrm>
+            <a:off x="7461956" y="2814606"/>
+            <a:ext cx="2937329" cy="1228787"/>
+            <a:chOff x="7461956" y="2814606"/>
+            <a:chExt cx="2937329" cy="1228787"/>
+          </a:xfrm>
+        </p:grpSpPr>
+        <p:sp>
+          <p:nvSpPr>
+            <p:cNvPr id="15" name="Multiplication Sign 14">
+              <a:extLst>
+                <a:ext uri="{FF2B5EF4-FFF2-40B4-BE49-F238E27FC236}">
+                  <a16:creationId xmlns:a16="http://schemas.microsoft.com/office/drawing/2014/main" id="{C2BC344F-7728-DB07-0756-4D1F02329104}"/>
+                </a:ext>
+              </a:extLst>
+            </p:cNvPr>
+            <p:cNvSpPr/>
+            <p:nvPr/>
+          </p:nvSpPr>
+          <p:spPr>
+            <a:xfrm>
+              <a:off x="7461956" y="2814606"/>
+              <a:ext cx="1117600" cy="1228787"/>
+            </a:xfrm>
+            <a:prstGeom prst="mathMultiply">
+              <a:avLst/>
+            </a:prstGeom>
+            <a:solidFill>
+              <a:srgbClr val="FF0000"/>
+            </a:solidFill>
+            <a:ln>
+              <a:solidFill>
+                <a:srgbClr val="FF0000"/>
+              </a:solidFill>
+            </a:ln>
+          </p:spPr>
+          <p:style>
+            <a:lnRef idx="2">
+              <a:schemeClr val="accent1">
+                <a:shade val="15000"/>
+              </a:schemeClr>
+            </a:lnRef>
+            <a:fillRef idx="1">
+              <a:schemeClr val="accent1"/>
+            </a:fillRef>
+            <a:effectRef idx="0">
+              <a:schemeClr val="accent1"/>
+            </a:effectRef>
+            <a:fontRef idx="minor">
+              <a:schemeClr val="lt1"/>
+            </a:fontRef>
+          </p:style>
+          <p:txBody>
+            <a:bodyPr rtlCol="0" anchor="ctr"/>
+            <a:lstStyle/>
+            <a:p>
+              <a:pPr algn="ctr"/>
+              <a:endParaRPr lang="en-US"/>
+            </a:p>
+          </p:txBody>
+        </p:sp>
+        <p:sp>
+          <p:nvSpPr>
+            <p:cNvPr id="16" name="TextBox 15">
+              <a:extLst>
+                <a:ext uri="{FF2B5EF4-FFF2-40B4-BE49-F238E27FC236}">
+                  <a16:creationId xmlns:a16="http://schemas.microsoft.com/office/drawing/2014/main" id="{9AFC66EB-ADD8-C3FD-51C9-8EEFCA39D184}"/>
+                </a:ext>
+              </a:extLst>
+            </p:cNvPr>
+            <p:cNvSpPr txBox="1"/>
+            <p:nvPr/>
+          </p:nvSpPr>
+          <p:spPr>
+            <a:xfrm>
+              <a:off x="8579556" y="3239911"/>
+              <a:ext cx="1819729" cy="523220"/>
+            </a:xfrm>
+            <a:prstGeom prst="rect">
+              <a:avLst/>
+            </a:prstGeom>
+            <a:noFill/>
+          </p:spPr>
+          <p:txBody>
+            <a:bodyPr wrap="none" rtlCol="0">
+              <a:spAutoFit/>
+            </a:bodyPr>
+            <a:lstStyle/>
+            <a:p>
+              <a:r>
+                <a:rPr lang="en-US" sz="2800" b="1" i="1" dirty="0"/>
+                <a:t>Bad design</a:t>
+              </a:r>
+            </a:p>
+          </p:txBody>
+        </p:sp>
+      </p:grpSp>
+    </p:spTree>
+    <p:extLst>
+      <p:ext uri="{BB962C8B-B14F-4D97-AF65-F5344CB8AC3E}">
+        <p14:creationId xmlns:p14="http://schemas.microsoft.com/office/powerpoint/2010/main" val="2279070878"/>
+      </p:ext>
+    </p:extLst>
+  </p:cSld>
+  <p:clrMapOvr>
+    <a:masterClrMapping/>
+  </p:clrMapOvr>
+  <p:timing>
+    <p:tnLst>
+      <p:par>
+        <p:cTn id="1" dur="indefinite" restart="never" nodeType="tmRoot">
+          <p:childTnLst>
+            <p:seq concurrent="1" nextAc="seek">
+              <p:cTn id="2" dur="indefinite" nodeType="mainSeq">
+                <p:childTnLst>
+                  <p:par>
+                    <p:cTn id="3" fill="hold">
+                      <p:stCondLst>
+                        <p:cond delay="indefinite"/>
+                      </p:stCondLst>
+                      <p:childTnLst>
+                        <p:par>
+                          <p:cTn id="4" fill="hold">
+                            <p:stCondLst>
+                              <p:cond delay="0"/>
+                            </p:stCondLst>
+                            <p:childTnLst>
+                              <p:par>
+                                <p:cTn id="5" presetID="1" presetClass="entr" presetSubtype="0" fill="hold" nodeType="clickEffect">
+                                  <p:stCondLst>
+                                    <p:cond delay="0"/>
+                                  </p:stCondLst>
+                                  <p:childTnLst>
+                                    <p:set>
+                                      <p:cBhvr>
+                                        <p:cTn id="6" dur="1" fill="hold">
+                                          <p:stCondLst>
+                                            <p:cond delay="0"/>
+                                          </p:stCondLst>
+                                        </p:cTn>
+                                        <p:tgtEl>
+                                          <p:spTgt spid="17"/>
+                                        </p:tgtEl>
+                                        <p:attrNameLst>
+                                          <p:attrName>style.visibility</p:attrName>
+                                        </p:attrNameLst>
+                                      </p:cBhvr>
+                                      <p:to>
+                                        <p:strVal val="visible"/>
+                                      </p:to>
+                                    </p:set>
+                                  </p:childTnLst>
+                                </p:cTn>
+                              </p:par>
+                            </p:childTnLst>
+                          </p:cTn>
+                        </p:par>
+                      </p:childTnLst>
+                    </p:cTn>
+                  </p:par>
+                </p:childTnLst>
+              </p:cTn>
+              <p:prevCondLst>
+                <p:cond evt="onPrev" delay="0">
+                  <p:tgtEl>
+                    <p:sldTgt/>
+                  </p:tgtEl>
+                </p:cond>
+              </p:prevCondLst>
+              <p:nextCondLst>
+                <p:cond evt="onNext" delay="0">
+                  <p:tgtEl>
+                    <p:sldTgt/>
+                  </p:tgtEl>
+                </p:cond>
+              </p:nextCondLst>
+            </p:seq>
+          </p:childTnLst>
+        </p:cTn>
+      </p:par>
+    </p:tnLst>
+  </p:timing>
+</p:sld>
+</file>
+
+<file path=ppt/slides/slide43.xml><?xml version="1.0" encoding="utf-8"?>
+<p:sld xmlns:a="http://schemas.openxmlformats.org/drawingml/2006/main" xmlns:r="http://schemas.openxmlformats.org/officeDocument/2006/relationships" xmlns:p="http://schemas.openxmlformats.org/presentationml/2006/main">
+  <p:cSld>
+    <p:spTree>
+      <p:nvGrpSpPr>
+        <p:cNvPr id="1" name="">
+          <a:extLst>
+            <a:ext uri="{FF2B5EF4-FFF2-40B4-BE49-F238E27FC236}">
+              <a16:creationId xmlns:a16="http://schemas.microsoft.com/office/drawing/2014/main" id="{5B4FFE00-A99E-BA14-5C94-B1792DBBB603}"/>
+            </a:ext>
+          </a:extLst>
+        </p:cNvPr>
+        <p:cNvGrpSpPr/>
+        <p:nvPr/>
+      </p:nvGrpSpPr>
+      <p:grpSpPr>
+        <a:xfrm>
+          <a:off x="0" y="0"/>
+          <a:ext cx="0" cy="0"/>
+          <a:chOff x="0" y="0"/>
+          <a:chExt cx="0" cy="0"/>
+        </a:xfrm>
+      </p:grpSpPr>
+      <p:sp>
+        <p:nvSpPr>
+          <p:cNvPr id="5" name="Content Placeholder 4">
+            <a:extLst>
+              <a:ext uri="{FF2B5EF4-FFF2-40B4-BE49-F238E27FC236}">
+                <a16:creationId xmlns:a16="http://schemas.microsoft.com/office/drawing/2014/main" id="{DA5A529B-111C-93D5-C578-67E00E2A17DB}"/>
+              </a:ext>
+            </a:extLst>
+          </p:cNvPr>
+          <p:cNvSpPr>
+            <a:spLocks noGrp="1"/>
+          </p:cNvSpPr>
+          <p:nvPr>
+            <p:ph idx="1"/>
+          </p:nvPr>
+        </p:nvSpPr>
+        <p:spPr/>
+        <p:txBody>
+          <a:bodyPr/>
+          <a:lstStyle/>
+          <a:p>
+            <a:r>
+              <a:rPr lang="en-US" dirty="0"/>
+              <a:t>Better design </a:t>
+            </a:r>
+          </a:p>
+          <a:p>
+            <a:pPr lvl="1"/>
+            <a:r>
+              <a:rPr lang="en-US" b="1" i="1" dirty="0"/>
+              <a:t>… why? </a:t>
+            </a:r>
+          </a:p>
+        </p:txBody>
+      </p:sp>
+      <p:sp>
+        <p:nvSpPr>
+          <p:cNvPr id="4" name="Title 3">
+            <a:extLst>
+              <a:ext uri="{FF2B5EF4-FFF2-40B4-BE49-F238E27FC236}">
+                <a16:creationId xmlns:a16="http://schemas.microsoft.com/office/drawing/2014/main" id="{FC0F005A-3573-A502-AA2D-36B9CEE2C95C}"/>
+              </a:ext>
+            </a:extLst>
+          </p:cNvPr>
+          <p:cNvSpPr>
+            <a:spLocks noGrp="1"/>
+          </p:cNvSpPr>
+          <p:nvPr>
+            <p:ph type="title"/>
+          </p:nvPr>
+        </p:nvSpPr>
+        <p:spPr/>
+        <p:txBody>
+          <a:bodyPr/>
+          <a:lstStyle/>
+          <a:p>
+            <a:r>
+              <a:rPr lang="en-US" dirty="0"/>
+              <a:t>Single Responsibility Principle (SRP)</a:t>
+            </a:r>
+          </a:p>
+        </p:txBody>
+      </p:sp>
+      <p:grpSp>
+        <p:nvGrpSpPr>
+          <p:cNvPr id="8" name="Group 7">
+            <a:extLst>
+              <a:ext uri="{FF2B5EF4-FFF2-40B4-BE49-F238E27FC236}">
+                <a16:creationId xmlns:a16="http://schemas.microsoft.com/office/drawing/2014/main" id="{5B82174F-254A-5659-5CB0-9C2DF896BAB6}"/>
+              </a:ext>
+            </a:extLst>
+          </p:cNvPr>
+          <p:cNvGrpSpPr/>
+          <p:nvPr/>
+        </p:nvGrpSpPr>
+        <p:grpSpPr>
+          <a:xfrm>
+            <a:off x="562696" y="5000978"/>
+            <a:ext cx="6570134" cy="767645"/>
+            <a:chOff x="1128889" y="2223911"/>
+            <a:chExt cx="6570134" cy="767645"/>
+          </a:xfrm>
+        </p:grpSpPr>
+        <p:sp>
+          <p:nvSpPr>
+            <p:cNvPr id="6" name="Rectangle 5">
+              <a:extLst>
+                <a:ext uri="{FF2B5EF4-FFF2-40B4-BE49-F238E27FC236}">
+                  <a16:creationId xmlns:a16="http://schemas.microsoft.com/office/drawing/2014/main" id="{D8CB0B6E-57CC-68AD-D517-11A2E2CC0880}"/>
+                </a:ext>
+              </a:extLst>
+            </p:cNvPr>
+            <p:cNvSpPr/>
+            <p:nvPr/>
+          </p:nvSpPr>
+          <p:spPr>
+            <a:xfrm>
+              <a:off x="1128889" y="2506133"/>
+              <a:ext cx="6570134" cy="485423"/>
+            </a:xfrm>
+            <a:prstGeom prst="rect">
+              <a:avLst/>
+            </a:prstGeom>
+          </p:spPr>
+          <p:style>
+            <a:lnRef idx="2">
+              <a:schemeClr val="accent1">
+                <a:shade val="15000"/>
+              </a:schemeClr>
+            </a:lnRef>
+            <a:fillRef idx="1">
+              <a:schemeClr val="accent1"/>
+            </a:fillRef>
+            <a:effectRef idx="0">
+              <a:schemeClr val="accent1"/>
+            </a:effectRef>
+            <a:fontRef idx="minor">
+              <a:schemeClr val="lt1"/>
+            </a:fontRef>
+          </p:style>
+          <p:txBody>
+            <a:bodyPr rtlCol="0" anchor="ctr"/>
+            <a:lstStyle/>
+            <a:p>
+              <a:r>
+                <a:rPr lang="en-US" sz="1400" dirty="0">
+                  <a:solidFill>
+                    <a:schemeClr val="tx1"/>
+                  </a:solidFill>
+                  <a:latin typeface="Consolas" panose="020B0609020204030204" pitchFamily="49" charset="0"/>
+                </a:rPr>
+                <a:t>private String </a:t>
+              </a:r>
+              <a:r>
+                <a:rPr lang="en-US" sz="1400" dirty="0" err="1">
+                  <a:solidFill>
+                    <a:schemeClr val="tx1"/>
+                  </a:solidFill>
+                  <a:latin typeface="Consolas" panose="020B0609020204030204" pitchFamily="49" charset="0"/>
+                </a:rPr>
+                <a:t>readFile</a:t>
+              </a:r>
+              <a:r>
+                <a:rPr lang="en-US" sz="1400" dirty="0">
+                  <a:solidFill>
+                    <a:schemeClr val="tx1"/>
+                  </a:solidFill>
+                  <a:latin typeface="Consolas" panose="020B0609020204030204" pitchFamily="49" charset="0"/>
+                </a:rPr>
+                <a:t>();</a:t>
+              </a:r>
+            </a:p>
+            <a:p>
+              <a:r>
+                <a:rPr lang="en-US" sz="1400" dirty="0">
+                  <a:solidFill>
+                    <a:schemeClr val="tx1"/>
+                  </a:solidFill>
+                  <a:latin typeface="Consolas" panose="020B0609020204030204" pitchFamily="49" charset="0"/>
+                </a:rPr>
+                <a:t>public List&lt;Student&gt; students </a:t>
+              </a:r>
+              <a:r>
+                <a:rPr lang="en-US" sz="1400" dirty="0" err="1">
+                  <a:solidFill>
+                    <a:schemeClr val="tx1"/>
+                  </a:solidFill>
+                  <a:latin typeface="Consolas" panose="020B0609020204030204" pitchFamily="49" charset="0"/>
+                </a:rPr>
+                <a:t>parseStudents</a:t>
+              </a:r>
+              <a:r>
+                <a:rPr lang="en-US" sz="1400" dirty="0">
+                  <a:solidFill>
+                    <a:schemeClr val="tx1"/>
+                  </a:solidFill>
+                  <a:latin typeface="Consolas" panose="020B0609020204030204" pitchFamily="49" charset="0"/>
+                </a:rPr>
+                <a:t>(String </a:t>
+              </a:r>
+              <a:r>
+                <a:rPr lang="en-US" sz="1400" dirty="0" err="1">
+                  <a:solidFill>
+                    <a:schemeClr val="tx1"/>
+                  </a:solidFill>
+                  <a:latin typeface="Consolas" panose="020B0609020204030204" pitchFamily="49" charset="0"/>
+                </a:rPr>
+                <a:t>fileContents</a:t>
+              </a:r>
+              <a:r>
+                <a:rPr lang="en-US" sz="1400" dirty="0">
+                  <a:solidFill>
+                    <a:schemeClr val="tx1"/>
+                  </a:solidFill>
+                  <a:latin typeface="Consolas" panose="020B0609020204030204" pitchFamily="49" charset="0"/>
+                </a:rPr>
+                <a:t>)</a:t>
+              </a:r>
+            </a:p>
+          </p:txBody>
+        </p:sp>
+        <p:sp>
+          <p:nvSpPr>
+            <p:cNvPr id="7" name="Rectangle 6">
+              <a:extLst>
+                <a:ext uri="{FF2B5EF4-FFF2-40B4-BE49-F238E27FC236}">
+                  <a16:creationId xmlns:a16="http://schemas.microsoft.com/office/drawing/2014/main" id="{39D99DE7-CB8A-911A-644E-0EFB5E5B47C5}"/>
+                </a:ext>
+              </a:extLst>
+            </p:cNvPr>
+            <p:cNvSpPr/>
+            <p:nvPr/>
+          </p:nvSpPr>
+          <p:spPr>
+            <a:xfrm>
+              <a:off x="1128889" y="2223911"/>
+              <a:ext cx="6570134" cy="282222"/>
+            </a:xfrm>
+            <a:prstGeom prst="rect">
+              <a:avLst/>
+            </a:prstGeom>
+          </p:spPr>
+          <p:style>
+            <a:lnRef idx="2">
+              <a:schemeClr val="dk1">
+                <a:shade val="15000"/>
+              </a:schemeClr>
+            </a:lnRef>
+            <a:fillRef idx="1">
+              <a:schemeClr val="dk1"/>
+            </a:fillRef>
+            <a:effectRef idx="0">
+              <a:schemeClr val="dk1"/>
+            </a:effectRef>
+            <a:fontRef idx="minor">
+              <a:schemeClr val="lt1"/>
+            </a:fontRef>
+          </p:style>
+          <p:txBody>
+            <a:bodyPr rtlCol="0" anchor="ctr"/>
+            <a:lstStyle/>
+            <a:p>
+              <a:pPr algn="ctr"/>
+              <a:r>
+                <a:rPr lang="en-US" sz="1400" dirty="0">
+                  <a:latin typeface="Consolas" panose="020B0609020204030204" pitchFamily="49" charset="0"/>
+                </a:rPr>
+                <a:t>class </a:t>
+              </a:r>
+              <a:r>
+                <a:rPr lang="en-US" sz="1400" dirty="0" err="1">
+                  <a:latin typeface="Consolas" panose="020B0609020204030204" pitchFamily="49" charset="0"/>
+                </a:rPr>
+                <a:t>TextParser</a:t>
+              </a:r>
+              <a:endParaRPr lang="en-US" sz="1400" dirty="0">
+                <a:latin typeface="Consolas" panose="020B0609020204030204" pitchFamily="49" charset="0"/>
+              </a:endParaRPr>
+            </a:p>
+          </p:txBody>
+        </p:sp>
+      </p:grpSp>
+      <p:grpSp>
+        <p:nvGrpSpPr>
+          <p:cNvPr id="9" name="Group 8">
+            <a:extLst>
+              <a:ext uri="{FF2B5EF4-FFF2-40B4-BE49-F238E27FC236}">
+                <a16:creationId xmlns:a16="http://schemas.microsoft.com/office/drawing/2014/main" id="{36F6AD3B-D4AB-3362-2D1F-801701AB1DD4}"/>
+              </a:ext>
+            </a:extLst>
+          </p:cNvPr>
+          <p:cNvGrpSpPr/>
+          <p:nvPr/>
+        </p:nvGrpSpPr>
+        <p:grpSpPr>
+          <a:xfrm>
+            <a:off x="562696" y="1875655"/>
+            <a:ext cx="6570134" cy="1151469"/>
+            <a:chOff x="1128889" y="2223911"/>
+            <a:chExt cx="6570134" cy="1151469"/>
+          </a:xfrm>
+        </p:grpSpPr>
+        <p:sp>
+          <p:nvSpPr>
+            <p:cNvPr id="10" name="Rectangle 9">
+              <a:extLst>
+                <a:ext uri="{FF2B5EF4-FFF2-40B4-BE49-F238E27FC236}">
+                  <a16:creationId xmlns:a16="http://schemas.microsoft.com/office/drawing/2014/main" id="{4DA8E81C-E54E-2A25-B79D-4F8592A23130}"/>
+                </a:ext>
+              </a:extLst>
+            </p:cNvPr>
+            <p:cNvSpPr/>
+            <p:nvPr/>
+          </p:nvSpPr>
+          <p:spPr>
+            <a:xfrm>
+              <a:off x="1128889" y="2506134"/>
+              <a:ext cx="6570134" cy="869246"/>
+            </a:xfrm>
+            <a:prstGeom prst="rect">
+              <a:avLst/>
+            </a:prstGeom>
+          </p:spPr>
+          <p:style>
+            <a:lnRef idx="2">
+              <a:schemeClr val="accent1">
+                <a:shade val="15000"/>
+              </a:schemeClr>
+            </a:lnRef>
+            <a:fillRef idx="1">
+              <a:schemeClr val="accent1"/>
+            </a:fillRef>
+            <a:effectRef idx="0">
+              <a:schemeClr val="accent1"/>
+            </a:effectRef>
+            <a:fontRef idx="minor">
+              <a:schemeClr val="lt1"/>
+            </a:fontRef>
+          </p:style>
+          <p:txBody>
+            <a:bodyPr rtlCol="0" anchor="ctr"/>
+            <a:lstStyle/>
+            <a:p>
+              <a:r>
+                <a:rPr lang="en-US" sz="1400" dirty="0">
+                  <a:solidFill>
+                    <a:schemeClr val="tx1"/>
+                  </a:solidFill>
+                  <a:latin typeface="Consolas" panose="020B0609020204030204" pitchFamily="49" charset="0"/>
+                </a:rPr>
+                <a:t>private String name;</a:t>
+              </a:r>
+            </a:p>
+            <a:p>
+              <a:r>
+                <a:rPr lang="en-US" sz="1400" dirty="0">
+                  <a:solidFill>
+                    <a:schemeClr val="tx1"/>
+                  </a:solidFill>
+                  <a:latin typeface="Consolas" panose="020B0609020204030204" pitchFamily="49" charset="0"/>
+                </a:rPr>
+                <a:t>private int age;</a:t>
+              </a:r>
+            </a:p>
+            <a:p>
+              <a:endParaRPr lang="en-US" sz="1400" dirty="0">
+                <a:solidFill>
+                  <a:schemeClr val="tx1"/>
+                </a:solidFill>
+                <a:latin typeface="Consolas" panose="020B0609020204030204" pitchFamily="49" charset="0"/>
+              </a:endParaRPr>
+            </a:p>
+            <a:p>
+              <a:r>
+                <a:rPr lang="en-US" sz="1400" dirty="0">
+                  <a:solidFill>
+                    <a:schemeClr val="tx1"/>
+                  </a:solidFill>
+                  <a:latin typeface="Consolas" panose="020B0609020204030204" pitchFamily="49" charset="0"/>
+                </a:rPr>
+                <a:t>// getters and setters</a:t>
+              </a:r>
+            </a:p>
+          </p:txBody>
+        </p:sp>
+        <p:sp>
+          <p:nvSpPr>
+            <p:cNvPr id="11" name="Rectangle 10">
+              <a:extLst>
+                <a:ext uri="{FF2B5EF4-FFF2-40B4-BE49-F238E27FC236}">
+                  <a16:creationId xmlns:a16="http://schemas.microsoft.com/office/drawing/2014/main" id="{5DF04069-7C07-9012-F8B6-CEB9081D504E}"/>
+                </a:ext>
+              </a:extLst>
+            </p:cNvPr>
+            <p:cNvSpPr/>
+            <p:nvPr/>
+          </p:nvSpPr>
+          <p:spPr>
+            <a:xfrm>
+              <a:off x="1128889" y="2223911"/>
+              <a:ext cx="6570134" cy="282222"/>
+            </a:xfrm>
+            <a:prstGeom prst="rect">
+              <a:avLst/>
+            </a:prstGeom>
+          </p:spPr>
+          <p:style>
+            <a:lnRef idx="2">
+              <a:schemeClr val="dk1">
+                <a:shade val="15000"/>
+              </a:schemeClr>
+            </a:lnRef>
+            <a:fillRef idx="1">
+              <a:schemeClr val="dk1"/>
+            </a:fillRef>
+            <a:effectRef idx="0">
+              <a:schemeClr val="dk1"/>
+            </a:effectRef>
+            <a:fontRef idx="minor">
+              <a:schemeClr val="lt1"/>
+            </a:fontRef>
+          </p:style>
+          <p:txBody>
+            <a:bodyPr rtlCol="0" anchor="ctr"/>
+            <a:lstStyle/>
+            <a:p>
+              <a:pPr algn="ctr"/>
+              <a:r>
+                <a:rPr lang="en-US" sz="1400" dirty="0">
+                  <a:latin typeface="Consolas" panose="020B0609020204030204" pitchFamily="49" charset="0"/>
+                </a:rPr>
+                <a:t>class Student</a:t>
+              </a:r>
+            </a:p>
+          </p:txBody>
+        </p:sp>
+      </p:grpSp>
+      <p:grpSp>
+        <p:nvGrpSpPr>
+          <p:cNvPr id="12" name="Group 11">
+            <a:extLst>
+              <a:ext uri="{FF2B5EF4-FFF2-40B4-BE49-F238E27FC236}">
+                <a16:creationId xmlns:a16="http://schemas.microsoft.com/office/drawing/2014/main" id="{4B7E6AFF-4710-1471-3131-267FAC06BE09}"/>
+              </a:ext>
+            </a:extLst>
+          </p:cNvPr>
+          <p:cNvGrpSpPr/>
+          <p:nvPr/>
+        </p:nvGrpSpPr>
+        <p:grpSpPr>
+          <a:xfrm>
+            <a:off x="562696" y="3492790"/>
+            <a:ext cx="6570134" cy="767645"/>
+            <a:chOff x="1128889" y="2223911"/>
+            <a:chExt cx="6570134" cy="767645"/>
+          </a:xfrm>
+        </p:grpSpPr>
+        <p:sp>
+          <p:nvSpPr>
+            <p:cNvPr id="13" name="Rectangle 12">
+              <a:extLst>
+                <a:ext uri="{FF2B5EF4-FFF2-40B4-BE49-F238E27FC236}">
+                  <a16:creationId xmlns:a16="http://schemas.microsoft.com/office/drawing/2014/main" id="{D078A42B-00A0-EAA5-94A5-339467508478}"/>
+                </a:ext>
+              </a:extLst>
+            </p:cNvPr>
+            <p:cNvSpPr/>
+            <p:nvPr/>
+          </p:nvSpPr>
+          <p:spPr>
+            <a:xfrm>
+              <a:off x="1128889" y="2506133"/>
+              <a:ext cx="6570134" cy="485423"/>
+            </a:xfrm>
+            <a:prstGeom prst="rect">
+              <a:avLst/>
+            </a:prstGeom>
+          </p:spPr>
+          <p:style>
+            <a:lnRef idx="2">
+              <a:schemeClr val="accent1">
+                <a:shade val="15000"/>
+              </a:schemeClr>
+            </a:lnRef>
+            <a:fillRef idx="1">
+              <a:schemeClr val="accent1"/>
+            </a:fillRef>
+            <a:effectRef idx="0">
+              <a:schemeClr val="accent1"/>
+            </a:effectRef>
+            <a:fontRef idx="minor">
+              <a:schemeClr val="lt1"/>
+            </a:fontRef>
+          </p:style>
+          <p:txBody>
+            <a:bodyPr rtlCol="0" anchor="ctr"/>
+            <a:lstStyle/>
+            <a:p>
+              <a:r>
+                <a:rPr lang="en-US" sz="1400" dirty="0">
+                  <a:solidFill>
+                    <a:schemeClr val="tx1"/>
+                  </a:solidFill>
+                  <a:latin typeface="Consolas" panose="020B0609020204030204" pitchFamily="49" charset="0"/>
+                </a:rPr>
+                <a:t>public void </a:t>
+              </a:r>
+              <a:r>
+                <a:rPr lang="en-US" sz="1400" dirty="0" err="1">
+                  <a:solidFill>
+                    <a:schemeClr val="tx1"/>
+                  </a:solidFill>
+                  <a:latin typeface="Consolas" panose="020B0609020204030204" pitchFamily="49" charset="0"/>
+                </a:rPr>
+                <a:t>saveStudent</a:t>
+              </a:r>
+              <a:r>
+                <a:rPr lang="en-US" sz="1400" dirty="0">
+                  <a:solidFill>
+                    <a:schemeClr val="tx1"/>
+                  </a:solidFill>
+                  <a:latin typeface="Consolas" panose="020B0609020204030204" pitchFamily="49" charset="0"/>
+                </a:rPr>
+                <a:t>(Student s);</a:t>
+              </a:r>
+              <a:br>
+                <a:rPr lang="en-US" sz="1400" dirty="0">
+                  <a:solidFill>
+                    <a:schemeClr val="tx1"/>
+                  </a:solidFill>
+                  <a:latin typeface="Consolas" panose="020B0609020204030204" pitchFamily="49" charset="0"/>
+                </a:rPr>
+              </a:br>
+              <a:r>
+                <a:rPr lang="en-US" sz="1400" dirty="0">
+                  <a:solidFill>
+                    <a:schemeClr val="tx1"/>
+                  </a:solidFill>
+                  <a:latin typeface="Consolas" panose="020B0609020204030204" pitchFamily="49" charset="0"/>
+                </a:rPr>
+                <a:t>public Student </a:t>
+              </a:r>
+              <a:r>
+                <a:rPr lang="en-US" sz="1400" dirty="0" err="1">
+                  <a:solidFill>
+                    <a:schemeClr val="tx1"/>
+                  </a:solidFill>
+                  <a:latin typeface="Consolas" panose="020B0609020204030204" pitchFamily="49" charset="0"/>
+                </a:rPr>
+                <a:t>loadStudent</a:t>
+              </a:r>
+              <a:r>
+                <a:rPr lang="en-US" sz="1400" dirty="0">
+                  <a:solidFill>
+                    <a:schemeClr val="tx1"/>
+                  </a:solidFill>
+                  <a:latin typeface="Consolas" panose="020B0609020204030204" pitchFamily="49" charset="0"/>
+                </a:rPr>
+                <a:t>(int </a:t>
+              </a:r>
+              <a:r>
+                <a:rPr lang="en-US" sz="1400" dirty="0" err="1">
+                  <a:solidFill>
+                    <a:schemeClr val="tx1"/>
+                  </a:solidFill>
+                  <a:latin typeface="Consolas" panose="020B0609020204030204" pitchFamily="49" charset="0"/>
+                </a:rPr>
+                <a:t>studentId</a:t>
+              </a:r>
+              <a:r>
+                <a:rPr lang="en-US" sz="1400" dirty="0">
+                  <a:solidFill>
+                    <a:schemeClr val="tx1"/>
+                  </a:solidFill>
+                  <a:latin typeface="Consolas" panose="020B0609020204030204" pitchFamily="49" charset="0"/>
+                </a:rPr>
+                <a:t>);</a:t>
+              </a:r>
+            </a:p>
+          </p:txBody>
+        </p:sp>
+        <p:sp>
+          <p:nvSpPr>
+            <p:cNvPr id="14" name="Rectangle 13">
+              <a:extLst>
+                <a:ext uri="{FF2B5EF4-FFF2-40B4-BE49-F238E27FC236}">
+                  <a16:creationId xmlns:a16="http://schemas.microsoft.com/office/drawing/2014/main" id="{CD85B1BA-7AE0-B3B7-F8FC-71F931B1C04F}"/>
+                </a:ext>
+              </a:extLst>
+            </p:cNvPr>
+            <p:cNvSpPr/>
+            <p:nvPr/>
+          </p:nvSpPr>
+          <p:spPr>
+            <a:xfrm>
+              <a:off x="1128889" y="2223911"/>
+              <a:ext cx="6570134" cy="282222"/>
+            </a:xfrm>
+            <a:prstGeom prst="rect">
+              <a:avLst/>
+            </a:prstGeom>
+          </p:spPr>
+          <p:style>
+            <a:lnRef idx="2">
+              <a:schemeClr val="dk1">
+                <a:shade val="15000"/>
+              </a:schemeClr>
+            </a:lnRef>
+            <a:fillRef idx="1">
+              <a:schemeClr val="dk1"/>
+            </a:fillRef>
+            <a:effectRef idx="0">
+              <a:schemeClr val="dk1"/>
+            </a:effectRef>
+            <a:fontRef idx="minor">
+              <a:schemeClr val="lt1"/>
+            </a:fontRef>
+          </p:style>
+          <p:txBody>
+            <a:bodyPr rtlCol="0" anchor="ctr"/>
+            <a:lstStyle/>
+            <a:p>
+              <a:pPr algn="ctr"/>
+              <a:r>
+                <a:rPr lang="en-US" sz="1400" dirty="0">
+                  <a:latin typeface="Consolas" panose="020B0609020204030204" pitchFamily="49" charset="0"/>
+                </a:rPr>
+                <a:t>class </a:t>
+              </a:r>
+              <a:r>
+                <a:rPr lang="en-US" sz="1400" dirty="0" err="1">
+                  <a:latin typeface="Consolas" panose="020B0609020204030204" pitchFamily="49" charset="0"/>
+                </a:rPr>
+                <a:t>DBPersister</a:t>
+              </a:r>
+              <a:endParaRPr lang="en-US" sz="1400" dirty="0">
+                <a:latin typeface="Consolas" panose="020B0609020204030204" pitchFamily="49" charset="0"/>
+              </a:endParaRPr>
+            </a:p>
+          </p:txBody>
+        </p:sp>
+      </p:grpSp>
+    </p:spTree>
+    <p:extLst>
+      <p:ext uri="{BB962C8B-B14F-4D97-AF65-F5344CB8AC3E}">
+        <p14:creationId xmlns:p14="http://schemas.microsoft.com/office/powerpoint/2010/main" val="3223644293"/>
       </p:ext>
     </p:extLst>
   </p:cSld>
@@ -22800,56 +27114,7 @@
                                         <p:tgtEl>
                                           <p:spTgt spid="5">
                                             <p:txEl>
-                                              <p:pRg st="3" end="3"/>
-                                            </p:txEl>
-                                          </p:spTgt>
-                                        </p:tgtEl>
-                                        <p:attrNameLst>
-                                          <p:attrName>style.visibility</p:attrName>
-                                        </p:attrNameLst>
-                                      </p:cBhvr>
-                                      <p:to>
-                                        <p:strVal val="visible"/>
-                                      </p:to>
-                                    </p:set>
-                                  </p:childTnLst>
-                                </p:cTn>
-                              </p:par>
-                            </p:childTnLst>
-                          </p:cTn>
-                        </p:par>
-                      </p:childTnLst>
-                    </p:cTn>
-                  </p:par>
-                  <p:par>
-                    <p:cTn id="7" fill="hold">
-                      <p:stCondLst>
-                        <p:cond delay="indefinite"/>
-                      </p:stCondLst>
-                      <p:childTnLst>
-                        <p:par>
-                          <p:cTn id="8" fill="hold">
-                            <p:stCondLst>
-                              <p:cond delay="0"/>
-                            </p:stCondLst>
-                            <p:childTnLst>
-                              <p:par>
-                                <p:cTn id="9" presetID="1" presetClass="entr" presetSubtype="0" fill="hold" nodeType="clickEffect">
-                                  <p:stCondLst>
-                                    <p:cond delay="0"/>
-                                  </p:stCondLst>
-                                  <p:childTnLst>
-                                    <p:set>
-                                      <p:cBhvr>
-                                        <p:cTn id="10" dur="1" fill="hold">
-                                          <p:stCondLst>
-                                            <p:cond delay="0"/>
-                                          </p:stCondLst>
-                                        </p:cTn>
-                                        <p:tgtEl>
-                                          <p:spTgt spid="5">
-                                            <p:txEl>
-                                              <p:pRg st="4" end="4"/>
+                                              <p:pRg st="1" end="1"/>
                                             </p:txEl>
                                           </p:spTgt>
                                         </p:tgtEl>
@@ -22895,7 +27160,7 @@
 </p:sld>
 </file>
 
-<file path=ppt/slides/slide35.xml><?xml version="1.0" encoding="utf-8"?>
+<file path=ppt/slides/slide44.xml><?xml version="1.0" encoding="utf-8"?>
 <p:sld xmlns:a="http://schemas.openxmlformats.org/drawingml/2006/main" xmlns:r="http://schemas.openxmlformats.org/officeDocument/2006/relationships" xmlns:p="http://schemas.openxmlformats.org/presentationml/2006/main">
   <p:cSld>
     <p:spTree>
@@ -23084,7 +27349,7 @@
 </p:sld>
 </file>
 
-<file path=ppt/slides/slide36.xml><?xml version="1.0" encoding="utf-8"?>
+<file path=ppt/slides/slide45.xml><?xml version="1.0" encoding="utf-8"?>
 <p:sld xmlns:a="http://schemas.openxmlformats.org/drawingml/2006/main" xmlns:r="http://schemas.openxmlformats.org/officeDocument/2006/relationships" xmlns:p="http://schemas.openxmlformats.org/presentationml/2006/main">
   <p:cSld>
     <p:spTree>
@@ -23139,12 +27404,6 @@
               <a:t>Ensures polymorphism works correctly</a:t>
             </a:r>
           </a:p>
-          <a:p>
-            <a:r>
-              <a:rPr lang="en-US" b="1" i="1" dirty="0"/>
-              <a:t>… examples?</a:t>
-            </a:r>
-          </a:p>
         </p:txBody>
       </p:sp>
       <p:sp>
@@ -23183,6 +27442,805 @@
     <p:extLst>
       <p:ext uri="{BB962C8B-B14F-4D97-AF65-F5344CB8AC3E}">
         <p14:creationId xmlns:p14="http://schemas.microsoft.com/office/powerpoint/2010/main" val="3369244572"/>
+      </p:ext>
+    </p:extLst>
+  </p:cSld>
+  <p:clrMapOvr>
+    <a:masterClrMapping/>
+  </p:clrMapOvr>
+</p:sld>
+</file>
+
+<file path=ppt/slides/slide46.xml><?xml version="1.0" encoding="utf-8"?>
+<p:sld xmlns:a="http://schemas.openxmlformats.org/drawingml/2006/main" xmlns:r="http://schemas.openxmlformats.org/officeDocument/2006/relationships" xmlns:p="http://schemas.openxmlformats.org/presentationml/2006/main">
+  <p:cSld>
+    <p:spTree>
+      <p:nvGrpSpPr>
+        <p:cNvPr id="1" name=""/>
+        <p:cNvGrpSpPr/>
+        <p:nvPr/>
+      </p:nvGrpSpPr>
+      <p:grpSpPr>
+        <a:xfrm>
+          <a:off x="0" y="0"/>
+          <a:ext cx="0" cy="0"/>
+          <a:chOff x="0" y="0"/>
+          <a:chExt cx="0" cy="0"/>
+        </a:xfrm>
+      </p:grpSpPr>
+      <p:sp>
+        <p:nvSpPr>
+          <p:cNvPr id="7" name="Content Placeholder 6">
+            <a:extLst>
+              <a:ext uri="{FF2B5EF4-FFF2-40B4-BE49-F238E27FC236}">
+                <a16:creationId xmlns:a16="http://schemas.microsoft.com/office/drawing/2014/main" id="{28BDFAA8-4D12-4DAE-7B31-EEFB837462C7}"/>
+              </a:ext>
+            </a:extLst>
+          </p:cNvPr>
+          <p:cNvSpPr>
+            <a:spLocks noGrp="1"/>
+          </p:cNvSpPr>
+          <p:nvPr>
+            <p:ph idx="1"/>
+          </p:nvPr>
+        </p:nvSpPr>
+        <p:spPr/>
+        <p:txBody>
+          <a:bodyPr>
+            <a:normAutofit lnSpcReduction="10000"/>
+          </a:bodyPr>
+          <a:lstStyle/>
+          <a:p>
+            <a:r>
+              <a:rPr lang="en-US" dirty="0"/>
+              <a:t>public interface DB {}</a:t>
+            </a:r>
+          </a:p>
+          <a:p>
+            <a:r>
+              <a:rPr lang="en-US" dirty="0"/>
+              <a:t>public class </a:t>
+            </a:r>
+            <a:r>
+              <a:rPr lang="en-US" dirty="0" err="1"/>
+              <a:t>MysqlDB</a:t>
+            </a:r>
+            <a:r>
+              <a:rPr lang="en-US" dirty="0"/>
+              <a:t> implements DB { .. }</a:t>
+            </a:r>
+          </a:p>
+          <a:p>
+            <a:r>
+              <a:rPr lang="en-US" dirty="0"/>
+              <a:t>public class </a:t>
+            </a:r>
+            <a:r>
+              <a:rPr lang="en-US" dirty="0" err="1"/>
+              <a:t>PgDB</a:t>
+            </a:r>
+            <a:r>
+              <a:rPr lang="en-US" dirty="0"/>
+              <a:t> implements DB { .. }</a:t>
+            </a:r>
+          </a:p>
+          <a:p>
+            <a:endParaRPr lang="en-US" dirty="0"/>
+          </a:p>
+          <a:p>
+            <a:r>
+              <a:rPr lang="en-US" dirty="0"/>
+              <a:t>public interface </a:t>
+            </a:r>
+            <a:r>
+              <a:rPr lang="en-US" dirty="0" err="1"/>
+              <a:t>Tbl</a:t>
+            </a:r>
+            <a:r>
+              <a:rPr lang="en-US" dirty="0"/>
+              <a:t> {}</a:t>
+            </a:r>
+            <a:br>
+              <a:rPr lang="en-US" dirty="0"/>
+            </a:br>
+            <a:r>
+              <a:rPr lang="en-US" dirty="0"/>
+              <a:t>public class </a:t>
+            </a:r>
+            <a:r>
+              <a:rPr lang="en-US" dirty="0" err="1"/>
+              <a:t>MysqlTbl</a:t>
+            </a:r>
+            <a:r>
+              <a:rPr lang="en-US" dirty="0"/>
+              <a:t> implements </a:t>
+            </a:r>
+            <a:r>
+              <a:rPr lang="en-US" dirty="0" err="1"/>
+              <a:t>Tbl</a:t>
+            </a:r>
+            <a:r>
+              <a:rPr lang="en-US" dirty="0"/>
+              <a:t> { ...}</a:t>
+            </a:r>
+          </a:p>
+          <a:p>
+            <a:r>
+              <a:rPr lang="en-US" dirty="0"/>
+              <a:t>public class </a:t>
+            </a:r>
+            <a:r>
+              <a:rPr lang="en-US" dirty="0" err="1"/>
+              <a:t>PgTbl</a:t>
+            </a:r>
+            <a:r>
+              <a:rPr lang="en-US" dirty="0"/>
+              <a:t> implements </a:t>
+            </a:r>
+            <a:r>
+              <a:rPr lang="en-US" dirty="0" err="1"/>
+              <a:t>Tbl</a:t>
+            </a:r>
+            <a:r>
+              <a:rPr lang="en-US" dirty="0"/>
+              <a:t> {..}</a:t>
+            </a:r>
+          </a:p>
+          <a:p>
+            <a:endParaRPr lang="en-US" dirty="0"/>
+          </a:p>
+          <a:p>
+            <a:r>
+              <a:rPr lang="en-US" dirty="0"/>
+              <a:t>public interface </a:t>
+            </a:r>
+            <a:r>
+              <a:rPr lang="en-US" dirty="0" err="1"/>
+              <a:t>DBInterfacer</a:t>
+            </a:r>
+            <a:r>
+              <a:rPr lang="en-US" dirty="0"/>
+              <a:t> {</a:t>
+            </a:r>
+          </a:p>
+          <a:p>
+            <a:r>
+              <a:rPr lang="en-US" dirty="0"/>
+              <a:t>	public void DB </a:t>
+            </a:r>
+            <a:r>
+              <a:rPr lang="en-US" dirty="0" err="1"/>
+              <a:t>createDB</a:t>
+            </a:r>
+            <a:r>
+              <a:rPr lang="en-US" dirty="0"/>
+              <a:t>(String </a:t>
+            </a:r>
+            <a:r>
+              <a:rPr lang="en-US" dirty="0" err="1"/>
+              <a:t>dbName</a:t>
+            </a:r>
+            <a:r>
+              <a:rPr lang="en-US" dirty="0"/>
+              <a:t>);</a:t>
+            </a:r>
+          </a:p>
+          <a:p>
+            <a:endParaRPr lang="en-US" dirty="0"/>
+          </a:p>
+          <a:p>
+            <a:r>
+              <a:rPr lang="en-US" dirty="0"/>
+              <a:t>	public </a:t>
+            </a:r>
+            <a:r>
+              <a:rPr lang="en-US" dirty="0" err="1"/>
+              <a:t>Tbl</a:t>
+            </a:r>
+            <a:r>
+              <a:rPr lang="en-US" dirty="0"/>
+              <a:t> </a:t>
+            </a:r>
+            <a:r>
+              <a:rPr lang="en-US" dirty="0" err="1"/>
+              <a:t>createTbl</a:t>
+            </a:r>
+            <a:r>
+              <a:rPr lang="en-US" dirty="0"/>
+              <a:t>(Db </a:t>
+            </a:r>
+            <a:r>
+              <a:rPr lang="en-US" dirty="0" err="1"/>
+              <a:t>db</a:t>
+            </a:r>
+            <a:r>
+              <a:rPr lang="en-US" dirty="0"/>
+              <a:t>, </a:t>
+            </a:r>
+          </a:p>
+          <a:p>
+            <a:r>
+              <a:rPr lang="en-US" dirty="0"/>
+              <a:t>				String </a:t>
+            </a:r>
+            <a:r>
+              <a:rPr lang="en-US" dirty="0" err="1"/>
+              <a:t>tblName</a:t>
+            </a:r>
+            <a:r>
+              <a:rPr lang="en-US" dirty="0"/>
+              <a:t>, ..);</a:t>
+            </a:r>
+            <a:br>
+              <a:rPr lang="en-US" dirty="0"/>
+            </a:br>
+            <a:r>
+              <a:rPr lang="en-US" dirty="0"/>
+              <a:t>}</a:t>
+            </a:r>
+          </a:p>
+          <a:p>
+            <a:endParaRPr lang="en-US" dirty="0"/>
+          </a:p>
+          <a:p>
+            <a:r>
+              <a:rPr lang="en-US" dirty="0"/>
+              <a:t>public class </a:t>
+            </a:r>
+            <a:r>
+              <a:rPr lang="en-US" dirty="0" err="1"/>
+              <a:t>MSDBInterfacer</a:t>
+            </a:r>
+            <a:r>
+              <a:rPr lang="en-US" dirty="0"/>
+              <a:t> implements </a:t>
+            </a:r>
+            <a:r>
+              <a:rPr lang="en-US" dirty="0" err="1"/>
+              <a:t>DBInterfacer</a:t>
+            </a:r>
+            <a:r>
+              <a:rPr lang="en-US" dirty="0"/>
+              <a:t> {</a:t>
+            </a:r>
+          </a:p>
+          <a:p>
+            <a:r>
+              <a:rPr lang="en-US" dirty="0"/>
+              <a:t>	public void DB </a:t>
+            </a:r>
+            <a:r>
+              <a:rPr lang="en-US" dirty="0" err="1"/>
+              <a:t>createDB</a:t>
+            </a:r>
+            <a:r>
+              <a:rPr lang="en-US" dirty="0"/>
+              <a:t>(String </a:t>
+            </a:r>
+            <a:r>
+              <a:rPr lang="en-US" dirty="0" err="1"/>
+              <a:t>dbName</a:t>
+            </a:r>
+            <a:r>
+              <a:rPr lang="en-US" dirty="0"/>
+              <a:t>) {</a:t>
+            </a:r>
+          </a:p>
+          <a:p>
+            <a:r>
+              <a:rPr lang="en-US" dirty="0"/>
+              <a:t>	   </a:t>
+            </a:r>
+            <a:r>
+              <a:rPr lang="en-US" b="1" dirty="0" err="1"/>
+              <a:t>delete_all_other_dbs</a:t>
+            </a:r>
+            <a:r>
+              <a:rPr lang="en-US" b="1" dirty="0"/>
+              <a:t>();</a:t>
+            </a:r>
+            <a:br>
+              <a:rPr lang="en-US" dirty="0"/>
+            </a:br>
+            <a:r>
+              <a:rPr lang="en-US" dirty="0"/>
+              <a:t>	}</a:t>
+            </a:r>
+          </a:p>
+          <a:p>
+            <a:endParaRPr lang="en-US" dirty="0"/>
+          </a:p>
+          <a:p>
+            <a:r>
+              <a:rPr lang="en-US" dirty="0"/>
+              <a:t>}</a:t>
+            </a:r>
+          </a:p>
+          <a:p>
+            <a:endParaRPr lang="en-US" dirty="0"/>
+          </a:p>
+          <a:p>
+            <a:endParaRPr lang="en-US" dirty="0"/>
+          </a:p>
+        </p:txBody>
+      </p:sp>
+      <p:sp>
+        <p:nvSpPr>
+          <p:cNvPr id="6" name="Title 5">
+            <a:extLst>
+              <a:ext uri="{FF2B5EF4-FFF2-40B4-BE49-F238E27FC236}">
+                <a16:creationId xmlns:a16="http://schemas.microsoft.com/office/drawing/2014/main" id="{84BEBDC2-03E0-4E4F-CD51-FDAD2936E0A9}"/>
+              </a:ext>
+            </a:extLst>
+          </p:cNvPr>
+          <p:cNvSpPr>
+            <a:spLocks noGrp="1"/>
+          </p:cNvSpPr>
+          <p:nvPr>
+            <p:ph type="title"/>
+          </p:nvPr>
+        </p:nvSpPr>
+        <p:spPr/>
+        <p:txBody>
+          <a:bodyPr/>
+          <a:lstStyle/>
+          <a:p>
+            <a:r>
+              <a:rPr lang="en-US" dirty="0" err="1"/>
+              <a:t>Liskov</a:t>
+            </a:r>
+            <a:r>
+              <a:rPr lang="en-US" dirty="0"/>
+              <a:t> Substitution Principle (LSP)</a:t>
+            </a:r>
+          </a:p>
+        </p:txBody>
+      </p:sp>
+      <p:sp>
+        <p:nvSpPr>
+          <p:cNvPr id="8" name="Content Placeholder 7">
+            <a:extLst>
+              <a:ext uri="{FF2B5EF4-FFF2-40B4-BE49-F238E27FC236}">
+                <a16:creationId xmlns:a16="http://schemas.microsoft.com/office/drawing/2014/main" id="{0394CBED-477C-F3C2-8A70-BC9EA5D52D8C}"/>
+              </a:ext>
+            </a:extLst>
+          </p:cNvPr>
+          <p:cNvSpPr>
+            <a:spLocks noGrp="1"/>
+          </p:cNvSpPr>
+          <p:nvPr>
+            <p:ph idx="13"/>
+          </p:nvPr>
+        </p:nvSpPr>
+        <p:spPr/>
+        <p:txBody>
+          <a:bodyPr/>
+          <a:lstStyle/>
+          <a:p>
+            <a:r>
+              <a:rPr lang="en-US" dirty="0"/>
+              <a:t>Basically, we should always be able to substitute a subclass object for a parent class reference</a:t>
+            </a:r>
+          </a:p>
+        </p:txBody>
+      </p:sp>
+      <p:grpSp>
+        <p:nvGrpSpPr>
+          <p:cNvPr id="9" name="Group 8">
+            <a:extLst>
+              <a:ext uri="{FF2B5EF4-FFF2-40B4-BE49-F238E27FC236}">
+                <a16:creationId xmlns:a16="http://schemas.microsoft.com/office/drawing/2014/main" id="{AA337A8A-FE4B-033F-A5D5-BDEFCBA0260D}"/>
+              </a:ext>
+            </a:extLst>
+          </p:cNvPr>
+          <p:cNvGrpSpPr/>
+          <p:nvPr/>
+        </p:nvGrpSpPr>
+        <p:grpSpPr>
+          <a:xfrm>
+            <a:off x="8319912" y="4844209"/>
+            <a:ext cx="2937329" cy="1228787"/>
+            <a:chOff x="7461956" y="2814606"/>
+            <a:chExt cx="2937329" cy="1228787"/>
+          </a:xfrm>
+        </p:grpSpPr>
+        <p:sp>
+          <p:nvSpPr>
+            <p:cNvPr id="10" name="Multiplication Sign 9">
+              <a:extLst>
+                <a:ext uri="{FF2B5EF4-FFF2-40B4-BE49-F238E27FC236}">
+                  <a16:creationId xmlns:a16="http://schemas.microsoft.com/office/drawing/2014/main" id="{8229A95F-FAF4-3FAF-CF44-4ACA57C3D85D}"/>
+                </a:ext>
+              </a:extLst>
+            </p:cNvPr>
+            <p:cNvSpPr/>
+            <p:nvPr/>
+          </p:nvSpPr>
+          <p:spPr>
+            <a:xfrm>
+              <a:off x="7461956" y="2814606"/>
+              <a:ext cx="1117600" cy="1228787"/>
+            </a:xfrm>
+            <a:prstGeom prst="mathMultiply">
+              <a:avLst/>
+            </a:prstGeom>
+            <a:solidFill>
+              <a:srgbClr val="FF0000"/>
+            </a:solidFill>
+            <a:ln>
+              <a:solidFill>
+                <a:srgbClr val="FF0000"/>
+              </a:solidFill>
+            </a:ln>
+          </p:spPr>
+          <p:style>
+            <a:lnRef idx="2">
+              <a:schemeClr val="accent1">
+                <a:shade val="15000"/>
+              </a:schemeClr>
+            </a:lnRef>
+            <a:fillRef idx="1">
+              <a:schemeClr val="accent1"/>
+            </a:fillRef>
+            <a:effectRef idx="0">
+              <a:schemeClr val="accent1"/>
+            </a:effectRef>
+            <a:fontRef idx="minor">
+              <a:schemeClr val="lt1"/>
+            </a:fontRef>
+          </p:style>
+          <p:txBody>
+            <a:bodyPr rtlCol="0" anchor="ctr"/>
+            <a:lstStyle/>
+            <a:p>
+              <a:pPr algn="ctr"/>
+              <a:endParaRPr lang="en-US"/>
+            </a:p>
+          </p:txBody>
+        </p:sp>
+        <p:sp>
+          <p:nvSpPr>
+            <p:cNvPr id="11" name="TextBox 10">
+              <a:extLst>
+                <a:ext uri="{FF2B5EF4-FFF2-40B4-BE49-F238E27FC236}">
+                  <a16:creationId xmlns:a16="http://schemas.microsoft.com/office/drawing/2014/main" id="{2F4BEE57-1A55-592E-82CA-A942153068B8}"/>
+                </a:ext>
+              </a:extLst>
+            </p:cNvPr>
+            <p:cNvSpPr txBox="1"/>
+            <p:nvPr/>
+          </p:nvSpPr>
+          <p:spPr>
+            <a:xfrm>
+              <a:off x="8579556" y="3239911"/>
+              <a:ext cx="1819729" cy="523220"/>
+            </a:xfrm>
+            <a:prstGeom prst="rect">
+              <a:avLst/>
+            </a:prstGeom>
+            <a:noFill/>
+          </p:spPr>
+          <p:txBody>
+            <a:bodyPr wrap="none" rtlCol="0">
+              <a:spAutoFit/>
+            </a:bodyPr>
+            <a:lstStyle/>
+            <a:p>
+              <a:r>
+                <a:rPr lang="en-US" sz="2800" b="1" i="1" dirty="0"/>
+                <a:t>Bad design</a:t>
+              </a:r>
+            </a:p>
+          </p:txBody>
+        </p:sp>
+      </p:grpSp>
+    </p:spTree>
+    <p:extLst>
+      <p:ext uri="{BB962C8B-B14F-4D97-AF65-F5344CB8AC3E}">
+        <p14:creationId xmlns:p14="http://schemas.microsoft.com/office/powerpoint/2010/main" val="3713898755"/>
+      </p:ext>
+    </p:extLst>
+  </p:cSld>
+  <p:clrMapOvr>
+    <a:masterClrMapping/>
+  </p:clrMapOvr>
+  <p:timing>
+    <p:tnLst>
+      <p:par>
+        <p:cTn id="1" dur="indefinite" restart="never" nodeType="tmRoot">
+          <p:childTnLst>
+            <p:seq concurrent="1" nextAc="seek">
+              <p:cTn id="2" dur="indefinite" nodeType="mainSeq">
+                <p:childTnLst>
+                  <p:par>
+                    <p:cTn id="3" fill="hold">
+                      <p:stCondLst>
+                        <p:cond delay="indefinite"/>
+                      </p:stCondLst>
+                      <p:childTnLst>
+                        <p:par>
+                          <p:cTn id="4" fill="hold">
+                            <p:stCondLst>
+                              <p:cond delay="0"/>
+                            </p:stCondLst>
+                            <p:childTnLst>
+                              <p:par>
+                                <p:cTn id="5" presetID="1" presetClass="entr" presetSubtype="0" fill="hold" nodeType="clickEffect">
+                                  <p:stCondLst>
+                                    <p:cond delay="0"/>
+                                  </p:stCondLst>
+                                  <p:childTnLst>
+                                    <p:set>
+                                      <p:cBhvr>
+                                        <p:cTn id="6" dur="1" fill="hold">
+                                          <p:stCondLst>
+                                            <p:cond delay="0"/>
+                                          </p:stCondLst>
+                                        </p:cTn>
+                                        <p:tgtEl>
+                                          <p:spTgt spid="9"/>
+                                        </p:tgtEl>
+                                        <p:attrNameLst>
+                                          <p:attrName>style.visibility</p:attrName>
+                                        </p:attrNameLst>
+                                      </p:cBhvr>
+                                      <p:to>
+                                        <p:strVal val="visible"/>
+                                      </p:to>
+                                    </p:set>
+                                  </p:childTnLst>
+                                </p:cTn>
+                              </p:par>
+                            </p:childTnLst>
+                          </p:cTn>
+                        </p:par>
+                      </p:childTnLst>
+                    </p:cTn>
+                  </p:par>
+                </p:childTnLst>
+              </p:cTn>
+              <p:prevCondLst>
+                <p:cond evt="onPrev" delay="0">
+                  <p:tgtEl>
+                    <p:sldTgt/>
+                  </p:tgtEl>
+                </p:cond>
+              </p:prevCondLst>
+              <p:nextCondLst>
+                <p:cond evt="onNext" delay="0">
+                  <p:tgtEl>
+                    <p:sldTgt/>
+                  </p:tgtEl>
+                </p:cond>
+              </p:nextCondLst>
+            </p:seq>
+          </p:childTnLst>
+        </p:cTn>
+      </p:par>
+    </p:tnLst>
+  </p:timing>
+</p:sld>
+</file>
+
+<file path=ppt/slides/slide47.xml><?xml version="1.0" encoding="utf-8"?>
+<p:sld xmlns:a="http://schemas.openxmlformats.org/drawingml/2006/main" xmlns:r="http://schemas.openxmlformats.org/officeDocument/2006/relationships" xmlns:p="http://schemas.openxmlformats.org/presentationml/2006/main">
+  <p:cSld>
+    <p:spTree>
+      <p:nvGrpSpPr>
+        <p:cNvPr id="1" name=""/>
+        <p:cNvGrpSpPr/>
+        <p:nvPr/>
+      </p:nvGrpSpPr>
+      <p:grpSpPr>
+        <a:xfrm>
+          <a:off x="0" y="0"/>
+          <a:ext cx="0" cy="0"/>
+          <a:chOff x="0" y="0"/>
+          <a:chExt cx="0" cy="0"/>
+        </a:xfrm>
+      </p:grpSpPr>
+      <p:sp>
+        <p:nvSpPr>
+          <p:cNvPr id="5" name="Content Placeholder 4">
+            <a:extLst>
+              <a:ext uri="{FF2B5EF4-FFF2-40B4-BE49-F238E27FC236}">
+                <a16:creationId xmlns:a16="http://schemas.microsoft.com/office/drawing/2014/main" id="{400834FC-E0B1-774E-081B-87ECFD07A47D}"/>
+              </a:ext>
+            </a:extLst>
+          </p:cNvPr>
+          <p:cNvSpPr>
+            <a:spLocks noGrp="1"/>
+          </p:cNvSpPr>
+          <p:nvPr>
+            <p:ph idx="1"/>
+          </p:nvPr>
+        </p:nvSpPr>
+        <p:spPr/>
+        <p:txBody>
+          <a:bodyPr/>
+          <a:lstStyle/>
+          <a:p>
+            <a:r>
+              <a:rPr lang="en-US" dirty="0"/>
+              <a:t>Prefer many small interfaces over one large one</a:t>
+            </a:r>
+          </a:p>
+          <a:p>
+            <a:r>
+              <a:rPr lang="en-US" dirty="0"/>
+              <a:t>Clients only depend on methods they use</a:t>
+            </a:r>
+          </a:p>
+          <a:p>
+            <a:r>
+              <a:rPr lang="en-US" dirty="0"/>
+              <a:t>Avoids “fat” interfaces and reduces side effects</a:t>
+            </a:r>
+          </a:p>
+          <a:p>
+            <a:r>
+              <a:rPr lang="en-US" dirty="0" err="1"/>
+              <a:t>Eg.</a:t>
+            </a:r>
+            <a:r>
+              <a:rPr lang="en-US" dirty="0"/>
+              <a:t>, </a:t>
+            </a:r>
+            <a:r>
+              <a:rPr lang="en-US" dirty="0" err="1"/>
+              <a:t>DBInterfacer</a:t>
+            </a:r>
+            <a:r>
+              <a:rPr lang="en-US" dirty="0"/>
+              <a:t>, DB, </a:t>
+            </a:r>
+            <a:r>
+              <a:rPr lang="en-US" dirty="0" err="1"/>
+              <a:t>Tbl</a:t>
+            </a:r>
+            <a:r>
+              <a:rPr lang="en-US" dirty="0"/>
+              <a:t> as interfaces and per-database-type concrete subclasses</a:t>
+            </a:r>
+          </a:p>
+        </p:txBody>
+      </p:sp>
+      <p:sp>
+        <p:nvSpPr>
+          <p:cNvPr id="4" name="Title 3">
+            <a:extLst>
+              <a:ext uri="{FF2B5EF4-FFF2-40B4-BE49-F238E27FC236}">
+                <a16:creationId xmlns:a16="http://schemas.microsoft.com/office/drawing/2014/main" id="{BB7443A4-2331-560F-ED5B-3079204EDCDA}"/>
+              </a:ext>
+            </a:extLst>
+          </p:cNvPr>
+          <p:cNvSpPr>
+            <a:spLocks noGrp="1"/>
+          </p:cNvSpPr>
+          <p:nvPr>
+            <p:ph type="title"/>
+          </p:nvPr>
+        </p:nvSpPr>
+        <p:spPr/>
+        <p:txBody>
+          <a:bodyPr/>
+          <a:lstStyle/>
+          <a:p>
+            <a:r>
+              <a:rPr lang="en-US" dirty="0"/>
+              <a:t>Interface Segregation Principle (ISP)</a:t>
+            </a:r>
+          </a:p>
+        </p:txBody>
+      </p:sp>
+    </p:spTree>
+    <p:extLst>
+      <p:ext uri="{BB962C8B-B14F-4D97-AF65-F5344CB8AC3E}">
+        <p14:creationId xmlns:p14="http://schemas.microsoft.com/office/powerpoint/2010/main" val="3917255874"/>
+      </p:ext>
+    </p:extLst>
+  </p:cSld>
+  <p:clrMapOvr>
+    <a:masterClrMapping/>
+  </p:clrMapOvr>
+</p:sld>
+</file>
+
+<file path=ppt/slides/slide48.xml><?xml version="1.0" encoding="utf-8"?>
+<p:sld xmlns:a="http://schemas.openxmlformats.org/drawingml/2006/main" xmlns:r="http://schemas.openxmlformats.org/officeDocument/2006/relationships" xmlns:p="http://schemas.openxmlformats.org/presentationml/2006/main">
+  <p:cSld>
+    <p:spTree>
+      <p:nvGrpSpPr>
+        <p:cNvPr id="1" name=""/>
+        <p:cNvGrpSpPr/>
+        <p:nvPr/>
+      </p:nvGrpSpPr>
+      <p:grpSpPr>
+        <a:xfrm>
+          <a:off x="0" y="0"/>
+          <a:ext cx="0" cy="0"/>
+          <a:chOff x="0" y="0"/>
+          <a:chExt cx="0" cy="0"/>
+        </a:xfrm>
+      </p:grpSpPr>
+      <p:sp>
+        <p:nvSpPr>
+          <p:cNvPr id="5" name="Content Placeholder 4">
+            <a:extLst>
+              <a:ext uri="{FF2B5EF4-FFF2-40B4-BE49-F238E27FC236}">
+                <a16:creationId xmlns:a16="http://schemas.microsoft.com/office/drawing/2014/main" id="{D47A1F0B-487E-AFB4-6CAD-C4641B68DB5F}"/>
+              </a:ext>
+            </a:extLst>
+          </p:cNvPr>
+          <p:cNvSpPr>
+            <a:spLocks noGrp="1"/>
+          </p:cNvSpPr>
+          <p:nvPr>
+            <p:ph idx="1"/>
+          </p:nvPr>
+        </p:nvSpPr>
+        <p:spPr/>
+        <p:txBody>
+          <a:bodyPr/>
+          <a:lstStyle/>
+          <a:p>
+            <a:r>
+              <a:rPr lang="en-US" dirty="0"/>
+              <a:t>Depend on abstractions, not concrete classes</a:t>
+            </a:r>
+          </a:p>
+          <a:p>
+            <a:r>
+              <a:rPr lang="en-US" dirty="0"/>
+              <a:t>High-level modules should not depend on low-level modules</a:t>
+            </a:r>
+          </a:p>
+          <a:p>
+            <a:r>
+              <a:rPr lang="en-US" dirty="0"/>
+              <a:t>Enables flexible, decoupled architectures</a:t>
+            </a:r>
+          </a:p>
+          <a:p>
+            <a:r>
+              <a:rPr lang="en-US" b="1" i="1" dirty="0"/>
+              <a:t>… examples?</a:t>
+            </a:r>
+          </a:p>
+        </p:txBody>
+      </p:sp>
+      <p:sp>
+        <p:nvSpPr>
+          <p:cNvPr id="4" name="Title 3">
+            <a:extLst>
+              <a:ext uri="{FF2B5EF4-FFF2-40B4-BE49-F238E27FC236}">
+                <a16:creationId xmlns:a16="http://schemas.microsoft.com/office/drawing/2014/main" id="{DAC12E22-1D0A-5662-BB5C-D3348E4C863A}"/>
+              </a:ext>
+            </a:extLst>
+          </p:cNvPr>
+          <p:cNvSpPr>
+            <a:spLocks noGrp="1"/>
+          </p:cNvSpPr>
+          <p:nvPr>
+            <p:ph type="title"/>
+          </p:nvPr>
+        </p:nvSpPr>
+        <p:spPr/>
+        <p:txBody>
+          <a:bodyPr/>
+          <a:lstStyle/>
+          <a:p>
+            <a:r>
+              <a:rPr lang="en-US" dirty="0"/>
+              <a:t>Dependency Inversion Principle (DIP)</a:t>
+            </a:r>
+          </a:p>
+        </p:txBody>
+      </p:sp>
+    </p:spTree>
+    <p:extLst>
+      <p:ext uri="{BB962C8B-B14F-4D97-AF65-F5344CB8AC3E}">
+        <p14:creationId xmlns:p14="http://schemas.microsoft.com/office/powerpoint/2010/main" val="4267302869"/>
       </p:ext>
     </p:extLst>
   </p:cSld>
@@ -23271,203 +28329,7 @@
 </p:sld>
 </file>
 
-<file path=ppt/slides/slide37.xml><?xml version="1.0" encoding="utf-8"?>
-<p:sld xmlns:a="http://schemas.openxmlformats.org/drawingml/2006/main" xmlns:r="http://schemas.openxmlformats.org/officeDocument/2006/relationships" xmlns:p="http://schemas.openxmlformats.org/presentationml/2006/main">
-  <p:cSld>
-    <p:spTree>
-      <p:nvGrpSpPr>
-        <p:cNvPr id="1" name=""/>
-        <p:cNvGrpSpPr/>
-        <p:nvPr/>
-      </p:nvGrpSpPr>
-      <p:grpSpPr>
-        <a:xfrm>
-          <a:off x="0" y="0"/>
-          <a:ext cx="0" cy="0"/>
-          <a:chOff x="0" y="0"/>
-          <a:chExt cx="0" cy="0"/>
-        </a:xfrm>
-      </p:grpSpPr>
-      <p:sp>
-        <p:nvSpPr>
-          <p:cNvPr id="5" name="Content Placeholder 4">
-            <a:extLst>
-              <a:ext uri="{FF2B5EF4-FFF2-40B4-BE49-F238E27FC236}">
-                <a16:creationId xmlns:a16="http://schemas.microsoft.com/office/drawing/2014/main" id="{400834FC-E0B1-774E-081B-87ECFD07A47D}"/>
-              </a:ext>
-            </a:extLst>
-          </p:cNvPr>
-          <p:cNvSpPr>
-            <a:spLocks noGrp="1"/>
-          </p:cNvSpPr>
-          <p:nvPr>
-            <p:ph idx="1"/>
-          </p:nvPr>
-        </p:nvSpPr>
-        <p:spPr/>
-        <p:txBody>
-          <a:bodyPr/>
-          <a:lstStyle/>
-          <a:p>
-            <a:r>
-              <a:rPr lang="en-US" dirty="0"/>
-              <a:t>Prefer many small interfaces over one large one</a:t>
-            </a:r>
-          </a:p>
-          <a:p>
-            <a:r>
-              <a:rPr lang="en-US" dirty="0"/>
-              <a:t>Clients only depend on methods they use</a:t>
-            </a:r>
-          </a:p>
-          <a:p>
-            <a:r>
-              <a:rPr lang="en-US" dirty="0"/>
-              <a:t>Avoids “fat” interfaces and reduces side effects</a:t>
-            </a:r>
-          </a:p>
-        </p:txBody>
-      </p:sp>
-      <p:sp>
-        <p:nvSpPr>
-          <p:cNvPr id="4" name="Title 3">
-            <a:extLst>
-              <a:ext uri="{FF2B5EF4-FFF2-40B4-BE49-F238E27FC236}">
-                <a16:creationId xmlns:a16="http://schemas.microsoft.com/office/drawing/2014/main" id="{BB7443A4-2331-560F-ED5B-3079204EDCDA}"/>
-              </a:ext>
-            </a:extLst>
-          </p:cNvPr>
-          <p:cNvSpPr>
-            <a:spLocks noGrp="1"/>
-          </p:cNvSpPr>
-          <p:nvPr>
-            <p:ph type="title"/>
-          </p:nvPr>
-        </p:nvSpPr>
-        <p:spPr/>
-        <p:txBody>
-          <a:bodyPr/>
-          <a:lstStyle/>
-          <a:p>
-            <a:r>
-              <a:rPr lang="en-US" dirty="0"/>
-              <a:t>Interface Segregation Principle (ISP)</a:t>
-            </a:r>
-          </a:p>
-        </p:txBody>
-      </p:sp>
-    </p:spTree>
-    <p:extLst>
-      <p:ext uri="{BB962C8B-B14F-4D97-AF65-F5344CB8AC3E}">
-        <p14:creationId xmlns:p14="http://schemas.microsoft.com/office/powerpoint/2010/main" val="3917255874"/>
-      </p:ext>
-    </p:extLst>
-  </p:cSld>
-  <p:clrMapOvr>
-    <a:masterClrMapping/>
-  </p:clrMapOvr>
-</p:sld>
-</file>
-
-<file path=ppt/slides/slide38.xml><?xml version="1.0" encoding="utf-8"?>
-<p:sld xmlns:a="http://schemas.openxmlformats.org/drawingml/2006/main" xmlns:r="http://schemas.openxmlformats.org/officeDocument/2006/relationships" xmlns:p="http://schemas.openxmlformats.org/presentationml/2006/main">
-  <p:cSld>
-    <p:spTree>
-      <p:nvGrpSpPr>
-        <p:cNvPr id="1" name=""/>
-        <p:cNvGrpSpPr/>
-        <p:nvPr/>
-      </p:nvGrpSpPr>
-      <p:grpSpPr>
-        <a:xfrm>
-          <a:off x="0" y="0"/>
-          <a:ext cx="0" cy="0"/>
-          <a:chOff x="0" y="0"/>
-          <a:chExt cx="0" cy="0"/>
-        </a:xfrm>
-      </p:grpSpPr>
-      <p:sp>
-        <p:nvSpPr>
-          <p:cNvPr id="5" name="Content Placeholder 4">
-            <a:extLst>
-              <a:ext uri="{FF2B5EF4-FFF2-40B4-BE49-F238E27FC236}">
-                <a16:creationId xmlns:a16="http://schemas.microsoft.com/office/drawing/2014/main" id="{D47A1F0B-487E-AFB4-6CAD-C4641B68DB5F}"/>
-              </a:ext>
-            </a:extLst>
-          </p:cNvPr>
-          <p:cNvSpPr>
-            <a:spLocks noGrp="1"/>
-          </p:cNvSpPr>
-          <p:nvPr>
-            <p:ph idx="1"/>
-          </p:nvPr>
-        </p:nvSpPr>
-        <p:spPr/>
-        <p:txBody>
-          <a:bodyPr/>
-          <a:lstStyle/>
-          <a:p>
-            <a:r>
-              <a:rPr lang="en-US" dirty="0"/>
-              <a:t>Depend on abstractions, not concretions</a:t>
-            </a:r>
-          </a:p>
-          <a:p>
-            <a:r>
-              <a:rPr lang="en-US" dirty="0"/>
-              <a:t>High-level modules should not depend on low-level modules</a:t>
-            </a:r>
-          </a:p>
-          <a:p>
-            <a:r>
-              <a:rPr lang="en-US" dirty="0"/>
-              <a:t>Enables flexible, decoupled architectures</a:t>
-            </a:r>
-          </a:p>
-        </p:txBody>
-      </p:sp>
-      <p:sp>
-        <p:nvSpPr>
-          <p:cNvPr id="4" name="Title 3">
-            <a:extLst>
-              <a:ext uri="{FF2B5EF4-FFF2-40B4-BE49-F238E27FC236}">
-                <a16:creationId xmlns:a16="http://schemas.microsoft.com/office/drawing/2014/main" id="{DAC12E22-1D0A-5662-BB5C-D3348E4C863A}"/>
-              </a:ext>
-            </a:extLst>
-          </p:cNvPr>
-          <p:cNvSpPr>
-            <a:spLocks noGrp="1"/>
-          </p:cNvSpPr>
-          <p:nvPr>
-            <p:ph type="title"/>
-          </p:nvPr>
-        </p:nvSpPr>
-        <p:spPr/>
-        <p:txBody>
-          <a:bodyPr/>
-          <a:lstStyle/>
-          <a:p>
-            <a:r>
-              <a:rPr lang="en-US" dirty="0"/>
-              <a:t>Dependency Inversion Principle (DIP)</a:t>
-            </a:r>
-          </a:p>
-        </p:txBody>
-      </p:sp>
-    </p:spTree>
-    <p:extLst>
-      <p:ext uri="{BB962C8B-B14F-4D97-AF65-F5344CB8AC3E}">
-        <p14:creationId xmlns:p14="http://schemas.microsoft.com/office/powerpoint/2010/main" val="4267302869"/>
-      </p:ext>
-    </p:extLst>
-  </p:cSld>
-  <p:clrMapOvr>
-    <a:masterClrMapping/>
-  </p:clrMapOvr>
-</p:sld>
-</file>
-
-<file path=ppt/slides/slide39.xml><?xml version="1.0" encoding="utf-8"?>
+<file path=ppt/slides/slide49.xml><?xml version="1.0" encoding="utf-8"?>
 <p:sld xmlns:a="http://schemas.openxmlformats.org/drawingml/2006/main" xmlns:r="http://schemas.openxmlformats.org/officeDocument/2006/relationships" xmlns:p="http://schemas.openxmlformats.org/presentationml/2006/main">
   <p:cSld>
     <p:spTree>
@@ -23550,7 +28412,7 @@
 </p:sld>
 </file>
 
-<file path=ppt/slides/slide4.xml><?xml version="1.0" encoding="utf-8"?>
+<file path=ppt/slides/slide5.xml><?xml version="1.0" encoding="utf-8"?>
 <p:sld xmlns:a="http://schemas.openxmlformats.org/drawingml/2006/main" xmlns:r="http://schemas.openxmlformats.org/officeDocument/2006/relationships" xmlns:p="http://schemas.openxmlformats.org/presentationml/2006/main">
   <p:cSld>
     <p:spTree>
@@ -23639,6 +28501,16 @@
                 </a:solidFill>
               </a:rPr>
               <a:t>Networking fundamentals</a:t>
+            </a:r>
+          </a:p>
+          <a:p>
+            <a:r>
+              <a:rPr lang="en-US" dirty="0">
+                <a:solidFill>
+                  <a:srgbClr val="C00000"/>
+                </a:solidFill>
+              </a:rPr>
+              <a:t>Demo: GitHub and GitHub API</a:t>
             </a:r>
           </a:p>
         </p:txBody>
@@ -23721,8 +28593,8 @@
         </p:nvSpPr>
         <p:spPr>
           <a:xfrm>
-            <a:off x="7010400" y="2983832"/>
-            <a:ext cx="457200" cy="1876926"/>
+            <a:off x="7010400" y="2983831"/>
+            <a:ext cx="457200" cy="2558715"/>
           </a:xfrm>
           <a:prstGeom prst="rightBrace">
             <a:avLst/>
@@ -23770,7 +28642,7 @@
         </p:nvSpPr>
         <p:spPr>
           <a:xfrm>
-            <a:off x="7539789" y="3661609"/>
+            <a:off x="7539789" y="4006514"/>
             <a:ext cx="2462464" cy="400110"/>
           </a:xfrm>
           <a:prstGeom prst="rect">
@@ -23808,7 +28680,7 @@
 </p:sld>
 </file>
 
-<file path=ppt/slides/slide40.xml><?xml version="1.0" encoding="utf-8"?>
+<file path=ppt/slides/slide50.xml><?xml version="1.0" encoding="utf-8"?>
 <p:sld xmlns:a="http://schemas.openxmlformats.org/drawingml/2006/main" xmlns:r="http://schemas.openxmlformats.org/officeDocument/2006/relationships" xmlns:p="http://schemas.openxmlformats.org/presentationml/2006/main">
   <p:cSld>
     <p:spTree>
@@ -24523,7 +29395,7 @@
 </p:sld>
 </file>
 
-<file path=ppt/slides/slide41.xml><?xml version="1.0" encoding="utf-8"?>
+<file path=ppt/slides/slide51.xml><?xml version="1.0" encoding="utf-8"?>
 <p:sld xmlns:a="http://schemas.openxmlformats.org/drawingml/2006/main" xmlns:r="http://schemas.openxmlformats.org/officeDocument/2006/relationships" xmlns:p="http://schemas.openxmlformats.org/presentationml/2006/main">
   <p:cSld>
     <p:spTree>
@@ -25400,7 +30272,7 @@
 </p:sld>
 </file>
 
-<file path=ppt/slides/slide42.xml><?xml version="1.0" encoding="utf-8"?>
+<file path=ppt/slides/slide52.xml><?xml version="1.0" encoding="utf-8"?>
 <p:sld xmlns:a="http://schemas.openxmlformats.org/drawingml/2006/main" xmlns:r="http://schemas.openxmlformats.org/officeDocument/2006/relationships" xmlns:p="http://schemas.openxmlformats.org/presentationml/2006/main">
   <p:cSld>
     <p:spTree>
@@ -26280,7 +31152,7 @@
 </p:sld>
 </file>
 
-<file path=ppt/slides/slide43.xml><?xml version="1.0" encoding="utf-8"?>
+<file path=ppt/slides/slide53.xml><?xml version="1.0" encoding="utf-8"?>
 <p:sld xmlns:a="http://schemas.openxmlformats.org/drawingml/2006/main" xmlns:r="http://schemas.openxmlformats.org/officeDocument/2006/relationships" xmlns:p="http://schemas.openxmlformats.org/presentationml/2006/main">
   <p:cSld>
     <p:spTree>
@@ -27328,7 +32200,7 @@
 </p:sld>
 </file>
 
-<file path=ppt/slides/slide44.xml><?xml version="1.0" encoding="utf-8"?>
+<file path=ppt/slides/slide54.xml><?xml version="1.0" encoding="utf-8"?>
 <p:sld xmlns:a="http://schemas.openxmlformats.org/drawingml/2006/main" xmlns:r="http://schemas.openxmlformats.org/officeDocument/2006/relationships" xmlns:p="http://schemas.openxmlformats.org/presentationml/2006/main">
   <p:cSld>
     <p:spTree>
@@ -27506,7 +32378,7 @@
 </p:sld>
 </file>
 
-<file path=ppt/slides/slide45.xml><?xml version="1.0" encoding="utf-8"?>
+<file path=ppt/slides/slide55.xml><?xml version="1.0" encoding="utf-8"?>
 <p:sld xmlns:a="http://schemas.openxmlformats.org/drawingml/2006/main" xmlns:r="http://schemas.openxmlformats.org/officeDocument/2006/relationships" xmlns:p="http://schemas.openxmlformats.org/presentationml/2006/main">
   <p:cSld>
     <p:spTree>
@@ -27617,7 +32489,7 @@
 </p:sld>
 </file>
 
-<file path=ppt/slides/slide46.xml><?xml version="1.0" encoding="utf-8"?>
+<file path=ppt/slides/slide56.xml><?xml version="1.0" encoding="utf-8"?>
 <p:sld xmlns:a="http://schemas.openxmlformats.org/drawingml/2006/main" xmlns:r="http://schemas.openxmlformats.org/officeDocument/2006/relationships" xmlns:p="http://schemas.openxmlformats.org/presentationml/2006/main" show="0">
   <p:cSld>
     <p:spTree>
@@ -28483,7 +33355,7 @@
 </p:sld>
 </file>
 
-<file path=ppt/slides/slide47.xml><?xml version="1.0" encoding="utf-8"?>
+<file path=ppt/slides/slide57.xml><?xml version="1.0" encoding="utf-8"?>
 <p:sld xmlns:a="http://schemas.openxmlformats.org/drawingml/2006/main" xmlns:r="http://schemas.openxmlformats.org/officeDocument/2006/relationships" xmlns:p="http://schemas.openxmlformats.org/presentationml/2006/main" show="0">
   <p:cSld>
     <p:spTree>
@@ -29081,7 +33953,7 @@
 </p:sld>
 </file>
 
-<file path=ppt/slides/slide5.xml><?xml version="1.0" encoding="utf-8"?>
+<file path=ppt/slides/slide6.xml><?xml version="1.0" encoding="utf-8"?>
 <p:sld xmlns:a="http://schemas.openxmlformats.org/drawingml/2006/main" xmlns:r="http://schemas.openxmlformats.org/officeDocument/2006/relationships" xmlns:p="http://schemas.openxmlformats.org/presentationml/2006/main">
   <p:cSld>
     <p:spTree>
@@ -29486,7 +34358,7 @@
 </p:sld>
 </file>
 
-<file path=ppt/slides/slide6.xml><?xml version="1.0" encoding="utf-8"?>
+<file path=ppt/slides/slide7.xml><?xml version="1.0" encoding="utf-8"?>
 <p:sld xmlns:a="http://schemas.openxmlformats.org/drawingml/2006/main" xmlns:r="http://schemas.openxmlformats.org/officeDocument/2006/relationships" xmlns:p="http://schemas.openxmlformats.org/presentationml/2006/main">
   <p:cSld>
     <p:spTree>
@@ -29923,7 +34795,7 @@
 </p:sld>
 </file>
 
-<file path=ppt/slides/slide7.xml><?xml version="1.0" encoding="utf-8"?>
+<file path=ppt/slides/slide8.xml><?xml version="1.0" encoding="utf-8"?>
 <p:sld xmlns:a="http://schemas.openxmlformats.org/drawingml/2006/main" xmlns:r="http://schemas.openxmlformats.org/officeDocument/2006/relationships" xmlns:p="http://schemas.openxmlformats.org/presentationml/2006/main">
   <p:cSld>
     <p:spTree>
@@ -30921,7 +35793,7 @@
 </p:sld>
 </file>
 
-<file path=ppt/slides/slide8.xml><?xml version="1.0" encoding="utf-8"?>
+<file path=ppt/slides/slide9.xml><?xml version="1.0" encoding="utf-8"?>
 <p:sld xmlns:a="http://schemas.openxmlformats.org/drawingml/2006/main" xmlns:r="http://schemas.openxmlformats.org/officeDocument/2006/relationships" xmlns:p="http://schemas.openxmlformats.org/presentationml/2006/main">
   <p:cSld>
     <p:spTree>
@@ -31912,892 +36784,6 @@
       <p:bldP spid="19" grpId="1" animBg="1"/>
       <p:bldP spid="20" grpId="0" animBg="1"/>
       <p:bldP spid="20" grpId="1" animBg="1"/>
-    </p:bldLst>
-  </p:timing>
-</p:sld>
-</file>
-
-<file path=ppt/slides/slide9.xml><?xml version="1.0" encoding="utf-8"?>
-<p:sld xmlns:a="http://schemas.openxmlformats.org/drawingml/2006/main" xmlns:r="http://schemas.openxmlformats.org/officeDocument/2006/relationships" xmlns:p="http://schemas.openxmlformats.org/presentationml/2006/main">
-  <p:cSld>
-    <p:spTree>
-      <p:nvGrpSpPr>
-        <p:cNvPr id="1" name=""/>
-        <p:cNvGrpSpPr/>
-        <p:nvPr/>
-      </p:nvGrpSpPr>
-      <p:grpSpPr>
-        <a:xfrm>
-          <a:off x="0" y="0"/>
-          <a:ext cx="0" cy="0"/>
-          <a:chOff x="0" y="0"/>
-          <a:chExt cx="0" cy="0"/>
-        </a:xfrm>
-      </p:grpSpPr>
-      <p:sp>
-        <p:nvSpPr>
-          <p:cNvPr id="6" name="Content Placeholder 5">
-            <a:extLst>
-              <a:ext uri="{FF2B5EF4-FFF2-40B4-BE49-F238E27FC236}">
-                <a16:creationId xmlns:a16="http://schemas.microsoft.com/office/drawing/2014/main" id="{226FD241-D478-845A-77DF-B1DB38B6DC4C}"/>
-              </a:ext>
-            </a:extLst>
-          </p:cNvPr>
-          <p:cNvSpPr>
-            <a:spLocks noGrp="1"/>
-          </p:cNvSpPr>
-          <p:nvPr>
-            <p:ph idx="1"/>
-          </p:nvPr>
-        </p:nvSpPr>
-        <p:spPr/>
-        <p:txBody>
-          <a:bodyPr/>
-          <a:lstStyle/>
-          <a:p>
-            <a:r>
-              <a:rPr lang="en-US" dirty="0"/>
-              <a:t>// Breaking abstractions</a:t>
-            </a:r>
-          </a:p>
-          <a:p>
-            <a:r>
-              <a:rPr lang="en-US" dirty="0"/>
-              <a:t>class </a:t>
-            </a:r>
-            <a:r>
-              <a:rPr lang="en-US" dirty="0" err="1"/>
-              <a:t>ClassDetails</a:t>
-            </a:r>
-            <a:r>
-              <a:rPr lang="en-US" dirty="0"/>
-              <a:t> {</a:t>
-            </a:r>
-            <a:br>
-              <a:rPr lang="en-US" dirty="0"/>
-            </a:br>
-            <a:r>
-              <a:rPr lang="en-US" dirty="0"/>
-              <a:t>  public List&lt;Student&gt; students;</a:t>
-            </a:r>
-            <a:br>
-              <a:rPr lang="en-US" dirty="0"/>
-            </a:br>
-            <a:r>
-              <a:rPr lang="en-US" dirty="0"/>
-              <a:t>  public void </a:t>
-            </a:r>
-            <a:r>
-              <a:rPr lang="en-US" dirty="0" err="1"/>
-              <a:t>dropStudent</a:t>
-            </a:r>
-            <a:r>
-              <a:rPr lang="en-US" dirty="0"/>
-              <a:t>(Student s) {</a:t>
-            </a:r>
-          </a:p>
-          <a:p>
-            <a:r>
-              <a:rPr lang="en-US" dirty="0"/>
-              <a:t>	</a:t>
-            </a:r>
-            <a:r>
-              <a:rPr lang="en-US" dirty="0" err="1"/>
-              <a:t>students.remove</a:t>
-            </a:r>
-            <a:r>
-              <a:rPr lang="en-US" dirty="0"/>
-              <a:t>(s);</a:t>
-            </a:r>
-            <a:br>
-              <a:rPr lang="en-US" dirty="0"/>
-            </a:br>
-            <a:r>
-              <a:rPr lang="en-US" dirty="0"/>
-              <a:t>	if (</a:t>
-            </a:r>
-            <a:r>
-              <a:rPr lang="en-US" dirty="0" err="1"/>
-              <a:t>s.isInternational</a:t>
-            </a:r>
-            <a:r>
-              <a:rPr lang="en-US" dirty="0"/>
-              <a:t>() </a:t>
-            </a:r>
-          </a:p>
-          <a:p>
-            <a:r>
-              <a:rPr lang="en-US" dirty="0"/>
-              <a:t>		&amp;&amp; !</a:t>
-            </a:r>
-            <a:r>
-              <a:rPr lang="en-US" dirty="0" err="1"/>
-              <a:t>s.hasMinCredits</a:t>
-            </a:r>
-            <a:r>
-              <a:rPr lang="en-US" dirty="0"/>
-              <a:t>()) {</a:t>
-            </a:r>
-          </a:p>
-          <a:p>
-            <a:r>
-              <a:rPr lang="en-US" dirty="0"/>
-              <a:t>		</a:t>
-            </a:r>
-            <a:r>
-              <a:rPr lang="en-US" dirty="0" err="1"/>
-              <a:t>s.notifyEmail</a:t>
-            </a:r>
-            <a:r>
-              <a:rPr lang="en-US" dirty="0"/>
-              <a:t>();</a:t>
-            </a:r>
-          </a:p>
-          <a:p>
-            <a:r>
-              <a:rPr lang="en-US" dirty="0"/>
-              <a:t>	}</a:t>
-            </a:r>
-            <a:br>
-              <a:rPr lang="en-US" dirty="0"/>
-            </a:br>
-            <a:r>
-              <a:rPr lang="en-US" dirty="0"/>
-              <a:t>  }</a:t>
-            </a:r>
-            <a:br>
-              <a:rPr lang="en-US" dirty="0"/>
-            </a:br>
-            <a:r>
-              <a:rPr lang="en-US" dirty="0"/>
-              <a:t>}</a:t>
-            </a:r>
-          </a:p>
-          <a:p>
-            <a:br>
-              <a:rPr lang="en-US" dirty="0"/>
-            </a:br>
-            <a:r>
-              <a:rPr lang="en-US" dirty="0"/>
-              <a:t>Student s = …;</a:t>
-            </a:r>
-            <a:br>
-              <a:rPr lang="en-US" dirty="0"/>
-            </a:br>
-            <a:r>
-              <a:rPr lang="en-US" dirty="0" err="1"/>
-              <a:t>ClassDetails</a:t>
-            </a:r>
-            <a:r>
-              <a:rPr lang="en-US" dirty="0"/>
-              <a:t> details = …;</a:t>
-            </a:r>
-          </a:p>
-          <a:p>
-            <a:r>
-              <a:rPr lang="en-US" dirty="0" err="1"/>
-              <a:t>details.students.remove</a:t>
-            </a:r>
-            <a:r>
-              <a:rPr lang="en-US" dirty="0"/>
-              <a:t>(s); </a:t>
-            </a:r>
-            <a:r>
-              <a:rPr lang="en-US" b="1" dirty="0"/>
-              <a:t>// no check!</a:t>
-            </a:r>
-          </a:p>
-        </p:txBody>
-      </p:sp>
-      <p:sp>
-        <p:nvSpPr>
-          <p:cNvPr id="5" name="Title 4">
-            <a:extLst>
-              <a:ext uri="{FF2B5EF4-FFF2-40B4-BE49-F238E27FC236}">
-                <a16:creationId xmlns:a16="http://schemas.microsoft.com/office/drawing/2014/main" id="{93F2E5C6-8F56-6F5C-05EA-6F7E90A72D62}"/>
-              </a:ext>
-            </a:extLst>
-          </p:cNvPr>
-          <p:cNvSpPr>
-            <a:spLocks noGrp="1"/>
-          </p:cNvSpPr>
-          <p:nvPr>
-            <p:ph type="title"/>
-          </p:nvPr>
-        </p:nvSpPr>
-        <p:spPr/>
-        <p:txBody>
-          <a:bodyPr/>
-          <a:lstStyle/>
-          <a:p>
-            <a:r>
-              <a:rPr lang="en-US" dirty="0"/>
-              <a:t>What does encapsulation enable?</a:t>
-            </a:r>
-          </a:p>
-        </p:txBody>
-      </p:sp>
-      <p:sp>
-        <p:nvSpPr>
-          <p:cNvPr id="7" name="Content Placeholder 6">
-            <a:extLst>
-              <a:ext uri="{FF2B5EF4-FFF2-40B4-BE49-F238E27FC236}">
-                <a16:creationId xmlns:a16="http://schemas.microsoft.com/office/drawing/2014/main" id="{85AC793D-21F7-CFF1-8A08-374E129BC63C}"/>
-              </a:ext>
-            </a:extLst>
-          </p:cNvPr>
-          <p:cNvSpPr>
-            <a:spLocks noGrp="1"/>
-          </p:cNvSpPr>
-          <p:nvPr>
-            <p:ph idx="13"/>
-          </p:nvPr>
-        </p:nvSpPr>
-        <p:spPr/>
-        <p:txBody>
-          <a:bodyPr>
-            <a:normAutofit fontScale="92500"/>
-          </a:bodyPr>
-          <a:lstStyle/>
-          <a:p>
-            <a:r>
-              <a:rPr lang="en-US" dirty="0"/>
-              <a:t>Last lecture – abstraction means hiding details</a:t>
-            </a:r>
-          </a:p>
-          <a:p>
-            <a:pPr lvl="1"/>
-            <a:r>
-              <a:rPr lang="en-US" dirty="0"/>
-              <a:t>Enables user to use component without knowing details</a:t>
-            </a:r>
-          </a:p>
-          <a:p>
-            <a:r>
-              <a:rPr lang="en-US" dirty="0"/>
-              <a:t>Encapsulation </a:t>
-            </a:r>
-            <a:r>
-              <a:rPr lang="en-US" b="1" i="1" dirty="0"/>
-              <a:t>enforces</a:t>
-            </a:r>
-            <a:r>
-              <a:rPr lang="en-US" dirty="0"/>
-              <a:t> abstraction</a:t>
-            </a:r>
-          </a:p>
-          <a:p>
-            <a:r>
-              <a:rPr lang="en-US" b="1" dirty="0"/>
-              <a:t>Critical </a:t>
-            </a:r>
-            <a:r>
-              <a:rPr lang="en-US" dirty="0"/>
-              <a:t>to ensuring users of your code use it in the way you intend them to!</a:t>
-            </a:r>
-          </a:p>
-          <a:p>
-            <a:pPr lvl="1"/>
-            <a:r>
-              <a:rPr lang="en-US" b="1" dirty="0"/>
-              <a:t>-&gt; Collaboration! </a:t>
-            </a:r>
-          </a:p>
-        </p:txBody>
-      </p:sp>
-      <p:sp>
-        <p:nvSpPr>
-          <p:cNvPr id="8" name="Rectangle 7">
-            <a:extLst>
-              <a:ext uri="{FF2B5EF4-FFF2-40B4-BE49-F238E27FC236}">
-                <a16:creationId xmlns:a16="http://schemas.microsoft.com/office/drawing/2014/main" id="{F52D2CAD-E48D-8758-5C00-A55967422E6E}"/>
-              </a:ext>
-            </a:extLst>
-          </p:cNvPr>
-          <p:cNvSpPr/>
-          <p:nvPr/>
-        </p:nvSpPr>
-        <p:spPr>
-          <a:xfrm>
-            <a:off x="6317304" y="1303120"/>
-            <a:ext cx="885007" cy="311191"/>
-          </a:xfrm>
-          <a:prstGeom prst="rect">
-            <a:avLst/>
-          </a:prstGeom>
-          <a:noFill/>
-          <a:ln w="34925" cap="flat" cmpd="sng" algn="ctr">
-            <a:solidFill>
-              <a:schemeClr val="accent1"/>
-            </a:solidFill>
-            <a:prstDash val="solid"/>
-            <a:round/>
-            <a:headEnd type="none" w="med" len="med"/>
-            <a:tailEnd type="none" w="med" len="med"/>
-          </a:ln>
-        </p:spPr>
-        <p:style>
-          <a:lnRef idx="0">
-            <a:scrgbClr r="0" g="0" b="0"/>
-          </a:lnRef>
-          <a:fillRef idx="0">
-            <a:scrgbClr r="0" g="0" b="0"/>
-          </a:fillRef>
-          <a:effectRef idx="0">
-            <a:scrgbClr r="0" g="0" b="0"/>
-          </a:effectRef>
-          <a:fontRef idx="minor">
-            <a:schemeClr val="accent1"/>
-          </a:fontRef>
-        </p:style>
-        <p:txBody>
-          <a:bodyPr rot="0" spcFirstLastPara="0" vertOverflow="overflow" horzOverflow="overflow" vert="horz" wrap="square" lIns="91440" tIns="45720" rIns="91440" bIns="45720" numCol="1" spcCol="0" rtlCol="0" fromWordArt="0" anchor="ctr" anchorCtr="0" forceAA="0" compatLnSpc="1">
-            <a:prstTxWarp prst="textNoShape">
-              <a:avLst/>
-            </a:prstTxWarp>
-            <a:noAutofit/>
-          </a:bodyPr>
-          <a:lstStyle/>
-          <a:p>
-            <a:pPr algn="ctr"/>
-            <a:endParaRPr lang="en-US" dirty="0">
-              <a:ln w="0"/>
-              <a:solidFill>
-                <a:schemeClr val="tx1"/>
-              </a:solidFill>
-              <a:effectLst>
-                <a:outerShdw blurRad="38100" dist="19050" dir="2700000" algn="tl" rotWithShape="0">
-                  <a:schemeClr val="dk1">
-                    <a:alpha val="40000"/>
-                  </a:schemeClr>
-                </a:outerShdw>
-              </a:effectLst>
-            </a:endParaRPr>
-          </a:p>
-        </p:txBody>
-      </p:sp>
-      <p:sp>
-        <p:nvSpPr>
-          <p:cNvPr id="9" name="Rectangle 8">
-            <a:extLst>
-              <a:ext uri="{FF2B5EF4-FFF2-40B4-BE49-F238E27FC236}">
-                <a16:creationId xmlns:a16="http://schemas.microsoft.com/office/drawing/2014/main" id="{CAE3DD90-D9EF-095D-051A-FC6542CCFE6A}"/>
-              </a:ext>
-            </a:extLst>
-          </p:cNvPr>
-          <p:cNvSpPr/>
-          <p:nvPr/>
-        </p:nvSpPr>
-        <p:spPr>
-          <a:xfrm>
-            <a:off x="6176512" y="1976831"/>
-            <a:ext cx="4403256" cy="1071169"/>
-          </a:xfrm>
-          <a:prstGeom prst="rect">
-            <a:avLst/>
-          </a:prstGeom>
-          <a:noFill/>
-          <a:ln w="34925" cap="flat" cmpd="sng" algn="ctr">
-            <a:solidFill>
-              <a:schemeClr val="accent1"/>
-            </a:solidFill>
-            <a:prstDash val="solid"/>
-            <a:round/>
-            <a:headEnd type="none" w="med" len="med"/>
-            <a:tailEnd type="none" w="med" len="med"/>
-          </a:ln>
-        </p:spPr>
-        <p:style>
-          <a:lnRef idx="0">
-            <a:scrgbClr r="0" g="0" b="0"/>
-          </a:lnRef>
-          <a:fillRef idx="0">
-            <a:scrgbClr r="0" g="0" b="0"/>
-          </a:fillRef>
-          <a:effectRef idx="0">
-            <a:scrgbClr r="0" g="0" b="0"/>
-          </a:effectRef>
-          <a:fontRef idx="minor">
-            <a:schemeClr val="accent1"/>
-          </a:fontRef>
-        </p:style>
-        <p:txBody>
-          <a:bodyPr rot="0" spcFirstLastPara="0" vertOverflow="overflow" horzOverflow="overflow" vert="horz" wrap="square" lIns="91440" tIns="45720" rIns="91440" bIns="45720" numCol="1" spcCol="0" rtlCol="0" fromWordArt="0" anchor="ctr" anchorCtr="0" forceAA="0" compatLnSpc="1">
-            <a:prstTxWarp prst="textNoShape">
-              <a:avLst/>
-            </a:prstTxWarp>
-            <a:noAutofit/>
-          </a:bodyPr>
-          <a:lstStyle/>
-          <a:p>
-            <a:pPr algn="ctr"/>
-            <a:endParaRPr lang="en-US" dirty="0">
-              <a:ln w="0"/>
-              <a:solidFill>
-                <a:schemeClr val="tx1"/>
-              </a:solidFill>
-              <a:effectLst>
-                <a:outerShdw blurRad="38100" dist="19050" dir="2700000" algn="tl" rotWithShape="0">
-                  <a:schemeClr val="dk1">
-                    <a:alpha val="40000"/>
-                  </a:schemeClr>
-                </a:outerShdw>
-              </a:effectLst>
-            </a:endParaRPr>
-          </a:p>
-        </p:txBody>
-      </p:sp>
-    </p:spTree>
-    <p:extLst>
-      <p:ext uri="{BB962C8B-B14F-4D97-AF65-F5344CB8AC3E}">
-        <p14:creationId xmlns:p14="http://schemas.microsoft.com/office/powerpoint/2010/main" val="3207809613"/>
-      </p:ext>
-    </p:extLst>
-  </p:cSld>
-  <p:clrMapOvr>
-    <a:masterClrMapping/>
-  </p:clrMapOvr>
-  <p:timing>
-    <p:tnLst>
-      <p:par>
-        <p:cTn id="1" dur="indefinite" restart="never" nodeType="tmRoot">
-          <p:childTnLst>
-            <p:seq concurrent="1" nextAc="seek">
-              <p:cTn id="2" dur="indefinite" nodeType="mainSeq">
-                <p:childTnLst>
-                  <p:par>
-                    <p:cTn id="3" fill="hold">
-                      <p:stCondLst>
-                        <p:cond delay="indefinite"/>
-                      </p:stCondLst>
-                      <p:childTnLst>
-                        <p:par>
-                          <p:cTn id="4" fill="hold">
-                            <p:stCondLst>
-                              <p:cond delay="0"/>
-                            </p:stCondLst>
-                            <p:childTnLst>
-                              <p:par>
-                                <p:cTn id="5" presetID="1" presetClass="entr" presetSubtype="0" fill="hold" nodeType="clickEffect">
-                                  <p:stCondLst>
-                                    <p:cond delay="0"/>
-                                  </p:stCondLst>
-                                  <p:childTnLst>
-                                    <p:set>
-                                      <p:cBhvr>
-                                        <p:cTn id="6" dur="1" fill="hold">
-                                          <p:stCondLst>
-                                            <p:cond delay="0"/>
-                                          </p:stCondLst>
-                                        </p:cTn>
-                                        <p:tgtEl>
-                                          <p:spTgt spid="7">
-                                            <p:txEl>
-                                              <p:pRg st="2" end="2"/>
-                                            </p:txEl>
-                                          </p:spTgt>
-                                        </p:tgtEl>
-                                        <p:attrNameLst>
-                                          <p:attrName>style.visibility</p:attrName>
-                                        </p:attrNameLst>
-                                      </p:cBhvr>
-                                      <p:to>
-                                        <p:strVal val="visible"/>
-                                      </p:to>
-                                    </p:set>
-                                  </p:childTnLst>
-                                </p:cTn>
-                              </p:par>
-                            </p:childTnLst>
-                          </p:cTn>
-                        </p:par>
-                      </p:childTnLst>
-                    </p:cTn>
-                  </p:par>
-                  <p:par>
-                    <p:cTn id="7" fill="hold">
-                      <p:stCondLst>
-                        <p:cond delay="indefinite"/>
-                      </p:stCondLst>
-                      <p:childTnLst>
-                        <p:par>
-                          <p:cTn id="8" fill="hold">
-                            <p:stCondLst>
-                              <p:cond delay="0"/>
-                            </p:stCondLst>
-                            <p:childTnLst>
-                              <p:par>
-                                <p:cTn id="9" presetID="1" presetClass="entr" presetSubtype="0" fill="hold" grpId="0" nodeType="clickEffect">
-                                  <p:stCondLst>
-                                    <p:cond delay="0"/>
-                                  </p:stCondLst>
-                                  <p:childTnLst>
-                                    <p:set>
-                                      <p:cBhvr>
-                                        <p:cTn id="10" dur="1" fill="hold">
-                                          <p:stCondLst>
-                                            <p:cond delay="0"/>
-                                          </p:stCondLst>
-                                        </p:cTn>
-                                        <p:tgtEl>
-                                          <p:spTgt spid="9"/>
-                                        </p:tgtEl>
-                                        <p:attrNameLst>
-                                          <p:attrName>style.visibility</p:attrName>
-                                        </p:attrNameLst>
-                                      </p:cBhvr>
-                                      <p:to>
-                                        <p:strVal val="visible"/>
-                                      </p:to>
-                                    </p:set>
-                                  </p:childTnLst>
-                                </p:cTn>
-                              </p:par>
-                            </p:childTnLst>
-                          </p:cTn>
-                        </p:par>
-                      </p:childTnLst>
-                    </p:cTn>
-                  </p:par>
-                  <p:par>
-                    <p:cTn id="11" fill="hold">
-                      <p:stCondLst>
-                        <p:cond delay="indefinite"/>
-                      </p:stCondLst>
-                      <p:childTnLst>
-                        <p:par>
-                          <p:cTn id="12" fill="hold">
-                            <p:stCondLst>
-                              <p:cond delay="0"/>
-                            </p:stCondLst>
-                            <p:childTnLst>
-                              <p:par>
-                                <p:cTn id="13" presetID="1" presetClass="exit" presetSubtype="0" fill="hold" grpId="1" nodeType="clickEffect">
-                                  <p:stCondLst>
-                                    <p:cond delay="0"/>
-                                  </p:stCondLst>
-                                  <p:childTnLst>
-                                    <p:set>
-                                      <p:cBhvr>
-                                        <p:cTn id="14" dur="1" fill="hold">
-                                          <p:stCondLst>
-                                            <p:cond delay="0"/>
-                                          </p:stCondLst>
-                                        </p:cTn>
-                                        <p:tgtEl>
-                                          <p:spTgt spid="9"/>
-                                        </p:tgtEl>
-                                        <p:attrNameLst>
-                                          <p:attrName>style.visibility</p:attrName>
-                                        </p:attrNameLst>
-                                      </p:cBhvr>
-                                      <p:to>
-                                        <p:strVal val="hidden"/>
-                                      </p:to>
-                                    </p:set>
-                                  </p:childTnLst>
-                                </p:cTn>
-                              </p:par>
-                            </p:childTnLst>
-                          </p:cTn>
-                        </p:par>
-                      </p:childTnLst>
-                    </p:cTn>
-                  </p:par>
-                  <p:par>
-                    <p:cTn id="15" fill="hold">
-                      <p:stCondLst>
-                        <p:cond delay="indefinite"/>
-                      </p:stCondLst>
-                      <p:childTnLst>
-                        <p:par>
-                          <p:cTn id="16" fill="hold">
-                            <p:stCondLst>
-                              <p:cond delay="0"/>
-                            </p:stCondLst>
-                            <p:childTnLst>
-                              <p:par>
-                                <p:cTn id="17" presetID="1" presetClass="entr" presetSubtype="0" fill="hold" grpId="0" nodeType="clickEffect">
-                                  <p:stCondLst>
-                                    <p:cond delay="0"/>
-                                  </p:stCondLst>
-                                  <p:childTnLst>
-                                    <p:set>
-                                      <p:cBhvr>
-                                        <p:cTn id="18" dur="1" fill="hold">
-                                          <p:stCondLst>
-                                            <p:cond delay="0"/>
-                                          </p:stCondLst>
-                                        </p:cTn>
-                                        <p:tgtEl>
-                                          <p:spTgt spid="8"/>
-                                        </p:tgtEl>
-                                        <p:attrNameLst>
-                                          <p:attrName>style.visibility</p:attrName>
-                                        </p:attrNameLst>
-                                      </p:cBhvr>
-                                      <p:to>
-                                        <p:strVal val="visible"/>
-                                      </p:to>
-                                    </p:set>
-                                  </p:childTnLst>
-                                </p:cTn>
-                              </p:par>
-                            </p:childTnLst>
-                          </p:cTn>
-                        </p:par>
-                      </p:childTnLst>
-                    </p:cTn>
-                  </p:par>
-                  <p:par>
-                    <p:cTn id="19" fill="hold">
-                      <p:stCondLst>
-                        <p:cond delay="indefinite"/>
-                      </p:stCondLst>
-                      <p:childTnLst>
-                        <p:par>
-                          <p:cTn id="20" fill="hold">
-                            <p:stCondLst>
-                              <p:cond delay="0"/>
-                            </p:stCondLst>
-                            <p:childTnLst>
-                              <p:par>
-                                <p:cTn id="21" presetID="1" presetClass="exit" presetSubtype="0" fill="hold" grpId="1" nodeType="clickEffect">
-                                  <p:stCondLst>
-                                    <p:cond delay="0"/>
-                                  </p:stCondLst>
-                                  <p:childTnLst>
-                                    <p:set>
-                                      <p:cBhvr>
-                                        <p:cTn id="22" dur="1" fill="hold">
-                                          <p:stCondLst>
-                                            <p:cond delay="0"/>
-                                          </p:stCondLst>
-                                        </p:cTn>
-                                        <p:tgtEl>
-                                          <p:spTgt spid="8"/>
-                                        </p:tgtEl>
-                                        <p:attrNameLst>
-                                          <p:attrName>style.visibility</p:attrName>
-                                        </p:attrNameLst>
-                                      </p:cBhvr>
-                                      <p:to>
-                                        <p:strVal val="hidden"/>
-                                      </p:to>
-                                    </p:set>
-                                  </p:childTnLst>
-                                </p:cTn>
-                              </p:par>
-                            </p:childTnLst>
-                          </p:cTn>
-                        </p:par>
-                      </p:childTnLst>
-                    </p:cTn>
-                  </p:par>
-                  <p:par>
-                    <p:cTn id="23" fill="hold">
-                      <p:stCondLst>
-                        <p:cond delay="indefinite"/>
-                      </p:stCondLst>
-                      <p:childTnLst>
-                        <p:par>
-                          <p:cTn id="24" fill="hold">
-                            <p:stCondLst>
-                              <p:cond delay="0"/>
-                            </p:stCondLst>
-                            <p:childTnLst>
-                              <p:par>
-                                <p:cTn id="25" presetID="1" presetClass="entr" presetSubtype="0" fill="hold" nodeType="clickEffect">
-                                  <p:stCondLst>
-                                    <p:cond delay="0"/>
-                                  </p:stCondLst>
-                                  <p:childTnLst>
-                                    <p:set>
-                                      <p:cBhvr>
-                                        <p:cTn id="26" dur="1" fill="hold">
-                                          <p:stCondLst>
-                                            <p:cond delay="0"/>
-                                          </p:stCondLst>
-                                        </p:cTn>
-                                        <p:tgtEl>
-                                          <p:spTgt spid="6">
-                                            <p:txEl>
-                                              <p:pRg st="6" end="6"/>
-                                            </p:txEl>
-                                          </p:spTgt>
-                                        </p:tgtEl>
-                                        <p:attrNameLst>
-                                          <p:attrName>style.visibility</p:attrName>
-                                        </p:attrNameLst>
-                                      </p:cBhvr>
-                                      <p:to>
-                                        <p:strVal val="visible"/>
-                                      </p:to>
-                                    </p:set>
-                                  </p:childTnLst>
-                                </p:cTn>
-                              </p:par>
-                              <p:par>
-                                <p:cTn id="27" presetID="1" presetClass="entr" presetSubtype="0" fill="hold" nodeType="withEffect">
-                                  <p:stCondLst>
-                                    <p:cond delay="0"/>
-                                  </p:stCondLst>
-                                  <p:childTnLst>
-                                    <p:set>
-                                      <p:cBhvr>
-                                        <p:cTn id="28" dur="1" fill="hold">
-                                          <p:stCondLst>
-                                            <p:cond delay="0"/>
-                                          </p:stCondLst>
-                                        </p:cTn>
-                                        <p:tgtEl>
-                                          <p:spTgt spid="6">
-                                            <p:txEl>
-                                              <p:pRg st="7" end="7"/>
-                                            </p:txEl>
-                                          </p:spTgt>
-                                        </p:tgtEl>
-                                        <p:attrNameLst>
-                                          <p:attrName>style.visibility</p:attrName>
-                                        </p:attrNameLst>
-                                      </p:cBhvr>
-                                      <p:to>
-                                        <p:strVal val="visible"/>
-                                      </p:to>
-                                    </p:set>
-                                  </p:childTnLst>
-                                </p:cTn>
-                              </p:par>
-                            </p:childTnLst>
-                          </p:cTn>
-                        </p:par>
-                      </p:childTnLst>
-                    </p:cTn>
-                  </p:par>
-                  <p:par>
-                    <p:cTn id="29" fill="hold">
-                      <p:stCondLst>
-                        <p:cond delay="indefinite"/>
-                      </p:stCondLst>
-                      <p:childTnLst>
-                        <p:par>
-                          <p:cTn id="30" fill="hold">
-                            <p:stCondLst>
-                              <p:cond delay="0"/>
-                            </p:stCondLst>
-                            <p:childTnLst>
-                              <p:par>
-                                <p:cTn id="31" presetID="1" presetClass="entr" presetSubtype="0" fill="hold" nodeType="clickEffect">
-                                  <p:stCondLst>
-                                    <p:cond delay="0"/>
-                                  </p:stCondLst>
-                                  <p:childTnLst>
-                                    <p:set>
-                                      <p:cBhvr>
-                                        <p:cTn id="32" dur="1" fill="hold">
-                                          <p:stCondLst>
-                                            <p:cond delay="0"/>
-                                          </p:stCondLst>
-                                        </p:cTn>
-                                        <p:tgtEl>
-                                          <p:spTgt spid="7">
-                                            <p:txEl>
-                                              <p:pRg st="3" end="3"/>
-                                            </p:txEl>
-                                          </p:spTgt>
-                                        </p:tgtEl>
-                                        <p:attrNameLst>
-                                          <p:attrName>style.visibility</p:attrName>
-                                        </p:attrNameLst>
-                                      </p:cBhvr>
-                                      <p:to>
-                                        <p:strVal val="visible"/>
-                                      </p:to>
-                                    </p:set>
-                                  </p:childTnLst>
-                                </p:cTn>
-                              </p:par>
-                            </p:childTnLst>
-                          </p:cTn>
-                        </p:par>
-                      </p:childTnLst>
-                    </p:cTn>
-                  </p:par>
-                  <p:par>
-                    <p:cTn id="33" fill="hold">
-                      <p:stCondLst>
-                        <p:cond delay="indefinite"/>
-                      </p:stCondLst>
-                      <p:childTnLst>
-                        <p:par>
-                          <p:cTn id="34" fill="hold">
-                            <p:stCondLst>
-                              <p:cond delay="0"/>
-                            </p:stCondLst>
-                            <p:childTnLst>
-                              <p:par>
-                                <p:cTn id="35" presetID="1" presetClass="entr" presetSubtype="0" fill="hold" nodeType="clickEffect">
-                                  <p:stCondLst>
-                                    <p:cond delay="0"/>
-                                  </p:stCondLst>
-                                  <p:childTnLst>
-                                    <p:set>
-                                      <p:cBhvr>
-                                        <p:cTn id="36" dur="1" fill="hold">
-                                          <p:stCondLst>
-                                            <p:cond delay="0"/>
-                                          </p:stCondLst>
-                                        </p:cTn>
-                                        <p:tgtEl>
-                                          <p:spTgt spid="7">
-                                            <p:txEl>
-                                              <p:pRg st="4" end="4"/>
-                                            </p:txEl>
-                                          </p:spTgt>
-                                        </p:tgtEl>
-                                        <p:attrNameLst>
-                                          <p:attrName>style.visibility</p:attrName>
-                                        </p:attrNameLst>
-                                      </p:cBhvr>
-                                      <p:to>
-                                        <p:strVal val="visible"/>
-                                      </p:to>
-                                    </p:set>
-                                  </p:childTnLst>
-                                </p:cTn>
-                              </p:par>
-                            </p:childTnLst>
-                          </p:cTn>
-                        </p:par>
-                      </p:childTnLst>
-                    </p:cTn>
-                  </p:par>
-                </p:childTnLst>
-              </p:cTn>
-              <p:prevCondLst>
-                <p:cond evt="onPrev" delay="0">
-                  <p:tgtEl>
-                    <p:sldTgt/>
-                  </p:tgtEl>
-                </p:cond>
-              </p:prevCondLst>
-              <p:nextCondLst>
-                <p:cond evt="onNext" delay="0">
-                  <p:tgtEl>
-                    <p:sldTgt/>
-                  </p:tgtEl>
-                </p:cond>
-              </p:nextCondLst>
-            </p:seq>
-          </p:childTnLst>
-        </p:cTn>
-      </p:par>
-    </p:tnLst>
-    <p:bldLst>
-      <p:bldP spid="8" grpId="0" animBg="1"/>
-      <p:bldP spid="8" grpId="1" animBg="1"/>
-      <p:bldP spid="9" grpId="0" animBg="1"/>
-      <p:bldP spid="9" grpId="1" animBg="1"/>
     </p:bldLst>
   </p:timing>
 </p:sld>

--- a/slides/2_oo_background.pptx
+++ b/slides/2_oo_background.pptx
@@ -5,10 +5,10 @@
     <p:sldMasterId id="2147483704" r:id="rId1"/>
   </p:sldMasterIdLst>
   <p:notesMasterIdLst>
-    <p:notesMasterId r:id="rId59"/>
+    <p:notesMasterId r:id="rId60"/>
   </p:notesMasterIdLst>
   <p:handoutMasterIdLst>
-    <p:handoutMasterId r:id="rId60"/>
+    <p:handoutMasterId r:id="rId61"/>
   </p:handoutMasterIdLst>
   <p:sldIdLst>
     <p:sldId id="256" r:id="rId2"/>
@@ -48,26 +48,27 @@
     <p:sldId id="358" r:id="rId36"/>
     <p:sldId id="359" r:id="rId37"/>
     <p:sldId id="360" r:id="rId38"/>
-    <p:sldId id="361" r:id="rId39"/>
-    <p:sldId id="362" r:id="rId40"/>
-    <p:sldId id="343" r:id="rId41"/>
-    <p:sldId id="345" r:id="rId42"/>
-    <p:sldId id="363" r:id="rId43"/>
-    <p:sldId id="364" r:id="rId44"/>
-    <p:sldId id="346" r:id="rId45"/>
-    <p:sldId id="347" r:id="rId46"/>
-    <p:sldId id="365" r:id="rId47"/>
-    <p:sldId id="348" r:id="rId48"/>
-    <p:sldId id="349" r:id="rId49"/>
-    <p:sldId id="344" r:id="rId50"/>
-    <p:sldId id="316" r:id="rId51"/>
-    <p:sldId id="317" r:id="rId52"/>
-    <p:sldId id="318" r:id="rId53"/>
-    <p:sldId id="321" r:id="rId54"/>
-    <p:sldId id="320" r:id="rId55"/>
-    <p:sldId id="350" r:id="rId56"/>
-    <p:sldId id="287" r:id="rId57"/>
-    <p:sldId id="260" r:id="rId58"/>
+    <p:sldId id="366" r:id="rId39"/>
+    <p:sldId id="361" r:id="rId40"/>
+    <p:sldId id="362" r:id="rId41"/>
+    <p:sldId id="343" r:id="rId42"/>
+    <p:sldId id="345" r:id="rId43"/>
+    <p:sldId id="363" r:id="rId44"/>
+    <p:sldId id="364" r:id="rId45"/>
+    <p:sldId id="346" r:id="rId46"/>
+    <p:sldId id="347" r:id="rId47"/>
+    <p:sldId id="365" r:id="rId48"/>
+    <p:sldId id="348" r:id="rId49"/>
+    <p:sldId id="349" r:id="rId50"/>
+    <p:sldId id="344" r:id="rId51"/>
+    <p:sldId id="316" r:id="rId52"/>
+    <p:sldId id="317" r:id="rId53"/>
+    <p:sldId id="318" r:id="rId54"/>
+    <p:sldId id="321" r:id="rId55"/>
+    <p:sldId id="320" r:id="rId56"/>
+    <p:sldId id="350" r:id="rId57"/>
+    <p:sldId id="287" r:id="rId58"/>
+    <p:sldId id="260" r:id="rId59"/>
   </p:sldIdLst>
   <p:sldSz cx="12192000" cy="6858000"/>
   <p:notesSz cx="6858000" cy="9144000"/>
@@ -317,7 +318,7 @@
           <a:p>
             <a:fld id="{E1249EDF-C441-401E-BE19-3A9BC3A020D4}" type="datetimeFigureOut">
               <a:rPr lang="en-US" smtClean="0"/>
-              <a:t>9/28/2025</a:t>
+              <a:t>9/29/2025</a:t>
             </a:fld>
             <a:endParaRPr lang="en-US"/>
           </a:p>
@@ -495,7 +496,7 @@
           <a:p>
             <a:fld id="{EC53C71B-473E-4814-B444-77926C773EE5}" type="datetimeFigureOut">
               <a:rPr lang="en-US" smtClean="0"/>
-              <a:t>9/28/2025</a:t>
+              <a:t>9/29/2025</a:t>
             </a:fld>
             <a:endParaRPr lang="en-US"/>
           </a:p>
@@ -1923,7 +1924,7 @@
               <a:pPr>
                 <a:defRPr/>
               </a:pPr>
-              <a:t>Sunday, September 28, 2025</a:t>
+              <a:t>Monday, September 29, 2025</a:t>
             </a:fld>
             <a:endParaRPr lang="en-US" dirty="0"/>
           </a:p>
@@ -2137,7 +2138,7 @@
               <a:pPr>
                 <a:defRPr/>
               </a:pPr>
-              <a:t>Sunday, September 28, 2025</a:t>
+              <a:t>Monday, September 29, 2025</a:t>
             </a:fld>
             <a:endParaRPr lang="en-US" dirty="0"/>
           </a:p>
@@ -2552,7 +2553,7 @@
               <a:pPr>
                 <a:defRPr/>
               </a:pPr>
-              <a:t>Sunday, September 28, 2025</a:t>
+              <a:t>Monday, September 29, 2025</a:t>
             </a:fld>
             <a:endParaRPr lang="en-US" dirty="0"/>
           </a:p>
@@ -2912,7 +2913,7 @@
               <a:pPr>
                 <a:defRPr/>
               </a:pPr>
-              <a:t>Sunday, September 28, 2025</a:t>
+              <a:t>Monday, September 29, 2025</a:t>
             </a:fld>
             <a:endParaRPr lang="en-US" dirty="0"/>
           </a:p>
@@ -3190,7 +3191,7 @@
               <a:pPr>
                 <a:defRPr/>
               </a:pPr>
-              <a:t>Sunday, September 28, 2025</a:t>
+              <a:t>Monday, September 29, 2025</a:t>
             </a:fld>
             <a:endParaRPr lang="en-US" dirty="0"/>
           </a:p>
@@ -3474,7 +3475,7 @@
               <a:pPr>
                 <a:defRPr/>
               </a:pPr>
-              <a:t>Sunday, September 28, 2025</a:t>
+              <a:t>Monday, September 29, 2025</a:t>
             </a:fld>
             <a:endParaRPr lang="en-US" dirty="0"/>
           </a:p>
@@ -4299,7 +4300,7 @@
               <a:pPr>
                 <a:defRPr/>
               </a:pPr>
-              <a:t>Sunday, September 28, 2025</a:t>
+              <a:t>Monday, September 29, 2025</a:t>
             </a:fld>
             <a:endParaRPr lang="en-US" dirty="0"/>
           </a:p>
@@ -24240,6 +24241,290 @@
           </a:p>
         </p:txBody>
       </p:sp>
+      <p:sp>
+        <p:nvSpPr>
+          <p:cNvPr id="2" name="Rectangle 1">
+            <a:extLst>
+              <a:ext uri="{FF2B5EF4-FFF2-40B4-BE49-F238E27FC236}">
+                <a16:creationId xmlns:a16="http://schemas.microsoft.com/office/drawing/2014/main" id="{D06ED054-06CC-35CD-0853-6CD53B45EE2E}"/>
+              </a:ext>
+            </a:extLst>
+          </p:cNvPr>
+          <p:cNvSpPr/>
+          <p:nvPr/>
+        </p:nvSpPr>
+        <p:spPr>
+          <a:xfrm>
+            <a:off x="6176512" y="785004"/>
+            <a:ext cx="4644190" cy="696277"/>
+          </a:xfrm>
+          <a:prstGeom prst="rect">
+            <a:avLst/>
+          </a:prstGeom>
+          <a:noFill/>
+          <a:ln w="31750" cap="flat" cmpd="sng" algn="ctr">
+            <a:solidFill>
+              <a:schemeClr val="accent1"/>
+            </a:solidFill>
+            <a:prstDash val="solid"/>
+            <a:round/>
+            <a:headEnd type="none" w="med" len="med"/>
+            <a:tailEnd type="none" w="med" len="med"/>
+          </a:ln>
+        </p:spPr>
+        <p:style>
+          <a:lnRef idx="0">
+            <a:scrgbClr r="0" g="0" b="0"/>
+          </a:lnRef>
+          <a:fillRef idx="0">
+            <a:scrgbClr r="0" g="0" b="0"/>
+          </a:fillRef>
+          <a:effectRef idx="0">
+            <a:scrgbClr r="0" g="0" b="0"/>
+          </a:effectRef>
+          <a:fontRef idx="minor">
+            <a:schemeClr val="accent1"/>
+          </a:fontRef>
+        </p:style>
+        <p:txBody>
+          <a:bodyPr rot="0" spcFirstLastPara="0" vertOverflow="overflow" horzOverflow="overflow" vert="horz" wrap="square" lIns="91440" tIns="45720" rIns="91440" bIns="45720" numCol="1" spcCol="0" rtlCol="0" fromWordArt="0" anchor="ctr" anchorCtr="0" forceAA="0" compatLnSpc="1">
+            <a:prstTxWarp prst="textNoShape">
+              <a:avLst/>
+            </a:prstTxWarp>
+            <a:noAutofit/>
+          </a:bodyPr>
+          <a:lstStyle/>
+          <a:p>
+            <a:pPr algn="ctr"/>
+            <a:endParaRPr lang="en-US" dirty="0">
+              <a:ln w="0"/>
+              <a:solidFill>
+                <a:schemeClr val="tx1"/>
+              </a:solidFill>
+              <a:effectLst>
+                <a:outerShdw blurRad="38100" dist="19050" dir="2700000" algn="tl" rotWithShape="0">
+                  <a:schemeClr val="dk1">
+                    <a:alpha val="40000"/>
+                  </a:schemeClr>
+                </a:outerShdw>
+              </a:effectLst>
+            </a:endParaRPr>
+          </a:p>
+        </p:txBody>
+      </p:sp>
+      <p:sp>
+        <p:nvSpPr>
+          <p:cNvPr id="3" name="Rectangle 2">
+            <a:extLst>
+              <a:ext uri="{FF2B5EF4-FFF2-40B4-BE49-F238E27FC236}">
+                <a16:creationId xmlns:a16="http://schemas.microsoft.com/office/drawing/2014/main" id="{3E9601AD-788C-2BEB-808A-E58823AD25E3}"/>
+              </a:ext>
+            </a:extLst>
+          </p:cNvPr>
+          <p:cNvSpPr/>
+          <p:nvPr/>
+        </p:nvSpPr>
+        <p:spPr>
+          <a:xfrm>
+            <a:off x="6176512" y="1570008"/>
+            <a:ext cx="4644190" cy="788181"/>
+          </a:xfrm>
+          <a:prstGeom prst="rect">
+            <a:avLst/>
+          </a:prstGeom>
+          <a:noFill/>
+          <a:ln w="31750" cap="flat" cmpd="sng" algn="ctr">
+            <a:solidFill>
+              <a:schemeClr val="accent1"/>
+            </a:solidFill>
+            <a:prstDash val="solid"/>
+            <a:round/>
+            <a:headEnd type="none" w="med" len="med"/>
+            <a:tailEnd type="none" w="med" len="med"/>
+          </a:ln>
+        </p:spPr>
+        <p:style>
+          <a:lnRef idx="0">
+            <a:scrgbClr r="0" g="0" b="0"/>
+          </a:lnRef>
+          <a:fillRef idx="0">
+            <a:scrgbClr r="0" g="0" b="0"/>
+          </a:fillRef>
+          <a:effectRef idx="0">
+            <a:scrgbClr r="0" g="0" b="0"/>
+          </a:effectRef>
+          <a:fontRef idx="minor">
+            <a:schemeClr val="accent1"/>
+          </a:fontRef>
+        </p:style>
+        <p:txBody>
+          <a:bodyPr rot="0" spcFirstLastPara="0" vertOverflow="overflow" horzOverflow="overflow" vert="horz" wrap="square" lIns="91440" tIns="45720" rIns="91440" bIns="45720" numCol="1" spcCol="0" rtlCol="0" fromWordArt="0" anchor="ctr" anchorCtr="0" forceAA="0" compatLnSpc="1">
+            <a:prstTxWarp prst="textNoShape">
+              <a:avLst/>
+            </a:prstTxWarp>
+            <a:noAutofit/>
+          </a:bodyPr>
+          <a:lstStyle/>
+          <a:p>
+            <a:pPr algn="ctr"/>
+            <a:endParaRPr lang="en-US" dirty="0">
+              <a:ln w="0"/>
+              <a:solidFill>
+                <a:schemeClr val="tx1"/>
+              </a:solidFill>
+              <a:effectLst>
+                <a:outerShdw blurRad="38100" dist="19050" dir="2700000" algn="tl" rotWithShape="0">
+                  <a:schemeClr val="dk1">
+                    <a:alpha val="40000"/>
+                  </a:schemeClr>
+                </a:outerShdw>
+              </a:effectLst>
+            </a:endParaRPr>
+          </a:p>
+        </p:txBody>
+      </p:sp>
+      <p:sp>
+        <p:nvSpPr>
+          <p:cNvPr id="7" name="Rectangle 6">
+            <a:extLst>
+              <a:ext uri="{FF2B5EF4-FFF2-40B4-BE49-F238E27FC236}">
+                <a16:creationId xmlns:a16="http://schemas.microsoft.com/office/drawing/2014/main" id="{590A3CC4-188A-1361-42C2-6C197D39AF70}"/>
+              </a:ext>
+            </a:extLst>
+          </p:cNvPr>
+          <p:cNvSpPr/>
+          <p:nvPr/>
+        </p:nvSpPr>
+        <p:spPr>
+          <a:xfrm>
+            <a:off x="6176512" y="2429733"/>
+            <a:ext cx="5069004" cy="1356204"/>
+          </a:xfrm>
+          <a:prstGeom prst="rect">
+            <a:avLst/>
+          </a:prstGeom>
+          <a:noFill/>
+          <a:ln w="31750" cap="flat" cmpd="sng" algn="ctr">
+            <a:solidFill>
+              <a:schemeClr val="accent1"/>
+            </a:solidFill>
+            <a:prstDash val="solid"/>
+            <a:round/>
+            <a:headEnd type="none" w="med" len="med"/>
+            <a:tailEnd type="none" w="med" len="med"/>
+          </a:ln>
+        </p:spPr>
+        <p:style>
+          <a:lnRef idx="0">
+            <a:scrgbClr r="0" g="0" b="0"/>
+          </a:lnRef>
+          <a:fillRef idx="0">
+            <a:scrgbClr r="0" g="0" b="0"/>
+          </a:fillRef>
+          <a:effectRef idx="0">
+            <a:scrgbClr r="0" g="0" b="0"/>
+          </a:effectRef>
+          <a:fontRef idx="minor">
+            <a:schemeClr val="accent1"/>
+          </a:fontRef>
+        </p:style>
+        <p:txBody>
+          <a:bodyPr rot="0" spcFirstLastPara="0" vertOverflow="overflow" horzOverflow="overflow" vert="horz" wrap="square" lIns="91440" tIns="45720" rIns="91440" bIns="45720" numCol="1" spcCol="0" rtlCol="0" fromWordArt="0" anchor="ctr" anchorCtr="0" forceAA="0" compatLnSpc="1">
+            <a:prstTxWarp prst="textNoShape">
+              <a:avLst/>
+            </a:prstTxWarp>
+            <a:noAutofit/>
+          </a:bodyPr>
+          <a:lstStyle/>
+          <a:p>
+            <a:pPr algn="ctr"/>
+            <a:endParaRPr lang="en-US" dirty="0">
+              <a:ln w="0"/>
+              <a:solidFill>
+                <a:schemeClr val="tx1"/>
+              </a:solidFill>
+              <a:effectLst>
+                <a:outerShdw blurRad="38100" dist="19050" dir="2700000" algn="tl" rotWithShape="0">
+                  <a:schemeClr val="dk1">
+                    <a:alpha val="40000"/>
+                  </a:schemeClr>
+                </a:outerShdw>
+              </a:effectLst>
+            </a:endParaRPr>
+          </a:p>
+        </p:txBody>
+      </p:sp>
+      <p:sp>
+        <p:nvSpPr>
+          <p:cNvPr id="8" name="Rectangle 7">
+            <a:extLst>
+              <a:ext uri="{FF2B5EF4-FFF2-40B4-BE49-F238E27FC236}">
+                <a16:creationId xmlns:a16="http://schemas.microsoft.com/office/drawing/2014/main" id="{4355781C-3E80-16FD-2687-F21B5B999218}"/>
+              </a:ext>
+            </a:extLst>
+          </p:cNvPr>
+          <p:cNvSpPr/>
+          <p:nvPr/>
+        </p:nvSpPr>
+        <p:spPr>
+          <a:xfrm>
+            <a:off x="6176512" y="3874663"/>
+            <a:ext cx="5558288" cy="1956793"/>
+          </a:xfrm>
+          <a:prstGeom prst="rect">
+            <a:avLst/>
+          </a:prstGeom>
+          <a:noFill/>
+          <a:ln w="31750" cap="flat" cmpd="sng" algn="ctr">
+            <a:solidFill>
+              <a:schemeClr val="accent1"/>
+            </a:solidFill>
+            <a:prstDash val="solid"/>
+            <a:round/>
+            <a:headEnd type="none" w="med" len="med"/>
+            <a:tailEnd type="none" w="med" len="med"/>
+          </a:ln>
+        </p:spPr>
+        <p:style>
+          <a:lnRef idx="0">
+            <a:scrgbClr r="0" g="0" b="0"/>
+          </a:lnRef>
+          <a:fillRef idx="0">
+            <a:scrgbClr r="0" g="0" b="0"/>
+          </a:fillRef>
+          <a:effectRef idx="0">
+            <a:scrgbClr r="0" g="0" b="0"/>
+          </a:effectRef>
+          <a:fontRef idx="minor">
+            <a:schemeClr val="accent1"/>
+          </a:fontRef>
+        </p:style>
+        <p:txBody>
+          <a:bodyPr rot="0" spcFirstLastPara="0" vertOverflow="overflow" horzOverflow="overflow" vert="horz" wrap="square" lIns="91440" tIns="45720" rIns="91440" bIns="45720" numCol="1" spcCol="0" rtlCol="0" fromWordArt="0" anchor="ctr" anchorCtr="0" forceAA="0" compatLnSpc="1">
+            <a:prstTxWarp prst="textNoShape">
+              <a:avLst/>
+            </a:prstTxWarp>
+            <a:noAutofit/>
+          </a:bodyPr>
+          <a:lstStyle/>
+          <a:p>
+            <a:pPr algn="ctr"/>
+            <a:endParaRPr lang="en-US" dirty="0">
+              <a:ln w="0"/>
+              <a:solidFill>
+                <a:schemeClr val="tx1"/>
+              </a:solidFill>
+              <a:effectLst>
+                <a:outerShdw blurRad="38100" dist="19050" dir="2700000" algn="tl" rotWithShape="0">
+                  <a:schemeClr val="dk1">
+                    <a:alpha val="40000"/>
+                  </a:schemeClr>
+                </a:outerShdw>
+              </a:effectLst>
+            </a:endParaRPr>
+          </a:p>
+        </p:txBody>
+      </p:sp>
     </p:spTree>
     <p:extLst>
       <p:ext uri="{BB962C8B-B14F-4D97-AF65-F5344CB8AC3E}">
@@ -24250,10 +24535,1276 @@
   <p:clrMapOvr>
     <a:masterClrMapping/>
   </p:clrMapOvr>
+  <p:timing>
+    <p:tnLst>
+      <p:par>
+        <p:cTn id="1" dur="indefinite" restart="never" nodeType="tmRoot">
+          <p:childTnLst>
+            <p:seq concurrent="1" nextAc="seek">
+              <p:cTn id="2" dur="indefinite" nodeType="mainSeq">
+                <p:childTnLst>
+                  <p:par>
+                    <p:cTn id="3" fill="hold">
+                      <p:stCondLst>
+                        <p:cond delay="indefinite"/>
+                      </p:stCondLst>
+                      <p:childTnLst>
+                        <p:par>
+                          <p:cTn id="4" fill="hold">
+                            <p:stCondLst>
+                              <p:cond delay="0"/>
+                            </p:stCondLst>
+                            <p:childTnLst>
+                              <p:par>
+                                <p:cTn id="5" presetID="1" presetClass="entr" presetSubtype="0" fill="hold" grpId="0" nodeType="clickEffect">
+                                  <p:stCondLst>
+                                    <p:cond delay="0"/>
+                                  </p:stCondLst>
+                                  <p:childTnLst>
+                                    <p:set>
+                                      <p:cBhvr>
+                                        <p:cTn id="6" dur="1" fill="hold">
+                                          <p:stCondLst>
+                                            <p:cond delay="0"/>
+                                          </p:stCondLst>
+                                        </p:cTn>
+                                        <p:tgtEl>
+                                          <p:spTgt spid="2"/>
+                                        </p:tgtEl>
+                                        <p:attrNameLst>
+                                          <p:attrName>style.visibility</p:attrName>
+                                        </p:attrNameLst>
+                                      </p:cBhvr>
+                                      <p:to>
+                                        <p:strVal val="visible"/>
+                                      </p:to>
+                                    </p:set>
+                                  </p:childTnLst>
+                                </p:cTn>
+                              </p:par>
+                            </p:childTnLst>
+                          </p:cTn>
+                        </p:par>
+                      </p:childTnLst>
+                    </p:cTn>
+                  </p:par>
+                  <p:par>
+                    <p:cTn id="7" fill="hold">
+                      <p:stCondLst>
+                        <p:cond delay="indefinite"/>
+                      </p:stCondLst>
+                      <p:childTnLst>
+                        <p:par>
+                          <p:cTn id="8" fill="hold">
+                            <p:stCondLst>
+                              <p:cond delay="0"/>
+                            </p:stCondLst>
+                            <p:childTnLst>
+                              <p:par>
+                                <p:cTn id="9" presetID="1" presetClass="exit" presetSubtype="0" fill="hold" grpId="1" nodeType="clickEffect">
+                                  <p:stCondLst>
+                                    <p:cond delay="0"/>
+                                  </p:stCondLst>
+                                  <p:childTnLst>
+                                    <p:set>
+                                      <p:cBhvr>
+                                        <p:cTn id="10" dur="1" fill="hold">
+                                          <p:stCondLst>
+                                            <p:cond delay="0"/>
+                                          </p:stCondLst>
+                                        </p:cTn>
+                                        <p:tgtEl>
+                                          <p:spTgt spid="2"/>
+                                        </p:tgtEl>
+                                        <p:attrNameLst>
+                                          <p:attrName>style.visibility</p:attrName>
+                                        </p:attrNameLst>
+                                      </p:cBhvr>
+                                      <p:to>
+                                        <p:strVal val="hidden"/>
+                                      </p:to>
+                                    </p:set>
+                                  </p:childTnLst>
+                                </p:cTn>
+                              </p:par>
+                            </p:childTnLst>
+                          </p:cTn>
+                        </p:par>
+                      </p:childTnLst>
+                    </p:cTn>
+                  </p:par>
+                  <p:par>
+                    <p:cTn id="11" fill="hold">
+                      <p:stCondLst>
+                        <p:cond delay="indefinite"/>
+                      </p:stCondLst>
+                      <p:childTnLst>
+                        <p:par>
+                          <p:cTn id="12" fill="hold">
+                            <p:stCondLst>
+                              <p:cond delay="0"/>
+                            </p:stCondLst>
+                            <p:childTnLst>
+                              <p:par>
+                                <p:cTn id="13" presetID="1" presetClass="entr" presetSubtype="0" fill="hold" grpId="0" nodeType="clickEffect">
+                                  <p:stCondLst>
+                                    <p:cond delay="0"/>
+                                  </p:stCondLst>
+                                  <p:childTnLst>
+                                    <p:set>
+                                      <p:cBhvr>
+                                        <p:cTn id="14" dur="1" fill="hold">
+                                          <p:stCondLst>
+                                            <p:cond delay="0"/>
+                                          </p:stCondLst>
+                                        </p:cTn>
+                                        <p:tgtEl>
+                                          <p:spTgt spid="3"/>
+                                        </p:tgtEl>
+                                        <p:attrNameLst>
+                                          <p:attrName>style.visibility</p:attrName>
+                                        </p:attrNameLst>
+                                      </p:cBhvr>
+                                      <p:to>
+                                        <p:strVal val="visible"/>
+                                      </p:to>
+                                    </p:set>
+                                  </p:childTnLst>
+                                </p:cTn>
+                              </p:par>
+                            </p:childTnLst>
+                          </p:cTn>
+                        </p:par>
+                      </p:childTnLst>
+                    </p:cTn>
+                  </p:par>
+                  <p:par>
+                    <p:cTn id="15" fill="hold">
+                      <p:stCondLst>
+                        <p:cond delay="indefinite"/>
+                      </p:stCondLst>
+                      <p:childTnLst>
+                        <p:par>
+                          <p:cTn id="16" fill="hold">
+                            <p:stCondLst>
+                              <p:cond delay="0"/>
+                            </p:stCondLst>
+                            <p:childTnLst>
+                              <p:par>
+                                <p:cTn id="17" presetID="1" presetClass="exit" presetSubtype="0" fill="hold" grpId="1" nodeType="clickEffect">
+                                  <p:stCondLst>
+                                    <p:cond delay="0"/>
+                                  </p:stCondLst>
+                                  <p:childTnLst>
+                                    <p:set>
+                                      <p:cBhvr>
+                                        <p:cTn id="18" dur="1" fill="hold">
+                                          <p:stCondLst>
+                                            <p:cond delay="0"/>
+                                          </p:stCondLst>
+                                        </p:cTn>
+                                        <p:tgtEl>
+                                          <p:spTgt spid="3"/>
+                                        </p:tgtEl>
+                                        <p:attrNameLst>
+                                          <p:attrName>style.visibility</p:attrName>
+                                        </p:attrNameLst>
+                                      </p:cBhvr>
+                                      <p:to>
+                                        <p:strVal val="hidden"/>
+                                      </p:to>
+                                    </p:set>
+                                  </p:childTnLst>
+                                </p:cTn>
+                              </p:par>
+                            </p:childTnLst>
+                          </p:cTn>
+                        </p:par>
+                      </p:childTnLst>
+                    </p:cTn>
+                  </p:par>
+                  <p:par>
+                    <p:cTn id="19" fill="hold">
+                      <p:stCondLst>
+                        <p:cond delay="indefinite"/>
+                      </p:stCondLst>
+                      <p:childTnLst>
+                        <p:par>
+                          <p:cTn id="20" fill="hold">
+                            <p:stCondLst>
+                              <p:cond delay="0"/>
+                            </p:stCondLst>
+                            <p:childTnLst>
+                              <p:par>
+                                <p:cTn id="21" presetID="1" presetClass="entr" presetSubtype="0" fill="hold" grpId="0" nodeType="clickEffect">
+                                  <p:stCondLst>
+                                    <p:cond delay="0"/>
+                                  </p:stCondLst>
+                                  <p:childTnLst>
+                                    <p:set>
+                                      <p:cBhvr>
+                                        <p:cTn id="22" dur="1" fill="hold">
+                                          <p:stCondLst>
+                                            <p:cond delay="0"/>
+                                          </p:stCondLst>
+                                        </p:cTn>
+                                        <p:tgtEl>
+                                          <p:spTgt spid="7"/>
+                                        </p:tgtEl>
+                                        <p:attrNameLst>
+                                          <p:attrName>style.visibility</p:attrName>
+                                        </p:attrNameLst>
+                                      </p:cBhvr>
+                                      <p:to>
+                                        <p:strVal val="visible"/>
+                                      </p:to>
+                                    </p:set>
+                                  </p:childTnLst>
+                                </p:cTn>
+                              </p:par>
+                            </p:childTnLst>
+                          </p:cTn>
+                        </p:par>
+                      </p:childTnLst>
+                    </p:cTn>
+                  </p:par>
+                  <p:par>
+                    <p:cTn id="23" fill="hold">
+                      <p:stCondLst>
+                        <p:cond delay="indefinite"/>
+                      </p:stCondLst>
+                      <p:childTnLst>
+                        <p:par>
+                          <p:cTn id="24" fill="hold">
+                            <p:stCondLst>
+                              <p:cond delay="0"/>
+                            </p:stCondLst>
+                            <p:childTnLst>
+                              <p:par>
+                                <p:cTn id="25" presetID="1" presetClass="exit" presetSubtype="0" fill="hold" grpId="1" nodeType="clickEffect">
+                                  <p:stCondLst>
+                                    <p:cond delay="0"/>
+                                  </p:stCondLst>
+                                  <p:childTnLst>
+                                    <p:set>
+                                      <p:cBhvr>
+                                        <p:cTn id="26" dur="1" fill="hold">
+                                          <p:stCondLst>
+                                            <p:cond delay="0"/>
+                                          </p:stCondLst>
+                                        </p:cTn>
+                                        <p:tgtEl>
+                                          <p:spTgt spid="7"/>
+                                        </p:tgtEl>
+                                        <p:attrNameLst>
+                                          <p:attrName>style.visibility</p:attrName>
+                                        </p:attrNameLst>
+                                      </p:cBhvr>
+                                      <p:to>
+                                        <p:strVal val="hidden"/>
+                                      </p:to>
+                                    </p:set>
+                                  </p:childTnLst>
+                                </p:cTn>
+                              </p:par>
+                            </p:childTnLst>
+                          </p:cTn>
+                        </p:par>
+                      </p:childTnLst>
+                    </p:cTn>
+                  </p:par>
+                  <p:par>
+                    <p:cTn id="27" fill="hold">
+                      <p:stCondLst>
+                        <p:cond delay="indefinite"/>
+                      </p:stCondLst>
+                      <p:childTnLst>
+                        <p:par>
+                          <p:cTn id="28" fill="hold">
+                            <p:stCondLst>
+                              <p:cond delay="0"/>
+                            </p:stCondLst>
+                            <p:childTnLst>
+                              <p:par>
+                                <p:cTn id="29" presetID="1" presetClass="entr" presetSubtype="0" fill="hold" grpId="0" nodeType="clickEffect">
+                                  <p:stCondLst>
+                                    <p:cond delay="0"/>
+                                  </p:stCondLst>
+                                  <p:childTnLst>
+                                    <p:set>
+                                      <p:cBhvr>
+                                        <p:cTn id="30" dur="1" fill="hold">
+                                          <p:stCondLst>
+                                            <p:cond delay="0"/>
+                                          </p:stCondLst>
+                                        </p:cTn>
+                                        <p:tgtEl>
+                                          <p:spTgt spid="8"/>
+                                        </p:tgtEl>
+                                        <p:attrNameLst>
+                                          <p:attrName>style.visibility</p:attrName>
+                                        </p:attrNameLst>
+                                      </p:cBhvr>
+                                      <p:to>
+                                        <p:strVal val="visible"/>
+                                      </p:to>
+                                    </p:set>
+                                  </p:childTnLst>
+                                </p:cTn>
+                              </p:par>
+                            </p:childTnLst>
+                          </p:cTn>
+                        </p:par>
+                      </p:childTnLst>
+                    </p:cTn>
+                  </p:par>
+                  <p:par>
+                    <p:cTn id="31" fill="hold">
+                      <p:stCondLst>
+                        <p:cond delay="indefinite"/>
+                      </p:stCondLst>
+                      <p:childTnLst>
+                        <p:par>
+                          <p:cTn id="32" fill="hold">
+                            <p:stCondLst>
+                              <p:cond delay="0"/>
+                            </p:stCondLst>
+                            <p:childTnLst>
+                              <p:par>
+                                <p:cTn id="33" presetID="1" presetClass="exit" presetSubtype="0" fill="hold" grpId="1" nodeType="clickEffect">
+                                  <p:stCondLst>
+                                    <p:cond delay="0"/>
+                                  </p:stCondLst>
+                                  <p:childTnLst>
+                                    <p:set>
+                                      <p:cBhvr>
+                                        <p:cTn id="34" dur="1" fill="hold">
+                                          <p:stCondLst>
+                                            <p:cond delay="0"/>
+                                          </p:stCondLst>
+                                        </p:cTn>
+                                        <p:tgtEl>
+                                          <p:spTgt spid="8"/>
+                                        </p:tgtEl>
+                                        <p:attrNameLst>
+                                          <p:attrName>style.visibility</p:attrName>
+                                        </p:attrNameLst>
+                                      </p:cBhvr>
+                                      <p:to>
+                                        <p:strVal val="hidden"/>
+                                      </p:to>
+                                    </p:set>
+                                  </p:childTnLst>
+                                </p:cTn>
+                              </p:par>
+                            </p:childTnLst>
+                          </p:cTn>
+                        </p:par>
+                      </p:childTnLst>
+                    </p:cTn>
+                  </p:par>
+                </p:childTnLst>
+              </p:cTn>
+              <p:prevCondLst>
+                <p:cond evt="onPrev" delay="0">
+                  <p:tgtEl>
+                    <p:sldTgt/>
+                  </p:tgtEl>
+                </p:cond>
+              </p:prevCondLst>
+              <p:nextCondLst>
+                <p:cond evt="onNext" delay="0">
+                  <p:tgtEl>
+                    <p:sldTgt/>
+                  </p:tgtEl>
+                </p:cond>
+              </p:nextCondLst>
+            </p:seq>
+          </p:childTnLst>
+        </p:cTn>
+      </p:par>
+    </p:tnLst>
+    <p:bldLst>
+      <p:bldP spid="2" grpId="0" animBg="1"/>
+      <p:bldP spid="2" grpId="1" animBg="1"/>
+      <p:bldP spid="3" grpId="0" animBg="1"/>
+      <p:bldP spid="3" grpId="1" animBg="1"/>
+      <p:bldP spid="7" grpId="0" animBg="1"/>
+      <p:bldP spid="7" grpId="1" animBg="1"/>
+      <p:bldP spid="8" grpId="0" animBg="1"/>
+      <p:bldP spid="8" grpId="1" animBg="1"/>
+    </p:bldLst>
+  </p:timing>
 </p:sld>
 </file>
 
 <file path=ppt/slides/slide38.xml><?xml version="1.0" encoding="utf-8"?>
+<p:sld xmlns:a="http://schemas.openxmlformats.org/drawingml/2006/main" xmlns:r="http://schemas.openxmlformats.org/officeDocument/2006/relationships" xmlns:p="http://schemas.openxmlformats.org/presentationml/2006/main">
+  <p:cSld>
+    <p:spTree>
+      <p:nvGrpSpPr>
+        <p:cNvPr id="1" name="">
+          <a:extLst>
+            <a:ext uri="{FF2B5EF4-FFF2-40B4-BE49-F238E27FC236}">
+              <a16:creationId xmlns:a16="http://schemas.microsoft.com/office/drawing/2014/main" id="{4C6B25A3-CFF3-3598-73F8-9A198E6E5D3E}"/>
+            </a:ext>
+          </a:extLst>
+        </p:cNvPr>
+        <p:cNvGrpSpPr/>
+        <p:nvPr/>
+      </p:nvGrpSpPr>
+      <p:grpSpPr>
+        <a:xfrm>
+          <a:off x="0" y="0"/>
+          <a:ext cx="0" cy="0"/>
+          <a:chOff x="0" y="0"/>
+          <a:chExt cx="0" cy="0"/>
+        </a:xfrm>
+      </p:grpSpPr>
+      <p:sp>
+        <p:nvSpPr>
+          <p:cNvPr id="5" name="Content Placeholder 4">
+            <a:extLst>
+              <a:ext uri="{FF2B5EF4-FFF2-40B4-BE49-F238E27FC236}">
+                <a16:creationId xmlns:a16="http://schemas.microsoft.com/office/drawing/2014/main" id="{7B4D9223-4F87-A4A4-B633-21C94D533F46}"/>
+              </a:ext>
+            </a:extLst>
+          </p:cNvPr>
+          <p:cNvSpPr>
+            <a:spLocks noGrp="1"/>
+          </p:cNvSpPr>
+          <p:nvPr>
+            <p:ph idx="1"/>
+          </p:nvPr>
+        </p:nvSpPr>
+        <p:spPr>
+          <a:xfrm>
+            <a:off x="6176512" y="785004"/>
+            <a:ext cx="5633413" cy="5046453"/>
+          </a:xfrm>
+        </p:spPr>
+        <p:txBody>
+          <a:bodyPr>
+            <a:normAutofit/>
+          </a:bodyPr>
+          <a:lstStyle/>
+          <a:p>
+            <a:r>
+              <a:rPr lang="en-US" dirty="0"/>
+              <a:t>public void </a:t>
+            </a:r>
+            <a:r>
+              <a:rPr lang="en-US" dirty="0" err="1"/>
+              <a:t>downloadSong</a:t>
+            </a:r>
+            <a:r>
+              <a:rPr lang="en-US" dirty="0"/>
+              <a:t>() {</a:t>
+            </a:r>
+          </a:p>
+          <a:p>
+            <a:r>
+              <a:rPr lang="en-US" dirty="0"/>
+              <a:t>  </a:t>
+            </a:r>
+            <a:r>
+              <a:rPr lang="en-US" dirty="0" err="1"/>
+              <a:t>DBInterface</a:t>
+            </a:r>
+            <a:r>
+              <a:rPr lang="en-US" dirty="0"/>
+              <a:t> </a:t>
+            </a:r>
+            <a:r>
+              <a:rPr lang="en-US" dirty="0" err="1"/>
+              <a:t>mysqlInt</a:t>
+            </a:r>
+            <a:r>
+              <a:rPr lang="en-US" dirty="0"/>
+              <a:t> = </a:t>
+            </a:r>
+          </a:p>
+          <a:p>
+            <a:r>
+              <a:rPr lang="en-US" dirty="0"/>
+              <a:t>			new </a:t>
+            </a:r>
+            <a:r>
+              <a:rPr lang="en-US" dirty="0" err="1"/>
+              <a:t>MySqlDBInterface</a:t>
+            </a:r>
+            <a:r>
+              <a:rPr lang="en-US" dirty="0"/>
+              <a:t>();</a:t>
+            </a:r>
+          </a:p>
+          <a:p>
+            <a:r>
+              <a:rPr lang="en-US" dirty="0"/>
+              <a:t>  </a:t>
+            </a:r>
+            <a:r>
+              <a:rPr lang="en-US" dirty="0" err="1"/>
+              <a:t>DBInterface</a:t>
+            </a:r>
+            <a:r>
+              <a:rPr lang="en-US" dirty="0"/>
+              <a:t> </a:t>
+            </a:r>
+            <a:r>
+              <a:rPr lang="en-US" dirty="0" err="1"/>
+              <a:t>pgInt</a:t>
+            </a:r>
+            <a:r>
+              <a:rPr lang="en-US" dirty="0"/>
+              <a:t> = new </a:t>
+            </a:r>
+            <a:r>
+              <a:rPr lang="en-US" dirty="0" err="1"/>
+              <a:t>PgDBInterface</a:t>
+            </a:r>
+            <a:r>
+              <a:rPr lang="en-US" dirty="0"/>
+              <a:t>();</a:t>
+            </a:r>
+          </a:p>
+          <a:p>
+            <a:endParaRPr lang="en-US" dirty="0"/>
+          </a:p>
+          <a:p>
+            <a:r>
+              <a:rPr lang="en-US" dirty="0"/>
+              <a:t>  DB db1 = </a:t>
+            </a:r>
+            <a:r>
+              <a:rPr lang="en-US" dirty="0" err="1"/>
+              <a:t>mySqlInt.createDB</a:t>
+            </a:r>
+            <a:r>
+              <a:rPr lang="en-US" dirty="0"/>
+              <a:t>(..);</a:t>
+            </a:r>
+          </a:p>
+          <a:p>
+            <a:r>
+              <a:rPr lang="en-US" dirty="0"/>
+              <a:t>  DB db2 = </a:t>
+            </a:r>
+            <a:r>
+              <a:rPr lang="en-US" dirty="0" err="1"/>
+              <a:t>pgInt.createDB</a:t>
+            </a:r>
+            <a:r>
+              <a:rPr lang="en-US" dirty="0"/>
+              <a:t>(..);</a:t>
+            </a:r>
+          </a:p>
+          <a:p>
+            <a:endParaRPr lang="en-US" dirty="0"/>
+          </a:p>
+          <a:p>
+            <a:r>
+              <a:rPr lang="en-US" dirty="0"/>
+              <a:t>  // Won’t produce compiler error</a:t>
+            </a:r>
+            <a:br>
+              <a:rPr lang="en-US" dirty="0"/>
+            </a:br>
+            <a:r>
+              <a:rPr lang="en-US" dirty="0"/>
+              <a:t>  </a:t>
+            </a:r>
+            <a:r>
+              <a:rPr lang="en-US" dirty="0" err="1"/>
+              <a:t>Tbl</a:t>
+            </a:r>
+            <a:r>
+              <a:rPr lang="en-US" dirty="0"/>
+              <a:t> tb = </a:t>
+            </a:r>
+            <a:r>
+              <a:rPr lang="en-US" dirty="0" err="1"/>
+              <a:t>mysqlInt.createTbl</a:t>
+            </a:r>
+            <a:r>
+              <a:rPr lang="en-US" dirty="0"/>
+              <a:t>(db2, ..);</a:t>
+            </a:r>
+          </a:p>
+          <a:p>
+            <a:br>
+              <a:rPr lang="en-US" dirty="0"/>
+            </a:br>
+            <a:r>
+              <a:rPr lang="en-US" dirty="0"/>
+              <a:t>}</a:t>
+            </a:r>
+          </a:p>
+        </p:txBody>
+      </p:sp>
+      <p:sp>
+        <p:nvSpPr>
+          <p:cNvPr id="4" name="Title 3">
+            <a:extLst>
+              <a:ext uri="{FF2B5EF4-FFF2-40B4-BE49-F238E27FC236}">
+                <a16:creationId xmlns:a16="http://schemas.microsoft.com/office/drawing/2014/main" id="{7277165A-C65A-574A-A631-82225017DC3F}"/>
+              </a:ext>
+            </a:extLst>
+          </p:cNvPr>
+          <p:cNvSpPr>
+            <a:spLocks noGrp="1"/>
+          </p:cNvSpPr>
+          <p:nvPr>
+            <p:ph type="title"/>
+          </p:nvPr>
+        </p:nvSpPr>
+        <p:spPr>
+          <a:xfrm>
+            <a:off x="0" y="0"/>
+            <a:ext cx="12192000" cy="696277"/>
+          </a:xfrm>
+        </p:spPr>
+        <p:txBody>
+          <a:bodyPr/>
+          <a:lstStyle/>
+          <a:p>
+            <a:r>
+              <a:rPr lang="en-US" dirty="0"/>
+              <a:t>Recap</a:t>
+            </a:r>
+          </a:p>
+        </p:txBody>
+      </p:sp>
+      <p:sp>
+        <p:nvSpPr>
+          <p:cNvPr id="6" name="Content Placeholder 5">
+            <a:extLst>
+              <a:ext uri="{FF2B5EF4-FFF2-40B4-BE49-F238E27FC236}">
+                <a16:creationId xmlns:a16="http://schemas.microsoft.com/office/drawing/2014/main" id="{9887D734-6614-0EEA-C58B-29D193C684EA}"/>
+              </a:ext>
+            </a:extLst>
+          </p:cNvPr>
+          <p:cNvSpPr>
+            <a:spLocks noGrp="1"/>
+          </p:cNvSpPr>
+          <p:nvPr>
+            <p:ph idx="13"/>
+          </p:nvPr>
+        </p:nvSpPr>
+        <p:spPr>
+          <a:xfrm>
+            <a:off x="382074" y="785004"/>
+            <a:ext cx="5633413" cy="5046453"/>
+          </a:xfrm>
+        </p:spPr>
+        <p:txBody>
+          <a:bodyPr/>
+          <a:lstStyle/>
+          <a:p>
+            <a:r>
+              <a:rPr lang="en-US" dirty="0"/>
+              <a:t>Having a broader interface can allow certain bugs that narrower interface would not </a:t>
+            </a:r>
+          </a:p>
+          <a:p>
+            <a:r>
+              <a:rPr lang="en-US" dirty="0"/>
+              <a:t>Extensibility vs. correctness tradeoff </a:t>
+            </a:r>
+          </a:p>
+          <a:p>
+            <a:r>
+              <a:rPr lang="en-US" dirty="0"/>
+              <a:t>In real situations – rare to make such errors</a:t>
+            </a:r>
+          </a:p>
+          <a:p>
+            <a:endParaRPr lang="en-US" dirty="0"/>
+          </a:p>
+        </p:txBody>
+      </p:sp>
+      <p:sp>
+        <p:nvSpPr>
+          <p:cNvPr id="8" name="Rectangle 7">
+            <a:extLst>
+              <a:ext uri="{FF2B5EF4-FFF2-40B4-BE49-F238E27FC236}">
+                <a16:creationId xmlns:a16="http://schemas.microsoft.com/office/drawing/2014/main" id="{7F2A544D-3084-772B-9066-BF6756E2E4D4}"/>
+              </a:ext>
+            </a:extLst>
+          </p:cNvPr>
+          <p:cNvSpPr/>
+          <p:nvPr/>
+        </p:nvSpPr>
+        <p:spPr>
+          <a:xfrm>
+            <a:off x="7391548" y="2957688"/>
+            <a:ext cx="1018674" cy="426156"/>
+          </a:xfrm>
+          <a:prstGeom prst="rect">
+            <a:avLst/>
+          </a:prstGeom>
+          <a:noFill/>
+          <a:ln w="31750" cap="flat" cmpd="sng" algn="ctr">
+            <a:solidFill>
+              <a:schemeClr val="accent1"/>
+            </a:solidFill>
+            <a:prstDash val="solid"/>
+            <a:round/>
+            <a:headEnd type="none" w="med" len="med"/>
+            <a:tailEnd type="none" w="med" len="med"/>
+          </a:ln>
+        </p:spPr>
+        <p:style>
+          <a:lnRef idx="0">
+            <a:scrgbClr r="0" g="0" b="0"/>
+          </a:lnRef>
+          <a:fillRef idx="0">
+            <a:scrgbClr r="0" g="0" b="0"/>
+          </a:fillRef>
+          <a:effectRef idx="0">
+            <a:scrgbClr r="0" g="0" b="0"/>
+          </a:effectRef>
+          <a:fontRef idx="minor">
+            <a:schemeClr val="accent1"/>
+          </a:fontRef>
+        </p:style>
+        <p:txBody>
+          <a:bodyPr rot="0" spcFirstLastPara="0" vertOverflow="overflow" horzOverflow="overflow" vert="horz" wrap="square" lIns="91440" tIns="45720" rIns="91440" bIns="45720" numCol="1" spcCol="0" rtlCol="0" fromWordArt="0" anchor="ctr" anchorCtr="0" forceAA="0" compatLnSpc="1">
+            <a:prstTxWarp prst="textNoShape">
+              <a:avLst/>
+            </a:prstTxWarp>
+            <a:noAutofit/>
+          </a:bodyPr>
+          <a:lstStyle/>
+          <a:p>
+            <a:pPr algn="ctr"/>
+            <a:endParaRPr lang="en-US" dirty="0">
+              <a:ln w="0"/>
+              <a:solidFill>
+                <a:schemeClr val="tx1"/>
+              </a:solidFill>
+              <a:effectLst>
+                <a:outerShdw blurRad="38100" dist="19050" dir="2700000" algn="tl" rotWithShape="0">
+                  <a:schemeClr val="dk1">
+                    <a:alpha val="40000"/>
+                  </a:schemeClr>
+                </a:outerShdw>
+              </a:effectLst>
+            </a:endParaRPr>
+          </a:p>
+        </p:txBody>
+      </p:sp>
+      <p:sp>
+        <p:nvSpPr>
+          <p:cNvPr id="9" name="Rectangle 8">
+            <a:extLst>
+              <a:ext uri="{FF2B5EF4-FFF2-40B4-BE49-F238E27FC236}">
+                <a16:creationId xmlns:a16="http://schemas.microsoft.com/office/drawing/2014/main" id="{1A5D782A-4853-741F-131F-9F2697FE4480}"/>
+              </a:ext>
+            </a:extLst>
+          </p:cNvPr>
+          <p:cNvSpPr/>
+          <p:nvPr/>
+        </p:nvSpPr>
+        <p:spPr>
+          <a:xfrm>
+            <a:off x="9480609" y="2957688"/>
+            <a:ext cx="629208" cy="426156"/>
+          </a:xfrm>
+          <a:prstGeom prst="rect">
+            <a:avLst/>
+          </a:prstGeom>
+          <a:noFill/>
+          <a:ln w="31750" cap="flat" cmpd="sng" algn="ctr">
+            <a:solidFill>
+              <a:schemeClr val="accent1"/>
+            </a:solidFill>
+            <a:prstDash val="solid"/>
+            <a:round/>
+            <a:headEnd type="none" w="med" len="med"/>
+            <a:tailEnd type="none" w="med" len="med"/>
+          </a:ln>
+        </p:spPr>
+        <p:style>
+          <a:lnRef idx="0">
+            <a:scrgbClr r="0" g="0" b="0"/>
+          </a:lnRef>
+          <a:fillRef idx="0">
+            <a:scrgbClr r="0" g="0" b="0"/>
+          </a:fillRef>
+          <a:effectRef idx="0">
+            <a:scrgbClr r="0" g="0" b="0"/>
+          </a:effectRef>
+          <a:fontRef idx="minor">
+            <a:schemeClr val="accent1"/>
+          </a:fontRef>
+        </p:style>
+        <p:txBody>
+          <a:bodyPr rot="0" spcFirstLastPara="0" vertOverflow="overflow" horzOverflow="overflow" vert="horz" wrap="square" lIns="91440" tIns="45720" rIns="91440" bIns="45720" numCol="1" spcCol="0" rtlCol="0" fromWordArt="0" anchor="ctr" anchorCtr="0" forceAA="0" compatLnSpc="1">
+            <a:prstTxWarp prst="textNoShape">
+              <a:avLst/>
+            </a:prstTxWarp>
+            <a:noAutofit/>
+          </a:bodyPr>
+          <a:lstStyle/>
+          <a:p>
+            <a:pPr algn="ctr"/>
+            <a:endParaRPr lang="en-US" dirty="0">
+              <a:ln w="0"/>
+              <a:solidFill>
+                <a:schemeClr val="tx1"/>
+              </a:solidFill>
+              <a:effectLst>
+                <a:outerShdw blurRad="38100" dist="19050" dir="2700000" algn="tl" rotWithShape="0">
+                  <a:schemeClr val="dk1">
+                    <a:alpha val="40000"/>
+                  </a:schemeClr>
+                </a:outerShdw>
+              </a:effectLst>
+            </a:endParaRPr>
+          </a:p>
+        </p:txBody>
+      </p:sp>
+      <p:grpSp>
+        <p:nvGrpSpPr>
+          <p:cNvPr id="12" name="Group 11">
+            <a:extLst>
+              <a:ext uri="{FF2B5EF4-FFF2-40B4-BE49-F238E27FC236}">
+                <a16:creationId xmlns:a16="http://schemas.microsoft.com/office/drawing/2014/main" id="{C20458B8-1580-486A-4DFA-3C751DAC67A8}"/>
+              </a:ext>
+            </a:extLst>
+          </p:cNvPr>
+          <p:cNvGrpSpPr/>
+          <p:nvPr/>
+        </p:nvGrpSpPr>
+        <p:grpSpPr>
+          <a:xfrm>
+            <a:off x="7020419" y="3449799"/>
+            <a:ext cx="3378840" cy="390689"/>
+            <a:chOff x="7020419" y="3449799"/>
+            <a:chExt cx="3378840" cy="390689"/>
+          </a:xfrm>
+        </p:grpSpPr>
+        <p:sp>
+          <p:nvSpPr>
+            <p:cNvPr id="10" name="TextBox 9">
+              <a:extLst>
+                <a:ext uri="{FF2B5EF4-FFF2-40B4-BE49-F238E27FC236}">
+                  <a16:creationId xmlns:a16="http://schemas.microsoft.com/office/drawing/2014/main" id="{5FA039C9-E7E1-6971-E298-FDCD2E1EF473}"/>
+                </a:ext>
+              </a:extLst>
+            </p:cNvPr>
+            <p:cNvSpPr txBox="1"/>
+            <p:nvPr/>
+          </p:nvSpPr>
+          <p:spPr>
+            <a:xfrm>
+              <a:off x="7020419" y="3471156"/>
+              <a:ext cx="1760931" cy="369332"/>
+            </a:xfrm>
+            <a:prstGeom prst="rect">
+              <a:avLst/>
+            </a:prstGeom>
+            <a:noFill/>
+          </p:spPr>
+          <p:txBody>
+            <a:bodyPr wrap="none" rtlCol="0">
+              <a:spAutoFit/>
+            </a:bodyPr>
+            <a:lstStyle/>
+            <a:p>
+              <a:r>
+                <a:rPr lang="en-US" b="1" i="1" dirty="0"/>
+                <a:t>MySQL interface</a:t>
+              </a:r>
+            </a:p>
+          </p:txBody>
+        </p:sp>
+        <p:sp>
+          <p:nvSpPr>
+            <p:cNvPr id="11" name="TextBox 10">
+              <a:extLst>
+                <a:ext uri="{FF2B5EF4-FFF2-40B4-BE49-F238E27FC236}">
+                  <a16:creationId xmlns:a16="http://schemas.microsoft.com/office/drawing/2014/main" id="{689B88BD-9847-E7F5-30BC-1D2E0576C55B}"/>
+                </a:ext>
+              </a:extLst>
+            </p:cNvPr>
+            <p:cNvSpPr txBox="1"/>
+            <p:nvPr/>
+          </p:nvSpPr>
+          <p:spPr>
+            <a:xfrm>
+              <a:off x="9069536" y="3449799"/>
+              <a:ext cx="1329723" cy="369332"/>
+            </a:xfrm>
+            <a:prstGeom prst="rect">
+              <a:avLst/>
+            </a:prstGeom>
+            <a:noFill/>
+          </p:spPr>
+          <p:txBody>
+            <a:bodyPr wrap="none" rtlCol="0">
+              <a:spAutoFit/>
+            </a:bodyPr>
+            <a:lstStyle/>
+            <a:p>
+              <a:r>
+                <a:rPr lang="en-US" b="1" i="1" dirty="0"/>
+                <a:t>Postgres DB</a:t>
+              </a:r>
+            </a:p>
+          </p:txBody>
+        </p:sp>
+      </p:grpSp>
+      <p:sp>
+        <p:nvSpPr>
+          <p:cNvPr id="2" name="Rectangle 1">
+            <a:extLst>
+              <a:ext uri="{FF2B5EF4-FFF2-40B4-BE49-F238E27FC236}">
+                <a16:creationId xmlns:a16="http://schemas.microsoft.com/office/drawing/2014/main" id="{F31984AC-D3E4-E6B4-3970-F5F86FFEEB1E}"/>
+              </a:ext>
+            </a:extLst>
+          </p:cNvPr>
+          <p:cNvSpPr/>
+          <p:nvPr/>
+        </p:nvSpPr>
+        <p:spPr>
+          <a:xfrm>
+            <a:off x="6445063" y="1026542"/>
+            <a:ext cx="4599926" cy="850384"/>
+          </a:xfrm>
+          <a:prstGeom prst="rect">
+            <a:avLst/>
+          </a:prstGeom>
+          <a:noFill/>
+          <a:ln w="31750" cap="flat" cmpd="sng" algn="ctr">
+            <a:solidFill>
+              <a:schemeClr val="accent1"/>
+            </a:solidFill>
+            <a:prstDash val="solid"/>
+            <a:round/>
+            <a:headEnd type="none" w="med" len="med"/>
+            <a:tailEnd type="none" w="med" len="med"/>
+          </a:ln>
+        </p:spPr>
+        <p:style>
+          <a:lnRef idx="0">
+            <a:scrgbClr r="0" g="0" b="0"/>
+          </a:lnRef>
+          <a:fillRef idx="0">
+            <a:scrgbClr r="0" g="0" b="0"/>
+          </a:fillRef>
+          <a:effectRef idx="0">
+            <a:scrgbClr r="0" g="0" b="0"/>
+          </a:effectRef>
+          <a:fontRef idx="minor">
+            <a:schemeClr val="accent1"/>
+          </a:fontRef>
+        </p:style>
+        <p:txBody>
+          <a:bodyPr rot="0" spcFirstLastPara="0" vertOverflow="overflow" horzOverflow="overflow" vert="horz" wrap="square" lIns="91440" tIns="45720" rIns="91440" bIns="45720" numCol="1" spcCol="0" rtlCol="0" fromWordArt="0" anchor="ctr" anchorCtr="0" forceAA="0" compatLnSpc="1">
+            <a:prstTxWarp prst="textNoShape">
+              <a:avLst/>
+            </a:prstTxWarp>
+            <a:noAutofit/>
+          </a:bodyPr>
+          <a:lstStyle/>
+          <a:p>
+            <a:pPr algn="ctr"/>
+            <a:endParaRPr lang="en-US" dirty="0">
+              <a:ln w="0"/>
+              <a:solidFill>
+                <a:schemeClr val="tx1"/>
+              </a:solidFill>
+              <a:effectLst>
+                <a:outerShdw blurRad="38100" dist="19050" dir="2700000" algn="tl" rotWithShape="0">
+                  <a:schemeClr val="dk1">
+                    <a:alpha val="40000"/>
+                  </a:schemeClr>
+                </a:outerShdw>
+              </a:effectLst>
+            </a:endParaRPr>
+          </a:p>
+        </p:txBody>
+      </p:sp>
+    </p:spTree>
+    <p:extLst>
+      <p:ext uri="{BB962C8B-B14F-4D97-AF65-F5344CB8AC3E}">
+        <p14:creationId xmlns:p14="http://schemas.microsoft.com/office/powerpoint/2010/main" val="1208000097"/>
+      </p:ext>
+    </p:extLst>
+  </p:cSld>
+  <p:clrMapOvr>
+    <a:masterClrMapping/>
+  </p:clrMapOvr>
+  <p:timing>
+    <p:tnLst>
+      <p:par>
+        <p:cTn id="1" dur="indefinite" restart="never" nodeType="tmRoot">
+          <p:childTnLst>
+            <p:seq concurrent="1" nextAc="seek">
+              <p:cTn id="2" dur="indefinite" nodeType="mainSeq">
+                <p:childTnLst>
+                  <p:par>
+                    <p:cTn id="3" fill="hold">
+                      <p:stCondLst>
+                        <p:cond delay="indefinite"/>
+                      </p:stCondLst>
+                      <p:childTnLst>
+                        <p:par>
+                          <p:cTn id="4" fill="hold">
+                            <p:stCondLst>
+                              <p:cond delay="0"/>
+                            </p:stCondLst>
+                            <p:childTnLst>
+                              <p:par>
+                                <p:cTn id="5" presetID="1" presetClass="entr" presetSubtype="0" fill="hold" grpId="0" nodeType="clickEffect">
+                                  <p:stCondLst>
+                                    <p:cond delay="0"/>
+                                  </p:stCondLst>
+                                  <p:childTnLst>
+                                    <p:set>
+                                      <p:cBhvr>
+                                        <p:cTn id="6" dur="1" fill="hold">
+                                          <p:stCondLst>
+                                            <p:cond delay="0"/>
+                                          </p:stCondLst>
+                                        </p:cTn>
+                                        <p:tgtEl>
+                                          <p:spTgt spid="2"/>
+                                        </p:tgtEl>
+                                        <p:attrNameLst>
+                                          <p:attrName>style.visibility</p:attrName>
+                                        </p:attrNameLst>
+                                      </p:cBhvr>
+                                      <p:to>
+                                        <p:strVal val="visible"/>
+                                      </p:to>
+                                    </p:set>
+                                  </p:childTnLst>
+                                </p:cTn>
+                              </p:par>
+                            </p:childTnLst>
+                          </p:cTn>
+                        </p:par>
+                      </p:childTnLst>
+                    </p:cTn>
+                  </p:par>
+                  <p:par>
+                    <p:cTn id="7" fill="hold">
+                      <p:stCondLst>
+                        <p:cond delay="indefinite"/>
+                      </p:stCondLst>
+                      <p:childTnLst>
+                        <p:par>
+                          <p:cTn id="8" fill="hold">
+                            <p:stCondLst>
+                              <p:cond delay="0"/>
+                            </p:stCondLst>
+                            <p:childTnLst>
+                              <p:par>
+                                <p:cTn id="9" presetID="1" presetClass="entr" presetSubtype="0" fill="hold" grpId="0" nodeType="clickEffect">
+                                  <p:stCondLst>
+                                    <p:cond delay="0"/>
+                                  </p:stCondLst>
+                                  <p:childTnLst>
+                                    <p:set>
+                                      <p:cBhvr>
+                                        <p:cTn id="10" dur="1" fill="hold">
+                                          <p:stCondLst>
+                                            <p:cond delay="0"/>
+                                          </p:stCondLst>
+                                        </p:cTn>
+                                        <p:tgtEl>
+                                          <p:spTgt spid="8"/>
+                                        </p:tgtEl>
+                                        <p:attrNameLst>
+                                          <p:attrName>style.visibility</p:attrName>
+                                        </p:attrNameLst>
+                                      </p:cBhvr>
+                                      <p:to>
+                                        <p:strVal val="visible"/>
+                                      </p:to>
+                                    </p:set>
+                                  </p:childTnLst>
+                                </p:cTn>
+                              </p:par>
+                            </p:childTnLst>
+                          </p:cTn>
+                        </p:par>
+                      </p:childTnLst>
+                    </p:cTn>
+                  </p:par>
+                  <p:par>
+                    <p:cTn id="11" fill="hold">
+                      <p:stCondLst>
+                        <p:cond delay="indefinite"/>
+                      </p:stCondLst>
+                      <p:childTnLst>
+                        <p:par>
+                          <p:cTn id="12" fill="hold">
+                            <p:stCondLst>
+                              <p:cond delay="0"/>
+                            </p:stCondLst>
+                            <p:childTnLst>
+                              <p:par>
+                                <p:cTn id="13" presetID="1" presetClass="entr" presetSubtype="0" fill="hold" grpId="0" nodeType="clickEffect">
+                                  <p:stCondLst>
+                                    <p:cond delay="0"/>
+                                  </p:stCondLst>
+                                  <p:childTnLst>
+                                    <p:set>
+                                      <p:cBhvr>
+                                        <p:cTn id="14" dur="1" fill="hold">
+                                          <p:stCondLst>
+                                            <p:cond delay="0"/>
+                                          </p:stCondLst>
+                                        </p:cTn>
+                                        <p:tgtEl>
+                                          <p:spTgt spid="9"/>
+                                        </p:tgtEl>
+                                        <p:attrNameLst>
+                                          <p:attrName>style.visibility</p:attrName>
+                                        </p:attrNameLst>
+                                      </p:cBhvr>
+                                      <p:to>
+                                        <p:strVal val="visible"/>
+                                      </p:to>
+                                    </p:set>
+                                  </p:childTnLst>
+                                </p:cTn>
+                              </p:par>
+                            </p:childTnLst>
+                          </p:cTn>
+                        </p:par>
+                      </p:childTnLst>
+                    </p:cTn>
+                  </p:par>
+                  <p:par>
+                    <p:cTn id="15" fill="hold">
+                      <p:stCondLst>
+                        <p:cond delay="indefinite"/>
+                      </p:stCondLst>
+                      <p:childTnLst>
+                        <p:par>
+                          <p:cTn id="16" fill="hold">
+                            <p:stCondLst>
+                              <p:cond delay="0"/>
+                            </p:stCondLst>
+                            <p:childTnLst>
+                              <p:par>
+                                <p:cTn id="17" presetID="1" presetClass="entr" presetSubtype="0" fill="hold" nodeType="clickEffect">
+                                  <p:stCondLst>
+                                    <p:cond delay="0"/>
+                                  </p:stCondLst>
+                                  <p:childTnLst>
+                                    <p:set>
+                                      <p:cBhvr>
+                                        <p:cTn id="18" dur="1" fill="hold">
+                                          <p:stCondLst>
+                                            <p:cond delay="0"/>
+                                          </p:stCondLst>
+                                        </p:cTn>
+                                        <p:tgtEl>
+                                          <p:spTgt spid="12"/>
+                                        </p:tgtEl>
+                                        <p:attrNameLst>
+                                          <p:attrName>style.visibility</p:attrName>
+                                        </p:attrNameLst>
+                                      </p:cBhvr>
+                                      <p:to>
+                                        <p:strVal val="visible"/>
+                                      </p:to>
+                                    </p:set>
+                                  </p:childTnLst>
+                                </p:cTn>
+                              </p:par>
+                            </p:childTnLst>
+                          </p:cTn>
+                        </p:par>
+                      </p:childTnLst>
+                    </p:cTn>
+                  </p:par>
+                  <p:par>
+                    <p:cTn id="19" fill="hold">
+                      <p:stCondLst>
+                        <p:cond delay="indefinite"/>
+                      </p:stCondLst>
+                      <p:childTnLst>
+                        <p:par>
+                          <p:cTn id="20" fill="hold">
+                            <p:stCondLst>
+                              <p:cond delay="0"/>
+                            </p:stCondLst>
+                            <p:childTnLst>
+                              <p:par>
+                                <p:cTn id="21" presetID="1" presetClass="entr" presetSubtype="0" fill="hold" nodeType="clickEffect">
+                                  <p:stCondLst>
+                                    <p:cond delay="0"/>
+                                  </p:stCondLst>
+                                  <p:childTnLst>
+                                    <p:set>
+                                      <p:cBhvr>
+                                        <p:cTn id="22" dur="1" fill="hold">
+                                          <p:stCondLst>
+                                            <p:cond delay="0"/>
+                                          </p:stCondLst>
+                                        </p:cTn>
+                                        <p:tgtEl>
+                                          <p:spTgt spid="6">
+                                            <p:txEl>
+                                              <p:pRg st="2" end="2"/>
+                                            </p:txEl>
+                                          </p:spTgt>
+                                        </p:tgtEl>
+                                        <p:attrNameLst>
+                                          <p:attrName>style.visibility</p:attrName>
+                                        </p:attrNameLst>
+                                      </p:cBhvr>
+                                      <p:to>
+                                        <p:strVal val="visible"/>
+                                      </p:to>
+                                    </p:set>
+                                  </p:childTnLst>
+                                </p:cTn>
+                              </p:par>
+                            </p:childTnLst>
+                          </p:cTn>
+                        </p:par>
+                      </p:childTnLst>
+                    </p:cTn>
+                  </p:par>
+                </p:childTnLst>
+              </p:cTn>
+              <p:prevCondLst>
+                <p:cond evt="onPrev" delay="0">
+                  <p:tgtEl>
+                    <p:sldTgt/>
+                  </p:tgtEl>
+                </p:cond>
+              </p:prevCondLst>
+              <p:nextCondLst>
+                <p:cond evt="onNext" delay="0">
+                  <p:tgtEl>
+                    <p:sldTgt/>
+                  </p:tgtEl>
+                </p:cond>
+              </p:nextCondLst>
+            </p:seq>
+          </p:childTnLst>
+        </p:cTn>
+      </p:par>
+    </p:tnLst>
+    <p:bldLst>
+      <p:bldP spid="8" grpId="0" animBg="1"/>
+      <p:bldP spid="9" grpId="0" animBg="1"/>
+      <p:bldP spid="2" grpId="0" animBg="1"/>
+    </p:bldLst>
+  </p:timing>
+</p:sld>
+</file>
+
+<file path=ppt/slides/slide39.xml><?xml version="1.0" encoding="utf-8"?>
 <p:sld xmlns:a="http://schemas.openxmlformats.org/drawingml/2006/main" xmlns:r="http://schemas.openxmlformats.org/officeDocument/2006/relationships" xmlns:p="http://schemas.openxmlformats.org/presentationml/2006/main">
   <p:cSld>
     <p:spTree>
@@ -24323,33 +25874,33 @@
               <a:t>  </a:t>
             </a:r>
             <a:r>
+              <a:rPr lang="en-US" b="1" dirty="0" err="1"/>
+              <a:t>MySqlDBInterface</a:t>
+            </a:r>
+            <a:r>
+              <a:rPr lang="en-US" dirty="0"/>
+              <a:t> </a:t>
+            </a:r>
+            <a:r>
+              <a:rPr lang="en-US" dirty="0" err="1"/>
+              <a:t>mysqlInt</a:t>
+            </a:r>
+            <a:r>
+              <a:rPr lang="en-US" dirty="0"/>
+              <a:t> = </a:t>
+            </a:r>
+          </a:p>
+          <a:p>
+            <a:r>
+              <a:rPr lang="en-US" dirty="0"/>
+              <a:t>			new </a:t>
+            </a:r>
+            <a:r>
               <a:rPr lang="en-US" dirty="0" err="1"/>
               <a:t>MySqlDBInterface</a:t>
             </a:r>
             <a:r>
               <a:rPr lang="en-US" dirty="0"/>
-              <a:t> </a:t>
-            </a:r>
-            <a:r>
-              <a:rPr lang="en-US" dirty="0" err="1"/>
-              <a:t>mysqlInt</a:t>
-            </a:r>
-            <a:r>
-              <a:rPr lang="en-US" dirty="0"/>
-              <a:t> = </a:t>
-            </a:r>
-          </a:p>
-          <a:p>
-            <a:r>
-              <a:rPr lang="en-US" dirty="0"/>
-              <a:t>			new </a:t>
-            </a:r>
-            <a:r>
-              <a:rPr lang="en-US" dirty="0" err="1"/>
-              <a:t>MySqlDBInterface</a:t>
-            </a:r>
-            <a:r>
-              <a:rPr lang="en-US" dirty="0"/>
               <a:t>();</a:t>
             </a:r>
           </a:p>
@@ -24359,7 +25910,7 @@
               <a:t>  </a:t>
             </a:r>
             <a:r>
-              <a:rPr lang="en-US" dirty="0" err="1"/>
+              <a:rPr lang="en-US" b="1" dirty="0" err="1"/>
               <a:t>PgDBInterface</a:t>
             </a:r>
             <a:r>
@@ -24771,6 +26322,187 @@
           </p:txBody>
         </p:sp>
       </p:grpSp>
+      <p:sp>
+        <p:nvSpPr>
+          <p:cNvPr id="2" name="Rectangle 1">
+            <a:extLst>
+              <a:ext uri="{FF2B5EF4-FFF2-40B4-BE49-F238E27FC236}">
+                <a16:creationId xmlns:a16="http://schemas.microsoft.com/office/drawing/2014/main" id="{0907314C-B4A2-41ED-6DBA-2E5D38350AF4}"/>
+              </a:ext>
+            </a:extLst>
+          </p:cNvPr>
+          <p:cNvSpPr/>
+          <p:nvPr/>
+        </p:nvSpPr>
+        <p:spPr>
+          <a:xfrm>
+            <a:off x="6445063" y="1026542"/>
+            <a:ext cx="4599926" cy="850384"/>
+          </a:xfrm>
+          <a:prstGeom prst="rect">
+            <a:avLst/>
+          </a:prstGeom>
+          <a:noFill/>
+          <a:ln w="31750" cap="flat" cmpd="sng" algn="ctr">
+            <a:solidFill>
+              <a:schemeClr val="accent1"/>
+            </a:solidFill>
+            <a:prstDash val="solid"/>
+            <a:round/>
+            <a:headEnd type="none" w="med" len="med"/>
+            <a:tailEnd type="none" w="med" len="med"/>
+          </a:ln>
+        </p:spPr>
+        <p:style>
+          <a:lnRef idx="0">
+            <a:scrgbClr r="0" g="0" b="0"/>
+          </a:lnRef>
+          <a:fillRef idx="0">
+            <a:scrgbClr r="0" g="0" b="0"/>
+          </a:fillRef>
+          <a:effectRef idx="0">
+            <a:scrgbClr r="0" g="0" b="0"/>
+          </a:effectRef>
+          <a:fontRef idx="minor">
+            <a:schemeClr val="accent1"/>
+          </a:fontRef>
+        </p:style>
+        <p:txBody>
+          <a:bodyPr rot="0" spcFirstLastPara="0" vertOverflow="overflow" horzOverflow="overflow" vert="horz" wrap="square" lIns="91440" tIns="45720" rIns="91440" bIns="45720" numCol="1" spcCol="0" rtlCol="0" fromWordArt="0" anchor="ctr" anchorCtr="0" forceAA="0" compatLnSpc="1">
+            <a:prstTxWarp prst="textNoShape">
+              <a:avLst/>
+            </a:prstTxWarp>
+            <a:noAutofit/>
+          </a:bodyPr>
+          <a:lstStyle/>
+          <a:p>
+            <a:pPr algn="ctr"/>
+            <a:endParaRPr lang="en-US" dirty="0">
+              <a:ln w="0"/>
+              <a:solidFill>
+                <a:schemeClr val="tx1"/>
+              </a:solidFill>
+              <a:effectLst>
+                <a:outerShdw blurRad="38100" dist="19050" dir="2700000" algn="tl" rotWithShape="0">
+                  <a:schemeClr val="dk1">
+                    <a:alpha val="40000"/>
+                  </a:schemeClr>
+                </a:outerShdw>
+              </a:effectLst>
+            </a:endParaRPr>
+          </a:p>
+        </p:txBody>
+      </p:sp>
+      <p:grpSp>
+        <p:nvGrpSpPr>
+          <p:cNvPr id="3" name="Group 2">
+            <a:extLst>
+              <a:ext uri="{FF2B5EF4-FFF2-40B4-BE49-F238E27FC236}">
+                <a16:creationId xmlns:a16="http://schemas.microsoft.com/office/drawing/2014/main" id="{9339CCF9-F9D8-AC4D-9896-5B77CA6A64CB}"/>
+              </a:ext>
+            </a:extLst>
+          </p:cNvPr>
+          <p:cNvGrpSpPr/>
+          <p:nvPr/>
+        </p:nvGrpSpPr>
+        <p:grpSpPr>
+          <a:xfrm>
+            <a:off x="7020419" y="3885086"/>
+            <a:ext cx="3461511" cy="1228787"/>
+            <a:chOff x="7461956" y="2814606"/>
+            <a:chExt cx="3461511" cy="1228787"/>
+          </a:xfrm>
+        </p:grpSpPr>
+        <p:sp>
+          <p:nvSpPr>
+            <p:cNvPr id="7" name="Multiplication Sign 6">
+              <a:extLst>
+                <a:ext uri="{FF2B5EF4-FFF2-40B4-BE49-F238E27FC236}">
+                  <a16:creationId xmlns:a16="http://schemas.microsoft.com/office/drawing/2014/main" id="{6985960D-BD3D-12C3-61EC-C0B23EBB4824}"/>
+                </a:ext>
+              </a:extLst>
+            </p:cNvPr>
+            <p:cNvSpPr/>
+            <p:nvPr/>
+          </p:nvSpPr>
+          <p:spPr>
+            <a:xfrm>
+              <a:off x="7461956" y="2814606"/>
+              <a:ext cx="1117600" cy="1228787"/>
+            </a:xfrm>
+            <a:prstGeom prst="mathMultiply">
+              <a:avLst/>
+            </a:prstGeom>
+            <a:solidFill>
+              <a:srgbClr val="FF0000"/>
+            </a:solidFill>
+            <a:ln>
+              <a:solidFill>
+                <a:srgbClr val="FF0000"/>
+              </a:solidFill>
+            </a:ln>
+          </p:spPr>
+          <p:style>
+            <a:lnRef idx="2">
+              <a:schemeClr val="accent1">
+                <a:shade val="15000"/>
+              </a:schemeClr>
+            </a:lnRef>
+            <a:fillRef idx="1">
+              <a:schemeClr val="accent1"/>
+            </a:fillRef>
+            <a:effectRef idx="0">
+              <a:schemeClr val="accent1"/>
+            </a:effectRef>
+            <a:fontRef idx="minor">
+              <a:schemeClr val="lt1"/>
+            </a:fontRef>
+          </p:style>
+          <p:txBody>
+            <a:bodyPr rtlCol="0" anchor="ctr"/>
+            <a:lstStyle/>
+            <a:p>
+              <a:pPr algn="ctr"/>
+              <a:endParaRPr lang="en-US"/>
+            </a:p>
+          </p:txBody>
+        </p:sp>
+        <p:sp>
+          <p:nvSpPr>
+            <p:cNvPr id="13" name="TextBox 12">
+              <a:extLst>
+                <a:ext uri="{FF2B5EF4-FFF2-40B4-BE49-F238E27FC236}">
+                  <a16:creationId xmlns:a16="http://schemas.microsoft.com/office/drawing/2014/main" id="{376B95D8-31B0-65A5-8D44-ECA9D4F13BEE}"/>
+                </a:ext>
+              </a:extLst>
+            </p:cNvPr>
+            <p:cNvSpPr txBox="1"/>
+            <p:nvPr/>
+          </p:nvSpPr>
+          <p:spPr>
+            <a:xfrm>
+              <a:off x="8579556" y="3239911"/>
+              <a:ext cx="2343911" cy="523220"/>
+            </a:xfrm>
+            <a:prstGeom prst="rect">
+              <a:avLst/>
+            </a:prstGeom>
+            <a:noFill/>
+          </p:spPr>
+          <p:txBody>
+            <a:bodyPr wrap="none" rtlCol="0">
+              <a:spAutoFit/>
+            </a:bodyPr>
+            <a:lstStyle/>
+            <a:p>
+              <a:r>
+                <a:rPr lang="en-US" sz="2800" b="1" i="1" dirty="0"/>
+                <a:t>Compiler error</a:t>
+              </a:r>
+            </a:p>
+          </p:txBody>
+        </p:sp>
+      </p:grpSp>
     </p:spTree>
     <p:extLst>
       <p:ext uri="{BB962C8B-B14F-4D97-AF65-F5344CB8AC3E}">
@@ -24815,7 +26547,7 @@
                                           </p:stCondLst>
                                         </p:cTn>
                                         <p:tgtEl>
-                                          <p:spTgt spid="8"/>
+                                          <p:spTgt spid="2"/>
                                         </p:tgtEl>
                                         <p:attrNameLst>
                                           <p:attrName>style.visibility</p:attrName>
@@ -24860,7 +26592,7 @@
                                           </p:stCondLst>
                                         </p:cTn>
                                         <p:tgtEl>
-                                          <p:spTgt spid="9"/>
+                                          <p:spTgt spid="8"/>
                                         </p:tgtEl>
                                         <p:attrNameLst>
                                           <p:attrName>style.visibility</p:attrName>
@@ -24892,7 +26624,7 @@
                             </p:stCondLst>
                             <p:childTnLst>
                               <p:par>
-                                <p:cTn id="13" presetID="1" presetClass="entr" presetSubtype="0" fill="hold" nodeType="clickEffect">
+                                <p:cTn id="13" presetID="1" presetClass="entr" presetSubtype="0" fill="hold" grpId="0" nodeType="clickEffect">
                                   <p:stCondLst>
                                     <p:cond delay="0"/>
                                   </p:stCondLst>
@@ -24905,7 +26637,7 @@
                                           </p:stCondLst>
                                         </p:cTn>
                                         <p:tgtEl>
-                                          <p:spTgt spid="12"/>
+                                          <p:spTgt spid="9"/>
                                         </p:tgtEl>
                                         <p:attrNameLst>
                                           <p:attrName>style.visibility</p:attrName>
@@ -24950,11 +26682,101 @@
                                           </p:stCondLst>
                                         </p:cTn>
                                         <p:tgtEl>
+                                          <p:spTgt spid="12"/>
+                                        </p:tgtEl>
+                                        <p:attrNameLst>
+                                          <p:attrName>style.visibility</p:attrName>
+                                        </p:attrNameLst>
+                                      </p:cBhvr>
+                                      <p:to>
+                                        <p:strVal val="visible"/>
+                                      </p:to>
+                                    </p:set>
+                                  </p:childTnLst>
+                                </p:cTn>
+                              </p:par>
+                            </p:childTnLst>
+                          </p:cTn>
+                        </p:par>
+                      </p:childTnLst>
+                    </p:cTn>
+                  </p:par>
+                  <p:par>
+                    <p:cTn id="19" fill="hold">
+                      <p:stCondLst>
+                        <p:cond delay="indefinite"/>
+                      </p:stCondLst>
+                      <p:childTnLst>
+                        <p:par>
+                          <p:cTn id="20" fill="hold">
+                            <p:stCondLst>
+                              <p:cond delay="0"/>
+                            </p:stCondLst>
+                            <p:childTnLst>
+                              <p:par>
+                                <p:cTn id="21" presetID="1" presetClass="entr" presetSubtype="0" fill="hold" nodeType="clickEffect">
+                                  <p:stCondLst>
+                                    <p:cond delay="0"/>
+                                  </p:stCondLst>
+                                  <p:childTnLst>
+                                    <p:set>
+                                      <p:cBhvr>
+                                        <p:cTn id="22" dur="1" fill="hold">
+                                          <p:stCondLst>
+                                            <p:cond delay="0"/>
+                                          </p:stCondLst>
+                                        </p:cTn>
+                                        <p:tgtEl>
                                           <p:spTgt spid="6">
                                             <p:txEl>
                                               <p:pRg st="2" end="2"/>
                                             </p:txEl>
                                           </p:spTgt>
+                                        </p:tgtEl>
+                                        <p:attrNameLst>
+                                          <p:attrName>style.visibility</p:attrName>
+                                        </p:attrNameLst>
+                                      </p:cBhvr>
+                                      <p:to>
+                                        <p:strVal val="visible"/>
+                                      </p:to>
+                                    </p:set>
+                                  </p:childTnLst>
+                                </p:cTn>
+                              </p:par>
+                            </p:childTnLst>
+                          </p:cTn>
+                        </p:par>
+                      </p:childTnLst>
+                    </p:cTn>
+                  </p:par>
+                  <p:par>
+                    <p:cTn id="23" fill="hold">
+                      <p:stCondLst>
+                        <p:cond delay="indefinite"/>
+                      </p:stCondLst>
+                      <p:childTnLst>
+                        <p:par>
+                          <p:cTn id="24" fill="hold">
+                            <p:stCondLst>
+                              <p:cond delay="0"/>
+                            </p:stCondLst>
+                            <p:childTnLst>
+                              <p:par>
+                                <p:cTn id="25" presetID="1" presetClass="entr" presetSubtype="0" fill="hold" nodeType="clickEffect">
+                                  <p:stCondLst>
+                                    <p:cond delay="0"/>
+                                  </p:stCondLst>
+                                  <p:childTnLst>
+                                    <p:set>
+                                      <p:cBhvr>
+                                        <p:cTn id="26" dur="1" fill="hold">
+                                          <p:stCondLst>
+                                            <p:cond delay="0"/>
+                                          </p:stCondLst>
+                                        </p:cTn>
+                                        <p:tgtEl>
+                                          <p:spTgt spid="3"/>
                                         </p:tgtEl>
                                         <p:attrNameLst>
                                           <p:attrName>style.visibility</p:attrName>
@@ -24997,396 +26819,9 @@
     <p:bldLst>
       <p:bldP spid="8" grpId="0" animBg="1"/>
       <p:bldP spid="9" grpId="0" animBg="1"/>
+      <p:bldP spid="2" grpId="0" animBg="1"/>
     </p:bldLst>
   </p:timing>
-</p:sld>
-</file>
-
-<file path=ppt/slides/slide39.xml><?xml version="1.0" encoding="utf-8"?>
-<p:sld xmlns:a="http://schemas.openxmlformats.org/drawingml/2006/main" xmlns:r="http://schemas.openxmlformats.org/officeDocument/2006/relationships" xmlns:p="http://schemas.openxmlformats.org/presentationml/2006/main">
-  <p:cSld>
-    <p:spTree>
-      <p:nvGrpSpPr>
-        <p:cNvPr id="1" name=""/>
-        <p:cNvGrpSpPr/>
-        <p:nvPr/>
-      </p:nvGrpSpPr>
-      <p:grpSpPr>
-        <a:xfrm>
-          <a:off x="0" y="0"/>
-          <a:ext cx="0" cy="0"/>
-          <a:chOff x="0" y="0"/>
-          <a:chExt cx="0" cy="0"/>
-        </a:xfrm>
-      </p:grpSpPr>
-      <p:sp>
-        <p:nvSpPr>
-          <p:cNvPr id="2" name="Content Placeholder 1">
-            <a:extLst>
-              <a:ext uri="{FF2B5EF4-FFF2-40B4-BE49-F238E27FC236}">
-                <a16:creationId xmlns:a16="http://schemas.microsoft.com/office/drawing/2014/main" id="{B5E07DA0-6688-3BCD-46D6-6C64277933C4}"/>
-              </a:ext>
-            </a:extLst>
-          </p:cNvPr>
-          <p:cNvSpPr>
-            <a:spLocks noGrp="1"/>
-          </p:cNvSpPr>
-          <p:nvPr>
-            <p:ph idx="1"/>
-          </p:nvPr>
-        </p:nvSpPr>
-        <p:spPr/>
-        <p:txBody>
-          <a:bodyPr>
-            <a:normAutofit fontScale="92500" lnSpcReduction="10000"/>
-          </a:bodyPr>
-          <a:lstStyle/>
-          <a:p>
-            <a:r>
-              <a:rPr lang="en-US" dirty="0"/>
-              <a:t>public </a:t>
-            </a:r>
-            <a:r>
-              <a:rPr lang="en-US" b="1" dirty="0"/>
-              <a:t>[abstract] class</a:t>
-            </a:r>
-            <a:r>
-              <a:rPr lang="en-US" dirty="0"/>
-              <a:t> DB {}</a:t>
-            </a:r>
-          </a:p>
-          <a:p>
-            <a:r>
-              <a:rPr lang="en-US" dirty="0"/>
-              <a:t>public class </a:t>
-            </a:r>
-            <a:r>
-              <a:rPr lang="en-US" dirty="0" err="1"/>
-              <a:t>MysqlDB</a:t>
-            </a:r>
-            <a:r>
-              <a:rPr lang="en-US" dirty="0"/>
-              <a:t> implements DB { .. }</a:t>
-            </a:r>
-          </a:p>
-          <a:p>
-            <a:r>
-              <a:rPr lang="en-US" dirty="0"/>
-              <a:t>public class </a:t>
-            </a:r>
-            <a:r>
-              <a:rPr lang="en-US" dirty="0" err="1"/>
-              <a:t>PgDB</a:t>
-            </a:r>
-            <a:r>
-              <a:rPr lang="en-US" dirty="0"/>
-              <a:t> implements DB { .. }</a:t>
-            </a:r>
-          </a:p>
-          <a:p>
-            <a:endParaRPr lang="en-US" dirty="0"/>
-          </a:p>
-          <a:p>
-            <a:r>
-              <a:rPr lang="en-US" dirty="0"/>
-              <a:t>public interface </a:t>
-            </a:r>
-            <a:r>
-              <a:rPr lang="en-US" dirty="0" err="1"/>
-              <a:t>Tbl</a:t>
-            </a:r>
-            <a:r>
-              <a:rPr lang="en-US" dirty="0"/>
-              <a:t> {}</a:t>
-            </a:r>
-            <a:br>
-              <a:rPr lang="en-US" dirty="0"/>
-            </a:br>
-            <a:r>
-              <a:rPr lang="en-US" dirty="0"/>
-              <a:t>public class </a:t>
-            </a:r>
-            <a:r>
-              <a:rPr lang="en-US" dirty="0" err="1"/>
-              <a:t>MysqlTbl</a:t>
-            </a:r>
-            <a:r>
-              <a:rPr lang="en-US" dirty="0"/>
-              <a:t> implements </a:t>
-            </a:r>
-            <a:r>
-              <a:rPr lang="en-US" dirty="0" err="1"/>
-              <a:t>Tbl</a:t>
-            </a:r>
-            <a:r>
-              <a:rPr lang="en-US" dirty="0"/>
-              <a:t> { ...}</a:t>
-            </a:r>
-          </a:p>
-          <a:p>
-            <a:r>
-              <a:rPr lang="en-US" dirty="0"/>
-              <a:t>public class </a:t>
-            </a:r>
-            <a:r>
-              <a:rPr lang="en-US" dirty="0" err="1"/>
-              <a:t>PgTbl</a:t>
-            </a:r>
-            <a:r>
-              <a:rPr lang="en-US" dirty="0"/>
-              <a:t> implements </a:t>
-            </a:r>
-            <a:r>
-              <a:rPr lang="en-US" dirty="0" err="1"/>
-              <a:t>Tbl</a:t>
-            </a:r>
-            <a:r>
-              <a:rPr lang="en-US" dirty="0"/>
-              <a:t> {..}</a:t>
-            </a:r>
-          </a:p>
-          <a:p>
-            <a:endParaRPr lang="en-US" dirty="0"/>
-          </a:p>
-          <a:p>
-            <a:r>
-              <a:rPr lang="en-US" dirty="0"/>
-              <a:t>public interface </a:t>
-            </a:r>
-            <a:r>
-              <a:rPr lang="en-US" dirty="0" err="1"/>
-              <a:t>DBInterfacer</a:t>
-            </a:r>
-            <a:r>
-              <a:rPr lang="en-US" dirty="0"/>
-              <a:t> {</a:t>
-            </a:r>
-          </a:p>
-          <a:p>
-            <a:r>
-              <a:rPr lang="en-US" dirty="0"/>
-              <a:t>	public void DB </a:t>
-            </a:r>
-            <a:r>
-              <a:rPr lang="en-US" dirty="0" err="1"/>
-              <a:t>createDB</a:t>
-            </a:r>
-            <a:r>
-              <a:rPr lang="en-US" dirty="0"/>
-              <a:t>(String </a:t>
-            </a:r>
-            <a:r>
-              <a:rPr lang="en-US" dirty="0" err="1"/>
-              <a:t>dbName</a:t>
-            </a:r>
-            <a:r>
-              <a:rPr lang="en-US" dirty="0"/>
-              <a:t>);</a:t>
-            </a:r>
-          </a:p>
-          <a:p>
-            <a:endParaRPr lang="en-US" dirty="0"/>
-          </a:p>
-          <a:p>
-            <a:r>
-              <a:rPr lang="en-US" dirty="0"/>
-              <a:t>	public </a:t>
-            </a:r>
-            <a:r>
-              <a:rPr lang="en-US" dirty="0" err="1"/>
-              <a:t>Tbl</a:t>
-            </a:r>
-            <a:r>
-              <a:rPr lang="en-US" dirty="0"/>
-              <a:t> </a:t>
-            </a:r>
-            <a:r>
-              <a:rPr lang="en-US" dirty="0" err="1"/>
-              <a:t>createTbl</a:t>
-            </a:r>
-            <a:r>
-              <a:rPr lang="en-US" dirty="0"/>
-              <a:t>(Db </a:t>
-            </a:r>
-            <a:r>
-              <a:rPr lang="en-US" dirty="0" err="1"/>
-              <a:t>db</a:t>
-            </a:r>
-            <a:r>
-              <a:rPr lang="en-US" dirty="0"/>
-              <a:t>, </a:t>
-            </a:r>
-          </a:p>
-          <a:p>
-            <a:r>
-              <a:rPr lang="en-US" dirty="0"/>
-              <a:t>				String </a:t>
-            </a:r>
-            <a:r>
-              <a:rPr lang="en-US" dirty="0" err="1"/>
-              <a:t>tblName</a:t>
-            </a:r>
-            <a:r>
-              <a:rPr lang="en-US" dirty="0"/>
-              <a:t>, ..);</a:t>
-            </a:r>
-            <a:br>
-              <a:rPr lang="en-US" dirty="0"/>
-            </a:br>
-            <a:r>
-              <a:rPr lang="en-US" dirty="0"/>
-              <a:t>}</a:t>
-            </a:r>
-          </a:p>
-          <a:p>
-            <a:endParaRPr lang="en-US" dirty="0"/>
-          </a:p>
-          <a:p>
-            <a:r>
-              <a:rPr lang="en-US" dirty="0"/>
-              <a:t>public class </a:t>
-            </a:r>
-            <a:r>
-              <a:rPr lang="en-US" dirty="0" err="1"/>
-              <a:t>MysqlDBInterfacer</a:t>
-            </a:r>
-            <a:r>
-              <a:rPr lang="en-US" dirty="0"/>
-              <a:t> implements </a:t>
-            </a:r>
-            <a:r>
-              <a:rPr lang="en-US" dirty="0" err="1"/>
-              <a:t>DBInterfacer</a:t>
-            </a:r>
-            <a:r>
-              <a:rPr lang="en-US" dirty="0"/>
-              <a:t> {</a:t>
-            </a:r>
-          </a:p>
-          <a:p>
-            <a:r>
-              <a:rPr lang="en-US" dirty="0"/>
-              <a:t>	// concrete implementation</a:t>
-            </a:r>
-          </a:p>
-          <a:p>
-            <a:r>
-              <a:rPr lang="en-US" dirty="0"/>
-              <a:t>}</a:t>
-            </a:r>
-          </a:p>
-          <a:p>
-            <a:endParaRPr lang="en-US" dirty="0"/>
-          </a:p>
-          <a:p>
-            <a:r>
-              <a:rPr lang="en-US" dirty="0"/>
-              <a:t>public class </a:t>
-            </a:r>
-            <a:r>
-              <a:rPr lang="en-US" dirty="0" err="1"/>
-              <a:t>PgDBInterfacer</a:t>
-            </a:r>
-            <a:r>
-              <a:rPr lang="en-US" dirty="0"/>
-              <a:t> implements </a:t>
-            </a:r>
-            <a:r>
-              <a:rPr lang="en-US" dirty="0" err="1"/>
-              <a:t>DBInterfacer</a:t>
-            </a:r>
-            <a:r>
-              <a:rPr lang="en-US" dirty="0"/>
-              <a:t> {</a:t>
-            </a:r>
-          </a:p>
-          <a:p>
-            <a:r>
-              <a:rPr lang="en-US" dirty="0"/>
-              <a:t>	// concrete implementation</a:t>
-            </a:r>
-            <a:br>
-              <a:rPr lang="en-US" dirty="0"/>
-            </a:br>
-            <a:r>
-              <a:rPr lang="en-US" dirty="0"/>
-              <a:t>}</a:t>
-            </a:r>
-          </a:p>
-          <a:p>
-            <a:endParaRPr lang="en-US" dirty="0"/>
-          </a:p>
-          <a:p>
-            <a:endParaRPr lang="en-US" dirty="0"/>
-          </a:p>
-        </p:txBody>
-      </p:sp>
-      <p:sp>
-        <p:nvSpPr>
-          <p:cNvPr id="3" name="Title 2">
-            <a:extLst>
-              <a:ext uri="{FF2B5EF4-FFF2-40B4-BE49-F238E27FC236}">
-                <a16:creationId xmlns:a16="http://schemas.microsoft.com/office/drawing/2014/main" id="{9F72D2C8-2B1C-3840-02E2-1240E09ED57C}"/>
-              </a:ext>
-            </a:extLst>
-          </p:cNvPr>
-          <p:cNvSpPr>
-            <a:spLocks noGrp="1"/>
-          </p:cNvSpPr>
-          <p:nvPr>
-            <p:ph type="title"/>
-          </p:nvPr>
-        </p:nvSpPr>
-        <p:spPr/>
-        <p:txBody>
-          <a:bodyPr/>
-          <a:lstStyle/>
-          <a:p>
-            <a:r>
-              <a:rPr lang="en-US" dirty="0"/>
-              <a:t>Recap</a:t>
-            </a:r>
-          </a:p>
-        </p:txBody>
-      </p:sp>
-      <p:sp>
-        <p:nvSpPr>
-          <p:cNvPr id="4" name="Content Placeholder 3">
-            <a:extLst>
-              <a:ext uri="{FF2B5EF4-FFF2-40B4-BE49-F238E27FC236}">
-                <a16:creationId xmlns:a16="http://schemas.microsoft.com/office/drawing/2014/main" id="{D7F1E8E9-8824-63C4-490A-4F9179C349E2}"/>
-              </a:ext>
-            </a:extLst>
-          </p:cNvPr>
-          <p:cNvSpPr>
-            <a:spLocks noGrp="1"/>
-          </p:cNvSpPr>
-          <p:nvPr>
-            <p:ph idx="13"/>
-          </p:nvPr>
-        </p:nvSpPr>
-        <p:spPr/>
-        <p:txBody>
-          <a:bodyPr/>
-          <a:lstStyle/>
-          <a:p>
-            <a:r>
-              <a:rPr lang="en-US" dirty="0"/>
-              <a:t>Runtime polymorphism applies to classes too (both, abstract and concrete)</a:t>
-            </a:r>
-          </a:p>
-        </p:txBody>
-      </p:sp>
-    </p:spTree>
-    <p:extLst>
-      <p:ext uri="{BB962C8B-B14F-4D97-AF65-F5344CB8AC3E}">
-        <p14:creationId xmlns:p14="http://schemas.microsoft.com/office/powerpoint/2010/main" val="3231156417"/>
-      </p:ext>
-    </p:extLst>
-  </p:cSld>
-  <p:clrMapOvr>
-    <a:masterClrMapping/>
-  </p:clrMapOvr>
 </p:sld>
 </file>
 
@@ -25551,7 +26986,7 @@
           <p:cNvPr id="2" name="Content Placeholder 1">
             <a:extLst>
               <a:ext uri="{FF2B5EF4-FFF2-40B4-BE49-F238E27FC236}">
-                <a16:creationId xmlns:a16="http://schemas.microsoft.com/office/drawing/2014/main" id="{6E49DA0F-0AAA-CE6F-37D1-8567EF092C91}"/>
+                <a16:creationId xmlns:a16="http://schemas.microsoft.com/office/drawing/2014/main" id="{B5E07DA0-6688-3BCD-46D6-6C64277933C4}"/>
               </a:ext>
             </a:extLst>
           </p:cNvPr>
@@ -25564,19 +26999,296 @@
         </p:nvSpPr>
         <p:spPr/>
         <p:txBody>
-          <a:bodyPr/>
+          <a:bodyPr>
+            <a:normAutofit fontScale="92500" lnSpcReduction="10000"/>
+          </a:bodyPr>
           <a:lstStyle/>
           <a:p>
-            <a:endParaRPr lang="en-US"/>
+            <a:r>
+              <a:rPr lang="en-US" dirty="0"/>
+              <a:t>public </a:t>
+            </a:r>
+            <a:r>
+              <a:rPr lang="en-US" b="1" dirty="0"/>
+              <a:t>[abstract] class</a:t>
+            </a:r>
+            <a:r>
+              <a:rPr lang="en-US" dirty="0"/>
+              <a:t> DB {}</a:t>
+            </a:r>
+          </a:p>
+          <a:p>
+            <a:r>
+              <a:rPr lang="en-US" dirty="0"/>
+              <a:t>public class </a:t>
+            </a:r>
+            <a:r>
+              <a:rPr lang="en-US" dirty="0" err="1"/>
+              <a:t>MysqlDB</a:t>
+            </a:r>
+            <a:r>
+              <a:rPr lang="en-US" dirty="0"/>
+              <a:t> extends DB { .. }</a:t>
+            </a:r>
+          </a:p>
+          <a:p>
+            <a:r>
+              <a:rPr lang="en-US" dirty="0"/>
+              <a:t>public class </a:t>
+            </a:r>
+            <a:r>
+              <a:rPr lang="en-US" dirty="0" err="1"/>
+              <a:t>PgDB</a:t>
+            </a:r>
+            <a:r>
+              <a:rPr lang="en-US" dirty="0"/>
+              <a:t> extends DB { .. }</a:t>
+            </a:r>
+          </a:p>
+          <a:p>
+            <a:endParaRPr lang="en-US" dirty="0"/>
+          </a:p>
+          <a:p>
+            <a:r>
+              <a:rPr lang="en-US" dirty="0"/>
+              <a:t>public interface </a:t>
+            </a:r>
+            <a:r>
+              <a:rPr lang="en-US" dirty="0" err="1"/>
+              <a:t>Tbl</a:t>
+            </a:r>
+            <a:r>
+              <a:rPr lang="en-US" dirty="0"/>
+              <a:t> {}</a:t>
+            </a:r>
+            <a:br>
+              <a:rPr lang="en-US" dirty="0"/>
+            </a:br>
+            <a:r>
+              <a:rPr lang="en-US" dirty="0"/>
+              <a:t>public class </a:t>
+            </a:r>
+            <a:r>
+              <a:rPr lang="en-US" dirty="0" err="1"/>
+              <a:t>MysqlTbl</a:t>
+            </a:r>
+            <a:r>
+              <a:rPr lang="en-US" dirty="0"/>
+              <a:t> implements </a:t>
+            </a:r>
+            <a:r>
+              <a:rPr lang="en-US" dirty="0" err="1"/>
+              <a:t>Tbl</a:t>
+            </a:r>
+            <a:r>
+              <a:rPr lang="en-US" dirty="0"/>
+              <a:t> { ...}</a:t>
+            </a:r>
+          </a:p>
+          <a:p>
+            <a:r>
+              <a:rPr lang="en-US" dirty="0"/>
+              <a:t>public class </a:t>
+            </a:r>
+            <a:r>
+              <a:rPr lang="en-US" dirty="0" err="1"/>
+              <a:t>PgTbl</a:t>
+            </a:r>
+            <a:r>
+              <a:rPr lang="en-US" dirty="0"/>
+              <a:t> implements </a:t>
+            </a:r>
+            <a:r>
+              <a:rPr lang="en-US" dirty="0" err="1"/>
+              <a:t>Tbl</a:t>
+            </a:r>
+            <a:r>
+              <a:rPr lang="en-US" dirty="0"/>
+              <a:t> {..}</a:t>
+            </a:r>
+          </a:p>
+          <a:p>
+            <a:endParaRPr lang="en-US" dirty="0"/>
+          </a:p>
+          <a:p>
+            <a:r>
+              <a:rPr lang="en-US" dirty="0"/>
+              <a:t>public interface </a:t>
+            </a:r>
+            <a:r>
+              <a:rPr lang="en-US" dirty="0" err="1"/>
+              <a:t>DBInterfacer</a:t>
+            </a:r>
+            <a:r>
+              <a:rPr lang="en-US" dirty="0"/>
+              <a:t> {</a:t>
+            </a:r>
+          </a:p>
+          <a:p>
+            <a:r>
+              <a:rPr lang="en-US" dirty="0"/>
+              <a:t>	public void DB </a:t>
+            </a:r>
+            <a:r>
+              <a:rPr lang="en-US" dirty="0" err="1"/>
+              <a:t>createDB</a:t>
+            </a:r>
+            <a:r>
+              <a:rPr lang="en-US" dirty="0"/>
+              <a:t>(String </a:t>
+            </a:r>
+            <a:r>
+              <a:rPr lang="en-US" dirty="0" err="1"/>
+              <a:t>dbName</a:t>
+            </a:r>
+            <a:r>
+              <a:rPr lang="en-US" dirty="0"/>
+              <a:t>);</a:t>
+            </a:r>
+          </a:p>
+          <a:p>
+            <a:endParaRPr lang="en-US" dirty="0"/>
+          </a:p>
+          <a:p>
+            <a:r>
+              <a:rPr lang="en-US" dirty="0"/>
+              <a:t>	public </a:t>
+            </a:r>
+            <a:r>
+              <a:rPr lang="en-US" dirty="0" err="1"/>
+              <a:t>Tbl</a:t>
+            </a:r>
+            <a:r>
+              <a:rPr lang="en-US" dirty="0"/>
+              <a:t> </a:t>
+            </a:r>
+            <a:r>
+              <a:rPr lang="en-US" dirty="0" err="1"/>
+              <a:t>createTbl</a:t>
+            </a:r>
+            <a:r>
+              <a:rPr lang="en-US" dirty="0"/>
+              <a:t>(Db </a:t>
+            </a:r>
+            <a:r>
+              <a:rPr lang="en-US" dirty="0" err="1"/>
+              <a:t>db</a:t>
+            </a:r>
+            <a:r>
+              <a:rPr lang="en-US" dirty="0"/>
+              <a:t>, </a:t>
+            </a:r>
+          </a:p>
+          <a:p>
+            <a:r>
+              <a:rPr lang="en-US" dirty="0"/>
+              <a:t>				String </a:t>
+            </a:r>
+            <a:r>
+              <a:rPr lang="en-US" dirty="0" err="1"/>
+              <a:t>tblName</a:t>
+            </a:r>
+            <a:r>
+              <a:rPr lang="en-US" dirty="0"/>
+              <a:t>, ..);</a:t>
+            </a:r>
+            <a:br>
+              <a:rPr lang="en-US" dirty="0"/>
+            </a:br>
+            <a:r>
+              <a:rPr lang="en-US" dirty="0"/>
+              <a:t>}</a:t>
+            </a:r>
+          </a:p>
+          <a:p>
+            <a:endParaRPr lang="en-US" dirty="0"/>
+          </a:p>
+          <a:p>
+            <a:r>
+              <a:rPr lang="en-US" dirty="0"/>
+              <a:t>public class </a:t>
+            </a:r>
+            <a:r>
+              <a:rPr lang="en-US" dirty="0" err="1"/>
+              <a:t>MysqlDBInterfacer</a:t>
+            </a:r>
+            <a:r>
+              <a:rPr lang="en-US" dirty="0"/>
+              <a:t> implements </a:t>
+            </a:r>
+            <a:r>
+              <a:rPr lang="en-US" dirty="0" err="1"/>
+              <a:t>DBInterfacer</a:t>
+            </a:r>
+            <a:r>
+              <a:rPr lang="en-US" dirty="0"/>
+              <a:t> {</a:t>
+            </a:r>
+          </a:p>
+          <a:p>
+            <a:r>
+              <a:rPr lang="en-US" dirty="0"/>
+              <a:t>	// concrete implementation</a:t>
+            </a:r>
+          </a:p>
+          <a:p>
+            <a:r>
+              <a:rPr lang="en-US" dirty="0"/>
+              <a:t>}</a:t>
+            </a:r>
+          </a:p>
+          <a:p>
+            <a:endParaRPr lang="en-US" dirty="0"/>
+          </a:p>
+          <a:p>
+            <a:r>
+              <a:rPr lang="en-US" dirty="0"/>
+              <a:t>public class </a:t>
+            </a:r>
+            <a:r>
+              <a:rPr lang="en-US" dirty="0" err="1"/>
+              <a:t>PgDBInterfacer</a:t>
+            </a:r>
+            <a:r>
+              <a:rPr lang="en-US" dirty="0"/>
+              <a:t> implements </a:t>
+            </a:r>
+            <a:r>
+              <a:rPr lang="en-US" dirty="0" err="1"/>
+              <a:t>DBInterfacer</a:t>
+            </a:r>
+            <a:r>
+              <a:rPr lang="en-US" dirty="0"/>
+              <a:t> {</a:t>
+            </a:r>
+          </a:p>
+          <a:p>
+            <a:r>
+              <a:rPr lang="en-US" dirty="0"/>
+              <a:t>	// concrete implementation</a:t>
+            </a:r>
+            <a:br>
+              <a:rPr lang="en-US" dirty="0"/>
+            </a:br>
+            <a:r>
+              <a:rPr lang="en-US" dirty="0"/>
+              <a:t>}</a:t>
+            </a:r>
+          </a:p>
+          <a:p>
+            <a:endParaRPr lang="en-US" dirty="0"/>
+          </a:p>
+          <a:p>
+            <a:endParaRPr lang="en-US" dirty="0"/>
           </a:p>
         </p:txBody>
       </p:sp>
       <p:sp>
         <p:nvSpPr>
-          <p:cNvPr id="3" name="Text Placeholder 2">
+          <p:cNvPr id="3" name="Title 2">
             <a:extLst>
               <a:ext uri="{FF2B5EF4-FFF2-40B4-BE49-F238E27FC236}">
-                <a16:creationId xmlns:a16="http://schemas.microsoft.com/office/drawing/2014/main" id="{162E3F82-F071-1AFC-87DD-F1A6F21DF1CA}"/>
+                <a16:creationId xmlns:a16="http://schemas.microsoft.com/office/drawing/2014/main" id="{9F72D2C8-2B1C-3840-02E2-1240E09ED57C}"/>
               </a:ext>
             </a:extLst>
           </p:cNvPr>
@@ -25584,7 +27296,7 @@
             <a:spLocks noGrp="1"/>
           </p:cNvSpPr>
           <p:nvPr>
-            <p:ph type="body" sz="quarter" idx="13"/>
+            <p:ph type="title"/>
           </p:nvPr>
         </p:nvSpPr>
         <p:spPr/>
@@ -25594,21 +27306,244 @@
           <a:p>
             <a:r>
               <a:rPr lang="en-US" dirty="0"/>
-              <a:t>Software design principles (SOLID)</a:t>
-            </a:r>
+              <a:t>Recap</a:t>
+            </a:r>
+          </a:p>
+        </p:txBody>
+      </p:sp>
+      <p:sp>
+        <p:nvSpPr>
+          <p:cNvPr id="4" name="Content Placeholder 3">
+            <a:extLst>
+              <a:ext uri="{FF2B5EF4-FFF2-40B4-BE49-F238E27FC236}">
+                <a16:creationId xmlns:a16="http://schemas.microsoft.com/office/drawing/2014/main" id="{D7F1E8E9-8824-63C4-490A-4F9179C349E2}"/>
+              </a:ext>
+            </a:extLst>
+          </p:cNvPr>
+          <p:cNvSpPr>
+            <a:spLocks noGrp="1"/>
+          </p:cNvSpPr>
+          <p:nvPr>
+            <p:ph idx="13"/>
+          </p:nvPr>
+        </p:nvSpPr>
+        <p:spPr/>
+        <p:txBody>
+          <a:bodyPr/>
+          <a:lstStyle/>
+          <a:p>
+            <a:r>
+              <a:rPr lang="en-US" dirty="0"/>
+              <a:t>Runtime polymorphism applies to classes too (both, abstract and concrete)</a:t>
+            </a:r>
+          </a:p>
+        </p:txBody>
+      </p:sp>
+      <p:sp>
+        <p:nvSpPr>
+          <p:cNvPr id="5" name="Rectangle 4">
+            <a:extLst>
+              <a:ext uri="{FF2B5EF4-FFF2-40B4-BE49-F238E27FC236}">
+                <a16:creationId xmlns:a16="http://schemas.microsoft.com/office/drawing/2014/main" id="{8C28A94B-4E65-C491-1D93-0530A033379E}"/>
+              </a:ext>
+            </a:extLst>
+          </p:cNvPr>
+          <p:cNvSpPr/>
+          <p:nvPr/>
+        </p:nvSpPr>
+        <p:spPr>
+          <a:xfrm>
+            <a:off x="6176511" y="785004"/>
+            <a:ext cx="4908583" cy="696277"/>
+          </a:xfrm>
+          <a:prstGeom prst="rect">
+            <a:avLst/>
+          </a:prstGeom>
+          <a:noFill/>
+          <a:ln w="31750" cap="flat" cmpd="sng" algn="ctr">
+            <a:solidFill>
+              <a:schemeClr val="accent1"/>
+            </a:solidFill>
+            <a:prstDash val="solid"/>
+            <a:round/>
+            <a:headEnd type="none" w="med" len="med"/>
+            <a:tailEnd type="none" w="med" len="med"/>
+          </a:ln>
+        </p:spPr>
+        <p:style>
+          <a:lnRef idx="0">
+            <a:scrgbClr r="0" g="0" b="0"/>
+          </a:lnRef>
+          <a:fillRef idx="0">
+            <a:scrgbClr r="0" g="0" b="0"/>
+          </a:fillRef>
+          <a:effectRef idx="0">
+            <a:scrgbClr r="0" g="0" b="0"/>
+          </a:effectRef>
+          <a:fontRef idx="minor">
+            <a:schemeClr val="accent1"/>
+          </a:fontRef>
+        </p:style>
+        <p:txBody>
+          <a:bodyPr rot="0" spcFirstLastPara="0" vertOverflow="overflow" horzOverflow="overflow" vert="horz" wrap="square" lIns="91440" tIns="45720" rIns="91440" bIns="45720" numCol="1" spcCol="0" rtlCol="0" fromWordArt="0" anchor="ctr" anchorCtr="0" forceAA="0" compatLnSpc="1">
+            <a:prstTxWarp prst="textNoShape">
+              <a:avLst/>
+            </a:prstTxWarp>
+            <a:noAutofit/>
+          </a:bodyPr>
+          <a:lstStyle/>
+          <a:p>
+            <a:pPr algn="ctr"/>
+            <a:endParaRPr lang="en-US" dirty="0">
+              <a:ln w="0"/>
+              <a:solidFill>
+                <a:schemeClr val="tx1"/>
+              </a:solidFill>
+              <a:effectLst>
+                <a:outerShdw blurRad="38100" dist="19050" dir="2700000" algn="tl" rotWithShape="0">
+                  <a:schemeClr val="dk1">
+                    <a:alpha val="40000"/>
+                  </a:schemeClr>
+                </a:outerShdw>
+              </a:effectLst>
+            </a:endParaRPr>
           </a:p>
         </p:txBody>
       </p:sp>
     </p:spTree>
     <p:extLst>
       <p:ext uri="{BB962C8B-B14F-4D97-AF65-F5344CB8AC3E}">
-        <p14:creationId xmlns:p14="http://schemas.microsoft.com/office/powerpoint/2010/main" val="673872092"/>
+        <p14:creationId xmlns:p14="http://schemas.microsoft.com/office/powerpoint/2010/main" val="3231156417"/>
       </p:ext>
     </p:extLst>
   </p:cSld>
   <p:clrMapOvr>
     <a:masterClrMapping/>
   </p:clrMapOvr>
+  <p:timing>
+    <p:tnLst>
+      <p:par>
+        <p:cTn id="1" dur="indefinite" restart="never" nodeType="tmRoot">
+          <p:childTnLst>
+            <p:seq concurrent="1" nextAc="seek">
+              <p:cTn id="2" dur="indefinite" nodeType="mainSeq">
+                <p:childTnLst>
+                  <p:par>
+                    <p:cTn id="3" fill="hold">
+                      <p:stCondLst>
+                        <p:cond delay="indefinite"/>
+                      </p:stCondLst>
+                      <p:childTnLst>
+                        <p:par>
+                          <p:cTn id="4" fill="hold">
+                            <p:stCondLst>
+                              <p:cond delay="0"/>
+                            </p:stCondLst>
+                            <p:childTnLst>
+                              <p:par>
+                                <p:cTn id="5" presetID="1" presetClass="entr" presetSubtype="0" fill="hold" grpId="0" nodeType="clickEffect">
+                                  <p:stCondLst>
+                                    <p:cond delay="0"/>
+                                  </p:stCondLst>
+                                  <p:childTnLst>
+                                    <p:set>
+                                      <p:cBhvr>
+                                        <p:cTn id="6" dur="1" fill="hold">
+                                          <p:stCondLst>
+                                            <p:cond delay="0"/>
+                                          </p:stCondLst>
+                                        </p:cTn>
+                                        <p:tgtEl>
+                                          <p:spTgt spid="5"/>
+                                        </p:tgtEl>
+                                        <p:attrNameLst>
+                                          <p:attrName>style.visibility</p:attrName>
+                                        </p:attrNameLst>
+                                      </p:cBhvr>
+                                      <p:to>
+                                        <p:strVal val="visible"/>
+                                      </p:to>
+                                    </p:set>
+                                  </p:childTnLst>
+                                </p:cTn>
+                              </p:par>
+                            </p:childTnLst>
+                          </p:cTn>
+                        </p:par>
+                      </p:childTnLst>
+                    </p:cTn>
+                  </p:par>
+                  <p:par>
+                    <p:cTn id="7" fill="hold">
+                      <p:stCondLst>
+                        <p:cond delay="indefinite"/>
+                      </p:stCondLst>
+                      <p:childTnLst>
+                        <p:par>
+                          <p:cTn id="8" fill="hold">
+                            <p:stCondLst>
+                              <p:cond delay="0"/>
+                            </p:stCondLst>
+                            <p:childTnLst>
+                              <p:par>
+                                <p:cTn id="9" presetID="1" presetClass="exit" presetSubtype="0" fill="hold" grpId="1" nodeType="clickEffect">
+                                  <p:stCondLst>
+                                    <p:cond delay="0"/>
+                                  </p:stCondLst>
+                                  <p:childTnLst>
+                                    <p:set>
+                                      <p:cBhvr>
+                                        <p:cTn id="10" dur="1" fill="hold">
+                                          <p:stCondLst>
+                                            <p:cond delay="0"/>
+                                          </p:stCondLst>
+                                        </p:cTn>
+                                        <p:tgtEl>
+                                          <p:spTgt spid="5"/>
+                                        </p:tgtEl>
+                                        <p:attrNameLst>
+                                          <p:attrName>style.visibility</p:attrName>
+                                        </p:attrNameLst>
+                                      </p:cBhvr>
+                                      <p:to>
+                                        <p:strVal val="hidden"/>
+                                      </p:to>
+                                    </p:set>
+                                  </p:childTnLst>
+                                </p:cTn>
+                              </p:par>
+                            </p:childTnLst>
+                          </p:cTn>
+                        </p:par>
+                      </p:childTnLst>
+                    </p:cTn>
+                  </p:par>
+                </p:childTnLst>
+              </p:cTn>
+              <p:prevCondLst>
+                <p:cond evt="onPrev" delay="0">
+                  <p:tgtEl>
+                    <p:sldTgt/>
+                  </p:tgtEl>
+                </p:cond>
+              </p:prevCondLst>
+              <p:nextCondLst>
+                <p:cond evt="onNext" delay="0">
+                  <p:tgtEl>
+                    <p:sldTgt/>
+                  </p:tgtEl>
+                </p:cond>
+              </p:nextCondLst>
+            </p:seq>
+          </p:childTnLst>
+        </p:cTn>
+      </p:par>
+    </p:tnLst>
+    <p:bldLst>
+      <p:bldP spid="5" grpId="0" animBg="1"/>
+      <p:bldP spid="5" grpId="1" animBg="1"/>
+    </p:bldLst>
+  </p:timing>
 </p:sld>
 </file>
 
@@ -25631,6 +27566,89 @@
       </p:grpSpPr>
       <p:sp>
         <p:nvSpPr>
+          <p:cNvPr id="2" name="Content Placeholder 1">
+            <a:extLst>
+              <a:ext uri="{FF2B5EF4-FFF2-40B4-BE49-F238E27FC236}">
+                <a16:creationId xmlns:a16="http://schemas.microsoft.com/office/drawing/2014/main" id="{6E49DA0F-0AAA-CE6F-37D1-8567EF092C91}"/>
+              </a:ext>
+            </a:extLst>
+          </p:cNvPr>
+          <p:cNvSpPr>
+            <a:spLocks noGrp="1"/>
+          </p:cNvSpPr>
+          <p:nvPr>
+            <p:ph idx="1"/>
+          </p:nvPr>
+        </p:nvSpPr>
+        <p:spPr/>
+        <p:txBody>
+          <a:bodyPr/>
+          <a:lstStyle/>
+          <a:p>
+            <a:endParaRPr lang="en-US"/>
+          </a:p>
+        </p:txBody>
+      </p:sp>
+      <p:sp>
+        <p:nvSpPr>
+          <p:cNvPr id="3" name="Text Placeholder 2">
+            <a:extLst>
+              <a:ext uri="{FF2B5EF4-FFF2-40B4-BE49-F238E27FC236}">
+                <a16:creationId xmlns:a16="http://schemas.microsoft.com/office/drawing/2014/main" id="{162E3F82-F071-1AFC-87DD-F1A6F21DF1CA}"/>
+              </a:ext>
+            </a:extLst>
+          </p:cNvPr>
+          <p:cNvSpPr>
+            <a:spLocks noGrp="1"/>
+          </p:cNvSpPr>
+          <p:nvPr>
+            <p:ph type="body" sz="quarter" idx="13"/>
+          </p:nvPr>
+        </p:nvSpPr>
+        <p:spPr/>
+        <p:txBody>
+          <a:bodyPr/>
+          <a:lstStyle/>
+          <a:p>
+            <a:r>
+              <a:rPr lang="en-US" dirty="0"/>
+              <a:t>Software design principles (SOLID)</a:t>
+            </a:r>
+          </a:p>
+        </p:txBody>
+      </p:sp>
+    </p:spTree>
+    <p:extLst>
+      <p:ext uri="{BB962C8B-B14F-4D97-AF65-F5344CB8AC3E}">
+        <p14:creationId xmlns:p14="http://schemas.microsoft.com/office/powerpoint/2010/main" val="673872092"/>
+      </p:ext>
+    </p:extLst>
+  </p:cSld>
+  <p:clrMapOvr>
+    <a:masterClrMapping/>
+  </p:clrMapOvr>
+</p:sld>
+</file>
+
+<file path=ppt/slides/slide42.xml><?xml version="1.0" encoding="utf-8"?>
+<p:sld xmlns:a="http://schemas.openxmlformats.org/drawingml/2006/main" xmlns:r="http://schemas.openxmlformats.org/officeDocument/2006/relationships" xmlns:p="http://schemas.openxmlformats.org/presentationml/2006/main">
+  <p:cSld>
+    <p:spTree>
+      <p:nvGrpSpPr>
+        <p:cNvPr id="1" name=""/>
+        <p:cNvGrpSpPr/>
+        <p:nvPr/>
+      </p:nvGrpSpPr>
+      <p:grpSpPr>
+        <a:xfrm>
+          <a:off x="0" y="0"/>
+          <a:ext cx="0" cy="0"/>
+          <a:chOff x="0" y="0"/>
+          <a:chExt cx="0" cy="0"/>
+        </a:xfrm>
+      </p:grpSpPr>
+      <p:sp>
+        <p:nvSpPr>
           <p:cNvPr id="5" name="Content Placeholder 4">
             <a:extLst>
               <a:ext uri="{FF2B5EF4-FFF2-40B4-BE49-F238E27FC236}">
@@ -25716,7 +27734,7 @@
 </p:sld>
 </file>
 
-<file path=ppt/slides/slide42.xml><?xml version="1.0" encoding="utf-8"?>
+<file path=ppt/slides/slide43.xml><?xml version="1.0" encoding="utf-8"?>
 <p:sld xmlns:a="http://schemas.openxmlformats.org/drawingml/2006/main" xmlns:r="http://schemas.openxmlformats.org/officeDocument/2006/relationships" xmlns:p="http://schemas.openxmlformats.org/presentationml/2006/main">
   <p:cSld>
     <p:spTree>
@@ -26239,7 +28257,7 @@
         </p:nvGrpSpPr>
         <p:grpSpPr>
           <a:xfrm>
-            <a:off x="7461956" y="2814606"/>
+            <a:off x="7502062" y="2814606"/>
             <a:ext cx="2937329" cy="1228787"/>
             <a:chOff x="7461956" y="2814606"/>
             <a:chExt cx="2937329" cy="1228787"/>
@@ -26423,7 +28441,7 @@
 </p:sld>
 </file>
 
-<file path=ppt/slides/slide43.xml><?xml version="1.0" encoding="utf-8"?>
+<file path=ppt/slides/slide44.xml><?xml version="1.0" encoding="utf-8"?>
 <p:sld xmlns:a="http://schemas.openxmlformats.org/drawingml/2006/main" xmlns:r="http://schemas.openxmlformats.org/officeDocument/2006/relationships" xmlns:p="http://schemas.openxmlformats.org/presentationml/2006/main">
   <p:cSld>
     <p:spTree>
@@ -27160,7 +29178,7 @@
 </p:sld>
 </file>
 
-<file path=ppt/slides/slide44.xml><?xml version="1.0" encoding="utf-8"?>
+<file path=ppt/slides/slide45.xml><?xml version="1.0" encoding="utf-8"?>
 <p:sld xmlns:a="http://schemas.openxmlformats.org/drawingml/2006/main" xmlns:r="http://schemas.openxmlformats.org/officeDocument/2006/relationships" xmlns:p="http://schemas.openxmlformats.org/presentationml/2006/main">
   <p:cSld>
     <p:spTree>
@@ -27349,7 +29367,7 @@
 </p:sld>
 </file>
 
-<file path=ppt/slides/slide45.xml><?xml version="1.0" encoding="utf-8"?>
+<file path=ppt/slides/slide46.xml><?xml version="1.0" encoding="utf-8"?>
 <p:sld xmlns:a="http://schemas.openxmlformats.org/drawingml/2006/main" xmlns:r="http://schemas.openxmlformats.org/officeDocument/2006/relationships" xmlns:p="http://schemas.openxmlformats.org/presentationml/2006/main">
   <p:cSld>
     <p:spTree>
@@ -27451,7 +29469,7 @@
 </p:sld>
 </file>
 
-<file path=ppt/slides/slide46.xml><?xml version="1.0" encoding="utf-8"?>
+<file path=ppt/slides/slide47.xml><?xml version="1.0" encoding="utf-8"?>
 <p:sld xmlns:a="http://schemas.openxmlformats.org/drawingml/2006/main" xmlns:r="http://schemas.openxmlformats.org/officeDocument/2006/relationships" xmlns:p="http://schemas.openxmlformats.org/presentationml/2006/main">
   <p:cSld>
     <p:spTree>
@@ -27934,6 +29952,77 @@
           </p:txBody>
         </p:sp>
       </p:grpSp>
+      <p:sp>
+        <p:nvSpPr>
+          <p:cNvPr id="2" name="Rectangle 1">
+            <a:extLst>
+              <a:ext uri="{FF2B5EF4-FFF2-40B4-BE49-F238E27FC236}">
+                <a16:creationId xmlns:a16="http://schemas.microsoft.com/office/drawing/2014/main" id="{03B7308D-28F4-BDD2-515D-F541E1400275}"/>
+              </a:ext>
+            </a:extLst>
+          </p:cNvPr>
+          <p:cNvSpPr/>
+          <p:nvPr/>
+        </p:nvSpPr>
+        <p:spPr>
+          <a:xfrm>
+            <a:off x="6176512" y="4012446"/>
+            <a:ext cx="5080729" cy="1907738"/>
+          </a:xfrm>
+          <a:prstGeom prst="rect">
+            <a:avLst/>
+          </a:prstGeom>
+          <a:noFill/>
+          <a:ln w="31750" cap="flat" cmpd="sng" algn="ctr">
+            <a:solidFill>
+              <a:schemeClr val="accent1"/>
+            </a:solidFill>
+            <a:prstDash val="solid"/>
+            <a:round/>
+            <a:headEnd type="none" w="med" len="med"/>
+            <a:tailEnd type="none" w="med" len="med"/>
+          </a:ln>
+        </p:spPr>
+        <p:style>
+          <a:lnRef idx="0">
+            <a:scrgbClr r="0" g="0" b="0"/>
+          </a:lnRef>
+          <a:fillRef idx="0">
+            <a:scrgbClr r="0" g="0" b="0"/>
+          </a:fillRef>
+          <a:effectRef idx="0">
+            <a:scrgbClr r="0" g="0" b="0"/>
+          </a:effectRef>
+          <a:fontRef idx="minor">
+            <a:schemeClr val="accent1"/>
+          </a:fontRef>
+        </p:style>
+        <p:txBody>
+          <a:bodyPr rot="0" spcFirstLastPara="0" vertOverflow="overflow" horzOverflow="overflow" vert="horz" wrap="square" lIns="91440" tIns="45720" rIns="91440" bIns="45720" numCol="1" spcCol="0" rtlCol="0" fromWordArt="0" anchor="ctr" anchorCtr="0" forceAA="0" compatLnSpc="1">
+            <a:prstTxWarp prst="textNoShape">
+              <a:avLst/>
+            </a:prstTxWarp>
+            <a:noAutofit/>
+          </a:bodyPr>
+          <a:lstStyle/>
+          <a:p>
+            <a:pPr algn="ctr"/>
+            <a:endParaRPr lang="en-US" dirty="0">
+              <a:ln w="0"/>
+              <a:solidFill>
+                <a:schemeClr val="tx1"/>
+              </a:solidFill>
+              <a:effectLst>
+                <a:outerShdw blurRad="38100" dist="19050" dir="2700000" algn="tl" rotWithShape="0">
+                  <a:schemeClr val="dk1">
+                    <a:alpha val="40000"/>
+                  </a:schemeClr>
+                </a:outerShdw>
+              </a:effectLst>
+            </a:endParaRPr>
+          </a:p>
+        </p:txBody>
+      </p:sp>
     </p:spTree>
     <p:extLst>
       <p:ext uri="{BB962C8B-B14F-4D97-AF65-F5344CB8AC3E}">
@@ -27965,7 +30054,7 @@
                             </p:stCondLst>
                             <p:childTnLst>
                               <p:par>
-                                <p:cTn id="5" presetID="1" presetClass="entr" presetSubtype="0" fill="hold" nodeType="clickEffect">
+                                <p:cTn id="5" presetID="1" presetClass="entr" presetSubtype="0" fill="hold" grpId="0" nodeType="clickEffect">
                                   <p:stCondLst>
                                     <p:cond delay="0"/>
                                   </p:stCondLst>
@@ -27973,6 +30062,51 @@
                                     <p:set>
                                       <p:cBhvr>
                                         <p:cTn id="6" dur="1" fill="hold">
+                                          <p:stCondLst>
+                                            <p:cond delay="0"/>
+                                          </p:stCondLst>
+                                        </p:cTn>
+                                        <p:tgtEl>
+                                          <p:spTgt spid="2"/>
+                                        </p:tgtEl>
+                                        <p:attrNameLst>
+                                          <p:attrName>style.visibility</p:attrName>
+                                        </p:attrNameLst>
+                                      </p:cBhvr>
+                                      <p:to>
+                                        <p:strVal val="visible"/>
+                                      </p:to>
+                                    </p:set>
+                                  </p:childTnLst>
+                                </p:cTn>
+                              </p:par>
+                            </p:childTnLst>
+                          </p:cTn>
+                        </p:par>
+                      </p:childTnLst>
+                    </p:cTn>
+                  </p:par>
+                  <p:par>
+                    <p:cTn id="7" fill="hold">
+                      <p:stCondLst>
+                        <p:cond delay="indefinite"/>
+                      </p:stCondLst>
+                      <p:childTnLst>
+                        <p:par>
+                          <p:cTn id="8" fill="hold">
+                            <p:stCondLst>
+                              <p:cond delay="0"/>
+                            </p:stCondLst>
+                            <p:childTnLst>
+                              <p:par>
+                                <p:cTn id="9" presetID="1" presetClass="entr" presetSubtype="0" fill="hold" nodeType="clickEffect">
+                                  <p:stCondLst>
+                                    <p:cond delay="0"/>
+                                  </p:stCondLst>
+                                  <p:childTnLst>
+                                    <p:set>
+                                      <p:cBhvr>
+                                        <p:cTn id="10" dur="1" fill="hold">
                                           <p:stCondLst>
                                             <p:cond delay="0"/>
                                           </p:stCondLst>
@@ -28018,11 +30152,14 @@
         </p:cTn>
       </p:par>
     </p:tnLst>
+    <p:bldLst>
+      <p:bldP spid="2" grpId="0" animBg="1"/>
+    </p:bldLst>
   </p:timing>
 </p:sld>
 </file>
 
-<file path=ppt/slides/slide47.xml><?xml version="1.0" encoding="utf-8"?>
+<file path=ppt/slides/slide48.xml><?xml version="1.0" encoding="utf-8"?>
 <p:sld xmlns:a="http://schemas.openxmlformats.org/drawingml/2006/main" xmlns:r="http://schemas.openxmlformats.org/officeDocument/2006/relationships" xmlns:p="http://schemas.openxmlformats.org/presentationml/2006/main">
   <p:cSld>
     <p:spTree>
@@ -28146,7 +30283,7 @@
 </p:sld>
 </file>
 
-<file path=ppt/slides/slide48.xml><?xml version="1.0" encoding="utf-8"?>
+<file path=ppt/slides/slide49.xml><?xml version="1.0" encoding="utf-8"?>
 <p:sld xmlns:a="http://schemas.openxmlformats.org/drawingml/2006/main" xmlns:r="http://schemas.openxmlformats.org/officeDocument/2006/relationships" xmlns:p="http://schemas.openxmlformats.org/presentationml/2006/main">
   <p:cSld>
     <p:spTree>
@@ -28329,89 +30466,6 @@
 </p:sld>
 </file>
 
-<file path=ppt/slides/slide49.xml><?xml version="1.0" encoding="utf-8"?>
-<p:sld xmlns:a="http://schemas.openxmlformats.org/drawingml/2006/main" xmlns:r="http://schemas.openxmlformats.org/officeDocument/2006/relationships" xmlns:p="http://schemas.openxmlformats.org/presentationml/2006/main">
-  <p:cSld>
-    <p:spTree>
-      <p:nvGrpSpPr>
-        <p:cNvPr id="1" name=""/>
-        <p:cNvGrpSpPr/>
-        <p:nvPr/>
-      </p:nvGrpSpPr>
-      <p:grpSpPr>
-        <a:xfrm>
-          <a:off x="0" y="0"/>
-          <a:ext cx="0" cy="0"/>
-          <a:chOff x="0" y="0"/>
-          <a:chExt cx="0" cy="0"/>
-        </a:xfrm>
-      </p:grpSpPr>
-      <p:sp>
-        <p:nvSpPr>
-          <p:cNvPr id="2" name="Content Placeholder 1">
-            <a:extLst>
-              <a:ext uri="{FF2B5EF4-FFF2-40B4-BE49-F238E27FC236}">
-                <a16:creationId xmlns:a16="http://schemas.microsoft.com/office/drawing/2014/main" id="{F0D6E068-1CFD-47EF-8434-639B545EE760}"/>
-              </a:ext>
-            </a:extLst>
-          </p:cNvPr>
-          <p:cNvSpPr>
-            <a:spLocks noGrp="1"/>
-          </p:cNvSpPr>
-          <p:nvPr>
-            <p:ph idx="1"/>
-          </p:nvPr>
-        </p:nvSpPr>
-        <p:spPr/>
-        <p:txBody>
-          <a:bodyPr/>
-          <a:lstStyle/>
-          <a:p>
-            <a:endParaRPr lang="en-US"/>
-          </a:p>
-        </p:txBody>
-      </p:sp>
-      <p:sp>
-        <p:nvSpPr>
-          <p:cNvPr id="3" name="Text Placeholder 2">
-            <a:extLst>
-              <a:ext uri="{FF2B5EF4-FFF2-40B4-BE49-F238E27FC236}">
-                <a16:creationId xmlns:a16="http://schemas.microsoft.com/office/drawing/2014/main" id="{69E95D3C-635F-BCD3-B7FD-9B9DA3EDC45C}"/>
-              </a:ext>
-            </a:extLst>
-          </p:cNvPr>
-          <p:cNvSpPr>
-            <a:spLocks noGrp="1"/>
-          </p:cNvSpPr>
-          <p:nvPr>
-            <p:ph type="body" sz="quarter" idx="13"/>
-          </p:nvPr>
-        </p:nvSpPr>
-        <p:spPr/>
-        <p:txBody>
-          <a:bodyPr/>
-          <a:lstStyle/>
-          <a:p>
-            <a:r>
-              <a:rPr lang="en-US" dirty="0"/>
-              <a:t>Compilation process</a:t>
-            </a:r>
-          </a:p>
-        </p:txBody>
-      </p:sp>
-    </p:spTree>
-    <p:extLst>
-      <p:ext uri="{BB962C8B-B14F-4D97-AF65-F5344CB8AC3E}">
-        <p14:creationId xmlns:p14="http://schemas.microsoft.com/office/powerpoint/2010/main" val="940504248"/>
-      </p:ext>
-    </p:extLst>
-  </p:cSld>
-  <p:clrMapOvr>
-    <a:masterClrMapping/>
-  </p:clrMapOvr>
-</p:sld>
-</file>
-
 <file path=ppt/slides/slide5.xml><?xml version="1.0" encoding="utf-8"?>
 <p:sld xmlns:a="http://schemas.openxmlformats.org/drawingml/2006/main" xmlns:r="http://schemas.openxmlformats.org/officeDocument/2006/relationships" xmlns:p="http://schemas.openxmlformats.org/presentationml/2006/main">
   <p:cSld>
@@ -28681,6 +30735,89 @@
 </file>
 
 <file path=ppt/slides/slide50.xml><?xml version="1.0" encoding="utf-8"?>
+<p:sld xmlns:a="http://schemas.openxmlformats.org/drawingml/2006/main" xmlns:r="http://schemas.openxmlformats.org/officeDocument/2006/relationships" xmlns:p="http://schemas.openxmlformats.org/presentationml/2006/main">
+  <p:cSld>
+    <p:spTree>
+      <p:nvGrpSpPr>
+        <p:cNvPr id="1" name=""/>
+        <p:cNvGrpSpPr/>
+        <p:nvPr/>
+      </p:nvGrpSpPr>
+      <p:grpSpPr>
+        <a:xfrm>
+          <a:off x="0" y="0"/>
+          <a:ext cx="0" cy="0"/>
+          <a:chOff x="0" y="0"/>
+          <a:chExt cx="0" cy="0"/>
+        </a:xfrm>
+      </p:grpSpPr>
+      <p:sp>
+        <p:nvSpPr>
+          <p:cNvPr id="2" name="Content Placeholder 1">
+            <a:extLst>
+              <a:ext uri="{FF2B5EF4-FFF2-40B4-BE49-F238E27FC236}">
+                <a16:creationId xmlns:a16="http://schemas.microsoft.com/office/drawing/2014/main" id="{F0D6E068-1CFD-47EF-8434-639B545EE760}"/>
+              </a:ext>
+            </a:extLst>
+          </p:cNvPr>
+          <p:cNvSpPr>
+            <a:spLocks noGrp="1"/>
+          </p:cNvSpPr>
+          <p:nvPr>
+            <p:ph idx="1"/>
+          </p:nvPr>
+        </p:nvSpPr>
+        <p:spPr/>
+        <p:txBody>
+          <a:bodyPr/>
+          <a:lstStyle/>
+          <a:p>
+            <a:endParaRPr lang="en-US"/>
+          </a:p>
+        </p:txBody>
+      </p:sp>
+      <p:sp>
+        <p:nvSpPr>
+          <p:cNvPr id="3" name="Text Placeholder 2">
+            <a:extLst>
+              <a:ext uri="{FF2B5EF4-FFF2-40B4-BE49-F238E27FC236}">
+                <a16:creationId xmlns:a16="http://schemas.microsoft.com/office/drawing/2014/main" id="{69E95D3C-635F-BCD3-B7FD-9B9DA3EDC45C}"/>
+              </a:ext>
+            </a:extLst>
+          </p:cNvPr>
+          <p:cNvSpPr>
+            <a:spLocks noGrp="1"/>
+          </p:cNvSpPr>
+          <p:nvPr>
+            <p:ph type="body" sz="quarter" idx="13"/>
+          </p:nvPr>
+        </p:nvSpPr>
+        <p:spPr/>
+        <p:txBody>
+          <a:bodyPr/>
+          <a:lstStyle/>
+          <a:p>
+            <a:r>
+              <a:rPr lang="en-US" dirty="0"/>
+              <a:t>Compilation process</a:t>
+            </a:r>
+          </a:p>
+        </p:txBody>
+      </p:sp>
+    </p:spTree>
+    <p:extLst>
+      <p:ext uri="{BB962C8B-B14F-4D97-AF65-F5344CB8AC3E}">
+        <p14:creationId xmlns:p14="http://schemas.microsoft.com/office/powerpoint/2010/main" val="940504248"/>
+      </p:ext>
+    </p:extLst>
+  </p:cSld>
+  <p:clrMapOvr>
+    <a:masterClrMapping/>
+  </p:clrMapOvr>
+</p:sld>
+</file>
+
+<file path=ppt/slides/slide51.xml><?xml version="1.0" encoding="utf-8"?>
 <p:sld xmlns:a="http://schemas.openxmlformats.org/drawingml/2006/main" xmlns:r="http://schemas.openxmlformats.org/officeDocument/2006/relationships" xmlns:p="http://schemas.openxmlformats.org/presentationml/2006/main">
   <p:cSld>
     <p:spTree>
@@ -29395,7 +31532,7 @@
 </p:sld>
 </file>
 
-<file path=ppt/slides/slide51.xml><?xml version="1.0" encoding="utf-8"?>
+<file path=ppt/slides/slide52.xml><?xml version="1.0" encoding="utf-8"?>
 <p:sld xmlns:a="http://schemas.openxmlformats.org/drawingml/2006/main" xmlns:r="http://schemas.openxmlformats.org/officeDocument/2006/relationships" xmlns:p="http://schemas.openxmlformats.org/presentationml/2006/main">
   <p:cSld>
     <p:spTree>
@@ -30272,7 +32409,7 @@
 </p:sld>
 </file>
 
-<file path=ppt/slides/slide52.xml><?xml version="1.0" encoding="utf-8"?>
+<file path=ppt/slides/slide53.xml><?xml version="1.0" encoding="utf-8"?>
 <p:sld xmlns:a="http://schemas.openxmlformats.org/drawingml/2006/main" xmlns:r="http://schemas.openxmlformats.org/officeDocument/2006/relationships" xmlns:p="http://schemas.openxmlformats.org/presentationml/2006/main">
   <p:cSld>
     <p:spTree>
@@ -31152,7 +33289,7 @@
 </p:sld>
 </file>
 
-<file path=ppt/slides/slide53.xml><?xml version="1.0" encoding="utf-8"?>
+<file path=ppt/slides/slide54.xml><?xml version="1.0" encoding="utf-8"?>
 <p:sld xmlns:a="http://schemas.openxmlformats.org/drawingml/2006/main" xmlns:r="http://schemas.openxmlformats.org/officeDocument/2006/relationships" xmlns:p="http://schemas.openxmlformats.org/presentationml/2006/main">
   <p:cSld>
     <p:spTree>
@@ -32200,184 +34337,6 @@
 </p:sld>
 </file>
 
-<file path=ppt/slides/slide54.xml><?xml version="1.0" encoding="utf-8"?>
-<p:sld xmlns:a="http://schemas.openxmlformats.org/drawingml/2006/main" xmlns:r="http://schemas.openxmlformats.org/officeDocument/2006/relationships" xmlns:p="http://schemas.openxmlformats.org/presentationml/2006/main">
-  <p:cSld>
-    <p:spTree>
-      <p:nvGrpSpPr>
-        <p:cNvPr id="1" name=""/>
-        <p:cNvGrpSpPr/>
-        <p:nvPr/>
-      </p:nvGrpSpPr>
-      <p:grpSpPr>
-        <a:xfrm>
-          <a:off x="0" y="0"/>
-          <a:ext cx="0" cy="0"/>
-          <a:chOff x="0" y="0"/>
-          <a:chExt cx="0" cy="0"/>
-        </a:xfrm>
-      </p:grpSpPr>
-      <p:sp>
-        <p:nvSpPr>
-          <p:cNvPr id="2" name="Content Placeholder 1">
-            <a:extLst>
-              <a:ext uri="{FF2B5EF4-FFF2-40B4-BE49-F238E27FC236}">
-                <a16:creationId xmlns:a16="http://schemas.microsoft.com/office/drawing/2014/main" id="{70E053F4-0A97-2C61-DA87-58704AD6E633}"/>
-              </a:ext>
-            </a:extLst>
-          </p:cNvPr>
-          <p:cNvSpPr>
-            <a:spLocks noGrp="1"/>
-          </p:cNvSpPr>
-          <p:nvPr>
-            <p:ph idx="1"/>
-          </p:nvPr>
-        </p:nvSpPr>
-        <p:spPr>
-          <a:xfrm>
-            <a:off x="360607" y="785004"/>
-            <a:ext cx="11449319" cy="5046453"/>
-          </a:xfrm>
-        </p:spPr>
-        <p:txBody>
-          <a:bodyPr>
-            <a:normAutofit lnSpcReduction="10000"/>
-          </a:bodyPr>
-          <a:lstStyle/>
-          <a:p>
-            <a:r>
-              <a:rPr lang="en-US" dirty="0"/>
-              <a:t>Some checks happen at compile time</a:t>
-            </a:r>
-          </a:p>
-          <a:p>
-            <a:pPr lvl="1"/>
-            <a:r>
-              <a:rPr lang="en-US" dirty="0"/>
-              <a:t>Syntax checking</a:t>
-            </a:r>
-          </a:p>
-          <a:p>
-            <a:pPr lvl="1"/>
-            <a:r>
-              <a:rPr lang="en-US" dirty="0"/>
-              <a:t>Type-checking, generic type checking </a:t>
-            </a:r>
-          </a:p>
-          <a:p>
-            <a:pPr lvl="1"/>
-            <a:r>
-              <a:rPr lang="en-US" dirty="0"/>
-              <a:t>… and so on</a:t>
-            </a:r>
-          </a:p>
-          <a:p>
-            <a:r>
-              <a:rPr lang="en-US" dirty="0"/>
-              <a:t>Other checks happen at run time</a:t>
-            </a:r>
-          </a:p>
-          <a:p>
-            <a:pPr lvl="1"/>
-            <a:r>
-              <a:rPr lang="en-US" dirty="0"/>
-              <a:t>Runtime polymorphism</a:t>
-            </a:r>
-          </a:p>
-          <a:p>
-            <a:pPr lvl="1"/>
-            <a:r>
-              <a:rPr lang="en-US" dirty="0"/>
-              <a:t>Array index out of bounds access</a:t>
-            </a:r>
-          </a:p>
-          <a:p>
-            <a:pPr lvl="1"/>
-            <a:r>
-              <a:rPr lang="en-US" dirty="0"/>
-              <a:t>Null pointer access</a:t>
-            </a:r>
-          </a:p>
-          <a:p>
-            <a:pPr lvl="1"/>
-            <a:r>
-              <a:rPr lang="en-US" dirty="0"/>
-              <a:t>File not found checks</a:t>
-            </a:r>
-          </a:p>
-        </p:txBody>
-      </p:sp>
-      <p:sp>
-        <p:nvSpPr>
-          <p:cNvPr id="3" name="Title 2">
-            <a:extLst>
-              <a:ext uri="{FF2B5EF4-FFF2-40B4-BE49-F238E27FC236}">
-                <a16:creationId xmlns:a16="http://schemas.microsoft.com/office/drawing/2014/main" id="{26A958CC-2E4A-01B0-AB8A-394A44BB0883}"/>
-              </a:ext>
-            </a:extLst>
-          </p:cNvPr>
-          <p:cNvSpPr>
-            <a:spLocks noGrp="1"/>
-          </p:cNvSpPr>
-          <p:nvPr>
-            <p:ph type="title"/>
-          </p:nvPr>
-        </p:nvSpPr>
-        <p:spPr>
-          <a:xfrm>
-            <a:off x="0" y="0"/>
-            <a:ext cx="12192000" cy="696277"/>
-          </a:xfrm>
-        </p:spPr>
-        <p:txBody>
-          <a:bodyPr/>
-          <a:lstStyle/>
-          <a:p>
-            <a:r>
-              <a:rPr lang="en-US" dirty="0"/>
-              <a:t>Why does it matter?</a:t>
-            </a:r>
-          </a:p>
-        </p:txBody>
-      </p:sp>
-      <p:sp>
-        <p:nvSpPr>
-          <p:cNvPr id="7" name="Subtitle 6">
-            <a:extLst>
-              <a:ext uri="{FF2B5EF4-FFF2-40B4-BE49-F238E27FC236}">
-                <a16:creationId xmlns:a16="http://schemas.microsoft.com/office/drawing/2014/main" id="{CFC3CD92-C4CB-A2AB-A816-DB7945696901}"/>
-              </a:ext>
-            </a:extLst>
-          </p:cNvPr>
-          <p:cNvSpPr>
-            <a:spLocks noGrp="1"/>
-          </p:cNvSpPr>
-          <p:nvPr>
-            <p:ph type="subTitle" idx="13"/>
-          </p:nvPr>
-        </p:nvSpPr>
-        <p:spPr/>
-        <p:txBody>
-          <a:bodyPr/>
-          <a:lstStyle/>
-          <a:p>
-            <a:endParaRPr lang="en-US"/>
-          </a:p>
-        </p:txBody>
-      </p:sp>
-    </p:spTree>
-    <p:extLst>
-      <p:ext uri="{BB962C8B-B14F-4D97-AF65-F5344CB8AC3E}">
-        <p14:creationId xmlns:p14="http://schemas.microsoft.com/office/powerpoint/2010/main" val="329066650"/>
-      </p:ext>
-    </p:extLst>
-  </p:cSld>
-  <p:clrMapOvr>
-    <a:masterClrMapping/>
-  </p:clrMapOvr>
-</p:sld>
-</file>
-
 <file path=ppt/slides/slide55.xml><?xml version="1.0" encoding="utf-8"?>
 <p:sld xmlns:a="http://schemas.openxmlformats.org/drawingml/2006/main" xmlns:r="http://schemas.openxmlformats.org/officeDocument/2006/relationships" xmlns:p="http://schemas.openxmlformats.org/presentationml/2006/main">
   <p:cSld>
@@ -32400,6 +34359,184 @@
           <p:cNvPr id="2" name="Content Placeholder 1">
             <a:extLst>
               <a:ext uri="{FF2B5EF4-FFF2-40B4-BE49-F238E27FC236}">
+                <a16:creationId xmlns:a16="http://schemas.microsoft.com/office/drawing/2014/main" id="{70E053F4-0A97-2C61-DA87-58704AD6E633}"/>
+              </a:ext>
+            </a:extLst>
+          </p:cNvPr>
+          <p:cNvSpPr>
+            <a:spLocks noGrp="1"/>
+          </p:cNvSpPr>
+          <p:nvPr>
+            <p:ph idx="1"/>
+          </p:nvPr>
+        </p:nvSpPr>
+        <p:spPr>
+          <a:xfrm>
+            <a:off x="360607" y="785004"/>
+            <a:ext cx="11449319" cy="5046453"/>
+          </a:xfrm>
+        </p:spPr>
+        <p:txBody>
+          <a:bodyPr>
+            <a:normAutofit lnSpcReduction="10000"/>
+          </a:bodyPr>
+          <a:lstStyle/>
+          <a:p>
+            <a:r>
+              <a:rPr lang="en-US" dirty="0"/>
+              <a:t>Some checks happen at compile time</a:t>
+            </a:r>
+          </a:p>
+          <a:p>
+            <a:pPr lvl="1"/>
+            <a:r>
+              <a:rPr lang="en-US" dirty="0"/>
+              <a:t>Syntax checking</a:t>
+            </a:r>
+          </a:p>
+          <a:p>
+            <a:pPr lvl="1"/>
+            <a:r>
+              <a:rPr lang="en-US" dirty="0"/>
+              <a:t>Type-checking, generic type checking </a:t>
+            </a:r>
+          </a:p>
+          <a:p>
+            <a:pPr lvl="1"/>
+            <a:r>
+              <a:rPr lang="en-US" dirty="0"/>
+              <a:t>… and so on</a:t>
+            </a:r>
+          </a:p>
+          <a:p>
+            <a:r>
+              <a:rPr lang="en-US" dirty="0"/>
+              <a:t>Other checks happen at run time</a:t>
+            </a:r>
+          </a:p>
+          <a:p>
+            <a:pPr lvl="1"/>
+            <a:r>
+              <a:rPr lang="en-US" dirty="0"/>
+              <a:t>Runtime polymorphism</a:t>
+            </a:r>
+          </a:p>
+          <a:p>
+            <a:pPr lvl="1"/>
+            <a:r>
+              <a:rPr lang="en-US" dirty="0"/>
+              <a:t>Array index out of bounds access</a:t>
+            </a:r>
+          </a:p>
+          <a:p>
+            <a:pPr lvl="1"/>
+            <a:r>
+              <a:rPr lang="en-US" dirty="0"/>
+              <a:t>Null pointer access</a:t>
+            </a:r>
+          </a:p>
+          <a:p>
+            <a:pPr lvl="1"/>
+            <a:r>
+              <a:rPr lang="en-US" dirty="0"/>
+              <a:t>File not found checks</a:t>
+            </a:r>
+          </a:p>
+        </p:txBody>
+      </p:sp>
+      <p:sp>
+        <p:nvSpPr>
+          <p:cNvPr id="3" name="Title 2">
+            <a:extLst>
+              <a:ext uri="{FF2B5EF4-FFF2-40B4-BE49-F238E27FC236}">
+                <a16:creationId xmlns:a16="http://schemas.microsoft.com/office/drawing/2014/main" id="{26A958CC-2E4A-01B0-AB8A-394A44BB0883}"/>
+              </a:ext>
+            </a:extLst>
+          </p:cNvPr>
+          <p:cNvSpPr>
+            <a:spLocks noGrp="1"/>
+          </p:cNvSpPr>
+          <p:nvPr>
+            <p:ph type="title"/>
+          </p:nvPr>
+        </p:nvSpPr>
+        <p:spPr>
+          <a:xfrm>
+            <a:off x="0" y="0"/>
+            <a:ext cx="12192000" cy="696277"/>
+          </a:xfrm>
+        </p:spPr>
+        <p:txBody>
+          <a:bodyPr/>
+          <a:lstStyle/>
+          <a:p>
+            <a:r>
+              <a:rPr lang="en-US" dirty="0"/>
+              <a:t>Why does it matter?</a:t>
+            </a:r>
+          </a:p>
+        </p:txBody>
+      </p:sp>
+      <p:sp>
+        <p:nvSpPr>
+          <p:cNvPr id="7" name="Subtitle 6">
+            <a:extLst>
+              <a:ext uri="{FF2B5EF4-FFF2-40B4-BE49-F238E27FC236}">
+                <a16:creationId xmlns:a16="http://schemas.microsoft.com/office/drawing/2014/main" id="{CFC3CD92-C4CB-A2AB-A816-DB7945696901}"/>
+              </a:ext>
+            </a:extLst>
+          </p:cNvPr>
+          <p:cNvSpPr>
+            <a:spLocks noGrp="1"/>
+          </p:cNvSpPr>
+          <p:nvPr>
+            <p:ph type="subTitle" idx="13"/>
+          </p:nvPr>
+        </p:nvSpPr>
+        <p:spPr/>
+        <p:txBody>
+          <a:bodyPr/>
+          <a:lstStyle/>
+          <a:p>
+            <a:endParaRPr lang="en-US"/>
+          </a:p>
+        </p:txBody>
+      </p:sp>
+    </p:spTree>
+    <p:extLst>
+      <p:ext uri="{BB962C8B-B14F-4D97-AF65-F5344CB8AC3E}">
+        <p14:creationId xmlns:p14="http://schemas.microsoft.com/office/powerpoint/2010/main" val="329066650"/>
+      </p:ext>
+    </p:extLst>
+  </p:cSld>
+  <p:clrMapOvr>
+    <a:masterClrMapping/>
+  </p:clrMapOvr>
+</p:sld>
+</file>
+
+<file path=ppt/slides/slide56.xml><?xml version="1.0" encoding="utf-8"?>
+<p:sld xmlns:a="http://schemas.openxmlformats.org/drawingml/2006/main" xmlns:r="http://schemas.openxmlformats.org/officeDocument/2006/relationships" xmlns:p="http://schemas.openxmlformats.org/presentationml/2006/main">
+  <p:cSld>
+    <p:spTree>
+      <p:nvGrpSpPr>
+        <p:cNvPr id="1" name=""/>
+        <p:cNvGrpSpPr/>
+        <p:nvPr/>
+      </p:nvGrpSpPr>
+      <p:grpSpPr>
+        <a:xfrm>
+          <a:off x="0" y="0"/>
+          <a:ext cx="0" cy="0"/>
+          <a:chOff x="0" y="0"/>
+          <a:chExt cx="0" cy="0"/>
+        </a:xfrm>
+      </p:grpSpPr>
+      <p:sp>
+        <p:nvSpPr>
+          <p:cNvPr id="2" name="Content Placeholder 1">
+            <a:extLst>
+              <a:ext uri="{FF2B5EF4-FFF2-40B4-BE49-F238E27FC236}">
                 <a16:creationId xmlns:a16="http://schemas.microsoft.com/office/drawing/2014/main" id="{A4380504-F2B0-3BC8-121B-E745A513446E}"/>
               </a:ext>
             </a:extLst>
@@ -32489,7 +34626,7 @@
 </p:sld>
 </file>
 
-<file path=ppt/slides/slide56.xml><?xml version="1.0" encoding="utf-8"?>
+<file path=ppt/slides/slide57.xml><?xml version="1.0" encoding="utf-8"?>
 <p:sld xmlns:a="http://schemas.openxmlformats.org/drawingml/2006/main" xmlns:r="http://schemas.openxmlformats.org/officeDocument/2006/relationships" xmlns:p="http://schemas.openxmlformats.org/presentationml/2006/main" show="0">
   <p:cSld>
     <p:spTree>
@@ -33355,7 +35492,7 @@
 </p:sld>
 </file>
 
-<file path=ppt/slides/slide57.xml><?xml version="1.0" encoding="utf-8"?>
+<file path=ppt/slides/slide58.xml><?xml version="1.0" encoding="utf-8"?>
 <p:sld xmlns:a="http://schemas.openxmlformats.org/drawingml/2006/main" xmlns:r="http://schemas.openxmlformats.org/officeDocument/2006/relationships" xmlns:p="http://schemas.openxmlformats.org/presentationml/2006/main" show="0">
   <p:cSld>
     <p:spTree>

--- a/slides/2_oo_background.pptx
+++ b/slides/2_oo_background.pptx
@@ -23683,6 +23683,24 @@
             </a:r>
           </a:p>
           <a:p>
+            <a:pPr lvl="1"/>
+            <a:r>
+              <a:rPr lang="en-US" dirty="0"/>
+              <a:t>Up </a:t>
+            </a:r>
+            <a:r>
+              <a:rPr lang="en-US"/>
+              <a:t>to Oct 10</a:t>
+            </a:r>
+            <a:endParaRPr lang="en-US" dirty="0"/>
+          </a:p>
+          <a:p>
+            <a:r>
+              <a:rPr lang="en-US" dirty="0"/>
+              <a:t>Will add more “hints”</a:t>
+            </a:r>
+          </a:p>
+          <a:p>
             <a:endParaRPr lang="en-US" dirty="0"/>
           </a:p>
         </p:txBody>

--- a/slides/2_oo_background.pptx
+++ b/slides/2_oo_background.pptx
@@ -5,10 +5,10 @@
     <p:sldMasterId id="2147483704" r:id="rId1"/>
   </p:sldMasterIdLst>
   <p:notesMasterIdLst>
-    <p:notesMasterId r:id="rId60"/>
+    <p:notesMasterId r:id="rId54"/>
   </p:notesMasterIdLst>
   <p:handoutMasterIdLst>
-    <p:handoutMasterId r:id="rId61"/>
+    <p:handoutMasterId r:id="rId55"/>
   </p:handoutMasterIdLst>
   <p:sldIdLst>
     <p:sldId id="256" r:id="rId2"/>
@@ -60,15 +60,9 @@
     <p:sldId id="365" r:id="rId48"/>
     <p:sldId id="348" r:id="rId49"/>
     <p:sldId id="349" r:id="rId50"/>
-    <p:sldId id="344" r:id="rId51"/>
-    <p:sldId id="316" r:id="rId52"/>
-    <p:sldId id="317" r:id="rId53"/>
-    <p:sldId id="318" r:id="rId54"/>
-    <p:sldId id="321" r:id="rId55"/>
-    <p:sldId id="320" r:id="rId56"/>
-    <p:sldId id="350" r:id="rId57"/>
-    <p:sldId id="287" r:id="rId58"/>
-    <p:sldId id="260" r:id="rId59"/>
+    <p:sldId id="350" r:id="rId51"/>
+    <p:sldId id="287" r:id="rId52"/>
+    <p:sldId id="260" r:id="rId53"/>
   </p:sldIdLst>
   <p:sldSz cx="12192000" cy="6858000"/>
   <p:notesSz cx="6858000" cy="9144000"/>
@@ -318,7 +312,7 @@
           <a:p>
             <a:fld id="{E1249EDF-C441-401E-BE19-3A9BC3A020D4}" type="datetimeFigureOut">
               <a:rPr lang="en-US" smtClean="0"/>
-              <a:t>9/29/2025</a:t>
+              <a:t>10/2/2025</a:t>
             </a:fld>
             <a:endParaRPr lang="en-US"/>
           </a:p>
@@ -496,7 +490,7 @@
           <a:p>
             <a:fld id="{EC53C71B-473E-4814-B444-77926C773EE5}" type="datetimeFigureOut">
               <a:rPr lang="en-US" smtClean="0"/>
-              <a:t>9/29/2025</a:t>
+              <a:t>10/2/2025</a:t>
             </a:fld>
             <a:endParaRPr lang="en-US"/>
           </a:p>
@@ -1080,7 +1074,7 @@
     </p:spTree>
     <p:extLst>
       <p:ext uri="{BB962C8B-B14F-4D97-AF65-F5344CB8AC3E}">
-        <p14:creationId xmlns:p14="http://schemas.microsoft.com/office/powerpoint/2010/main" val="3198060135"/>
+        <p14:creationId xmlns:p14="http://schemas.microsoft.com/office/powerpoint/2010/main" val="3178866938"/>
       </p:ext>
     </p:extLst>
   </p:cSld>
@@ -1091,67 +1085,6 @@
 </file>
 
 <file path=ppt/notesSlides/notesSlide14.xml><?xml version="1.0" encoding="utf-8"?>
-<p:notes xmlns:a="http://schemas.openxmlformats.org/drawingml/2006/main" xmlns:r="http://schemas.openxmlformats.org/officeDocument/2006/relationships" xmlns:p="http://schemas.openxmlformats.org/presentationml/2006/main">
-  <p:cSld>
-    <p:spTree>
-      <p:nvGrpSpPr>
-        <p:cNvPr id="1" name=""/>
-        <p:cNvGrpSpPr/>
-        <p:nvPr/>
-      </p:nvGrpSpPr>
-      <p:grpSpPr>
-        <a:xfrm>
-          <a:off x="0" y="0"/>
-          <a:ext cx="0" cy="0"/>
-          <a:chOff x="0" y="0"/>
-          <a:chExt cx="0" cy="0"/>
-        </a:xfrm>
-      </p:grpSpPr>
-      <p:sp>
-        <p:nvSpPr>
-          <p:cNvPr id="2" name="Slide Image Placeholder 1"/>
-          <p:cNvSpPr>
-            <a:spLocks noGrp="1" noRot="1" noChangeAspect="1"/>
-          </p:cNvSpPr>
-          <p:nvPr>
-            <p:ph type="sldImg"/>
-          </p:nvPr>
-        </p:nvSpPr>
-        <p:spPr/>
-      </p:sp>
-      <p:sp>
-        <p:nvSpPr>
-          <p:cNvPr id="3" name="Notes Placeholder 2"/>
-          <p:cNvSpPr>
-            <a:spLocks noGrp="1"/>
-          </p:cNvSpPr>
-          <p:nvPr>
-            <p:ph type="body" idx="1"/>
-          </p:nvPr>
-        </p:nvSpPr>
-        <p:spPr/>
-        <p:txBody>
-          <a:bodyPr/>
-          <a:lstStyle/>
-          <a:p>
-            <a:endParaRPr lang="en-US" dirty="0"/>
-          </a:p>
-        </p:txBody>
-      </p:sp>
-    </p:spTree>
-    <p:extLst>
-      <p:ext uri="{BB962C8B-B14F-4D97-AF65-F5344CB8AC3E}">
-        <p14:creationId xmlns:p14="http://schemas.microsoft.com/office/powerpoint/2010/main" val="3178866938"/>
-      </p:ext>
-    </p:extLst>
-  </p:cSld>
-  <p:clrMapOvr>
-    <a:masterClrMapping/>
-  </p:clrMapOvr>
-</p:notes>
-</file>
-
-<file path=ppt/notesSlides/notesSlide15.xml><?xml version="1.0" encoding="utf-8"?>
 <p:notes xmlns:a="http://schemas.openxmlformats.org/drawingml/2006/main" xmlns:r="http://schemas.openxmlformats.org/officeDocument/2006/relationships" xmlns:p="http://schemas.openxmlformats.org/presentationml/2006/main">
   <p:cSld>
     <p:spTree>
@@ -1924,7 +1857,7 @@
               <a:pPr>
                 <a:defRPr/>
               </a:pPr>
-              <a:t>Monday, September 29, 2025</a:t>
+              <a:t>Thursday, October 2, 2025</a:t>
             </a:fld>
             <a:endParaRPr lang="en-US" dirty="0"/>
           </a:p>
@@ -2138,7 +2071,7 @@
               <a:pPr>
                 <a:defRPr/>
               </a:pPr>
-              <a:t>Monday, September 29, 2025</a:t>
+              <a:t>Thursday, October 2, 2025</a:t>
             </a:fld>
             <a:endParaRPr lang="en-US" dirty="0"/>
           </a:p>
@@ -2553,7 +2486,7 @@
               <a:pPr>
                 <a:defRPr/>
               </a:pPr>
-              <a:t>Monday, September 29, 2025</a:t>
+              <a:t>Thursday, October 2, 2025</a:t>
             </a:fld>
             <a:endParaRPr lang="en-US" dirty="0"/>
           </a:p>
@@ -2913,7 +2846,7 @@
               <a:pPr>
                 <a:defRPr/>
               </a:pPr>
-              <a:t>Monday, September 29, 2025</a:t>
+              <a:t>Thursday, October 2, 2025</a:t>
             </a:fld>
             <a:endParaRPr lang="en-US" dirty="0"/>
           </a:p>
@@ -3191,7 +3124,7 @@
               <a:pPr>
                 <a:defRPr/>
               </a:pPr>
-              <a:t>Monday, September 29, 2025</a:t>
+              <a:t>Thursday, October 2, 2025</a:t>
             </a:fld>
             <a:endParaRPr lang="en-US" dirty="0"/>
           </a:p>
@@ -3475,7 +3408,7 @@
               <a:pPr>
                 <a:defRPr/>
               </a:pPr>
-              <a:t>Monday, September 29, 2025</a:t>
+              <a:t>Thursday, October 2, 2025</a:t>
             </a:fld>
             <a:endParaRPr lang="en-US" dirty="0"/>
           </a:p>
@@ -4300,7 +4233,7 @@
               <a:pPr>
                 <a:defRPr/>
               </a:pPr>
-              <a:t>Monday, September 29, 2025</a:t>
+              <a:t>Thursday, October 2, 2025</a:t>
             </a:fld>
             <a:endParaRPr lang="en-US" dirty="0"/>
           </a:p>
@@ -30774,3787 +30707,6 @@
           <p:cNvPr id="2" name="Content Placeholder 1">
             <a:extLst>
               <a:ext uri="{FF2B5EF4-FFF2-40B4-BE49-F238E27FC236}">
-                <a16:creationId xmlns:a16="http://schemas.microsoft.com/office/drawing/2014/main" id="{F0D6E068-1CFD-47EF-8434-639B545EE760}"/>
-              </a:ext>
-            </a:extLst>
-          </p:cNvPr>
-          <p:cNvSpPr>
-            <a:spLocks noGrp="1"/>
-          </p:cNvSpPr>
-          <p:nvPr>
-            <p:ph idx="1"/>
-          </p:nvPr>
-        </p:nvSpPr>
-        <p:spPr/>
-        <p:txBody>
-          <a:bodyPr/>
-          <a:lstStyle/>
-          <a:p>
-            <a:endParaRPr lang="en-US"/>
-          </a:p>
-        </p:txBody>
-      </p:sp>
-      <p:sp>
-        <p:nvSpPr>
-          <p:cNvPr id="3" name="Text Placeholder 2">
-            <a:extLst>
-              <a:ext uri="{FF2B5EF4-FFF2-40B4-BE49-F238E27FC236}">
-                <a16:creationId xmlns:a16="http://schemas.microsoft.com/office/drawing/2014/main" id="{69E95D3C-635F-BCD3-B7FD-9B9DA3EDC45C}"/>
-              </a:ext>
-            </a:extLst>
-          </p:cNvPr>
-          <p:cNvSpPr>
-            <a:spLocks noGrp="1"/>
-          </p:cNvSpPr>
-          <p:nvPr>
-            <p:ph type="body" sz="quarter" idx="13"/>
-          </p:nvPr>
-        </p:nvSpPr>
-        <p:spPr/>
-        <p:txBody>
-          <a:bodyPr/>
-          <a:lstStyle/>
-          <a:p>
-            <a:r>
-              <a:rPr lang="en-US" dirty="0"/>
-              <a:t>Compilation process</a:t>
-            </a:r>
-          </a:p>
-        </p:txBody>
-      </p:sp>
-    </p:spTree>
-    <p:extLst>
-      <p:ext uri="{BB962C8B-B14F-4D97-AF65-F5344CB8AC3E}">
-        <p14:creationId xmlns:p14="http://schemas.microsoft.com/office/powerpoint/2010/main" val="940504248"/>
-      </p:ext>
-    </p:extLst>
-  </p:cSld>
-  <p:clrMapOvr>
-    <a:masterClrMapping/>
-  </p:clrMapOvr>
-</p:sld>
-</file>
-
-<file path=ppt/slides/slide51.xml><?xml version="1.0" encoding="utf-8"?>
-<p:sld xmlns:a="http://schemas.openxmlformats.org/drawingml/2006/main" xmlns:r="http://schemas.openxmlformats.org/officeDocument/2006/relationships" xmlns:p="http://schemas.openxmlformats.org/presentationml/2006/main">
-  <p:cSld>
-    <p:spTree>
-      <p:nvGrpSpPr>
-        <p:cNvPr id="1" name="">
-          <a:extLst>
-            <a:ext uri="{FF2B5EF4-FFF2-40B4-BE49-F238E27FC236}">
-              <a16:creationId xmlns:a16="http://schemas.microsoft.com/office/drawing/2014/main" id="{40C267A2-C613-B4AF-6BFB-BBD2436E8ADF}"/>
-            </a:ext>
-          </a:extLst>
-        </p:cNvPr>
-        <p:cNvGrpSpPr/>
-        <p:nvPr/>
-      </p:nvGrpSpPr>
-      <p:grpSpPr>
-        <a:xfrm>
-          <a:off x="0" y="0"/>
-          <a:ext cx="0" cy="0"/>
-          <a:chOff x="0" y="0"/>
-          <a:chExt cx="0" cy="0"/>
-        </a:xfrm>
-      </p:grpSpPr>
-      <p:sp>
-        <p:nvSpPr>
-          <p:cNvPr id="2" name="Content Placeholder 1">
-            <a:extLst>
-              <a:ext uri="{FF2B5EF4-FFF2-40B4-BE49-F238E27FC236}">
-                <a16:creationId xmlns:a16="http://schemas.microsoft.com/office/drawing/2014/main" id="{687D3B1B-77DC-8093-D917-2B181B026D9A}"/>
-              </a:ext>
-            </a:extLst>
-          </p:cNvPr>
-          <p:cNvSpPr>
-            <a:spLocks noGrp="1"/>
-          </p:cNvSpPr>
-          <p:nvPr>
-            <p:ph idx="1"/>
-          </p:nvPr>
-        </p:nvSpPr>
-        <p:spPr>
-          <a:xfrm>
-            <a:off x="360607" y="785004"/>
-            <a:ext cx="11449319" cy="5046453"/>
-          </a:xfrm>
-        </p:spPr>
-        <p:txBody>
-          <a:bodyPr/>
-          <a:lstStyle/>
-          <a:p>
-            <a:r>
-              <a:rPr lang="en-US" dirty="0"/>
-              <a:t>Object code is a representation of the source code at a lower level</a:t>
-            </a:r>
-          </a:p>
-          <a:p>
-            <a:r>
-              <a:rPr lang="en-US" dirty="0"/>
-              <a:t>C compiler translates it to machine code</a:t>
-            </a:r>
-          </a:p>
-          <a:p>
-            <a:pPr lvl="1"/>
-            <a:r>
-              <a:rPr lang="en-US" dirty="0"/>
-              <a:t>Directly runnable on the hardware (hardware specific) [Demo: X86, ARM]</a:t>
-            </a:r>
-          </a:p>
-          <a:p>
-            <a:endParaRPr lang="en-US" dirty="0"/>
-          </a:p>
-        </p:txBody>
-      </p:sp>
-      <p:sp>
-        <p:nvSpPr>
-          <p:cNvPr id="3" name="Title 2">
-            <a:extLst>
-              <a:ext uri="{FF2B5EF4-FFF2-40B4-BE49-F238E27FC236}">
-                <a16:creationId xmlns:a16="http://schemas.microsoft.com/office/drawing/2014/main" id="{D0945D14-0E80-DA70-5BB2-567FAF769A57}"/>
-              </a:ext>
-            </a:extLst>
-          </p:cNvPr>
-          <p:cNvSpPr>
-            <a:spLocks noGrp="1"/>
-          </p:cNvSpPr>
-          <p:nvPr>
-            <p:ph type="title"/>
-          </p:nvPr>
-        </p:nvSpPr>
-        <p:spPr>
-          <a:xfrm>
-            <a:off x="0" y="0"/>
-            <a:ext cx="12192000" cy="696277"/>
-          </a:xfrm>
-        </p:spPr>
-        <p:txBody>
-          <a:bodyPr/>
-          <a:lstStyle/>
-          <a:p>
-            <a:r>
-              <a:rPr lang="en-US" dirty="0"/>
-              <a:t>What is object code?</a:t>
-            </a:r>
-          </a:p>
-        </p:txBody>
-      </p:sp>
-      <p:sp>
-        <p:nvSpPr>
-          <p:cNvPr id="9" name="Subtitle 8">
-            <a:extLst>
-              <a:ext uri="{FF2B5EF4-FFF2-40B4-BE49-F238E27FC236}">
-                <a16:creationId xmlns:a16="http://schemas.microsoft.com/office/drawing/2014/main" id="{B59F9FF2-3E19-F9D3-E7A8-857D3B8066A8}"/>
-              </a:ext>
-            </a:extLst>
-          </p:cNvPr>
-          <p:cNvSpPr>
-            <a:spLocks noGrp="1"/>
-          </p:cNvSpPr>
-          <p:nvPr>
-            <p:ph type="subTitle" idx="13"/>
-          </p:nvPr>
-        </p:nvSpPr>
-        <p:spPr/>
-        <p:txBody>
-          <a:bodyPr/>
-          <a:lstStyle/>
-          <a:p>
-            <a:endParaRPr lang="en-US"/>
-          </a:p>
-        </p:txBody>
-      </p:sp>
-      <p:pic>
-        <p:nvPicPr>
-          <p:cNvPr id="1026" name="Picture 2" descr="Download C File ICON free | FreePNGimg">
-            <a:extLst>
-              <a:ext uri="{FF2B5EF4-FFF2-40B4-BE49-F238E27FC236}">
-                <a16:creationId xmlns:a16="http://schemas.microsoft.com/office/drawing/2014/main" id="{2DFE2098-A418-0BF8-DF9F-2D8122C36FBE}"/>
-              </a:ext>
-            </a:extLst>
-          </p:cNvPr>
-          <p:cNvPicPr>
-            <a:picLocks noChangeAspect="1" noChangeArrowheads="1"/>
-          </p:cNvPicPr>
-          <p:nvPr/>
-        </p:nvPicPr>
-        <p:blipFill>
-          <a:blip r:embed="rId2">
-            <a:extLst>
-              <a:ext uri="{28A0092B-C50C-407E-A947-70E740481C1C}">
-                <a14:useLocalDpi xmlns:a14="http://schemas.microsoft.com/office/drawing/2010/main" val="0"/>
-              </a:ext>
-            </a:extLst>
-          </a:blip>
-          <a:srcRect/>
-          <a:stretch>
-            <a:fillRect/>
-          </a:stretch>
-        </p:blipFill>
-        <p:spPr bwMode="auto">
-          <a:xfrm>
-            <a:off x="2009774" y="3464166"/>
-            <a:ext cx="1729685" cy="1832831"/>
-          </a:xfrm>
-          <a:prstGeom prst="rect">
-            <a:avLst/>
-          </a:prstGeom>
-          <a:noFill/>
-          <a:extLst>
-            <a:ext uri="{909E8E84-426E-40DD-AFC4-6F175D3DCCD1}">
-              <a14:hiddenFill xmlns:a14="http://schemas.microsoft.com/office/drawing/2010/main">
-                <a:solidFill>
-                  <a:srgbClr val="FFFFFF"/>
-                </a:solidFill>
-              </a14:hiddenFill>
-            </a:ext>
-          </a:extLst>
-        </p:spPr>
-      </p:pic>
-      <p:pic>
-        <p:nvPicPr>
-          <p:cNvPr id="1028" name="Picture 4" descr="Intro to x86 Assembly with FASM – Coding">
-            <a:extLst>
-              <a:ext uri="{FF2B5EF4-FFF2-40B4-BE49-F238E27FC236}">
-                <a16:creationId xmlns:a16="http://schemas.microsoft.com/office/drawing/2014/main" id="{4C88DD94-073B-6636-DC66-888919B7561E}"/>
-              </a:ext>
-            </a:extLst>
-          </p:cNvPr>
-          <p:cNvPicPr>
-            <a:picLocks noChangeAspect="1" noChangeArrowheads="1"/>
-          </p:cNvPicPr>
-          <p:nvPr/>
-        </p:nvPicPr>
-        <p:blipFill>
-          <a:blip r:embed="rId3">
-            <a:extLst>
-              <a:ext uri="{28A0092B-C50C-407E-A947-70E740481C1C}">
-                <a14:useLocalDpi xmlns:a14="http://schemas.microsoft.com/office/drawing/2010/main" val="0"/>
-              </a:ext>
-            </a:extLst>
-          </a:blip>
-          <a:srcRect/>
-          <a:stretch>
-            <a:fillRect/>
-          </a:stretch>
-        </p:blipFill>
-        <p:spPr bwMode="auto">
-          <a:xfrm>
-            <a:off x="7800908" y="3032734"/>
-            <a:ext cx="3178364" cy="2672312"/>
-          </a:xfrm>
-          <a:prstGeom prst="rect">
-            <a:avLst/>
-          </a:prstGeom>
-          <a:noFill/>
-          <a:extLst>
-            <a:ext uri="{909E8E84-426E-40DD-AFC4-6F175D3DCCD1}">
-              <a14:hiddenFill xmlns:a14="http://schemas.microsoft.com/office/drawing/2010/main">
-                <a:solidFill>
-                  <a:srgbClr val="FFFFFF"/>
-                </a:solidFill>
-              </a14:hiddenFill>
-            </a:ext>
-          </a:extLst>
-        </p:spPr>
-      </p:pic>
-      <p:pic>
-        <p:nvPicPr>
-          <p:cNvPr id="1030" name="Picture 6" descr="What is GNU Compiler Collection (GCC) | Incredibuild">
-            <a:extLst>
-              <a:ext uri="{FF2B5EF4-FFF2-40B4-BE49-F238E27FC236}">
-                <a16:creationId xmlns:a16="http://schemas.microsoft.com/office/drawing/2014/main" id="{0F2C18E3-8A40-196E-9828-C4CB1E0DB89D}"/>
-              </a:ext>
-            </a:extLst>
-          </p:cNvPr>
-          <p:cNvPicPr>
-            <a:picLocks noChangeAspect="1" noChangeArrowheads="1"/>
-          </p:cNvPicPr>
-          <p:nvPr/>
-        </p:nvPicPr>
-        <p:blipFill>
-          <a:blip r:embed="rId4">
-            <a:extLst>
-              <a:ext uri="{28A0092B-C50C-407E-A947-70E740481C1C}">
-                <a14:useLocalDpi xmlns:a14="http://schemas.microsoft.com/office/drawing/2010/main" val="0"/>
-              </a:ext>
-            </a:extLst>
-          </a:blip>
-          <a:srcRect/>
-          <a:stretch>
-            <a:fillRect/>
-          </a:stretch>
-        </p:blipFill>
-        <p:spPr bwMode="auto">
-          <a:xfrm>
-            <a:off x="4277907" y="2853408"/>
-            <a:ext cx="2867025" cy="2857500"/>
-          </a:xfrm>
-          <a:prstGeom prst="rect">
-            <a:avLst/>
-          </a:prstGeom>
-          <a:noFill/>
-          <a:extLst>
-            <a:ext uri="{909E8E84-426E-40DD-AFC4-6F175D3DCCD1}">
-              <a14:hiddenFill xmlns:a14="http://schemas.microsoft.com/office/drawing/2010/main">
-                <a:solidFill>
-                  <a:srgbClr val="FFFFFF"/>
-                </a:solidFill>
-              </a14:hiddenFill>
-            </a:ext>
-          </a:extLst>
-        </p:spPr>
-      </p:pic>
-      <p:cxnSp>
-        <p:nvCxnSpPr>
-          <p:cNvPr id="6" name="Straight Arrow Connector 5">
-            <a:extLst>
-              <a:ext uri="{FF2B5EF4-FFF2-40B4-BE49-F238E27FC236}">
-                <a16:creationId xmlns:a16="http://schemas.microsoft.com/office/drawing/2014/main" id="{E02C081C-5BE4-2629-1C65-3883FF947E2D}"/>
-              </a:ext>
-            </a:extLst>
-          </p:cNvPr>
-          <p:cNvCxnSpPr>
-            <a:stCxn id="1026" idx="3"/>
-          </p:cNvCxnSpPr>
-          <p:nvPr/>
-        </p:nvCxnSpPr>
-        <p:spPr>
-          <a:xfrm flipV="1">
-            <a:off x="3739459" y="4380581"/>
-            <a:ext cx="1031833" cy="1"/>
-          </a:xfrm>
-          <a:prstGeom prst="straightConnector1">
-            <a:avLst/>
-          </a:prstGeom>
-          <a:ln w="41275">
-            <a:tailEnd type="triangle"/>
-          </a:ln>
-        </p:spPr>
-        <p:style>
-          <a:lnRef idx="1">
-            <a:schemeClr val="dk1"/>
-          </a:lnRef>
-          <a:fillRef idx="0">
-            <a:schemeClr val="dk1"/>
-          </a:fillRef>
-          <a:effectRef idx="0">
-            <a:schemeClr val="dk1"/>
-          </a:effectRef>
-          <a:fontRef idx="minor">
-            <a:schemeClr val="tx1"/>
-          </a:fontRef>
-        </p:style>
-      </p:cxnSp>
-      <p:cxnSp>
-        <p:nvCxnSpPr>
-          <p:cNvPr id="7" name="Straight Arrow Connector 6">
-            <a:extLst>
-              <a:ext uri="{FF2B5EF4-FFF2-40B4-BE49-F238E27FC236}">
-                <a16:creationId xmlns:a16="http://schemas.microsoft.com/office/drawing/2014/main" id="{B007ACD4-9F8E-DA01-168A-C68C14014C9D}"/>
-              </a:ext>
-            </a:extLst>
-          </p:cNvPr>
-          <p:cNvCxnSpPr>
-            <a:cxnSpLocks/>
-            <a:endCxn id="1028" idx="1"/>
-          </p:cNvCxnSpPr>
-          <p:nvPr/>
-        </p:nvCxnSpPr>
-        <p:spPr>
-          <a:xfrm>
-            <a:off x="6500977" y="4368890"/>
-            <a:ext cx="1299931" cy="0"/>
-          </a:xfrm>
-          <a:prstGeom prst="straightConnector1">
-            <a:avLst/>
-          </a:prstGeom>
-          <a:ln w="41275">
-            <a:tailEnd type="triangle"/>
-          </a:ln>
-        </p:spPr>
-        <p:style>
-          <a:lnRef idx="1">
-            <a:schemeClr val="dk1"/>
-          </a:lnRef>
-          <a:fillRef idx="0">
-            <a:schemeClr val="dk1"/>
-          </a:fillRef>
-          <a:effectRef idx="0">
-            <a:schemeClr val="dk1"/>
-          </a:effectRef>
-          <a:fontRef idx="minor">
-            <a:schemeClr val="tx1"/>
-          </a:fontRef>
-        </p:style>
-      </p:cxnSp>
-    </p:spTree>
-    <p:extLst>
-      <p:ext uri="{BB962C8B-B14F-4D97-AF65-F5344CB8AC3E}">
-        <p14:creationId xmlns:p14="http://schemas.microsoft.com/office/powerpoint/2010/main" val="4223229606"/>
-      </p:ext>
-    </p:extLst>
-  </p:cSld>
-  <p:clrMapOvr>
-    <a:masterClrMapping/>
-  </p:clrMapOvr>
-  <p:timing>
-    <p:tnLst>
-      <p:par>
-        <p:cTn id="1" dur="indefinite" restart="never" nodeType="tmRoot">
-          <p:childTnLst>
-            <p:seq concurrent="1" nextAc="seek">
-              <p:cTn id="2" dur="indefinite" nodeType="mainSeq">
-                <p:childTnLst>
-                  <p:par>
-                    <p:cTn id="3" fill="hold">
-                      <p:stCondLst>
-                        <p:cond delay="indefinite"/>
-                      </p:stCondLst>
-                      <p:childTnLst>
-                        <p:par>
-                          <p:cTn id="4" fill="hold">
-                            <p:stCondLst>
-                              <p:cond delay="0"/>
-                            </p:stCondLst>
-                            <p:childTnLst>
-                              <p:par>
-                                <p:cTn id="5" presetID="1" presetClass="entr" presetSubtype="0" fill="hold" nodeType="clickEffect">
-                                  <p:stCondLst>
-                                    <p:cond delay="0"/>
-                                  </p:stCondLst>
-                                  <p:childTnLst>
-                                    <p:set>
-                                      <p:cBhvr>
-                                        <p:cTn id="6" dur="1" fill="hold">
-                                          <p:stCondLst>
-                                            <p:cond delay="0"/>
-                                          </p:stCondLst>
-                                        </p:cTn>
-                                        <p:tgtEl>
-                                          <p:spTgt spid="2">
-                                            <p:txEl>
-                                              <p:pRg st="0" end="0"/>
-                                            </p:txEl>
-                                          </p:spTgt>
-                                        </p:tgtEl>
-                                        <p:attrNameLst>
-                                          <p:attrName>style.visibility</p:attrName>
-                                        </p:attrNameLst>
-                                      </p:cBhvr>
-                                      <p:to>
-                                        <p:strVal val="visible"/>
-                                      </p:to>
-                                    </p:set>
-                                  </p:childTnLst>
-                                </p:cTn>
-                              </p:par>
-                            </p:childTnLst>
-                          </p:cTn>
-                        </p:par>
-                      </p:childTnLst>
-                    </p:cTn>
-                  </p:par>
-                  <p:par>
-                    <p:cTn id="7" fill="hold">
-                      <p:stCondLst>
-                        <p:cond delay="indefinite"/>
-                      </p:stCondLst>
-                      <p:childTnLst>
-                        <p:par>
-                          <p:cTn id="8" fill="hold">
-                            <p:stCondLst>
-                              <p:cond delay="0"/>
-                            </p:stCondLst>
-                            <p:childTnLst>
-                              <p:par>
-                                <p:cTn id="9" presetID="1" presetClass="entr" presetSubtype="0" fill="hold" nodeType="clickEffect">
-                                  <p:stCondLst>
-                                    <p:cond delay="0"/>
-                                  </p:stCondLst>
-                                  <p:childTnLst>
-                                    <p:set>
-                                      <p:cBhvr>
-                                        <p:cTn id="10" dur="1" fill="hold">
-                                          <p:stCondLst>
-                                            <p:cond delay="0"/>
-                                          </p:stCondLst>
-                                        </p:cTn>
-                                        <p:tgtEl>
-                                          <p:spTgt spid="2">
-                                            <p:txEl>
-                                              <p:pRg st="1" end="1"/>
-                                            </p:txEl>
-                                          </p:spTgt>
-                                        </p:tgtEl>
-                                        <p:attrNameLst>
-                                          <p:attrName>style.visibility</p:attrName>
-                                        </p:attrNameLst>
-                                      </p:cBhvr>
-                                      <p:to>
-                                        <p:strVal val="visible"/>
-                                      </p:to>
-                                    </p:set>
-                                  </p:childTnLst>
-                                </p:cTn>
-                              </p:par>
-                            </p:childTnLst>
-                          </p:cTn>
-                        </p:par>
-                      </p:childTnLst>
-                    </p:cTn>
-                  </p:par>
-                  <p:par>
-                    <p:cTn id="11" fill="hold">
-                      <p:stCondLst>
-                        <p:cond delay="indefinite"/>
-                      </p:stCondLst>
-                      <p:childTnLst>
-                        <p:par>
-                          <p:cTn id="12" fill="hold">
-                            <p:stCondLst>
-                              <p:cond delay="0"/>
-                            </p:stCondLst>
-                            <p:childTnLst>
-                              <p:par>
-                                <p:cTn id="13" presetID="1" presetClass="entr" presetSubtype="0" fill="hold" nodeType="clickEffect">
-                                  <p:stCondLst>
-                                    <p:cond delay="0"/>
-                                  </p:stCondLst>
-                                  <p:childTnLst>
-                                    <p:set>
-                                      <p:cBhvr>
-                                        <p:cTn id="14" dur="1" fill="hold">
-                                          <p:stCondLst>
-                                            <p:cond delay="0"/>
-                                          </p:stCondLst>
-                                        </p:cTn>
-                                        <p:tgtEl>
-                                          <p:spTgt spid="2">
-                                            <p:txEl>
-                                              <p:pRg st="2" end="2"/>
-                                            </p:txEl>
-                                          </p:spTgt>
-                                        </p:tgtEl>
-                                        <p:attrNameLst>
-                                          <p:attrName>style.visibility</p:attrName>
-                                        </p:attrNameLst>
-                                      </p:cBhvr>
-                                      <p:to>
-                                        <p:strVal val="visible"/>
-                                      </p:to>
-                                    </p:set>
-                                  </p:childTnLst>
-                                </p:cTn>
-                              </p:par>
-                            </p:childTnLst>
-                          </p:cTn>
-                        </p:par>
-                      </p:childTnLst>
-                    </p:cTn>
-                  </p:par>
-                  <p:par>
-                    <p:cTn id="15" fill="hold">
-                      <p:stCondLst>
-                        <p:cond delay="indefinite"/>
-                      </p:stCondLst>
-                      <p:childTnLst>
-                        <p:par>
-                          <p:cTn id="16" fill="hold">
-                            <p:stCondLst>
-                              <p:cond delay="0"/>
-                            </p:stCondLst>
-                            <p:childTnLst>
-                              <p:par>
-                                <p:cTn id="17" presetID="1" presetClass="entr" presetSubtype="0" fill="hold" nodeType="clickEffect">
-                                  <p:stCondLst>
-                                    <p:cond delay="0"/>
-                                  </p:stCondLst>
-                                  <p:childTnLst>
-                                    <p:set>
-                                      <p:cBhvr>
-                                        <p:cTn id="18" dur="1" fill="hold">
-                                          <p:stCondLst>
-                                            <p:cond delay="0"/>
-                                          </p:stCondLst>
-                                        </p:cTn>
-                                        <p:tgtEl>
-                                          <p:spTgt spid="1026"/>
-                                        </p:tgtEl>
-                                        <p:attrNameLst>
-                                          <p:attrName>style.visibility</p:attrName>
-                                        </p:attrNameLst>
-                                      </p:cBhvr>
-                                      <p:to>
-                                        <p:strVal val="visible"/>
-                                      </p:to>
-                                    </p:set>
-                                  </p:childTnLst>
-                                </p:cTn>
-                              </p:par>
-                            </p:childTnLst>
-                          </p:cTn>
-                        </p:par>
-                      </p:childTnLst>
-                    </p:cTn>
-                  </p:par>
-                  <p:par>
-                    <p:cTn id="19" fill="hold">
-                      <p:stCondLst>
-                        <p:cond delay="indefinite"/>
-                      </p:stCondLst>
-                      <p:childTnLst>
-                        <p:par>
-                          <p:cTn id="20" fill="hold">
-                            <p:stCondLst>
-                              <p:cond delay="0"/>
-                            </p:stCondLst>
-                            <p:childTnLst>
-                              <p:par>
-                                <p:cTn id="21" presetID="1" presetClass="entr" presetSubtype="0" fill="hold" nodeType="clickEffect">
-                                  <p:stCondLst>
-                                    <p:cond delay="0"/>
-                                  </p:stCondLst>
-                                  <p:childTnLst>
-                                    <p:set>
-                                      <p:cBhvr>
-                                        <p:cTn id="22" dur="1" fill="hold">
-                                          <p:stCondLst>
-                                            <p:cond delay="0"/>
-                                          </p:stCondLst>
-                                        </p:cTn>
-                                        <p:tgtEl>
-                                          <p:spTgt spid="6"/>
-                                        </p:tgtEl>
-                                        <p:attrNameLst>
-                                          <p:attrName>style.visibility</p:attrName>
-                                        </p:attrNameLst>
-                                      </p:cBhvr>
-                                      <p:to>
-                                        <p:strVal val="visible"/>
-                                      </p:to>
-                                    </p:set>
-                                  </p:childTnLst>
-                                </p:cTn>
-                              </p:par>
-                              <p:par>
-                                <p:cTn id="23" presetID="1" presetClass="entr" presetSubtype="0" fill="hold" nodeType="withEffect">
-                                  <p:stCondLst>
-                                    <p:cond delay="0"/>
-                                  </p:stCondLst>
-                                  <p:childTnLst>
-                                    <p:set>
-                                      <p:cBhvr>
-                                        <p:cTn id="24" dur="1" fill="hold">
-                                          <p:stCondLst>
-                                            <p:cond delay="0"/>
-                                          </p:stCondLst>
-                                        </p:cTn>
-                                        <p:tgtEl>
-                                          <p:spTgt spid="1030"/>
-                                        </p:tgtEl>
-                                        <p:attrNameLst>
-                                          <p:attrName>style.visibility</p:attrName>
-                                        </p:attrNameLst>
-                                      </p:cBhvr>
-                                      <p:to>
-                                        <p:strVal val="visible"/>
-                                      </p:to>
-                                    </p:set>
-                                  </p:childTnLst>
-                                </p:cTn>
-                              </p:par>
-                              <p:par>
-                                <p:cTn id="25" presetID="1" presetClass="entr" presetSubtype="0" fill="hold" nodeType="withEffect">
-                                  <p:stCondLst>
-                                    <p:cond delay="0"/>
-                                  </p:stCondLst>
-                                  <p:childTnLst>
-                                    <p:set>
-                                      <p:cBhvr>
-                                        <p:cTn id="26" dur="1" fill="hold">
-                                          <p:stCondLst>
-                                            <p:cond delay="0"/>
-                                          </p:stCondLst>
-                                        </p:cTn>
-                                        <p:tgtEl>
-                                          <p:spTgt spid="7"/>
-                                        </p:tgtEl>
-                                        <p:attrNameLst>
-                                          <p:attrName>style.visibility</p:attrName>
-                                        </p:attrNameLst>
-                                      </p:cBhvr>
-                                      <p:to>
-                                        <p:strVal val="visible"/>
-                                      </p:to>
-                                    </p:set>
-                                  </p:childTnLst>
-                                </p:cTn>
-                              </p:par>
-                              <p:par>
-                                <p:cTn id="27" presetID="1" presetClass="entr" presetSubtype="0" fill="hold" nodeType="withEffect">
-                                  <p:stCondLst>
-                                    <p:cond delay="0"/>
-                                  </p:stCondLst>
-                                  <p:childTnLst>
-                                    <p:set>
-                                      <p:cBhvr>
-                                        <p:cTn id="28" dur="1" fill="hold">
-                                          <p:stCondLst>
-                                            <p:cond delay="0"/>
-                                          </p:stCondLst>
-                                        </p:cTn>
-                                        <p:tgtEl>
-                                          <p:spTgt spid="1028"/>
-                                        </p:tgtEl>
-                                        <p:attrNameLst>
-                                          <p:attrName>style.visibility</p:attrName>
-                                        </p:attrNameLst>
-                                      </p:cBhvr>
-                                      <p:to>
-                                        <p:strVal val="visible"/>
-                                      </p:to>
-                                    </p:set>
-                                  </p:childTnLst>
-                                </p:cTn>
-                              </p:par>
-                            </p:childTnLst>
-                          </p:cTn>
-                        </p:par>
-                      </p:childTnLst>
-                    </p:cTn>
-                  </p:par>
-                </p:childTnLst>
-              </p:cTn>
-              <p:prevCondLst>
-                <p:cond evt="onPrev" delay="0">
-                  <p:tgtEl>
-                    <p:sldTgt/>
-                  </p:tgtEl>
-                </p:cond>
-              </p:prevCondLst>
-              <p:nextCondLst>
-                <p:cond evt="onNext" delay="0">
-                  <p:tgtEl>
-                    <p:sldTgt/>
-                  </p:tgtEl>
-                </p:cond>
-              </p:nextCondLst>
-            </p:seq>
-          </p:childTnLst>
-        </p:cTn>
-      </p:par>
-    </p:tnLst>
-  </p:timing>
-</p:sld>
-</file>
-
-<file path=ppt/slides/slide52.xml><?xml version="1.0" encoding="utf-8"?>
-<p:sld xmlns:a="http://schemas.openxmlformats.org/drawingml/2006/main" xmlns:r="http://schemas.openxmlformats.org/officeDocument/2006/relationships" xmlns:p="http://schemas.openxmlformats.org/presentationml/2006/main">
-  <p:cSld>
-    <p:spTree>
-      <p:nvGrpSpPr>
-        <p:cNvPr id="1" name="">
-          <a:extLst>
-            <a:ext uri="{FF2B5EF4-FFF2-40B4-BE49-F238E27FC236}">
-              <a16:creationId xmlns:a16="http://schemas.microsoft.com/office/drawing/2014/main" id="{FB6944C9-5540-F04A-B985-30D603215506}"/>
-            </a:ext>
-          </a:extLst>
-        </p:cNvPr>
-        <p:cNvGrpSpPr/>
-        <p:nvPr/>
-      </p:nvGrpSpPr>
-      <p:grpSpPr>
-        <a:xfrm>
-          <a:off x="0" y="0"/>
-          <a:ext cx="0" cy="0"/>
-          <a:chOff x="0" y="0"/>
-          <a:chExt cx="0" cy="0"/>
-        </a:xfrm>
-      </p:grpSpPr>
-      <p:sp>
-        <p:nvSpPr>
-          <p:cNvPr id="2" name="Content Placeholder 1">
-            <a:extLst>
-              <a:ext uri="{FF2B5EF4-FFF2-40B4-BE49-F238E27FC236}">
-                <a16:creationId xmlns:a16="http://schemas.microsoft.com/office/drawing/2014/main" id="{9A1028C5-EFAB-A296-F739-45205AED1B63}"/>
-              </a:ext>
-            </a:extLst>
-          </p:cNvPr>
-          <p:cNvSpPr>
-            <a:spLocks noGrp="1"/>
-          </p:cNvSpPr>
-          <p:nvPr>
-            <p:ph idx="1"/>
-          </p:nvPr>
-        </p:nvSpPr>
-        <p:spPr>
-          <a:xfrm>
-            <a:off x="360607" y="785004"/>
-            <a:ext cx="11449319" cy="5046453"/>
-          </a:xfrm>
-        </p:spPr>
-        <p:txBody>
-          <a:bodyPr/>
-          <a:lstStyle/>
-          <a:p>
-            <a:r>
-              <a:rPr lang="en-US" dirty="0"/>
-              <a:t>Object code is a representation of the source code at a lower level</a:t>
-            </a:r>
-          </a:p>
-          <a:p>
-            <a:r>
-              <a:rPr lang="en-US" dirty="0"/>
-              <a:t>Java compiler translates it to an “Intermediate Representation (bytecode)” [Demo]</a:t>
-            </a:r>
-          </a:p>
-          <a:p>
-            <a:pPr lvl="1"/>
-            <a:endParaRPr lang="en-US" dirty="0"/>
-          </a:p>
-          <a:p>
-            <a:endParaRPr lang="en-US" dirty="0"/>
-          </a:p>
-        </p:txBody>
-      </p:sp>
-      <p:sp>
-        <p:nvSpPr>
-          <p:cNvPr id="3" name="Title 2">
-            <a:extLst>
-              <a:ext uri="{FF2B5EF4-FFF2-40B4-BE49-F238E27FC236}">
-                <a16:creationId xmlns:a16="http://schemas.microsoft.com/office/drawing/2014/main" id="{6FA1D853-D4A0-D121-0B02-8CE3EEFEEF0C}"/>
-              </a:ext>
-            </a:extLst>
-          </p:cNvPr>
-          <p:cNvSpPr>
-            <a:spLocks noGrp="1"/>
-          </p:cNvSpPr>
-          <p:nvPr>
-            <p:ph type="title"/>
-          </p:nvPr>
-        </p:nvSpPr>
-        <p:spPr>
-          <a:xfrm>
-            <a:off x="0" y="0"/>
-            <a:ext cx="12192000" cy="696277"/>
-          </a:xfrm>
-        </p:spPr>
-        <p:txBody>
-          <a:bodyPr/>
-          <a:lstStyle/>
-          <a:p>
-            <a:r>
-              <a:rPr lang="en-US" dirty="0"/>
-              <a:t>What is object code?</a:t>
-            </a:r>
-          </a:p>
-        </p:txBody>
-      </p:sp>
-      <p:sp>
-        <p:nvSpPr>
-          <p:cNvPr id="8" name="Subtitle 7">
-            <a:extLst>
-              <a:ext uri="{FF2B5EF4-FFF2-40B4-BE49-F238E27FC236}">
-                <a16:creationId xmlns:a16="http://schemas.microsoft.com/office/drawing/2014/main" id="{27AD1D7F-2CA0-7470-480A-A98D9BB788F5}"/>
-              </a:ext>
-            </a:extLst>
-          </p:cNvPr>
-          <p:cNvSpPr>
-            <a:spLocks noGrp="1"/>
-          </p:cNvSpPr>
-          <p:nvPr>
-            <p:ph type="subTitle" idx="13"/>
-          </p:nvPr>
-        </p:nvSpPr>
-        <p:spPr/>
-        <p:txBody>
-          <a:bodyPr/>
-          <a:lstStyle/>
-          <a:p>
-            <a:endParaRPr lang="en-US"/>
-          </a:p>
-        </p:txBody>
-      </p:sp>
-      <p:pic>
-        <p:nvPicPr>
-          <p:cNvPr id="2050" name="Picture 2" descr="Java File Viewer - Apps on Google Play">
-            <a:extLst>
-              <a:ext uri="{FF2B5EF4-FFF2-40B4-BE49-F238E27FC236}">
-                <a16:creationId xmlns:a16="http://schemas.microsoft.com/office/drawing/2014/main" id="{E7520AF0-357E-5242-05DB-126C75B730EB}"/>
-              </a:ext>
-            </a:extLst>
-          </p:cNvPr>
-          <p:cNvPicPr>
-            <a:picLocks noChangeAspect="1" noChangeArrowheads="1"/>
-          </p:cNvPicPr>
-          <p:nvPr/>
-        </p:nvPicPr>
-        <p:blipFill>
-          <a:blip r:embed="rId2" cstate="print">
-            <a:extLst>
-              <a:ext uri="{28A0092B-C50C-407E-A947-70E740481C1C}">
-                <a14:useLocalDpi xmlns:a14="http://schemas.microsoft.com/office/drawing/2010/main" val="0"/>
-              </a:ext>
-            </a:extLst>
-          </a:blip>
-          <a:srcRect/>
-          <a:stretch>
-            <a:fillRect/>
-          </a:stretch>
-        </p:blipFill>
-        <p:spPr bwMode="auto">
-          <a:xfrm>
-            <a:off x="1828801" y="2952295"/>
-            <a:ext cx="2051538" cy="2051538"/>
-          </a:xfrm>
-          <a:prstGeom prst="rect">
-            <a:avLst/>
-          </a:prstGeom>
-          <a:noFill/>
-          <a:extLst>
-            <a:ext uri="{909E8E84-426E-40DD-AFC4-6F175D3DCCD1}">
-              <a14:hiddenFill xmlns:a14="http://schemas.microsoft.com/office/drawing/2010/main">
-                <a:solidFill>
-                  <a:srgbClr val="FFFFFF"/>
-                </a:solidFill>
-              </a14:hiddenFill>
-            </a:ext>
-          </a:extLst>
-        </p:spPr>
-      </p:pic>
-      <p:sp>
-        <p:nvSpPr>
-          <p:cNvPr id="5" name="Rectangle 4">
-            <a:extLst>
-              <a:ext uri="{FF2B5EF4-FFF2-40B4-BE49-F238E27FC236}">
-                <a16:creationId xmlns:a16="http://schemas.microsoft.com/office/drawing/2014/main" id="{D54C22E7-EFB6-0B99-5A06-F0702FDFFA39}"/>
-              </a:ext>
-            </a:extLst>
-          </p:cNvPr>
-          <p:cNvSpPr/>
-          <p:nvPr/>
-        </p:nvSpPr>
-        <p:spPr>
-          <a:xfrm>
-            <a:off x="5109558" y="3516399"/>
-            <a:ext cx="1597745" cy="923330"/>
-          </a:xfrm>
-          <a:prstGeom prst="rect">
-            <a:avLst/>
-          </a:prstGeom>
-          <a:noFill/>
-        </p:spPr>
-        <p:txBody>
-          <a:bodyPr wrap="none" lIns="91440" tIns="45720" rIns="91440" bIns="45720">
-            <a:spAutoFit/>
-          </a:bodyPr>
-          <a:lstStyle/>
-          <a:p>
-            <a:pPr algn="ctr"/>
-            <a:r>
-              <a:rPr lang="en-US" sz="5400" b="0" cap="none" spc="0" dirty="0" err="1">
-                <a:ln w="0"/>
-                <a:solidFill>
-                  <a:schemeClr val="tx1"/>
-                </a:solidFill>
-                <a:effectLst>
-                  <a:outerShdw blurRad="38100" dist="19050" dir="2700000" algn="tl" rotWithShape="0">
-                    <a:schemeClr val="dk1">
-                      <a:alpha val="40000"/>
-                    </a:schemeClr>
-                  </a:outerShdw>
-                </a:effectLst>
-              </a:rPr>
-              <a:t>javac</a:t>
-            </a:r>
-            <a:endParaRPr lang="en-US" sz="5400" b="0" cap="none" spc="0" dirty="0">
-              <a:ln w="0"/>
-              <a:solidFill>
-                <a:schemeClr val="tx1"/>
-              </a:solidFill>
-              <a:effectLst>
-                <a:outerShdw blurRad="38100" dist="19050" dir="2700000" algn="tl" rotWithShape="0">
-                  <a:schemeClr val="dk1">
-                    <a:alpha val="40000"/>
-                  </a:schemeClr>
-                </a:outerShdw>
-              </a:effectLst>
-            </a:endParaRPr>
-          </a:p>
-        </p:txBody>
-      </p:sp>
-      <p:cxnSp>
-        <p:nvCxnSpPr>
-          <p:cNvPr id="9" name="Straight Arrow Connector 8">
-            <a:extLst>
-              <a:ext uri="{FF2B5EF4-FFF2-40B4-BE49-F238E27FC236}">
-                <a16:creationId xmlns:a16="http://schemas.microsoft.com/office/drawing/2014/main" id="{89B4D50C-6C08-133D-8D28-FBC1BA58868D}"/>
-              </a:ext>
-            </a:extLst>
-          </p:cNvPr>
-          <p:cNvCxnSpPr>
-            <a:stCxn id="2050" idx="3"/>
-            <a:endCxn id="5" idx="1"/>
-          </p:cNvCxnSpPr>
-          <p:nvPr/>
-        </p:nvCxnSpPr>
-        <p:spPr>
-          <a:xfrm>
-            <a:off x="3880339" y="3978064"/>
-            <a:ext cx="1229219" cy="0"/>
-          </a:xfrm>
-          <a:prstGeom prst="straightConnector1">
-            <a:avLst/>
-          </a:prstGeom>
-          <a:ln w="34925">
-            <a:tailEnd type="triangle"/>
-          </a:ln>
-        </p:spPr>
-        <p:style>
-          <a:lnRef idx="1">
-            <a:schemeClr val="dk1"/>
-          </a:lnRef>
-          <a:fillRef idx="0">
-            <a:schemeClr val="dk1"/>
-          </a:fillRef>
-          <a:effectRef idx="0">
-            <a:schemeClr val="dk1"/>
-          </a:effectRef>
-          <a:fontRef idx="minor">
-            <a:schemeClr val="tx1"/>
-          </a:fontRef>
-        </p:style>
-      </p:cxnSp>
-      <p:sp>
-        <p:nvSpPr>
-          <p:cNvPr id="11" name="TextBox 10">
-            <a:extLst>
-              <a:ext uri="{FF2B5EF4-FFF2-40B4-BE49-F238E27FC236}">
-                <a16:creationId xmlns:a16="http://schemas.microsoft.com/office/drawing/2014/main" id="{33D844EC-7954-E84D-1F5A-AEF5493D412B}"/>
-              </a:ext>
-            </a:extLst>
-          </p:cNvPr>
-          <p:cNvSpPr txBox="1"/>
-          <p:nvPr/>
-        </p:nvSpPr>
-        <p:spPr>
-          <a:xfrm>
-            <a:off x="7688635" y="1992905"/>
-            <a:ext cx="4021016" cy="3970318"/>
-          </a:xfrm>
-          <a:prstGeom prst="rect">
-            <a:avLst/>
-          </a:prstGeom>
-          <a:noFill/>
-        </p:spPr>
-        <p:txBody>
-          <a:bodyPr wrap="square" rtlCol="0">
-            <a:spAutoFit/>
-          </a:bodyPr>
-          <a:lstStyle/>
-          <a:p>
-            <a:r>
-              <a:rPr lang="en-US" sz="1400" dirty="0"/>
-              <a:t>Compiled from "MyApp.java"</a:t>
-            </a:r>
-          </a:p>
-          <a:p>
-            <a:r>
-              <a:rPr lang="en-US" sz="1400" dirty="0"/>
-              <a:t>public class </a:t>
-            </a:r>
-            <a:r>
-              <a:rPr lang="en-US" sz="1400" dirty="0" err="1"/>
-              <a:t>MyApp</a:t>
-            </a:r>
-            <a:r>
-              <a:rPr lang="en-US" sz="1400" dirty="0"/>
-              <a:t> {</a:t>
-            </a:r>
-          </a:p>
-          <a:p>
-            <a:r>
-              <a:rPr lang="en-US" sz="1400" dirty="0"/>
-              <a:t>  public </a:t>
-            </a:r>
-            <a:r>
-              <a:rPr lang="en-US" sz="1400" dirty="0" err="1"/>
-              <a:t>MyApp</a:t>
-            </a:r>
-            <a:r>
-              <a:rPr lang="en-US" sz="1400" dirty="0"/>
-              <a:t>();</a:t>
-            </a:r>
-          </a:p>
-          <a:p>
-            <a:r>
-              <a:rPr lang="en-US" sz="1400" dirty="0"/>
-              <a:t>    Code:</a:t>
-            </a:r>
-          </a:p>
-          <a:p>
-            <a:r>
-              <a:rPr lang="en-US" sz="1400" dirty="0"/>
-              <a:t>       0: aload_0</a:t>
-            </a:r>
-          </a:p>
-          <a:p>
-            <a:r>
-              <a:rPr lang="en-US" sz="1400" dirty="0"/>
-              <a:t>       1: </a:t>
-            </a:r>
-            <a:r>
-              <a:rPr lang="en-US" sz="1400" dirty="0" err="1"/>
-              <a:t>invokespecial</a:t>
-            </a:r>
-            <a:r>
-              <a:rPr lang="en-US" sz="1400" dirty="0"/>
-              <a:t> #1                  // Method java/lang/Object."&lt;</a:t>
-            </a:r>
-            <a:r>
-              <a:rPr lang="en-US" sz="1400" dirty="0" err="1"/>
-              <a:t>init</a:t>
-            </a:r>
-            <a:r>
-              <a:rPr lang="en-US" sz="1400" dirty="0"/>
-              <a:t>&gt;":()V</a:t>
-            </a:r>
-          </a:p>
-          <a:p>
-            <a:r>
-              <a:rPr lang="en-US" sz="1400" dirty="0"/>
-              <a:t>       4: return</a:t>
-            </a:r>
-          </a:p>
-          <a:p>
-            <a:endParaRPr lang="en-US" sz="1400" dirty="0"/>
-          </a:p>
-          <a:p>
-            <a:r>
-              <a:rPr lang="en-US" sz="1400" dirty="0"/>
-              <a:t>  public static void main(</a:t>
-            </a:r>
-            <a:r>
-              <a:rPr lang="en-US" sz="1400" dirty="0" err="1"/>
-              <a:t>java.lang.String</a:t>
-            </a:r>
-            <a:r>
-              <a:rPr lang="en-US" sz="1400" dirty="0"/>
-              <a:t>[]);</a:t>
-            </a:r>
-          </a:p>
-          <a:p>
-            <a:r>
-              <a:rPr lang="en-US" sz="1400" dirty="0"/>
-              <a:t>    Code:</a:t>
-            </a:r>
-          </a:p>
-          <a:p>
-            <a:r>
-              <a:rPr lang="en-US" sz="1400" dirty="0"/>
-              <a:t>       0: </a:t>
-            </a:r>
-            <a:r>
-              <a:rPr lang="en-US" sz="1400" dirty="0" err="1"/>
-              <a:t>getstatic</a:t>
-            </a:r>
-            <a:r>
-              <a:rPr lang="en-US" sz="1400" dirty="0"/>
-              <a:t>     #7                  // Field java/lang/</a:t>
-            </a:r>
-            <a:r>
-              <a:rPr lang="en-US" sz="1400" dirty="0" err="1"/>
-              <a:t>System.out:Ljava</a:t>
-            </a:r>
-            <a:r>
-              <a:rPr lang="en-US" sz="1400" dirty="0"/>
-              <a:t>/io/</a:t>
-            </a:r>
-            <a:r>
-              <a:rPr lang="en-US" sz="1400" dirty="0" err="1"/>
-              <a:t>PrintStream</a:t>
-            </a:r>
-            <a:r>
-              <a:rPr lang="en-US" sz="1400" dirty="0"/>
-              <a:t>;</a:t>
-            </a:r>
-          </a:p>
-          <a:p>
-            <a:r>
-              <a:rPr lang="en-US" sz="1400" dirty="0"/>
-              <a:t>       3: </a:t>
-            </a:r>
-            <a:r>
-              <a:rPr lang="en-US" sz="1400" dirty="0" err="1"/>
-              <a:t>ldc</a:t>
-            </a:r>
-            <a:r>
-              <a:rPr lang="en-US" sz="1400" dirty="0"/>
-              <a:t>           #13                 // String Hello!</a:t>
-            </a:r>
-          </a:p>
-          <a:p>
-            <a:r>
-              <a:rPr lang="en-US" sz="1400" dirty="0"/>
-              <a:t>       5: </a:t>
-            </a:r>
-            <a:r>
-              <a:rPr lang="en-US" sz="1400" dirty="0" err="1"/>
-              <a:t>invokevirtual</a:t>
-            </a:r>
-            <a:r>
-              <a:rPr lang="en-US" sz="1400" dirty="0"/>
-              <a:t> #15                 // Method java/io/</a:t>
-            </a:r>
-            <a:r>
-              <a:rPr lang="en-US" sz="1400" dirty="0" err="1"/>
-              <a:t>PrintStream.println</a:t>
-            </a:r>
-            <a:r>
-              <a:rPr lang="en-US" sz="1400" dirty="0"/>
-              <a:t>:(</a:t>
-            </a:r>
-            <a:r>
-              <a:rPr lang="en-US" sz="1400" dirty="0" err="1"/>
-              <a:t>Ljava</a:t>
-            </a:r>
-            <a:r>
-              <a:rPr lang="en-US" sz="1400" dirty="0"/>
-              <a:t>/lang/String;)V</a:t>
-            </a:r>
-          </a:p>
-          <a:p>
-            <a:r>
-              <a:rPr lang="en-US" sz="1400" dirty="0"/>
-              <a:t>       8: return</a:t>
-            </a:r>
-          </a:p>
-          <a:p>
-            <a:r>
-              <a:rPr lang="en-US" sz="1400" dirty="0"/>
-              <a:t>}</a:t>
-            </a:r>
-          </a:p>
-        </p:txBody>
-      </p:sp>
-      <p:cxnSp>
-        <p:nvCxnSpPr>
-          <p:cNvPr id="12" name="Straight Arrow Connector 11">
-            <a:extLst>
-              <a:ext uri="{FF2B5EF4-FFF2-40B4-BE49-F238E27FC236}">
-                <a16:creationId xmlns:a16="http://schemas.microsoft.com/office/drawing/2014/main" id="{E8268287-BB6D-A7E6-EB7F-76386B765281}"/>
-              </a:ext>
-            </a:extLst>
-          </p:cNvPr>
-          <p:cNvCxnSpPr>
-            <a:cxnSpLocks/>
-            <a:stCxn id="5" idx="3"/>
-            <a:endCxn id="11" idx="1"/>
-          </p:cNvCxnSpPr>
-          <p:nvPr/>
-        </p:nvCxnSpPr>
-        <p:spPr>
-          <a:xfrm>
-            <a:off x="6707303" y="3978064"/>
-            <a:ext cx="981332" cy="0"/>
-          </a:xfrm>
-          <a:prstGeom prst="straightConnector1">
-            <a:avLst/>
-          </a:prstGeom>
-          <a:ln w="34925">
-            <a:tailEnd type="triangle"/>
-          </a:ln>
-        </p:spPr>
-        <p:style>
-          <a:lnRef idx="1">
-            <a:schemeClr val="dk1"/>
-          </a:lnRef>
-          <a:fillRef idx="0">
-            <a:schemeClr val="dk1"/>
-          </a:fillRef>
-          <a:effectRef idx="0">
-            <a:schemeClr val="dk1"/>
-          </a:effectRef>
-          <a:fontRef idx="minor">
-            <a:schemeClr val="tx1"/>
-          </a:fontRef>
-        </p:style>
-      </p:cxnSp>
-      <p:sp>
-        <p:nvSpPr>
-          <p:cNvPr id="18" name="TextBox 17">
-            <a:extLst>
-              <a:ext uri="{FF2B5EF4-FFF2-40B4-BE49-F238E27FC236}">
-                <a16:creationId xmlns:a16="http://schemas.microsoft.com/office/drawing/2014/main" id="{D68BCAA9-A8F5-8F7C-81B3-3E5969C09DD3}"/>
-              </a:ext>
-            </a:extLst>
-          </p:cNvPr>
-          <p:cNvSpPr txBox="1"/>
-          <p:nvPr/>
-        </p:nvSpPr>
-        <p:spPr>
-          <a:xfrm>
-            <a:off x="6224954" y="5111262"/>
-            <a:ext cx="1394934" cy="369332"/>
-          </a:xfrm>
-          <a:prstGeom prst="rect">
-            <a:avLst/>
-          </a:prstGeom>
-          <a:noFill/>
-        </p:spPr>
-        <p:txBody>
-          <a:bodyPr wrap="none" rtlCol="0">
-            <a:spAutoFit/>
-          </a:bodyPr>
-          <a:lstStyle/>
-          <a:p>
-            <a:r>
-              <a:rPr lang="en-US" b="1" i="1" dirty="0" err="1"/>
-              <a:t>MyApp.class</a:t>
-            </a:r>
-            <a:endParaRPr lang="en-US" b="1" i="1" dirty="0"/>
-          </a:p>
-        </p:txBody>
-      </p:sp>
-      <p:sp>
-        <p:nvSpPr>
-          <p:cNvPr id="19" name="TextBox 18">
-            <a:extLst>
-              <a:ext uri="{FF2B5EF4-FFF2-40B4-BE49-F238E27FC236}">
-                <a16:creationId xmlns:a16="http://schemas.microsoft.com/office/drawing/2014/main" id="{C99DF073-E8DF-D9A6-D237-978A59246F4D}"/>
-              </a:ext>
-            </a:extLst>
-          </p:cNvPr>
-          <p:cNvSpPr txBox="1"/>
-          <p:nvPr/>
-        </p:nvSpPr>
-        <p:spPr>
-          <a:xfrm>
-            <a:off x="797169" y="5123876"/>
-            <a:ext cx="1974515" cy="523220"/>
-          </a:xfrm>
-          <a:prstGeom prst="rect">
-            <a:avLst/>
-          </a:prstGeom>
-          <a:noFill/>
-        </p:spPr>
-        <p:txBody>
-          <a:bodyPr wrap="none" rtlCol="0">
-            <a:spAutoFit/>
-          </a:bodyPr>
-          <a:lstStyle/>
-          <a:p>
-            <a:r>
-              <a:rPr lang="en-US" sz="2800" b="1" dirty="0"/>
-              <a:t>MyApp.java</a:t>
-            </a:r>
-          </a:p>
-        </p:txBody>
-      </p:sp>
-    </p:spTree>
-    <p:extLst>
-      <p:ext uri="{BB962C8B-B14F-4D97-AF65-F5344CB8AC3E}">
-        <p14:creationId xmlns:p14="http://schemas.microsoft.com/office/powerpoint/2010/main" val="123021635"/>
-      </p:ext>
-    </p:extLst>
-  </p:cSld>
-  <p:clrMapOvr>
-    <a:masterClrMapping/>
-  </p:clrMapOvr>
-  <p:timing>
-    <p:tnLst>
-      <p:par>
-        <p:cTn id="1" dur="indefinite" restart="never" nodeType="tmRoot">
-          <p:childTnLst>
-            <p:seq concurrent="1" nextAc="seek">
-              <p:cTn id="2" dur="indefinite" nodeType="mainSeq">
-                <p:childTnLst>
-                  <p:par>
-                    <p:cTn id="3" fill="hold">
-                      <p:stCondLst>
-                        <p:cond delay="indefinite"/>
-                      </p:stCondLst>
-                      <p:childTnLst>
-                        <p:par>
-                          <p:cTn id="4" fill="hold">
-                            <p:stCondLst>
-                              <p:cond delay="0"/>
-                            </p:stCondLst>
-                            <p:childTnLst>
-                              <p:par>
-                                <p:cTn id="5" presetID="1" presetClass="entr" presetSubtype="0" fill="hold" nodeType="clickEffect">
-                                  <p:stCondLst>
-                                    <p:cond delay="0"/>
-                                  </p:stCondLst>
-                                  <p:childTnLst>
-                                    <p:set>
-                                      <p:cBhvr>
-                                        <p:cTn id="6" dur="1" fill="hold">
-                                          <p:stCondLst>
-                                            <p:cond delay="0"/>
-                                          </p:stCondLst>
-                                        </p:cTn>
-                                        <p:tgtEl>
-                                          <p:spTgt spid="2050"/>
-                                        </p:tgtEl>
-                                        <p:attrNameLst>
-                                          <p:attrName>style.visibility</p:attrName>
-                                        </p:attrNameLst>
-                                      </p:cBhvr>
-                                      <p:to>
-                                        <p:strVal val="visible"/>
-                                      </p:to>
-                                    </p:set>
-                                  </p:childTnLst>
-                                </p:cTn>
-                              </p:par>
-                              <p:par>
-                                <p:cTn id="7" presetID="1" presetClass="entr" presetSubtype="0" fill="hold" grpId="0" nodeType="withEffect">
-                                  <p:stCondLst>
-                                    <p:cond delay="0"/>
-                                  </p:stCondLst>
-                                  <p:childTnLst>
-                                    <p:set>
-                                      <p:cBhvr>
-                                        <p:cTn id="8" dur="1" fill="hold">
-                                          <p:stCondLst>
-                                            <p:cond delay="0"/>
-                                          </p:stCondLst>
-                                        </p:cTn>
-                                        <p:tgtEl>
-                                          <p:spTgt spid="19"/>
-                                        </p:tgtEl>
-                                        <p:attrNameLst>
-                                          <p:attrName>style.visibility</p:attrName>
-                                        </p:attrNameLst>
-                                      </p:cBhvr>
-                                      <p:to>
-                                        <p:strVal val="visible"/>
-                                      </p:to>
-                                    </p:set>
-                                  </p:childTnLst>
-                                </p:cTn>
-                              </p:par>
-                            </p:childTnLst>
-                          </p:cTn>
-                        </p:par>
-                      </p:childTnLst>
-                    </p:cTn>
-                  </p:par>
-                  <p:par>
-                    <p:cTn id="9" fill="hold">
-                      <p:stCondLst>
-                        <p:cond delay="indefinite"/>
-                      </p:stCondLst>
-                      <p:childTnLst>
-                        <p:par>
-                          <p:cTn id="10" fill="hold">
-                            <p:stCondLst>
-                              <p:cond delay="0"/>
-                            </p:stCondLst>
-                            <p:childTnLst>
-                              <p:par>
-                                <p:cTn id="11" presetID="1" presetClass="entr" presetSubtype="0" fill="hold" nodeType="clickEffect">
-                                  <p:stCondLst>
-                                    <p:cond delay="0"/>
-                                  </p:stCondLst>
-                                  <p:childTnLst>
-                                    <p:set>
-                                      <p:cBhvr>
-                                        <p:cTn id="12" dur="1" fill="hold">
-                                          <p:stCondLst>
-                                            <p:cond delay="0"/>
-                                          </p:stCondLst>
-                                        </p:cTn>
-                                        <p:tgtEl>
-                                          <p:spTgt spid="9"/>
-                                        </p:tgtEl>
-                                        <p:attrNameLst>
-                                          <p:attrName>style.visibility</p:attrName>
-                                        </p:attrNameLst>
-                                      </p:cBhvr>
-                                      <p:to>
-                                        <p:strVal val="visible"/>
-                                      </p:to>
-                                    </p:set>
-                                  </p:childTnLst>
-                                </p:cTn>
-                              </p:par>
-                              <p:par>
-                                <p:cTn id="13" presetID="1" presetClass="entr" presetSubtype="0" fill="hold" grpId="0" nodeType="withEffect">
-                                  <p:stCondLst>
-                                    <p:cond delay="0"/>
-                                  </p:stCondLst>
-                                  <p:childTnLst>
-                                    <p:set>
-                                      <p:cBhvr>
-                                        <p:cTn id="14" dur="1" fill="hold">
-                                          <p:stCondLst>
-                                            <p:cond delay="0"/>
-                                          </p:stCondLst>
-                                        </p:cTn>
-                                        <p:tgtEl>
-                                          <p:spTgt spid="5"/>
-                                        </p:tgtEl>
-                                        <p:attrNameLst>
-                                          <p:attrName>style.visibility</p:attrName>
-                                        </p:attrNameLst>
-                                      </p:cBhvr>
-                                      <p:to>
-                                        <p:strVal val="visible"/>
-                                      </p:to>
-                                    </p:set>
-                                  </p:childTnLst>
-                                </p:cTn>
-                              </p:par>
-                              <p:par>
-                                <p:cTn id="15" presetID="1" presetClass="entr" presetSubtype="0" fill="hold" nodeType="withEffect">
-                                  <p:stCondLst>
-                                    <p:cond delay="0"/>
-                                  </p:stCondLst>
-                                  <p:childTnLst>
-                                    <p:set>
-                                      <p:cBhvr>
-                                        <p:cTn id="16" dur="1" fill="hold">
-                                          <p:stCondLst>
-                                            <p:cond delay="0"/>
-                                          </p:stCondLst>
-                                        </p:cTn>
-                                        <p:tgtEl>
-                                          <p:spTgt spid="12"/>
-                                        </p:tgtEl>
-                                        <p:attrNameLst>
-                                          <p:attrName>style.visibility</p:attrName>
-                                        </p:attrNameLst>
-                                      </p:cBhvr>
-                                      <p:to>
-                                        <p:strVal val="visible"/>
-                                      </p:to>
-                                    </p:set>
-                                  </p:childTnLst>
-                                </p:cTn>
-                              </p:par>
-                              <p:par>
-                                <p:cTn id="17" presetID="1" presetClass="entr" presetSubtype="0" fill="hold" grpId="0" nodeType="withEffect">
-                                  <p:stCondLst>
-                                    <p:cond delay="0"/>
-                                  </p:stCondLst>
-                                  <p:childTnLst>
-                                    <p:set>
-                                      <p:cBhvr>
-                                        <p:cTn id="18" dur="1" fill="hold">
-                                          <p:stCondLst>
-                                            <p:cond delay="0"/>
-                                          </p:stCondLst>
-                                        </p:cTn>
-                                        <p:tgtEl>
-                                          <p:spTgt spid="11"/>
-                                        </p:tgtEl>
-                                        <p:attrNameLst>
-                                          <p:attrName>style.visibility</p:attrName>
-                                        </p:attrNameLst>
-                                      </p:cBhvr>
-                                      <p:to>
-                                        <p:strVal val="visible"/>
-                                      </p:to>
-                                    </p:set>
-                                  </p:childTnLst>
-                                </p:cTn>
-                              </p:par>
-                              <p:par>
-                                <p:cTn id="19" presetID="1" presetClass="entr" presetSubtype="0" fill="hold" grpId="0" nodeType="withEffect">
-                                  <p:stCondLst>
-                                    <p:cond delay="0"/>
-                                  </p:stCondLst>
-                                  <p:childTnLst>
-                                    <p:set>
-                                      <p:cBhvr>
-                                        <p:cTn id="20" dur="1" fill="hold">
-                                          <p:stCondLst>
-                                            <p:cond delay="0"/>
-                                          </p:stCondLst>
-                                        </p:cTn>
-                                        <p:tgtEl>
-                                          <p:spTgt spid="18"/>
-                                        </p:tgtEl>
-                                        <p:attrNameLst>
-                                          <p:attrName>style.visibility</p:attrName>
-                                        </p:attrNameLst>
-                                      </p:cBhvr>
-                                      <p:to>
-                                        <p:strVal val="visible"/>
-                                      </p:to>
-                                    </p:set>
-                                  </p:childTnLst>
-                                </p:cTn>
-                              </p:par>
-                            </p:childTnLst>
-                          </p:cTn>
-                        </p:par>
-                      </p:childTnLst>
-                    </p:cTn>
-                  </p:par>
-                </p:childTnLst>
-              </p:cTn>
-              <p:prevCondLst>
-                <p:cond evt="onPrev" delay="0">
-                  <p:tgtEl>
-                    <p:sldTgt/>
-                  </p:tgtEl>
-                </p:cond>
-              </p:prevCondLst>
-              <p:nextCondLst>
-                <p:cond evt="onNext" delay="0">
-                  <p:tgtEl>
-                    <p:sldTgt/>
-                  </p:tgtEl>
-                </p:cond>
-              </p:nextCondLst>
-            </p:seq>
-          </p:childTnLst>
-        </p:cTn>
-      </p:par>
-    </p:tnLst>
-    <p:bldLst>
-      <p:bldP spid="5" grpId="0"/>
-      <p:bldP spid="11" grpId="0"/>
-      <p:bldP spid="18" grpId="0"/>
-      <p:bldP spid="19" grpId="0"/>
-    </p:bldLst>
-  </p:timing>
-</p:sld>
-</file>
-
-<file path=ppt/slides/slide53.xml><?xml version="1.0" encoding="utf-8"?>
-<p:sld xmlns:a="http://schemas.openxmlformats.org/drawingml/2006/main" xmlns:r="http://schemas.openxmlformats.org/officeDocument/2006/relationships" xmlns:p="http://schemas.openxmlformats.org/presentationml/2006/main">
-  <p:cSld>
-    <p:spTree>
-      <p:nvGrpSpPr>
-        <p:cNvPr id="1" name=""/>
-        <p:cNvGrpSpPr/>
-        <p:nvPr/>
-      </p:nvGrpSpPr>
-      <p:grpSpPr>
-        <a:xfrm>
-          <a:off x="0" y="0"/>
-          <a:ext cx="0" cy="0"/>
-          <a:chOff x="0" y="0"/>
-          <a:chExt cx="0" cy="0"/>
-        </a:xfrm>
-      </p:grpSpPr>
-      <p:sp>
-        <p:nvSpPr>
-          <p:cNvPr id="2" name="Content Placeholder 1">
-            <a:extLst>
-              <a:ext uri="{FF2B5EF4-FFF2-40B4-BE49-F238E27FC236}">
-                <a16:creationId xmlns:a16="http://schemas.microsoft.com/office/drawing/2014/main" id="{98CBE410-E5E3-4A3F-349D-8FDB1A0072DE}"/>
-              </a:ext>
-            </a:extLst>
-          </p:cNvPr>
-          <p:cNvSpPr>
-            <a:spLocks noGrp="1"/>
-          </p:cNvSpPr>
-          <p:nvPr>
-            <p:ph idx="1"/>
-          </p:nvPr>
-        </p:nvSpPr>
-        <p:spPr>
-          <a:xfrm>
-            <a:off x="360607" y="785004"/>
-            <a:ext cx="11449319" cy="5046453"/>
-          </a:xfrm>
-        </p:spPr>
-        <p:txBody>
-          <a:bodyPr/>
-          <a:lstStyle/>
-          <a:p>
-            <a:r>
-              <a:rPr lang="en-US" dirty="0"/>
-              <a:t>Hardware does not know how to run Java bytecode</a:t>
-            </a:r>
-          </a:p>
-          <a:p>
-            <a:r>
-              <a:rPr lang="en-US" dirty="0"/>
-              <a:t>Needs a Java Virtual Machine (JVM) to execute the bytecode instructions at runtime</a:t>
-            </a:r>
-          </a:p>
-        </p:txBody>
-      </p:sp>
-      <p:sp>
-        <p:nvSpPr>
-          <p:cNvPr id="3" name="Title 2">
-            <a:extLst>
-              <a:ext uri="{FF2B5EF4-FFF2-40B4-BE49-F238E27FC236}">
-                <a16:creationId xmlns:a16="http://schemas.microsoft.com/office/drawing/2014/main" id="{DB99CE01-2051-555A-0107-CE53AADC20DB}"/>
-              </a:ext>
-            </a:extLst>
-          </p:cNvPr>
-          <p:cNvSpPr>
-            <a:spLocks noGrp="1"/>
-          </p:cNvSpPr>
-          <p:nvPr>
-            <p:ph type="title"/>
-          </p:nvPr>
-        </p:nvSpPr>
-        <p:spPr>
-          <a:xfrm>
-            <a:off x="0" y="0"/>
-            <a:ext cx="12192000" cy="696277"/>
-          </a:xfrm>
-        </p:spPr>
-        <p:txBody>
-          <a:bodyPr/>
-          <a:lstStyle/>
-          <a:p>
-            <a:r>
-              <a:rPr lang="en-US" dirty="0"/>
-              <a:t>Java bytecode interpretation </a:t>
-            </a:r>
-          </a:p>
-        </p:txBody>
-      </p:sp>
-      <p:sp>
-        <p:nvSpPr>
-          <p:cNvPr id="9" name="Subtitle 8">
-            <a:extLst>
-              <a:ext uri="{FF2B5EF4-FFF2-40B4-BE49-F238E27FC236}">
-                <a16:creationId xmlns:a16="http://schemas.microsoft.com/office/drawing/2014/main" id="{B18C0081-D08F-58D5-0EE5-A4119A128194}"/>
-              </a:ext>
-            </a:extLst>
-          </p:cNvPr>
-          <p:cNvSpPr>
-            <a:spLocks noGrp="1"/>
-          </p:cNvSpPr>
-          <p:nvPr>
-            <p:ph type="subTitle" idx="13"/>
-          </p:nvPr>
-        </p:nvSpPr>
-        <p:spPr/>
-        <p:txBody>
-          <a:bodyPr/>
-          <a:lstStyle/>
-          <a:p>
-            <a:endParaRPr lang="en-US"/>
-          </a:p>
-        </p:txBody>
-      </p:sp>
-      <p:sp>
-        <p:nvSpPr>
-          <p:cNvPr id="5" name="Rectangle 4">
-            <a:extLst>
-              <a:ext uri="{FF2B5EF4-FFF2-40B4-BE49-F238E27FC236}">
-                <a16:creationId xmlns:a16="http://schemas.microsoft.com/office/drawing/2014/main" id="{C907D292-881A-D9DD-E215-615E1C82B913}"/>
-              </a:ext>
-            </a:extLst>
-          </p:cNvPr>
-          <p:cNvSpPr/>
-          <p:nvPr/>
-        </p:nvSpPr>
-        <p:spPr>
-          <a:xfrm>
-            <a:off x="653704" y="3724228"/>
-            <a:ext cx="2281394" cy="584775"/>
-          </a:xfrm>
-          <a:prstGeom prst="rect">
-            <a:avLst/>
-          </a:prstGeom>
-          <a:noFill/>
-        </p:spPr>
-        <p:txBody>
-          <a:bodyPr wrap="none" lIns="91440" tIns="45720" rIns="91440" bIns="45720">
-            <a:spAutoFit/>
-          </a:bodyPr>
-          <a:lstStyle/>
-          <a:p>
-            <a:pPr algn="ctr"/>
-            <a:r>
-              <a:rPr lang="en-US" sz="3200" b="0" cap="none" spc="0" dirty="0" err="1">
-                <a:ln w="0"/>
-                <a:solidFill>
-                  <a:schemeClr val="tx1"/>
-                </a:solidFill>
-                <a:effectLst>
-                  <a:outerShdw blurRad="38100" dist="19050" dir="2700000" algn="tl" rotWithShape="0">
-                    <a:schemeClr val="dk1">
-                      <a:alpha val="40000"/>
-                    </a:schemeClr>
-                  </a:outerShdw>
-                </a:effectLst>
-              </a:rPr>
-              <a:t>MyApp.class</a:t>
-            </a:r>
-            <a:endParaRPr lang="en-US" sz="3200" b="0" cap="none" spc="0" dirty="0">
-              <a:ln w="0"/>
-              <a:solidFill>
-                <a:schemeClr val="tx1"/>
-              </a:solidFill>
-              <a:effectLst>
-                <a:outerShdw blurRad="38100" dist="19050" dir="2700000" algn="tl" rotWithShape="0">
-                  <a:schemeClr val="dk1">
-                    <a:alpha val="40000"/>
-                  </a:schemeClr>
-                </a:outerShdw>
-              </a:effectLst>
-            </a:endParaRPr>
-          </a:p>
-        </p:txBody>
-      </p:sp>
-      <p:pic>
-        <p:nvPicPr>
-          <p:cNvPr id="3074" name="Picture 2" descr="What is JVM (Java Virtual Machine)? with Architecture: JAVA Programming  Tutorial">
-            <a:extLst>
-              <a:ext uri="{FF2B5EF4-FFF2-40B4-BE49-F238E27FC236}">
-                <a16:creationId xmlns:a16="http://schemas.microsoft.com/office/drawing/2014/main" id="{528A33B2-143B-5F78-410A-A04E92D407B9}"/>
-              </a:ext>
-            </a:extLst>
-          </p:cNvPr>
-          <p:cNvPicPr>
-            <a:picLocks noChangeAspect="1" noChangeArrowheads="1"/>
-          </p:cNvPicPr>
-          <p:nvPr/>
-        </p:nvPicPr>
-        <p:blipFill>
-          <a:blip r:embed="rId3" cstate="print">
-            <a:extLst>
-              <a:ext uri="{28A0092B-C50C-407E-A947-70E740481C1C}">
-                <a14:useLocalDpi xmlns:a14="http://schemas.microsoft.com/office/drawing/2010/main" val="0"/>
-              </a:ext>
-            </a:extLst>
-          </a:blip>
-          <a:srcRect/>
-          <a:stretch>
-            <a:fillRect/>
-          </a:stretch>
-        </p:blipFill>
-        <p:spPr bwMode="auto">
-          <a:xfrm>
-            <a:off x="3411416" y="3072909"/>
-            <a:ext cx="3355402" cy="1887414"/>
-          </a:xfrm>
-          <a:prstGeom prst="rect">
-            <a:avLst/>
-          </a:prstGeom>
-          <a:noFill/>
-          <a:extLst>
-            <a:ext uri="{909E8E84-426E-40DD-AFC4-6F175D3DCCD1}">
-              <a14:hiddenFill xmlns:a14="http://schemas.microsoft.com/office/drawing/2010/main">
-                <a:solidFill>
-                  <a:srgbClr val="FFFFFF"/>
-                </a:solidFill>
-              </a14:hiddenFill>
-            </a:ext>
-          </a:extLst>
-        </p:spPr>
-      </p:pic>
-      <p:cxnSp>
-        <p:nvCxnSpPr>
-          <p:cNvPr id="8" name="Straight Arrow Connector 7">
-            <a:extLst>
-              <a:ext uri="{FF2B5EF4-FFF2-40B4-BE49-F238E27FC236}">
-                <a16:creationId xmlns:a16="http://schemas.microsoft.com/office/drawing/2014/main" id="{68E9F0CB-AE7D-CFCC-12CC-5CFE6AA50D62}"/>
-              </a:ext>
-            </a:extLst>
-          </p:cNvPr>
-          <p:cNvCxnSpPr>
-            <a:stCxn id="5" idx="3"/>
-            <a:endCxn id="3074" idx="1"/>
-          </p:cNvCxnSpPr>
-          <p:nvPr/>
-        </p:nvCxnSpPr>
-        <p:spPr>
-          <a:xfrm>
-            <a:off x="2935098" y="4016616"/>
-            <a:ext cx="476318" cy="0"/>
-          </a:xfrm>
-          <a:prstGeom prst="straightConnector1">
-            <a:avLst/>
-          </a:prstGeom>
-          <a:ln w="34925">
-            <a:tailEnd type="triangle"/>
-          </a:ln>
-        </p:spPr>
-        <p:style>
-          <a:lnRef idx="1">
-            <a:schemeClr val="dk1"/>
-          </a:lnRef>
-          <a:fillRef idx="0">
-            <a:schemeClr val="dk1"/>
-          </a:fillRef>
-          <a:effectRef idx="0">
-            <a:schemeClr val="dk1"/>
-          </a:effectRef>
-          <a:fontRef idx="minor">
-            <a:schemeClr val="tx1"/>
-          </a:fontRef>
-        </p:style>
-      </p:cxnSp>
-      <p:cxnSp>
-        <p:nvCxnSpPr>
-          <p:cNvPr id="11" name="Connector: Elbow 10">
-            <a:extLst>
-              <a:ext uri="{FF2B5EF4-FFF2-40B4-BE49-F238E27FC236}">
-                <a16:creationId xmlns:a16="http://schemas.microsoft.com/office/drawing/2014/main" id="{DC3355A0-02AD-3121-76C2-F56736E6DFB7}"/>
-              </a:ext>
-            </a:extLst>
-          </p:cNvPr>
-          <p:cNvCxnSpPr>
-            <a:stCxn id="3074" idx="0"/>
-            <a:endCxn id="3074" idx="3"/>
-          </p:cNvCxnSpPr>
-          <p:nvPr/>
-        </p:nvCxnSpPr>
-        <p:spPr>
-          <a:xfrm rot="16200000" flipH="1">
-            <a:off x="5456113" y="2705912"/>
-            <a:ext cx="943707" cy="1677701"/>
-          </a:xfrm>
-          <a:prstGeom prst="bentConnector4">
-            <a:avLst>
-              <a:gd name="adj1" fmla="val -62733"/>
-              <a:gd name="adj2" fmla="val 154154"/>
-            </a:avLst>
-          </a:prstGeom>
-          <a:ln w="28575">
-            <a:solidFill>
-              <a:schemeClr val="tx1"/>
-            </a:solidFill>
-            <a:tailEnd type="triangle"/>
-          </a:ln>
-        </p:spPr>
-        <p:style>
-          <a:lnRef idx="1">
-            <a:schemeClr val="accent1"/>
-          </a:lnRef>
-          <a:fillRef idx="0">
-            <a:schemeClr val="accent1"/>
-          </a:fillRef>
-          <a:effectRef idx="0">
-            <a:schemeClr val="accent1"/>
-          </a:effectRef>
-          <a:fontRef idx="minor">
-            <a:schemeClr val="tx1"/>
-          </a:fontRef>
-        </p:style>
-      </p:cxnSp>
-      <p:cxnSp>
-        <p:nvCxnSpPr>
-          <p:cNvPr id="14" name="Straight Arrow Connector 13">
-            <a:extLst>
-              <a:ext uri="{FF2B5EF4-FFF2-40B4-BE49-F238E27FC236}">
-                <a16:creationId xmlns:a16="http://schemas.microsoft.com/office/drawing/2014/main" id="{7DB8F1E0-AD85-2573-19CA-6F0B3A12B490}"/>
-              </a:ext>
-            </a:extLst>
-          </p:cNvPr>
-          <p:cNvCxnSpPr>
-            <a:cxnSpLocks/>
-          </p:cNvCxnSpPr>
-          <p:nvPr/>
-        </p:nvCxnSpPr>
-        <p:spPr>
-          <a:xfrm>
-            <a:off x="6766817" y="4527651"/>
-            <a:ext cx="3221245" cy="0"/>
-          </a:xfrm>
-          <a:prstGeom prst="straightConnector1">
-            <a:avLst/>
-          </a:prstGeom>
-          <a:ln w="34925">
-            <a:tailEnd type="triangle"/>
-          </a:ln>
-        </p:spPr>
-        <p:style>
-          <a:lnRef idx="1">
-            <a:schemeClr val="dk1"/>
-          </a:lnRef>
-          <a:fillRef idx="0">
-            <a:schemeClr val="dk1"/>
-          </a:fillRef>
-          <a:effectRef idx="0">
-            <a:schemeClr val="dk1"/>
-          </a:effectRef>
-          <a:fontRef idx="minor">
-            <a:schemeClr val="tx1"/>
-          </a:fontRef>
-        </p:style>
-      </p:cxnSp>
-      <p:sp>
-        <p:nvSpPr>
-          <p:cNvPr id="16" name="Rectangle: Rounded Corners 15">
-            <a:extLst>
-              <a:ext uri="{FF2B5EF4-FFF2-40B4-BE49-F238E27FC236}">
-                <a16:creationId xmlns:a16="http://schemas.microsoft.com/office/drawing/2014/main" id="{B8FA26CD-1582-32D2-6F38-AB1B3DCC6D29}"/>
-              </a:ext>
-            </a:extLst>
-          </p:cNvPr>
-          <p:cNvSpPr/>
-          <p:nvPr/>
-        </p:nvSpPr>
-        <p:spPr>
-          <a:xfrm>
-            <a:off x="6766817" y="2201774"/>
-            <a:ext cx="1676399" cy="633046"/>
-          </a:xfrm>
-          <a:prstGeom prst="roundRect">
-            <a:avLst/>
-          </a:prstGeom>
-        </p:spPr>
-        <p:style>
-          <a:lnRef idx="2">
-            <a:schemeClr val="accent1">
-              <a:shade val="15000"/>
-            </a:schemeClr>
-          </a:lnRef>
-          <a:fillRef idx="1">
-            <a:schemeClr val="accent1"/>
-          </a:fillRef>
-          <a:effectRef idx="0">
-            <a:schemeClr val="accent1"/>
-          </a:effectRef>
-          <a:fontRef idx="minor">
-            <a:schemeClr val="lt1"/>
-          </a:fontRef>
-        </p:style>
-        <p:txBody>
-          <a:bodyPr rtlCol="0" anchor="ctr"/>
-          <a:lstStyle/>
-          <a:p>
-            <a:pPr algn="ctr"/>
-            <a:r>
-              <a:rPr lang="en-US" sz="2000" i="1" dirty="0">
-                <a:ln w="0"/>
-                <a:solidFill>
-                  <a:schemeClr val="tx1"/>
-                </a:solidFill>
-                <a:effectLst>
-                  <a:outerShdw blurRad="38100" dist="19050" dir="2700000" algn="tl" rotWithShape="0">
-                    <a:schemeClr val="dk1">
-                      <a:alpha val="40000"/>
-                    </a:schemeClr>
-                  </a:outerShdw>
-                </a:effectLst>
-              </a:rPr>
-              <a:t>INTERPRETER</a:t>
-            </a:r>
-            <a:endParaRPr lang="en-US" b="1" i="1" dirty="0"/>
-          </a:p>
-        </p:txBody>
-      </p:sp>
-      <p:sp>
-        <p:nvSpPr>
-          <p:cNvPr id="17" name="Rectangle: Rounded Corners 16">
-            <a:extLst>
-              <a:ext uri="{FF2B5EF4-FFF2-40B4-BE49-F238E27FC236}">
-                <a16:creationId xmlns:a16="http://schemas.microsoft.com/office/drawing/2014/main" id="{7402C5F9-8B6D-0DF1-040C-2D40974EAFE8}"/>
-              </a:ext>
-            </a:extLst>
-          </p:cNvPr>
-          <p:cNvSpPr/>
-          <p:nvPr/>
-        </p:nvSpPr>
-        <p:spPr>
-          <a:xfrm>
-            <a:off x="7605016" y="4211128"/>
-            <a:ext cx="1676399" cy="633046"/>
-          </a:xfrm>
-          <a:prstGeom prst="roundRect">
-            <a:avLst/>
-          </a:prstGeom>
-          <a:solidFill>
-            <a:schemeClr val="accent2"/>
-          </a:solidFill>
-        </p:spPr>
-        <p:style>
-          <a:lnRef idx="2">
-            <a:schemeClr val="accent1">
-              <a:shade val="15000"/>
-            </a:schemeClr>
-          </a:lnRef>
-          <a:fillRef idx="1">
-            <a:schemeClr val="accent1"/>
-          </a:fillRef>
-          <a:effectRef idx="0">
-            <a:schemeClr val="accent1"/>
-          </a:effectRef>
-          <a:fontRef idx="minor">
-            <a:schemeClr val="lt1"/>
-          </a:fontRef>
-        </p:style>
-        <p:txBody>
-          <a:bodyPr rtlCol="0" anchor="ctr"/>
-          <a:lstStyle/>
-          <a:p>
-            <a:pPr algn="ctr"/>
-            <a:r>
-              <a:rPr lang="en-US" sz="2000" i="1" dirty="0">
-                <a:ln w="0"/>
-                <a:solidFill>
-                  <a:schemeClr val="tx1"/>
-                </a:solidFill>
-                <a:effectLst>
-                  <a:outerShdw blurRad="38100" dist="19050" dir="2700000" algn="tl" rotWithShape="0">
-                    <a:schemeClr val="dk1">
-                      <a:alpha val="40000"/>
-                    </a:schemeClr>
-                  </a:outerShdw>
-                </a:effectLst>
-              </a:rPr>
-              <a:t>Just-in-Time Compiler</a:t>
-            </a:r>
-            <a:endParaRPr lang="en-US" b="1" i="1" dirty="0"/>
-          </a:p>
-        </p:txBody>
-      </p:sp>
-      <p:pic>
-        <p:nvPicPr>
-          <p:cNvPr id="31" name="Picture 4" descr="Intro to x86 Assembly with FASM – Coding">
-            <a:extLst>
-              <a:ext uri="{FF2B5EF4-FFF2-40B4-BE49-F238E27FC236}">
-                <a16:creationId xmlns:a16="http://schemas.microsoft.com/office/drawing/2014/main" id="{BF6E4F2B-2EB4-0ACA-EDC8-A2A4EC1482D3}"/>
-              </a:ext>
-            </a:extLst>
-          </p:cNvPr>
-          <p:cNvPicPr>
-            <a:picLocks noChangeAspect="1" noChangeArrowheads="1"/>
-          </p:cNvPicPr>
-          <p:nvPr/>
-        </p:nvPicPr>
-        <p:blipFill>
-          <a:blip r:embed="rId4">
-            <a:extLst>
-              <a:ext uri="{28A0092B-C50C-407E-A947-70E740481C1C}">
-                <a14:useLocalDpi xmlns:a14="http://schemas.microsoft.com/office/drawing/2010/main" val="0"/>
-              </a:ext>
-            </a:extLst>
-          </a:blip>
-          <a:srcRect/>
-          <a:stretch>
-            <a:fillRect/>
-          </a:stretch>
-        </p:blipFill>
-        <p:spPr bwMode="auto">
-          <a:xfrm>
-            <a:off x="9988062" y="3724228"/>
-            <a:ext cx="2026514" cy="1703857"/>
-          </a:xfrm>
-          <a:prstGeom prst="rect">
-            <a:avLst/>
-          </a:prstGeom>
-          <a:noFill/>
-          <a:extLst>
-            <a:ext uri="{909E8E84-426E-40DD-AFC4-6F175D3DCCD1}">
-              <a14:hiddenFill xmlns:a14="http://schemas.microsoft.com/office/drawing/2010/main">
-                <a:solidFill>
-                  <a:srgbClr val="FFFFFF"/>
-                </a:solidFill>
-              </a14:hiddenFill>
-            </a:ext>
-          </a:extLst>
-        </p:spPr>
-      </p:pic>
-      <p:sp>
-        <p:nvSpPr>
-          <p:cNvPr id="32" name="TextBox 31">
-            <a:extLst>
-              <a:ext uri="{FF2B5EF4-FFF2-40B4-BE49-F238E27FC236}">
-                <a16:creationId xmlns:a16="http://schemas.microsoft.com/office/drawing/2014/main" id="{B34F9741-801D-78CD-4995-12D9907C1E7C}"/>
-              </a:ext>
-            </a:extLst>
-          </p:cNvPr>
-          <p:cNvSpPr txBox="1"/>
-          <p:nvPr/>
-        </p:nvSpPr>
-        <p:spPr>
-          <a:xfrm>
-            <a:off x="3962400" y="5205046"/>
-            <a:ext cx="986167" cy="523220"/>
-          </a:xfrm>
-          <a:prstGeom prst="rect">
-            <a:avLst/>
-          </a:prstGeom>
-          <a:noFill/>
-        </p:spPr>
-        <p:txBody>
-          <a:bodyPr wrap="none" rtlCol="0">
-            <a:spAutoFit/>
-          </a:bodyPr>
-          <a:lstStyle/>
-          <a:p>
-            <a:r>
-              <a:rPr lang="en-US" sz="2800" dirty="0"/>
-              <a:t>[java]</a:t>
-            </a:r>
-          </a:p>
-        </p:txBody>
-      </p:sp>
-    </p:spTree>
-    <p:extLst>
-      <p:ext uri="{BB962C8B-B14F-4D97-AF65-F5344CB8AC3E}">
-        <p14:creationId xmlns:p14="http://schemas.microsoft.com/office/powerpoint/2010/main" val="827112876"/>
-      </p:ext>
-    </p:extLst>
-  </p:cSld>
-  <p:clrMapOvr>
-    <a:masterClrMapping/>
-  </p:clrMapOvr>
-  <p:timing>
-    <p:tnLst>
-      <p:par>
-        <p:cTn id="1" dur="indefinite" restart="never" nodeType="tmRoot">
-          <p:childTnLst>
-            <p:seq concurrent="1" nextAc="seek">
-              <p:cTn id="2" dur="indefinite" nodeType="mainSeq">
-                <p:childTnLst>
-                  <p:par>
-                    <p:cTn id="3" fill="hold">
-                      <p:stCondLst>
-                        <p:cond delay="indefinite"/>
-                      </p:stCondLst>
-                      <p:childTnLst>
-                        <p:par>
-                          <p:cTn id="4" fill="hold">
-                            <p:stCondLst>
-                              <p:cond delay="0"/>
-                            </p:stCondLst>
-                            <p:childTnLst>
-                              <p:par>
-                                <p:cTn id="5" presetID="1" presetClass="entr" presetSubtype="0" fill="hold" grpId="0" nodeType="clickEffect">
-                                  <p:stCondLst>
-                                    <p:cond delay="0"/>
-                                  </p:stCondLst>
-                                  <p:childTnLst>
-                                    <p:set>
-                                      <p:cBhvr>
-                                        <p:cTn id="6" dur="1" fill="hold">
-                                          <p:stCondLst>
-                                            <p:cond delay="0"/>
-                                          </p:stCondLst>
-                                        </p:cTn>
-                                        <p:tgtEl>
-                                          <p:spTgt spid="5"/>
-                                        </p:tgtEl>
-                                        <p:attrNameLst>
-                                          <p:attrName>style.visibility</p:attrName>
-                                        </p:attrNameLst>
-                                      </p:cBhvr>
-                                      <p:to>
-                                        <p:strVal val="visible"/>
-                                      </p:to>
-                                    </p:set>
-                                  </p:childTnLst>
-                                </p:cTn>
-                              </p:par>
-                              <p:par>
-                                <p:cTn id="7" presetID="1" presetClass="entr" presetSubtype="0" fill="hold" nodeType="withEffect">
-                                  <p:stCondLst>
-                                    <p:cond delay="0"/>
-                                  </p:stCondLst>
-                                  <p:childTnLst>
-                                    <p:set>
-                                      <p:cBhvr>
-                                        <p:cTn id="8" dur="1" fill="hold">
-                                          <p:stCondLst>
-                                            <p:cond delay="0"/>
-                                          </p:stCondLst>
-                                        </p:cTn>
-                                        <p:tgtEl>
-                                          <p:spTgt spid="8"/>
-                                        </p:tgtEl>
-                                        <p:attrNameLst>
-                                          <p:attrName>style.visibility</p:attrName>
-                                        </p:attrNameLst>
-                                      </p:cBhvr>
-                                      <p:to>
-                                        <p:strVal val="visible"/>
-                                      </p:to>
-                                    </p:set>
-                                  </p:childTnLst>
-                                </p:cTn>
-                              </p:par>
-                              <p:par>
-                                <p:cTn id="9" presetID="1" presetClass="entr" presetSubtype="0" fill="hold" nodeType="withEffect">
-                                  <p:stCondLst>
-                                    <p:cond delay="0"/>
-                                  </p:stCondLst>
-                                  <p:childTnLst>
-                                    <p:set>
-                                      <p:cBhvr>
-                                        <p:cTn id="10" dur="1" fill="hold">
-                                          <p:stCondLst>
-                                            <p:cond delay="0"/>
-                                          </p:stCondLst>
-                                        </p:cTn>
-                                        <p:tgtEl>
-                                          <p:spTgt spid="3074"/>
-                                        </p:tgtEl>
-                                        <p:attrNameLst>
-                                          <p:attrName>style.visibility</p:attrName>
-                                        </p:attrNameLst>
-                                      </p:cBhvr>
-                                      <p:to>
-                                        <p:strVal val="visible"/>
-                                      </p:to>
-                                    </p:set>
-                                  </p:childTnLst>
-                                </p:cTn>
-                              </p:par>
-                            </p:childTnLst>
-                          </p:cTn>
-                        </p:par>
-                      </p:childTnLst>
-                    </p:cTn>
-                  </p:par>
-                  <p:par>
-                    <p:cTn id="11" fill="hold">
-                      <p:stCondLst>
-                        <p:cond delay="indefinite"/>
-                      </p:stCondLst>
-                      <p:childTnLst>
-                        <p:par>
-                          <p:cTn id="12" fill="hold">
-                            <p:stCondLst>
-                              <p:cond delay="0"/>
-                            </p:stCondLst>
-                            <p:childTnLst>
-                              <p:par>
-                                <p:cTn id="13" presetID="1" presetClass="entr" presetSubtype="0" fill="hold" nodeType="clickEffect">
-                                  <p:stCondLst>
-                                    <p:cond delay="0"/>
-                                  </p:stCondLst>
-                                  <p:childTnLst>
-                                    <p:set>
-                                      <p:cBhvr>
-                                        <p:cTn id="14" dur="1" fill="hold">
-                                          <p:stCondLst>
-                                            <p:cond delay="0"/>
-                                          </p:stCondLst>
-                                        </p:cTn>
-                                        <p:tgtEl>
-                                          <p:spTgt spid="11"/>
-                                        </p:tgtEl>
-                                        <p:attrNameLst>
-                                          <p:attrName>style.visibility</p:attrName>
-                                        </p:attrNameLst>
-                                      </p:cBhvr>
-                                      <p:to>
-                                        <p:strVal val="visible"/>
-                                      </p:to>
-                                    </p:set>
-                                  </p:childTnLst>
-                                </p:cTn>
-                              </p:par>
-                              <p:par>
-                                <p:cTn id="15" presetID="1" presetClass="entr" presetSubtype="0" fill="hold" grpId="0" nodeType="withEffect">
-                                  <p:stCondLst>
-                                    <p:cond delay="0"/>
-                                  </p:stCondLst>
-                                  <p:childTnLst>
-                                    <p:set>
-                                      <p:cBhvr>
-                                        <p:cTn id="16" dur="1" fill="hold">
-                                          <p:stCondLst>
-                                            <p:cond delay="0"/>
-                                          </p:stCondLst>
-                                        </p:cTn>
-                                        <p:tgtEl>
-                                          <p:spTgt spid="16"/>
-                                        </p:tgtEl>
-                                        <p:attrNameLst>
-                                          <p:attrName>style.visibility</p:attrName>
-                                        </p:attrNameLst>
-                                      </p:cBhvr>
-                                      <p:to>
-                                        <p:strVal val="visible"/>
-                                      </p:to>
-                                    </p:set>
-                                  </p:childTnLst>
-                                </p:cTn>
-                              </p:par>
-                            </p:childTnLst>
-                          </p:cTn>
-                        </p:par>
-                      </p:childTnLst>
-                    </p:cTn>
-                  </p:par>
-                  <p:par>
-                    <p:cTn id="17" fill="hold">
-                      <p:stCondLst>
-                        <p:cond delay="indefinite"/>
-                      </p:stCondLst>
-                      <p:childTnLst>
-                        <p:par>
-                          <p:cTn id="18" fill="hold">
-                            <p:stCondLst>
-                              <p:cond delay="0"/>
-                            </p:stCondLst>
-                            <p:childTnLst>
-                              <p:par>
-                                <p:cTn id="19" presetID="1" presetClass="entr" presetSubtype="0" fill="hold" nodeType="clickEffect">
-                                  <p:stCondLst>
-                                    <p:cond delay="0"/>
-                                  </p:stCondLst>
-                                  <p:childTnLst>
-                                    <p:set>
-                                      <p:cBhvr>
-                                        <p:cTn id="20" dur="1" fill="hold">
-                                          <p:stCondLst>
-                                            <p:cond delay="0"/>
-                                          </p:stCondLst>
-                                        </p:cTn>
-                                        <p:tgtEl>
-                                          <p:spTgt spid="14"/>
-                                        </p:tgtEl>
-                                        <p:attrNameLst>
-                                          <p:attrName>style.visibility</p:attrName>
-                                        </p:attrNameLst>
-                                      </p:cBhvr>
-                                      <p:to>
-                                        <p:strVal val="visible"/>
-                                      </p:to>
-                                    </p:set>
-                                  </p:childTnLst>
-                                </p:cTn>
-                              </p:par>
-                              <p:par>
-                                <p:cTn id="21" presetID="1" presetClass="entr" presetSubtype="0" fill="hold" grpId="0" nodeType="withEffect">
-                                  <p:stCondLst>
-                                    <p:cond delay="0"/>
-                                  </p:stCondLst>
-                                  <p:childTnLst>
-                                    <p:set>
-                                      <p:cBhvr>
-                                        <p:cTn id="22" dur="1" fill="hold">
-                                          <p:stCondLst>
-                                            <p:cond delay="0"/>
-                                          </p:stCondLst>
-                                        </p:cTn>
-                                        <p:tgtEl>
-                                          <p:spTgt spid="17"/>
-                                        </p:tgtEl>
-                                        <p:attrNameLst>
-                                          <p:attrName>style.visibility</p:attrName>
-                                        </p:attrNameLst>
-                                      </p:cBhvr>
-                                      <p:to>
-                                        <p:strVal val="visible"/>
-                                      </p:to>
-                                    </p:set>
-                                  </p:childTnLst>
-                                </p:cTn>
-                              </p:par>
-                              <p:par>
-                                <p:cTn id="23" presetID="1" presetClass="entr" presetSubtype="0" fill="hold" nodeType="withEffect">
-                                  <p:stCondLst>
-                                    <p:cond delay="0"/>
-                                  </p:stCondLst>
-                                  <p:childTnLst>
-                                    <p:set>
-                                      <p:cBhvr>
-                                        <p:cTn id="24" dur="1" fill="hold">
-                                          <p:stCondLst>
-                                            <p:cond delay="0"/>
-                                          </p:stCondLst>
-                                        </p:cTn>
-                                        <p:tgtEl>
-                                          <p:spTgt spid="31"/>
-                                        </p:tgtEl>
-                                        <p:attrNameLst>
-                                          <p:attrName>style.visibility</p:attrName>
-                                        </p:attrNameLst>
-                                      </p:cBhvr>
-                                      <p:to>
-                                        <p:strVal val="visible"/>
-                                      </p:to>
-                                    </p:set>
-                                  </p:childTnLst>
-                                </p:cTn>
-                              </p:par>
-                            </p:childTnLst>
-                          </p:cTn>
-                        </p:par>
-                      </p:childTnLst>
-                    </p:cTn>
-                  </p:par>
-                </p:childTnLst>
-              </p:cTn>
-              <p:prevCondLst>
-                <p:cond evt="onPrev" delay="0">
-                  <p:tgtEl>
-                    <p:sldTgt/>
-                  </p:tgtEl>
-                </p:cond>
-              </p:prevCondLst>
-              <p:nextCondLst>
-                <p:cond evt="onNext" delay="0">
-                  <p:tgtEl>
-                    <p:sldTgt/>
-                  </p:tgtEl>
-                </p:cond>
-              </p:nextCondLst>
-            </p:seq>
-          </p:childTnLst>
-        </p:cTn>
-      </p:par>
-    </p:tnLst>
-    <p:bldLst>
-      <p:bldP spid="5" grpId="0"/>
-      <p:bldP spid="16" grpId="0" animBg="1"/>
-      <p:bldP spid="17" grpId="0" animBg="1"/>
-    </p:bldLst>
-  </p:timing>
-</p:sld>
-</file>
-
-<file path=ppt/slides/slide54.xml><?xml version="1.0" encoding="utf-8"?>
-<p:sld xmlns:a="http://schemas.openxmlformats.org/drawingml/2006/main" xmlns:r="http://schemas.openxmlformats.org/officeDocument/2006/relationships" xmlns:p="http://schemas.openxmlformats.org/presentationml/2006/main">
-  <p:cSld>
-    <p:spTree>
-      <p:nvGrpSpPr>
-        <p:cNvPr id="1" name=""/>
-        <p:cNvGrpSpPr/>
-        <p:nvPr/>
-      </p:nvGrpSpPr>
-      <p:grpSpPr>
-        <a:xfrm>
-          <a:off x="0" y="0"/>
-          <a:ext cx="0" cy="0"/>
-          <a:chOff x="0" y="0"/>
-          <a:chExt cx="0" cy="0"/>
-        </a:xfrm>
-      </p:grpSpPr>
-      <p:sp>
-        <p:nvSpPr>
-          <p:cNvPr id="11" name="Content Placeholder 10">
-            <a:extLst>
-              <a:ext uri="{FF2B5EF4-FFF2-40B4-BE49-F238E27FC236}">
-                <a16:creationId xmlns:a16="http://schemas.microsoft.com/office/drawing/2014/main" id="{027B77E7-A10C-59C9-F933-7B57E1A9E889}"/>
-              </a:ext>
-            </a:extLst>
-          </p:cNvPr>
-          <p:cNvSpPr>
-            <a:spLocks noGrp="1"/>
-          </p:cNvSpPr>
-          <p:nvPr>
-            <p:ph idx="1"/>
-          </p:nvPr>
-        </p:nvSpPr>
-        <p:spPr/>
-        <p:txBody>
-          <a:bodyPr/>
-          <a:lstStyle/>
-          <a:p>
-            <a:endParaRPr lang="en-US"/>
-          </a:p>
-        </p:txBody>
-      </p:sp>
-      <p:sp>
-        <p:nvSpPr>
-          <p:cNvPr id="3" name="Title 2">
-            <a:extLst>
-              <a:ext uri="{FF2B5EF4-FFF2-40B4-BE49-F238E27FC236}">
-                <a16:creationId xmlns:a16="http://schemas.microsoft.com/office/drawing/2014/main" id="{CBBD6F94-EAEF-47A1-29DA-E912ECFDA05C}"/>
-              </a:ext>
-            </a:extLst>
-          </p:cNvPr>
-          <p:cNvSpPr>
-            <a:spLocks noGrp="1"/>
-          </p:cNvSpPr>
-          <p:nvPr>
-            <p:ph type="title"/>
-          </p:nvPr>
-        </p:nvSpPr>
-        <p:spPr>
-          <a:xfrm>
-            <a:off x="0" y="0"/>
-            <a:ext cx="12192000" cy="696277"/>
-          </a:xfrm>
-        </p:spPr>
-        <p:txBody>
-          <a:bodyPr/>
-          <a:lstStyle/>
-          <a:p>
-            <a:r>
-              <a:rPr lang="en-US" dirty="0"/>
-              <a:t>TL;DR</a:t>
-            </a:r>
-          </a:p>
-        </p:txBody>
-      </p:sp>
-      <p:sp>
-        <p:nvSpPr>
-          <p:cNvPr id="12" name="Subtitle 11">
-            <a:extLst>
-              <a:ext uri="{FF2B5EF4-FFF2-40B4-BE49-F238E27FC236}">
-                <a16:creationId xmlns:a16="http://schemas.microsoft.com/office/drawing/2014/main" id="{1BA4CA2C-0A9C-585C-60F7-8953D5931244}"/>
-              </a:ext>
-            </a:extLst>
-          </p:cNvPr>
-          <p:cNvSpPr>
-            <a:spLocks noGrp="1"/>
-          </p:cNvSpPr>
-          <p:nvPr>
-            <p:ph type="subTitle" idx="13"/>
-          </p:nvPr>
-        </p:nvSpPr>
-        <p:spPr/>
-        <p:txBody>
-          <a:bodyPr/>
-          <a:lstStyle/>
-          <a:p>
-            <a:endParaRPr lang="en-US"/>
-          </a:p>
-        </p:txBody>
-      </p:sp>
-      <p:sp>
-        <p:nvSpPr>
-          <p:cNvPr id="43" name="TextBox 42">
-            <a:extLst>
-              <a:ext uri="{FF2B5EF4-FFF2-40B4-BE49-F238E27FC236}">
-                <a16:creationId xmlns:a16="http://schemas.microsoft.com/office/drawing/2014/main" id="{8889DD8A-6AEB-AAA2-3F21-554AC925E404}"/>
-              </a:ext>
-            </a:extLst>
-          </p:cNvPr>
-          <p:cNvSpPr txBox="1"/>
-          <p:nvPr/>
-        </p:nvSpPr>
-        <p:spPr>
-          <a:xfrm>
-            <a:off x="1782723" y="5126797"/>
-            <a:ext cx="9165714" cy="584775"/>
-          </a:xfrm>
-          <a:prstGeom prst="rect">
-            <a:avLst/>
-          </a:prstGeom>
-          <a:noFill/>
-        </p:spPr>
-        <p:txBody>
-          <a:bodyPr wrap="none" rtlCol="0">
-            <a:spAutoFit/>
-          </a:bodyPr>
-          <a:lstStyle/>
-          <a:p>
-            <a:r>
-              <a:rPr lang="en-US" sz="3200" b="1" i="1" dirty="0"/>
-              <a:t>Both steps performed when we press RUN on the IDE</a:t>
-            </a:r>
-          </a:p>
-        </p:txBody>
-      </p:sp>
-      <p:pic>
-        <p:nvPicPr>
-          <p:cNvPr id="5" name="Picture 2" descr="Java File Viewer - Apps on Google Play">
-            <a:extLst>
-              <a:ext uri="{FF2B5EF4-FFF2-40B4-BE49-F238E27FC236}">
-                <a16:creationId xmlns:a16="http://schemas.microsoft.com/office/drawing/2014/main" id="{884BB8E2-CD2F-24EE-4766-DE60BE233E45}"/>
-              </a:ext>
-            </a:extLst>
-          </p:cNvPr>
-          <p:cNvPicPr>
-            <a:picLocks noChangeAspect="1" noChangeArrowheads="1"/>
-          </p:cNvPicPr>
-          <p:nvPr/>
-        </p:nvPicPr>
-        <p:blipFill>
-          <a:blip r:embed="rId2" cstate="print">
-            <a:extLst>
-              <a:ext uri="{28A0092B-C50C-407E-A947-70E740481C1C}">
-                <a14:useLocalDpi xmlns:a14="http://schemas.microsoft.com/office/drawing/2010/main" val="0"/>
-              </a:ext>
-            </a:extLst>
-          </a:blip>
-          <a:srcRect/>
-          <a:stretch>
-            <a:fillRect/>
-          </a:stretch>
-        </p:blipFill>
-        <p:spPr bwMode="auto">
-          <a:xfrm>
-            <a:off x="399186" y="2063683"/>
-            <a:ext cx="1405453" cy="1405453"/>
-          </a:xfrm>
-          <a:prstGeom prst="rect">
-            <a:avLst/>
-          </a:prstGeom>
-          <a:noFill/>
-          <a:extLst>
-            <a:ext uri="{909E8E84-426E-40DD-AFC4-6F175D3DCCD1}">
-              <a14:hiddenFill xmlns:a14="http://schemas.microsoft.com/office/drawing/2010/main">
-                <a:solidFill>
-                  <a:srgbClr val="FFFFFF"/>
-                </a:solidFill>
-              </a14:hiddenFill>
-            </a:ext>
-          </a:extLst>
-        </p:spPr>
-      </p:pic>
-      <p:sp>
-        <p:nvSpPr>
-          <p:cNvPr id="6" name="Rectangle 5">
-            <a:extLst>
-              <a:ext uri="{FF2B5EF4-FFF2-40B4-BE49-F238E27FC236}">
-                <a16:creationId xmlns:a16="http://schemas.microsoft.com/office/drawing/2014/main" id="{22531007-323F-3C35-FBB9-FCBE39F65E5D}"/>
-              </a:ext>
-            </a:extLst>
-          </p:cNvPr>
-          <p:cNvSpPr/>
-          <p:nvPr/>
-        </p:nvSpPr>
-        <p:spPr>
-          <a:xfrm>
-            <a:off x="2204874" y="2381688"/>
-            <a:ext cx="1337226" cy="769441"/>
-          </a:xfrm>
-          <a:prstGeom prst="rect">
-            <a:avLst/>
-          </a:prstGeom>
-          <a:noFill/>
-        </p:spPr>
-        <p:txBody>
-          <a:bodyPr wrap="none" lIns="91440" tIns="45720" rIns="91440" bIns="45720">
-            <a:spAutoFit/>
-          </a:bodyPr>
-          <a:lstStyle/>
-          <a:p>
-            <a:pPr algn="ctr"/>
-            <a:r>
-              <a:rPr lang="en-US" sz="4400" b="0" cap="none" spc="0" dirty="0" err="1">
-                <a:ln w="0"/>
-                <a:solidFill>
-                  <a:schemeClr val="tx1"/>
-                </a:solidFill>
-                <a:effectLst>
-                  <a:outerShdw blurRad="38100" dist="19050" dir="2700000" algn="tl" rotWithShape="0">
-                    <a:schemeClr val="dk1">
-                      <a:alpha val="40000"/>
-                    </a:schemeClr>
-                  </a:outerShdw>
-                </a:effectLst>
-              </a:rPr>
-              <a:t>javac</a:t>
-            </a:r>
-            <a:endParaRPr lang="en-US" sz="4400" b="0" cap="none" spc="0" dirty="0">
-              <a:ln w="0"/>
-              <a:solidFill>
-                <a:schemeClr val="tx1"/>
-              </a:solidFill>
-              <a:effectLst>
-                <a:outerShdw blurRad="38100" dist="19050" dir="2700000" algn="tl" rotWithShape="0">
-                  <a:schemeClr val="dk1">
-                    <a:alpha val="40000"/>
-                  </a:schemeClr>
-                </a:outerShdw>
-              </a:effectLst>
-            </a:endParaRPr>
-          </a:p>
-        </p:txBody>
-      </p:sp>
-      <p:cxnSp>
-        <p:nvCxnSpPr>
-          <p:cNvPr id="7" name="Straight Arrow Connector 6">
-            <a:extLst>
-              <a:ext uri="{FF2B5EF4-FFF2-40B4-BE49-F238E27FC236}">
-                <a16:creationId xmlns:a16="http://schemas.microsoft.com/office/drawing/2014/main" id="{4EBB784D-D091-3AC1-0DF6-4379730F2426}"/>
-              </a:ext>
-            </a:extLst>
-          </p:cNvPr>
-          <p:cNvCxnSpPr>
-            <a:stCxn id="5" idx="3"/>
-            <a:endCxn id="6" idx="1"/>
-          </p:cNvCxnSpPr>
-          <p:nvPr/>
-        </p:nvCxnSpPr>
-        <p:spPr>
-          <a:xfrm flipV="1">
-            <a:off x="1804639" y="2766409"/>
-            <a:ext cx="400235" cy="1"/>
-          </a:xfrm>
-          <a:prstGeom prst="straightConnector1">
-            <a:avLst/>
-          </a:prstGeom>
-          <a:ln w="34925">
-            <a:tailEnd type="triangle"/>
-          </a:ln>
-        </p:spPr>
-        <p:style>
-          <a:lnRef idx="1">
-            <a:schemeClr val="dk1"/>
-          </a:lnRef>
-          <a:fillRef idx="0">
-            <a:schemeClr val="dk1"/>
-          </a:fillRef>
-          <a:effectRef idx="0">
-            <a:schemeClr val="dk1"/>
-          </a:effectRef>
-          <a:fontRef idx="minor">
-            <a:schemeClr val="tx1"/>
-          </a:fontRef>
-        </p:style>
-      </p:cxnSp>
-      <p:sp>
-        <p:nvSpPr>
-          <p:cNvPr id="8" name="TextBox 7">
-            <a:extLst>
-              <a:ext uri="{FF2B5EF4-FFF2-40B4-BE49-F238E27FC236}">
-                <a16:creationId xmlns:a16="http://schemas.microsoft.com/office/drawing/2014/main" id="{FC7533D0-0505-CE0E-710A-DCE13F3D0234}"/>
-              </a:ext>
-            </a:extLst>
-          </p:cNvPr>
-          <p:cNvSpPr txBox="1"/>
-          <p:nvPr/>
-        </p:nvSpPr>
-        <p:spPr>
-          <a:xfrm>
-            <a:off x="4065347" y="1750745"/>
-            <a:ext cx="2175520" cy="2031325"/>
-          </a:xfrm>
-          <a:prstGeom prst="rect">
-            <a:avLst/>
-          </a:prstGeom>
-          <a:noFill/>
-        </p:spPr>
-        <p:txBody>
-          <a:bodyPr wrap="square" rtlCol="0">
-            <a:spAutoFit/>
-          </a:bodyPr>
-          <a:lstStyle/>
-          <a:p>
-            <a:r>
-              <a:rPr lang="en-US" sz="700" dirty="0"/>
-              <a:t>Compiled from "MyApp.java"</a:t>
-            </a:r>
-          </a:p>
-          <a:p>
-            <a:r>
-              <a:rPr lang="en-US" sz="700" dirty="0"/>
-              <a:t>public class </a:t>
-            </a:r>
-            <a:r>
-              <a:rPr lang="en-US" sz="700" dirty="0" err="1"/>
-              <a:t>MyApp</a:t>
-            </a:r>
-            <a:r>
-              <a:rPr lang="en-US" sz="700" dirty="0"/>
-              <a:t> {</a:t>
-            </a:r>
-          </a:p>
-          <a:p>
-            <a:r>
-              <a:rPr lang="en-US" sz="700" dirty="0"/>
-              <a:t>  public </a:t>
-            </a:r>
-            <a:r>
-              <a:rPr lang="en-US" sz="700" dirty="0" err="1"/>
-              <a:t>MyApp</a:t>
-            </a:r>
-            <a:r>
-              <a:rPr lang="en-US" sz="700" dirty="0"/>
-              <a:t>();</a:t>
-            </a:r>
-          </a:p>
-          <a:p>
-            <a:r>
-              <a:rPr lang="en-US" sz="700" dirty="0"/>
-              <a:t>    Code:</a:t>
-            </a:r>
-          </a:p>
-          <a:p>
-            <a:r>
-              <a:rPr lang="en-US" sz="700" dirty="0"/>
-              <a:t>       0: aload_0</a:t>
-            </a:r>
-          </a:p>
-          <a:p>
-            <a:r>
-              <a:rPr lang="en-US" sz="700" dirty="0"/>
-              <a:t>       1: </a:t>
-            </a:r>
-            <a:r>
-              <a:rPr lang="en-US" sz="700" dirty="0" err="1"/>
-              <a:t>invokespecial</a:t>
-            </a:r>
-            <a:r>
-              <a:rPr lang="en-US" sz="700" dirty="0"/>
-              <a:t> #1                  // Method java/lang/Object."&lt;</a:t>
-            </a:r>
-            <a:r>
-              <a:rPr lang="en-US" sz="700" dirty="0" err="1"/>
-              <a:t>init</a:t>
-            </a:r>
-            <a:r>
-              <a:rPr lang="en-US" sz="700" dirty="0"/>
-              <a:t>&gt;":()V</a:t>
-            </a:r>
-          </a:p>
-          <a:p>
-            <a:r>
-              <a:rPr lang="en-US" sz="700" dirty="0"/>
-              <a:t>       4: return</a:t>
-            </a:r>
-          </a:p>
-          <a:p>
-            <a:endParaRPr lang="en-US" sz="700" dirty="0"/>
-          </a:p>
-          <a:p>
-            <a:r>
-              <a:rPr lang="en-US" sz="700" dirty="0"/>
-              <a:t>  public static void main(</a:t>
-            </a:r>
-            <a:r>
-              <a:rPr lang="en-US" sz="700" dirty="0" err="1"/>
-              <a:t>java.lang.String</a:t>
-            </a:r>
-            <a:r>
-              <a:rPr lang="en-US" sz="700" dirty="0"/>
-              <a:t>[]);</a:t>
-            </a:r>
-          </a:p>
-          <a:p>
-            <a:r>
-              <a:rPr lang="en-US" sz="700" dirty="0"/>
-              <a:t>    Code:</a:t>
-            </a:r>
-          </a:p>
-          <a:p>
-            <a:r>
-              <a:rPr lang="en-US" sz="700" dirty="0"/>
-              <a:t>       0: </a:t>
-            </a:r>
-            <a:r>
-              <a:rPr lang="en-US" sz="700" dirty="0" err="1"/>
-              <a:t>getstatic</a:t>
-            </a:r>
-            <a:r>
-              <a:rPr lang="en-US" sz="700" dirty="0"/>
-              <a:t>     #7                  // Field java/lang/</a:t>
-            </a:r>
-            <a:r>
-              <a:rPr lang="en-US" sz="700" dirty="0" err="1"/>
-              <a:t>System.out:Ljava</a:t>
-            </a:r>
-            <a:r>
-              <a:rPr lang="en-US" sz="700" dirty="0"/>
-              <a:t>/io/</a:t>
-            </a:r>
-            <a:r>
-              <a:rPr lang="en-US" sz="700" dirty="0" err="1"/>
-              <a:t>PrintStream</a:t>
-            </a:r>
-            <a:r>
-              <a:rPr lang="en-US" sz="700" dirty="0"/>
-              <a:t>;</a:t>
-            </a:r>
-          </a:p>
-          <a:p>
-            <a:r>
-              <a:rPr lang="en-US" sz="700" dirty="0"/>
-              <a:t>       3: </a:t>
-            </a:r>
-            <a:r>
-              <a:rPr lang="en-US" sz="700" dirty="0" err="1"/>
-              <a:t>ldc</a:t>
-            </a:r>
-            <a:r>
-              <a:rPr lang="en-US" sz="700" dirty="0"/>
-              <a:t>           #13                 // String Hello!</a:t>
-            </a:r>
-          </a:p>
-          <a:p>
-            <a:r>
-              <a:rPr lang="en-US" sz="700" dirty="0"/>
-              <a:t>       5: </a:t>
-            </a:r>
-            <a:r>
-              <a:rPr lang="en-US" sz="700" dirty="0" err="1"/>
-              <a:t>invokevirtual</a:t>
-            </a:r>
-            <a:r>
-              <a:rPr lang="en-US" sz="700" dirty="0"/>
-              <a:t> #15                 // Method java/io/</a:t>
-            </a:r>
-            <a:r>
-              <a:rPr lang="en-US" sz="700" dirty="0" err="1"/>
-              <a:t>PrintStream.println</a:t>
-            </a:r>
-            <a:r>
-              <a:rPr lang="en-US" sz="700" dirty="0"/>
-              <a:t>:(</a:t>
-            </a:r>
-            <a:r>
-              <a:rPr lang="en-US" sz="700" dirty="0" err="1"/>
-              <a:t>Ljava</a:t>
-            </a:r>
-            <a:r>
-              <a:rPr lang="en-US" sz="700" dirty="0"/>
-              <a:t>/lang/String;)V</a:t>
-            </a:r>
-          </a:p>
-          <a:p>
-            <a:r>
-              <a:rPr lang="en-US" sz="700" dirty="0"/>
-              <a:t>       8: return</a:t>
-            </a:r>
-          </a:p>
-          <a:p>
-            <a:r>
-              <a:rPr lang="en-US" sz="700" dirty="0"/>
-              <a:t>}</a:t>
-            </a:r>
-          </a:p>
-        </p:txBody>
-      </p:sp>
-      <p:cxnSp>
-        <p:nvCxnSpPr>
-          <p:cNvPr id="10" name="Straight Arrow Connector 9">
-            <a:extLst>
-              <a:ext uri="{FF2B5EF4-FFF2-40B4-BE49-F238E27FC236}">
-                <a16:creationId xmlns:a16="http://schemas.microsoft.com/office/drawing/2014/main" id="{BD6FF4E2-41E6-A27C-D6B9-CF938C87C744}"/>
-              </a:ext>
-            </a:extLst>
-          </p:cNvPr>
-          <p:cNvCxnSpPr>
-            <a:cxnSpLocks/>
-            <a:stCxn id="6" idx="3"/>
-            <a:endCxn id="8" idx="1"/>
-          </p:cNvCxnSpPr>
-          <p:nvPr/>
-        </p:nvCxnSpPr>
-        <p:spPr>
-          <a:xfrm flipV="1">
-            <a:off x="3542100" y="2766408"/>
-            <a:ext cx="523247" cy="1"/>
-          </a:xfrm>
-          <a:prstGeom prst="straightConnector1">
-            <a:avLst/>
-          </a:prstGeom>
-          <a:ln w="34925">
-            <a:tailEnd type="triangle"/>
-          </a:ln>
-        </p:spPr>
-        <p:style>
-          <a:lnRef idx="1">
-            <a:schemeClr val="dk1"/>
-          </a:lnRef>
-          <a:fillRef idx="0">
-            <a:schemeClr val="dk1"/>
-          </a:fillRef>
-          <a:effectRef idx="0">
-            <a:schemeClr val="dk1"/>
-          </a:effectRef>
-          <a:fontRef idx="minor">
-            <a:schemeClr val="tx1"/>
-          </a:fontRef>
-        </p:style>
-      </p:cxnSp>
-      <p:sp>
-        <p:nvSpPr>
-          <p:cNvPr id="13" name="TextBox 12">
-            <a:extLst>
-              <a:ext uri="{FF2B5EF4-FFF2-40B4-BE49-F238E27FC236}">
-                <a16:creationId xmlns:a16="http://schemas.microsoft.com/office/drawing/2014/main" id="{611A02A9-9137-2E8C-0611-0F2E25159F56}"/>
-              </a:ext>
-            </a:extLst>
-          </p:cNvPr>
-          <p:cNvSpPr txBox="1"/>
-          <p:nvPr/>
-        </p:nvSpPr>
-        <p:spPr>
-          <a:xfrm>
-            <a:off x="4297323" y="3979728"/>
-            <a:ext cx="1394934" cy="369332"/>
-          </a:xfrm>
-          <a:prstGeom prst="rect">
-            <a:avLst/>
-          </a:prstGeom>
-          <a:noFill/>
-        </p:spPr>
-        <p:txBody>
-          <a:bodyPr wrap="none" rtlCol="0">
-            <a:spAutoFit/>
-          </a:bodyPr>
-          <a:lstStyle/>
-          <a:p>
-            <a:r>
-              <a:rPr lang="en-US" b="1" i="1" dirty="0" err="1"/>
-              <a:t>MyApp.class</a:t>
-            </a:r>
-            <a:endParaRPr lang="en-US" b="1" i="1" dirty="0"/>
-          </a:p>
-        </p:txBody>
-      </p:sp>
-      <p:sp>
-        <p:nvSpPr>
-          <p:cNvPr id="14" name="TextBox 13">
-            <a:extLst>
-              <a:ext uri="{FF2B5EF4-FFF2-40B4-BE49-F238E27FC236}">
-                <a16:creationId xmlns:a16="http://schemas.microsoft.com/office/drawing/2014/main" id="{CA24088C-CDAD-A8AE-B859-AA0128B9CFB0}"/>
-              </a:ext>
-            </a:extLst>
-          </p:cNvPr>
-          <p:cNvSpPr txBox="1"/>
-          <p:nvPr/>
-        </p:nvSpPr>
-        <p:spPr>
-          <a:xfrm>
-            <a:off x="450563" y="3741805"/>
-            <a:ext cx="1351652" cy="369332"/>
-          </a:xfrm>
-          <a:prstGeom prst="rect">
-            <a:avLst/>
-          </a:prstGeom>
-          <a:noFill/>
-        </p:spPr>
-        <p:txBody>
-          <a:bodyPr wrap="none" rtlCol="0">
-            <a:spAutoFit/>
-          </a:bodyPr>
-          <a:lstStyle/>
-          <a:p>
-            <a:r>
-              <a:rPr lang="en-US" b="1" i="1" dirty="0"/>
-              <a:t>MyApp.java</a:t>
-            </a:r>
-          </a:p>
-        </p:txBody>
-      </p:sp>
-      <p:pic>
-        <p:nvPicPr>
-          <p:cNvPr id="21" name="Picture 2" descr="What is JVM (Java Virtual Machine)? with Architecture: JAVA Programming  Tutorial">
-            <a:extLst>
-              <a:ext uri="{FF2B5EF4-FFF2-40B4-BE49-F238E27FC236}">
-                <a16:creationId xmlns:a16="http://schemas.microsoft.com/office/drawing/2014/main" id="{865BB954-BFAD-5B1D-CB6D-7CD2AAF08ADC}"/>
-              </a:ext>
-            </a:extLst>
-          </p:cNvPr>
-          <p:cNvPicPr>
-            <a:picLocks noChangeAspect="1" noChangeArrowheads="1"/>
-          </p:cNvPicPr>
-          <p:nvPr/>
-        </p:nvPicPr>
-        <p:blipFill>
-          <a:blip r:embed="rId3" cstate="print">
-            <a:extLst>
-              <a:ext uri="{28A0092B-C50C-407E-A947-70E740481C1C}">
-                <a14:useLocalDpi xmlns:a14="http://schemas.microsoft.com/office/drawing/2010/main" val="0"/>
-              </a:ext>
-            </a:extLst>
-          </a:blip>
-          <a:srcRect/>
-          <a:stretch>
-            <a:fillRect/>
-          </a:stretch>
-        </p:blipFill>
-        <p:spPr bwMode="auto">
-          <a:xfrm>
-            <a:off x="6947514" y="2270055"/>
-            <a:ext cx="1764807" cy="992704"/>
-          </a:xfrm>
-          <a:prstGeom prst="rect">
-            <a:avLst/>
-          </a:prstGeom>
-          <a:noFill/>
-          <a:extLst>
-            <a:ext uri="{909E8E84-426E-40DD-AFC4-6F175D3DCCD1}">
-              <a14:hiddenFill xmlns:a14="http://schemas.microsoft.com/office/drawing/2010/main">
-                <a:solidFill>
-                  <a:srgbClr val="FFFFFF"/>
-                </a:solidFill>
-              </a14:hiddenFill>
-            </a:ext>
-          </a:extLst>
-        </p:spPr>
-      </p:pic>
-      <p:cxnSp>
-        <p:nvCxnSpPr>
-          <p:cNvPr id="22" name="Connector: Elbow 21">
-            <a:extLst>
-              <a:ext uri="{FF2B5EF4-FFF2-40B4-BE49-F238E27FC236}">
-                <a16:creationId xmlns:a16="http://schemas.microsoft.com/office/drawing/2014/main" id="{CB4FDD60-D06F-AFF4-D6DB-CF810F7EE179}"/>
-              </a:ext>
-            </a:extLst>
-          </p:cNvPr>
-          <p:cNvCxnSpPr>
-            <a:stCxn id="21" idx="0"/>
-            <a:endCxn id="21" idx="3"/>
-          </p:cNvCxnSpPr>
-          <p:nvPr/>
-        </p:nvCxnSpPr>
-        <p:spPr>
-          <a:xfrm rot="16200000" flipH="1">
-            <a:off x="8022943" y="2077030"/>
-            <a:ext cx="496352" cy="882403"/>
-          </a:xfrm>
-          <a:prstGeom prst="bentConnector4">
-            <a:avLst>
-              <a:gd name="adj1" fmla="val -46056"/>
-              <a:gd name="adj2" fmla="val 125907"/>
-            </a:avLst>
-          </a:prstGeom>
-          <a:ln w="28575">
-            <a:solidFill>
-              <a:schemeClr val="tx1"/>
-            </a:solidFill>
-            <a:tailEnd type="triangle"/>
-          </a:ln>
-        </p:spPr>
-        <p:style>
-          <a:lnRef idx="1">
-            <a:schemeClr val="accent1"/>
-          </a:lnRef>
-          <a:fillRef idx="0">
-            <a:schemeClr val="accent1"/>
-          </a:fillRef>
-          <a:effectRef idx="0">
-            <a:schemeClr val="accent1"/>
-          </a:effectRef>
-          <a:fontRef idx="minor">
-            <a:schemeClr val="tx1"/>
-          </a:fontRef>
-        </p:style>
-      </p:cxnSp>
-      <p:cxnSp>
-        <p:nvCxnSpPr>
-          <p:cNvPr id="23" name="Straight Arrow Connector 22">
-            <a:extLst>
-              <a:ext uri="{FF2B5EF4-FFF2-40B4-BE49-F238E27FC236}">
-                <a16:creationId xmlns:a16="http://schemas.microsoft.com/office/drawing/2014/main" id="{5CC8314C-D9ED-FFFA-D3F2-680951061D00}"/>
-              </a:ext>
-            </a:extLst>
-          </p:cNvPr>
-          <p:cNvCxnSpPr>
-            <a:cxnSpLocks/>
-            <a:endCxn id="27" idx="1"/>
-          </p:cNvCxnSpPr>
-          <p:nvPr/>
-        </p:nvCxnSpPr>
-        <p:spPr>
-          <a:xfrm>
-            <a:off x="8712321" y="3014584"/>
-            <a:ext cx="1916414" cy="0"/>
-          </a:xfrm>
-          <a:prstGeom prst="straightConnector1">
-            <a:avLst/>
-          </a:prstGeom>
-          <a:ln w="34925">
-            <a:tailEnd type="triangle"/>
-          </a:ln>
-        </p:spPr>
-        <p:style>
-          <a:lnRef idx="1">
-            <a:schemeClr val="dk1"/>
-          </a:lnRef>
-          <a:fillRef idx="0">
-            <a:schemeClr val="dk1"/>
-          </a:fillRef>
-          <a:effectRef idx="0">
-            <a:schemeClr val="dk1"/>
-          </a:effectRef>
-          <a:fontRef idx="minor">
-            <a:schemeClr val="tx1"/>
-          </a:fontRef>
-        </p:style>
-      </p:cxnSp>
-      <p:sp>
-        <p:nvSpPr>
-          <p:cNvPr id="24" name="Rectangle: Rounded Corners 23">
-            <a:extLst>
-              <a:ext uri="{FF2B5EF4-FFF2-40B4-BE49-F238E27FC236}">
-                <a16:creationId xmlns:a16="http://schemas.microsoft.com/office/drawing/2014/main" id="{DD53644C-3433-6C37-255A-DB842901A3A6}"/>
-              </a:ext>
-            </a:extLst>
-          </p:cNvPr>
-          <p:cNvSpPr/>
-          <p:nvPr/>
-        </p:nvSpPr>
-        <p:spPr>
-          <a:xfrm>
-            <a:off x="8083929" y="1564664"/>
-            <a:ext cx="1676399" cy="633046"/>
-          </a:xfrm>
-          <a:prstGeom prst="roundRect">
-            <a:avLst/>
-          </a:prstGeom>
-        </p:spPr>
-        <p:style>
-          <a:lnRef idx="2">
-            <a:schemeClr val="accent1">
-              <a:shade val="15000"/>
-            </a:schemeClr>
-          </a:lnRef>
-          <a:fillRef idx="1">
-            <a:schemeClr val="accent1"/>
-          </a:fillRef>
-          <a:effectRef idx="0">
-            <a:schemeClr val="accent1"/>
-          </a:effectRef>
-          <a:fontRef idx="minor">
-            <a:schemeClr val="lt1"/>
-          </a:fontRef>
-        </p:style>
-        <p:txBody>
-          <a:bodyPr rtlCol="0" anchor="ctr"/>
-          <a:lstStyle/>
-          <a:p>
-            <a:pPr algn="ctr"/>
-            <a:r>
-              <a:rPr lang="en-US" sz="2000" i="1" dirty="0">
-                <a:ln w="0"/>
-                <a:solidFill>
-                  <a:schemeClr val="tx1"/>
-                </a:solidFill>
-                <a:effectLst>
-                  <a:outerShdw blurRad="38100" dist="19050" dir="2700000" algn="tl" rotWithShape="0">
-                    <a:schemeClr val="dk1">
-                      <a:alpha val="40000"/>
-                    </a:schemeClr>
-                  </a:outerShdw>
-                </a:effectLst>
-              </a:rPr>
-              <a:t>INTERPRETER</a:t>
-            </a:r>
-            <a:endParaRPr lang="en-US" b="1" i="1" dirty="0"/>
-          </a:p>
-        </p:txBody>
-      </p:sp>
-      <p:sp>
-        <p:nvSpPr>
-          <p:cNvPr id="26" name="Rectangle: Rounded Corners 25">
-            <a:extLst>
-              <a:ext uri="{FF2B5EF4-FFF2-40B4-BE49-F238E27FC236}">
-                <a16:creationId xmlns:a16="http://schemas.microsoft.com/office/drawing/2014/main" id="{1566E787-B7FE-07C0-4EEB-3FB409A640DC}"/>
-              </a:ext>
-            </a:extLst>
-          </p:cNvPr>
-          <p:cNvSpPr/>
-          <p:nvPr/>
-        </p:nvSpPr>
-        <p:spPr>
-          <a:xfrm>
-            <a:off x="9080478" y="2716352"/>
-            <a:ext cx="1054204" cy="633046"/>
-          </a:xfrm>
-          <a:prstGeom prst="roundRect">
-            <a:avLst/>
-          </a:prstGeom>
-          <a:solidFill>
-            <a:schemeClr val="accent2"/>
-          </a:solidFill>
-        </p:spPr>
-        <p:style>
-          <a:lnRef idx="2">
-            <a:schemeClr val="accent1">
-              <a:shade val="15000"/>
-            </a:schemeClr>
-          </a:lnRef>
-          <a:fillRef idx="1">
-            <a:schemeClr val="accent1"/>
-          </a:fillRef>
-          <a:effectRef idx="0">
-            <a:schemeClr val="accent1"/>
-          </a:effectRef>
-          <a:fontRef idx="minor">
-            <a:schemeClr val="lt1"/>
-          </a:fontRef>
-        </p:style>
-        <p:txBody>
-          <a:bodyPr rtlCol="0" anchor="ctr"/>
-          <a:lstStyle/>
-          <a:p>
-            <a:pPr algn="ctr"/>
-            <a:r>
-              <a:rPr lang="en-US" sz="1600" i="1" dirty="0">
-                <a:ln w="0"/>
-                <a:solidFill>
-                  <a:schemeClr val="tx1"/>
-                </a:solidFill>
-                <a:effectLst>
-                  <a:outerShdw blurRad="38100" dist="19050" dir="2700000" algn="tl" rotWithShape="0">
-                    <a:schemeClr val="dk1">
-                      <a:alpha val="40000"/>
-                    </a:schemeClr>
-                  </a:outerShdw>
-                </a:effectLst>
-              </a:rPr>
-              <a:t>Just-in-Time Compiler</a:t>
-            </a:r>
-            <a:endParaRPr lang="en-US" sz="1400" b="1" i="1" dirty="0"/>
-          </a:p>
-        </p:txBody>
-      </p:sp>
-      <p:pic>
-        <p:nvPicPr>
-          <p:cNvPr id="27" name="Picture 4" descr="Intro to x86 Assembly with FASM – Coding">
-            <a:extLst>
-              <a:ext uri="{FF2B5EF4-FFF2-40B4-BE49-F238E27FC236}">
-                <a16:creationId xmlns:a16="http://schemas.microsoft.com/office/drawing/2014/main" id="{87A529D5-9756-5C86-68B9-2F6754ADBF95}"/>
-              </a:ext>
-            </a:extLst>
-          </p:cNvPr>
-          <p:cNvPicPr>
-            <a:picLocks noChangeAspect="1" noChangeArrowheads="1"/>
-          </p:cNvPicPr>
-          <p:nvPr/>
-        </p:nvPicPr>
-        <p:blipFill>
-          <a:blip r:embed="rId4" cstate="print">
-            <a:extLst>
-              <a:ext uri="{28A0092B-C50C-407E-A947-70E740481C1C}">
-                <a14:useLocalDpi xmlns:a14="http://schemas.microsoft.com/office/drawing/2010/main" val="0"/>
-              </a:ext>
-            </a:extLst>
-          </a:blip>
-          <a:srcRect/>
-          <a:stretch>
-            <a:fillRect/>
-          </a:stretch>
-        </p:blipFill>
-        <p:spPr bwMode="auto">
-          <a:xfrm>
-            <a:off x="10628735" y="2466329"/>
-            <a:ext cx="1304153" cy="1096509"/>
-          </a:xfrm>
-          <a:prstGeom prst="rect">
-            <a:avLst/>
-          </a:prstGeom>
-          <a:noFill/>
-          <a:extLst>
-            <a:ext uri="{909E8E84-426E-40DD-AFC4-6F175D3DCCD1}">
-              <a14:hiddenFill xmlns:a14="http://schemas.microsoft.com/office/drawing/2010/main">
-                <a:solidFill>
-                  <a:srgbClr val="FFFFFF"/>
-                </a:solidFill>
-              </a14:hiddenFill>
-            </a:ext>
-          </a:extLst>
-        </p:spPr>
-      </p:pic>
-      <p:sp>
-        <p:nvSpPr>
-          <p:cNvPr id="30" name="TextBox 29">
-            <a:extLst>
-              <a:ext uri="{FF2B5EF4-FFF2-40B4-BE49-F238E27FC236}">
-                <a16:creationId xmlns:a16="http://schemas.microsoft.com/office/drawing/2014/main" id="{A20B7AA0-0AD3-6AEA-B819-2D57056C5A79}"/>
-              </a:ext>
-            </a:extLst>
-          </p:cNvPr>
-          <p:cNvSpPr txBox="1"/>
-          <p:nvPr/>
-        </p:nvSpPr>
-        <p:spPr>
-          <a:xfrm>
-            <a:off x="7278127" y="3218585"/>
-            <a:ext cx="1025537" cy="523220"/>
-          </a:xfrm>
-          <a:prstGeom prst="rect">
-            <a:avLst/>
-          </a:prstGeom>
-          <a:noFill/>
-        </p:spPr>
-        <p:txBody>
-          <a:bodyPr wrap="none" rtlCol="0">
-            <a:spAutoFit/>
-          </a:bodyPr>
-          <a:lstStyle/>
-          <a:p>
-            <a:r>
-              <a:rPr lang="en-US" sz="2800" b="1" dirty="0"/>
-              <a:t>[java]</a:t>
-            </a:r>
-          </a:p>
-        </p:txBody>
-      </p:sp>
-      <p:cxnSp>
-        <p:nvCxnSpPr>
-          <p:cNvPr id="31" name="Straight Arrow Connector 30">
-            <a:extLst>
-              <a:ext uri="{FF2B5EF4-FFF2-40B4-BE49-F238E27FC236}">
-                <a16:creationId xmlns:a16="http://schemas.microsoft.com/office/drawing/2014/main" id="{3584F1DB-A369-A3AC-7746-30416703DB5A}"/>
-              </a:ext>
-            </a:extLst>
-          </p:cNvPr>
-          <p:cNvCxnSpPr>
-            <a:cxnSpLocks/>
-            <a:stCxn id="8" idx="3"/>
-            <a:endCxn id="21" idx="1"/>
-          </p:cNvCxnSpPr>
-          <p:nvPr/>
-        </p:nvCxnSpPr>
-        <p:spPr>
-          <a:xfrm flipV="1">
-            <a:off x="6240867" y="2766407"/>
-            <a:ext cx="706647" cy="1"/>
-          </a:xfrm>
-          <a:prstGeom prst="straightConnector1">
-            <a:avLst/>
-          </a:prstGeom>
-          <a:ln w="34925">
-            <a:tailEnd type="triangle"/>
-          </a:ln>
-        </p:spPr>
-        <p:style>
-          <a:lnRef idx="1">
-            <a:schemeClr val="dk1"/>
-          </a:lnRef>
-          <a:fillRef idx="0">
-            <a:schemeClr val="dk1"/>
-          </a:fillRef>
-          <a:effectRef idx="0">
-            <a:schemeClr val="dk1"/>
-          </a:effectRef>
-          <a:fontRef idx="minor">
-            <a:schemeClr val="tx1"/>
-          </a:fontRef>
-        </p:style>
-      </p:cxnSp>
-      <p:sp>
-        <p:nvSpPr>
-          <p:cNvPr id="47" name="TextBox 46">
-            <a:extLst>
-              <a:ext uri="{FF2B5EF4-FFF2-40B4-BE49-F238E27FC236}">
-                <a16:creationId xmlns:a16="http://schemas.microsoft.com/office/drawing/2014/main" id="{1B14B39E-505D-1010-575D-611FC014BC35}"/>
-              </a:ext>
-            </a:extLst>
-          </p:cNvPr>
-          <p:cNvSpPr txBox="1"/>
-          <p:nvPr/>
-        </p:nvSpPr>
-        <p:spPr>
-          <a:xfrm>
-            <a:off x="10346503" y="3741761"/>
-            <a:ext cx="1519455" cy="369332"/>
-          </a:xfrm>
-          <a:prstGeom prst="rect">
-            <a:avLst/>
-          </a:prstGeom>
-          <a:noFill/>
-        </p:spPr>
-        <p:txBody>
-          <a:bodyPr wrap="none" rtlCol="0">
-            <a:spAutoFit/>
-          </a:bodyPr>
-          <a:lstStyle/>
-          <a:p>
-            <a:r>
-              <a:rPr lang="en-US" b="1" i="1" dirty="0"/>
-              <a:t>Machine code</a:t>
-            </a:r>
-          </a:p>
-        </p:txBody>
-      </p:sp>
-    </p:spTree>
-    <p:extLst>
-      <p:ext uri="{BB962C8B-B14F-4D97-AF65-F5344CB8AC3E}">
-        <p14:creationId xmlns:p14="http://schemas.microsoft.com/office/powerpoint/2010/main" val="3330123154"/>
-      </p:ext>
-    </p:extLst>
-  </p:cSld>
-  <p:clrMapOvr>
-    <a:masterClrMapping/>
-  </p:clrMapOvr>
-</p:sld>
-</file>
-
-<file path=ppt/slides/slide55.xml><?xml version="1.0" encoding="utf-8"?>
-<p:sld xmlns:a="http://schemas.openxmlformats.org/drawingml/2006/main" xmlns:r="http://schemas.openxmlformats.org/officeDocument/2006/relationships" xmlns:p="http://schemas.openxmlformats.org/presentationml/2006/main">
-  <p:cSld>
-    <p:spTree>
-      <p:nvGrpSpPr>
-        <p:cNvPr id="1" name=""/>
-        <p:cNvGrpSpPr/>
-        <p:nvPr/>
-      </p:nvGrpSpPr>
-      <p:grpSpPr>
-        <a:xfrm>
-          <a:off x="0" y="0"/>
-          <a:ext cx="0" cy="0"/>
-          <a:chOff x="0" y="0"/>
-          <a:chExt cx="0" cy="0"/>
-        </a:xfrm>
-      </p:grpSpPr>
-      <p:sp>
-        <p:nvSpPr>
-          <p:cNvPr id="2" name="Content Placeholder 1">
-            <a:extLst>
-              <a:ext uri="{FF2B5EF4-FFF2-40B4-BE49-F238E27FC236}">
-                <a16:creationId xmlns:a16="http://schemas.microsoft.com/office/drawing/2014/main" id="{70E053F4-0A97-2C61-DA87-58704AD6E633}"/>
-              </a:ext>
-            </a:extLst>
-          </p:cNvPr>
-          <p:cNvSpPr>
-            <a:spLocks noGrp="1"/>
-          </p:cNvSpPr>
-          <p:nvPr>
-            <p:ph idx="1"/>
-          </p:nvPr>
-        </p:nvSpPr>
-        <p:spPr>
-          <a:xfrm>
-            <a:off x="360607" y="785004"/>
-            <a:ext cx="11449319" cy="5046453"/>
-          </a:xfrm>
-        </p:spPr>
-        <p:txBody>
-          <a:bodyPr>
-            <a:normAutofit lnSpcReduction="10000"/>
-          </a:bodyPr>
-          <a:lstStyle/>
-          <a:p>
-            <a:r>
-              <a:rPr lang="en-US" dirty="0"/>
-              <a:t>Some checks happen at compile time</a:t>
-            </a:r>
-          </a:p>
-          <a:p>
-            <a:pPr lvl="1"/>
-            <a:r>
-              <a:rPr lang="en-US" dirty="0"/>
-              <a:t>Syntax checking</a:t>
-            </a:r>
-          </a:p>
-          <a:p>
-            <a:pPr lvl="1"/>
-            <a:r>
-              <a:rPr lang="en-US" dirty="0"/>
-              <a:t>Type-checking, generic type checking </a:t>
-            </a:r>
-          </a:p>
-          <a:p>
-            <a:pPr lvl="1"/>
-            <a:r>
-              <a:rPr lang="en-US" dirty="0"/>
-              <a:t>… and so on</a:t>
-            </a:r>
-          </a:p>
-          <a:p>
-            <a:r>
-              <a:rPr lang="en-US" dirty="0"/>
-              <a:t>Other checks happen at run time</a:t>
-            </a:r>
-          </a:p>
-          <a:p>
-            <a:pPr lvl="1"/>
-            <a:r>
-              <a:rPr lang="en-US" dirty="0"/>
-              <a:t>Runtime polymorphism</a:t>
-            </a:r>
-          </a:p>
-          <a:p>
-            <a:pPr lvl="1"/>
-            <a:r>
-              <a:rPr lang="en-US" dirty="0"/>
-              <a:t>Array index out of bounds access</a:t>
-            </a:r>
-          </a:p>
-          <a:p>
-            <a:pPr lvl="1"/>
-            <a:r>
-              <a:rPr lang="en-US" dirty="0"/>
-              <a:t>Null pointer access</a:t>
-            </a:r>
-          </a:p>
-          <a:p>
-            <a:pPr lvl="1"/>
-            <a:r>
-              <a:rPr lang="en-US" dirty="0"/>
-              <a:t>File not found checks</a:t>
-            </a:r>
-          </a:p>
-        </p:txBody>
-      </p:sp>
-      <p:sp>
-        <p:nvSpPr>
-          <p:cNvPr id="3" name="Title 2">
-            <a:extLst>
-              <a:ext uri="{FF2B5EF4-FFF2-40B4-BE49-F238E27FC236}">
-                <a16:creationId xmlns:a16="http://schemas.microsoft.com/office/drawing/2014/main" id="{26A958CC-2E4A-01B0-AB8A-394A44BB0883}"/>
-              </a:ext>
-            </a:extLst>
-          </p:cNvPr>
-          <p:cNvSpPr>
-            <a:spLocks noGrp="1"/>
-          </p:cNvSpPr>
-          <p:nvPr>
-            <p:ph type="title"/>
-          </p:nvPr>
-        </p:nvSpPr>
-        <p:spPr>
-          <a:xfrm>
-            <a:off x="0" y="0"/>
-            <a:ext cx="12192000" cy="696277"/>
-          </a:xfrm>
-        </p:spPr>
-        <p:txBody>
-          <a:bodyPr/>
-          <a:lstStyle/>
-          <a:p>
-            <a:r>
-              <a:rPr lang="en-US" dirty="0"/>
-              <a:t>Why does it matter?</a:t>
-            </a:r>
-          </a:p>
-        </p:txBody>
-      </p:sp>
-      <p:sp>
-        <p:nvSpPr>
-          <p:cNvPr id="7" name="Subtitle 6">
-            <a:extLst>
-              <a:ext uri="{FF2B5EF4-FFF2-40B4-BE49-F238E27FC236}">
-                <a16:creationId xmlns:a16="http://schemas.microsoft.com/office/drawing/2014/main" id="{CFC3CD92-C4CB-A2AB-A816-DB7945696901}"/>
-              </a:ext>
-            </a:extLst>
-          </p:cNvPr>
-          <p:cNvSpPr>
-            <a:spLocks noGrp="1"/>
-          </p:cNvSpPr>
-          <p:nvPr>
-            <p:ph type="subTitle" idx="13"/>
-          </p:nvPr>
-        </p:nvSpPr>
-        <p:spPr/>
-        <p:txBody>
-          <a:bodyPr/>
-          <a:lstStyle/>
-          <a:p>
-            <a:endParaRPr lang="en-US"/>
-          </a:p>
-        </p:txBody>
-      </p:sp>
-    </p:spTree>
-    <p:extLst>
-      <p:ext uri="{BB962C8B-B14F-4D97-AF65-F5344CB8AC3E}">
-        <p14:creationId xmlns:p14="http://schemas.microsoft.com/office/powerpoint/2010/main" val="329066650"/>
-      </p:ext>
-    </p:extLst>
-  </p:cSld>
-  <p:clrMapOvr>
-    <a:masterClrMapping/>
-  </p:clrMapOvr>
-</p:sld>
-</file>
-
-<file path=ppt/slides/slide56.xml><?xml version="1.0" encoding="utf-8"?>
-<p:sld xmlns:a="http://schemas.openxmlformats.org/drawingml/2006/main" xmlns:r="http://schemas.openxmlformats.org/officeDocument/2006/relationships" xmlns:p="http://schemas.openxmlformats.org/presentationml/2006/main">
-  <p:cSld>
-    <p:spTree>
-      <p:nvGrpSpPr>
-        <p:cNvPr id="1" name=""/>
-        <p:cNvGrpSpPr/>
-        <p:nvPr/>
-      </p:nvGrpSpPr>
-      <p:grpSpPr>
-        <a:xfrm>
-          <a:off x="0" y="0"/>
-          <a:ext cx="0" cy="0"/>
-          <a:chOff x="0" y="0"/>
-          <a:chExt cx="0" cy="0"/>
-        </a:xfrm>
-      </p:grpSpPr>
-      <p:sp>
-        <p:nvSpPr>
-          <p:cNvPr id="2" name="Content Placeholder 1">
-            <a:extLst>
-              <a:ext uri="{FF2B5EF4-FFF2-40B4-BE49-F238E27FC236}">
                 <a16:creationId xmlns:a16="http://schemas.microsoft.com/office/drawing/2014/main" id="{A4380504-F2B0-3BC8-121B-E745A513446E}"/>
               </a:ext>
             </a:extLst>
@@ -34644,7 +30796,7 @@
 </p:sld>
 </file>
 
-<file path=ppt/slides/slide57.xml><?xml version="1.0" encoding="utf-8"?>
+<file path=ppt/slides/slide51.xml><?xml version="1.0" encoding="utf-8"?>
 <p:sld xmlns:a="http://schemas.openxmlformats.org/drawingml/2006/main" xmlns:r="http://schemas.openxmlformats.org/officeDocument/2006/relationships" xmlns:p="http://schemas.openxmlformats.org/presentationml/2006/main" show="0">
   <p:cSld>
     <p:spTree>
@@ -35510,7 +31662,7 @@
 </p:sld>
 </file>
 
-<file path=ppt/slides/slide58.xml><?xml version="1.0" encoding="utf-8"?>
+<file path=ppt/slides/slide52.xml><?xml version="1.0" encoding="utf-8"?>
 <p:sld xmlns:a="http://schemas.openxmlformats.org/drawingml/2006/main" xmlns:r="http://schemas.openxmlformats.org/officeDocument/2006/relationships" xmlns:p="http://schemas.openxmlformats.org/presentationml/2006/main" show="0">
   <p:cSld>
     <p:spTree>
